--- a/slides/Tag-3_1-Docker.pptx
+++ b/slides/Tag-3_1-Docker.pptx
@@ -12,10 +12,10 @@
     <p:handoutMasterId r:id="rId8"/>
   </p:handoutMasterIdLst>
   <p:sldIdLst>
-    <p:sldId id="288" r:id="rId3"/>
-    <p:sldId id="287" r:id="rId4"/>
-    <p:sldId id="289" r:id="rId5"/>
-    <p:sldId id="290" r:id="rId6"/>
+    <p:sldId id="289" r:id="rId3"/>
+    <p:sldId id="291" r:id="rId4"/>
+    <p:sldId id="292" r:id="rId5"/>
+    <p:sldId id="293" r:id="rId6"/>
   </p:sldIdLst>
   <p:sldSz cx="9144000" cy="6858000" type="screen4x3"/>
   <p:notesSz cx="6784975" cy="9921875"/>
@@ -942,234 +942,334 @@
       </p:grpSpPr>
       <p:sp>
         <p:nvSpPr>
-          <p:cNvPr id="9218" name="Rectangle 5">
-            <a:extLst>
-              <a:ext uri="{FF2B5EF4-FFF2-40B4-BE49-F238E27FC236}">
-                <a16:creationId xmlns:a16="http://schemas.microsoft.com/office/drawing/2014/main" id="{CAB5EC0A-C9CC-A6BA-EE54-8860552589C9}"/>
-              </a:ext>
-            </a:extLst>
-          </p:cNvPr>
+          <p:cNvPr id="2" name="Folienbildplatzhalter 1"/>
           <p:cNvSpPr>
-            <a:spLocks noGrp="1" noChangeArrowheads="1"/>
+            <a:spLocks noGrp="1" noRot="1" noChangeAspect="1"/>
+          </p:cNvSpPr>
+          <p:nvPr>
+            <p:ph type="sldImg"/>
+          </p:nvPr>
+        </p:nvSpPr>
+        <p:spPr/>
+      </p:sp>
+      <p:sp>
+        <p:nvSpPr>
+          <p:cNvPr id="3" name="Notizenplatzhalter 2"/>
+          <p:cNvSpPr>
+            <a:spLocks noGrp="1"/>
+          </p:cNvSpPr>
+          <p:nvPr>
+            <p:ph type="body" idx="1"/>
+          </p:nvPr>
+        </p:nvSpPr>
+        <p:spPr/>
+        <p:txBody>
+          <a:bodyPr/>
+          <a:lstStyle/>
+          <a:p>
+            <a:endParaRPr lang="de-DE" dirty="0"/>
+          </a:p>
+        </p:txBody>
+      </p:sp>
+      <p:sp>
+        <p:nvSpPr>
+          <p:cNvPr id="4" name="Foliennummernplatzhalter 3"/>
+          <p:cNvSpPr>
+            <a:spLocks noGrp="1"/>
           </p:cNvSpPr>
           <p:nvPr>
             <p:ph type="sldNum" sz="quarter" idx="5"/>
           </p:nvPr>
         </p:nvSpPr>
-        <p:spPr>
-          <a:noFill/>
-          <a:ln/>
-          <a:extLst>
-            <a:ext uri="{909E8E84-426E-40DD-AFC4-6F175D3DCCD1}">
-              <a14:hiddenFill xmlns:a14="http://schemas.microsoft.com/office/drawing/2010/main">
-                <a:solidFill>
-                  <a:srgbClr val="FFFFFF"/>
-                </a:solidFill>
-              </a14:hiddenFill>
-            </a:ext>
-            <a:ext uri="{91240B29-F687-4F45-9708-019B960494DF}">
-              <a14:hiddenLine xmlns:a14="http://schemas.microsoft.com/office/drawing/2010/main" w="9525">
-                <a:solidFill>
-                  <a:srgbClr val="000000"/>
-                </a:solidFill>
-                <a:miter lim="800000"/>
-                <a:headEnd/>
-                <a:tailEnd/>
-              </a14:hiddenLine>
-            </a:ext>
-          </a:extLst>
-        </p:spPr>
+        <p:spPr/>
         <p:txBody>
           <a:bodyPr/>
-          <a:lstStyle>
-            <a:lvl1pPr defTabSz="762000">
-              <a:defRPr sz="2400">
-                <a:solidFill>
-                  <a:schemeClr val="tx1"/>
-                </a:solidFill>
-                <a:latin typeface="Times New Roman" panose="02020603050405020304" pitchFamily="18" charset="0"/>
-              </a:defRPr>
-            </a:lvl1pPr>
-            <a:lvl2pPr marL="742950" indent="-285750" defTabSz="762000">
-              <a:defRPr sz="2400">
-                <a:solidFill>
-                  <a:schemeClr val="tx1"/>
-                </a:solidFill>
-                <a:latin typeface="Times New Roman" panose="02020603050405020304" pitchFamily="18" charset="0"/>
-              </a:defRPr>
-            </a:lvl2pPr>
-            <a:lvl3pPr marL="1143000" indent="-228600" defTabSz="762000">
-              <a:defRPr sz="2400">
-                <a:solidFill>
-                  <a:schemeClr val="tx1"/>
-                </a:solidFill>
-                <a:latin typeface="Times New Roman" panose="02020603050405020304" pitchFamily="18" charset="0"/>
-              </a:defRPr>
-            </a:lvl3pPr>
-            <a:lvl4pPr marL="1600200" indent="-228600" defTabSz="762000">
-              <a:defRPr sz="2400">
-                <a:solidFill>
-                  <a:schemeClr val="tx1"/>
-                </a:solidFill>
-                <a:latin typeface="Times New Roman" panose="02020603050405020304" pitchFamily="18" charset="0"/>
-              </a:defRPr>
-            </a:lvl4pPr>
-            <a:lvl5pPr marL="2057400" indent="-228600" defTabSz="762000">
-              <a:defRPr sz="2400">
-                <a:solidFill>
-                  <a:schemeClr val="tx1"/>
-                </a:solidFill>
-                <a:latin typeface="Times New Roman" panose="02020603050405020304" pitchFamily="18" charset="0"/>
-              </a:defRPr>
-            </a:lvl5pPr>
-            <a:lvl6pPr marL="2514600" indent="-228600" defTabSz="762000" eaLnBrk="0" fontAlgn="base" hangingPunct="0">
-              <a:spcBef>
-                <a:spcPct val="0"/>
-              </a:spcBef>
-              <a:spcAft>
-                <a:spcPct val="0"/>
-              </a:spcAft>
-              <a:defRPr sz="2400">
-                <a:solidFill>
-                  <a:schemeClr val="tx1"/>
-                </a:solidFill>
-                <a:latin typeface="Times New Roman" panose="02020603050405020304" pitchFamily="18" charset="0"/>
-              </a:defRPr>
-            </a:lvl6pPr>
-            <a:lvl7pPr marL="2971800" indent="-228600" defTabSz="762000" eaLnBrk="0" fontAlgn="base" hangingPunct="0">
-              <a:spcBef>
-                <a:spcPct val="0"/>
-              </a:spcBef>
-              <a:spcAft>
-                <a:spcPct val="0"/>
-              </a:spcAft>
-              <a:defRPr sz="2400">
-                <a:solidFill>
-                  <a:schemeClr val="tx1"/>
-                </a:solidFill>
-                <a:latin typeface="Times New Roman" panose="02020603050405020304" pitchFamily="18" charset="0"/>
-              </a:defRPr>
-            </a:lvl7pPr>
-            <a:lvl8pPr marL="3429000" indent="-228600" defTabSz="762000" eaLnBrk="0" fontAlgn="base" hangingPunct="0">
-              <a:spcBef>
-                <a:spcPct val="0"/>
-              </a:spcBef>
-              <a:spcAft>
-                <a:spcPct val="0"/>
-              </a:spcAft>
-              <a:defRPr sz="2400">
-                <a:solidFill>
-                  <a:schemeClr val="tx1"/>
-                </a:solidFill>
-                <a:latin typeface="Times New Roman" panose="02020603050405020304" pitchFamily="18" charset="0"/>
-              </a:defRPr>
-            </a:lvl8pPr>
-            <a:lvl9pPr marL="3886200" indent="-228600" defTabSz="762000" eaLnBrk="0" fontAlgn="base" hangingPunct="0">
-              <a:spcBef>
-                <a:spcPct val="0"/>
-              </a:spcBef>
-              <a:spcAft>
-                <a:spcPct val="0"/>
-              </a:spcAft>
-              <a:defRPr sz="2400">
-                <a:solidFill>
-                  <a:schemeClr val="tx1"/>
-                </a:solidFill>
-                <a:latin typeface="Times New Roman" panose="02020603050405020304" pitchFamily="18" charset="0"/>
-              </a:defRPr>
-            </a:lvl9pPr>
-          </a:lstStyle>
+          <a:lstStyle/>
           <a:p>
-            <a:fld id="{0DFA95FD-393F-42A8-A207-199B4A6476FA}" type="slidenum">
-              <a:rPr lang="de-DE" altLang="de-DE" sz="1000">
-                <a:latin typeface="Arial" panose="020B0604020202020204" pitchFamily="34" charset="0"/>
-              </a:rPr>
+            <a:fld id="{18182567-388C-4D33-8B7B-A651F195F118}" type="slidenum">
+              <a:rPr lang="de-DE" altLang="de-DE" smtClean="0"/>
               <a:pPr/>
-              <a:t>2</a:t>
+              <a:t>1</a:t>
             </a:fld>
-            <a:endParaRPr lang="de-DE" altLang="de-DE" sz="1000">
-              <a:latin typeface="Arial" panose="020B0604020202020204" pitchFamily="34" charset="0"/>
-            </a:endParaRPr>
+            <a:endParaRPr lang="de-DE" altLang="de-DE"/>
+          </a:p>
+        </p:txBody>
+      </p:sp>
+    </p:spTree>
+    <p:extLst>
+      <p:ext uri="{BB962C8B-B14F-4D97-AF65-F5344CB8AC3E}">
+        <p14:creationId xmlns:p14="http://schemas.microsoft.com/office/powerpoint/2010/main" val="1349815882"/>
+      </p:ext>
+    </p:extLst>
+  </p:cSld>
+  <p:clrMapOvr>
+    <a:masterClrMapping/>
+  </p:clrMapOvr>
+</p:notes>
+</file>
+
+<file path=ppt/notesSlides/notesSlide2.xml><?xml version="1.0" encoding="utf-8"?>
+<p:notes xmlns:a="http://schemas.openxmlformats.org/drawingml/2006/main" xmlns:r="http://schemas.openxmlformats.org/officeDocument/2006/relationships" xmlns:p="http://schemas.openxmlformats.org/presentationml/2006/main">
+  <p:cSld>
+    <p:spTree>
+      <p:nvGrpSpPr>
+        <p:cNvPr id="1" name=""/>
+        <p:cNvGrpSpPr/>
+        <p:nvPr/>
+      </p:nvGrpSpPr>
+      <p:grpSpPr>
+        <a:xfrm>
+          <a:off x="0" y="0"/>
+          <a:ext cx="0" cy="0"/>
+          <a:chOff x="0" y="0"/>
+          <a:chExt cx="0" cy="0"/>
+        </a:xfrm>
+      </p:grpSpPr>
+      <p:sp>
+        <p:nvSpPr>
+          <p:cNvPr id="2" name="Folienbildplatzhalter 1"/>
+          <p:cNvSpPr>
+            <a:spLocks noGrp="1" noRot="1" noChangeAspect="1"/>
+          </p:cNvSpPr>
+          <p:nvPr>
+            <p:ph type="sldImg"/>
+          </p:nvPr>
+        </p:nvSpPr>
+        <p:spPr/>
+      </p:sp>
+      <p:sp>
+        <p:nvSpPr>
+          <p:cNvPr id="3" name="Notizenplatzhalter 2"/>
+          <p:cNvSpPr>
+            <a:spLocks noGrp="1"/>
+          </p:cNvSpPr>
+          <p:nvPr>
+            <p:ph type="body" idx="1"/>
+          </p:nvPr>
+        </p:nvSpPr>
+        <p:spPr/>
+        <p:txBody>
+          <a:bodyPr/>
+          <a:lstStyle/>
+          <a:p>
+            <a:r>
+              <a:rPr lang="de-DE" dirty="0"/>
+              <a:t>Was ist Docker:</a:t>
+            </a:r>
+            <a:br>
+              <a:rPr lang="de-DE" dirty="0"/>
+            </a:br>
+            <a:br>
+              <a:rPr lang="de-DE" dirty="0"/>
+            </a:br>
+            <a:r>
+              <a:rPr lang="de-DE" dirty="0" err="1"/>
+              <a:t>Containerisierungssoftware</a:t>
+            </a:r>
+            <a:r>
+              <a:rPr lang="de-DE" dirty="0"/>
+              <a:t>.</a:t>
+            </a:r>
+            <a:br>
+              <a:rPr lang="de-DE" dirty="0"/>
+            </a:br>
+            <a:br>
+              <a:rPr lang="de-DE" dirty="0"/>
+            </a:br>
+            <a:r>
+              <a:rPr lang="de-DE" dirty="0"/>
+              <a:t>Flexible Images</a:t>
+            </a:r>
+            <a:br>
+              <a:rPr lang="de-DE" dirty="0"/>
+            </a:br>
+            <a:br>
+              <a:rPr lang="de-DE" dirty="0"/>
+            </a:br>
+            <a:r>
+              <a:rPr lang="de-DE" dirty="0"/>
+              <a:t>Abkapselung</a:t>
+            </a:r>
           </a:p>
         </p:txBody>
       </p:sp>
       <p:sp>
         <p:nvSpPr>
-          <p:cNvPr id="9219" name="Rectangle 2">
-            <a:extLst>
-              <a:ext uri="{FF2B5EF4-FFF2-40B4-BE49-F238E27FC236}">
-                <a16:creationId xmlns:a16="http://schemas.microsoft.com/office/drawing/2014/main" id="{55ADAD09-5AD8-D6A8-82FA-8696898FF393}"/>
-              </a:ext>
-            </a:extLst>
-          </p:cNvPr>
+          <p:cNvPr id="4" name="Foliennummernplatzhalter 3"/>
           <p:cNvSpPr>
-            <a:spLocks noGrp="1" noRot="1" noChangeAspect="1" noChangeArrowheads="1" noTextEdit="1"/>
+            <a:spLocks noGrp="1"/>
+          </p:cNvSpPr>
+          <p:nvPr>
+            <p:ph type="sldNum" sz="quarter" idx="5"/>
+          </p:nvPr>
+        </p:nvSpPr>
+        <p:spPr/>
+        <p:txBody>
+          <a:bodyPr/>
+          <a:lstStyle/>
+          <a:p>
+            <a:fld id="{18182567-388C-4D33-8B7B-A651F195F118}" type="slidenum">
+              <a:rPr lang="de-DE" altLang="de-DE" smtClean="0"/>
+              <a:pPr/>
+              <a:t>2</a:t>
+            </a:fld>
+            <a:endParaRPr lang="de-DE" altLang="de-DE"/>
+          </a:p>
+        </p:txBody>
+      </p:sp>
+    </p:spTree>
+    <p:extLst>
+      <p:ext uri="{BB962C8B-B14F-4D97-AF65-F5344CB8AC3E}">
+        <p14:creationId xmlns:p14="http://schemas.microsoft.com/office/powerpoint/2010/main" val="164443205"/>
+      </p:ext>
+    </p:extLst>
+  </p:cSld>
+  <p:clrMapOvr>
+    <a:masterClrMapping/>
+  </p:clrMapOvr>
+</p:notes>
+</file>
+
+<file path=ppt/notesSlides/notesSlide3.xml><?xml version="1.0" encoding="utf-8"?>
+<p:notes xmlns:a="http://schemas.openxmlformats.org/drawingml/2006/main" xmlns:r="http://schemas.openxmlformats.org/officeDocument/2006/relationships" xmlns:p="http://schemas.openxmlformats.org/presentationml/2006/main">
+  <p:cSld>
+    <p:spTree>
+      <p:nvGrpSpPr>
+        <p:cNvPr id="1" name=""/>
+        <p:cNvGrpSpPr/>
+        <p:nvPr/>
+      </p:nvGrpSpPr>
+      <p:grpSpPr>
+        <a:xfrm>
+          <a:off x="0" y="0"/>
+          <a:ext cx="0" cy="0"/>
+          <a:chOff x="0" y="0"/>
+          <a:chExt cx="0" cy="0"/>
+        </a:xfrm>
+      </p:grpSpPr>
+      <p:sp>
+        <p:nvSpPr>
+          <p:cNvPr id="2" name="Folienbildplatzhalter 1"/>
+          <p:cNvSpPr>
+            <a:spLocks noGrp="1" noRot="1" noChangeAspect="1"/>
           </p:cNvSpPr>
           <p:nvPr>
             <p:ph type="sldImg"/>
           </p:nvPr>
         </p:nvSpPr>
-        <p:spPr>
-          <a:xfrm>
-            <a:off x="911225" y="744538"/>
-            <a:ext cx="4962525" cy="3722687"/>
-          </a:xfrm>
-          <a:ln/>
-        </p:spPr>
+        <p:spPr/>
       </p:sp>
       <p:sp>
         <p:nvSpPr>
-          <p:cNvPr id="9220" name="Rectangle 3">
-            <a:extLst>
-              <a:ext uri="{FF2B5EF4-FFF2-40B4-BE49-F238E27FC236}">
-                <a16:creationId xmlns:a16="http://schemas.microsoft.com/office/drawing/2014/main" id="{6CD01483-3634-269A-689A-A2F198F34B73}"/>
-              </a:ext>
-            </a:extLst>
-          </p:cNvPr>
+          <p:cNvPr id="3" name="Notizenplatzhalter 2"/>
           <p:cNvSpPr>
-            <a:spLocks noGrp="1" noChangeArrowheads="1"/>
+            <a:spLocks noGrp="1"/>
           </p:cNvSpPr>
           <p:nvPr>
             <p:ph type="body" idx="1"/>
           </p:nvPr>
         </p:nvSpPr>
-        <p:spPr>
-          <a:xfrm>
-            <a:off x="679450" y="4713288"/>
-            <a:ext cx="5426075" cy="4464050"/>
-          </a:xfrm>
-          <a:noFill/>
-          <a:ln/>
-          <a:extLst>
-            <a:ext uri="{909E8E84-426E-40DD-AFC4-6F175D3DCCD1}">
-              <a14:hiddenFill xmlns:a14="http://schemas.microsoft.com/office/drawing/2010/main">
-                <a:solidFill>
-                  <a:srgbClr val="FFFFFF"/>
-                </a:solidFill>
-              </a14:hiddenFill>
-            </a:ext>
-            <a:ext uri="{91240B29-F687-4F45-9708-019B960494DF}">
-              <a14:hiddenLine xmlns:a14="http://schemas.microsoft.com/office/drawing/2010/main" w="9525">
-                <a:solidFill>
-                  <a:srgbClr val="000000"/>
-                </a:solidFill>
-                <a:miter lim="800000"/>
-                <a:headEnd/>
-                <a:tailEnd/>
-              </a14:hiddenLine>
-            </a:ext>
-          </a:extLst>
-        </p:spPr>
+        <p:spPr/>
         <p:txBody>
           <a:bodyPr/>
           <a:lstStyle/>
           <a:p>
-            <a:pPr defTabSz="914400" eaLnBrk="1" hangingPunct="1"/>
+            <a:r>
+              <a:rPr lang="en-US" dirty="0" err="1"/>
+              <a:t>Warum</a:t>
+            </a:r>
+            <a:r>
+              <a:rPr lang="en-US" dirty="0"/>
+              <a:t> Docker?</a:t>
+            </a:r>
+            <a:br>
+              <a:rPr lang="en-US" dirty="0"/>
+            </a:br>
+            <a:br>
+              <a:rPr lang="en-US" dirty="0"/>
+            </a:br>
+            <a:r>
+              <a:rPr lang="en-US" dirty="0" err="1"/>
+              <a:t>Zuverlässige</a:t>
+            </a:r>
+            <a:r>
+              <a:rPr lang="en-US" dirty="0"/>
+              <a:t> runtime </a:t>
+            </a:r>
+            <a:r>
+              <a:rPr lang="en-US" dirty="0" err="1"/>
+              <a:t>umgebung</a:t>
+            </a:r>
+            <a:br>
+              <a:rPr lang="en-US" dirty="0"/>
+            </a:br>
+            <a:br>
+              <a:rPr lang="en-US" dirty="0"/>
+            </a:br>
+            <a:r>
+              <a:rPr lang="en-US" dirty="0" err="1"/>
+              <a:t>Architektur</a:t>
+            </a:r>
+            <a:r>
+              <a:rPr lang="en-US" dirty="0"/>
+              <a:t> via Syntax </a:t>
+            </a:r>
+            <a:br>
+              <a:rPr lang="en-US" dirty="0"/>
+            </a:br>
+            <a:br>
+              <a:rPr lang="en-US" dirty="0"/>
+            </a:br>
+            <a:r>
+              <a:rPr lang="en-US" dirty="0" err="1"/>
+              <a:t>Sicherheit</a:t>
+            </a:r>
+            <a:r>
+              <a:rPr lang="en-US" dirty="0"/>
+              <a:t> </a:t>
+            </a:r>
+            <a:r>
+              <a:rPr lang="en-US" dirty="0" err="1"/>
+              <a:t>durch</a:t>
+            </a:r>
+            <a:r>
+              <a:rPr lang="en-US" dirty="0"/>
+              <a:t> isolation</a:t>
+            </a:r>
+            <a:endParaRPr lang="de-DE" dirty="0"/>
+          </a:p>
+        </p:txBody>
+      </p:sp>
+      <p:sp>
+        <p:nvSpPr>
+          <p:cNvPr id="4" name="Foliennummernplatzhalter 3"/>
+          <p:cNvSpPr>
+            <a:spLocks noGrp="1"/>
+          </p:cNvSpPr>
+          <p:nvPr>
+            <p:ph type="sldNum" sz="quarter" idx="5"/>
+          </p:nvPr>
+        </p:nvSpPr>
+        <p:spPr/>
+        <p:txBody>
+          <a:bodyPr/>
+          <a:lstStyle/>
+          <a:p>
+            <a:fld id="{18182567-388C-4D33-8B7B-A651F195F118}" type="slidenum">
+              <a:rPr lang="de-DE" altLang="de-DE" smtClean="0"/>
+              <a:pPr/>
+              <a:t>3</a:t>
+            </a:fld>
             <a:endParaRPr lang="de-DE" altLang="de-DE"/>
           </a:p>
         </p:txBody>
       </p:sp>
     </p:spTree>
+    <p:extLst>
+      <p:ext uri="{BB962C8B-B14F-4D97-AF65-F5344CB8AC3E}">
+        <p14:creationId xmlns:p14="http://schemas.microsoft.com/office/powerpoint/2010/main" val="824849740"/>
+      </p:ext>
+    </p:extLst>
   </p:cSld>
   <p:clrMapOvr>
     <a:masterClrMapping/>
@@ -1526,7 +1626,7 @@
               <a:pPr algn="ctr">
                 <a:defRPr/>
               </a:pPr>
-              <a:t>03.05.2024</a:t>
+              <a:t>07.05.2024</a:t>
             </a:fld>
             <a:endParaRPr lang="de-DE" sz="1000">
               <a:solidFill>
@@ -3486,2623 +3586,6 @@
       </p:grpSpPr>
       <p:sp>
         <p:nvSpPr>
-          <p:cNvPr id="4098" name="Rectangle 2">
-            <a:extLst>
-              <a:ext uri="{FF2B5EF4-FFF2-40B4-BE49-F238E27FC236}">
-                <a16:creationId xmlns:a16="http://schemas.microsoft.com/office/drawing/2014/main" id="{E4B2C6CD-AD60-3C79-94C5-A3C58293BC9E}"/>
-              </a:ext>
-            </a:extLst>
-          </p:cNvPr>
-          <p:cNvSpPr>
-            <a:spLocks noGrp="1" noChangeArrowheads="1"/>
-          </p:cNvSpPr>
-          <p:nvPr>
-            <p:ph type="ctrTitle" idx="4294967295"/>
-          </p:nvPr>
-        </p:nvSpPr>
-        <p:spPr bwMode="auto">
-          <a:xfrm>
-            <a:off x="468313" y="2562225"/>
-            <a:ext cx="4967287" cy="938213"/>
-          </a:xfrm>
-          <a:prstGeom prst="rect">
-            <a:avLst/>
-          </a:prstGeom>
-          <a:noFill/>
-          <a:extLst>
-            <a:ext uri="{909E8E84-426E-40DD-AFC4-6F175D3DCCD1}">
-              <a14:hiddenFill xmlns:a14="http://schemas.microsoft.com/office/drawing/2010/main">
-                <a:solidFill>
-                  <a:srgbClr val="FFFFFF"/>
-                </a:solidFill>
-              </a14:hiddenFill>
-            </a:ext>
-            <a:ext uri="{91240B29-F687-4F45-9708-019B960494DF}">
-              <a14:hiddenLine xmlns:a14="http://schemas.microsoft.com/office/drawing/2010/main" w="9525">
-                <a:solidFill>
-                  <a:srgbClr val="000000"/>
-                </a:solidFill>
-                <a:miter lim="800000"/>
-                <a:headEnd/>
-                <a:tailEnd/>
-              </a14:hiddenLine>
-            </a:ext>
-          </a:extLst>
-        </p:spPr>
-        <p:txBody>
-          <a:bodyPr/>
-          <a:lstStyle/>
-          <a:p>
-            <a:pPr algn="l" eaLnBrk="1" hangingPunct="1"/>
-            <a:r>
-              <a:rPr lang="de-DE" altLang="de-DE"/>
-              <a:t>&lt;Titel&gt;</a:t>
-            </a:r>
-          </a:p>
-        </p:txBody>
-      </p:sp>
-      <p:sp>
-        <p:nvSpPr>
-          <p:cNvPr id="4099" name="Rectangle 3">
-            <a:extLst>
-              <a:ext uri="{FF2B5EF4-FFF2-40B4-BE49-F238E27FC236}">
-                <a16:creationId xmlns:a16="http://schemas.microsoft.com/office/drawing/2014/main" id="{89107976-89BA-B819-B0F4-5904DD4F4AAC}"/>
-              </a:ext>
-            </a:extLst>
-          </p:cNvPr>
-          <p:cNvSpPr>
-            <a:spLocks noGrp="1" noChangeArrowheads="1"/>
-          </p:cNvSpPr>
-          <p:nvPr>
-            <p:ph type="subTitle" idx="4294967295"/>
-          </p:nvPr>
-        </p:nvSpPr>
-        <p:spPr bwMode="auto">
-          <a:xfrm>
-            <a:off x="468313" y="4462463"/>
-            <a:ext cx="2159000" cy="622300"/>
-          </a:xfrm>
-          <a:prstGeom prst="rect">
-            <a:avLst/>
-          </a:prstGeom>
-          <a:noFill/>
-          <a:extLst>
-            <a:ext uri="{909E8E84-426E-40DD-AFC4-6F175D3DCCD1}">
-              <a14:hiddenFill xmlns:a14="http://schemas.microsoft.com/office/drawing/2010/main">
-                <a:solidFill>
-                  <a:srgbClr val="FFFFFF"/>
-                </a:solidFill>
-              </a14:hiddenFill>
-            </a:ext>
-            <a:ext uri="{91240B29-F687-4F45-9708-019B960494DF}">
-              <a14:hiddenLine xmlns:a14="http://schemas.microsoft.com/office/drawing/2010/main" w="9525">
-                <a:solidFill>
-                  <a:srgbClr val="000000"/>
-                </a:solidFill>
-                <a:miter lim="800000"/>
-                <a:headEnd/>
-                <a:tailEnd/>
-              </a14:hiddenLine>
-            </a:ext>
-          </a:extLst>
-        </p:spPr>
-        <p:txBody>
-          <a:bodyPr/>
-          <a:lstStyle/>
-          <a:p>
-            <a:pPr eaLnBrk="1" hangingPunct="1">
-              <a:buFontTx/>
-              <a:buNone/>
-            </a:pPr>
-            <a:r>
-              <a:rPr lang="de-DE" altLang="de-DE" sz="1600"/>
-              <a:t>&lt;Datum, Autor&gt;</a:t>
-            </a:r>
-          </a:p>
-        </p:txBody>
-      </p:sp>
-      <p:sp>
-        <p:nvSpPr>
-          <p:cNvPr id="4100" name="Rectangle 4">
-            <a:extLst>
-              <a:ext uri="{FF2B5EF4-FFF2-40B4-BE49-F238E27FC236}">
-                <a16:creationId xmlns:a16="http://schemas.microsoft.com/office/drawing/2014/main" id="{4D866AF1-CD71-C1C5-56DD-B2E98E020155}"/>
-              </a:ext>
-            </a:extLst>
-          </p:cNvPr>
-          <p:cNvSpPr>
-            <a:spLocks noChangeArrowheads="1"/>
-          </p:cNvSpPr>
-          <p:nvPr/>
-        </p:nvSpPr>
-        <p:spPr bwMode="auto">
-          <a:xfrm>
-            <a:off x="468313" y="549275"/>
-            <a:ext cx="4032250" cy="938213"/>
-          </a:xfrm>
-          <a:prstGeom prst="rect">
-            <a:avLst/>
-          </a:prstGeom>
-          <a:noFill/>
-          <a:ln>
-            <a:noFill/>
-          </a:ln>
-          <a:extLst>
-            <a:ext uri="{909E8E84-426E-40DD-AFC4-6F175D3DCCD1}">
-              <a14:hiddenFill xmlns:a14="http://schemas.microsoft.com/office/drawing/2010/main">
-                <a:solidFill>
-                  <a:srgbClr val="FFFFFF"/>
-                </a:solidFill>
-              </a14:hiddenFill>
-            </a:ext>
-            <a:ext uri="{91240B29-F687-4F45-9708-019B960494DF}">
-              <a14:hiddenLine xmlns:a14="http://schemas.microsoft.com/office/drawing/2010/main" w="9525">
-                <a:solidFill>
-                  <a:srgbClr val="000000"/>
-                </a:solidFill>
-                <a:miter lim="800000"/>
-                <a:headEnd/>
-                <a:tailEnd/>
-              </a14:hiddenLine>
-            </a:ext>
-          </a:extLst>
-        </p:spPr>
-        <p:txBody>
-          <a:bodyPr/>
-          <a:lstStyle>
-            <a:lvl1pPr>
-              <a:defRPr sz="2400">
-                <a:solidFill>
-                  <a:schemeClr val="tx1"/>
-                </a:solidFill>
-                <a:latin typeface="Times New Roman" panose="02020603050405020304" pitchFamily="18" charset="0"/>
-              </a:defRPr>
-            </a:lvl1pPr>
-            <a:lvl2pPr marL="742950" indent="-285750">
-              <a:defRPr sz="2400">
-                <a:solidFill>
-                  <a:schemeClr val="tx1"/>
-                </a:solidFill>
-                <a:latin typeface="Times New Roman" panose="02020603050405020304" pitchFamily="18" charset="0"/>
-              </a:defRPr>
-            </a:lvl2pPr>
-            <a:lvl3pPr marL="1143000" indent="-228600">
-              <a:defRPr sz="2400">
-                <a:solidFill>
-                  <a:schemeClr val="tx1"/>
-                </a:solidFill>
-                <a:latin typeface="Times New Roman" panose="02020603050405020304" pitchFamily="18" charset="0"/>
-              </a:defRPr>
-            </a:lvl3pPr>
-            <a:lvl4pPr marL="1600200" indent="-228600">
-              <a:defRPr sz="2400">
-                <a:solidFill>
-                  <a:schemeClr val="tx1"/>
-                </a:solidFill>
-                <a:latin typeface="Times New Roman" panose="02020603050405020304" pitchFamily="18" charset="0"/>
-              </a:defRPr>
-            </a:lvl4pPr>
-            <a:lvl5pPr marL="2057400" indent="-228600">
-              <a:defRPr sz="2400">
-                <a:solidFill>
-                  <a:schemeClr val="tx1"/>
-                </a:solidFill>
-                <a:latin typeface="Times New Roman" panose="02020603050405020304" pitchFamily="18" charset="0"/>
-              </a:defRPr>
-            </a:lvl5pPr>
-            <a:lvl6pPr marL="2514600" indent="-228600" eaLnBrk="0" fontAlgn="base" hangingPunct="0">
-              <a:spcBef>
-                <a:spcPct val="0"/>
-              </a:spcBef>
-              <a:spcAft>
-                <a:spcPct val="0"/>
-              </a:spcAft>
-              <a:defRPr sz="2400">
-                <a:solidFill>
-                  <a:schemeClr val="tx1"/>
-                </a:solidFill>
-                <a:latin typeface="Times New Roman" panose="02020603050405020304" pitchFamily="18" charset="0"/>
-              </a:defRPr>
-            </a:lvl6pPr>
-            <a:lvl7pPr marL="2971800" indent="-228600" eaLnBrk="0" fontAlgn="base" hangingPunct="0">
-              <a:spcBef>
-                <a:spcPct val="0"/>
-              </a:spcBef>
-              <a:spcAft>
-                <a:spcPct val="0"/>
-              </a:spcAft>
-              <a:defRPr sz="2400">
-                <a:solidFill>
-                  <a:schemeClr val="tx1"/>
-                </a:solidFill>
-                <a:latin typeface="Times New Roman" panose="02020603050405020304" pitchFamily="18" charset="0"/>
-              </a:defRPr>
-            </a:lvl7pPr>
-            <a:lvl8pPr marL="3429000" indent="-228600" eaLnBrk="0" fontAlgn="base" hangingPunct="0">
-              <a:spcBef>
-                <a:spcPct val="0"/>
-              </a:spcBef>
-              <a:spcAft>
-                <a:spcPct val="0"/>
-              </a:spcAft>
-              <a:defRPr sz="2400">
-                <a:solidFill>
-                  <a:schemeClr val="tx1"/>
-                </a:solidFill>
-                <a:latin typeface="Times New Roman" panose="02020603050405020304" pitchFamily="18" charset="0"/>
-              </a:defRPr>
-            </a:lvl8pPr>
-            <a:lvl9pPr marL="3886200" indent="-228600" eaLnBrk="0" fontAlgn="base" hangingPunct="0">
-              <a:spcBef>
-                <a:spcPct val="0"/>
-              </a:spcBef>
-              <a:spcAft>
-                <a:spcPct val="0"/>
-              </a:spcAft>
-              <a:defRPr sz="2400">
-                <a:solidFill>
-                  <a:schemeClr val="tx1"/>
-                </a:solidFill>
-                <a:latin typeface="Times New Roman" panose="02020603050405020304" pitchFamily="18" charset="0"/>
-              </a:defRPr>
-            </a:lvl9pPr>
-          </a:lstStyle>
-          <a:p>
-            <a:pPr eaLnBrk="1" hangingPunct="1"/>
-            <a:r>
-              <a:rPr lang="de-DE" altLang="de-DE" sz="4400">
-                <a:solidFill>
-                  <a:schemeClr val="tx2"/>
-                </a:solidFill>
-                <a:latin typeface="Arial" panose="020B0604020202020204" pitchFamily="34" charset="0"/>
-              </a:rPr>
-              <a:t>&lt;Kundenlogo&gt;</a:t>
-            </a:r>
-          </a:p>
-        </p:txBody>
-      </p:sp>
-    </p:spTree>
-  </p:cSld>
-  <p:clrMapOvr>
-    <a:masterClrMapping/>
-  </p:clrMapOvr>
-</p:sld>
-</file>
-
-<file path=ppt/slides/slide2.xml><?xml version="1.0" encoding="utf-8"?>
-<p:sld xmlns:a="http://schemas.openxmlformats.org/drawingml/2006/main" xmlns:r="http://schemas.openxmlformats.org/officeDocument/2006/relationships" xmlns:p="http://schemas.openxmlformats.org/presentationml/2006/main">
-  <p:cSld>
-    <p:spTree>
-      <p:nvGrpSpPr>
-        <p:cNvPr id="1" name=""/>
-        <p:cNvGrpSpPr/>
-        <p:nvPr/>
-      </p:nvGrpSpPr>
-      <p:grpSpPr>
-        <a:xfrm>
-          <a:off x="0" y="0"/>
-          <a:ext cx="0" cy="0"/>
-          <a:chOff x="0" y="0"/>
-          <a:chExt cx="0" cy="0"/>
-        </a:xfrm>
-      </p:grpSpPr>
-      <p:pic>
-        <p:nvPicPr>
-          <p:cNvPr id="5122" name="Grafik 19" descr="micha_schiffe_.jpeg">
-            <a:extLst>
-              <a:ext uri="{FF2B5EF4-FFF2-40B4-BE49-F238E27FC236}">
-                <a16:creationId xmlns:a16="http://schemas.microsoft.com/office/drawing/2014/main" id="{D1484873-7AFD-DEC5-AA79-5441EED61321}"/>
-              </a:ext>
-            </a:extLst>
-          </p:cNvPr>
-          <p:cNvPicPr>
-            <a:picLocks noChangeAspect="1"/>
-          </p:cNvPicPr>
-          <p:nvPr/>
-        </p:nvPicPr>
-        <p:blipFill>
-          <a:blip r:embed="rId3">
-            <a:extLst>
-              <a:ext uri="{28A0092B-C50C-407E-A947-70E740481C1C}">
-                <a14:useLocalDpi xmlns:a14="http://schemas.microsoft.com/office/drawing/2010/main" val="0"/>
-              </a:ext>
-            </a:extLst>
-          </a:blip>
-          <a:srcRect/>
-          <a:stretch>
-            <a:fillRect/>
-          </a:stretch>
-        </p:blipFill>
-        <p:spPr bwMode="auto">
-          <a:xfrm>
-            <a:off x="254000" y="1595438"/>
-            <a:ext cx="8626475" cy="3609975"/>
-          </a:xfrm>
-          <a:prstGeom prst="rect">
-            <a:avLst/>
-          </a:prstGeom>
-          <a:noFill/>
-          <a:ln>
-            <a:noFill/>
-          </a:ln>
-          <a:extLst>
-            <a:ext uri="{909E8E84-426E-40DD-AFC4-6F175D3DCCD1}">
-              <a14:hiddenFill xmlns:a14="http://schemas.microsoft.com/office/drawing/2010/main">
-                <a:solidFill>
-                  <a:srgbClr val="FFFFFF"/>
-                </a:solidFill>
-              </a14:hiddenFill>
-            </a:ext>
-            <a:ext uri="{91240B29-F687-4F45-9708-019B960494DF}">
-              <a14:hiddenLine xmlns:a14="http://schemas.microsoft.com/office/drawing/2010/main" w="9525">
-                <a:solidFill>
-                  <a:srgbClr val="000000"/>
-                </a:solidFill>
-                <a:miter lim="800000"/>
-                <a:headEnd/>
-                <a:tailEnd/>
-              </a14:hiddenLine>
-            </a:ext>
-          </a:extLst>
-        </p:spPr>
-      </p:pic>
-      <p:sp>
-        <p:nvSpPr>
-          <p:cNvPr id="5123" name="Rectangle 6">
-            <a:extLst>
-              <a:ext uri="{FF2B5EF4-FFF2-40B4-BE49-F238E27FC236}">
-                <a16:creationId xmlns:a16="http://schemas.microsoft.com/office/drawing/2014/main" id="{BC4BC2CC-AA18-345B-63ED-7D24CA6BD3B5}"/>
-              </a:ext>
-            </a:extLst>
-          </p:cNvPr>
-          <p:cNvSpPr>
-            <a:spLocks noGrp="1" noChangeArrowheads="1"/>
-          </p:cNvSpPr>
-          <p:nvPr>
-            <p:ph type="title"/>
-          </p:nvPr>
-        </p:nvSpPr>
-        <p:spPr>
-          <a:xfrm>
-            <a:off x="457200" y="115888"/>
-            <a:ext cx="3409950" cy="706437"/>
-          </a:xfrm>
-        </p:spPr>
-        <p:txBody>
-          <a:bodyPr/>
-          <a:lstStyle/>
-          <a:p>
-            <a:r>
-              <a:rPr lang="de-DE" altLang="de-DE"/>
-              <a:t>Inhalt</a:t>
-            </a:r>
-          </a:p>
-        </p:txBody>
-      </p:sp>
-      <p:sp>
-        <p:nvSpPr>
-          <p:cNvPr id="5124" name="Text Box 7">
-            <a:extLst>
-              <a:ext uri="{FF2B5EF4-FFF2-40B4-BE49-F238E27FC236}">
-                <a16:creationId xmlns:a16="http://schemas.microsoft.com/office/drawing/2014/main" id="{4631B481-D5DB-C5EF-37AD-F64CAF402463}"/>
-              </a:ext>
-            </a:extLst>
-          </p:cNvPr>
-          <p:cNvSpPr txBox="1">
-            <a:spLocks noChangeArrowheads="1"/>
-          </p:cNvSpPr>
-          <p:nvPr/>
-        </p:nvSpPr>
-        <p:spPr bwMode="auto">
-          <a:xfrm>
-            <a:off x="473075" y="1724025"/>
-            <a:ext cx="7416800" cy="366713"/>
-          </a:xfrm>
-          <a:prstGeom prst="rect">
-            <a:avLst/>
-          </a:prstGeom>
-          <a:noFill/>
-          <a:ln>
-            <a:noFill/>
-          </a:ln>
-          <a:extLst>
-            <a:ext uri="{909E8E84-426E-40DD-AFC4-6F175D3DCCD1}">
-              <a14:hiddenFill xmlns:a14="http://schemas.microsoft.com/office/drawing/2010/main">
-                <a:solidFill>
-                  <a:srgbClr val="FFFFFF"/>
-                </a:solidFill>
-              </a14:hiddenFill>
-            </a:ext>
-            <a:ext uri="{91240B29-F687-4F45-9708-019B960494DF}">
-              <a14:hiddenLine xmlns:a14="http://schemas.microsoft.com/office/drawing/2010/main" w="9525">
-                <a:solidFill>
-                  <a:srgbClr val="000000"/>
-                </a:solidFill>
-                <a:miter lim="800000"/>
-                <a:headEnd/>
-                <a:tailEnd/>
-              </a14:hiddenLine>
-            </a:ext>
-          </a:extLst>
-        </p:spPr>
-        <p:txBody>
-          <a:bodyPr anchor="ctr">
-            <a:spAutoFit/>
-          </a:bodyPr>
-          <a:lstStyle>
-            <a:lvl1pPr>
-              <a:defRPr sz="2400">
-                <a:solidFill>
-                  <a:schemeClr val="tx1"/>
-                </a:solidFill>
-                <a:latin typeface="Times New Roman" panose="02020603050405020304" pitchFamily="18" charset="0"/>
-              </a:defRPr>
-            </a:lvl1pPr>
-            <a:lvl2pPr marL="742950" indent="-285750">
-              <a:defRPr sz="2400">
-                <a:solidFill>
-                  <a:schemeClr val="tx1"/>
-                </a:solidFill>
-                <a:latin typeface="Times New Roman" panose="02020603050405020304" pitchFamily="18" charset="0"/>
-              </a:defRPr>
-            </a:lvl2pPr>
-            <a:lvl3pPr marL="1143000" indent="-228600">
-              <a:defRPr sz="2400">
-                <a:solidFill>
-                  <a:schemeClr val="tx1"/>
-                </a:solidFill>
-                <a:latin typeface="Times New Roman" panose="02020603050405020304" pitchFamily="18" charset="0"/>
-              </a:defRPr>
-            </a:lvl3pPr>
-            <a:lvl4pPr marL="1600200" indent="-228600">
-              <a:defRPr sz="2400">
-                <a:solidFill>
-                  <a:schemeClr val="tx1"/>
-                </a:solidFill>
-                <a:latin typeface="Times New Roman" panose="02020603050405020304" pitchFamily="18" charset="0"/>
-              </a:defRPr>
-            </a:lvl4pPr>
-            <a:lvl5pPr marL="2057400" indent="-228600">
-              <a:defRPr sz="2400">
-                <a:solidFill>
-                  <a:schemeClr val="tx1"/>
-                </a:solidFill>
-                <a:latin typeface="Times New Roman" panose="02020603050405020304" pitchFamily="18" charset="0"/>
-              </a:defRPr>
-            </a:lvl5pPr>
-            <a:lvl6pPr marL="2514600" indent="-228600" eaLnBrk="0" fontAlgn="base" hangingPunct="0">
-              <a:spcBef>
-                <a:spcPct val="0"/>
-              </a:spcBef>
-              <a:spcAft>
-                <a:spcPct val="0"/>
-              </a:spcAft>
-              <a:defRPr sz="2400">
-                <a:solidFill>
-                  <a:schemeClr val="tx1"/>
-                </a:solidFill>
-                <a:latin typeface="Times New Roman" panose="02020603050405020304" pitchFamily="18" charset="0"/>
-              </a:defRPr>
-            </a:lvl6pPr>
-            <a:lvl7pPr marL="2971800" indent="-228600" eaLnBrk="0" fontAlgn="base" hangingPunct="0">
-              <a:spcBef>
-                <a:spcPct val="0"/>
-              </a:spcBef>
-              <a:spcAft>
-                <a:spcPct val="0"/>
-              </a:spcAft>
-              <a:defRPr sz="2400">
-                <a:solidFill>
-                  <a:schemeClr val="tx1"/>
-                </a:solidFill>
-                <a:latin typeface="Times New Roman" panose="02020603050405020304" pitchFamily="18" charset="0"/>
-              </a:defRPr>
-            </a:lvl7pPr>
-            <a:lvl8pPr marL="3429000" indent="-228600" eaLnBrk="0" fontAlgn="base" hangingPunct="0">
-              <a:spcBef>
-                <a:spcPct val="0"/>
-              </a:spcBef>
-              <a:spcAft>
-                <a:spcPct val="0"/>
-              </a:spcAft>
-              <a:defRPr sz="2400">
-                <a:solidFill>
-                  <a:schemeClr val="tx1"/>
-                </a:solidFill>
-                <a:latin typeface="Times New Roman" panose="02020603050405020304" pitchFamily="18" charset="0"/>
-              </a:defRPr>
-            </a:lvl8pPr>
-            <a:lvl9pPr marL="3886200" indent="-228600" eaLnBrk="0" fontAlgn="base" hangingPunct="0">
-              <a:spcBef>
-                <a:spcPct val="0"/>
-              </a:spcBef>
-              <a:spcAft>
-                <a:spcPct val="0"/>
-              </a:spcAft>
-              <a:defRPr sz="2400">
-                <a:solidFill>
-                  <a:schemeClr val="tx1"/>
-                </a:solidFill>
-                <a:latin typeface="Times New Roman" panose="02020603050405020304" pitchFamily="18" charset="0"/>
-              </a:defRPr>
-            </a:lvl9pPr>
-          </a:lstStyle>
-          <a:p>
-            <a:pPr eaLnBrk="1" hangingPunct="1"/>
-            <a:r>
-              <a:rPr lang="de-DE" altLang="de-DE" sz="1800">
-                <a:latin typeface="Arial" panose="020B0604020202020204" pitchFamily="34" charset="0"/>
-              </a:rPr>
-              <a:t>1. &lt;Thema-1&gt;</a:t>
-            </a:r>
-          </a:p>
-        </p:txBody>
-      </p:sp>
-      <p:sp>
-        <p:nvSpPr>
-          <p:cNvPr id="5125" name="Text Box 8">
-            <a:extLst>
-              <a:ext uri="{FF2B5EF4-FFF2-40B4-BE49-F238E27FC236}">
-                <a16:creationId xmlns:a16="http://schemas.microsoft.com/office/drawing/2014/main" id="{F5BE8C2A-D356-3FC9-DFC5-7576863B9090}"/>
-              </a:ext>
-            </a:extLst>
-          </p:cNvPr>
-          <p:cNvSpPr txBox="1">
-            <a:spLocks noChangeArrowheads="1"/>
-          </p:cNvSpPr>
-          <p:nvPr/>
-        </p:nvSpPr>
-        <p:spPr bwMode="auto">
-          <a:xfrm>
-            <a:off x="473075" y="2465388"/>
-            <a:ext cx="7416800" cy="369887"/>
-          </a:xfrm>
-          <a:prstGeom prst="rect">
-            <a:avLst/>
-          </a:prstGeom>
-          <a:noFill/>
-          <a:ln>
-            <a:noFill/>
-          </a:ln>
-          <a:extLst>
-            <a:ext uri="{909E8E84-426E-40DD-AFC4-6F175D3DCCD1}">
-              <a14:hiddenFill xmlns:a14="http://schemas.microsoft.com/office/drawing/2010/main">
-                <a:solidFill>
-                  <a:srgbClr val="FFFFFF"/>
-                </a:solidFill>
-              </a14:hiddenFill>
-            </a:ext>
-            <a:ext uri="{91240B29-F687-4F45-9708-019B960494DF}">
-              <a14:hiddenLine xmlns:a14="http://schemas.microsoft.com/office/drawing/2010/main" w="9525">
-                <a:solidFill>
-                  <a:srgbClr val="000000"/>
-                </a:solidFill>
-                <a:miter lim="800000"/>
-                <a:headEnd/>
-                <a:tailEnd/>
-              </a14:hiddenLine>
-            </a:ext>
-          </a:extLst>
-        </p:spPr>
-        <p:txBody>
-          <a:bodyPr anchor="ctr">
-            <a:spAutoFit/>
-          </a:bodyPr>
-          <a:lstStyle>
-            <a:lvl1pPr>
-              <a:defRPr sz="2400">
-                <a:solidFill>
-                  <a:schemeClr val="tx1"/>
-                </a:solidFill>
-                <a:latin typeface="Times New Roman" panose="02020603050405020304" pitchFamily="18" charset="0"/>
-              </a:defRPr>
-            </a:lvl1pPr>
-            <a:lvl2pPr marL="742950" indent="-285750">
-              <a:defRPr sz="2400">
-                <a:solidFill>
-                  <a:schemeClr val="tx1"/>
-                </a:solidFill>
-                <a:latin typeface="Times New Roman" panose="02020603050405020304" pitchFamily="18" charset="0"/>
-              </a:defRPr>
-            </a:lvl2pPr>
-            <a:lvl3pPr marL="1143000" indent="-228600">
-              <a:defRPr sz="2400">
-                <a:solidFill>
-                  <a:schemeClr val="tx1"/>
-                </a:solidFill>
-                <a:latin typeface="Times New Roman" panose="02020603050405020304" pitchFamily="18" charset="0"/>
-              </a:defRPr>
-            </a:lvl3pPr>
-            <a:lvl4pPr marL="1600200" indent="-228600">
-              <a:defRPr sz="2400">
-                <a:solidFill>
-                  <a:schemeClr val="tx1"/>
-                </a:solidFill>
-                <a:latin typeface="Times New Roman" panose="02020603050405020304" pitchFamily="18" charset="0"/>
-              </a:defRPr>
-            </a:lvl4pPr>
-            <a:lvl5pPr marL="2057400" indent="-228600">
-              <a:defRPr sz="2400">
-                <a:solidFill>
-                  <a:schemeClr val="tx1"/>
-                </a:solidFill>
-                <a:latin typeface="Times New Roman" panose="02020603050405020304" pitchFamily="18" charset="0"/>
-              </a:defRPr>
-            </a:lvl5pPr>
-            <a:lvl6pPr marL="2514600" indent="-228600" eaLnBrk="0" fontAlgn="base" hangingPunct="0">
-              <a:spcBef>
-                <a:spcPct val="0"/>
-              </a:spcBef>
-              <a:spcAft>
-                <a:spcPct val="0"/>
-              </a:spcAft>
-              <a:defRPr sz="2400">
-                <a:solidFill>
-                  <a:schemeClr val="tx1"/>
-                </a:solidFill>
-                <a:latin typeface="Times New Roman" panose="02020603050405020304" pitchFamily="18" charset="0"/>
-              </a:defRPr>
-            </a:lvl6pPr>
-            <a:lvl7pPr marL="2971800" indent="-228600" eaLnBrk="0" fontAlgn="base" hangingPunct="0">
-              <a:spcBef>
-                <a:spcPct val="0"/>
-              </a:spcBef>
-              <a:spcAft>
-                <a:spcPct val="0"/>
-              </a:spcAft>
-              <a:defRPr sz="2400">
-                <a:solidFill>
-                  <a:schemeClr val="tx1"/>
-                </a:solidFill>
-                <a:latin typeface="Times New Roman" panose="02020603050405020304" pitchFamily="18" charset="0"/>
-              </a:defRPr>
-            </a:lvl7pPr>
-            <a:lvl8pPr marL="3429000" indent="-228600" eaLnBrk="0" fontAlgn="base" hangingPunct="0">
-              <a:spcBef>
-                <a:spcPct val="0"/>
-              </a:spcBef>
-              <a:spcAft>
-                <a:spcPct val="0"/>
-              </a:spcAft>
-              <a:defRPr sz="2400">
-                <a:solidFill>
-                  <a:schemeClr val="tx1"/>
-                </a:solidFill>
-                <a:latin typeface="Times New Roman" panose="02020603050405020304" pitchFamily="18" charset="0"/>
-              </a:defRPr>
-            </a:lvl8pPr>
-            <a:lvl9pPr marL="3886200" indent="-228600" eaLnBrk="0" fontAlgn="base" hangingPunct="0">
-              <a:spcBef>
-                <a:spcPct val="0"/>
-              </a:spcBef>
-              <a:spcAft>
-                <a:spcPct val="0"/>
-              </a:spcAft>
-              <a:defRPr sz="2400">
-                <a:solidFill>
-                  <a:schemeClr val="tx1"/>
-                </a:solidFill>
-                <a:latin typeface="Times New Roman" panose="02020603050405020304" pitchFamily="18" charset="0"/>
-              </a:defRPr>
-            </a:lvl9pPr>
-          </a:lstStyle>
-          <a:p>
-            <a:pPr eaLnBrk="1" hangingPunct="1"/>
-            <a:r>
-              <a:rPr lang="de-DE" altLang="de-DE" sz="1800">
-                <a:latin typeface="Arial" panose="020B0604020202020204" pitchFamily="34" charset="0"/>
-              </a:rPr>
-              <a:t>2. &lt;Thema-2&gt;</a:t>
-            </a:r>
-          </a:p>
-        </p:txBody>
-      </p:sp>
-      <p:sp>
-        <p:nvSpPr>
-          <p:cNvPr id="5126" name="Text Box 9">
-            <a:extLst>
-              <a:ext uri="{FF2B5EF4-FFF2-40B4-BE49-F238E27FC236}">
-                <a16:creationId xmlns:a16="http://schemas.microsoft.com/office/drawing/2014/main" id="{2D74B56F-C58C-D0DC-8FA1-7999927BF7FA}"/>
-              </a:ext>
-            </a:extLst>
-          </p:cNvPr>
-          <p:cNvSpPr txBox="1">
-            <a:spLocks noChangeArrowheads="1"/>
-          </p:cNvSpPr>
-          <p:nvPr/>
-        </p:nvSpPr>
-        <p:spPr bwMode="auto">
-          <a:xfrm>
-            <a:off x="461963" y="3211513"/>
-            <a:ext cx="7415212" cy="366712"/>
-          </a:xfrm>
-          <a:prstGeom prst="rect">
-            <a:avLst/>
-          </a:prstGeom>
-          <a:noFill/>
-          <a:ln>
-            <a:noFill/>
-          </a:ln>
-          <a:extLst>
-            <a:ext uri="{909E8E84-426E-40DD-AFC4-6F175D3DCCD1}">
-              <a14:hiddenFill xmlns:a14="http://schemas.microsoft.com/office/drawing/2010/main">
-                <a:solidFill>
-                  <a:srgbClr val="FFFFFF"/>
-                </a:solidFill>
-              </a14:hiddenFill>
-            </a:ext>
-            <a:ext uri="{91240B29-F687-4F45-9708-019B960494DF}">
-              <a14:hiddenLine xmlns:a14="http://schemas.microsoft.com/office/drawing/2010/main" w="9525">
-                <a:solidFill>
-                  <a:srgbClr val="000000"/>
-                </a:solidFill>
-                <a:miter lim="800000"/>
-                <a:headEnd/>
-                <a:tailEnd/>
-              </a14:hiddenLine>
-            </a:ext>
-          </a:extLst>
-        </p:spPr>
-        <p:txBody>
-          <a:bodyPr anchor="ctr">
-            <a:spAutoFit/>
-          </a:bodyPr>
-          <a:lstStyle>
-            <a:lvl1pPr>
-              <a:defRPr sz="2400">
-                <a:solidFill>
-                  <a:schemeClr val="tx1"/>
-                </a:solidFill>
-                <a:latin typeface="Times New Roman" panose="02020603050405020304" pitchFamily="18" charset="0"/>
-              </a:defRPr>
-            </a:lvl1pPr>
-            <a:lvl2pPr marL="742950" indent="-285750">
-              <a:defRPr sz="2400">
-                <a:solidFill>
-                  <a:schemeClr val="tx1"/>
-                </a:solidFill>
-                <a:latin typeface="Times New Roman" panose="02020603050405020304" pitchFamily="18" charset="0"/>
-              </a:defRPr>
-            </a:lvl2pPr>
-            <a:lvl3pPr marL="1143000" indent="-228600">
-              <a:defRPr sz="2400">
-                <a:solidFill>
-                  <a:schemeClr val="tx1"/>
-                </a:solidFill>
-                <a:latin typeface="Times New Roman" panose="02020603050405020304" pitchFamily="18" charset="0"/>
-              </a:defRPr>
-            </a:lvl3pPr>
-            <a:lvl4pPr marL="1600200" indent="-228600">
-              <a:defRPr sz="2400">
-                <a:solidFill>
-                  <a:schemeClr val="tx1"/>
-                </a:solidFill>
-                <a:latin typeface="Times New Roman" panose="02020603050405020304" pitchFamily="18" charset="0"/>
-              </a:defRPr>
-            </a:lvl4pPr>
-            <a:lvl5pPr marL="2057400" indent="-228600">
-              <a:defRPr sz="2400">
-                <a:solidFill>
-                  <a:schemeClr val="tx1"/>
-                </a:solidFill>
-                <a:latin typeface="Times New Roman" panose="02020603050405020304" pitchFamily="18" charset="0"/>
-              </a:defRPr>
-            </a:lvl5pPr>
-            <a:lvl6pPr marL="2514600" indent="-228600" eaLnBrk="0" fontAlgn="base" hangingPunct="0">
-              <a:spcBef>
-                <a:spcPct val="0"/>
-              </a:spcBef>
-              <a:spcAft>
-                <a:spcPct val="0"/>
-              </a:spcAft>
-              <a:defRPr sz="2400">
-                <a:solidFill>
-                  <a:schemeClr val="tx1"/>
-                </a:solidFill>
-                <a:latin typeface="Times New Roman" panose="02020603050405020304" pitchFamily="18" charset="0"/>
-              </a:defRPr>
-            </a:lvl6pPr>
-            <a:lvl7pPr marL="2971800" indent="-228600" eaLnBrk="0" fontAlgn="base" hangingPunct="0">
-              <a:spcBef>
-                <a:spcPct val="0"/>
-              </a:spcBef>
-              <a:spcAft>
-                <a:spcPct val="0"/>
-              </a:spcAft>
-              <a:defRPr sz="2400">
-                <a:solidFill>
-                  <a:schemeClr val="tx1"/>
-                </a:solidFill>
-                <a:latin typeface="Times New Roman" panose="02020603050405020304" pitchFamily="18" charset="0"/>
-              </a:defRPr>
-            </a:lvl7pPr>
-            <a:lvl8pPr marL="3429000" indent="-228600" eaLnBrk="0" fontAlgn="base" hangingPunct="0">
-              <a:spcBef>
-                <a:spcPct val="0"/>
-              </a:spcBef>
-              <a:spcAft>
-                <a:spcPct val="0"/>
-              </a:spcAft>
-              <a:defRPr sz="2400">
-                <a:solidFill>
-                  <a:schemeClr val="tx1"/>
-                </a:solidFill>
-                <a:latin typeface="Times New Roman" panose="02020603050405020304" pitchFamily="18" charset="0"/>
-              </a:defRPr>
-            </a:lvl8pPr>
-            <a:lvl9pPr marL="3886200" indent="-228600" eaLnBrk="0" fontAlgn="base" hangingPunct="0">
-              <a:spcBef>
-                <a:spcPct val="0"/>
-              </a:spcBef>
-              <a:spcAft>
-                <a:spcPct val="0"/>
-              </a:spcAft>
-              <a:defRPr sz="2400">
-                <a:solidFill>
-                  <a:schemeClr val="tx1"/>
-                </a:solidFill>
-                <a:latin typeface="Times New Roman" panose="02020603050405020304" pitchFamily="18" charset="0"/>
-              </a:defRPr>
-            </a:lvl9pPr>
-          </a:lstStyle>
-          <a:p>
-            <a:pPr eaLnBrk="1" hangingPunct="1"/>
-            <a:r>
-              <a:rPr lang="de-DE" altLang="de-DE" sz="1800">
-                <a:latin typeface="Arial" panose="020B0604020202020204" pitchFamily="34" charset="0"/>
-              </a:rPr>
-              <a:t>3. &lt;Thema-3&gt;</a:t>
-            </a:r>
-          </a:p>
-        </p:txBody>
-      </p:sp>
-      <p:sp>
-        <p:nvSpPr>
-          <p:cNvPr id="5127" name="Text Box 10">
-            <a:extLst>
-              <a:ext uri="{FF2B5EF4-FFF2-40B4-BE49-F238E27FC236}">
-                <a16:creationId xmlns:a16="http://schemas.microsoft.com/office/drawing/2014/main" id="{77B5D3B9-5CEE-8F70-EEF5-BF7237B80C38}"/>
-              </a:ext>
-            </a:extLst>
-          </p:cNvPr>
-          <p:cNvSpPr txBox="1">
-            <a:spLocks noChangeArrowheads="1"/>
-          </p:cNvSpPr>
-          <p:nvPr/>
-        </p:nvSpPr>
-        <p:spPr bwMode="auto">
-          <a:xfrm>
-            <a:off x="468313" y="3979863"/>
-            <a:ext cx="7415212" cy="366712"/>
-          </a:xfrm>
-          <a:prstGeom prst="rect">
-            <a:avLst/>
-          </a:prstGeom>
-          <a:noFill/>
-          <a:ln>
-            <a:noFill/>
-          </a:ln>
-          <a:extLst>
-            <a:ext uri="{909E8E84-426E-40DD-AFC4-6F175D3DCCD1}">
-              <a14:hiddenFill xmlns:a14="http://schemas.microsoft.com/office/drawing/2010/main">
-                <a:solidFill>
-                  <a:srgbClr val="FFFFFF"/>
-                </a:solidFill>
-              </a14:hiddenFill>
-            </a:ext>
-            <a:ext uri="{91240B29-F687-4F45-9708-019B960494DF}">
-              <a14:hiddenLine xmlns:a14="http://schemas.microsoft.com/office/drawing/2010/main" w="9525">
-                <a:solidFill>
-                  <a:srgbClr val="000000"/>
-                </a:solidFill>
-                <a:miter lim="800000"/>
-                <a:headEnd/>
-                <a:tailEnd/>
-              </a14:hiddenLine>
-            </a:ext>
-          </a:extLst>
-        </p:spPr>
-        <p:txBody>
-          <a:bodyPr anchor="ctr">
-            <a:spAutoFit/>
-          </a:bodyPr>
-          <a:lstStyle>
-            <a:lvl1pPr>
-              <a:defRPr sz="2400">
-                <a:solidFill>
-                  <a:schemeClr val="tx1"/>
-                </a:solidFill>
-                <a:latin typeface="Times New Roman" panose="02020603050405020304" pitchFamily="18" charset="0"/>
-              </a:defRPr>
-            </a:lvl1pPr>
-            <a:lvl2pPr marL="742950" indent="-285750">
-              <a:defRPr sz="2400">
-                <a:solidFill>
-                  <a:schemeClr val="tx1"/>
-                </a:solidFill>
-                <a:latin typeface="Times New Roman" panose="02020603050405020304" pitchFamily="18" charset="0"/>
-              </a:defRPr>
-            </a:lvl2pPr>
-            <a:lvl3pPr marL="1143000" indent="-228600">
-              <a:defRPr sz="2400">
-                <a:solidFill>
-                  <a:schemeClr val="tx1"/>
-                </a:solidFill>
-                <a:latin typeface="Times New Roman" panose="02020603050405020304" pitchFamily="18" charset="0"/>
-              </a:defRPr>
-            </a:lvl3pPr>
-            <a:lvl4pPr marL="1600200" indent="-228600">
-              <a:defRPr sz="2400">
-                <a:solidFill>
-                  <a:schemeClr val="tx1"/>
-                </a:solidFill>
-                <a:latin typeface="Times New Roman" panose="02020603050405020304" pitchFamily="18" charset="0"/>
-              </a:defRPr>
-            </a:lvl4pPr>
-            <a:lvl5pPr marL="2057400" indent="-228600">
-              <a:defRPr sz="2400">
-                <a:solidFill>
-                  <a:schemeClr val="tx1"/>
-                </a:solidFill>
-                <a:latin typeface="Times New Roman" panose="02020603050405020304" pitchFamily="18" charset="0"/>
-              </a:defRPr>
-            </a:lvl5pPr>
-            <a:lvl6pPr marL="2514600" indent="-228600" eaLnBrk="0" fontAlgn="base" hangingPunct="0">
-              <a:spcBef>
-                <a:spcPct val="0"/>
-              </a:spcBef>
-              <a:spcAft>
-                <a:spcPct val="0"/>
-              </a:spcAft>
-              <a:defRPr sz="2400">
-                <a:solidFill>
-                  <a:schemeClr val="tx1"/>
-                </a:solidFill>
-                <a:latin typeface="Times New Roman" panose="02020603050405020304" pitchFamily="18" charset="0"/>
-              </a:defRPr>
-            </a:lvl6pPr>
-            <a:lvl7pPr marL="2971800" indent="-228600" eaLnBrk="0" fontAlgn="base" hangingPunct="0">
-              <a:spcBef>
-                <a:spcPct val="0"/>
-              </a:spcBef>
-              <a:spcAft>
-                <a:spcPct val="0"/>
-              </a:spcAft>
-              <a:defRPr sz="2400">
-                <a:solidFill>
-                  <a:schemeClr val="tx1"/>
-                </a:solidFill>
-                <a:latin typeface="Times New Roman" panose="02020603050405020304" pitchFamily="18" charset="0"/>
-              </a:defRPr>
-            </a:lvl7pPr>
-            <a:lvl8pPr marL="3429000" indent="-228600" eaLnBrk="0" fontAlgn="base" hangingPunct="0">
-              <a:spcBef>
-                <a:spcPct val="0"/>
-              </a:spcBef>
-              <a:spcAft>
-                <a:spcPct val="0"/>
-              </a:spcAft>
-              <a:defRPr sz="2400">
-                <a:solidFill>
-                  <a:schemeClr val="tx1"/>
-                </a:solidFill>
-                <a:latin typeface="Times New Roman" panose="02020603050405020304" pitchFamily="18" charset="0"/>
-              </a:defRPr>
-            </a:lvl8pPr>
-            <a:lvl9pPr marL="3886200" indent="-228600" eaLnBrk="0" fontAlgn="base" hangingPunct="0">
-              <a:spcBef>
-                <a:spcPct val="0"/>
-              </a:spcBef>
-              <a:spcAft>
-                <a:spcPct val="0"/>
-              </a:spcAft>
-              <a:defRPr sz="2400">
-                <a:solidFill>
-                  <a:schemeClr val="tx1"/>
-                </a:solidFill>
-                <a:latin typeface="Times New Roman" panose="02020603050405020304" pitchFamily="18" charset="0"/>
-              </a:defRPr>
-            </a:lvl9pPr>
-          </a:lstStyle>
-          <a:p>
-            <a:pPr eaLnBrk="1" hangingPunct="1"/>
-            <a:r>
-              <a:rPr lang="de-DE" altLang="de-DE" sz="1800">
-                <a:latin typeface="Arial" panose="020B0604020202020204" pitchFamily="34" charset="0"/>
-              </a:rPr>
-              <a:t>4. &lt;Thema-4&gt;</a:t>
-            </a:r>
-          </a:p>
-        </p:txBody>
-      </p:sp>
-      <p:sp>
-        <p:nvSpPr>
-          <p:cNvPr id="5128" name="Text Box 11">
-            <a:extLst>
-              <a:ext uri="{FF2B5EF4-FFF2-40B4-BE49-F238E27FC236}">
-                <a16:creationId xmlns:a16="http://schemas.microsoft.com/office/drawing/2014/main" id="{C32DD8AD-8C45-C635-D0CC-EE838D37FC31}"/>
-              </a:ext>
-            </a:extLst>
-          </p:cNvPr>
-          <p:cNvSpPr txBox="1">
-            <a:spLocks noChangeArrowheads="1"/>
-          </p:cNvSpPr>
-          <p:nvPr/>
-        </p:nvSpPr>
-        <p:spPr bwMode="auto">
-          <a:xfrm>
-            <a:off x="461963" y="4724400"/>
-            <a:ext cx="7415212" cy="366713"/>
-          </a:xfrm>
-          <a:prstGeom prst="rect">
-            <a:avLst/>
-          </a:prstGeom>
-          <a:noFill/>
-          <a:ln>
-            <a:noFill/>
-          </a:ln>
-          <a:extLst>
-            <a:ext uri="{909E8E84-426E-40DD-AFC4-6F175D3DCCD1}">
-              <a14:hiddenFill xmlns:a14="http://schemas.microsoft.com/office/drawing/2010/main">
-                <a:solidFill>
-                  <a:srgbClr val="FFFFFF"/>
-                </a:solidFill>
-              </a14:hiddenFill>
-            </a:ext>
-            <a:ext uri="{91240B29-F687-4F45-9708-019B960494DF}">
-              <a14:hiddenLine xmlns:a14="http://schemas.microsoft.com/office/drawing/2010/main" w="9525">
-                <a:solidFill>
-                  <a:srgbClr val="000000"/>
-                </a:solidFill>
-                <a:miter lim="800000"/>
-                <a:headEnd/>
-                <a:tailEnd/>
-              </a14:hiddenLine>
-            </a:ext>
-          </a:extLst>
-        </p:spPr>
-        <p:txBody>
-          <a:bodyPr anchor="ctr">
-            <a:spAutoFit/>
-          </a:bodyPr>
-          <a:lstStyle>
-            <a:lvl1pPr>
-              <a:defRPr sz="2400">
-                <a:solidFill>
-                  <a:schemeClr val="tx1"/>
-                </a:solidFill>
-                <a:latin typeface="Times New Roman" panose="02020603050405020304" pitchFamily="18" charset="0"/>
-              </a:defRPr>
-            </a:lvl1pPr>
-            <a:lvl2pPr marL="742950" indent="-285750">
-              <a:defRPr sz="2400">
-                <a:solidFill>
-                  <a:schemeClr val="tx1"/>
-                </a:solidFill>
-                <a:latin typeface="Times New Roman" panose="02020603050405020304" pitchFamily="18" charset="0"/>
-              </a:defRPr>
-            </a:lvl2pPr>
-            <a:lvl3pPr marL="1143000" indent="-228600">
-              <a:defRPr sz="2400">
-                <a:solidFill>
-                  <a:schemeClr val="tx1"/>
-                </a:solidFill>
-                <a:latin typeface="Times New Roman" panose="02020603050405020304" pitchFamily="18" charset="0"/>
-              </a:defRPr>
-            </a:lvl3pPr>
-            <a:lvl4pPr marL="1600200" indent="-228600">
-              <a:defRPr sz="2400">
-                <a:solidFill>
-                  <a:schemeClr val="tx1"/>
-                </a:solidFill>
-                <a:latin typeface="Times New Roman" panose="02020603050405020304" pitchFamily="18" charset="0"/>
-              </a:defRPr>
-            </a:lvl4pPr>
-            <a:lvl5pPr marL="2057400" indent="-228600">
-              <a:defRPr sz="2400">
-                <a:solidFill>
-                  <a:schemeClr val="tx1"/>
-                </a:solidFill>
-                <a:latin typeface="Times New Roman" panose="02020603050405020304" pitchFamily="18" charset="0"/>
-              </a:defRPr>
-            </a:lvl5pPr>
-            <a:lvl6pPr marL="2514600" indent="-228600" eaLnBrk="0" fontAlgn="base" hangingPunct="0">
-              <a:spcBef>
-                <a:spcPct val="0"/>
-              </a:spcBef>
-              <a:spcAft>
-                <a:spcPct val="0"/>
-              </a:spcAft>
-              <a:defRPr sz="2400">
-                <a:solidFill>
-                  <a:schemeClr val="tx1"/>
-                </a:solidFill>
-                <a:latin typeface="Times New Roman" panose="02020603050405020304" pitchFamily="18" charset="0"/>
-              </a:defRPr>
-            </a:lvl6pPr>
-            <a:lvl7pPr marL="2971800" indent="-228600" eaLnBrk="0" fontAlgn="base" hangingPunct="0">
-              <a:spcBef>
-                <a:spcPct val="0"/>
-              </a:spcBef>
-              <a:spcAft>
-                <a:spcPct val="0"/>
-              </a:spcAft>
-              <a:defRPr sz="2400">
-                <a:solidFill>
-                  <a:schemeClr val="tx1"/>
-                </a:solidFill>
-                <a:latin typeface="Times New Roman" panose="02020603050405020304" pitchFamily="18" charset="0"/>
-              </a:defRPr>
-            </a:lvl7pPr>
-            <a:lvl8pPr marL="3429000" indent="-228600" eaLnBrk="0" fontAlgn="base" hangingPunct="0">
-              <a:spcBef>
-                <a:spcPct val="0"/>
-              </a:spcBef>
-              <a:spcAft>
-                <a:spcPct val="0"/>
-              </a:spcAft>
-              <a:defRPr sz="2400">
-                <a:solidFill>
-                  <a:schemeClr val="tx1"/>
-                </a:solidFill>
-                <a:latin typeface="Times New Roman" panose="02020603050405020304" pitchFamily="18" charset="0"/>
-              </a:defRPr>
-            </a:lvl8pPr>
-            <a:lvl9pPr marL="3886200" indent="-228600" eaLnBrk="0" fontAlgn="base" hangingPunct="0">
-              <a:spcBef>
-                <a:spcPct val="0"/>
-              </a:spcBef>
-              <a:spcAft>
-                <a:spcPct val="0"/>
-              </a:spcAft>
-              <a:defRPr sz="2400">
-                <a:solidFill>
-                  <a:schemeClr val="tx1"/>
-                </a:solidFill>
-                <a:latin typeface="Times New Roman" panose="02020603050405020304" pitchFamily="18" charset="0"/>
-              </a:defRPr>
-            </a:lvl9pPr>
-          </a:lstStyle>
-          <a:p>
-            <a:pPr eaLnBrk="1" hangingPunct="1"/>
-            <a:r>
-              <a:rPr lang="de-DE" altLang="de-DE" sz="1800">
-                <a:latin typeface="Arial" panose="020B0604020202020204" pitchFamily="34" charset="0"/>
-              </a:rPr>
-              <a:t>5. &lt;Thema-5&gt;</a:t>
-            </a:r>
-          </a:p>
-        </p:txBody>
-      </p:sp>
-      <p:sp>
-        <p:nvSpPr>
-          <p:cNvPr id="5129" name="Text Box 12">
-            <a:extLst>
-              <a:ext uri="{FF2B5EF4-FFF2-40B4-BE49-F238E27FC236}">
-                <a16:creationId xmlns:a16="http://schemas.microsoft.com/office/drawing/2014/main" id="{B2493D0F-16AD-6C96-28C9-F88BB662A7C2}"/>
-              </a:ext>
-            </a:extLst>
-          </p:cNvPr>
-          <p:cNvSpPr txBox="1">
-            <a:spLocks noChangeArrowheads="1"/>
-          </p:cNvSpPr>
-          <p:nvPr/>
-        </p:nvSpPr>
-        <p:spPr bwMode="auto">
-          <a:xfrm>
-            <a:off x="8104188" y="1597025"/>
-            <a:ext cx="792162" cy="603250"/>
-          </a:xfrm>
-          <a:prstGeom prst="rect">
-            <a:avLst/>
-          </a:prstGeom>
-          <a:noFill/>
-          <a:ln>
-            <a:noFill/>
-          </a:ln>
-          <a:extLst>
-            <a:ext uri="{909E8E84-426E-40DD-AFC4-6F175D3DCCD1}">
-              <a14:hiddenFill xmlns:a14="http://schemas.microsoft.com/office/drawing/2010/main">
-                <a:solidFill>
-                  <a:srgbClr val="FFFFFF"/>
-                </a:solidFill>
-              </a14:hiddenFill>
-            </a:ext>
-            <a:ext uri="{91240B29-F687-4F45-9708-019B960494DF}">
-              <a14:hiddenLine xmlns:a14="http://schemas.microsoft.com/office/drawing/2010/main" w="9525">
-                <a:solidFill>
-                  <a:srgbClr val="000000"/>
-                </a:solidFill>
-                <a:miter lim="800000"/>
-                <a:headEnd/>
-                <a:tailEnd/>
-              </a14:hiddenLine>
-            </a:ext>
-          </a:extLst>
-        </p:spPr>
-        <p:txBody>
-          <a:bodyPr anchor="ctr">
-            <a:spAutoFit/>
-          </a:bodyPr>
-          <a:lstStyle>
-            <a:lvl1pPr>
-              <a:defRPr sz="2400">
-                <a:solidFill>
-                  <a:schemeClr val="tx1"/>
-                </a:solidFill>
-                <a:latin typeface="Times New Roman" panose="02020603050405020304" pitchFamily="18" charset="0"/>
-              </a:defRPr>
-            </a:lvl1pPr>
-            <a:lvl2pPr marL="742950" indent="-285750">
-              <a:defRPr sz="2400">
-                <a:solidFill>
-                  <a:schemeClr val="tx1"/>
-                </a:solidFill>
-                <a:latin typeface="Times New Roman" panose="02020603050405020304" pitchFamily="18" charset="0"/>
-              </a:defRPr>
-            </a:lvl2pPr>
-            <a:lvl3pPr marL="1143000" indent="-228600">
-              <a:defRPr sz="2400">
-                <a:solidFill>
-                  <a:schemeClr val="tx1"/>
-                </a:solidFill>
-                <a:latin typeface="Times New Roman" panose="02020603050405020304" pitchFamily="18" charset="0"/>
-              </a:defRPr>
-            </a:lvl3pPr>
-            <a:lvl4pPr marL="1600200" indent="-228600">
-              <a:defRPr sz="2400">
-                <a:solidFill>
-                  <a:schemeClr val="tx1"/>
-                </a:solidFill>
-                <a:latin typeface="Times New Roman" panose="02020603050405020304" pitchFamily="18" charset="0"/>
-              </a:defRPr>
-            </a:lvl4pPr>
-            <a:lvl5pPr marL="2057400" indent="-228600">
-              <a:defRPr sz="2400">
-                <a:solidFill>
-                  <a:schemeClr val="tx1"/>
-                </a:solidFill>
-                <a:latin typeface="Times New Roman" panose="02020603050405020304" pitchFamily="18" charset="0"/>
-              </a:defRPr>
-            </a:lvl5pPr>
-            <a:lvl6pPr marL="2514600" indent="-228600" eaLnBrk="0" fontAlgn="base" hangingPunct="0">
-              <a:spcBef>
-                <a:spcPct val="0"/>
-              </a:spcBef>
-              <a:spcAft>
-                <a:spcPct val="0"/>
-              </a:spcAft>
-              <a:defRPr sz="2400">
-                <a:solidFill>
-                  <a:schemeClr val="tx1"/>
-                </a:solidFill>
-                <a:latin typeface="Times New Roman" panose="02020603050405020304" pitchFamily="18" charset="0"/>
-              </a:defRPr>
-            </a:lvl6pPr>
-            <a:lvl7pPr marL="2971800" indent="-228600" eaLnBrk="0" fontAlgn="base" hangingPunct="0">
-              <a:spcBef>
-                <a:spcPct val="0"/>
-              </a:spcBef>
-              <a:spcAft>
-                <a:spcPct val="0"/>
-              </a:spcAft>
-              <a:defRPr sz="2400">
-                <a:solidFill>
-                  <a:schemeClr val="tx1"/>
-                </a:solidFill>
-                <a:latin typeface="Times New Roman" panose="02020603050405020304" pitchFamily="18" charset="0"/>
-              </a:defRPr>
-            </a:lvl7pPr>
-            <a:lvl8pPr marL="3429000" indent="-228600" eaLnBrk="0" fontAlgn="base" hangingPunct="0">
-              <a:spcBef>
-                <a:spcPct val="0"/>
-              </a:spcBef>
-              <a:spcAft>
-                <a:spcPct val="0"/>
-              </a:spcAft>
-              <a:defRPr sz="2400">
-                <a:solidFill>
-                  <a:schemeClr val="tx1"/>
-                </a:solidFill>
-                <a:latin typeface="Times New Roman" panose="02020603050405020304" pitchFamily="18" charset="0"/>
-              </a:defRPr>
-            </a:lvl8pPr>
-            <a:lvl9pPr marL="3886200" indent="-228600" eaLnBrk="0" fontAlgn="base" hangingPunct="0">
-              <a:spcBef>
-                <a:spcPct val="0"/>
-              </a:spcBef>
-              <a:spcAft>
-                <a:spcPct val="0"/>
-              </a:spcAft>
-              <a:defRPr sz="2400">
-                <a:solidFill>
-                  <a:schemeClr val="tx1"/>
-                </a:solidFill>
-                <a:latin typeface="Times New Roman" panose="02020603050405020304" pitchFamily="18" charset="0"/>
-              </a:defRPr>
-            </a:lvl9pPr>
-          </a:lstStyle>
-          <a:p>
-            <a:pPr algn="r" eaLnBrk="1" hangingPunct="1"/>
-            <a:r>
-              <a:rPr lang="de-DE" altLang="de-DE" sz="2800" b="1" dirty="0">
-                <a:solidFill>
-                  <a:schemeClr val="bg1"/>
-                </a:solidFill>
-                <a:latin typeface="Arial" panose="020B0604020202020204" pitchFamily="34" charset="0"/>
-              </a:rPr>
-              <a:t>2</a:t>
-            </a:r>
-          </a:p>
-        </p:txBody>
-      </p:sp>
-      <p:sp>
-        <p:nvSpPr>
-          <p:cNvPr id="5130" name="Text Box 13">
-            <a:extLst>
-              <a:ext uri="{FF2B5EF4-FFF2-40B4-BE49-F238E27FC236}">
-                <a16:creationId xmlns:a16="http://schemas.microsoft.com/office/drawing/2014/main" id="{F8981C86-EB6F-3CF8-DE96-475B41DCA872}"/>
-              </a:ext>
-            </a:extLst>
-          </p:cNvPr>
-          <p:cNvSpPr txBox="1">
-            <a:spLocks noChangeArrowheads="1"/>
-          </p:cNvSpPr>
-          <p:nvPr/>
-        </p:nvSpPr>
-        <p:spPr bwMode="auto">
-          <a:xfrm>
-            <a:off x="8094663" y="2324100"/>
-            <a:ext cx="792162" cy="604838"/>
-          </a:xfrm>
-          <a:prstGeom prst="rect">
-            <a:avLst/>
-          </a:prstGeom>
-          <a:noFill/>
-          <a:ln>
-            <a:noFill/>
-          </a:ln>
-          <a:extLst>
-            <a:ext uri="{909E8E84-426E-40DD-AFC4-6F175D3DCCD1}">
-              <a14:hiddenFill xmlns:a14="http://schemas.microsoft.com/office/drawing/2010/main">
-                <a:solidFill>
-                  <a:srgbClr val="FFFFFF"/>
-                </a:solidFill>
-              </a14:hiddenFill>
-            </a:ext>
-            <a:ext uri="{91240B29-F687-4F45-9708-019B960494DF}">
-              <a14:hiddenLine xmlns:a14="http://schemas.microsoft.com/office/drawing/2010/main" w="9525">
-                <a:solidFill>
-                  <a:srgbClr val="000000"/>
-                </a:solidFill>
-                <a:miter lim="800000"/>
-                <a:headEnd/>
-                <a:tailEnd/>
-              </a14:hiddenLine>
-            </a:ext>
-          </a:extLst>
-        </p:spPr>
-        <p:txBody>
-          <a:bodyPr anchor="ctr">
-            <a:spAutoFit/>
-          </a:bodyPr>
-          <a:lstStyle>
-            <a:lvl1pPr>
-              <a:defRPr sz="2400">
-                <a:solidFill>
-                  <a:schemeClr val="tx1"/>
-                </a:solidFill>
-                <a:latin typeface="Times New Roman" panose="02020603050405020304" pitchFamily="18" charset="0"/>
-              </a:defRPr>
-            </a:lvl1pPr>
-            <a:lvl2pPr marL="742950" indent="-285750">
-              <a:defRPr sz="2400">
-                <a:solidFill>
-                  <a:schemeClr val="tx1"/>
-                </a:solidFill>
-                <a:latin typeface="Times New Roman" panose="02020603050405020304" pitchFamily="18" charset="0"/>
-              </a:defRPr>
-            </a:lvl2pPr>
-            <a:lvl3pPr marL="1143000" indent="-228600">
-              <a:defRPr sz="2400">
-                <a:solidFill>
-                  <a:schemeClr val="tx1"/>
-                </a:solidFill>
-                <a:latin typeface="Times New Roman" panose="02020603050405020304" pitchFamily="18" charset="0"/>
-              </a:defRPr>
-            </a:lvl3pPr>
-            <a:lvl4pPr marL="1600200" indent="-228600">
-              <a:defRPr sz="2400">
-                <a:solidFill>
-                  <a:schemeClr val="tx1"/>
-                </a:solidFill>
-                <a:latin typeface="Times New Roman" panose="02020603050405020304" pitchFamily="18" charset="0"/>
-              </a:defRPr>
-            </a:lvl4pPr>
-            <a:lvl5pPr marL="2057400" indent="-228600">
-              <a:defRPr sz="2400">
-                <a:solidFill>
-                  <a:schemeClr val="tx1"/>
-                </a:solidFill>
-                <a:latin typeface="Times New Roman" panose="02020603050405020304" pitchFamily="18" charset="0"/>
-              </a:defRPr>
-            </a:lvl5pPr>
-            <a:lvl6pPr marL="2514600" indent="-228600" eaLnBrk="0" fontAlgn="base" hangingPunct="0">
-              <a:spcBef>
-                <a:spcPct val="0"/>
-              </a:spcBef>
-              <a:spcAft>
-                <a:spcPct val="0"/>
-              </a:spcAft>
-              <a:defRPr sz="2400">
-                <a:solidFill>
-                  <a:schemeClr val="tx1"/>
-                </a:solidFill>
-                <a:latin typeface="Times New Roman" panose="02020603050405020304" pitchFamily="18" charset="0"/>
-              </a:defRPr>
-            </a:lvl6pPr>
-            <a:lvl7pPr marL="2971800" indent="-228600" eaLnBrk="0" fontAlgn="base" hangingPunct="0">
-              <a:spcBef>
-                <a:spcPct val="0"/>
-              </a:spcBef>
-              <a:spcAft>
-                <a:spcPct val="0"/>
-              </a:spcAft>
-              <a:defRPr sz="2400">
-                <a:solidFill>
-                  <a:schemeClr val="tx1"/>
-                </a:solidFill>
-                <a:latin typeface="Times New Roman" panose="02020603050405020304" pitchFamily="18" charset="0"/>
-              </a:defRPr>
-            </a:lvl7pPr>
-            <a:lvl8pPr marL="3429000" indent="-228600" eaLnBrk="0" fontAlgn="base" hangingPunct="0">
-              <a:spcBef>
-                <a:spcPct val="0"/>
-              </a:spcBef>
-              <a:spcAft>
-                <a:spcPct val="0"/>
-              </a:spcAft>
-              <a:defRPr sz="2400">
-                <a:solidFill>
-                  <a:schemeClr val="tx1"/>
-                </a:solidFill>
-                <a:latin typeface="Times New Roman" panose="02020603050405020304" pitchFamily="18" charset="0"/>
-              </a:defRPr>
-            </a:lvl8pPr>
-            <a:lvl9pPr marL="3886200" indent="-228600" eaLnBrk="0" fontAlgn="base" hangingPunct="0">
-              <a:spcBef>
-                <a:spcPct val="0"/>
-              </a:spcBef>
-              <a:spcAft>
-                <a:spcPct val="0"/>
-              </a:spcAft>
-              <a:defRPr sz="2400">
-                <a:solidFill>
-                  <a:schemeClr val="tx1"/>
-                </a:solidFill>
-                <a:latin typeface="Times New Roman" panose="02020603050405020304" pitchFamily="18" charset="0"/>
-              </a:defRPr>
-            </a:lvl9pPr>
-          </a:lstStyle>
-          <a:p>
-            <a:pPr algn="r" eaLnBrk="1" hangingPunct="1"/>
-            <a:r>
-              <a:rPr lang="de-DE" altLang="de-DE" sz="2800" b="1">
-                <a:solidFill>
-                  <a:schemeClr val="bg1"/>
-                </a:solidFill>
-                <a:latin typeface="Arial" panose="020B0604020202020204" pitchFamily="34" charset="0"/>
-              </a:rPr>
-              <a:t>3</a:t>
-            </a:r>
-          </a:p>
-        </p:txBody>
-      </p:sp>
-      <p:sp>
-        <p:nvSpPr>
-          <p:cNvPr id="5131" name="Text Box 14">
-            <a:extLst>
-              <a:ext uri="{FF2B5EF4-FFF2-40B4-BE49-F238E27FC236}">
-                <a16:creationId xmlns:a16="http://schemas.microsoft.com/office/drawing/2014/main" id="{7154E10E-283E-86B3-CD09-0F175598181C}"/>
-              </a:ext>
-            </a:extLst>
-          </p:cNvPr>
-          <p:cNvSpPr txBox="1">
-            <a:spLocks noChangeArrowheads="1"/>
-          </p:cNvSpPr>
-          <p:nvPr/>
-        </p:nvSpPr>
-        <p:spPr bwMode="auto">
-          <a:xfrm>
-            <a:off x="8101013" y="3086100"/>
-            <a:ext cx="792162" cy="604838"/>
-          </a:xfrm>
-          <a:prstGeom prst="rect">
-            <a:avLst/>
-          </a:prstGeom>
-          <a:noFill/>
-          <a:ln>
-            <a:noFill/>
-          </a:ln>
-          <a:extLst>
-            <a:ext uri="{909E8E84-426E-40DD-AFC4-6F175D3DCCD1}">
-              <a14:hiddenFill xmlns:a14="http://schemas.microsoft.com/office/drawing/2010/main">
-                <a:solidFill>
-                  <a:srgbClr val="FFFFFF"/>
-                </a:solidFill>
-              </a14:hiddenFill>
-            </a:ext>
-            <a:ext uri="{91240B29-F687-4F45-9708-019B960494DF}">
-              <a14:hiddenLine xmlns:a14="http://schemas.microsoft.com/office/drawing/2010/main" w="9525">
-                <a:solidFill>
-                  <a:srgbClr val="000000"/>
-                </a:solidFill>
-                <a:miter lim="800000"/>
-                <a:headEnd/>
-                <a:tailEnd/>
-              </a14:hiddenLine>
-            </a:ext>
-          </a:extLst>
-        </p:spPr>
-        <p:txBody>
-          <a:bodyPr anchor="ctr">
-            <a:spAutoFit/>
-          </a:bodyPr>
-          <a:lstStyle>
-            <a:lvl1pPr>
-              <a:defRPr sz="2400">
-                <a:solidFill>
-                  <a:schemeClr val="tx1"/>
-                </a:solidFill>
-                <a:latin typeface="Times New Roman" panose="02020603050405020304" pitchFamily="18" charset="0"/>
-              </a:defRPr>
-            </a:lvl1pPr>
-            <a:lvl2pPr marL="742950" indent="-285750">
-              <a:defRPr sz="2400">
-                <a:solidFill>
-                  <a:schemeClr val="tx1"/>
-                </a:solidFill>
-                <a:latin typeface="Times New Roman" panose="02020603050405020304" pitchFamily="18" charset="0"/>
-              </a:defRPr>
-            </a:lvl2pPr>
-            <a:lvl3pPr marL="1143000" indent="-228600">
-              <a:defRPr sz="2400">
-                <a:solidFill>
-                  <a:schemeClr val="tx1"/>
-                </a:solidFill>
-                <a:latin typeface="Times New Roman" panose="02020603050405020304" pitchFamily="18" charset="0"/>
-              </a:defRPr>
-            </a:lvl3pPr>
-            <a:lvl4pPr marL="1600200" indent="-228600">
-              <a:defRPr sz="2400">
-                <a:solidFill>
-                  <a:schemeClr val="tx1"/>
-                </a:solidFill>
-                <a:latin typeface="Times New Roman" panose="02020603050405020304" pitchFamily="18" charset="0"/>
-              </a:defRPr>
-            </a:lvl4pPr>
-            <a:lvl5pPr marL="2057400" indent="-228600">
-              <a:defRPr sz="2400">
-                <a:solidFill>
-                  <a:schemeClr val="tx1"/>
-                </a:solidFill>
-                <a:latin typeface="Times New Roman" panose="02020603050405020304" pitchFamily="18" charset="0"/>
-              </a:defRPr>
-            </a:lvl5pPr>
-            <a:lvl6pPr marL="2514600" indent="-228600" eaLnBrk="0" fontAlgn="base" hangingPunct="0">
-              <a:spcBef>
-                <a:spcPct val="0"/>
-              </a:spcBef>
-              <a:spcAft>
-                <a:spcPct val="0"/>
-              </a:spcAft>
-              <a:defRPr sz="2400">
-                <a:solidFill>
-                  <a:schemeClr val="tx1"/>
-                </a:solidFill>
-                <a:latin typeface="Times New Roman" panose="02020603050405020304" pitchFamily="18" charset="0"/>
-              </a:defRPr>
-            </a:lvl6pPr>
-            <a:lvl7pPr marL="2971800" indent="-228600" eaLnBrk="0" fontAlgn="base" hangingPunct="0">
-              <a:spcBef>
-                <a:spcPct val="0"/>
-              </a:spcBef>
-              <a:spcAft>
-                <a:spcPct val="0"/>
-              </a:spcAft>
-              <a:defRPr sz="2400">
-                <a:solidFill>
-                  <a:schemeClr val="tx1"/>
-                </a:solidFill>
-                <a:latin typeface="Times New Roman" panose="02020603050405020304" pitchFamily="18" charset="0"/>
-              </a:defRPr>
-            </a:lvl7pPr>
-            <a:lvl8pPr marL="3429000" indent="-228600" eaLnBrk="0" fontAlgn="base" hangingPunct="0">
-              <a:spcBef>
-                <a:spcPct val="0"/>
-              </a:spcBef>
-              <a:spcAft>
-                <a:spcPct val="0"/>
-              </a:spcAft>
-              <a:defRPr sz="2400">
-                <a:solidFill>
-                  <a:schemeClr val="tx1"/>
-                </a:solidFill>
-                <a:latin typeface="Times New Roman" panose="02020603050405020304" pitchFamily="18" charset="0"/>
-              </a:defRPr>
-            </a:lvl8pPr>
-            <a:lvl9pPr marL="3886200" indent="-228600" eaLnBrk="0" fontAlgn="base" hangingPunct="0">
-              <a:spcBef>
-                <a:spcPct val="0"/>
-              </a:spcBef>
-              <a:spcAft>
-                <a:spcPct val="0"/>
-              </a:spcAft>
-              <a:defRPr sz="2400">
-                <a:solidFill>
-                  <a:schemeClr val="tx1"/>
-                </a:solidFill>
-                <a:latin typeface="Times New Roman" panose="02020603050405020304" pitchFamily="18" charset="0"/>
-              </a:defRPr>
-            </a:lvl9pPr>
-          </a:lstStyle>
-          <a:p>
-            <a:pPr algn="r" eaLnBrk="1" hangingPunct="1"/>
-            <a:r>
-              <a:rPr lang="de-DE" altLang="de-DE" sz="2800" b="1">
-                <a:solidFill>
-                  <a:schemeClr val="bg1"/>
-                </a:solidFill>
-                <a:latin typeface="Arial" panose="020B0604020202020204" pitchFamily="34" charset="0"/>
-              </a:rPr>
-              <a:t>7</a:t>
-            </a:r>
-          </a:p>
-        </p:txBody>
-      </p:sp>
-      <p:sp>
-        <p:nvSpPr>
-          <p:cNvPr id="5132" name="Text Box 15">
-            <a:extLst>
-              <a:ext uri="{FF2B5EF4-FFF2-40B4-BE49-F238E27FC236}">
-                <a16:creationId xmlns:a16="http://schemas.microsoft.com/office/drawing/2014/main" id="{E37E3FD4-314F-82B5-9AFC-37E112E3DA45}"/>
-              </a:ext>
-            </a:extLst>
-          </p:cNvPr>
-          <p:cNvSpPr txBox="1">
-            <a:spLocks noChangeArrowheads="1"/>
-          </p:cNvSpPr>
-          <p:nvPr/>
-        </p:nvSpPr>
-        <p:spPr bwMode="auto">
-          <a:xfrm>
-            <a:off x="8105775" y="3852863"/>
-            <a:ext cx="792163" cy="604837"/>
-          </a:xfrm>
-          <a:prstGeom prst="rect">
-            <a:avLst/>
-          </a:prstGeom>
-          <a:noFill/>
-          <a:ln>
-            <a:noFill/>
-          </a:ln>
-          <a:extLst>
-            <a:ext uri="{909E8E84-426E-40DD-AFC4-6F175D3DCCD1}">
-              <a14:hiddenFill xmlns:a14="http://schemas.microsoft.com/office/drawing/2010/main">
-                <a:solidFill>
-                  <a:srgbClr val="FFFFFF"/>
-                </a:solidFill>
-              </a14:hiddenFill>
-            </a:ext>
-            <a:ext uri="{91240B29-F687-4F45-9708-019B960494DF}">
-              <a14:hiddenLine xmlns:a14="http://schemas.microsoft.com/office/drawing/2010/main" w="9525">
-                <a:solidFill>
-                  <a:srgbClr val="000000"/>
-                </a:solidFill>
-                <a:miter lim="800000"/>
-                <a:headEnd/>
-                <a:tailEnd/>
-              </a14:hiddenLine>
-            </a:ext>
-          </a:extLst>
-        </p:spPr>
-        <p:txBody>
-          <a:bodyPr anchor="ctr">
-            <a:spAutoFit/>
-          </a:bodyPr>
-          <a:lstStyle>
-            <a:lvl1pPr>
-              <a:defRPr sz="2400">
-                <a:solidFill>
-                  <a:schemeClr val="tx1"/>
-                </a:solidFill>
-                <a:latin typeface="Times New Roman" panose="02020603050405020304" pitchFamily="18" charset="0"/>
-              </a:defRPr>
-            </a:lvl1pPr>
-            <a:lvl2pPr marL="742950" indent="-285750">
-              <a:defRPr sz="2400">
-                <a:solidFill>
-                  <a:schemeClr val="tx1"/>
-                </a:solidFill>
-                <a:latin typeface="Times New Roman" panose="02020603050405020304" pitchFamily="18" charset="0"/>
-              </a:defRPr>
-            </a:lvl2pPr>
-            <a:lvl3pPr marL="1143000" indent="-228600">
-              <a:defRPr sz="2400">
-                <a:solidFill>
-                  <a:schemeClr val="tx1"/>
-                </a:solidFill>
-                <a:latin typeface="Times New Roman" panose="02020603050405020304" pitchFamily="18" charset="0"/>
-              </a:defRPr>
-            </a:lvl3pPr>
-            <a:lvl4pPr marL="1600200" indent="-228600">
-              <a:defRPr sz="2400">
-                <a:solidFill>
-                  <a:schemeClr val="tx1"/>
-                </a:solidFill>
-                <a:latin typeface="Times New Roman" panose="02020603050405020304" pitchFamily="18" charset="0"/>
-              </a:defRPr>
-            </a:lvl4pPr>
-            <a:lvl5pPr marL="2057400" indent="-228600">
-              <a:defRPr sz="2400">
-                <a:solidFill>
-                  <a:schemeClr val="tx1"/>
-                </a:solidFill>
-                <a:latin typeface="Times New Roman" panose="02020603050405020304" pitchFamily="18" charset="0"/>
-              </a:defRPr>
-            </a:lvl5pPr>
-            <a:lvl6pPr marL="2514600" indent="-228600" eaLnBrk="0" fontAlgn="base" hangingPunct="0">
-              <a:spcBef>
-                <a:spcPct val="0"/>
-              </a:spcBef>
-              <a:spcAft>
-                <a:spcPct val="0"/>
-              </a:spcAft>
-              <a:defRPr sz="2400">
-                <a:solidFill>
-                  <a:schemeClr val="tx1"/>
-                </a:solidFill>
-                <a:latin typeface="Times New Roman" panose="02020603050405020304" pitchFamily="18" charset="0"/>
-              </a:defRPr>
-            </a:lvl6pPr>
-            <a:lvl7pPr marL="2971800" indent="-228600" eaLnBrk="0" fontAlgn="base" hangingPunct="0">
-              <a:spcBef>
-                <a:spcPct val="0"/>
-              </a:spcBef>
-              <a:spcAft>
-                <a:spcPct val="0"/>
-              </a:spcAft>
-              <a:defRPr sz="2400">
-                <a:solidFill>
-                  <a:schemeClr val="tx1"/>
-                </a:solidFill>
-                <a:latin typeface="Times New Roman" panose="02020603050405020304" pitchFamily="18" charset="0"/>
-              </a:defRPr>
-            </a:lvl7pPr>
-            <a:lvl8pPr marL="3429000" indent="-228600" eaLnBrk="0" fontAlgn="base" hangingPunct="0">
-              <a:spcBef>
-                <a:spcPct val="0"/>
-              </a:spcBef>
-              <a:spcAft>
-                <a:spcPct val="0"/>
-              </a:spcAft>
-              <a:defRPr sz="2400">
-                <a:solidFill>
-                  <a:schemeClr val="tx1"/>
-                </a:solidFill>
-                <a:latin typeface="Times New Roman" panose="02020603050405020304" pitchFamily="18" charset="0"/>
-              </a:defRPr>
-            </a:lvl8pPr>
-            <a:lvl9pPr marL="3886200" indent="-228600" eaLnBrk="0" fontAlgn="base" hangingPunct="0">
-              <a:spcBef>
-                <a:spcPct val="0"/>
-              </a:spcBef>
-              <a:spcAft>
-                <a:spcPct val="0"/>
-              </a:spcAft>
-              <a:defRPr sz="2400">
-                <a:solidFill>
-                  <a:schemeClr val="tx1"/>
-                </a:solidFill>
-                <a:latin typeface="Times New Roman" panose="02020603050405020304" pitchFamily="18" charset="0"/>
-              </a:defRPr>
-            </a:lvl9pPr>
-          </a:lstStyle>
-          <a:p>
-            <a:pPr algn="r" eaLnBrk="1" hangingPunct="1"/>
-            <a:r>
-              <a:rPr lang="de-DE" altLang="de-DE" sz="2800" b="1">
-                <a:solidFill>
-                  <a:schemeClr val="bg1"/>
-                </a:solidFill>
-                <a:latin typeface="Arial" panose="020B0604020202020204" pitchFamily="34" charset="0"/>
-              </a:rPr>
-              <a:t>10</a:t>
-            </a:r>
-          </a:p>
-        </p:txBody>
-      </p:sp>
-      <p:sp>
-        <p:nvSpPr>
-          <p:cNvPr id="5133" name="Text Box 16">
-            <a:extLst>
-              <a:ext uri="{FF2B5EF4-FFF2-40B4-BE49-F238E27FC236}">
-                <a16:creationId xmlns:a16="http://schemas.microsoft.com/office/drawing/2014/main" id="{C47C00B4-4E5F-6D77-0F84-7A877AD75438}"/>
-              </a:ext>
-            </a:extLst>
-          </p:cNvPr>
-          <p:cNvSpPr txBox="1">
-            <a:spLocks noChangeArrowheads="1"/>
-          </p:cNvSpPr>
-          <p:nvPr/>
-        </p:nvSpPr>
-        <p:spPr bwMode="auto">
-          <a:xfrm>
-            <a:off x="8102600" y="4600575"/>
-            <a:ext cx="792163" cy="604838"/>
-          </a:xfrm>
-          <a:prstGeom prst="rect">
-            <a:avLst/>
-          </a:prstGeom>
-          <a:noFill/>
-          <a:ln>
-            <a:noFill/>
-          </a:ln>
-          <a:extLst>
-            <a:ext uri="{909E8E84-426E-40DD-AFC4-6F175D3DCCD1}">
-              <a14:hiddenFill xmlns:a14="http://schemas.microsoft.com/office/drawing/2010/main">
-                <a:solidFill>
-                  <a:srgbClr val="FFFFFF"/>
-                </a:solidFill>
-              </a14:hiddenFill>
-            </a:ext>
-            <a:ext uri="{91240B29-F687-4F45-9708-019B960494DF}">
-              <a14:hiddenLine xmlns:a14="http://schemas.microsoft.com/office/drawing/2010/main" w="9525">
-                <a:solidFill>
-                  <a:srgbClr val="000000"/>
-                </a:solidFill>
-                <a:miter lim="800000"/>
-                <a:headEnd/>
-                <a:tailEnd/>
-              </a14:hiddenLine>
-            </a:ext>
-          </a:extLst>
-        </p:spPr>
-        <p:txBody>
-          <a:bodyPr anchor="ctr">
-            <a:spAutoFit/>
-          </a:bodyPr>
-          <a:lstStyle>
-            <a:lvl1pPr>
-              <a:defRPr sz="2400">
-                <a:solidFill>
-                  <a:schemeClr val="tx1"/>
-                </a:solidFill>
-                <a:latin typeface="Times New Roman" panose="02020603050405020304" pitchFamily="18" charset="0"/>
-              </a:defRPr>
-            </a:lvl1pPr>
-            <a:lvl2pPr marL="742950" indent="-285750">
-              <a:defRPr sz="2400">
-                <a:solidFill>
-                  <a:schemeClr val="tx1"/>
-                </a:solidFill>
-                <a:latin typeface="Times New Roman" panose="02020603050405020304" pitchFamily="18" charset="0"/>
-              </a:defRPr>
-            </a:lvl2pPr>
-            <a:lvl3pPr marL="1143000" indent="-228600">
-              <a:defRPr sz="2400">
-                <a:solidFill>
-                  <a:schemeClr val="tx1"/>
-                </a:solidFill>
-                <a:latin typeface="Times New Roman" panose="02020603050405020304" pitchFamily="18" charset="0"/>
-              </a:defRPr>
-            </a:lvl3pPr>
-            <a:lvl4pPr marL="1600200" indent="-228600">
-              <a:defRPr sz="2400">
-                <a:solidFill>
-                  <a:schemeClr val="tx1"/>
-                </a:solidFill>
-                <a:latin typeface="Times New Roman" panose="02020603050405020304" pitchFamily="18" charset="0"/>
-              </a:defRPr>
-            </a:lvl4pPr>
-            <a:lvl5pPr marL="2057400" indent="-228600">
-              <a:defRPr sz="2400">
-                <a:solidFill>
-                  <a:schemeClr val="tx1"/>
-                </a:solidFill>
-                <a:latin typeface="Times New Roman" panose="02020603050405020304" pitchFamily="18" charset="0"/>
-              </a:defRPr>
-            </a:lvl5pPr>
-            <a:lvl6pPr marL="2514600" indent="-228600" eaLnBrk="0" fontAlgn="base" hangingPunct="0">
-              <a:spcBef>
-                <a:spcPct val="0"/>
-              </a:spcBef>
-              <a:spcAft>
-                <a:spcPct val="0"/>
-              </a:spcAft>
-              <a:defRPr sz="2400">
-                <a:solidFill>
-                  <a:schemeClr val="tx1"/>
-                </a:solidFill>
-                <a:latin typeface="Times New Roman" panose="02020603050405020304" pitchFamily="18" charset="0"/>
-              </a:defRPr>
-            </a:lvl6pPr>
-            <a:lvl7pPr marL="2971800" indent="-228600" eaLnBrk="0" fontAlgn="base" hangingPunct="0">
-              <a:spcBef>
-                <a:spcPct val="0"/>
-              </a:spcBef>
-              <a:spcAft>
-                <a:spcPct val="0"/>
-              </a:spcAft>
-              <a:defRPr sz="2400">
-                <a:solidFill>
-                  <a:schemeClr val="tx1"/>
-                </a:solidFill>
-                <a:latin typeface="Times New Roman" panose="02020603050405020304" pitchFamily="18" charset="0"/>
-              </a:defRPr>
-            </a:lvl7pPr>
-            <a:lvl8pPr marL="3429000" indent="-228600" eaLnBrk="0" fontAlgn="base" hangingPunct="0">
-              <a:spcBef>
-                <a:spcPct val="0"/>
-              </a:spcBef>
-              <a:spcAft>
-                <a:spcPct val="0"/>
-              </a:spcAft>
-              <a:defRPr sz="2400">
-                <a:solidFill>
-                  <a:schemeClr val="tx1"/>
-                </a:solidFill>
-                <a:latin typeface="Times New Roman" panose="02020603050405020304" pitchFamily="18" charset="0"/>
-              </a:defRPr>
-            </a:lvl8pPr>
-            <a:lvl9pPr marL="3886200" indent="-228600" eaLnBrk="0" fontAlgn="base" hangingPunct="0">
-              <a:spcBef>
-                <a:spcPct val="0"/>
-              </a:spcBef>
-              <a:spcAft>
-                <a:spcPct val="0"/>
-              </a:spcAft>
-              <a:defRPr sz="2400">
-                <a:solidFill>
-                  <a:schemeClr val="tx1"/>
-                </a:solidFill>
-                <a:latin typeface="Times New Roman" panose="02020603050405020304" pitchFamily="18" charset="0"/>
-              </a:defRPr>
-            </a:lvl9pPr>
-          </a:lstStyle>
-          <a:p>
-            <a:pPr algn="r" eaLnBrk="1" hangingPunct="1"/>
-            <a:r>
-              <a:rPr lang="de-DE" altLang="de-DE" sz="2800" b="1">
-                <a:solidFill>
-                  <a:schemeClr val="bg1"/>
-                </a:solidFill>
-                <a:latin typeface="Arial" panose="020B0604020202020204" pitchFamily="34" charset="0"/>
-              </a:rPr>
-              <a:t>12</a:t>
-            </a:r>
-          </a:p>
-        </p:txBody>
-      </p:sp>
-      <p:sp>
-        <p:nvSpPr>
-          <p:cNvPr id="5134" name="Rechteck 14">
-            <a:extLst>
-              <a:ext uri="{FF2B5EF4-FFF2-40B4-BE49-F238E27FC236}">
-                <a16:creationId xmlns:a16="http://schemas.microsoft.com/office/drawing/2014/main" id="{01381570-CC8D-5D5B-54C7-2F0AD25C9188}"/>
-              </a:ext>
-            </a:extLst>
-          </p:cNvPr>
-          <p:cNvSpPr>
-            <a:spLocks noChangeArrowheads="1"/>
-          </p:cNvSpPr>
-          <p:nvPr/>
-        </p:nvSpPr>
-        <p:spPr bwMode="auto">
-          <a:xfrm>
-            <a:off x="246063" y="3703638"/>
-            <a:ext cx="8786812" cy="142875"/>
-          </a:xfrm>
-          <a:prstGeom prst="rect">
-            <a:avLst/>
-          </a:prstGeom>
-          <a:solidFill>
-            <a:schemeClr val="bg1"/>
-          </a:solidFill>
-          <a:ln>
-            <a:noFill/>
-          </a:ln>
-          <a:extLst>
-            <a:ext uri="{91240B29-F687-4F45-9708-019B960494DF}">
-              <a14:hiddenLine xmlns:a14="http://schemas.microsoft.com/office/drawing/2010/main" w="12700" algn="ctr">
-                <a:solidFill>
-                  <a:srgbClr val="000000"/>
-                </a:solidFill>
-                <a:round/>
-                <a:headEnd type="none" w="sm" len="sm"/>
-                <a:tailEnd type="none" w="sm" len="sm"/>
-              </a14:hiddenLine>
-            </a:ext>
-          </a:extLst>
-        </p:spPr>
-        <p:txBody>
-          <a:bodyPr/>
-          <a:lstStyle>
-            <a:lvl1pPr>
-              <a:defRPr sz="2400">
-                <a:solidFill>
-                  <a:schemeClr val="tx1"/>
-                </a:solidFill>
-                <a:latin typeface="Times New Roman" panose="02020603050405020304" pitchFamily="18" charset="0"/>
-              </a:defRPr>
-            </a:lvl1pPr>
-            <a:lvl2pPr marL="742950" indent="-285750">
-              <a:defRPr sz="2400">
-                <a:solidFill>
-                  <a:schemeClr val="tx1"/>
-                </a:solidFill>
-                <a:latin typeface="Times New Roman" panose="02020603050405020304" pitchFamily="18" charset="0"/>
-              </a:defRPr>
-            </a:lvl2pPr>
-            <a:lvl3pPr marL="1143000" indent="-228600">
-              <a:defRPr sz="2400">
-                <a:solidFill>
-                  <a:schemeClr val="tx1"/>
-                </a:solidFill>
-                <a:latin typeface="Times New Roman" panose="02020603050405020304" pitchFamily="18" charset="0"/>
-              </a:defRPr>
-            </a:lvl3pPr>
-            <a:lvl4pPr marL="1600200" indent="-228600">
-              <a:defRPr sz="2400">
-                <a:solidFill>
-                  <a:schemeClr val="tx1"/>
-                </a:solidFill>
-                <a:latin typeface="Times New Roman" panose="02020603050405020304" pitchFamily="18" charset="0"/>
-              </a:defRPr>
-            </a:lvl4pPr>
-            <a:lvl5pPr marL="2057400" indent="-228600">
-              <a:defRPr sz="2400">
-                <a:solidFill>
-                  <a:schemeClr val="tx1"/>
-                </a:solidFill>
-                <a:latin typeface="Times New Roman" panose="02020603050405020304" pitchFamily="18" charset="0"/>
-              </a:defRPr>
-            </a:lvl5pPr>
-            <a:lvl6pPr marL="2514600" indent="-228600" eaLnBrk="0" fontAlgn="base" hangingPunct="0">
-              <a:spcBef>
-                <a:spcPct val="0"/>
-              </a:spcBef>
-              <a:spcAft>
-                <a:spcPct val="0"/>
-              </a:spcAft>
-              <a:defRPr sz="2400">
-                <a:solidFill>
-                  <a:schemeClr val="tx1"/>
-                </a:solidFill>
-                <a:latin typeface="Times New Roman" panose="02020603050405020304" pitchFamily="18" charset="0"/>
-              </a:defRPr>
-            </a:lvl6pPr>
-            <a:lvl7pPr marL="2971800" indent="-228600" eaLnBrk="0" fontAlgn="base" hangingPunct="0">
-              <a:spcBef>
-                <a:spcPct val="0"/>
-              </a:spcBef>
-              <a:spcAft>
-                <a:spcPct val="0"/>
-              </a:spcAft>
-              <a:defRPr sz="2400">
-                <a:solidFill>
-                  <a:schemeClr val="tx1"/>
-                </a:solidFill>
-                <a:latin typeface="Times New Roman" panose="02020603050405020304" pitchFamily="18" charset="0"/>
-              </a:defRPr>
-            </a:lvl7pPr>
-            <a:lvl8pPr marL="3429000" indent="-228600" eaLnBrk="0" fontAlgn="base" hangingPunct="0">
-              <a:spcBef>
-                <a:spcPct val="0"/>
-              </a:spcBef>
-              <a:spcAft>
-                <a:spcPct val="0"/>
-              </a:spcAft>
-              <a:defRPr sz="2400">
-                <a:solidFill>
-                  <a:schemeClr val="tx1"/>
-                </a:solidFill>
-                <a:latin typeface="Times New Roman" panose="02020603050405020304" pitchFamily="18" charset="0"/>
-              </a:defRPr>
-            </a:lvl8pPr>
-            <a:lvl9pPr marL="3886200" indent="-228600" eaLnBrk="0" fontAlgn="base" hangingPunct="0">
-              <a:spcBef>
-                <a:spcPct val="0"/>
-              </a:spcBef>
-              <a:spcAft>
-                <a:spcPct val="0"/>
-              </a:spcAft>
-              <a:defRPr sz="2400">
-                <a:solidFill>
-                  <a:schemeClr val="tx1"/>
-                </a:solidFill>
-                <a:latin typeface="Times New Roman" panose="02020603050405020304" pitchFamily="18" charset="0"/>
-              </a:defRPr>
-            </a:lvl9pPr>
-          </a:lstStyle>
-          <a:p>
-            <a:endParaRPr lang="de-DE" altLang="de-DE">
-              <a:latin typeface="Arial" panose="020B0604020202020204" pitchFamily="34" charset="0"/>
-            </a:endParaRPr>
-          </a:p>
-        </p:txBody>
-      </p:sp>
-      <p:sp>
-        <p:nvSpPr>
-          <p:cNvPr id="5135" name="Rechteck 16">
-            <a:extLst>
-              <a:ext uri="{FF2B5EF4-FFF2-40B4-BE49-F238E27FC236}">
-                <a16:creationId xmlns:a16="http://schemas.microsoft.com/office/drawing/2014/main" id="{4FC6DB8B-6F48-C937-952D-96D0B7C14884}"/>
-              </a:ext>
-            </a:extLst>
-          </p:cNvPr>
-          <p:cNvSpPr>
-            <a:spLocks noChangeArrowheads="1"/>
-          </p:cNvSpPr>
-          <p:nvPr/>
-        </p:nvSpPr>
-        <p:spPr bwMode="auto">
-          <a:xfrm>
-            <a:off x="107950" y="2205038"/>
-            <a:ext cx="8786813" cy="142875"/>
-          </a:xfrm>
-          <a:prstGeom prst="rect">
-            <a:avLst/>
-          </a:prstGeom>
-          <a:solidFill>
-            <a:schemeClr val="bg1"/>
-          </a:solidFill>
-          <a:ln>
-            <a:noFill/>
-          </a:ln>
-          <a:extLst>
-            <a:ext uri="{91240B29-F687-4F45-9708-019B960494DF}">
-              <a14:hiddenLine xmlns:a14="http://schemas.microsoft.com/office/drawing/2010/main" w="12700" algn="ctr">
-                <a:solidFill>
-                  <a:srgbClr val="000000"/>
-                </a:solidFill>
-                <a:round/>
-                <a:headEnd type="none" w="sm" len="sm"/>
-                <a:tailEnd type="none" w="sm" len="sm"/>
-              </a14:hiddenLine>
-            </a:ext>
-          </a:extLst>
-        </p:spPr>
-        <p:txBody>
-          <a:bodyPr/>
-          <a:lstStyle>
-            <a:lvl1pPr>
-              <a:defRPr sz="2400">
-                <a:solidFill>
-                  <a:schemeClr val="tx1"/>
-                </a:solidFill>
-                <a:latin typeface="Times New Roman" panose="02020603050405020304" pitchFamily="18" charset="0"/>
-              </a:defRPr>
-            </a:lvl1pPr>
-            <a:lvl2pPr marL="742950" indent="-285750">
-              <a:defRPr sz="2400">
-                <a:solidFill>
-                  <a:schemeClr val="tx1"/>
-                </a:solidFill>
-                <a:latin typeface="Times New Roman" panose="02020603050405020304" pitchFamily="18" charset="0"/>
-              </a:defRPr>
-            </a:lvl2pPr>
-            <a:lvl3pPr marL="1143000" indent="-228600">
-              <a:defRPr sz="2400">
-                <a:solidFill>
-                  <a:schemeClr val="tx1"/>
-                </a:solidFill>
-                <a:latin typeface="Times New Roman" panose="02020603050405020304" pitchFamily="18" charset="0"/>
-              </a:defRPr>
-            </a:lvl3pPr>
-            <a:lvl4pPr marL="1600200" indent="-228600">
-              <a:defRPr sz="2400">
-                <a:solidFill>
-                  <a:schemeClr val="tx1"/>
-                </a:solidFill>
-                <a:latin typeface="Times New Roman" panose="02020603050405020304" pitchFamily="18" charset="0"/>
-              </a:defRPr>
-            </a:lvl4pPr>
-            <a:lvl5pPr marL="2057400" indent="-228600">
-              <a:defRPr sz="2400">
-                <a:solidFill>
-                  <a:schemeClr val="tx1"/>
-                </a:solidFill>
-                <a:latin typeface="Times New Roman" panose="02020603050405020304" pitchFamily="18" charset="0"/>
-              </a:defRPr>
-            </a:lvl5pPr>
-            <a:lvl6pPr marL="2514600" indent="-228600" eaLnBrk="0" fontAlgn="base" hangingPunct="0">
-              <a:spcBef>
-                <a:spcPct val="0"/>
-              </a:spcBef>
-              <a:spcAft>
-                <a:spcPct val="0"/>
-              </a:spcAft>
-              <a:defRPr sz="2400">
-                <a:solidFill>
-                  <a:schemeClr val="tx1"/>
-                </a:solidFill>
-                <a:latin typeface="Times New Roman" panose="02020603050405020304" pitchFamily="18" charset="0"/>
-              </a:defRPr>
-            </a:lvl6pPr>
-            <a:lvl7pPr marL="2971800" indent="-228600" eaLnBrk="0" fontAlgn="base" hangingPunct="0">
-              <a:spcBef>
-                <a:spcPct val="0"/>
-              </a:spcBef>
-              <a:spcAft>
-                <a:spcPct val="0"/>
-              </a:spcAft>
-              <a:defRPr sz="2400">
-                <a:solidFill>
-                  <a:schemeClr val="tx1"/>
-                </a:solidFill>
-                <a:latin typeface="Times New Roman" panose="02020603050405020304" pitchFamily="18" charset="0"/>
-              </a:defRPr>
-            </a:lvl7pPr>
-            <a:lvl8pPr marL="3429000" indent="-228600" eaLnBrk="0" fontAlgn="base" hangingPunct="0">
-              <a:spcBef>
-                <a:spcPct val="0"/>
-              </a:spcBef>
-              <a:spcAft>
-                <a:spcPct val="0"/>
-              </a:spcAft>
-              <a:defRPr sz="2400">
-                <a:solidFill>
-                  <a:schemeClr val="tx1"/>
-                </a:solidFill>
-                <a:latin typeface="Times New Roman" panose="02020603050405020304" pitchFamily="18" charset="0"/>
-              </a:defRPr>
-            </a:lvl8pPr>
-            <a:lvl9pPr marL="3886200" indent="-228600" eaLnBrk="0" fontAlgn="base" hangingPunct="0">
-              <a:spcBef>
-                <a:spcPct val="0"/>
-              </a:spcBef>
-              <a:spcAft>
-                <a:spcPct val="0"/>
-              </a:spcAft>
-              <a:defRPr sz="2400">
-                <a:solidFill>
-                  <a:schemeClr val="tx1"/>
-                </a:solidFill>
-                <a:latin typeface="Times New Roman" panose="02020603050405020304" pitchFamily="18" charset="0"/>
-              </a:defRPr>
-            </a:lvl9pPr>
-          </a:lstStyle>
-          <a:p>
-            <a:endParaRPr lang="de-DE" altLang="de-DE">
-              <a:latin typeface="Arial" panose="020B0604020202020204" pitchFamily="34" charset="0"/>
-            </a:endParaRPr>
-          </a:p>
-        </p:txBody>
-      </p:sp>
-      <p:sp>
-        <p:nvSpPr>
-          <p:cNvPr id="5136" name="Rechteck 17">
-            <a:extLst>
-              <a:ext uri="{FF2B5EF4-FFF2-40B4-BE49-F238E27FC236}">
-                <a16:creationId xmlns:a16="http://schemas.microsoft.com/office/drawing/2014/main" id="{09D450DA-2412-D7B3-8560-17EF819098DB}"/>
-              </a:ext>
-            </a:extLst>
-          </p:cNvPr>
-          <p:cNvSpPr>
-            <a:spLocks noChangeArrowheads="1"/>
-          </p:cNvSpPr>
-          <p:nvPr/>
-        </p:nvSpPr>
-        <p:spPr bwMode="auto">
-          <a:xfrm>
-            <a:off x="257175" y="4467225"/>
-            <a:ext cx="8786813" cy="142875"/>
-          </a:xfrm>
-          <a:prstGeom prst="rect">
-            <a:avLst/>
-          </a:prstGeom>
-          <a:solidFill>
-            <a:schemeClr val="bg1"/>
-          </a:solidFill>
-          <a:ln>
-            <a:noFill/>
-          </a:ln>
-          <a:extLst>
-            <a:ext uri="{91240B29-F687-4F45-9708-019B960494DF}">
-              <a14:hiddenLine xmlns:a14="http://schemas.microsoft.com/office/drawing/2010/main" w="12700" algn="ctr">
-                <a:solidFill>
-                  <a:srgbClr val="000000"/>
-                </a:solidFill>
-                <a:round/>
-                <a:headEnd type="none" w="sm" len="sm"/>
-                <a:tailEnd type="none" w="sm" len="sm"/>
-              </a14:hiddenLine>
-            </a:ext>
-          </a:extLst>
-        </p:spPr>
-        <p:txBody>
-          <a:bodyPr/>
-          <a:lstStyle>
-            <a:lvl1pPr>
-              <a:defRPr sz="2400">
-                <a:solidFill>
-                  <a:schemeClr val="tx1"/>
-                </a:solidFill>
-                <a:latin typeface="Times New Roman" panose="02020603050405020304" pitchFamily="18" charset="0"/>
-              </a:defRPr>
-            </a:lvl1pPr>
-            <a:lvl2pPr marL="742950" indent="-285750">
-              <a:defRPr sz="2400">
-                <a:solidFill>
-                  <a:schemeClr val="tx1"/>
-                </a:solidFill>
-                <a:latin typeface="Times New Roman" panose="02020603050405020304" pitchFamily="18" charset="0"/>
-              </a:defRPr>
-            </a:lvl2pPr>
-            <a:lvl3pPr marL="1143000" indent="-228600">
-              <a:defRPr sz="2400">
-                <a:solidFill>
-                  <a:schemeClr val="tx1"/>
-                </a:solidFill>
-                <a:latin typeface="Times New Roman" panose="02020603050405020304" pitchFamily="18" charset="0"/>
-              </a:defRPr>
-            </a:lvl3pPr>
-            <a:lvl4pPr marL="1600200" indent="-228600">
-              <a:defRPr sz="2400">
-                <a:solidFill>
-                  <a:schemeClr val="tx1"/>
-                </a:solidFill>
-                <a:latin typeface="Times New Roman" panose="02020603050405020304" pitchFamily="18" charset="0"/>
-              </a:defRPr>
-            </a:lvl4pPr>
-            <a:lvl5pPr marL="2057400" indent="-228600">
-              <a:defRPr sz="2400">
-                <a:solidFill>
-                  <a:schemeClr val="tx1"/>
-                </a:solidFill>
-                <a:latin typeface="Times New Roman" panose="02020603050405020304" pitchFamily="18" charset="0"/>
-              </a:defRPr>
-            </a:lvl5pPr>
-            <a:lvl6pPr marL="2514600" indent="-228600" eaLnBrk="0" fontAlgn="base" hangingPunct="0">
-              <a:spcBef>
-                <a:spcPct val="0"/>
-              </a:spcBef>
-              <a:spcAft>
-                <a:spcPct val="0"/>
-              </a:spcAft>
-              <a:defRPr sz="2400">
-                <a:solidFill>
-                  <a:schemeClr val="tx1"/>
-                </a:solidFill>
-                <a:latin typeface="Times New Roman" panose="02020603050405020304" pitchFamily="18" charset="0"/>
-              </a:defRPr>
-            </a:lvl6pPr>
-            <a:lvl7pPr marL="2971800" indent="-228600" eaLnBrk="0" fontAlgn="base" hangingPunct="0">
-              <a:spcBef>
-                <a:spcPct val="0"/>
-              </a:spcBef>
-              <a:spcAft>
-                <a:spcPct val="0"/>
-              </a:spcAft>
-              <a:defRPr sz="2400">
-                <a:solidFill>
-                  <a:schemeClr val="tx1"/>
-                </a:solidFill>
-                <a:latin typeface="Times New Roman" panose="02020603050405020304" pitchFamily="18" charset="0"/>
-              </a:defRPr>
-            </a:lvl7pPr>
-            <a:lvl8pPr marL="3429000" indent="-228600" eaLnBrk="0" fontAlgn="base" hangingPunct="0">
-              <a:spcBef>
-                <a:spcPct val="0"/>
-              </a:spcBef>
-              <a:spcAft>
-                <a:spcPct val="0"/>
-              </a:spcAft>
-              <a:defRPr sz="2400">
-                <a:solidFill>
-                  <a:schemeClr val="tx1"/>
-                </a:solidFill>
-                <a:latin typeface="Times New Roman" panose="02020603050405020304" pitchFamily="18" charset="0"/>
-              </a:defRPr>
-            </a:lvl8pPr>
-            <a:lvl9pPr marL="3886200" indent="-228600" eaLnBrk="0" fontAlgn="base" hangingPunct="0">
-              <a:spcBef>
-                <a:spcPct val="0"/>
-              </a:spcBef>
-              <a:spcAft>
-                <a:spcPct val="0"/>
-              </a:spcAft>
-              <a:defRPr sz="2400">
-                <a:solidFill>
-                  <a:schemeClr val="tx1"/>
-                </a:solidFill>
-                <a:latin typeface="Times New Roman" panose="02020603050405020304" pitchFamily="18" charset="0"/>
-              </a:defRPr>
-            </a:lvl9pPr>
-          </a:lstStyle>
-          <a:p>
-            <a:endParaRPr lang="de-DE" altLang="de-DE">
-              <a:latin typeface="Arial" panose="020B0604020202020204" pitchFamily="34" charset="0"/>
-            </a:endParaRPr>
-          </a:p>
-        </p:txBody>
-      </p:sp>
-      <p:sp>
-        <p:nvSpPr>
-          <p:cNvPr id="5137" name="Rechteck 16">
-            <a:extLst>
-              <a:ext uri="{FF2B5EF4-FFF2-40B4-BE49-F238E27FC236}">
-                <a16:creationId xmlns:a16="http://schemas.microsoft.com/office/drawing/2014/main" id="{65A08B8A-860A-406F-492E-E720306725D4}"/>
-              </a:ext>
-            </a:extLst>
-          </p:cNvPr>
-          <p:cNvSpPr>
-            <a:spLocks noChangeArrowheads="1"/>
-          </p:cNvSpPr>
-          <p:nvPr/>
-        </p:nvSpPr>
-        <p:spPr bwMode="auto">
-          <a:xfrm>
-            <a:off x="388938" y="2936875"/>
-            <a:ext cx="8569325" cy="144463"/>
-          </a:xfrm>
-          <a:prstGeom prst="rect">
-            <a:avLst/>
-          </a:prstGeom>
-          <a:solidFill>
-            <a:schemeClr val="bg1"/>
-          </a:solidFill>
-          <a:ln>
-            <a:noFill/>
-          </a:ln>
-          <a:extLst>
-            <a:ext uri="{91240B29-F687-4F45-9708-019B960494DF}">
-              <a14:hiddenLine xmlns:a14="http://schemas.microsoft.com/office/drawing/2010/main" w="12700" algn="ctr">
-                <a:solidFill>
-                  <a:srgbClr val="000000"/>
-                </a:solidFill>
-                <a:round/>
-                <a:headEnd type="none" w="sm" len="sm"/>
-                <a:tailEnd type="none" w="sm" len="sm"/>
-              </a14:hiddenLine>
-            </a:ext>
-          </a:extLst>
-        </p:spPr>
-        <p:txBody>
-          <a:bodyPr/>
-          <a:lstStyle>
-            <a:lvl1pPr>
-              <a:defRPr sz="2400">
-                <a:solidFill>
-                  <a:schemeClr val="tx1"/>
-                </a:solidFill>
-                <a:latin typeface="Times New Roman" panose="02020603050405020304" pitchFamily="18" charset="0"/>
-              </a:defRPr>
-            </a:lvl1pPr>
-            <a:lvl2pPr marL="742950" indent="-285750">
-              <a:defRPr sz="2400">
-                <a:solidFill>
-                  <a:schemeClr val="tx1"/>
-                </a:solidFill>
-                <a:latin typeface="Times New Roman" panose="02020603050405020304" pitchFamily="18" charset="0"/>
-              </a:defRPr>
-            </a:lvl2pPr>
-            <a:lvl3pPr marL="1143000" indent="-228600">
-              <a:defRPr sz="2400">
-                <a:solidFill>
-                  <a:schemeClr val="tx1"/>
-                </a:solidFill>
-                <a:latin typeface="Times New Roman" panose="02020603050405020304" pitchFamily="18" charset="0"/>
-              </a:defRPr>
-            </a:lvl3pPr>
-            <a:lvl4pPr marL="1600200" indent="-228600">
-              <a:defRPr sz="2400">
-                <a:solidFill>
-                  <a:schemeClr val="tx1"/>
-                </a:solidFill>
-                <a:latin typeface="Times New Roman" panose="02020603050405020304" pitchFamily="18" charset="0"/>
-              </a:defRPr>
-            </a:lvl4pPr>
-            <a:lvl5pPr marL="2057400" indent="-228600">
-              <a:defRPr sz="2400">
-                <a:solidFill>
-                  <a:schemeClr val="tx1"/>
-                </a:solidFill>
-                <a:latin typeface="Times New Roman" panose="02020603050405020304" pitchFamily="18" charset="0"/>
-              </a:defRPr>
-            </a:lvl5pPr>
-            <a:lvl6pPr marL="2514600" indent="-228600" eaLnBrk="0" fontAlgn="base" hangingPunct="0">
-              <a:spcBef>
-                <a:spcPct val="0"/>
-              </a:spcBef>
-              <a:spcAft>
-                <a:spcPct val="0"/>
-              </a:spcAft>
-              <a:defRPr sz="2400">
-                <a:solidFill>
-                  <a:schemeClr val="tx1"/>
-                </a:solidFill>
-                <a:latin typeface="Times New Roman" panose="02020603050405020304" pitchFamily="18" charset="0"/>
-              </a:defRPr>
-            </a:lvl6pPr>
-            <a:lvl7pPr marL="2971800" indent="-228600" eaLnBrk="0" fontAlgn="base" hangingPunct="0">
-              <a:spcBef>
-                <a:spcPct val="0"/>
-              </a:spcBef>
-              <a:spcAft>
-                <a:spcPct val="0"/>
-              </a:spcAft>
-              <a:defRPr sz="2400">
-                <a:solidFill>
-                  <a:schemeClr val="tx1"/>
-                </a:solidFill>
-                <a:latin typeface="Times New Roman" panose="02020603050405020304" pitchFamily="18" charset="0"/>
-              </a:defRPr>
-            </a:lvl7pPr>
-            <a:lvl8pPr marL="3429000" indent="-228600" eaLnBrk="0" fontAlgn="base" hangingPunct="0">
-              <a:spcBef>
-                <a:spcPct val="0"/>
-              </a:spcBef>
-              <a:spcAft>
-                <a:spcPct val="0"/>
-              </a:spcAft>
-              <a:defRPr sz="2400">
-                <a:solidFill>
-                  <a:schemeClr val="tx1"/>
-                </a:solidFill>
-                <a:latin typeface="Times New Roman" panose="02020603050405020304" pitchFamily="18" charset="0"/>
-              </a:defRPr>
-            </a:lvl8pPr>
-            <a:lvl9pPr marL="3886200" indent="-228600" eaLnBrk="0" fontAlgn="base" hangingPunct="0">
-              <a:spcBef>
-                <a:spcPct val="0"/>
-              </a:spcBef>
-              <a:spcAft>
-                <a:spcPct val="0"/>
-              </a:spcAft>
-              <a:defRPr sz="2400">
-                <a:solidFill>
-                  <a:schemeClr val="tx1"/>
-                </a:solidFill>
-                <a:latin typeface="Times New Roman" panose="02020603050405020304" pitchFamily="18" charset="0"/>
-              </a:defRPr>
-            </a:lvl9pPr>
-          </a:lstStyle>
-          <a:p>
-            <a:endParaRPr lang="de-DE" altLang="de-DE">
-              <a:latin typeface="Arial" panose="020B0604020202020204" pitchFamily="34" charset="0"/>
-            </a:endParaRPr>
-          </a:p>
-        </p:txBody>
-      </p:sp>
-    </p:spTree>
-  </p:cSld>
-  <p:clrMapOvr>
-    <a:masterClrMapping/>
-  </p:clrMapOvr>
-</p:sld>
-</file>
-
-<file path=ppt/slides/slide3.xml><?xml version="1.0" encoding="utf-8"?>
-<p:sld xmlns:a="http://schemas.openxmlformats.org/drawingml/2006/main" xmlns:r="http://schemas.openxmlformats.org/officeDocument/2006/relationships" xmlns:p="http://schemas.openxmlformats.org/presentationml/2006/main">
-  <p:cSld>
-    <p:spTree>
-      <p:nvGrpSpPr>
-        <p:cNvPr id="1" name=""/>
-        <p:cNvGrpSpPr/>
-        <p:nvPr/>
-      </p:nvGrpSpPr>
-      <p:grpSpPr>
-        <a:xfrm>
-          <a:off x="0" y="0"/>
-          <a:ext cx="0" cy="0"/>
-          <a:chOff x="0" y="0"/>
-          <a:chExt cx="0" cy="0"/>
-        </a:xfrm>
-      </p:grpSpPr>
-      <p:sp>
-        <p:nvSpPr>
           <p:cNvPr id="6146" name="Inhaltsplatzhalter 18">
             <a:extLst>
               <a:ext uri="{FF2B5EF4-FFF2-40B4-BE49-F238E27FC236}">
@@ -6122,7 +3605,7 @@
           <a:bodyPr/>
           <a:lstStyle/>
           <a:p>
-            <a:endParaRPr lang="de-DE" altLang="de-DE"/>
+            <a:endParaRPr lang="de-DE" altLang="de-DE" dirty="0"/>
           </a:p>
         </p:txBody>
       </p:sp>
@@ -6154,17 +3637,246 @@
           <a:p>
             <a:r>
               <a:rPr lang="en-US" altLang="de-DE" dirty="0"/>
-              <a:t>D</a:t>
-            </a:r>
-            <a:r>
-              <a:rPr lang="de-DE" altLang="de-DE" dirty="0" err="1"/>
-              <a:t>ocker</a:t>
+              <a:t>Agenda</a:t>
             </a:r>
             <a:endParaRPr lang="de-DE" altLang="de-DE" dirty="0"/>
           </a:p>
         </p:txBody>
       </p:sp>
     </p:spTree>
+  </p:cSld>
+  <p:clrMapOvr>
+    <a:masterClrMapping/>
+  </p:clrMapOvr>
+</p:sld>
+</file>
+
+<file path=ppt/slides/slide2.xml><?xml version="1.0" encoding="utf-8"?>
+<p:sld xmlns:a="http://schemas.openxmlformats.org/drawingml/2006/main" xmlns:r="http://schemas.openxmlformats.org/officeDocument/2006/relationships" xmlns:p="http://schemas.openxmlformats.org/presentationml/2006/main">
+  <p:cSld>
+    <p:spTree>
+      <p:nvGrpSpPr>
+        <p:cNvPr id="1" name=""/>
+        <p:cNvGrpSpPr/>
+        <p:nvPr/>
+      </p:nvGrpSpPr>
+      <p:grpSpPr>
+        <a:xfrm>
+          <a:off x="0" y="0"/>
+          <a:ext cx="0" cy="0"/>
+          <a:chOff x="0" y="0"/>
+          <a:chExt cx="0" cy="0"/>
+        </a:xfrm>
+      </p:grpSpPr>
+      <p:sp>
+        <p:nvSpPr>
+          <p:cNvPr id="7170" name="Titel 1">
+            <a:extLst>
+              <a:ext uri="{FF2B5EF4-FFF2-40B4-BE49-F238E27FC236}">
+                <a16:creationId xmlns:a16="http://schemas.microsoft.com/office/drawing/2014/main" id="{14166EE9-31F6-1432-6B4F-746369646516}"/>
+              </a:ext>
+            </a:extLst>
+          </p:cNvPr>
+          <p:cNvSpPr>
+            <a:spLocks noGrp="1"/>
+          </p:cNvSpPr>
+          <p:nvPr>
+            <p:ph type="title"/>
+          </p:nvPr>
+        </p:nvSpPr>
+        <p:spPr>
+          <a:xfrm>
+            <a:off x="285750" y="150813"/>
+            <a:ext cx="5554663" cy="706437"/>
+          </a:xfrm>
+        </p:spPr>
+        <p:txBody>
+          <a:bodyPr/>
+          <a:lstStyle/>
+          <a:p>
+            <a:r>
+              <a:rPr lang="de-DE" altLang="de-DE" dirty="0"/>
+              <a:t>Lokale Entwicklung mit Docker</a:t>
+            </a:r>
+          </a:p>
+        </p:txBody>
+      </p:sp>
+      <p:pic>
+        <p:nvPicPr>
+          <p:cNvPr id="4" name="Inhaltsplatzhalter 3" descr="Docker Logo">
+            <a:extLst>
+              <a:ext uri="{FF2B5EF4-FFF2-40B4-BE49-F238E27FC236}">
+                <a16:creationId xmlns:a16="http://schemas.microsoft.com/office/drawing/2014/main" id="{3F1A2286-E4F5-09BF-231F-5040FA435DA0}"/>
+              </a:ext>
+            </a:extLst>
+          </p:cNvPr>
+          <p:cNvPicPr>
+            <a:picLocks noGrp="1" noChangeAspect="1"/>
+          </p:cNvPicPr>
+          <p:nvPr>
+            <p:ph idx="1"/>
+          </p:nvPr>
+        </p:nvPicPr>
+        <p:blipFill>
+          <a:blip r:embed="rId3">
+            <a:extLst>
+              <a:ext uri="{28A0092B-C50C-407E-A947-70E740481C1C}">
+                <a14:useLocalDpi xmlns:a14="http://schemas.microsoft.com/office/drawing/2010/main" val="0"/>
+              </a:ext>
+            </a:extLst>
+          </a:blip>
+          <a:stretch>
+            <a:fillRect/>
+          </a:stretch>
+        </p:blipFill>
+        <p:spPr>
+          <a:xfrm>
+            <a:off x="1373815" y="2701303"/>
+            <a:ext cx="6396370" cy="1455394"/>
+          </a:xfrm>
+        </p:spPr>
+      </p:pic>
+    </p:spTree>
+    <p:extLst>
+      <p:ext uri="{BB962C8B-B14F-4D97-AF65-F5344CB8AC3E}">
+        <p14:creationId xmlns:p14="http://schemas.microsoft.com/office/powerpoint/2010/main" val="1890916158"/>
+      </p:ext>
+    </p:extLst>
+  </p:cSld>
+  <p:clrMapOvr>
+    <a:masterClrMapping/>
+  </p:clrMapOvr>
+</p:sld>
+</file>
+
+<file path=ppt/slides/slide3.xml><?xml version="1.0" encoding="utf-8"?>
+<p:sld xmlns:a="http://schemas.openxmlformats.org/drawingml/2006/main" xmlns:r="http://schemas.openxmlformats.org/officeDocument/2006/relationships" xmlns:p="http://schemas.openxmlformats.org/presentationml/2006/main">
+  <p:cSld>
+    <p:spTree>
+      <p:nvGrpSpPr>
+        <p:cNvPr id="1" name=""/>
+        <p:cNvGrpSpPr/>
+        <p:nvPr/>
+      </p:nvGrpSpPr>
+      <p:grpSpPr>
+        <a:xfrm>
+          <a:off x="0" y="0"/>
+          <a:ext cx="0" cy="0"/>
+          <a:chOff x="0" y="0"/>
+          <a:chExt cx="0" cy="0"/>
+        </a:xfrm>
+      </p:grpSpPr>
+      <p:sp>
+        <p:nvSpPr>
+          <p:cNvPr id="7170" name="Titel 1">
+            <a:extLst>
+              <a:ext uri="{FF2B5EF4-FFF2-40B4-BE49-F238E27FC236}">
+                <a16:creationId xmlns:a16="http://schemas.microsoft.com/office/drawing/2014/main" id="{14166EE9-31F6-1432-6B4F-746369646516}"/>
+              </a:ext>
+            </a:extLst>
+          </p:cNvPr>
+          <p:cNvSpPr>
+            <a:spLocks noGrp="1"/>
+          </p:cNvSpPr>
+          <p:nvPr>
+            <p:ph type="title"/>
+          </p:nvPr>
+        </p:nvSpPr>
+        <p:spPr>
+          <a:xfrm>
+            <a:off x="285750" y="150813"/>
+            <a:ext cx="5554663" cy="706437"/>
+          </a:xfrm>
+        </p:spPr>
+        <p:txBody>
+          <a:bodyPr/>
+          <a:lstStyle/>
+          <a:p>
+            <a:r>
+              <a:rPr lang="de-DE" altLang="de-DE" dirty="0"/>
+              <a:t>Lokale Entwicklung mit Docker</a:t>
+            </a:r>
+          </a:p>
+        </p:txBody>
+      </p:sp>
+      <p:sp>
+        <p:nvSpPr>
+          <p:cNvPr id="7171" name="Inhaltsplatzhalter 2">
+            <a:extLst>
+              <a:ext uri="{FF2B5EF4-FFF2-40B4-BE49-F238E27FC236}">
+                <a16:creationId xmlns:a16="http://schemas.microsoft.com/office/drawing/2014/main" id="{D6605F78-5E9C-5D95-A6D0-E28F30A480AF}"/>
+              </a:ext>
+            </a:extLst>
+          </p:cNvPr>
+          <p:cNvSpPr>
+            <a:spLocks noGrp="1"/>
+          </p:cNvSpPr>
+          <p:nvPr>
+            <p:ph idx="1"/>
+          </p:nvPr>
+        </p:nvSpPr>
+        <p:spPr>
+          <a:xfrm>
+            <a:off x="395537" y="1687513"/>
+            <a:ext cx="4392488" cy="2519580"/>
+          </a:xfrm>
+        </p:spPr>
+        <p:txBody>
+          <a:bodyPr/>
+          <a:lstStyle/>
+          <a:p>
+            <a:pPr marL="0" indent="0">
+              <a:buNone/>
+            </a:pPr>
+            <a:r>
+              <a:rPr lang="de-DE" altLang="de-DE" sz="3200" dirty="0"/>
+              <a:t>Warum Docker?</a:t>
+            </a:r>
+          </a:p>
+        </p:txBody>
+      </p:sp>
+      <p:pic>
+        <p:nvPicPr>
+          <p:cNvPr id="3" name="Grafik 2" descr="Ein Bild, das Symbol, Grafiken, Clipart, Design enthält.&#10;&#10;Automatisch generierte Beschreibung">
+            <a:extLst>
+              <a:ext uri="{FF2B5EF4-FFF2-40B4-BE49-F238E27FC236}">
+                <a16:creationId xmlns:a16="http://schemas.microsoft.com/office/drawing/2014/main" id="{8E1A8FDE-161D-CB6E-C632-AAD676C4E3DE}"/>
+              </a:ext>
+            </a:extLst>
+          </p:cNvPr>
+          <p:cNvPicPr>
+            <a:picLocks noChangeAspect="1"/>
+          </p:cNvPicPr>
+          <p:nvPr/>
+        </p:nvPicPr>
+        <p:blipFill>
+          <a:blip r:embed="rId3">
+            <a:extLst>
+              <a:ext uri="{28A0092B-C50C-407E-A947-70E740481C1C}">
+                <a14:useLocalDpi xmlns:a14="http://schemas.microsoft.com/office/drawing/2010/main" val="0"/>
+              </a:ext>
+            </a:extLst>
+          </a:blip>
+          <a:stretch>
+            <a:fillRect/>
+          </a:stretch>
+        </p:blipFill>
+        <p:spPr>
+          <a:xfrm>
+            <a:off x="5525288" y="1844824"/>
+            <a:ext cx="3192008" cy="2519580"/>
+          </a:xfrm>
+          <a:prstGeom prst="rect">
+            <a:avLst/>
+          </a:prstGeom>
+        </p:spPr>
+      </p:pic>
+    </p:spTree>
+    <p:extLst>
+      <p:ext uri="{BB962C8B-B14F-4D97-AF65-F5344CB8AC3E}">
+        <p14:creationId xmlns:p14="http://schemas.microsoft.com/office/powerpoint/2010/main" val="4290725387"/>
+      </p:ext>
+    </p:extLst>
   </p:cSld>
   <p:clrMapOvr>
     <a:masterClrMapping/>
@@ -6215,7 +3927,10 @@
           <a:bodyPr/>
           <a:lstStyle/>
           <a:p>
-            <a:endParaRPr lang="de-DE" altLang="de-DE"/>
+            <a:r>
+              <a:rPr lang="de-DE" altLang="de-DE" dirty="0"/>
+              <a:t>Lokale Entwicklung mit Docker</a:t>
+            </a:r>
           </a:p>
         </p:txBody>
       </p:sp>
@@ -6240,11 +3955,19 @@
           <a:bodyPr/>
           <a:lstStyle/>
           <a:p>
-            <a:endParaRPr lang="de-DE" altLang="de-DE"/>
+            <a:pPr marL="0" indent="0">
+              <a:buNone/>
+            </a:pPr>
+            <a:endParaRPr lang="de-DE" altLang="de-DE" dirty="0"/>
           </a:p>
         </p:txBody>
       </p:sp>
     </p:spTree>
+    <p:extLst>
+      <p:ext uri="{BB962C8B-B14F-4D97-AF65-F5344CB8AC3E}">
+        <p14:creationId xmlns:p14="http://schemas.microsoft.com/office/powerpoint/2010/main" val="1437393746"/>
+      </p:ext>
+    </p:extLst>
   </p:cSld>
   <p:clrMapOvr>
     <a:masterClrMapping/>

--- a/slides/Tag-3_1-Docker.pptx
+++ b/slides/Tag-3_1-Docker.pptx
@@ -6,16 +6,22 @@
     <p:sldMasterId id="2147483649" r:id="rId2"/>
   </p:sldMasterIdLst>
   <p:notesMasterIdLst>
-    <p:notesMasterId r:id="rId7"/>
+    <p:notesMasterId r:id="rId13"/>
   </p:notesMasterIdLst>
   <p:handoutMasterIdLst>
-    <p:handoutMasterId r:id="rId8"/>
+    <p:handoutMasterId r:id="rId14"/>
   </p:handoutMasterIdLst>
   <p:sldIdLst>
     <p:sldId id="289" r:id="rId3"/>
-    <p:sldId id="291" r:id="rId4"/>
-    <p:sldId id="292" r:id="rId5"/>
+    <p:sldId id="295" r:id="rId4"/>
+    <p:sldId id="294" r:id="rId5"/>
     <p:sldId id="293" r:id="rId6"/>
+    <p:sldId id="296" r:id="rId7"/>
+    <p:sldId id="298" r:id="rId8"/>
+    <p:sldId id="299" r:id="rId9"/>
+    <p:sldId id="300" r:id="rId10"/>
+    <p:sldId id="301" r:id="rId11"/>
+    <p:sldId id="302" r:id="rId12"/>
   </p:sldIdLst>
   <p:sldSz cx="9144000" cy="6858000" type="screen4x3"/>
   <p:notesSz cx="6784975" cy="9921875"/>
@@ -1052,44 +1058,7 @@
           <a:bodyPr/>
           <a:lstStyle/>
           <a:p>
-            <a:r>
-              <a:rPr lang="de-DE" dirty="0"/>
-              <a:t>Was ist Docker:</a:t>
-            </a:r>
-            <a:br>
-              <a:rPr lang="de-DE" dirty="0"/>
-            </a:br>
-            <a:br>
-              <a:rPr lang="de-DE" dirty="0"/>
-            </a:br>
-            <a:r>
-              <a:rPr lang="de-DE" dirty="0" err="1"/>
-              <a:t>Containerisierungssoftware</a:t>
-            </a:r>
-            <a:r>
-              <a:rPr lang="de-DE" dirty="0"/>
-              <a:t>.</a:t>
-            </a:r>
-            <a:br>
-              <a:rPr lang="de-DE" dirty="0"/>
-            </a:br>
-            <a:br>
-              <a:rPr lang="de-DE" dirty="0"/>
-            </a:br>
-            <a:r>
-              <a:rPr lang="de-DE" dirty="0"/>
-              <a:t>Flexible Images</a:t>
-            </a:r>
-            <a:br>
-              <a:rPr lang="de-DE" dirty="0"/>
-            </a:br>
-            <a:br>
-              <a:rPr lang="de-DE" dirty="0"/>
-            </a:br>
-            <a:r>
-              <a:rPr lang="de-DE" dirty="0"/>
-              <a:t>Abkapselung</a:t>
-            </a:r>
+            <a:endParaRPr lang="de-DE" dirty="0"/>
           </a:p>
         </p:txBody>
       </p:sp>
@@ -1111,7 +1080,7 @@
             <a:fld id="{18182567-388C-4D33-8B7B-A651F195F118}" type="slidenum">
               <a:rPr lang="de-DE" altLang="de-DE" smtClean="0"/>
               <a:pPr/>
-              <a:t>2</a:t>
+              <a:t>3</a:t>
             </a:fld>
             <a:endParaRPr lang="de-DE" altLang="de-DE"/>
           </a:p>
@@ -1120,7 +1089,7 @@
     </p:spTree>
     <p:extLst>
       <p:ext uri="{BB962C8B-B14F-4D97-AF65-F5344CB8AC3E}">
-        <p14:creationId xmlns:p14="http://schemas.microsoft.com/office/powerpoint/2010/main" val="164443205"/>
+        <p14:creationId xmlns:p14="http://schemas.microsoft.com/office/powerpoint/2010/main" val="2551778916"/>
       </p:ext>
     </p:extLst>
   </p:cSld>
@@ -1174,68 +1143,6 @@
           <a:bodyPr/>
           <a:lstStyle/>
           <a:p>
-            <a:r>
-              <a:rPr lang="en-US" dirty="0" err="1"/>
-              <a:t>Warum</a:t>
-            </a:r>
-            <a:r>
-              <a:rPr lang="en-US" dirty="0"/>
-              <a:t> Docker?</a:t>
-            </a:r>
-            <a:br>
-              <a:rPr lang="en-US" dirty="0"/>
-            </a:br>
-            <a:br>
-              <a:rPr lang="en-US" dirty="0"/>
-            </a:br>
-            <a:r>
-              <a:rPr lang="en-US" dirty="0" err="1"/>
-              <a:t>Zuverlässige</a:t>
-            </a:r>
-            <a:r>
-              <a:rPr lang="en-US" dirty="0"/>
-              <a:t> runtime </a:t>
-            </a:r>
-            <a:r>
-              <a:rPr lang="en-US" dirty="0" err="1"/>
-              <a:t>umgebung</a:t>
-            </a:r>
-            <a:br>
-              <a:rPr lang="en-US" dirty="0"/>
-            </a:br>
-            <a:br>
-              <a:rPr lang="en-US" dirty="0"/>
-            </a:br>
-            <a:r>
-              <a:rPr lang="en-US" dirty="0" err="1"/>
-              <a:t>Architektur</a:t>
-            </a:r>
-            <a:r>
-              <a:rPr lang="en-US" dirty="0"/>
-              <a:t> via Syntax </a:t>
-            </a:r>
-            <a:br>
-              <a:rPr lang="en-US" dirty="0"/>
-            </a:br>
-            <a:br>
-              <a:rPr lang="en-US" dirty="0"/>
-            </a:br>
-            <a:r>
-              <a:rPr lang="en-US" dirty="0" err="1"/>
-              <a:t>Sicherheit</a:t>
-            </a:r>
-            <a:r>
-              <a:rPr lang="en-US" dirty="0"/>
-              <a:t> </a:t>
-            </a:r>
-            <a:r>
-              <a:rPr lang="en-US" dirty="0" err="1"/>
-              <a:t>durch</a:t>
-            </a:r>
-            <a:r>
-              <a:rPr lang="en-US" dirty="0"/>
-              <a:t> isolation</a:t>
-            </a:r>
             <a:endParaRPr lang="de-DE" dirty="0"/>
           </a:p>
         </p:txBody>
@@ -1258,7 +1165,7 @@
             <a:fld id="{18182567-388C-4D33-8B7B-A651F195F118}" type="slidenum">
               <a:rPr lang="de-DE" altLang="de-DE" smtClean="0"/>
               <a:pPr/>
-              <a:t>3</a:t>
+              <a:t>9</a:t>
             </a:fld>
             <a:endParaRPr lang="de-DE" altLang="de-DE"/>
           </a:p>
@@ -1267,7 +1174,7 @@
     </p:spTree>
     <p:extLst>
       <p:ext uri="{BB962C8B-B14F-4D97-AF65-F5344CB8AC3E}">
-        <p14:creationId xmlns:p14="http://schemas.microsoft.com/office/powerpoint/2010/main" val="824849740"/>
+        <p14:creationId xmlns:p14="http://schemas.microsoft.com/office/powerpoint/2010/main" val="1608987838"/>
       </p:ext>
     </p:extLst>
   </p:cSld>
@@ -1626,7 +1533,7 @@
               <a:pPr algn="ctr">
                 <a:defRPr/>
               </a:pPr>
-              <a:t>07.05.2024</a:t>
+              <a:t>27.05.2024</a:t>
             </a:fld>
             <a:endParaRPr lang="de-DE" sz="1000">
               <a:solidFill>
@@ -3651,6 +3558,1841 @@
 </p:sld>
 </file>
 
+<file path=ppt/slides/slide10.xml><?xml version="1.0" encoding="utf-8"?>
+<p:sld xmlns:a="http://schemas.openxmlformats.org/drawingml/2006/main" xmlns:r="http://schemas.openxmlformats.org/officeDocument/2006/relationships" xmlns:p="http://schemas.openxmlformats.org/presentationml/2006/main">
+  <p:cSld>
+    <p:spTree>
+      <p:nvGrpSpPr>
+        <p:cNvPr id="1" name=""/>
+        <p:cNvGrpSpPr/>
+        <p:nvPr/>
+      </p:nvGrpSpPr>
+      <p:grpSpPr>
+        <a:xfrm>
+          <a:off x="0" y="0"/>
+          <a:ext cx="0" cy="0"/>
+          <a:chOff x="0" y="0"/>
+          <a:chExt cx="0" cy="0"/>
+        </a:xfrm>
+      </p:grpSpPr>
+      <p:sp>
+        <p:nvSpPr>
+          <p:cNvPr id="2" name="Titel 1">
+            <a:extLst>
+              <a:ext uri="{FF2B5EF4-FFF2-40B4-BE49-F238E27FC236}">
+                <a16:creationId xmlns:a16="http://schemas.microsoft.com/office/drawing/2014/main" id="{B9A09C3C-9D10-D2B7-9829-FC04CB2C8A52}"/>
+              </a:ext>
+            </a:extLst>
+          </p:cNvPr>
+          <p:cNvSpPr>
+            <a:spLocks noGrp="1"/>
+          </p:cNvSpPr>
+          <p:nvPr>
+            <p:ph type="title"/>
+          </p:nvPr>
+        </p:nvSpPr>
+        <p:spPr/>
+        <p:txBody>
+          <a:bodyPr/>
+          <a:lstStyle/>
+          <a:p>
+            <a:r>
+              <a:rPr lang="de-DE" altLang="de-DE" dirty="0"/>
+              <a:t>Lokale Entwicklung mit Docker</a:t>
+            </a:r>
+            <a:endParaRPr lang="de-DE" dirty="0"/>
+          </a:p>
+        </p:txBody>
+      </p:sp>
+      <p:sp>
+        <p:nvSpPr>
+          <p:cNvPr id="3" name="Inhaltsplatzhalter 2">
+            <a:extLst>
+              <a:ext uri="{FF2B5EF4-FFF2-40B4-BE49-F238E27FC236}">
+                <a16:creationId xmlns:a16="http://schemas.microsoft.com/office/drawing/2014/main" id="{D3EB69D4-1FE6-C979-EAC7-73F3B4C926E9}"/>
+              </a:ext>
+            </a:extLst>
+          </p:cNvPr>
+          <p:cNvSpPr>
+            <a:spLocks noGrp="1"/>
+          </p:cNvSpPr>
+          <p:nvPr>
+            <p:ph idx="1"/>
+          </p:nvPr>
+        </p:nvSpPr>
+        <p:spPr>
+          <a:xfrm>
+            <a:off x="303213" y="2492896"/>
+            <a:ext cx="8516937" cy="432048"/>
+          </a:xfrm>
+          <a:solidFill>
+            <a:schemeClr val="bg1">
+              <a:lumMod val="85000"/>
+            </a:schemeClr>
+          </a:solidFill>
+          <a:effectLst>
+            <a:softEdge rad="25400"/>
+          </a:effectLst>
+        </p:spPr>
+        <p:txBody>
+          <a:bodyPr/>
+          <a:lstStyle/>
+          <a:p>
+            <a:pPr marL="0" indent="0" algn="ctr">
+              <a:buNone/>
+            </a:pPr>
+            <a:r>
+              <a:rPr lang="de-DE" dirty="0" err="1"/>
+              <a:t>docker</a:t>
+            </a:r>
+            <a:r>
+              <a:rPr lang="de-DE" dirty="0"/>
+              <a:t> </a:t>
+            </a:r>
+            <a:r>
+              <a:rPr lang="de-DE" dirty="0" err="1"/>
+              <a:t>start</a:t>
+            </a:r>
+            <a:r>
+              <a:rPr lang="de-DE" dirty="0"/>
+              <a:t> </a:t>
+            </a:r>
+            <a:r>
+              <a:rPr lang="de-DE" dirty="0" err="1"/>
+              <a:t>example</a:t>
+            </a:r>
+            <a:endParaRPr lang="de-DE" dirty="0"/>
+          </a:p>
+        </p:txBody>
+      </p:sp>
+      <p:sp>
+        <p:nvSpPr>
+          <p:cNvPr id="6" name="Textfeld 5">
+            <a:extLst>
+              <a:ext uri="{FF2B5EF4-FFF2-40B4-BE49-F238E27FC236}">
+                <a16:creationId xmlns:a16="http://schemas.microsoft.com/office/drawing/2014/main" id="{CB9005BF-49EB-AC4E-574F-0C60D0925086}"/>
+              </a:ext>
+            </a:extLst>
+          </p:cNvPr>
+          <p:cNvSpPr txBox="1"/>
+          <p:nvPr/>
+        </p:nvSpPr>
+        <p:spPr bwMode="auto">
+          <a:xfrm>
+            <a:off x="285720" y="1264406"/>
+            <a:ext cx="8516937" cy="584775"/>
+          </a:xfrm>
+          <a:prstGeom prst="rect">
+            <a:avLst/>
+          </a:prstGeom>
+          <a:noFill/>
+          <a:ln w="9525">
+            <a:noFill/>
+            <a:miter lim="800000"/>
+            <a:headEnd/>
+            <a:tailEnd/>
+          </a:ln>
+        </p:spPr>
+        <p:txBody>
+          <a:bodyPr wrap="square" rtlCol="0" anchor="ctr">
+            <a:spAutoFit/>
+          </a:bodyPr>
+          <a:lstStyle/>
+          <a:p>
+            <a:pPr algn="ctr" eaLnBrk="1" hangingPunct="1"/>
+            <a:r>
+              <a:rPr lang="de-DE" sz="3200" dirty="0">
+                <a:latin typeface="+mj-lt"/>
+              </a:rPr>
+              <a:t>Managen von Containern</a:t>
+            </a:r>
+          </a:p>
+        </p:txBody>
+      </p:sp>
+      <p:sp>
+        <p:nvSpPr>
+          <p:cNvPr id="7" name="Inhaltsplatzhalter 2">
+            <a:extLst>
+              <a:ext uri="{FF2B5EF4-FFF2-40B4-BE49-F238E27FC236}">
+                <a16:creationId xmlns:a16="http://schemas.microsoft.com/office/drawing/2014/main" id="{068F01F4-F388-451F-3C71-FFF7648D9735}"/>
+              </a:ext>
+            </a:extLst>
+          </p:cNvPr>
+          <p:cNvSpPr txBox="1">
+            <a:spLocks/>
+          </p:cNvSpPr>
+          <p:nvPr/>
+        </p:nvSpPr>
+        <p:spPr bwMode="auto">
+          <a:xfrm>
+            <a:off x="285719" y="2060848"/>
+            <a:ext cx="8516937" cy="432048"/>
+          </a:xfrm>
+          <a:prstGeom prst="rect">
+            <a:avLst/>
+          </a:prstGeom>
+          <a:noFill/>
+          <a:ln>
+            <a:noFill/>
+          </a:ln>
+          <a:effectLst>
+            <a:softEdge rad="0"/>
+          </a:effectLst>
+        </p:spPr>
+        <p:txBody>
+          <a:bodyPr vert="horz" wrap="square" lIns="92075" tIns="46038" rIns="92075" bIns="46038" numCol="1" anchor="t" anchorCtr="0" compatLnSpc="1">
+            <a:prstTxWarp prst="textNoShape">
+              <a:avLst/>
+            </a:prstTxWarp>
+          </a:bodyPr>
+          <a:lstStyle>
+            <a:lvl1pPr marL="342900" indent="-342900" algn="l" rtl="0" eaLnBrk="1" fontAlgn="base" hangingPunct="1">
+              <a:spcBef>
+                <a:spcPct val="20000"/>
+              </a:spcBef>
+              <a:spcAft>
+                <a:spcPct val="0"/>
+              </a:spcAft>
+              <a:buClr>
+                <a:srgbClr val="008C5A"/>
+              </a:buClr>
+              <a:buFont typeface="Monotype Sorts" pitchFamily="2" charset="2"/>
+              <a:buChar char="l"/>
+              <a:defRPr sz="2400">
+                <a:solidFill>
+                  <a:schemeClr val="tx1"/>
+                </a:solidFill>
+                <a:latin typeface="+mn-lt"/>
+                <a:ea typeface="+mn-ea"/>
+                <a:cs typeface="+mn-cs"/>
+              </a:defRPr>
+            </a:lvl1pPr>
+            <a:lvl2pPr marL="742950" indent="-285750" algn="l" rtl="0" eaLnBrk="1" fontAlgn="base" hangingPunct="1">
+              <a:spcBef>
+                <a:spcPct val="20000"/>
+              </a:spcBef>
+              <a:spcAft>
+                <a:spcPct val="0"/>
+              </a:spcAft>
+              <a:buClr>
+                <a:srgbClr val="008C5A"/>
+              </a:buClr>
+              <a:buFont typeface="Monotype Sorts" pitchFamily="2" charset="2"/>
+              <a:buChar char="l"/>
+              <a:defRPr sz="2000">
+                <a:solidFill>
+                  <a:schemeClr val="tx1"/>
+                </a:solidFill>
+                <a:latin typeface="+mn-lt"/>
+              </a:defRPr>
+            </a:lvl2pPr>
+            <a:lvl3pPr marL="1143000" indent="-228600" algn="l" rtl="0" eaLnBrk="1" fontAlgn="base" hangingPunct="1">
+              <a:spcBef>
+                <a:spcPct val="20000"/>
+              </a:spcBef>
+              <a:spcAft>
+                <a:spcPct val="0"/>
+              </a:spcAft>
+              <a:buClr>
+                <a:srgbClr val="008C5A"/>
+              </a:buClr>
+              <a:buFont typeface="Monotype Sorts" pitchFamily="2" charset="2"/>
+              <a:buChar char="l"/>
+              <a:defRPr sz="2400">
+                <a:solidFill>
+                  <a:schemeClr val="tx1"/>
+                </a:solidFill>
+                <a:latin typeface="+mn-lt"/>
+              </a:defRPr>
+            </a:lvl3pPr>
+            <a:lvl4pPr marL="1562100" indent="-228600" algn="l" rtl="0" eaLnBrk="1" fontAlgn="base" hangingPunct="1">
+              <a:spcBef>
+                <a:spcPct val="20000"/>
+              </a:spcBef>
+              <a:spcAft>
+                <a:spcPct val="0"/>
+              </a:spcAft>
+              <a:buClr>
+                <a:srgbClr val="008C5A"/>
+              </a:buClr>
+              <a:buFont typeface="Monotype Sorts" pitchFamily="2" charset="2"/>
+              <a:buChar char="l"/>
+              <a:defRPr sz="1600">
+                <a:solidFill>
+                  <a:schemeClr val="tx1"/>
+                </a:solidFill>
+                <a:latin typeface="+mn-lt"/>
+              </a:defRPr>
+            </a:lvl4pPr>
+            <a:lvl5pPr marL="1981200" indent="-228600" algn="l" rtl="0" eaLnBrk="1" fontAlgn="base" hangingPunct="1">
+              <a:spcBef>
+                <a:spcPct val="20000"/>
+              </a:spcBef>
+              <a:spcAft>
+                <a:spcPct val="0"/>
+              </a:spcAft>
+              <a:buClr>
+                <a:srgbClr val="008C5A"/>
+              </a:buClr>
+              <a:buFont typeface="Monotype Sorts" pitchFamily="2" charset="2"/>
+              <a:buChar char="l"/>
+              <a:defRPr sz="1600">
+                <a:solidFill>
+                  <a:schemeClr val="tx1"/>
+                </a:solidFill>
+                <a:latin typeface="+mn-lt"/>
+              </a:defRPr>
+            </a:lvl5pPr>
+            <a:lvl6pPr marL="2438400" indent="-228600" algn="l" rtl="0" eaLnBrk="1" fontAlgn="base" hangingPunct="1">
+              <a:spcBef>
+                <a:spcPct val="20000"/>
+              </a:spcBef>
+              <a:spcAft>
+                <a:spcPct val="0"/>
+              </a:spcAft>
+              <a:buClr>
+                <a:srgbClr val="008C5A"/>
+              </a:buClr>
+              <a:buFont typeface="Monotype Sorts" pitchFamily="2" charset="2"/>
+              <a:buChar char="l"/>
+              <a:defRPr sz="1600">
+                <a:solidFill>
+                  <a:schemeClr val="tx1"/>
+                </a:solidFill>
+                <a:latin typeface="+mn-lt"/>
+              </a:defRPr>
+            </a:lvl6pPr>
+            <a:lvl7pPr marL="2895600" indent="-228600" algn="l" rtl="0" eaLnBrk="1" fontAlgn="base" hangingPunct="1">
+              <a:spcBef>
+                <a:spcPct val="20000"/>
+              </a:spcBef>
+              <a:spcAft>
+                <a:spcPct val="0"/>
+              </a:spcAft>
+              <a:buClr>
+                <a:srgbClr val="008C5A"/>
+              </a:buClr>
+              <a:buFont typeface="Monotype Sorts" pitchFamily="2" charset="2"/>
+              <a:buChar char="l"/>
+              <a:defRPr sz="1600">
+                <a:solidFill>
+                  <a:schemeClr val="tx1"/>
+                </a:solidFill>
+                <a:latin typeface="+mn-lt"/>
+              </a:defRPr>
+            </a:lvl7pPr>
+            <a:lvl8pPr marL="3352800" indent="-228600" algn="l" rtl="0" eaLnBrk="1" fontAlgn="base" hangingPunct="1">
+              <a:spcBef>
+                <a:spcPct val="20000"/>
+              </a:spcBef>
+              <a:spcAft>
+                <a:spcPct val="0"/>
+              </a:spcAft>
+              <a:buClr>
+                <a:srgbClr val="008C5A"/>
+              </a:buClr>
+              <a:buFont typeface="Monotype Sorts" pitchFamily="2" charset="2"/>
+              <a:buChar char="l"/>
+              <a:defRPr sz="1600">
+                <a:solidFill>
+                  <a:schemeClr val="tx1"/>
+                </a:solidFill>
+                <a:latin typeface="+mn-lt"/>
+              </a:defRPr>
+            </a:lvl8pPr>
+            <a:lvl9pPr marL="3810000" indent="-228600" algn="l" rtl="0" eaLnBrk="1" fontAlgn="base" hangingPunct="1">
+              <a:spcBef>
+                <a:spcPct val="20000"/>
+              </a:spcBef>
+              <a:spcAft>
+                <a:spcPct val="0"/>
+              </a:spcAft>
+              <a:buClr>
+                <a:srgbClr val="008C5A"/>
+              </a:buClr>
+              <a:buFont typeface="Monotype Sorts" pitchFamily="2" charset="2"/>
+              <a:buChar char="l"/>
+              <a:defRPr sz="1600">
+                <a:solidFill>
+                  <a:schemeClr val="tx1"/>
+                </a:solidFill>
+                <a:latin typeface="+mn-lt"/>
+              </a:defRPr>
+            </a:lvl9pPr>
+          </a:lstStyle>
+          <a:p>
+            <a:pPr marL="0" indent="0" algn="ctr">
+              <a:buFont typeface="Monotype Sorts" pitchFamily="2" charset="2"/>
+              <a:buNone/>
+            </a:pPr>
+            <a:r>
+              <a:rPr lang="de-DE" kern="0" dirty="0"/>
+              <a:t>Container starten:</a:t>
+            </a:r>
+          </a:p>
+        </p:txBody>
+      </p:sp>
+      <p:sp>
+        <p:nvSpPr>
+          <p:cNvPr id="8" name="Inhaltsplatzhalter 2">
+            <a:extLst>
+              <a:ext uri="{FF2B5EF4-FFF2-40B4-BE49-F238E27FC236}">
+                <a16:creationId xmlns:a16="http://schemas.microsoft.com/office/drawing/2014/main" id="{A70A89FE-C665-308A-79E5-6FF268AE1713}"/>
+              </a:ext>
+            </a:extLst>
+          </p:cNvPr>
+          <p:cNvSpPr txBox="1">
+            <a:spLocks/>
+          </p:cNvSpPr>
+          <p:nvPr/>
+        </p:nvSpPr>
+        <p:spPr bwMode="auto">
+          <a:xfrm>
+            <a:off x="285719" y="3429000"/>
+            <a:ext cx="8516937" cy="864096"/>
+          </a:xfrm>
+          <a:prstGeom prst="rect">
+            <a:avLst/>
+          </a:prstGeom>
+          <a:solidFill>
+            <a:schemeClr val="bg1">
+              <a:lumMod val="85000"/>
+            </a:schemeClr>
+          </a:solidFill>
+          <a:ln>
+            <a:noFill/>
+          </a:ln>
+          <a:effectLst>
+            <a:softEdge rad="25400"/>
+          </a:effectLst>
+          <a:extLst>
+            <a:ext uri="{91240B29-F687-4F45-9708-019B960494DF}">
+              <a14:hiddenLine xmlns:a14="http://schemas.microsoft.com/office/drawing/2010/main" w="9525">
+                <a:solidFill>
+                  <a:srgbClr val="000000"/>
+                </a:solidFill>
+                <a:miter lim="800000"/>
+                <a:headEnd/>
+                <a:tailEnd/>
+              </a14:hiddenLine>
+            </a:ext>
+          </a:extLst>
+        </p:spPr>
+        <p:txBody>
+          <a:bodyPr vert="horz" wrap="square" lIns="92075" tIns="46038" rIns="92075" bIns="46038" numCol="1" anchor="t" anchorCtr="0" compatLnSpc="1">
+            <a:prstTxWarp prst="textNoShape">
+              <a:avLst/>
+            </a:prstTxWarp>
+          </a:bodyPr>
+          <a:lstStyle>
+            <a:lvl1pPr marL="342900" indent="-342900" algn="l" rtl="0" eaLnBrk="1" fontAlgn="base" hangingPunct="1">
+              <a:spcBef>
+                <a:spcPct val="20000"/>
+              </a:spcBef>
+              <a:spcAft>
+                <a:spcPct val="0"/>
+              </a:spcAft>
+              <a:buClr>
+                <a:srgbClr val="008C5A"/>
+              </a:buClr>
+              <a:buFont typeface="Monotype Sorts" pitchFamily="2" charset="2"/>
+              <a:buChar char="l"/>
+              <a:defRPr sz="2400">
+                <a:solidFill>
+                  <a:schemeClr val="tx1"/>
+                </a:solidFill>
+                <a:latin typeface="+mn-lt"/>
+                <a:ea typeface="+mn-ea"/>
+                <a:cs typeface="+mn-cs"/>
+              </a:defRPr>
+            </a:lvl1pPr>
+            <a:lvl2pPr marL="742950" indent="-285750" algn="l" rtl="0" eaLnBrk="1" fontAlgn="base" hangingPunct="1">
+              <a:spcBef>
+                <a:spcPct val="20000"/>
+              </a:spcBef>
+              <a:spcAft>
+                <a:spcPct val="0"/>
+              </a:spcAft>
+              <a:buClr>
+                <a:srgbClr val="008C5A"/>
+              </a:buClr>
+              <a:buFont typeface="Monotype Sorts" pitchFamily="2" charset="2"/>
+              <a:buChar char="l"/>
+              <a:defRPr sz="2000">
+                <a:solidFill>
+                  <a:schemeClr val="tx1"/>
+                </a:solidFill>
+                <a:latin typeface="+mn-lt"/>
+              </a:defRPr>
+            </a:lvl2pPr>
+            <a:lvl3pPr marL="1143000" indent="-228600" algn="l" rtl="0" eaLnBrk="1" fontAlgn="base" hangingPunct="1">
+              <a:spcBef>
+                <a:spcPct val="20000"/>
+              </a:spcBef>
+              <a:spcAft>
+                <a:spcPct val="0"/>
+              </a:spcAft>
+              <a:buClr>
+                <a:srgbClr val="008C5A"/>
+              </a:buClr>
+              <a:buFont typeface="Monotype Sorts" pitchFamily="2" charset="2"/>
+              <a:buChar char="l"/>
+              <a:defRPr sz="2400">
+                <a:solidFill>
+                  <a:schemeClr val="tx1"/>
+                </a:solidFill>
+                <a:latin typeface="+mn-lt"/>
+              </a:defRPr>
+            </a:lvl3pPr>
+            <a:lvl4pPr marL="1562100" indent="-228600" algn="l" rtl="0" eaLnBrk="1" fontAlgn="base" hangingPunct="1">
+              <a:spcBef>
+                <a:spcPct val="20000"/>
+              </a:spcBef>
+              <a:spcAft>
+                <a:spcPct val="0"/>
+              </a:spcAft>
+              <a:buClr>
+                <a:srgbClr val="008C5A"/>
+              </a:buClr>
+              <a:buFont typeface="Monotype Sorts" pitchFamily="2" charset="2"/>
+              <a:buChar char="l"/>
+              <a:defRPr sz="1600">
+                <a:solidFill>
+                  <a:schemeClr val="tx1"/>
+                </a:solidFill>
+                <a:latin typeface="+mn-lt"/>
+              </a:defRPr>
+            </a:lvl4pPr>
+            <a:lvl5pPr marL="1981200" indent="-228600" algn="l" rtl="0" eaLnBrk="1" fontAlgn="base" hangingPunct="1">
+              <a:spcBef>
+                <a:spcPct val="20000"/>
+              </a:spcBef>
+              <a:spcAft>
+                <a:spcPct val="0"/>
+              </a:spcAft>
+              <a:buClr>
+                <a:srgbClr val="008C5A"/>
+              </a:buClr>
+              <a:buFont typeface="Monotype Sorts" pitchFamily="2" charset="2"/>
+              <a:buChar char="l"/>
+              <a:defRPr sz="1600">
+                <a:solidFill>
+                  <a:schemeClr val="tx1"/>
+                </a:solidFill>
+                <a:latin typeface="+mn-lt"/>
+              </a:defRPr>
+            </a:lvl5pPr>
+            <a:lvl6pPr marL="2438400" indent="-228600" algn="l" rtl="0" eaLnBrk="1" fontAlgn="base" hangingPunct="1">
+              <a:spcBef>
+                <a:spcPct val="20000"/>
+              </a:spcBef>
+              <a:spcAft>
+                <a:spcPct val="0"/>
+              </a:spcAft>
+              <a:buClr>
+                <a:srgbClr val="008C5A"/>
+              </a:buClr>
+              <a:buFont typeface="Monotype Sorts" pitchFamily="2" charset="2"/>
+              <a:buChar char="l"/>
+              <a:defRPr sz="1600">
+                <a:solidFill>
+                  <a:schemeClr val="tx1"/>
+                </a:solidFill>
+                <a:latin typeface="+mn-lt"/>
+              </a:defRPr>
+            </a:lvl6pPr>
+            <a:lvl7pPr marL="2895600" indent="-228600" algn="l" rtl="0" eaLnBrk="1" fontAlgn="base" hangingPunct="1">
+              <a:spcBef>
+                <a:spcPct val="20000"/>
+              </a:spcBef>
+              <a:spcAft>
+                <a:spcPct val="0"/>
+              </a:spcAft>
+              <a:buClr>
+                <a:srgbClr val="008C5A"/>
+              </a:buClr>
+              <a:buFont typeface="Monotype Sorts" pitchFamily="2" charset="2"/>
+              <a:buChar char="l"/>
+              <a:defRPr sz="1600">
+                <a:solidFill>
+                  <a:schemeClr val="tx1"/>
+                </a:solidFill>
+                <a:latin typeface="+mn-lt"/>
+              </a:defRPr>
+            </a:lvl7pPr>
+            <a:lvl8pPr marL="3352800" indent="-228600" algn="l" rtl="0" eaLnBrk="1" fontAlgn="base" hangingPunct="1">
+              <a:spcBef>
+                <a:spcPct val="20000"/>
+              </a:spcBef>
+              <a:spcAft>
+                <a:spcPct val="0"/>
+              </a:spcAft>
+              <a:buClr>
+                <a:srgbClr val="008C5A"/>
+              </a:buClr>
+              <a:buFont typeface="Monotype Sorts" pitchFamily="2" charset="2"/>
+              <a:buChar char="l"/>
+              <a:defRPr sz="1600">
+                <a:solidFill>
+                  <a:schemeClr val="tx1"/>
+                </a:solidFill>
+                <a:latin typeface="+mn-lt"/>
+              </a:defRPr>
+            </a:lvl8pPr>
+            <a:lvl9pPr marL="3810000" indent="-228600" algn="l" rtl="0" eaLnBrk="1" fontAlgn="base" hangingPunct="1">
+              <a:spcBef>
+                <a:spcPct val="20000"/>
+              </a:spcBef>
+              <a:spcAft>
+                <a:spcPct val="0"/>
+              </a:spcAft>
+              <a:buClr>
+                <a:srgbClr val="008C5A"/>
+              </a:buClr>
+              <a:buFont typeface="Monotype Sorts" pitchFamily="2" charset="2"/>
+              <a:buChar char="l"/>
+              <a:defRPr sz="1600">
+                <a:solidFill>
+                  <a:schemeClr val="tx1"/>
+                </a:solidFill>
+                <a:latin typeface="+mn-lt"/>
+              </a:defRPr>
+            </a:lvl9pPr>
+          </a:lstStyle>
+          <a:p>
+            <a:pPr marL="0" indent="0" algn="ctr">
+              <a:buFont typeface="Monotype Sorts" pitchFamily="2" charset="2"/>
+              <a:buNone/>
+            </a:pPr>
+            <a:r>
+              <a:rPr lang="de-DE" kern="0" dirty="0" err="1"/>
+              <a:t>docker</a:t>
+            </a:r>
+            <a:r>
+              <a:rPr lang="de-DE" kern="0" dirty="0"/>
+              <a:t> </a:t>
+            </a:r>
+            <a:r>
+              <a:rPr lang="de-DE" kern="0" dirty="0" err="1"/>
+              <a:t>stop</a:t>
+            </a:r>
+            <a:r>
+              <a:rPr lang="de-DE" kern="0" dirty="0"/>
+              <a:t> </a:t>
+            </a:r>
+            <a:r>
+              <a:rPr lang="de-DE" kern="0" dirty="0" err="1"/>
+              <a:t>example</a:t>
+            </a:r>
+            <a:endParaRPr lang="de-DE" kern="0" dirty="0"/>
+          </a:p>
+          <a:p>
+            <a:pPr marL="0" indent="0" algn="ctr">
+              <a:buFont typeface="Monotype Sorts" pitchFamily="2" charset="2"/>
+              <a:buNone/>
+            </a:pPr>
+            <a:r>
+              <a:rPr lang="de-DE" kern="0" dirty="0" err="1"/>
+              <a:t>docker</a:t>
+            </a:r>
+            <a:r>
+              <a:rPr lang="de-DE" kern="0" dirty="0"/>
+              <a:t> kill </a:t>
+            </a:r>
+            <a:r>
+              <a:rPr lang="de-DE" kern="0" dirty="0" err="1"/>
+              <a:t>example</a:t>
+            </a:r>
+            <a:endParaRPr lang="de-DE" kern="0" dirty="0"/>
+          </a:p>
+        </p:txBody>
+      </p:sp>
+      <p:sp>
+        <p:nvSpPr>
+          <p:cNvPr id="9" name="Inhaltsplatzhalter 2">
+            <a:extLst>
+              <a:ext uri="{FF2B5EF4-FFF2-40B4-BE49-F238E27FC236}">
+                <a16:creationId xmlns:a16="http://schemas.microsoft.com/office/drawing/2014/main" id="{F1654FAE-532C-D56C-F23C-E0A7B146F195}"/>
+              </a:ext>
+            </a:extLst>
+          </p:cNvPr>
+          <p:cNvSpPr txBox="1">
+            <a:spLocks/>
+          </p:cNvSpPr>
+          <p:nvPr/>
+        </p:nvSpPr>
+        <p:spPr bwMode="auto">
+          <a:xfrm>
+            <a:off x="268225" y="2996952"/>
+            <a:ext cx="8516937" cy="432048"/>
+          </a:xfrm>
+          <a:prstGeom prst="rect">
+            <a:avLst/>
+          </a:prstGeom>
+          <a:noFill/>
+          <a:ln>
+            <a:noFill/>
+          </a:ln>
+          <a:effectLst>
+            <a:softEdge rad="0"/>
+          </a:effectLst>
+        </p:spPr>
+        <p:txBody>
+          <a:bodyPr vert="horz" wrap="square" lIns="92075" tIns="46038" rIns="92075" bIns="46038" numCol="1" anchor="t" anchorCtr="0" compatLnSpc="1">
+            <a:prstTxWarp prst="textNoShape">
+              <a:avLst/>
+            </a:prstTxWarp>
+          </a:bodyPr>
+          <a:lstStyle>
+            <a:lvl1pPr marL="342900" indent="-342900" algn="l" rtl="0" eaLnBrk="1" fontAlgn="base" hangingPunct="1">
+              <a:spcBef>
+                <a:spcPct val="20000"/>
+              </a:spcBef>
+              <a:spcAft>
+                <a:spcPct val="0"/>
+              </a:spcAft>
+              <a:buClr>
+                <a:srgbClr val="008C5A"/>
+              </a:buClr>
+              <a:buFont typeface="Monotype Sorts" pitchFamily="2" charset="2"/>
+              <a:buChar char="l"/>
+              <a:defRPr sz="2400">
+                <a:solidFill>
+                  <a:schemeClr val="tx1"/>
+                </a:solidFill>
+                <a:latin typeface="+mn-lt"/>
+                <a:ea typeface="+mn-ea"/>
+                <a:cs typeface="+mn-cs"/>
+              </a:defRPr>
+            </a:lvl1pPr>
+            <a:lvl2pPr marL="742950" indent="-285750" algn="l" rtl="0" eaLnBrk="1" fontAlgn="base" hangingPunct="1">
+              <a:spcBef>
+                <a:spcPct val="20000"/>
+              </a:spcBef>
+              <a:spcAft>
+                <a:spcPct val="0"/>
+              </a:spcAft>
+              <a:buClr>
+                <a:srgbClr val="008C5A"/>
+              </a:buClr>
+              <a:buFont typeface="Monotype Sorts" pitchFamily="2" charset="2"/>
+              <a:buChar char="l"/>
+              <a:defRPr sz="2000">
+                <a:solidFill>
+                  <a:schemeClr val="tx1"/>
+                </a:solidFill>
+                <a:latin typeface="+mn-lt"/>
+              </a:defRPr>
+            </a:lvl2pPr>
+            <a:lvl3pPr marL="1143000" indent="-228600" algn="l" rtl="0" eaLnBrk="1" fontAlgn="base" hangingPunct="1">
+              <a:spcBef>
+                <a:spcPct val="20000"/>
+              </a:spcBef>
+              <a:spcAft>
+                <a:spcPct val="0"/>
+              </a:spcAft>
+              <a:buClr>
+                <a:srgbClr val="008C5A"/>
+              </a:buClr>
+              <a:buFont typeface="Monotype Sorts" pitchFamily="2" charset="2"/>
+              <a:buChar char="l"/>
+              <a:defRPr sz="2400">
+                <a:solidFill>
+                  <a:schemeClr val="tx1"/>
+                </a:solidFill>
+                <a:latin typeface="+mn-lt"/>
+              </a:defRPr>
+            </a:lvl3pPr>
+            <a:lvl4pPr marL="1562100" indent="-228600" algn="l" rtl="0" eaLnBrk="1" fontAlgn="base" hangingPunct="1">
+              <a:spcBef>
+                <a:spcPct val="20000"/>
+              </a:spcBef>
+              <a:spcAft>
+                <a:spcPct val="0"/>
+              </a:spcAft>
+              <a:buClr>
+                <a:srgbClr val="008C5A"/>
+              </a:buClr>
+              <a:buFont typeface="Monotype Sorts" pitchFamily="2" charset="2"/>
+              <a:buChar char="l"/>
+              <a:defRPr sz="1600">
+                <a:solidFill>
+                  <a:schemeClr val="tx1"/>
+                </a:solidFill>
+                <a:latin typeface="+mn-lt"/>
+              </a:defRPr>
+            </a:lvl4pPr>
+            <a:lvl5pPr marL="1981200" indent="-228600" algn="l" rtl="0" eaLnBrk="1" fontAlgn="base" hangingPunct="1">
+              <a:spcBef>
+                <a:spcPct val="20000"/>
+              </a:spcBef>
+              <a:spcAft>
+                <a:spcPct val="0"/>
+              </a:spcAft>
+              <a:buClr>
+                <a:srgbClr val="008C5A"/>
+              </a:buClr>
+              <a:buFont typeface="Monotype Sorts" pitchFamily="2" charset="2"/>
+              <a:buChar char="l"/>
+              <a:defRPr sz="1600">
+                <a:solidFill>
+                  <a:schemeClr val="tx1"/>
+                </a:solidFill>
+                <a:latin typeface="+mn-lt"/>
+              </a:defRPr>
+            </a:lvl5pPr>
+            <a:lvl6pPr marL="2438400" indent="-228600" algn="l" rtl="0" eaLnBrk="1" fontAlgn="base" hangingPunct="1">
+              <a:spcBef>
+                <a:spcPct val="20000"/>
+              </a:spcBef>
+              <a:spcAft>
+                <a:spcPct val="0"/>
+              </a:spcAft>
+              <a:buClr>
+                <a:srgbClr val="008C5A"/>
+              </a:buClr>
+              <a:buFont typeface="Monotype Sorts" pitchFamily="2" charset="2"/>
+              <a:buChar char="l"/>
+              <a:defRPr sz="1600">
+                <a:solidFill>
+                  <a:schemeClr val="tx1"/>
+                </a:solidFill>
+                <a:latin typeface="+mn-lt"/>
+              </a:defRPr>
+            </a:lvl6pPr>
+            <a:lvl7pPr marL="2895600" indent="-228600" algn="l" rtl="0" eaLnBrk="1" fontAlgn="base" hangingPunct="1">
+              <a:spcBef>
+                <a:spcPct val="20000"/>
+              </a:spcBef>
+              <a:spcAft>
+                <a:spcPct val="0"/>
+              </a:spcAft>
+              <a:buClr>
+                <a:srgbClr val="008C5A"/>
+              </a:buClr>
+              <a:buFont typeface="Monotype Sorts" pitchFamily="2" charset="2"/>
+              <a:buChar char="l"/>
+              <a:defRPr sz="1600">
+                <a:solidFill>
+                  <a:schemeClr val="tx1"/>
+                </a:solidFill>
+                <a:latin typeface="+mn-lt"/>
+              </a:defRPr>
+            </a:lvl7pPr>
+            <a:lvl8pPr marL="3352800" indent="-228600" algn="l" rtl="0" eaLnBrk="1" fontAlgn="base" hangingPunct="1">
+              <a:spcBef>
+                <a:spcPct val="20000"/>
+              </a:spcBef>
+              <a:spcAft>
+                <a:spcPct val="0"/>
+              </a:spcAft>
+              <a:buClr>
+                <a:srgbClr val="008C5A"/>
+              </a:buClr>
+              <a:buFont typeface="Monotype Sorts" pitchFamily="2" charset="2"/>
+              <a:buChar char="l"/>
+              <a:defRPr sz="1600">
+                <a:solidFill>
+                  <a:schemeClr val="tx1"/>
+                </a:solidFill>
+                <a:latin typeface="+mn-lt"/>
+              </a:defRPr>
+            </a:lvl8pPr>
+            <a:lvl9pPr marL="3810000" indent="-228600" algn="l" rtl="0" eaLnBrk="1" fontAlgn="base" hangingPunct="1">
+              <a:spcBef>
+                <a:spcPct val="20000"/>
+              </a:spcBef>
+              <a:spcAft>
+                <a:spcPct val="0"/>
+              </a:spcAft>
+              <a:buClr>
+                <a:srgbClr val="008C5A"/>
+              </a:buClr>
+              <a:buFont typeface="Monotype Sorts" pitchFamily="2" charset="2"/>
+              <a:buChar char="l"/>
+              <a:defRPr sz="1600">
+                <a:solidFill>
+                  <a:schemeClr val="tx1"/>
+                </a:solidFill>
+                <a:latin typeface="+mn-lt"/>
+              </a:defRPr>
+            </a:lvl9pPr>
+          </a:lstStyle>
+          <a:p>
+            <a:pPr marL="0" indent="0" algn="ctr">
+              <a:buFont typeface="Monotype Sorts" pitchFamily="2" charset="2"/>
+              <a:buNone/>
+            </a:pPr>
+            <a:r>
+              <a:rPr lang="de-DE" kern="0" dirty="0"/>
+              <a:t>Container stoppen:</a:t>
+            </a:r>
+          </a:p>
+        </p:txBody>
+      </p:sp>
+      <p:sp>
+        <p:nvSpPr>
+          <p:cNvPr id="10" name="Inhaltsplatzhalter 2">
+            <a:extLst>
+              <a:ext uri="{FF2B5EF4-FFF2-40B4-BE49-F238E27FC236}">
+                <a16:creationId xmlns:a16="http://schemas.microsoft.com/office/drawing/2014/main" id="{4A8754FA-DDC4-3B17-8C3F-389A390F97E2}"/>
+              </a:ext>
+            </a:extLst>
+          </p:cNvPr>
+          <p:cNvSpPr txBox="1">
+            <a:spLocks/>
+          </p:cNvSpPr>
+          <p:nvPr/>
+        </p:nvSpPr>
+        <p:spPr bwMode="auto">
+          <a:xfrm>
+            <a:off x="242951" y="4797152"/>
+            <a:ext cx="8516937" cy="432048"/>
+          </a:xfrm>
+          <a:prstGeom prst="rect">
+            <a:avLst/>
+          </a:prstGeom>
+          <a:solidFill>
+            <a:schemeClr val="bg1">
+              <a:lumMod val="85000"/>
+            </a:schemeClr>
+          </a:solidFill>
+          <a:ln>
+            <a:noFill/>
+          </a:ln>
+          <a:effectLst>
+            <a:softEdge rad="25400"/>
+          </a:effectLst>
+          <a:extLst>
+            <a:ext uri="{91240B29-F687-4F45-9708-019B960494DF}">
+              <a14:hiddenLine xmlns:a14="http://schemas.microsoft.com/office/drawing/2010/main" w="9525">
+                <a:solidFill>
+                  <a:srgbClr val="000000"/>
+                </a:solidFill>
+                <a:miter lim="800000"/>
+                <a:headEnd/>
+                <a:tailEnd/>
+              </a14:hiddenLine>
+            </a:ext>
+          </a:extLst>
+        </p:spPr>
+        <p:txBody>
+          <a:bodyPr vert="horz" wrap="square" lIns="92075" tIns="46038" rIns="92075" bIns="46038" numCol="1" anchor="t" anchorCtr="0" compatLnSpc="1">
+            <a:prstTxWarp prst="textNoShape">
+              <a:avLst/>
+            </a:prstTxWarp>
+          </a:bodyPr>
+          <a:lstStyle>
+            <a:lvl1pPr marL="342900" indent="-342900" algn="l" rtl="0" eaLnBrk="1" fontAlgn="base" hangingPunct="1">
+              <a:spcBef>
+                <a:spcPct val="20000"/>
+              </a:spcBef>
+              <a:spcAft>
+                <a:spcPct val="0"/>
+              </a:spcAft>
+              <a:buClr>
+                <a:srgbClr val="008C5A"/>
+              </a:buClr>
+              <a:buFont typeface="Monotype Sorts" pitchFamily="2" charset="2"/>
+              <a:buChar char="l"/>
+              <a:defRPr sz="2400">
+                <a:solidFill>
+                  <a:schemeClr val="tx1"/>
+                </a:solidFill>
+                <a:latin typeface="+mn-lt"/>
+                <a:ea typeface="+mn-ea"/>
+                <a:cs typeface="+mn-cs"/>
+              </a:defRPr>
+            </a:lvl1pPr>
+            <a:lvl2pPr marL="742950" indent="-285750" algn="l" rtl="0" eaLnBrk="1" fontAlgn="base" hangingPunct="1">
+              <a:spcBef>
+                <a:spcPct val="20000"/>
+              </a:spcBef>
+              <a:spcAft>
+                <a:spcPct val="0"/>
+              </a:spcAft>
+              <a:buClr>
+                <a:srgbClr val="008C5A"/>
+              </a:buClr>
+              <a:buFont typeface="Monotype Sorts" pitchFamily="2" charset="2"/>
+              <a:buChar char="l"/>
+              <a:defRPr sz="2000">
+                <a:solidFill>
+                  <a:schemeClr val="tx1"/>
+                </a:solidFill>
+                <a:latin typeface="+mn-lt"/>
+              </a:defRPr>
+            </a:lvl2pPr>
+            <a:lvl3pPr marL="1143000" indent="-228600" algn="l" rtl="0" eaLnBrk="1" fontAlgn="base" hangingPunct="1">
+              <a:spcBef>
+                <a:spcPct val="20000"/>
+              </a:spcBef>
+              <a:spcAft>
+                <a:spcPct val="0"/>
+              </a:spcAft>
+              <a:buClr>
+                <a:srgbClr val="008C5A"/>
+              </a:buClr>
+              <a:buFont typeface="Monotype Sorts" pitchFamily="2" charset="2"/>
+              <a:buChar char="l"/>
+              <a:defRPr sz="2400">
+                <a:solidFill>
+                  <a:schemeClr val="tx1"/>
+                </a:solidFill>
+                <a:latin typeface="+mn-lt"/>
+              </a:defRPr>
+            </a:lvl3pPr>
+            <a:lvl4pPr marL="1562100" indent="-228600" algn="l" rtl="0" eaLnBrk="1" fontAlgn="base" hangingPunct="1">
+              <a:spcBef>
+                <a:spcPct val="20000"/>
+              </a:spcBef>
+              <a:spcAft>
+                <a:spcPct val="0"/>
+              </a:spcAft>
+              <a:buClr>
+                <a:srgbClr val="008C5A"/>
+              </a:buClr>
+              <a:buFont typeface="Monotype Sorts" pitchFamily="2" charset="2"/>
+              <a:buChar char="l"/>
+              <a:defRPr sz="1600">
+                <a:solidFill>
+                  <a:schemeClr val="tx1"/>
+                </a:solidFill>
+                <a:latin typeface="+mn-lt"/>
+              </a:defRPr>
+            </a:lvl4pPr>
+            <a:lvl5pPr marL="1981200" indent="-228600" algn="l" rtl="0" eaLnBrk="1" fontAlgn="base" hangingPunct="1">
+              <a:spcBef>
+                <a:spcPct val="20000"/>
+              </a:spcBef>
+              <a:spcAft>
+                <a:spcPct val="0"/>
+              </a:spcAft>
+              <a:buClr>
+                <a:srgbClr val="008C5A"/>
+              </a:buClr>
+              <a:buFont typeface="Monotype Sorts" pitchFamily="2" charset="2"/>
+              <a:buChar char="l"/>
+              <a:defRPr sz="1600">
+                <a:solidFill>
+                  <a:schemeClr val="tx1"/>
+                </a:solidFill>
+                <a:latin typeface="+mn-lt"/>
+              </a:defRPr>
+            </a:lvl5pPr>
+            <a:lvl6pPr marL="2438400" indent="-228600" algn="l" rtl="0" eaLnBrk="1" fontAlgn="base" hangingPunct="1">
+              <a:spcBef>
+                <a:spcPct val="20000"/>
+              </a:spcBef>
+              <a:spcAft>
+                <a:spcPct val="0"/>
+              </a:spcAft>
+              <a:buClr>
+                <a:srgbClr val="008C5A"/>
+              </a:buClr>
+              <a:buFont typeface="Monotype Sorts" pitchFamily="2" charset="2"/>
+              <a:buChar char="l"/>
+              <a:defRPr sz="1600">
+                <a:solidFill>
+                  <a:schemeClr val="tx1"/>
+                </a:solidFill>
+                <a:latin typeface="+mn-lt"/>
+              </a:defRPr>
+            </a:lvl6pPr>
+            <a:lvl7pPr marL="2895600" indent="-228600" algn="l" rtl="0" eaLnBrk="1" fontAlgn="base" hangingPunct="1">
+              <a:spcBef>
+                <a:spcPct val="20000"/>
+              </a:spcBef>
+              <a:spcAft>
+                <a:spcPct val="0"/>
+              </a:spcAft>
+              <a:buClr>
+                <a:srgbClr val="008C5A"/>
+              </a:buClr>
+              <a:buFont typeface="Monotype Sorts" pitchFamily="2" charset="2"/>
+              <a:buChar char="l"/>
+              <a:defRPr sz="1600">
+                <a:solidFill>
+                  <a:schemeClr val="tx1"/>
+                </a:solidFill>
+                <a:latin typeface="+mn-lt"/>
+              </a:defRPr>
+            </a:lvl7pPr>
+            <a:lvl8pPr marL="3352800" indent="-228600" algn="l" rtl="0" eaLnBrk="1" fontAlgn="base" hangingPunct="1">
+              <a:spcBef>
+                <a:spcPct val="20000"/>
+              </a:spcBef>
+              <a:spcAft>
+                <a:spcPct val="0"/>
+              </a:spcAft>
+              <a:buClr>
+                <a:srgbClr val="008C5A"/>
+              </a:buClr>
+              <a:buFont typeface="Monotype Sorts" pitchFamily="2" charset="2"/>
+              <a:buChar char="l"/>
+              <a:defRPr sz="1600">
+                <a:solidFill>
+                  <a:schemeClr val="tx1"/>
+                </a:solidFill>
+                <a:latin typeface="+mn-lt"/>
+              </a:defRPr>
+            </a:lvl8pPr>
+            <a:lvl9pPr marL="3810000" indent="-228600" algn="l" rtl="0" eaLnBrk="1" fontAlgn="base" hangingPunct="1">
+              <a:spcBef>
+                <a:spcPct val="20000"/>
+              </a:spcBef>
+              <a:spcAft>
+                <a:spcPct val="0"/>
+              </a:spcAft>
+              <a:buClr>
+                <a:srgbClr val="008C5A"/>
+              </a:buClr>
+              <a:buFont typeface="Monotype Sorts" pitchFamily="2" charset="2"/>
+              <a:buChar char="l"/>
+              <a:defRPr sz="1600">
+                <a:solidFill>
+                  <a:schemeClr val="tx1"/>
+                </a:solidFill>
+                <a:latin typeface="+mn-lt"/>
+              </a:defRPr>
+            </a:lvl9pPr>
+          </a:lstStyle>
+          <a:p>
+            <a:pPr marL="0" indent="0" algn="ctr">
+              <a:buFont typeface="Monotype Sorts" pitchFamily="2" charset="2"/>
+              <a:buNone/>
+            </a:pPr>
+            <a:r>
+              <a:rPr lang="de-DE" kern="0" dirty="0" err="1"/>
+              <a:t>docker</a:t>
+            </a:r>
+            <a:r>
+              <a:rPr lang="de-DE" kern="0" dirty="0"/>
+              <a:t> </a:t>
+            </a:r>
+            <a:r>
+              <a:rPr lang="de-DE" kern="0" dirty="0" err="1"/>
+              <a:t>rm</a:t>
+            </a:r>
+            <a:r>
+              <a:rPr lang="de-DE" kern="0" dirty="0"/>
+              <a:t> </a:t>
+            </a:r>
+            <a:r>
+              <a:rPr lang="de-DE" kern="0" dirty="0" err="1"/>
+              <a:t>example</a:t>
+            </a:r>
+            <a:endParaRPr lang="de-DE" kern="0" dirty="0"/>
+          </a:p>
+        </p:txBody>
+      </p:sp>
+      <p:sp>
+        <p:nvSpPr>
+          <p:cNvPr id="11" name="Inhaltsplatzhalter 2">
+            <a:extLst>
+              <a:ext uri="{FF2B5EF4-FFF2-40B4-BE49-F238E27FC236}">
+                <a16:creationId xmlns:a16="http://schemas.microsoft.com/office/drawing/2014/main" id="{DBCB1DAD-F553-56D3-3EFA-59D520AB5DCB}"/>
+              </a:ext>
+            </a:extLst>
+          </p:cNvPr>
+          <p:cNvSpPr txBox="1">
+            <a:spLocks/>
+          </p:cNvSpPr>
+          <p:nvPr/>
+        </p:nvSpPr>
+        <p:spPr bwMode="auto">
+          <a:xfrm>
+            <a:off x="225457" y="4365104"/>
+            <a:ext cx="8516937" cy="432048"/>
+          </a:xfrm>
+          <a:prstGeom prst="rect">
+            <a:avLst/>
+          </a:prstGeom>
+          <a:noFill/>
+          <a:ln>
+            <a:noFill/>
+          </a:ln>
+          <a:effectLst>
+            <a:softEdge rad="0"/>
+          </a:effectLst>
+        </p:spPr>
+        <p:txBody>
+          <a:bodyPr vert="horz" wrap="square" lIns="92075" tIns="46038" rIns="92075" bIns="46038" numCol="1" anchor="t" anchorCtr="0" compatLnSpc="1">
+            <a:prstTxWarp prst="textNoShape">
+              <a:avLst/>
+            </a:prstTxWarp>
+          </a:bodyPr>
+          <a:lstStyle>
+            <a:lvl1pPr marL="342900" indent="-342900" algn="l" rtl="0" eaLnBrk="1" fontAlgn="base" hangingPunct="1">
+              <a:spcBef>
+                <a:spcPct val="20000"/>
+              </a:spcBef>
+              <a:spcAft>
+                <a:spcPct val="0"/>
+              </a:spcAft>
+              <a:buClr>
+                <a:srgbClr val="008C5A"/>
+              </a:buClr>
+              <a:buFont typeface="Monotype Sorts" pitchFamily="2" charset="2"/>
+              <a:buChar char="l"/>
+              <a:defRPr sz="2400">
+                <a:solidFill>
+                  <a:schemeClr val="tx1"/>
+                </a:solidFill>
+                <a:latin typeface="+mn-lt"/>
+                <a:ea typeface="+mn-ea"/>
+                <a:cs typeface="+mn-cs"/>
+              </a:defRPr>
+            </a:lvl1pPr>
+            <a:lvl2pPr marL="742950" indent="-285750" algn="l" rtl="0" eaLnBrk="1" fontAlgn="base" hangingPunct="1">
+              <a:spcBef>
+                <a:spcPct val="20000"/>
+              </a:spcBef>
+              <a:spcAft>
+                <a:spcPct val="0"/>
+              </a:spcAft>
+              <a:buClr>
+                <a:srgbClr val="008C5A"/>
+              </a:buClr>
+              <a:buFont typeface="Monotype Sorts" pitchFamily="2" charset="2"/>
+              <a:buChar char="l"/>
+              <a:defRPr sz="2000">
+                <a:solidFill>
+                  <a:schemeClr val="tx1"/>
+                </a:solidFill>
+                <a:latin typeface="+mn-lt"/>
+              </a:defRPr>
+            </a:lvl2pPr>
+            <a:lvl3pPr marL="1143000" indent="-228600" algn="l" rtl="0" eaLnBrk="1" fontAlgn="base" hangingPunct="1">
+              <a:spcBef>
+                <a:spcPct val="20000"/>
+              </a:spcBef>
+              <a:spcAft>
+                <a:spcPct val="0"/>
+              </a:spcAft>
+              <a:buClr>
+                <a:srgbClr val="008C5A"/>
+              </a:buClr>
+              <a:buFont typeface="Monotype Sorts" pitchFamily="2" charset="2"/>
+              <a:buChar char="l"/>
+              <a:defRPr sz="2400">
+                <a:solidFill>
+                  <a:schemeClr val="tx1"/>
+                </a:solidFill>
+                <a:latin typeface="+mn-lt"/>
+              </a:defRPr>
+            </a:lvl3pPr>
+            <a:lvl4pPr marL="1562100" indent="-228600" algn="l" rtl="0" eaLnBrk="1" fontAlgn="base" hangingPunct="1">
+              <a:spcBef>
+                <a:spcPct val="20000"/>
+              </a:spcBef>
+              <a:spcAft>
+                <a:spcPct val="0"/>
+              </a:spcAft>
+              <a:buClr>
+                <a:srgbClr val="008C5A"/>
+              </a:buClr>
+              <a:buFont typeface="Monotype Sorts" pitchFamily="2" charset="2"/>
+              <a:buChar char="l"/>
+              <a:defRPr sz="1600">
+                <a:solidFill>
+                  <a:schemeClr val="tx1"/>
+                </a:solidFill>
+                <a:latin typeface="+mn-lt"/>
+              </a:defRPr>
+            </a:lvl4pPr>
+            <a:lvl5pPr marL="1981200" indent="-228600" algn="l" rtl="0" eaLnBrk="1" fontAlgn="base" hangingPunct="1">
+              <a:spcBef>
+                <a:spcPct val="20000"/>
+              </a:spcBef>
+              <a:spcAft>
+                <a:spcPct val="0"/>
+              </a:spcAft>
+              <a:buClr>
+                <a:srgbClr val="008C5A"/>
+              </a:buClr>
+              <a:buFont typeface="Monotype Sorts" pitchFamily="2" charset="2"/>
+              <a:buChar char="l"/>
+              <a:defRPr sz="1600">
+                <a:solidFill>
+                  <a:schemeClr val="tx1"/>
+                </a:solidFill>
+                <a:latin typeface="+mn-lt"/>
+              </a:defRPr>
+            </a:lvl5pPr>
+            <a:lvl6pPr marL="2438400" indent="-228600" algn="l" rtl="0" eaLnBrk="1" fontAlgn="base" hangingPunct="1">
+              <a:spcBef>
+                <a:spcPct val="20000"/>
+              </a:spcBef>
+              <a:spcAft>
+                <a:spcPct val="0"/>
+              </a:spcAft>
+              <a:buClr>
+                <a:srgbClr val="008C5A"/>
+              </a:buClr>
+              <a:buFont typeface="Monotype Sorts" pitchFamily="2" charset="2"/>
+              <a:buChar char="l"/>
+              <a:defRPr sz="1600">
+                <a:solidFill>
+                  <a:schemeClr val="tx1"/>
+                </a:solidFill>
+                <a:latin typeface="+mn-lt"/>
+              </a:defRPr>
+            </a:lvl6pPr>
+            <a:lvl7pPr marL="2895600" indent="-228600" algn="l" rtl="0" eaLnBrk="1" fontAlgn="base" hangingPunct="1">
+              <a:spcBef>
+                <a:spcPct val="20000"/>
+              </a:spcBef>
+              <a:spcAft>
+                <a:spcPct val="0"/>
+              </a:spcAft>
+              <a:buClr>
+                <a:srgbClr val="008C5A"/>
+              </a:buClr>
+              <a:buFont typeface="Monotype Sorts" pitchFamily="2" charset="2"/>
+              <a:buChar char="l"/>
+              <a:defRPr sz="1600">
+                <a:solidFill>
+                  <a:schemeClr val="tx1"/>
+                </a:solidFill>
+                <a:latin typeface="+mn-lt"/>
+              </a:defRPr>
+            </a:lvl7pPr>
+            <a:lvl8pPr marL="3352800" indent="-228600" algn="l" rtl="0" eaLnBrk="1" fontAlgn="base" hangingPunct="1">
+              <a:spcBef>
+                <a:spcPct val="20000"/>
+              </a:spcBef>
+              <a:spcAft>
+                <a:spcPct val="0"/>
+              </a:spcAft>
+              <a:buClr>
+                <a:srgbClr val="008C5A"/>
+              </a:buClr>
+              <a:buFont typeface="Monotype Sorts" pitchFamily="2" charset="2"/>
+              <a:buChar char="l"/>
+              <a:defRPr sz="1600">
+                <a:solidFill>
+                  <a:schemeClr val="tx1"/>
+                </a:solidFill>
+                <a:latin typeface="+mn-lt"/>
+              </a:defRPr>
+            </a:lvl8pPr>
+            <a:lvl9pPr marL="3810000" indent="-228600" algn="l" rtl="0" eaLnBrk="1" fontAlgn="base" hangingPunct="1">
+              <a:spcBef>
+                <a:spcPct val="20000"/>
+              </a:spcBef>
+              <a:spcAft>
+                <a:spcPct val="0"/>
+              </a:spcAft>
+              <a:buClr>
+                <a:srgbClr val="008C5A"/>
+              </a:buClr>
+              <a:buFont typeface="Monotype Sorts" pitchFamily="2" charset="2"/>
+              <a:buChar char="l"/>
+              <a:defRPr sz="1600">
+                <a:solidFill>
+                  <a:schemeClr val="tx1"/>
+                </a:solidFill>
+                <a:latin typeface="+mn-lt"/>
+              </a:defRPr>
+            </a:lvl9pPr>
+          </a:lstStyle>
+          <a:p>
+            <a:pPr marL="0" indent="0" algn="ctr">
+              <a:buFont typeface="Monotype Sorts" pitchFamily="2" charset="2"/>
+              <a:buNone/>
+            </a:pPr>
+            <a:r>
+              <a:rPr lang="de-DE" kern="0" dirty="0"/>
+              <a:t>Container löschen:</a:t>
+            </a:r>
+          </a:p>
+        </p:txBody>
+      </p:sp>
+      <p:sp>
+        <p:nvSpPr>
+          <p:cNvPr id="13" name="Inhaltsplatzhalter 2">
+            <a:extLst>
+              <a:ext uri="{FF2B5EF4-FFF2-40B4-BE49-F238E27FC236}">
+                <a16:creationId xmlns:a16="http://schemas.microsoft.com/office/drawing/2014/main" id="{9C041C59-3DD5-B3C7-BB16-A2598BEE84B7}"/>
+              </a:ext>
+            </a:extLst>
+          </p:cNvPr>
+          <p:cNvSpPr txBox="1">
+            <a:spLocks/>
+          </p:cNvSpPr>
+          <p:nvPr/>
+        </p:nvSpPr>
+        <p:spPr bwMode="auto">
+          <a:xfrm>
+            <a:off x="242951" y="5733256"/>
+            <a:ext cx="8516937" cy="432048"/>
+          </a:xfrm>
+          <a:prstGeom prst="rect">
+            <a:avLst/>
+          </a:prstGeom>
+          <a:solidFill>
+            <a:schemeClr val="bg1">
+              <a:lumMod val="85000"/>
+            </a:schemeClr>
+          </a:solidFill>
+          <a:ln>
+            <a:noFill/>
+          </a:ln>
+          <a:effectLst>
+            <a:softEdge rad="25400"/>
+          </a:effectLst>
+          <a:extLst>
+            <a:ext uri="{91240B29-F687-4F45-9708-019B960494DF}">
+              <a14:hiddenLine xmlns:a14="http://schemas.microsoft.com/office/drawing/2010/main" w="9525">
+                <a:solidFill>
+                  <a:srgbClr val="000000"/>
+                </a:solidFill>
+                <a:miter lim="800000"/>
+                <a:headEnd/>
+                <a:tailEnd/>
+              </a14:hiddenLine>
+            </a:ext>
+          </a:extLst>
+        </p:spPr>
+        <p:txBody>
+          <a:bodyPr vert="horz" wrap="square" lIns="92075" tIns="46038" rIns="92075" bIns="46038" numCol="1" anchor="t" anchorCtr="0" compatLnSpc="1">
+            <a:prstTxWarp prst="textNoShape">
+              <a:avLst/>
+            </a:prstTxWarp>
+          </a:bodyPr>
+          <a:lstStyle>
+            <a:lvl1pPr marL="342900" indent="-342900" algn="l" rtl="0" eaLnBrk="1" fontAlgn="base" hangingPunct="1">
+              <a:spcBef>
+                <a:spcPct val="20000"/>
+              </a:spcBef>
+              <a:spcAft>
+                <a:spcPct val="0"/>
+              </a:spcAft>
+              <a:buClr>
+                <a:srgbClr val="008C5A"/>
+              </a:buClr>
+              <a:buFont typeface="Monotype Sorts" pitchFamily="2" charset="2"/>
+              <a:buChar char="l"/>
+              <a:defRPr sz="2400">
+                <a:solidFill>
+                  <a:schemeClr val="tx1"/>
+                </a:solidFill>
+                <a:latin typeface="+mn-lt"/>
+                <a:ea typeface="+mn-ea"/>
+                <a:cs typeface="+mn-cs"/>
+              </a:defRPr>
+            </a:lvl1pPr>
+            <a:lvl2pPr marL="742950" indent="-285750" algn="l" rtl="0" eaLnBrk="1" fontAlgn="base" hangingPunct="1">
+              <a:spcBef>
+                <a:spcPct val="20000"/>
+              </a:spcBef>
+              <a:spcAft>
+                <a:spcPct val="0"/>
+              </a:spcAft>
+              <a:buClr>
+                <a:srgbClr val="008C5A"/>
+              </a:buClr>
+              <a:buFont typeface="Monotype Sorts" pitchFamily="2" charset="2"/>
+              <a:buChar char="l"/>
+              <a:defRPr sz="2000">
+                <a:solidFill>
+                  <a:schemeClr val="tx1"/>
+                </a:solidFill>
+                <a:latin typeface="+mn-lt"/>
+              </a:defRPr>
+            </a:lvl2pPr>
+            <a:lvl3pPr marL="1143000" indent="-228600" algn="l" rtl="0" eaLnBrk="1" fontAlgn="base" hangingPunct="1">
+              <a:spcBef>
+                <a:spcPct val="20000"/>
+              </a:spcBef>
+              <a:spcAft>
+                <a:spcPct val="0"/>
+              </a:spcAft>
+              <a:buClr>
+                <a:srgbClr val="008C5A"/>
+              </a:buClr>
+              <a:buFont typeface="Monotype Sorts" pitchFamily="2" charset="2"/>
+              <a:buChar char="l"/>
+              <a:defRPr sz="2400">
+                <a:solidFill>
+                  <a:schemeClr val="tx1"/>
+                </a:solidFill>
+                <a:latin typeface="+mn-lt"/>
+              </a:defRPr>
+            </a:lvl3pPr>
+            <a:lvl4pPr marL="1562100" indent="-228600" algn="l" rtl="0" eaLnBrk="1" fontAlgn="base" hangingPunct="1">
+              <a:spcBef>
+                <a:spcPct val="20000"/>
+              </a:spcBef>
+              <a:spcAft>
+                <a:spcPct val="0"/>
+              </a:spcAft>
+              <a:buClr>
+                <a:srgbClr val="008C5A"/>
+              </a:buClr>
+              <a:buFont typeface="Monotype Sorts" pitchFamily="2" charset="2"/>
+              <a:buChar char="l"/>
+              <a:defRPr sz="1600">
+                <a:solidFill>
+                  <a:schemeClr val="tx1"/>
+                </a:solidFill>
+                <a:latin typeface="+mn-lt"/>
+              </a:defRPr>
+            </a:lvl4pPr>
+            <a:lvl5pPr marL="1981200" indent="-228600" algn="l" rtl="0" eaLnBrk="1" fontAlgn="base" hangingPunct="1">
+              <a:spcBef>
+                <a:spcPct val="20000"/>
+              </a:spcBef>
+              <a:spcAft>
+                <a:spcPct val="0"/>
+              </a:spcAft>
+              <a:buClr>
+                <a:srgbClr val="008C5A"/>
+              </a:buClr>
+              <a:buFont typeface="Monotype Sorts" pitchFamily="2" charset="2"/>
+              <a:buChar char="l"/>
+              <a:defRPr sz="1600">
+                <a:solidFill>
+                  <a:schemeClr val="tx1"/>
+                </a:solidFill>
+                <a:latin typeface="+mn-lt"/>
+              </a:defRPr>
+            </a:lvl5pPr>
+            <a:lvl6pPr marL="2438400" indent="-228600" algn="l" rtl="0" eaLnBrk="1" fontAlgn="base" hangingPunct="1">
+              <a:spcBef>
+                <a:spcPct val="20000"/>
+              </a:spcBef>
+              <a:spcAft>
+                <a:spcPct val="0"/>
+              </a:spcAft>
+              <a:buClr>
+                <a:srgbClr val="008C5A"/>
+              </a:buClr>
+              <a:buFont typeface="Monotype Sorts" pitchFamily="2" charset="2"/>
+              <a:buChar char="l"/>
+              <a:defRPr sz="1600">
+                <a:solidFill>
+                  <a:schemeClr val="tx1"/>
+                </a:solidFill>
+                <a:latin typeface="+mn-lt"/>
+              </a:defRPr>
+            </a:lvl6pPr>
+            <a:lvl7pPr marL="2895600" indent="-228600" algn="l" rtl="0" eaLnBrk="1" fontAlgn="base" hangingPunct="1">
+              <a:spcBef>
+                <a:spcPct val="20000"/>
+              </a:spcBef>
+              <a:spcAft>
+                <a:spcPct val="0"/>
+              </a:spcAft>
+              <a:buClr>
+                <a:srgbClr val="008C5A"/>
+              </a:buClr>
+              <a:buFont typeface="Monotype Sorts" pitchFamily="2" charset="2"/>
+              <a:buChar char="l"/>
+              <a:defRPr sz="1600">
+                <a:solidFill>
+                  <a:schemeClr val="tx1"/>
+                </a:solidFill>
+                <a:latin typeface="+mn-lt"/>
+              </a:defRPr>
+            </a:lvl7pPr>
+            <a:lvl8pPr marL="3352800" indent="-228600" algn="l" rtl="0" eaLnBrk="1" fontAlgn="base" hangingPunct="1">
+              <a:spcBef>
+                <a:spcPct val="20000"/>
+              </a:spcBef>
+              <a:spcAft>
+                <a:spcPct val="0"/>
+              </a:spcAft>
+              <a:buClr>
+                <a:srgbClr val="008C5A"/>
+              </a:buClr>
+              <a:buFont typeface="Monotype Sorts" pitchFamily="2" charset="2"/>
+              <a:buChar char="l"/>
+              <a:defRPr sz="1600">
+                <a:solidFill>
+                  <a:schemeClr val="tx1"/>
+                </a:solidFill>
+                <a:latin typeface="+mn-lt"/>
+              </a:defRPr>
+            </a:lvl8pPr>
+            <a:lvl9pPr marL="3810000" indent="-228600" algn="l" rtl="0" eaLnBrk="1" fontAlgn="base" hangingPunct="1">
+              <a:spcBef>
+                <a:spcPct val="20000"/>
+              </a:spcBef>
+              <a:spcAft>
+                <a:spcPct val="0"/>
+              </a:spcAft>
+              <a:buClr>
+                <a:srgbClr val="008C5A"/>
+              </a:buClr>
+              <a:buFont typeface="Monotype Sorts" pitchFamily="2" charset="2"/>
+              <a:buChar char="l"/>
+              <a:defRPr sz="1600">
+                <a:solidFill>
+                  <a:schemeClr val="tx1"/>
+                </a:solidFill>
+                <a:latin typeface="+mn-lt"/>
+              </a:defRPr>
+            </a:lvl9pPr>
+          </a:lstStyle>
+          <a:p>
+            <a:pPr marL="0" indent="0" algn="ctr">
+              <a:buFont typeface="Monotype Sorts" pitchFamily="2" charset="2"/>
+              <a:buNone/>
+            </a:pPr>
+            <a:r>
+              <a:rPr lang="de-DE" kern="0" dirty="0" err="1"/>
+              <a:t>docker</a:t>
+            </a:r>
+            <a:r>
+              <a:rPr lang="de-DE" kern="0" dirty="0"/>
+              <a:t> </a:t>
+            </a:r>
+            <a:r>
+              <a:rPr lang="de-DE" kern="0" dirty="0" err="1"/>
+              <a:t>ls</a:t>
+            </a:r>
+            <a:endParaRPr lang="de-DE" kern="0" dirty="0"/>
+          </a:p>
+        </p:txBody>
+      </p:sp>
+      <p:sp>
+        <p:nvSpPr>
+          <p:cNvPr id="14" name="Inhaltsplatzhalter 2">
+            <a:extLst>
+              <a:ext uri="{FF2B5EF4-FFF2-40B4-BE49-F238E27FC236}">
+                <a16:creationId xmlns:a16="http://schemas.microsoft.com/office/drawing/2014/main" id="{6565CE33-7C7F-9ACC-962E-56274BF75F42}"/>
+              </a:ext>
+            </a:extLst>
+          </p:cNvPr>
+          <p:cNvSpPr txBox="1">
+            <a:spLocks/>
+          </p:cNvSpPr>
+          <p:nvPr/>
+        </p:nvSpPr>
+        <p:spPr bwMode="auto">
+          <a:xfrm>
+            <a:off x="225457" y="5301208"/>
+            <a:ext cx="8516937" cy="432048"/>
+          </a:xfrm>
+          <a:prstGeom prst="rect">
+            <a:avLst/>
+          </a:prstGeom>
+          <a:noFill/>
+          <a:ln>
+            <a:noFill/>
+          </a:ln>
+          <a:effectLst>
+            <a:softEdge rad="0"/>
+          </a:effectLst>
+        </p:spPr>
+        <p:txBody>
+          <a:bodyPr vert="horz" wrap="square" lIns="92075" tIns="46038" rIns="92075" bIns="46038" numCol="1" anchor="t" anchorCtr="0" compatLnSpc="1">
+            <a:prstTxWarp prst="textNoShape">
+              <a:avLst/>
+            </a:prstTxWarp>
+          </a:bodyPr>
+          <a:lstStyle>
+            <a:lvl1pPr marL="342900" indent="-342900" algn="l" rtl="0" eaLnBrk="1" fontAlgn="base" hangingPunct="1">
+              <a:spcBef>
+                <a:spcPct val="20000"/>
+              </a:spcBef>
+              <a:spcAft>
+                <a:spcPct val="0"/>
+              </a:spcAft>
+              <a:buClr>
+                <a:srgbClr val="008C5A"/>
+              </a:buClr>
+              <a:buFont typeface="Monotype Sorts" pitchFamily="2" charset="2"/>
+              <a:buChar char="l"/>
+              <a:defRPr sz="2400">
+                <a:solidFill>
+                  <a:schemeClr val="tx1"/>
+                </a:solidFill>
+                <a:latin typeface="+mn-lt"/>
+                <a:ea typeface="+mn-ea"/>
+                <a:cs typeface="+mn-cs"/>
+              </a:defRPr>
+            </a:lvl1pPr>
+            <a:lvl2pPr marL="742950" indent="-285750" algn="l" rtl="0" eaLnBrk="1" fontAlgn="base" hangingPunct="1">
+              <a:spcBef>
+                <a:spcPct val="20000"/>
+              </a:spcBef>
+              <a:spcAft>
+                <a:spcPct val="0"/>
+              </a:spcAft>
+              <a:buClr>
+                <a:srgbClr val="008C5A"/>
+              </a:buClr>
+              <a:buFont typeface="Monotype Sorts" pitchFamily="2" charset="2"/>
+              <a:buChar char="l"/>
+              <a:defRPr sz="2000">
+                <a:solidFill>
+                  <a:schemeClr val="tx1"/>
+                </a:solidFill>
+                <a:latin typeface="+mn-lt"/>
+              </a:defRPr>
+            </a:lvl2pPr>
+            <a:lvl3pPr marL="1143000" indent="-228600" algn="l" rtl="0" eaLnBrk="1" fontAlgn="base" hangingPunct="1">
+              <a:spcBef>
+                <a:spcPct val="20000"/>
+              </a:spcBef>
+              <a:spcAft>
+                <a:spcPct val="0"/>
+              </a:spcAft>
+              <a:buClr>
+                <a:srgbClr val="008C5A"/>
+              </a:buClr>
+              <a:buFont typeface="Monotype Sorts" pitchFamily="2" charset="2"/>
+              <a:buChar char="l"/>
+              <a:defRPr sz="2400">
+                <a:solidFill>
+                  <a:schemeClr val="tx1"/>
+                </a:solidFill>
+                <a:latin typeface="+mn-lt"/>
+              </a:defRPr>
+            </a:lvl3pPr>
+            <a:lvl4pPr marL="1562100" indent="-228600" algn="l" rtl="0" eaLnBrk="1" fontAlgn="base" hangingPunct="1">
+              <a:spcBef>
+                <a:spcPct val="20000"/>
+              </a:spcBef>
+              <a:spcAft>
+                <a:spcPct val="0"/>
+              </a:spcAft>
+              <a:buClr>
+                <a:srgbClr val="008C5A"/>
+              </a:buClr>
+              <a:buFont typeface="Monotype Sorts" pitchFamily="2" charset="2"/>
+              <a:buChar char="l"/>
+              <a:defRPr sz="1600">
+                <a:solidFill>
+                  <a:schemeClr val="tx1"/>
+                </a:solidFill>
+                <a:latin typeface="+mn-lt"/>
+              </a:defRPr>
+            </a:lvl4pPr>
+            <a:lvl5pPr marL="1981200" indent="-228600" algn="l" rtl="0" eaLnBrk="1" fontAlgn="base" hangingPunct="1">
+              <a:spcBef>
+                <a:spcPct val="20000"/>
+              </a:spcBef>
+              <a:spcAft>
+                <a:spcPct val="0"/>
+              </a:spcAft>
+              <a:buClr>
+                <a:srgbClr val="008C5A"/>
+              </a:buClr>
+              <a:buFont typeface="Monotype Sorts" pitchFamily="2" charset="2"/>
+              <a:buChar char="l"/>
+              <a:defRPr sz="1600">
+                <a:solidFill>
+                  <a:schemeClr val="tx1"/>
+                </a:solidFill>
+                <a:latin typeface="+mn-lt"/>
+              </a:defRPr>
+            </a:lvl5pPr>
+            <a:lvl6pPr marL="2438400" indent="-228600" algn="l" rtl="0" eaLnBrk="1" fontAlgn="base" hangingPunct="1">
+              <a:spcBef>
+                <a:spcPct val="20000"/>
+              </a:spcBef>
+              <a:spcAft>
+                <a:spcPct val="0"/>
+              </a:spcAft>
+              <a:buClr>
+                <a:srgbClr val="008C5A"/>
+              </a:buClr>
+              <a:buFont typeface="Monotype Sorts" pitchFamily="2" charset="2"/>
+              <a:buChar char="l"/>
+              <a:defRPr sz="1600">
+                <a:solidFill>
+                  <a:schemeClr val="tx1"/>
+                </a:solidFill>
+                <a:latin typeface="+mn-lt"/>
+              </a:defRPr>
+            </a:lvl6pPr>
+            <a:lvl7pPr marL="2895600" indent="-228600" algn="l" rtl="0" eaLnBrk="1" fontAlgn="base" hangingPunct="1">
+              <a:spcBef>
+                <a:spcPct val="20000"/>
+              </a:spcBef>
+              <a:spcAft>
+                <a:spcPct val="0"/>
+              </a:spcAft>
+              <a:buClr>
+                <a:srgbClr val="008C5A"/>
+              </a:buClr>
+              <a:buFont typeface="Monotype Sorts" pitchFamily="2" charset="2"/>
+              <a:buChar char="l"/>
+              <a:defRPr sz="1600">
+                <a:solidFill>
+                  <a:schemeClr val="tx1"/>
+                </a:solidFill>
+                <a:latin typeface="+mn-lt"/>
+              </a:defRPr>
+            </a:lvl7pPr>
+            <a:lvl8pPr marL="3352800" indent="-228600" algn="l" rtl="0" eaLnBrk="1" fontAlgn="base" hangingPunct="1">
+              <a:spcBef>
+                <a:spcPct val="20000"/>
+              </a:spcBef>
+              <a:spcAft>
+                <a:spcPct val="0"/>
+              </a:spcAft>
+              <a:buClr>
+                <a:srgbClr val="008C5A"/>
+              </a:buClr>
+              <a:buFont typeface="Monotype Sorts" pitchFamily="2" charset="2"/>
+              <a:buChar char="l"/>
+              <a:defRPr sz="1600">
+                <a:solidFill>
+                  <a:schemeClr val="tx1"/>
+                </a:solidFill>
+                <a:latin typeface="+mn-lt"/>
+              </a:defRPr>
+            </a:lvl8pPr>
+            <a:lvl9pPr marL="3810000" indent="-228600" algn="l" rtl="0" eaLnBrk="1" fontAlgn="base" hangingPunct="1">
+              <a:spcBef>
+                <a:spcPct val="20000"/>
+              </a:spcBef>
+              <a:spcAft>
+                <a:spcPct val="0"/>
+              </a:spcAft>
+              <a:buClr>
+                <a:srgbClr val="008C5A"/>
+              </a:buClr>
+              <a:buFont typeface="Monotype Sorts" pitchFamily="2" charset="2"/>
+              <a:buChar char="l"/>
+              <a:defRPr sz="1600">
+                <a:solidFill>
+                  <a:schemeClr val="tx1"/>
+                </a:solidFill>
+                <a:latin typeface="+mn-lt"/>
+              </a:defRPr>
+            </a:lvl9pPr>
+          </a:lstStyle>
+          <a:p>
+            <a:pPr marL="0" indent="0" algn="ctr">
+              <a:buFont typeface="Monotype Sorts" pitchFamily="2" charset="2"/>
+              <a:buNone/>
+            </a:pPr>
+            <a:r>
+              <a:rPr lang="de-DE" kern="0" dirty="0"/>
+              <a:t>Container auflisten:</a:t>
+            </a:r>
+          </a:p>
+        </p:txBody>
+      </p:sp>
+    </p:spTree>
+    <p:extLst>
+      <p:ext uri="{BB962C8B-B14F-4D97-AF65-F5344CB8AC3E}">
+        <p14:creationId xmlns:p14="http://schemas.microsoft.com/office/powerpoint/2010/main" val="3497986053"/>
+      </p:ext>
+    </p:extLst>
+  </p:cSld>
+  <p:clrMapOvr>
+    <a:masterClrMapping/>
+  </p:clrMapOvr>
+</p:sld>
+</file>
+
 <file path=ppt/slides/slide2.xml><?xml version="1.0" encoding="utf-8"?>
 <p:sld xmlns:a="http://schemas.openxmlformats.org/drawingml/2006/main" xmlns:r="http://schemas.openxmlformats.org/officeDocument/2006/relationships" xmlns:p="http://schemas.openxmlformats.org/presentationml/2006/main">
   <p:cSld>
@@ -3670,76 +5412,171 @@
       </p:grpSpPr>
       <p:sp>
         <p:nvSpPr>
-          <p:cNvPr id="7170" name="Titel 1">
+          <p:cNvPr id="4" name="Titel 1">
             <a:extLst>
               <a:ext uri="{FF2B5EF4-FFF2-40B4-BE49-F238E27FC236}">
-                <a16:creationId xmlns:a16="http://schemas.microsoft.com/office/drawing/2014/main" id="{14166EE9-31F6-1432-6B4F-746369646516}"/>
+                <a16:creationId xmlns:a16="http://schemas.microsoft.com/office/drawing/2014/main" id="{0D59C1B0-BD66-82B0-71F7-A46D0E065036}"/>
               </a:ext>
             </a:extLst>
           </p:cNvPr>
-          <p:cNvSpPr>
-            <a:spLocks noGrp="1"/>
+          <p:cNvSpPr txBox="1">
+            <a:spLocks/>
           </p:cNvSpPr>
-          <p:nvPr>
-            <p:ph type="title"/>
-          </p:nvPr>
+          <p:nvPr/>
         </p:nvSpPr>
         <p:spPr>
           <a:xfrm>
-            <a:off x="285750" y="150813"/>
-            <a:ext cx="5554663" cy="706437"/>
+            <a:off x="-396552" y="2852936"/>
+            <a:ext cx="6662514" cy="706437"/>
           </a:xfrm>
+          <a:prstGeom prst="rect">
+            <a:avLst/>
+          </a:prstGeom>
         </p:spPr>
         <p:txBody>
           <a:bodyPr/>
-          <a:lstStyle/>
-          <a:p>
-            <a:r>
-              <a:rPr lang="de-DE" altLang="de-DE" dirty="0"/>
+          <a:lstStyle>
+            <a:lvl1pPr algn="ctr" rtl="0" eaLnBrk="0" fontAlgn="base" hangingPunct="0">
+              <a:spcBef>
+                <a:spcPct val="0"/>
+              </a:spcBef>
+              <a:spcAft>
+                <a:spcPct val="0"/>
+              </a:spcAft>
+              <a:defRPr sz="4400">
+                <a:solidFill>
+                  <a:schemeClr val="tx2"/>
+                </a:solidFill>
+                <a:latin typeface="+mj-lt"/>
+                <a:ea typeface="+mj-ea"/>
+                <a:cs typeface="+mj-cs"/>
+              </a:defRPr>
+            </a:lvl1pPr>
+            <a:lvl2pPr algn="ctr" rtl="0" eaLnBrk="0" fontAlgn="base" hangingPunct="0">
+              <a:spcBef>
+                <a:spcPct val="0"/>
+              </a:spcBef>
+              <a:spcAft>
+                <a:spcPct val="0"/>
+              </a:spcAft>
+              <a:defRPr sz="4400">
+                <a:solidFill>
+                  <a:schemeClr val="tx2"/>
+                </a:solidFill>
+                <a:latin typeface="Arial" charset="0"/>
+              </a:defRPr>
+            </a:lvl2pPr>
+            <a:lvl3pPr algn="ctr" rtl="0" eaLnBrk="0" fontAlgn="base" hangingPunct="0">
+              <a:spcBef>
+                <a:spcPct val="0"/>
+              </a:spcBef>
+              <a:spcAft>
+                <a:spcPct val="0"/>
+              </a:spcAft>
+              <a:defRPr sz="4400">
+                <a:solidFill>
+                  <a:schemeClr val="tx2"/>
+                </a:solidFill>
+                <a:latin typeface="Arial" charset="0"/>
+              </a:defRPr>
+            </a:lvl3pPr>
+            <a:lvl4pPr algn="ctr" rtl="0" eaLnBrk="0" fontAlgn="base" hangingPunct="0">
+              <a:spcBef>
+                <a:spcPct val="0"/>
+              </a:spcBef>
+              <a:spcAft>
+                <a:spcPct val="0"/>
+              </a:spcAft>
+              <a:defRPr sz="4400">
+                <a:solidFill>
+                  <a:schemeClr val="tx2"/>
+                </a:solidFill>
+                <a:latin typeface="Arial" charset="0"/>
+              </a:defRPr>
+            </a:lvl4pPr>
+            <a:lvl5pPr algn="ctr" rtl="0" eaLnBrk="0" fontAlgn="base" hangingPunct="0">
+              <a:spcBef>
+                <a:spcPct val="0"/>
+              </a:spcBef>
+              <a:spcAft>
+                <a:spcPct val="0"/>
+              </a:spcAft>
+              <a:defRPr sz="4400">
+                <a:solidFill>
+                  <a:schemeClr val="tx2"/>
+                </a:solidFill>
+                <a:latin typeface="Arial" charset="0"/>
+              </a:defRPr>
+            </a:lvl5pPr>
+            <a:lvl6pPr marL="457200" algn="ctr" rtl="0" fontAlgn="base">
+              <a:spcBef>
+                <a:spcPct val="0"/>
+              </a:spcBef>
+              <a:spcAft>
+                <a:spcPct val="0"/>
+              </a:spcAft>
+              <a:defRPr sz="4400">
+                <a:solidFill>
+                  <a:schemeClr val="tx2"/>
+                </a:solidFill>
+                <a:latin typeface="Arial" charset="0"/>
+              </a:defRPr>
+            </a:lvl6pPr>
+            <a:lvl7pPr marL="914400" algn="ctr" rtl="0" fontAlgn="base">
+              <a:spcBef>
+                <a:spcPct val="0"/>
+              </a:spcBef>
+              <a:spcAft>
+                <a:spcPct val="0"/>
+              </a:spcAft>
+              <a:defRPr sz="4400">
+                <a:solidFill>
+                  <a:schemeClr val="tx2"/>
+                </a:solidFill>
+                <a:latin typeface="Arial" charset="0"/>
+              </a:defRPr>
+            </a:lvl7pPr>
+            <a:lvl8pPr marL="1371600" algn="ctr" rtl="0" fontAlgn="base">
+              <a:spcBef>
+                <a:spcPct val="0"/>
+              </a:spcBef>
+              <a:spcAft>
+                <a:spcPct val="0"/>
+              </a:spcAft>
+              <a:defRPr sz="4400">
+                <a:solidFill>
+                  <a:schemeClr val="tx2"/>
+                </a:solidFill>
+                <a:latin typeface="Arial" charset="0"/>
+              </a:defRPr>
+            </a:lvl8pPr>
+            <a:lvl9pPr marL="1828800" algn="ctr" rtl="0" fontAlgn="base">
+              <a:spcBef>
+                <a:spcPct val="0"/>
+              </a:spcBef>
+              <a:spcAft>
+                <a:spcPct val="0"/>
+              </a:spcAft>
+              <a:defRPr sz="4400">
+                <a:solidFill>
+                  <a:schemeClr val="tx2"/>
+                </a:solidFill>
+                <a:latin typeface="Arial" charset="0"/>
+              </a:defRPr>
+            </a:lvl9pPr>
+          </a:lstStyle>
+          <a:p>
+            <a:r>
+              <a:rPr lang="de-DE" altLang="de-DE" sz="3200" kern="0" dirty="0"/>
               <a:t>Lokale Entwicklung mit Docker</a:t>
             </a:r>
           </a:p>
         </p:txBody>
       </p:sp>
-      <p:pic>
-        <p:nvPicPr>
-          <p:cNvPr id="4" name="Inhaltsplatzhalter 3" descr="Docker Logo">
-            <a:extLst>
-              <a:ext uri="{FF2B5EF4-FFF2-40B4-BE49-F238E27FC236}">
-                <a16:creationId xmlns:a16="http://schemas.microsoft.com/office/drawing/2014/main" id="{3F1A2286-E4F5-09BF-231F-5040FA435DA0}"/>
-              </a:ext>
-            </a:extLst>
-          </p:cNvPr>
-          <p:cNvPicPr>
-            <a:picLocks noGrp="1" noChangeAspect="1"/>
-          </p:cNvPicPr>
-          <p:nvPr>
-            <p:ph idx="1"/>
-          </p:nvPr>
-        </p:nvPicPr>
-        <p:blipFill>
-          <a:blip r:embed="rId3">
-            <a:extLst>
-              <a:ext uri="{28A0092B-C50C-407E-A947-70E740481C1C}">
-                <a14:useLocalDpi xmlns:a14="http://schemas.microsoft.com/office/drawing/2010/main" val="0"/>
-              </a:ext>
-            </a:extLst>
-          </a:blip>
-          <a:stretch>
-            <a:fillRect/>
-          </a:stretch>
-        </p:blipFill>
-        <p:spPr>
-          <a:xfrm>
-            <a:off x="1373815" y="2701303"/>
-            <a:ext cx="6396370" cy="1455394"/>
-          </a:xfrm>
-        </p:spPr>
-      </p:pic>
     </p:spTree>
     <p:extLst>
       <p:ext uri="{BB962C8B-B14F-4D97-AF65-F5344CB8AC3E}">
-        <p14:creationId xmlns:p14="http://schemas.microsoft.com/office/powerpoint/2010/main" val="1890916158"/>
+        <p14:creationId xmlns:p14="http://schemas.microsoft.com/office/powerpoint/2010/main" val="3371628688"/>
       </p:ext>
     </p:extLst>
   </p:cSld>
@@ -3799,55 +5636,21 @@
           </a:p>
         </p:txBody>
       </p:sp>
-      <p:sp>
-        <p:nvSpPr>
-          <p:cNvPr id="7171" name="Inhaltsplatzhalter 2">
+      <p:pic>
+        <p:nvPicPr>
+          <p:cNvPr id="4" name="Inhaltsplatzhalter 3">
             <a:extLst>
               <a:ext uri="{FF2B5EF4-FFF2-40B4-BE49-F238E27FC236}">
-                <a16:creationId xmlns:a16="http://schemas.microsoft.com/office/drawing/2014/main" id="{D6605F78-5E9C-5D95-A6D0-E28F30A480AF}"/>
-              </a:ext>
-            </a:extLst>
-          </p:cNvPr>
-          <p:cNvSpPr>
-            <a:spLocks noGrp="1"/>
-          </p:cNvSpPr>
-          <p:nvPr>
-            <p:ph idx="1"/>
-          </p:nvPr>
-        </p:nvSpPr>
-        <p:spPr>
-          <a:xfrm>
-            <a:off x="395537" y="1687513"/>
-            <a:ext cx="4392488" cy="2519580"/>
-          </a:xfrm>
-        </p:spPr>
-        <p:txBody>
-          <a:bodyPr/>
-          <a:lstStyle/>
-          <a:p>
-            <a:pPr marL="0" indent="0">
-              <a:buNone/>
-            </a:pPr>
-            <a:r>
-              <a:rPr lang="de-DE" altLang="de-DE" sz="3200" dirty="0"/>
-              <a:t>Warum Docker?</a:t>
-            </a:r>
-          </a:p>
-        </p:txBody>
-      </p:sp>
-      <p:pic>
-        <p:nvPicPr>
-          <p:cNvPr id="3" name="Grafik 2" descr="Ein Bild, das Symbol, Grafiken, Clipart, Design enthält.&#10;&#10;Automatisch generierte Beschreibung">
-            <a:extLst>
-              <a:ext uri="{FF2B5EF4-FFF2-40B4-BE49-F238E27FC236}">
-                <a16:creationId xmlns:a16="http://schemas.microsoft.com/office/drawing/2014/main" id="{8E1A8FDE-161D-CB6E-C632-AAD676C4E3DE}"/>
+                <a16:creationId xmlns:a16="http://schemas.microsoft.com/office/drawing/2014/main" id="{3F1A2286-E4F5-09BF-231F-5040FA435DA0}"/>
               </a:ext>
             </a:extLst>
           </p:cNvPr>
           <p:cNvPicPr>
-            <a:picLocks noChangeAspect="1"/>
+            <a:picLocks noGrp="1" noChangeAspect="1"/>
           </p:cNvPicPr>
-          <p:nvPr/>
+          <p:nvPr>
+            <p:ph idx="1"/>
+          </p:nvPr>
         </p:nvPicPr>
         <p:blipFill>
           <a:blip r:embed="rId3">
@@ -3857,24 +5660,204 @@
               </a:ext>
             </a:extLst>
           </a:blip>
-          <a:stretch>
-            <a:fillRect/>
-          </a:stretch>
+          <a:srcRect/>
+          <a:stretch/>
         </p:blipFill>
         <p:spPr>
           <a:xfrm>
-            <a:off x="5525288" y="1844824"/>
-            <a:ext cx="3192008" cy="2519580"/>
+            <a:off x="4932040" y="1207428"/>
+            <a:ext cx="3702241" cy="842387"/>
+          </a:xfrm>
+        </p:spPr>
+      </p:pic>
+      <p:sp>
+        <p:nvSpPr>
+          <p:cNvPr id="2" name="Textfeld 1">
+            <a:extLst>
+              <a:ext uri="{FF2B5EF4-FFF2-40B4-BE49-F238E27FC236}">
+                <a16:creationId xmlns:a16="http://schemas.microsoft.com/office/drawing/2014/main" id="{B7D66AEE-DA7B-0E7F-319B-C53EF35D8C52}"/>
+              </a:ext>
+            </a:extLst>
+          </p:cNvPr>
+          <p:cNvSpPr txBox="1"/>
+          <p:nvPr/>
+        </p:nvSpPr>
+        <p:spPr bwMode="auto">
+          <a:xfrm>
+            <a:off x="285750" y="1495817"/>
+            <a:ext cx="3566170" cy="553998"/>
           </a:xfrm>
           <a:prstGeom prst="rect">
             <a:avLst/>
           </a:prstGeom>
+          <a:noFill/>
+          <a:ln w="9525">
+            <a:noFill/>
+            <a:miter lim="800000"/>
+            <a:headEnd/>
+            <a:tailEnd/>
+          </a:ln>
         </p:spPr>
-      </p:pic>
+        <p:txBody>
+          <a:bodyPr wrap="square" rtlCol="0" anchor="ctr">
+            <a:spAutoFit/>
+          </a:bodyPr>
+          <a:lstStyle/>
+          <a:p>
+            <a:pPr eaLnBrk="1" hangingPunct="1"/>
+            <a:r>
+              <a:rPr lang="de-DE" sz="3000" dirty="0">
+                <a:latin typeface="+mj-lt"/>
+              </a:rPr>
+              <a:t>Was ist Docker?</a:t>
+            </a:r>
+          </a:p>
+        </p:txBody>
+      </p:sp>
+      <p:sp>
+        <p:nvSpPr>
+          <p:cNvPr id="3" name="Textfeld 2">
+            <a:extLst>
+              <a:ext uri="{FF2B5EF4-FFF2-40B4-BE49-F238E27FC236}">
+                <a16:creationId xmlns:a16="http://schemas.microsoft.com/office/drawing/2014/main" id="{D0236CFD-B41F-DABC-4D5F-0344674D3153}"/>
+              </a:ext>
+            </a:extLst>
+          </p:cNvPr>
+          <p:cNvSpPr txBox="1"/>
+          <p:nvPr/>
+        </p:nvSpPr>
+        <p:spPr bwMode="auto">
+          <a:xfrm>
+            <a:off x="323528" y="2420888"/>
+            <a:ext cx="8534722" cy="1015663"/>
+          </a:xfrm>
+          <a:prstGeom prst="rect">
+            <a:avLst/>
+          </a:prstGeom>
+          <a:noFill/>
+          <a:ln w="9525">
+            <a:noFill/>
+            <a:miter lim="800000"/>
+            <a:headEnd/>
+            <a:tailEnd/>
+          </a:ln>
+        </p:spPr>
+        <p:txBody>
+          <a:bodyPr wrap="square" rtlCol="0" anchor="t" anchorCtr="0">
+            <a:spAutoFit/>
+          </a:bodyPr>
+          <a:lstStyle/>
+          <a:p>
+            <a:pPr marL="285750" indent="-285750" eaLnBrk="1" hangingPunct="1">
+              <a:buFont typeface="Arial" panose="020B0604020202020204" pitchFamily="34" charset="0"/>
+              <a:buChar char="•"/>
+            </a:pPr>
+            <a:r>
+              <a:rPr lang="en-US" sz="2000" dirty="0" err="1">
+                <a:latin typeface="Arial" charset="0"/>
+              </a:rPr>
+              <a:t>Hilft</a:t>
+            </a:r>
+            <a:r>
+              <a:rPr lang="en-US" sz="2000" dirty="0">
+                <a:latin typeface="Arial" charset="0"/>
+              </a:rPr>
+              <a:t> </a:t>
+            </a:r>
+            <a:r>
+              <a:rPr lang="en-US" sz="2000" dirty="0" err="1">
+                <a:latin typeface="Arial" charset="0"/>
+              </a:rPr>
+              <a:t>beim</a:t>
+            </a:r>
+            <a:r>
+              <a:rPr lang="en-US" sz="2000" dirty="0">
+                <a:latin typeface="Arial" charset="0"/>
+              </a:rPr>
+              <a:t> </a:t>
+            </a:r>
+            <a:r>
+              <a:rPr lang="en-US" sz="2000" dirty="0" err="1">
+                <a:latin typeface="Arial" charset="0"/>
+              </a:rPr>
+              <a:t>Bauen</a:t>
+            </a:r>
+            <a:r>
+              <a:rPr lang="en-US" sz="2000" dirty="0">
+                <a:latin typeface="Arial" charset="0"/>
+              </a:rPr>
+              <a:t>, </a:t>
+            </a:r>
+            <a:r>
+              <a:rPr lang="en-US" sz="2000" dirty="0" err="1">
+                <a:latin typeface="Arial" charset="0"/>
+              </a:rPr>
+              <a:t>Veröffentlichen</a:t>
+            </a:r>
+            <a:r>
+              <a:rPr lang="en-US" sz="2000" dirty="0">
+                <a:latin typeface="Arial" charset="0"/>
+              </a:rPr>
+              <a:t> und </a:t>
+            </a:r>
+            <a:r>
+              <a:rPr lang="en-US" sz="2000" dirty="0" err="1">
+                <a:latin typeface="Arial" charset="0"/>
+              </a:rPr>
+              <a:t>Ausführen</a:t>
+            </a:r>
+            <a:r>
+              <a:rPr lang="en-US" sz="2000" dirty="0">
+                <a:latin typeface="Arial" charset="0"/>
+              </a:rPr>
+              <a:t> von Software </a:t>
+            </a:r>
+          </a:p>
+          <a:p>
+            <a:pPr marL="285750" indent="-285750" eaLnBrk="1" hangingPunct="1">
+              <a:buFont typeface="Arial" panose="020B0604020202020204" pitchFamily="34" charset="0"/>
+              <a:buChar char="•"/>
+            </a:pPr>
+            <a:r>
+              <a:rPr lang="en-US" sz="2000" dirty="0" err="1">
+                <a:latin typeface="Arial" charset="0"/>
+              </a:rPr>
+              <a:t>Containerisierung</a:t>
+            </a:r>
+            <a:endParaRPr lang="en-US" sz="2000" dirty="0">
+              <a:latin typeface="Arial" charset="0"/>
+            </a:endParaRPr>
+          </a:p>
+          <a:p>
+            <a:pPr marL="285750" indent="-285750" eaLnBrk="1" hangingPunct="1">
+              <a:buFont typeface="Arial" panose="020B0604020202020204" pitchFamily="34" charset="0"/>
+              <a:buChar char="•"/>
+            </a:pPr>
+            <a:r>
+              <a:rPr lang="de-DE" sz="2000" dirty="0">
+                <a:latin typeface="Arial" charset="0"/>
+              </a:rPr>
+              <a:t>Verringert die Arbeit für </a:t>
+            </a:r>
+            <a:r>
+              <a:rPr lang="de-DE" sz="2000" dirty="0" err="1">
+                <a:latin typeface="Arial" charset="0"/>
+              </a:rPr>
+              <a:t>Umgebunsmanagement</a:t>
+            </a:r>
+            <a:r>
+              <a:rPr lang="de-DE" sz="2000" dirty="0">
+                <a:latin typeface="Arial" charset="0"/>
+              </a:rPr>
+              <a:t> und -konfiguration</a:t>
+            </a:r>
+          </a:p>
+        </p:txBody>
+      </p:sp>
     </p:spTree>
     <p:extLst>
       <p:ext uri="{BB962C8B-B14F-4D97-AF65-F5344CB8AC3E}">
-        <p14:creationId xmlns:p14="http://schemas.microsoft.com/office/powerpoint/2010/main" val="4290725387"/>
+        <p14:creationId xmlns:p14="http://schemas.microsoft.com/office/powerpoint/2010/main" val="201815292"/>
       </p:ext>
     </p:extLst>
   </p:cSld>
@@ -3934,12 +5917,938 @@
           </a:p>
         </p:txBody>
       </p:sp>
+      <p:pic>
+        <p:nvPicPr>
+          <p:cNvPr id="3" name="Inhaltsplatzhalter 2" descr="Ein Bild, das Behälter, Frachtcontainer, Frachtverkehr, Warenladung enthält.&#10;&#10;Automatisch generierte Beschreibung">
+            <a:extLst>
+              <a:ext uri="{FF2B5EF4-FFF2-40B4-BE49-F238E27FC236}">
+                <a16:creationId xmlns:a16="http://schemas.microsoft.com/office/drawing/2014/main" id="{E5B7AAEB-1A49-AE18-F67D-D84291F157CE}"/>
+              </a:ext>
+            </a:extLst>
+          </p:cNvPr>
+          <p:cNvPicPr>
+            <a:picLocks noGrp="1" noChangeAspect="1"/>
+          </p:cNvPicPr>
+          <p:nvPr>
+            <p:ph idx="1"/>
+          </p:nvPr>
+        </p:nvPicPr>
+        <p:blipFill>
+          <a:blip r:embed="rId2">
+            <a:extLst>
+              <a:ext uri="{28A0092B-C50C-407E-A947-70E740481C1C}">
+                <a14:useLocalDpi xmlns:a14="http://schemas.microsoft.com/office/drawing/2010/main" val="0"/>
+              </a:ext>
+            </a:extLst>
+          </a:blip>
+          <a:stretch>
+            <a:fillRect/>
+          </a:stretch>
+        </p:blipFill>
+        <p:spPr>
+          <a:xfrm>
+            <a:off x="5324078" y="2090253"/>
+            <a:ext cx="3628725" cy="2778907"/>
+          </a:xfrm>
+        </p:spPr>
+      </p:pic>
       <p:sp>
         <p:nvSpPr>
-          <p:cNvPr id="7171" name="Inhaltsplatzhalter 2">
+          <p:cNvPr id="4" name="Textfeld 3">
             <a:extLst>
               <a:ext uri="{FF2B5EF4-FFF2-40B4-BE49-F238E27FC236}">
-                <a16:creationId xmlns:a16="http://schemas.microsoft.com/office/drawing/2014/main" id="{D6605F78-5E9C-5D95-A6D0-E28F30A480AF}"/>
+                <a16:creationId xmlns:a16="http://schemas.microsoft.com/office/drawing/2014/main" id="{B57C217B-AE9D-1939-B9B1-34E3FCB657EC}"/>
+              </a:ext>
+            </a:extLst>
+          </p:cNvPr>
+          <p:cNvSpPr txBox="1"/>
+          <p:nvPr/>
+        </p:nvSpPr>
+        <p:spPr bwMode="auto">
+          <a:xfrm>
+            <a:off x="323528" y="1181364"/>
+            <a:ext cx="8496944" cy="584775"/>
+          </a:xfrm>
+          <a:prstGeom prst="rect">
+            <a:avLst/>
+          </a:prstGeom>
+          <a:noFill/>
+          <a:ln w="9525">
+            <a:noFill/>
+            <a:miter lim="800000"/>
+            <a:headEnd/>
+            <a:tailEnd/>
+          </a:ln>
+        </p:spPr>
+        <p:txBody>
+          <a:bodyPr wrap="square" rtlCol="0" anchor="ctr">
+            <a:spAutoFit/>
+          </a:bodyPr>
+          <a:lstStyle/>
+          <a:p>
+            <a:pPr algn="ctr" eaLnBrk="1" hangingPunct="1"/>
+            <a:r>
+              <a:rPr lang="de-DE" sz="3200" dirty="0">
+                <a:latin typeface="+mj-lt"/>
+              </a:rPr>
+              <a:t>Was ist ein Container?</a:t>
+            </a:r>
+          </a:p>
+        </p:txBody>
+      </p:sp>
+      <p:sp>
+        <p:nvSpPr>
+          <p:cNvPr id="6" name="Textfeld 5">
+            <a:extLst>
+              <a:ext uri="{FF2B5EF4-FFF2-40B4-BE49-F238E27FC236}">
+                <a16:creationId xmlns:a16="http://schemas.microsoft.com/office/drawing/2014/main" id="{9CD25E95-B8E7-9391-5FA5-E84D7322D248}"/>
+              </a:ext>
+            </a:extLst>
+          </p:cNvPr>
+          <p:cNvSpPr txBox="1"/>
+          <p:nvPr/>
+        </p:nvSpPr>
+        <p:spPr bwMode="auto">
+          <a:xfrm>
+            <a:off x="461764" y="2459505"/>
+            <a:ext cx="4862314" cy="1938992"/>
+          </a:xfrm>
+          <a:prstGeom prst="rect">
+            <a:avLst/>
+          </a:prstGeom>
+          <a:noFill/>
+          <a:ln w="9525">
+            <a:noFill/>
+            <a:miter lim="800000"/>
+            <a:headEnd/>
+            <a:tailEnd/>
+          </a:ln>
+        </p:spPr>
+        <p:txBody>
+          <a:bodyPr wrap="square" rtlCol="0" anchor="ctr">
+            <a:spAutoFit/>
+          </a:bodyPr>
+          <a:lstStyle/>
+          <a:p>
+            <a:pPr marL="342900" indent="-342900" eaLnBrk="1" hangingPunct="1">
+              <a:buFont typeface="Arial" panose="020B0604020202020204" pitchFamily="34" charset="0"/>
+              <a:buChar char="•"/>
+            </a:pPr>
+            <a:r>
+              <a:rPr lang="de-DE" sz="2000" dirty="0">
+                <a:latin typeface="Arial" charset="0"/>
+              </a:rPr>
+              <a:t>Virtuelle Umgebung für Software</a:t>
+            </a:r>
+          </a:p>
+          <a:p>
+            <a:pPr marL="342900" indent="-342900" eaLnBrk="1" hangingPunct="1">
+              <a:buFont typeface="Arial" panose="020B0604020202020204" pitchFamily="34" charset="0"/>
+              <a:buChar char="•"/>
+            </a:pPr>
+            <a:r>
+              <a:rPr lang="de-DE" sz="2000" dirty="0">
+                <a:latin typeface="Arial" charset="0"/>
+              </a:rPr>
+              <a:t>Klein und Lightweight</a:t>
+            </a:r>
+          </a:p>
+          <a:p>
+            <a:pPr marL="342900" indent="-342900" eaLnBrk="1" hangingPunct="1">
+              <a:buFont typeface="Arial" panose="020B0604020202020204" pitchFamily="34" charset="0"/>
+              <a:buChar char="•"/>
+            </a:pPr>
+            <a:r>
+              <a:rPr lang="de-DE" sz="2000" dirty="0">
+                <a:latin typeface="Arial" charset="0"/>
+              </a:rPr>
+              <a:t>Abgekapselt</a:t>
+            </a:r>
+          </a:p>
+          <a:p>
+            <a:pPr marL="342900" indent="-342900" eaLnBrk="1" hangingPunct="1">
+              <a:buFont typeface="Arial" panose="020B0604020202020204" pitchFamily="34" charset="0"/>
+              <a:buChar char="•"/>
+            </a:pPr>
+            <a:r>
+              <a:rPr lang="de-DE" sz="2000" dirty="0">
+                <a:latin typeface="Arial" charset="0"/>
+              </a:rPr>
+              <a:t>Eigenes Dateisystem</a:t>
+            </a:r>
+          </a:p>
+          <a:p>
+            <a:pPr marL="342900" indent="-342900" eaLnBrk="1" hangingPunct="1">
+              <a:buFont typeface="Arial" panose="020B0604020202020204" pitchFamily="34" charset="0"/>
+              <a:buChar char="•"/>
+            </a:pPr>
+            <a:r>
+              <a:rPr lang="de-DE" sz="2000" dirty="0">
+                <a:latin typeface="Arial" charset="0"/>
+              </a:rPr>
+              <a:t>Performant</a:t>
+            </a:r>
+          </a:p>
+          <a:p>
+            <a:pPr marL="342900" indent="-342900" eaLnBrk="1" hangingPunct="1">
+              <a:buFont typeface="Arial" panose="020B0604020202020204" pitchFamily="34" charset="0"/>
+              <a:buChar char="•"/>
+            </a:pPr>
+            <a:r>
+              <a:rPr lang="de-DE" sz="2000" dirty="0">
+                <a:latin typeface="Arial" charset="0"/>
+              </a:rPr>
+              <a:t>Betriebssystemunabhängig</a:t>
+            </a:r>
+          </a:p>
+        </p:txBody>
+      </p:sp>
+    </p:spTree>
+    <p:extLst>
+      <p:ext uri="{BB962C8B-B14F-4D97-AF65-F5344CB8AC3E}">
+        <p14:creationId xmlns:p14="http://schemas.microsoft.com/office/powerpoint/2010/main" val="1437393746"/>
+      </p:ext>
+    </p:extLst>
+  </p:cSld>
+  <p:clrMapOvr>
+    <a:masterClrMapping/>
+  </p:clrMapOvr>
+</p:sld>
+</file>
+
+<file path=ppt/slides/slide5.xml><?xml version="1.0" encoding="utf-8"?>
+<p:sld xmlns:a="http://schemas.openxmlformats.org/drawingml/2006/main" xmlns:r="http://schemas.openxmlformats.org/officeDocument/2006/relationships" xmlns:p="http://schemas.openxmlformats.org/presentationml/2006/main">
+  <p:cSld>
+    <p:spTree>
+      <p:nvGrpSpPr>
+        <p:cNvPr id="1" name=""/>
+        <p:cNvGrpSpPr/>
+        <p:nvPr/>
+      </p:nvGrpSpPr>
+      <p:grpSpPr>
+        <a:xfrm>
+          <a:off x="0" y="0"/>
+          <a:ext cx="0" cy="0"/>
+          <a:chOff x="0" y="0"/>
+          <a:chExt cx="0" cy="0"/>
+        </a:xfrm>
+      </p:grpSpPr>
+      <p:sp>
+        <p:nvSpPr>
+          <p:cNvPr id="7170" name="Titel 1">
+            <a:extLst>
+              <a:ext uri="{FF2B5EF4-FFF2-40B4-BE49-F238E27FC236}">
+                <a16:creationId xmlns:a16="http://schemas.microsoft.com/office/drawing/2014/main" id="{14166EE9-31F6-1432-6B4F-746369646516}"/>
+              </a:ext>
+            </a:extLst>
+          </p:cNvPr>
+          <p:cNvSpPr>
+            <a:spLocks noGrp="1"/>
+          </p:cNvSpPr>
+          <p:nvPr>
+            <p:ph type="title"/>
+          </p:nvPr>
+        </p:nvSpPr>
+        <p:spPr>
+          <a:xfrm>
+            <a:off x="285750" y="150813"/>
+            <a:ext cx="5554663" cy="706437"/>
+          </a:xfrm>
+        </p:spPr>
+        <p:txBody>
+          <a:bodyPr/>
+          <a:lstStyle/>
+          <a:p>
+            <a:r>
+              <a:rPr lang="de-DE" altLang="de-DE" dirty="0"/>
+              <a:t>Lokale Entwicklung mit Docker</a:t>
+            </a:r>
+          </a:p>
+        </p:txBody>
+      </p:sp>
+      <p:pic>
+        <p:nvPicPr>
+          <p:cNvPr id="3" name="Inhaltsplatzhalter 2" descr="Ein Bild, das Behälter, Frachtcontainer, Frachtverkehr, Warenladung enthält.&#10;&#10;Automatisch generierte Beschreibung">
+            <a:extLst>
+              <a:ext uri="{FF2B5EF4-FFF2-40B4-BE49-F238E27FC236}">
+                <a16:creationId xmlns:a16="http://schemas.microsoft.com/office/drawing/2014/main" id="{E5B7AAEB-1A49-AE18-F67D-D84291F157CE}"/>
+              </a:ext>
+            </a:extLst>
+          </p:cNvPr>
+          <p:cNvPicPr>
+            <a:picLocks noGrp="1" noChangeAspect="1"/>
+          </p:cNvPicPr>
+          <p:nvPr>
+            <p:ph idx="1"/>
+          </p:nvPr>
+        </p:nvPicPr>
+        <p:blipFill>
+          <a:blip r:embed="rId2">
+            <a:extLst>
+              <a:ext uri="{28A0092B-C50C-407E-A947-70E740481C1C}">
+                <a14:useLocalDpi xmlns:a14="http://schemas.microsoft.com/office/drawing/2010/main" val="0"/>
+              </a:ext>
+            </a:extLst>
+          </a:blip>
+          <a:stretch>
+            <a:fillRect/>
+          </a:stretch>
+        </p:blipFill>
+        <p:spPr>
+          <a:xfrm>
+            <a:off x="5324078" y="2090253"/>
+            <a:ext cx="3628725" cy="2778907"/>
+          </a:xfrm>
+        </p:spPr>
+      </p:pic>
+      <p:sp>
+        <p:nvSpPr>
+          <p:cNvPr id="4" name="Textfeld 3">
+            <a:extLst>
+              <a:ext uri="{FF2B5EF4-FFF2-40B4-BE49-F238E27FC236}">
+                <a16:creationId xmlns:a16="http://schemas.microsoft.com/office/drawing/2014/main" id="{B57C217B-AE9D-1939-B9B1-34E3FCB657EC}"/>
+              </a:ext>
+            </a:extLst>
+          </p:cNvPr>
+          <p:cNvSpPr txBox="1"/>
+          <p:nvPr/>
+        </p:nvSpPr>
+        <p:spPr bwMode="auto">
+          <a:xfrm>
+            <a:off x="323528" y="1181364"/>
+            <a:ext cx="8496944" cy="584775"/>
+          </a:xfrm>
+          <a:prstGeom prst="rect">
+            <a:avLst/>
+          </a:prstGeom>
+          <a:noFill/>
+          <a:ln w="9525">
+            <a:noFill/>
+            <a:miter lim="800000"/>
+            <a:headEnd/>
+            <a:tailEnd/>
+          </a:ln>
+        </p:spPr>
+        <p:txBody>
+          <a:bodyPr wrap="square" rtlCol="0" anchor="ctr">
+            <a:spAutoFit/>
+          </a:bodyPr>
+          <a:lstStyle/>
+          <a:p>
+            <a:pPr algn="ctr" eaLnBrk="1" hangingPunct="1"/>
+            <a:r>
+              <a:rPr lang="de-DE" sz="3200" dirty="0">
+                <a:latin typeface="+mj-lt"/>
+              </a:rPr>
+              <a:t>Was ist ein Image?</a:t>
+            </a:r>
+          </a:p>
+        </p:txBody>
+      </p:sp>
+      <p:sp>
+        <p:nvSpPr>
+          <p:cNvPr id="6" name="Textfeld 5">
+            <a:extLst>
+              <a:ext uri="{FF2B5EF4-FFF2-40B4-BE49-F238E27FC236}">
+                <a16:creationId xmlns:a16="http://schemas.microsoft.com/office/drawing/2014/main" id="{9CD25E95-B8E7-9391-5FA5-E84D7322D248}"/>
+              </a:ext>
+            </a:extLst>
+          </p:cNvPr>
+          <p:cNvSpPr txBox="1"/>
+          <p:nvPr/>
+        </p:nvSpPr>
+        <p:spPr bwMode="auto">
+          <a:xfrm>
+            <a:off x="461764" y="2767282"/>
+            <a:ext cx="4862314" cy="1323439"/>
+          </a:xfrm>
+          <a:prstGeom prst="rect">
+            <a:avLst/>
+          </a:prstGeom>
+          <a:noFill/>
+          <a:ln w="9525">
+            <a:noFill/>
+            <a:miter lim="800000"/>
+            <a:headEnd/>
+            <a:tailEnd/>
+          </a:ln>
+        </p:spPr>
+        <p:txBody>
+          <a:bodyPr wrap="square" rtlCol="0" anchor="ctr">
+            <a:spAutoFit/>
+          </a:bodyPr>
+          <a:lstStyle/>
+          <a:p>
+            <a:pPr marL="342900" indent="-342900" eaLnBrk="1" hangingPunct="1">
+              <a:buFont typeface="Arial" panose="020B0604020202020204" pitchFamily="34" charset="0"/>
+              <a:buChar char="•"/>
+            </a:pPr>
+            <a:r>
+              <a:rPr lang="de-DE" sz="2000" dirty="0">
+                <a:latin typeface="Arial" charset="0"/>
+              </a:rPr>
+              <a:t>„Bauanleitung für Container“</a:t>
+            </a:r>
+          </a:p>
+          <a:p>
+            <a:pPr marL="342900" indent="-342900" eaLnBrk="1" hangingPunct="1">
+              <a:buFont typeface="Arial" panose="020B0604020202020204" pitchFamily="34" charset="0"/>
+              <a:buChar char="•"/>
+            </a:pPr>
+            <a:r>
+              <a:rPr lang="de-DE" sz="2000" dirty="0">
+                <a:latin typeface="Arial" charset="0"/>
+              </a:rPr>
+              <a:t>Ein Image, viele Container</a:t>
+            </a:r>
+          </a:p>
+          <a:p>
+            <a:pPr marL="342900" indent="-342900" eaLnBrk="1" hangingPunct="1">
+              <a:buFont typeface="Arial" panose="020B0604020202020204" pitchFamily="34" charset="0"/>
+              <a:buChar char="•"/>
+            </a:pPr>
+            <a:r>
+              <a:rPr lang="de-DE" sz="2000" dirty="0">
+                <a:latin typeface="Arial" charset="0"/>
+              </a:rPr>
+              <a:t>Werden in Schichten gebaut</a:t>
+            </a:r>
+          </a:p>
+          <a:p>
+            <a:pPr marL="342900" indent="-342900" eaLnBrk="1" hangingPunct="1">
+              <a:buFont typeface="Arial" panose="020B0604020202020204" pitchFamily="34" charset="0"/>
+              <a:buChar char="•"/>
+            </a:pPr>
+            <a:r>
+              <a:rPr lang="de-DE" sz="2000" dirty="0">
+                <a:latin typeface="Arial" charset="0"/>
+              </a:rPr>
+              <a:t>Basieren auf anderen Images</a:t>
+            </a:r>
+          </a:p>
+        </p:txBody>
+      </p:sp>
+    </p:spTree>
+    <p:extLst>
+      <p:ext uri="{BB962C8B-B14F-4D97-AF65-F5344CB8AC3E}">
+        <p14:creationId xmlns:p14="http://schemas.microsoft.com/office/powerpoint/2010/main" val="2158894280"/>
+      </p:ext>
+    </p:extLst>
+  </p:cSld>
+  <p:clrMapOvr>
+    <a:masterClrMapping/>
+  </p:clrMapOvr>
+</p:sld>
+</file>
+
+<file path=ppt/slides/slide6.xml><?xml version="1.0" encoding="utf-8"?>
+<p:sld xmlns:a="http://schemas.openxmlformats.org/drawingml/2006/main" xmlns:r="http://schemas.openxmlformats.org/officeDocument/2006/relationships" xmlns:p="http://schemas.openxmlformats.org/presentationml/2006/main">
+  <p:cSld>
+    <p:spTree>
+      <p:nvGrpSpPr>
+        <p:cNvPr id="1" name=""/>
+        <p:cNvGrpSpPr/>
+        <p:nvPr/>
+      </p:nvGrpSpPr>
+      <p:grpSpPr>
+        <a:xfrm>
+          <a:off x="0" y="0"/>
+          <a:ext cx="0" cy="0"/>
+          <a:chOff x="0" y="0"/>
+          <a:chExt cx="0" cy="0"/>
+        </a:xfrm>
+      </p:grpSpPr>
+      <p:sp>
+        <p:nvSpPr>
+          <p:cNvPr id="2" name="Titel 1">
+            <a:extLst>
+              <a:ext uri="{FF2B5EF4-FFF2-40B4-BE49-F238E27FC236}">
+                <a16:creationId xmlns:a16="http://schemas.microsoft.com/office/drawing/2014/main" id="{C0DE4A83-84EC-B82D-E998-FF915EC6EEE7}"/>
+              </a:ext>
+            </a:extLst>
+          </p:cNvPr>
+          <p:cNvSpPr>
+            <a:spLocks noGrp="1"/>
+          </p:cNvSpPr>
+          <p:nvPr>
+            <p:ph type="title"/>
+          </p:nvPr>
+        </p:nvSpPr>
+        <p:spPr/>
+        <p:txBody>
+          <a:bodyPr/>
+          <a:lstStyle/>
+          <a:p>
+            <a:r>
+              <a:rPr lang="de-DE" dirty="0"/>
+              <a:t>Lokale Entwicklung mit Docker</a:t>
+            </a:r>
+          </a:p>
+        </p:txBody>
+      </p:sp>
+      <p:pic>
+        <p:nvPicPr>
+          <p:cNvPr id="5" name="Inhaltsplatzhalter 4" descr="Ein Bild, das computer, Computer, Kleidung, Kerze enthält.&#10;&#10;Automatisch generierte Beschreibung">
+            <a:extLst>
+              <a:ext uri="{FF2B5EF4-FFF2-40B4-BE49-F238E27FC236}">
+                <a16:creationId xmlns:a16="http://schemas.microsoft.com/office/drawing/2014/main" id="{CEC9D8F3-E757-9742-C99C-C76831B3A640}"/>
+              </a:ext>
+            </a:extLst>
+          </p:cNvPr>
+          <p:cNvPicPr>
+            <a:picLocks noGrp="1" noChangeAspect="1"/>
+          </p:cNvPicPr>
+          <p:nvPr>
+            <p:ph idx="1"/>
+          </p:nvPr>
+        </p:nvPicPr>
+        <p:blipFill>
+          <a:blip r:embed="rId2">
+            <a:extLst>
+              <a:ext uri="{28A0092B-C50C-407E-A947-70E740481C1C}">
+                <a14:useLocalDpi xmlns:a14="http://schemas.microsoft.com/office/drawing/2010/main" val="0"/>
+              </a:ext>
+            </a:extLst>
+          </a:blip>
+          <a:stretch>
+            <a:fillRect/>
+          </a:stretch>
+        </p:blipFill>
+        <p:spPr>
+          <a:xfrm>
+            <a:off x="2877218" y="3933056"/>
+            <a:ext cx="3389563" cy="2259709"/>
+          </a:xfrm>
+          <a:effectLst>
+            <a:softEdge rad="63500"/>
+          </a:effectLst>
+        </p:spPr>
+      </p:pic>
+      <p:sp>
+        <p:nvSpPr>
+          <p:cNvPr id="6" name="Textfeld 5">
+            <a:extLst>
+              <a:ext uri="{FF2B5EF4-FFF2-40B4-BE49-F238E27FC236}">
+                <a16:creationId xmlns:a16="http://schemas.microsoft.com/office/drawing/2014/main" id="{62267565-4AF6-DA11-63DA-6BB776EA46B1}"/>
+              </a:ext>
+            </a:extLst>
+          </p:cNvPr>
+          <p:cNvSpPr txBox="1"/>
+          <p:nvPr/>
+        </p:nvSpPr>
+        <p:spPr bwMode="auto">
+          <a:xfrm>
+            <a:off x="1007603" y="1058504"/>
+            <a:ext cx="7128792" cy="584775"/>
+          </a:xfrm>
+          <a:prstGeom prst="rect">
+            <a:avLst/>
+          </a:prstGeom>
+          <a:noFill/>
+          <a:ln w="9525">
+            <a:noFill/>
+            <a:miter lim="800000"/>
+            <a:headEnd/>
+            <a:tailEnd/>
+          </a:ln>
+        </p:spPr>
+        <p:txBody>
+          <a:bodyPr wrap="square" rtlCol="0" anchor="ctr">
+            <a:spAutoFit/>
+          </a:bodyPr>
+          <a:lstStyle/>
+          <a:p>
+            <a:pPr algn="ctr" eaLnBrk="1" hangingPunct="1"/>
+            <a:r>
+              <a:rPr lang="de-DE" sz="3200" dirty="0">
+                <a:latin typeface="Arial" charset="0"/>
+              </a:rPr>
+              <a:t>Installation</a:t>
+            </a:r>
+          </a:p>
+        </p:txBody>
+      </p:sp>
+      <p:sp>
+        <p:nvSpPr>
+          <p:cNvPr id="7" name="Textfeld 6">
+            <a:extLst>
+              <a:ext uri="{FF2B5EF4-FFF2-40B4-BE49-F238E27FC236}">
+                <a16:creationId xmlns:a16="http://schemas.microsoft.com/office/drawing/2014/main" id="{C01A366D-2B42-0C82-3243-4264BCF2A98D}"/>
+              </a:ext>
+            </a:extLst>
+          </p:cNvPr>
+          <p:cNvSpPr txBox="1"/>
+          <p:nvPr/>
+        </p:nvSpPr>
+        <p:spPr bwMode="auto">
+          <a:xfrm>
+            <a:off x="1349640" y="1844533"/>
+            <a:ext cx="6444717" cy="1477328"/>
+          </a:xfrm>
+          <a:prstGeom prst="rect">
+            <a:avLst/>
+          </a:prstGeom>
+          <a:noFill/>
+          <a:ln w="9525">
+            <a:noFill/>
+            <a:miter lim="800000"/>
+            <a:headEnd/>
+            <a:tailEnd/>
+          </a:ln>
+        </p:spPr>
+        <p:txBody>
+          <a:bodyPr wrap="square" rtlCol="0" anchor="t" anchorCtr="0">
+            <a:spAutoFit/>
+          </a:bodyPr>
+          <a:lstStyle/>
+          <a:p>
+            <a:pPr marL="285750" indent="-285750" eaLnBrk="1" hangingPunct="1">
+              <a:buFont typeface="Arial" panose="020B0604020202020204" pitchFamily="34" charset="0"/>
+              <a:buChar char="•"/>
+            </a:pPr>
+            <a:r>
+              <a:rPr lang="de-DE" sz="1800" dirty="0">
+                <a:latin typeface="Arial" charset="0"/>
+              </a:rPr>
+              <a:t>Plattformabhängig</a:t>
+            </a:r>
+          </a:p>
+          <a:p>
+            <a:pPr marL="285750" indent="-285750" eaLnBrk="1" hangingPunct="1">
+              <a:buFont typeface="Arial" panose="020B0604020202020204" pitchFamily="34" charset="0"/>
+              <a:buChar char="•"/>
+            </a:pPr>
+            <a:r>
+              <a:rPr lang="de-DE" sz="1800" dirty="0">
+                <a:latin typeface="Arial" charset="0"/>
+              </a:rPr>
+              <a:t>Anleitungen in der Dokumentation</a:t>
+            </a:r>
+          </a:p>
+          <a:p>
+            <a:pPr marL="285750" indent="-285750" eaLnBrk="1" hangingPunct="1">
+              <a:buFont typeface="Arial" panose="020B0604020202020204" pitchFamily="34" charset="0"/>
+              <a:buChar char="•"/>
+            </a:pPr>
+            <a:r>
+              <a:rPr lang="de-DE" sz="1800" dirty="0">
+                <a:latin typeface="Arial" charset="0"/>
+                <a:hlinkClick r:id="rId3"/>
+              </a:rPr>
+              <a:t>https://docs.docker.com/desktop/install/linux-install/</a:t>
+            </a:r>
+            <a:endParaRPr lang="de-DE" sz="1800" dirty="0">
+              <a:latin typeface="Arial" charset="0"/>
+            </a:endParaRPr>
+          </a:p>
+          <a:p>
+            <a:pPr marL="285750" indent="-285750" eaLnBrk="1" hangingPunct="1">
+              <a:buFont typeface="Arial" panose="020B0604020202020204" pitchFamily="34" charset="0"/>
+              <a:buChar char="•"/>
+            </a:pPr>
+            <a:r>
+              <a:rPr lang="de-DE" sz="1800" dirty="0">
+                <a:latin typeface="Arial" charset="0"/>
+                <a:hlinkClick r:id="rId4"/>
+              </a:rPr>
+              <a:t>https://docs.docker.com/desktop/install/windows-install/</a:t>
+            </a:r>
+            <a:endParaRPr lang="de-DE" sz="1800" dirty="0">
+              <a:latin typeface="Arial" charset="0"/>
+            </a:endParaRPr>
+          </a:p>
+          <a:p>
+            <a:pPr marL="285750" indent="-285750" eaLnBrk="1" hangingPunct="1">
+              <a:buFont typeface="Arial" panose="020B0604020202020204" pitchFamily="34" charset="0"/>
+              <a:buChar char="•"/>
+            </a:pPr>
+            <a:r>
+              <a:rPr lang="de-DE" sz="1800" dirty="0">
+                <a:latin typeface="Arial" charset="0"/>
+                <a:hlinkClick r:id="rId5"/>
+              </a:rPr>
+              <a:t>https://docs.docker.com/desktop/install/mac-install/</a:t>
+            </a:r>
+            <a:r>
+              <a:rPr lang="de-DE" sz="1800" dirty="0">
+                <a:latin typeface="Arial" charset="0"/>
+              </a:rPr>
+              <a:t> </a:t>
+            </a:r>
+          </a:p>
+        </p:txBody>
+      </p:sp>
+      <p:sp>
+        <p:nvSpPr>
+          <p:cNvPr id="8" name="Titel 1">
+            <a:extLst>
+              <a:ext uri="{FF2B5EF4-FFF2-40B4-BE49-F238E27FC236}">
+                <a16:creationId xmlns:a16="http://schemas.microsoft.com/office/drawing/2014/main" id="{36737A79-D19F-A316-116A-2CE10326A651}"/>
+              </a:ext>
+            </a:extLst>
+          </p:cNvPr>
+          <p:cNvSpPr txBox="1">
+            <a:spLocks/>
+          </p:cNvSpPr>
+          <p:nvPr/>
+        </p:nvSpPr>
+        <p:spPr bwMode="auto">
+          <a:xfrm>
+            <a:off x="285750" y="150813"/>
+            <a:ext cx="5554663" cy="706437"/>
+          </a:xfrm>
+          <a:prstGeom prst="rect">
+            <a:avLst/>
+          </a:prstGeom>
+          <a:noFill/>
+          <a:ln>
+            <a:noFill/>
+          </a:ln>
+          <a:extLst>
+            <a:ext uri="{909E8E84-426E-40DD-AFC4-6F175D3DCCD1}">
+              <a14:hiddenFill xmlns:a14="http://schemas.microsoft.com/office/drawing/2010/main">
+                <a:solidFill>
+                  <a:srgbClr val="FFFFFF"/>
+                </a:solidFill>
+              </a14:hiddenFill>
+            </a:ext>
+            <a:ext uri="{91240B29-F687-4F45-9708-019B960494DF}">
+              <a14:hiddenLine xmlns:a14="http://schemas.microsoft.com/office/drawing/2010/main" w="9525">
+                <a:solidFill>
+                  <a:srgbClr val="000000"/>
+                </a:solidFill>
+                <a:miter lim="800000"/>
+                <a:headEnd/>
+                <a:tailEnd/>
+              </a14:hiddenLine>
+            </a:ext>
+          </a:extLst>
+        </p:spPr>
+        <p:txBody>
+          <a:bodyPr vert="horz" wrap="square" lIns="91440" tIns="45720" rIns="91440" bIns="45720" numCol="1" anchor="ctr" anchorCtr="0" compatLnSpc="1">
+            <a:prstTxWarp prst="textNoShape">
+              <a:avLst/>
+            </a:prstTxWarp>
+          </a:bodyPr>
+          <a:lstStyle>
+            <a:lvl1pPr algn="l" rtl="0" eaLnBrk="1" fontAlgn="base" hangingPunct="1">
+              <a:lnSpc>
+                <a:spcPct val="90000"/>
+              </a:lnSpc>
+              <a:spcBef>
+                <a:spcPct val="0"/>
+              </a:spcBef>
+              <a:spcAft>
+                <a:spcPct val="0"/>
+              </a:spcAft>
+              <a:defRPr sz="3000">
+                <a:solidFill>
+                  <a:srgbClr val="0D4F3C"/>
+                </a:solidFill>
+                <a:latin typeface="+mj-lt"/>
+                <a:ea typeface="+mj-ea"/>
+                <a:cs typeface="+mj-cs"/>
+              </a:defRPr>
+            </a:lvl1pPr>
+            <a:lvl2pPr algn="l" rtl="0" eaLnBrk="1" fontAlgn="base" hangingPunct="1">
+              <a:lnSpc>
+                <a:spcPct val="90000"/>
+              </a:lnSpc>
+              <a:spcBef>
+                <a:spcPct val="0"/>
+              </a:spcBef>
+              <a:spcAft>
+                <a:spcPct val="0"/>
+              </a:spcAft>
+              <a:defRPr sz="3000">
+                <a:solidFill>
+                  <a:srgbClr val="0D4F3C"/>
+                </a:solidFill>
+                <a:latin typeface="Arial" charset="0"/>
+              </a:defRPr>
+            </a:lvl2pPr>
+            <a:lvl3pPr algn="l" rtl="0" eaLnBrk="1" fontAlgn="base" hangingPunct="1">
+              <a:lnSpc>
+                <a:spcPct val="90000"/>
+              </a:lnSpc>
+              <a:spcBef>
+                <a:spcPct val="0"/>
+              </a:spcBef>
+              <a:spcAft>
+                <a:spcPct val="0"/>
+              </a:spcAft>
+              <a:defRPr sz="3000">
+                <a:solidFill>
+                  <a:srgbClr val="0D4F3C"/>
+                </a:solidFill>
+                <a:latin typeface="Arial" charset="0"/>
+              </a:defRPr>
+            </a:lvl3pPr>
+            <a:lvl4pPr algn="l" rtl="0" eaLnBrk="1" fontAlgn="base" hangingPunct="1">
+              <a:lnSpc>
+                <a:spcPct val="90000"/>
+              </a:lnSpc>
+              <a:spcBef>
+                <a:spcPct val="0"/>
+              </a:spcBef>
+              <a:spcAft>
+                <a:spcPct val="0"/>
+              </a:spcAft>
+              <a:defRPr sz="3000">
+                <a:solidFill>
+                  <a:srgbClr val="0D4F3C"/>
+                </a:solidFill>
+                <a:latin typeface="Arial" charset="0"/>
+              </a:defRPr>
+            </a:lvl4pPr>
+            <a:lvl5pPr algn="l" rtl="0" eaLnBrk="1" fontAlgn="base" hangingPunct="1">
+              <a:lnSpc>
+                <a:spcPct val="90000"/>
+              </a:lnSpc>
+              <a:spcBef>
+                <a:spcPct val="0"/>
+              </a:spcBef>
+              <a:spcAft>
+                <a:spcPct val="0"/>
+              </a:spcAft>
+              <a:defRPr sz="3000">
+                <a:solidFill>
+                  <a:srgbClr val="0D4F3C"/>
+                </a:solidFill>
+                <a:latin typeface="Arial" charset="0"/>
+              </a:defRPr>
+            </a:lvl5pPr>
+            <a:lvl6pPr marL="457200" algn="l" rtl="0" eaLnBrk="1" fontAlgn="base" hangingPunct="1">
+              <a:spcBef>
+                <a:spcPct val="0"/>
+              </a:spcBef>
+              <a:spcAft>
+                <a:spcPct val="0"/>
+              </a:spcAft>
+              <a:defRPr sz="3000">
+                <a:solidFill>
+                  <a:srgbClr val="0D4F3C"/>
+                </a:solidFill>
+                <a:latin typeface="Arial" charset="0"/>
+              </a:defRPr>
+            </a:lvl6pPr>
+            <a:lvl7pPr marL="914400" algn="l" rtl="0" eaLnBrk="1" fontAlgn="base" hangingPunct="1">
+              <a:spcBef>
+                <a:spcPct val="0"/>
+              </a:spcBef>
+              <a:spcAft>
+                <a:spcPct val="0"/>
+              </a:spcAft>
+              <a:defRPr sz="3000">
+                <a:solidFill>
+                  <a:srgbClr val="0D4F3C"/>
+                </a:solidFill>
+                <a:latin typeface="Arial" charset="0"/>
+              </a:defRPr>
+            </a:lvl7pPr>
+            <a:lvl8pPr marL="1371600" algn="l" rtl="0" eaLnBrk="1" fontAlgn="base" hangingPunct="1">
+              <a:spcBef>
+                <a:spcPct val="0"/>
+              </a:spcBef>
+              <a:spcAft>
+                <a:spcPct val="0"/>
+              </a:spcAft>
+              <a:defRPr sz="3000">
+                <a:solidFill>
+                  <a:srgbClr val="0D4F3C"/>
+                </a:solidFill>
+                <a:latin typeface="Arial" charset="0"/>
+              </a:defRPr>
+            </a:lvl8pPr>
+            <a:lvl9pPr marL="1828800" algn="l" rtl="0" eaLnBrk="1" fontAlgn="base" hangingPunct="1">
+              <a:spcBef>
+                <a:spcPct val="0"/>
+              </a:spcBef>
+              <a:spcAft>
+                <a:spcPct val="0"/>
+              </a:spcAft>
+              <a:defRPr sz="3000">
+                <a:solidFill>
+                  <a:srgbClr val="0D4F3C"/>
+                </a:solidFill>
+                <a:latin typeface="Arial" charset="0"/>
+              </a:defRPr>
+            </a:lvl9pPr>
+          </a:lstStyle>
+          <a:p>
+            <a:r>
+              <a:rPr lang="de-DE" altLang="de-DE" kern="0"/>
+              <a:t>Lokale Entwicklung mit Docker</a:t>
+            </a:r>
+            <a:endParaRPr lang="de-DE" altLang="de-DE" kern="0" dirty="0"/>
+          </a:p>
+        </p:txBody>
+      </p:sp>
+    </p:spTree>
+    <p:extLst>
+      <p:ext uri="{BB962C8B-B14F-4D97-AF65-F5344CB8AC3E}">
+        <p14:creationId xmlns:p14="http://schemas.microsoft.com/office/powerpoint/2010/main" val="904553298"/>
+      </p:ext>
+    </p:extLst>
+  </p:cSld>
+  <p:clrMapOvr>
+    <a:masterClrMapping/>
+  </p:clrMapOvr>
+</p:sld>
+</file>
+
+<file path=ppt/slides/slide7.xml><?xml version="1.0" encoding="utf-8"?>
+<p:sld xmlns:a="http://schemas.openxmlformats.org/drawingml/2006/main" xmlns:r="http://schemas.openxmlformats.org/officeDocument/2006/relationships" xmlns:p="http://schemas.openxmlformats.org/presentationml/2006/main">
+  <p:cSld>
+    <p:spTree>
+      <p:nvGrpSpPr>
+        <p:cNvPr id="1" name=""/>
+        <p:cNvGrpSpPr/>
+        <p:nvPr/>
+      </p:nvGrpSpPr>
+      <p:grpSpPr>
+        <a:xfrm>
+          <a:off x="0" y="0"/>
+          <a:ext cx="0" cy="0"/>
+          <a:chOff x="0" y="0"/>
+          <a:chExt cx="0" cy="0"/>
+        </a:xfrm>
+      </p:grpSpPr>
+      <p:sp>
+        <p:nvSpPr>
+          <p:cNvPr id="2" name="Titel 1">
+            <a:extLst>
+              <a:ext uri="{FF2B5EF4-FFF2-40B4-BE49-F238E27FC236}">
+                <a16:creationId xmlns:a16="http://schemas.microsoft.com/office/drawing/2014/main" id="{DCC790D7-E6E3-398A-4B67-16E1FB9913F6}"/>
+              </a:ext>
+            </a:extLst>
+          </p:cNvPr>
+          <p:cNvSpPr>
+            <a:spLocks noGrp="1"/>
+          </p:cNvSpPr>
+          <p:nvPr>
+            <p:ph type="title"/>
+          </p:nvPr>
+        </p:nvSpPr>
+        <p:spPr/>
+        <p:txBody>
+          <a:bodyPr/>
+          <a:lstStyle/>
+          <a:p>
+            <a:r>
+              <a:rPr lang="de-DE" altLang="de-DE" dirty="0"/>
+              <a:t>Lokale Entwicklung mit Docker</a:t>
+            </a:r>
+            <a:endParaRPr lang="de-DE" dirty="0"/>
+          </a:p>
+        </p:txBody>
+      </p:sp>
+      <p:sp>
+        <p:nvSpPr>
+          <p:cNvPr id="3" name="Inhaltsplatzhalter 2">
+            <a:extLst>
+              <a:ext uri="{FF2B5EF4-FFF2-40B4-BE49-F238E27FC236}">
+                <a16:creationId xmlns:a16="http://schemas.microsoft.com/office/drawing/2014/main" id="{684639B2-6C8D-6B20-E376-7BC7E127E617}"/>
               </a:ext>
             </a:extLst>
           </p:cNvPr>
@@ -3950,22 +6859,732 @@
             <p:ph idx="1"/>
           </p:nvPr>
         </p:nvSpPr>
+        <p:spPr>
+          <a:xfrm>
+            <a:off x="303213" y="2132856"/>
+            <a:ext cx="8516937" cy="1296144"/>
+          </a:xfrm>
+        </p:spPr>
+        <p:txBody>
+          <a:bodyPr/>
+          <a:lstStyle/>
+          <a:p>
+            <a:pPr>
+              <a:buFont typeface="Arial" panose="020B0604020202020204" pitchFamily="34" charset="0"/>
+              <a:buChar char="•"/>
+            </a:pPr>
+            <a:r>
+              <a:rPr lang="de-DE" dirty="0"/>
+              <a:t>Erstellung mittels </a:t>
+            </a:r>
+            <a:r>
+              <a:rPr lang="de-DE" dirty="0" err="1"/>
+              <a:t>Dockerfile</a:t>
+            </a:r>
+            <a:endParaRPr lang="de-DE" dirty="0"/>
+          </a:p>
+          <a:p>
+            <a:pPr>
+              <a:buFont typeface="Arial" panose="020B0604020202020204" pitchFamily="34" charset="0"/>
+              <a:buChar char="•"/>
+            </a:pPr>
+            <a:r>
+              <a:rPr lang="de-DE" dirty="0"/>
+              <a:t>Definiert die einzelnen Schichten</a:t>
+            </a:r>
+          </a:p>
+          <a:p>
+            <a:pPr>
+              <a:buFont typeface="Arial" panose="020B0604020202020204" pitchFamily="34" charset="0"/>
+              <a:buChar char="•"/>
+            </a:pPr>
+            <a:r>
+              <a:rPr lang="de-DE" dirty="0"/>
+              <a:t>Schichten werden </a:t>
+            </a:r>
+            <a:r>
+              <a:rPr lang="de-DE" dirty="0" err="1"/>
+              <a:t>gecached</a:t>
+            </a:r>
+            <a:endParaRPr lang="de-DE" dirty="0"/>
+          </a:p>
+          <a:p>
+            <a:pPr marL="0" indent="0">
+              <a:buNone/>
+            </a:pPr>
+            <a:endParaRPr lang="de-DE" dirty="0"/>
+          </a:p>
+          <a:p>
+            <a:pPr>
+              <a:buFont typeface="Arial" panose="020B0604020202020204" pitchFamily="34" charset="0"/>
+              <a:buChar char="•"/>
+            </a:pPr>
+            <a:endParaRPr lang="de-DE" dirty="0"/>
+          </a:p>
+        </p:txBody>
+      </p:sp>
+      <p:sp>
+        <p:nvSpPr>
+          <p:cNvPr id="4" name="Textfeld 3">
+            <a:extLst>
+              <a:ext uri="{FF2B5EF4-FFF2-40B4-BE49-F238E27FC236}">
+                <a16:creationId xmlns:a16="http://schemas.microsoft.com/office/drawing/2014/main" id="{517F76CB-91F9-E4B6-387A-CC772F30AFA9}"/>
+              </a:ext>
+            </a:extLst>
+          </p:cNvPr>
+          <p:cNvSpPr txBox="1"/>
+          <p:nvPr/>
+        </p:nvSpPr>
+        <p:spPr bwMode="auto">
+          <a:xfrm>
+            <a:off x="285720" y="1264406"/>
+            <a:ext cx="8516937" cy="584775"/>
+          </a:xfrm>
+          <a:prstGeom prst="rect">
+            <a:avLst/>
+          </a:prstGeom>
+          <a:noFill/>
+          <a:ln w="9525">
+            <a:noFill/>
+            <a:miter lim="800000"/>
+            <a:headEnd/>
+            <a:tailEnd/>
+          </a:ln>
+        </p:spPr>
+        <p:txBody>
+          <a:bodyPr wrap="square" rtlCol="0" anchor="ctr">
+            <a:spAutoFit/>
+          </a:bodyPr>
+          <a:lstStyle/>
+          <a:p>
+            <a:pPr algn="ctr" eaLnBrk="1" hangingPunct="1"/>
+            <a:r>
+              <a:rPr lang="de-DE" sz="3200" dirty="0">
+                <a:latin typeface="+mj-lt"/>
+              </a:rPr>
+              <a:t>Erstellen von Images</a:t>
+            </a:r>
+          </a:p>
+        </p:txBody>
+      </p:sp>
+      <p:pic>
+        <p:nvPicPr>
+          <p:cNvPr id="6" name="Grafik 5">
+            <a:extLst>
+              <a:ext uri="{FF2B5EF4-FFF2-40B4-BE49-F238E27FC236}">
+                <a16:creationId xmlns:a16="http://schemas.microsoft.com/office/drawing/2014/main" id="{366E276A-F5D5-247A-7912-37944920DA79}"/>
+              </a:ext>
+            </a:extLst>
+          </p:cNvPr>
+          <p:cNvPicPr>
+            <a:picLocks noChangeAspect="1"/>
+          </p:cNvPicPr>
+          <p:nvPr/>
+        </p:nvPicPr>
+        <p:blipFill>
+          <a:blip r:embed="rId2">
+            <a:extLst>
+              <a:ext uri="{28A0092B-C50C-407E-A947-70E740481C1C}">
+                <a14:useLocalDpi xmlns:a14="http://schemas.microsoft.com/office/drawing/2010/main" val="0"/>
+              </a:ext>
+            </a:extLst>
+          </a:blip>
+          <a:srcRect/>
+          <a:stretch/>
+        </p:blipFill>
+        <p:spPr>
+          <a:xfrm>
+            <a:off x="3007498" y="3933056"/>
+            <a:ext cx="3073379" cy="2016224"/>
+          </a:xfrm>
+          <a:prstGeom prst="rect">
+            <a:avLst/>
+          </a:prstGeom>
+        </p:spPr>
+      </p:pic>
+    </p:spTree>
+    <p:extLst>
+      <p:ext uri="{BB962C8B-B14F-4D97-AF65-F5344CB8AC3E}">
+        <p14:creationId xmlns:p14="http://schemas.microsoft.com/office/powerpoint/2010/main" val="2209957316"/>
+      </p:ext>
+    </p:extLst>
+  </p:cSld>
+  <p:clrMapOvr>
+    <a:masterClrMapping/>
+  </p:clrMapOvr>
+</p:sld>
+</file>
+
+<file path=ppt/slides/slide8.xml><?xml version="1.0" encoding="utf-8"?>
+<p:sld xmlns:a="http://schemas.openxmlformats.org/drawingml/2006/main" xmlns:r="http://schemas.openxmlformats.org/officeDocument/2006/relationships" xmlns:p="http://schemas.openxmlformats.org/presentationml/2006/main">
+  <p:cSld>
+    <p:spTree>
+      <p:nvGrpSpPr>
+        <p:cNvPr id="1" name=""/>
+        <p:cNvGrpSpPr/>
+        <p:nvPr/>
+      </p:nvGrpSpPr>
+      <p:grpSpPr>
+        <a:xfrm>
+          <a:off x="0" y="0"/>
+          <a:ext cx="0" cy="0"/>
+          <a:chOff x="0" y="0"/>
+          <a:chExt cx="0" cy="0"/>
+        </a:xfrm>
+      </p:grpSpPr>
+      <p:sp>
+        <p:nvSpPr>
+          <p:cNvPr id="2" name="Titel 1">
+            <a:extLst>
+              <a:ext uri="{FF2B5EF4-FFF2-40B4-BE49-F238E27FC236}">
+                <a16:creationId xmlns:a16="http://schemas.microsoft.com/office/drawing/2014/main" id="{850FF3C7-B3ED-0A8B-5D14-2B093646715A}"/>
+              </a:ext>
+            </a:extLst>
+          </p:cNvPr>
+          <p:cNvSpPr>
+            <a:spLocks noGrp="1"/>
+          </p:cNvSpPr>
+          <p:nvPr>
+            <p:ph type="title"/>
+          </p:nvPr>
+        </p:nvSpPr>
         <p:spPr/>
         <p:txBody>
           <a:bodyPr/>
           <a:lstStyle/>
           <a:p>
-            <a:pPr marL="0" indent="0">
-              <a:buNone/>
+            <a:r>
+              <a:rPr lang="de-DE" altLang="de-DE" dirty="0"/>
+              <a:t>Lokale Entwicklung mit Docker</a:t>
+            </a:r>
+            <a:endParaRPr lang="de-DE" dirty="0"/>
+          </a:p>
+        </p:txBody>
+      </p:sp>
+      <p:sp>
+        <p:nvSpPr>
+          <p:cNvPr id="3" name="Inhaltsplatzhalter 2">
+            <a:extLst>
+              <a:ext uri="{FF2B5EF4-FFF2-40B4-BE49-F238E27FC236}">
+                <a16:creationId xmlns:a16="http://schemas.microsoft.com/office/drawing/2014/main" id="{0DC67BCE-F3AB-A77C-5BBC-4F0D1EB74590}"/>
+              </a:ext>
+            </a:extLst>
+          </p:cNvPr>
+          <p:cNvSpPr>
+            <a:spLocks noGrp="1"/>
+          </p:cNvSpPr>
+          <p:nvPr>
+            <p:ph idx="1"/>
+          </p:nvPr>
+        </p:nvSpPr>
+        <p:spPr>
+          <a:xfrm>
+            <a:off x="303213" y="2996952"/>
+            <a:ext cx="8516937" cy="3384798"/>
+          </a:xfrm>
+        </p:spPr>
+        <p:txBody>
+          <a:bodyPr/>
+          <a:lstStyle/>
+          <a:p>
+            <a:pPr>
+              <a:buFont typeface="Arial" panose="020B0604020202020204" pitchFamily="34" charset="0"/>
+              <a:buChar char="•"/>
             </a:pPr>
-            <a:endParaRPr lang="de-DE" altLang="de-DE" dirty="0"/>
+            <a:r>
+              <a:rPr lang="de-DE" dirty="0" err="1"/>
+              <a:t>docker</a:t>
+            </a:r>
+            <a:r>
+              <a:rPr lang="de-DE" dirty="0"/>
+              <a:t> </a:t>
+            </a:r>
+            <a:r>
+              <a:rPr lang="de-DE" dirty="0" err="1"/>
+              <a:t>build</a:t>
+            </a:r>
+            <a:r>
+              <a:rPr lang="de-DE" dirty="0"/>
+              <a:t>: Befehl für Bauen von Images</a:t>
+            </a:r>
+          </a:p>
+          <a:p>
+            <a:pPr>
+              <a:buFont typeface="Arial" panose="020B0604020202020204" pitchFamily="34" charset="0"/>
+              <a:buChar char="•"/>
+            </a:pPr>
+            <a:r>
+              <a:rPr lang="de-DE" dirty="0"/>
+              <a:t>-t </a:t>
+            </a:r>
+            <a:r>
+              <a:rPr lang="de-DE" dirty="0" err="1"/>
+              <a:t>example</a:t>
+            </a:r>
+            <a:r>
+              <a:rPr lang="de-DE" dirty="0"/>
+              <a:t>: Gibt dem erstellten Image einen Tag</a:t>
+            </a:r>
+          </a:p>
+          <a:p>
+            <a:pPr>
+              <a:buFont typeface="Arial" panose="020B0604020202020204" pitchFamily="34" charset="0"/>
+              <a:buChar char="•"/>
+            </a:pPr>
+            <a:r>
+              <a:rPr lang="de-DE" dirty="0"/>
+              <a:t>Verzeichnis aus dem das Image erstellt wird</a:t>
+            </a:r>
+          </a:p>
+          <a:p>
+            <a:pPr>
+              <a:buFont typeface="Arial" panose="020B0604020202020204" pitchFamily="34" charset="0"/>
+              <a:buChar char="•"/>
+            </a:pPr>
+            <a:r>
+              <a:rPr lang="de-DE" dirty="0" err="1"/>
+              <a:t>Dockerfile</a:t>
+            </a:r>
+            <a:r>
+              <a:rPr lang="de-DE" dirty="0"/>
+              <a:t> </a:t>
+            </a:r>
+            <a:r>
+              <a:rPr lang="de-DE" dirty="0" err="1"/>
+              <a:t>names</a:t>
+            </a:r>
+            <a:r>
+              <a:rPr lang="de-DE" dirty="0"/>
+              <a:t> „</a:t>
+            </a:r>
+            <a:r>
+              <a:rPr lang="de-DE" dirty="0" err="1"/>
+              <a:t>Dockerfile</a:t>
+            </a:r>
+            <a:r>
+              <a:rPr lang="de-DE" dirty="0"/>
+              <a:t>“ im Verzeichnis</a:t>
+            </a:r>
+          </a:p>
+        </p:txBody>
+      </p:sp>
+      <p:sp>
+        <p:nvSpPr>
+          <p:cNvPr id="4" name="Textfeld 3">
+            <a:extLst>
+              <a:ext uri="{FF2B5EF4-FFF2-40B4-BE49-F238E27FC236}">
+                <a16:creationId xmlns:a16="http://schemas.microsoft.com/office/drawing/2014/main" id="{575FEA88-C68F-924B-C800-0C8D6BD744B1}"/>
+              </a:ext>
+            </a:extLst>
+          </p:cNvPr>
+          <p:cNvSpPr txBox="1"/>
+          <p:nvPr/>
+        </p:nvSpPr>
+        <p:spPr bwMode="auto">
+          <a:xfrm>
+            <a:off x="285720" y="1264406"/>
+            <a:ext cx="8516937" cy="584775"/>
+          </a:xfrm>
+          <a:prstGeom prst="rect">
+            <a:avLst/>
+          </a:prstGeom>
+          <a:noFill/>
+          <a:ln w="9525">
+            <a:noFill/>
+            <a:miter lim="800000"/>
+            <a:headEnd/>
+            <a:tailEnd/>
+          </a:ln>
+        </p:spPr>
+        <p:txBody>
+          <a:bodyPr wrap="square" rtlCol="0" anchor="ctr">
+            <a:spAutoFit/>
+          </a:bodyPr>
+          <a:lstStyle/>
+          <a:p>
+            <a:pPr algn="ctr" eaLnBrk="1" hangingPunct="1"/>
+            <a:r>
+              <a:rPr lang="de-DE" sz="3200" dirty="0">
+                <a:latin typeface="+mj-lt"/>
+              </a:rPr>
+              <a:t>Erstellen von Images</a:t>
+            </a:r>
+          </a:p>
+        </p:txBody>
+      </p:sp>
+      <p:sp>
+        <p:nvSpPr>
+          <p:cNvPr id="5" name="Textfeld 4">
+            <a:extLst>
+              <a:ext uri="{FF2B5EF4-FFF2-40B4-BE49-F238E27FC236}">
+                <a16:creationId xmlns:a16="http://schemas.microsoft.com/office/drawing/2014/main" id="{AA8B9AE6-EF63-25CA-4D6B-117E7B727411}"/>
+              </a:ext>
+            </a:extLst>
+          </p:cNvPr>
+          <p:cNvSpPr txBox="1"/>
+          <p:nvPr/>
+        </p:nvSpPr>
+        <p:spPr bwMode="auto">
+          <a:xfrm>
+            <a:off x="297818" y="2192234"/>
+            <a:ext cx="8516937" cy="461665"/>
+          </a:xfrm>
+          <a:prstGeom prst="rect">
+            <a:avLst/>
+          </a:prstGeom>
+          <a:solidFill>
+            <a:schemeClr val="bg1">
+              <a:lumMod val="85000"/>
+            </a:schemeClr>
+          </a:solidFill>
+          <a:ln w="9525">
+            <a:noFill/>
+            <a:miter lim="800000"/>
+            <a:headEnd/>
+            <a:tailEnd/>
+          </a:ln>
+          <a:effectLst>
+            <a:softEdge rad="25400"/>
+          </a:effectLst>
+        </p:spPr>
+        <p:txBody>
+          <a:bodyPr wrap="square" rtlCol="0" anchor="ctr">
+            <a:spAutoFit/>
+          </a:bodyPr>
+          <a:lstStyle/>
+          <a:p>
+            <a:pPr algn="ctr" eaLnBrk="1" hangingPunct="1"/>
+            <a:r>
+              <a:rPr lang="de-DE" dirty="0" err="1">
+                <a:latin typeface="Arial" charset="0"/>
+              </a:rPr>
+              <a:t>docker</a:t>
+            </a:r>
+            <a:r>
+              <a:rPr lang="de-DE" dirty="0">
+                <a:latin typeface="Arial" charset="0"/>
+              </a:rPr>
+              <a:t> </a:t>
+            </a:r>
+            <a:r>
+              <a:rPr lang="de-DE" dirty="0" err="1">
+                <a:latin typeface="Arial" charset="0"/>
+              </a:rPr>
+              <a:t>build</a:t>
+            </a:r>
+            <a:r>
+              <a:rPr lang="de-DE" dirty="0">
+                <a:latin typeface="Arial" charset="0"/>
+              </a:rPr>
+              <a:t> -t </a:t>
+            </a:r>
+            <a:r>
+              <a:rPr lang="de-DE" dirty="0" err="1">
+                <a:latin typeface="Arial" charset="0"/>
+              </a:rPr>
+              <a:t>example</a:t>
+            </a:r>
+            <a:r>
+              <a:rPr lang="de-DE" dirty="0">
+                <a:latin typeface="Arial" charset="0"/>
+              </a:rPr>
+              <a:t> .</a:t>
+            </a:r>
           </a:p>
         </p:txBody>
       </p:sp>
     </p:spTree>
     <p:extLst>
       <p:ext uri="{BB962C8B-B14F-4D97-AF65-F5344CB8AC3E}">
-        <p14:creationId xmlns:p14="http://schemas.microsoft.com/office/powerpoint/2010/main" val="1437393746"/>
+        <p14:creationId xmlns:p14="http://schemas.microsoft.com/office/powerpoint/2010/main" val="1459689168"/>
+      </p:ext>
+    </p:extLst>
+  </p:cSld>
+  <p:clrMapOvr>
+    <a:masterClrMapping/>
+  </p:clrMapOvr>
+</p:sld>
+</file>
+
+<file path=ppt/slides/slide9.xml><?xml version="1.0" encoding="utf-8"?>
+<p:sld xmlns:a="http://schemas.openxmlformats.org/drawingml/2006/main" xmlns:r="http://schemas.openxmlformats.org/officeDocument/2006/relationships" xmlns:p="http://schemas.openxmlformats.org/presentationml/2006/main">
+  <p:cSld>
+    <p:spTree>
+      <p:nvGrpSpPr>
+        <p:cNvPr id="1" name=""/>
+        <p:cNvGrpSpPr/>
+        <p:nvPr/>
+      </p:nvGrpSpPr>
+      <p:grpSpPr>
+        <a:xfrm>
+          <a:off x="0" y="0"/>
+          <a:ext cx="0" cy="0"/>
+          <a:chOff x="0" y="0"/>
+          <a:chExt cx="0" cy="0"/>
+        </a:xfrm>
+      </p:grpSpPr>
+      <p:sp>
+        <p:nvSpPr>
+          <p:cNvPr id="2" name="Titel 1">
+            <a:extLst>
+              <a:ext uri="{FF2B5EF4-FFF2-40B4-BE49-F238E27FC236}">
+                <a16:creationId xmlns:a16="http://schemas.microsoft.com/office/drawing/2014/main" id="{95863F39-AC6F-C91A-BC48-29EE6581525D}"/>
+              </a:ext>
+            </a:extLst>
+          </p:cNvPr>
+          <p:cNvSpPr>
+            <a:spLocks noGrp="1"/>
+          </p:cNvSpPr>
+          <p:nvPr>
+            <p:ph type="title"/>
+          </p:nvPr>
+        </p:nvSpPr>
+        <p:spPr/>
+        <p:txBody>
+          <a:bodyPr/>
+          <a:lstStyle/>
+          <a:p>
+            <a:r>
+              <a:rPr lang="de-DE" altLang="de-DE" dirty="0"/>
+              <a:t>Lokale Entwicklung mit Docker</a:t>
+            </a:r>
+            <a:endParaRPr lang="de-DE" dirty="0"/>
+          </a:p>
+        </p:txBody>
+      </p:sp>
+      <p:sp>
+        <p:nvSpPr>
+          <p:cNvPr id="3" name="Inhaltsplatzhalter 2">
+            <a:extLst>
+              <a:ext uri="{FF2B5EF4-FFF2-40B4-BE49-F238E27FC236}">
+                <a16:creationId xmlns:a16="http://schemas.microsoft.com/office/drawing/2014/main" id="{3ED41AEE-F238-EA07-C91E-34B4C1C3FDC0}"/>
+              </a:ext>
+            </a:extLst>
+          </p:cNvPr>
+          <p:cNvSpPr>
+            <a:spLocks noGrp="1"/>
+          </p:cNvSpPr>
+          <p:nvPr>
+            <p:ph idx="1"/>
+          </p:nvPr>
+        </p:nvSpPr>
+        <p:spPr>
+          <a:xfrm>
+            <a:off x="303213" y="3429000"/>
+            <a:ext cx="8516937" cy="2952750"/>
+          </a:xfrm>
+        </p:spPr>
+        <p:txBody>
+          <a:bodyPr/>
+          <a:lstStyle/>
+          <a:p>
+            <a:pPr>
+              <a:buFont typeface="Arial" panose="020B0604020202020204" pitchFamily="34" charset="0"/>
+              <a:buChar char="•"/>
+            </a:pPr>
+            <a:r>
+              <a:rPr lang="de-DE" dirty="0" err="1"/>
+              <a:t>docker</a:t>
+            </a:r>
+            <a:r>
+              <a:rPr lang="de-DE" dirty="0"/>
+              <a:t> erstellt und startet einen Container</a:t>
+            </a:r>
+          </a:p>
+          <a:p>
+            <a:pPr>
+              <a:buFont typeface="Arial" panose="020B0604020202020204" pitchFamily="34" charset="0"/>
+              <a:buChar char="•"/>
+            </a:pPr>
+            <a:r>
+              <a:rPr lang="de-DE" dirty="0"/>
+              <a:t>mit --name können Container benannt werden</a:t>
+            </a:r>
+          </a:p>
+          <a:p>
+            <a:pPr>
+              <a:buFont typeface="Arial" panose="020B0604020202020204" pitchFamily="34" charset="0"/>
+              <a:buChar char="•"/>
+            </a:pPr>
+            <a:r>
+              <a:rPr lang="de-DE" dirty="0"/>
+              <a:t>Viele weitere Optionen je nach Image und Applikation</a:t>
+            </a:r>
+          </a:p>
+          <a:p>
+            <a:pPr>
+              <a:buFont typeface="Arial" panose="020B0604020202020204" pitchFamily="34" charset="0"/>
+              <a:buChar char="•"/>
+            </a:pPr>
+            <a:r>
+              <a:rPr lang="de-DE" dirty="0"/>
+              <a:t>Container haben Namen und ID zur Identifikation</a:t>
+            </a:r>
+          </a:p>
+        </p:txBody>
+      </p:sp>
+      <p:sp>
+        <p:nvSpPr>
+          <p:cNvPr id="5" name="Textfeld 4">
+            <a:extLst>
+              <a:ext uri="{FF2B5EF4-FFF2-40B4-BE49-F238E27FC236}">
+                <a16:creationId xmlns:a16="http://schemas.microsoft.com/office/drawing/2014/main" id="{02FEDFB1-88E0-0AE1-5A10-FF6902E93AA4}"/>
+              </a:ext>
+            </a:extLst>
+          </p:cNvPr>
+          <p:cNvSpPr txBox="1"/>
+          <p:nvPr/>
+        </p:nvSpPr>
+        <p:spPr bwMode="auto">
+          <a:xfrm>
+            <a:off x="285720" y="1264406"/>
+            <a:ext cx="8516937" cy="584775"/>
+          </a:xfrm>
+          <a:prstGeom prst="rect">
+            <a:avLst/>
+          </a:prstGeom>
+          <a:noFill/>
+          <a:ln w="9525">
+            <a:noFill/>
+            <a:miter lim="800000"/>
+            <a:headEnd/>
+            <a:tailEnd/>
+          </a:ln>
+        </p:spPr>
+        <p:txBody>
+          <a:bodyPr wrap="square" rtlCol="0" anchor="ctr">
+            <a:spAutoFit/>
+          </a:bodyPr>
+          <a:lstStyle/>
+          <a:p>
+            <a:pPr algn="ctr" eaLnBrk="1" hangingPunct="1"/>
+            <a:r>
+              <a:rPr lang="de-DE" sz="3200" dirty="0">
+                <a:latin typeface="+mj-lt"/>
+              </a:rPr>
+              <a:t>Erstellen von Containern</a:t>
+            </a:r>
+          </a:p>
+        </p:txBody>
+      </p:sp>
+      <p:sp>
+        <p:nvSpPr>
+          <p:cNvPr id="6" name="Textfeld 5">
+            <a:extLst>
+              <a:ext uri="{FF2B5EF4-FFF2-40B4-BE49-F238E27FC236}">
+                <a16:creationId xmlns:a16="http://schemas.microsoft.com/office/drawing/2014/main" id="{4ACC5388-79C6-75D2-C169-4274E8C247EA}"/>
+              </a:ext>
+            </a:extLst>
+          </p:cNvPr>
+          <p:cNvSpPr txBox="1"/>
+          <p:nvPr/>
+        </p:nvSpPr>
+        <p:spPr bwMode="auto">
+          <a:xfrm>
+            <a:off x="297818" y="2007568"/>
+            <a:ext cx="8516937" cy="830997"/>
+          </a:xfrm>
+          <a:prstGeom prst="rect">
+            <a:avLst/>
+          </a:prstGeom>
+          <a:solidFill>
+            <a:schemeClr val="bg1">
+              <a:lumMod val="85000"/>
+            </a:schemeClr>
+          </a:solidFill>
+          <a:ln w="9525">
+            <a:noFill/>
+            <a:miter lim="800000"/>
+            <a:headEnd/>
+            <a:tailEnd/>
+          </a:ln>
+          <a:effectLst>
+            <a:softEdge rad="25400"/>
+          </a:effectLst>
+        </p:spPr>
+        <p:txBody>
+          <a:bodyPr wrap="square" rtlCol="0" anchor="ctr">
+            <a:spAutoFit/>
+          </a:bodyPr>
+          <a:lstStyle/>
+          <a:p>
+            <a:pPr algn="ctr" eaLnBrk="1" hangingPunct="1"/>
+            <a:r>
+              <a:rPr lang="de-DE" dirty="0" err="1">
+                <a:latin typeface="Arial" charset="0"/>
+              </a:rPr>
+              <a:t>docker</a:t>
+            </a:r>
+            <a:r>
+              <a:rPr lang="de-DE" dirty="0">
+                <a:latin typeface="Arial" charset="0"/>
+              </a:rPr>
+              <a:t> </a:t>
+            </a:r>
+            <a:r>
+              <a:rPr lang="de-DE" dirty="0" err="1">
+                <a:latin typeface="Arial" charset="0"/>
+              </a:rPr>
+              <a:t>run</a:t>
+            </a:r>
+            <a:r>
+              <a:rPr lang="de-DE" dirty="0">
+                <a:latin typeface="Arial" charset="0"/>
+              </a:rPr>
+              <a:t> </a:t>
+            </a:r>
+            <a:r>
+              <a:rPr lang="de-DE" dirty="0" err="1">
+                <a:latin typeface="Arial" charset="0"/>
+              </a:rPr>
+              <a:t>example</a:t>
+            </a:r>
+            <a:endParaRPr lang="de-DE" dirty="0">
+              <a:latin typeface="Arial" charset="0"/>
+            </a:endParaRPr>
+          </a:p>
+          <a:p>
+            <a:pPr algn="ctr" eaLnBrk="1" hangingPunct="1"/>
+            <a:r>
+              <a:rPr lang="de-DE" dirty="0" err="1">
+                <a:latin typeface="Arial" charset="0"/>
+              </a:rPr>
+              <a:t>docker</a:t>
+            </a:r>
+            <a:r>
+              <a:rPr lang="de-DE" dirty="0">
+                <a:latin typeface="Arial" charset="0"/>
+              </a:rPr>
+              <a:t> </a:t>
+            </a:r>
+            <a:r>
+              <a:rPr lang="de-DE" dirty="0" err="1">
+                <a:latin typeface="Arial" charset="0"/>
+              </a:rPr>
+              <a:t>create</a:t>
+            </a:r>
+            <a:r>
+              <a:rPr lang="de-DE" dirty="0">
+                <a:latin typeface="Arial" charset="0"/>
+              </a:rPr>
+              <a:t> </a:t>
+            </a:r>
+            <a:r>
+              <a:rPr lang="de-DE" dirty="0" err="1">
+                <a:latin typeface="Arial" charset="0"/>
+              </a:rPr>
+              <a:t>example</a:t>
+            </a:r>
+            <a:endParaRPr lang="de-DE" dirty="0">
+              <a:latin typeface="Arial" charset="0"/>
+            </a:endParaRPr>
+          </a:p>
+        </p:txBody>
+      </p:sp>
+    </p:spTree>
+    <p:extLst>
+      <p:ext uri="{BB962C8B-B14F-4D97-AF65-F5344CB8AC3E}">
+        <p14:creationId xmlns:p14="http://schemas.microsoft.com/office/powerpoint/2010/main" val="4065056465"/>
       </p:ext>
     </p:extLst>
   </p:cSld>

--- a/slides/Tag-3_1-Docker.pptx
+++ b/slides/Tag-3_1-Docker.pptx
@@ -6,10 +6,10 @@
     <p:sldMasterId id="2147483649" r:id="rId2"/>
   </p:sldMasterIdLst>
   <p:notesMasterIdLst>
-    <p:notesMasterId r:id="rId13"/>
+    <p:notesMasterId r:id="rId17"/>
   </p:notesMasterIdLst>
   <p:handoutMasterIdLst>
-    <p:handoutMasterId r:id="rId14"/>
+    <p:handoutMasterId r:id="rId18"/>
   </p:handoutMasterIdLst>
   <p:sldIdLst>
     <p:sldId id="289" r:id="rId3"/>
@@ -22,6 +22,10 @@
     <p:sldId id="300" r:id="rId10"/>
     <p:sldId id="301" r:id="rId11"/>
     <p:sldId id="302" r:id="rId12"/>
+    <p:sldId id="303" r:id="rId13"/>
+    <p:sldId id="305" r:id="rId14"/>
+    <p:sldId id="306" r:id="rId15"/>
+    <p:sldId id="304" r:id="rId16"/>
   </p:sldIdLst>
   <p:sldSz cx="9144000" cy="6858000" type="screen4x3"/>
   <p:notesSz cx="6784975" cy="9921875"/>
@@ -1533,7 +1537,7 @@
               <a:pPr algn="ctr">
                 <a:defRPr/>
               </a:pPr>
-              <a:t>27.05.2024</a:t>
+              <a:t>28.05.2024</a:t>
             </a:fld>
             <a:endParaRPr lang="de-DE" sz="1000">
               <a:solidFill>
@@ -3622,7 +3626,7 @@
         </p:nvSpPr>
         <p:spPr>
           <a:xfrm>
-            <a:off x="303213" y="2492896"/>
+            <a:off x="303213" y="2348880"/>
             <a:ext cx="8516937" cy="432048"/>
           </a:xfrm>
           <a:solidFill>
@@ -3671,6 +3675,3609 @@
             <a:extLst>
               <a:ext uri="{FF2B5EF4-FFF2-40B4-BE49-F238E27FC236}">
                 <a16:creationId xmlns:a16="http://schemas.microsoft.com/office/drawing/2014/main" id="{CB9005BF-49EB-AC4E-574F-0C60D0925086}"/>
+              </a:ext>
+            </a:extLst>
+          </p:cNvPr>
+          <p:cNvSpPr txBox="1"/>
+          <p:nvPr/>
+        </p:nvSpPr>
+        <p:spPr bwMode="auto">
+          <a:xfrm>
+            <a:off x="285720" y="1196752"/>
+            <a:ext cx="8516937" cy="584775"/>
+          </a:xfrm>
+          <a:prstGeom prst="rect">
+            <a:avLst/>
+          </a:prstGeom>
+          <a:noFill/>
+          <a:ln w="9525">
+            <a:noFill/>
+            <a:miter lim="800000"/>
+            <a:headEnd/>
+            <a:tailEnd/>
+          </a:ln>
+        </p:spPr>
+        <p:txBody>
+          <a:bodyPr wrap="square" rtlCol="0" anchor="ctr">
+            <a:spAutoFit/>
+          </a:bodyPr>
+          <a:lstStyle/>
+          <a:p>
+            <a:pPr algn="ctr" eaLnBrk="1" hangingPunct="1"/>
+            <a:r>
+              <a:rPr lang="de-DE" sz="3200" dirty="0">
+                <a:latin typeface="+mj-lt"/>
+              </a:rPr>
+              <a:t>Managen von Containern</a:t>
+            </a:r>
+          </a:p>
+        </p:txBody>
+      </p:sp>
+      <p:sp>
+        <p:nvSpPr>
+          <p:cNvPr id="7" name="Inhaltsplatzhalter 2">
+            <a:extLst>
+              <a:ext uri="{FF2B5EF4-FFF2-40B4-BE49-F238E27FC236}">
+                <a16:creationId xmlns:a16="http://schemas.microsoft.com/office/drawing/2014/main" id="{068F01F4-F388-451F-3C71-FFF7648D9735}"/>
+              </a:ext>
+            </a:extLst>
+          </p:cNvPr>
+          <p:cNvSpPr txBox="1">
+            <a:spLocks/>
+          </p:cNvSpPr>
+          <p:nvPr/>
+        </p:nvSpPr>
+        <p:spPr bwMode="auto">
+          <a:xfrm>
+            <a:off x="285719" y="1916832"/>
+            <a:ext cx="8516937" cy="432048"/>
+          </a:xfrm>
+          <a:prstGeom prst="rect">
+            <a:avLst/>
+          </a:prstGeom>
+          <a:noFill/>
+          <a:ln>
+            <a:noFill/>
+          </a:ln>
+          <a:effectLst>
+            <a:softEdge rad="0"/>
+          </a:effectLst>
+        </p:spPr>
+        <p:txBody>
+          <a:bodyPr vert="horz" wrap="square" lIns="92075" tIns="46038" rIns="92075" bIns="46038" numCol="1" anchor="t" anchorCtr="0" compatLnSpc="1">
+            <a:prstTxWarp prst="textNoShape">
+              <a:avLst/>
+            </a:prstTxWarp>
+          </a:bodyPr>
+          <a:lstStyle>
+            <a:lvl1pPr marL="342900" indent="-342900" algn="l" rtl="0" eaLnBrk="1" fontAlgn="base" hangingPunct="1">
+              <a:spcBef>
+                <a:spcPct val="20000"/>
+              </a:spcBef>
+              <a:spcAft>
+                <a:spcPct val="0"/>
+              </a:spcAft>
+              <a:buClr>
+                <a:srgbClr val="008C5A"/>
+              </a:buClr>
+              <a:buFont typeface="Monotype Sorts" pitchFamily="2" charset="2"/>
+              <a:buChar char="l"/>
+              <a:defRPr sz="2400">
+                <a:solidFill>
+                  <a:schemeClr val="tx1"/>
+                </a:solidFill>
+                <a:latin typeface="+mn-lt"/>
+                <a:ea typeface="+mn-ea"/>
+                <a:cs typeface="+mn-cs"/>
+              </a:defRPr>
+            </a:lvl1pPr>
+            <a:lvl2pPr marL="742950" indent="-285750" algn="l" rtl="0" eaLnBrk="1" fontAlgn="base" hangingPunct="1">
+              <a:spcBef>
+                <a:spcPct val="20000"/>
+              </a:spcBef>
+              <a:spcAft>
+                <a:spcPct val="0"/>
+              </a:spcAft>
+              <a:buClr>
+                <a:srgbClr val="008C5A"/>
+              </a:buClr>
+              <a:buFont typeface="Monotype Sorts" pitchFamily="2" charset="2"/>
+              <a:buChar char="l"/>
+              <a:defRPr sz="2000">
+                <a:solidFill>
+                  <a:schemeClr val="tx1"/>
+                </a:solidFill>
+                <a:latin typeface="+mn-lt"/>
+              </a:defRPr>
+            </a:lvl2pPr>
+            <a:lvl3pPr marL="1143000" indent="-228600" algn="l" rtl="0" eaLnBrk="1" fontAlgn="base" hangingPunct="1">
+              <a:spcBef>
+                <a:spcPct val="20000"/>
+              </a:spcBef>
+              <a:spcAft>
+                <a:spcPct val="0"/>
+              </a:spcAft>
+              <a:buClr>
+                <a:srgbClr val="008C5A"/>
+              </a:buClr>
+              <a:buFont typeface="Monotype Sorts" pitchFamily="2" charset="2"/>
+              <a:buChar char="l"/>
+              <a:defRPr sz="2400">
+                <a:solidFill>
+                  <a:schemeClr val="tx1"/>
+                </a:solidFill>
+                <a:latin typeface="+mn-lt"/>
+              </a:defRPr>
+            </a:lvl3pPr>
+            <a:lvl4pPr marL="1562100" indent="-228600" algn="l" rtl="0" eaLnBrk="1" fontAlgn="base" hangingPunct="1">
+              <a:spcBef>
+                <a:spcPct val="20000"/>
+              </a:spcBef>
+              <a:spcAft>
+                <a:spcPct val="0"/>
+              </a:spcAft>
+              <a:buClr>
+                <a:srgbClr val="008C5A"/>
+              </a:buClr>
+              <a:buFont typeface="Monotype Sorts" pitchFamily="2" charset="2"/>
+              <a:buChar char="l"/>
+              <a:defRPr sz="1600">
+                <a:solidFill>
+                  <a:schemeClr val="tx1"/>
+                </a:solidFill>
+                <a:latin typeface="+mn-lt"/>
+              </a:defRPr>
+            </a:lvl4pPr>
+            <a:lvl5pPr marL="1981200" indent="-228600" algn="l" rtl="0" eaLnBrk="1" fontAlgn="base" hangingPunct="1">
+              <a:spcBef>
+                <a:spcPct val="20000"/>
+              </a:spcBef>
+              <a:spcAft>
+                <a:spcPct val="0"/>
+              </a:spcAft>
+              <a:buClr>
+                <a:srgbClr val="008C5A"/>
+              </a:buClr>
+              <a:buFont typeface="Monotype Sorts" pitchFamily="2" charset="2"/>
+              <a:buChar char="l"/>
+              <a:defRPr sz="1600">
+                <a:solidFill>
+                  <a:schemeClr val="tx1"/>
+                </a:solidFill>
+                <a:latin typeface="+mn-lt"/>
+              </a:defRPr>
+            </a:lvl5pPr>
+            <a:lvl6pPr marL="2438400" indent="-228600" algn="l" rtl="0" eaLnBrk="1" fontAlgn="base" hangingPunct="1">
+              <a:spcBef>
+                <a:spcPct val="20000"/>
+              </a:spcBef>
+              <a:spcAft>
+                <a:spcPct val="0"/>
+              </a:spcAft>
+              <a:buClr>
+                <a:srgbClr val="008C5A"/>
+              </a:buClr>
+              <a:buFont typeface="Monotype Sorts" pitchFamily="2" charset="2"/>
+              <a:buChar char="l"/>
+              <a:defRPr sz="1600">
+                <a:solidFill>
+                  <a:schemeClr val="tx1"/>
+                </a:solidFill>
+                <a:latin typeface="+mn-lt"/>
+              </a:defRPr>
+            </a:lvl6pPr>
+            <a:lvl7pPr marL="2895600" indent="-228600" algn="l" rtl="0" eaLnBrk="1" fontAlgn="base" hangingPunct="1">
+              <a:spcBef>
+                <a:spcPct val="20000"/>
+              </a:spcBef>
+              <a:spcAft>
+                <a:spcPct val="0"/>
+              </a:spcAft>
+              <a:buClr>
+                <a:srgbClr val="008C5A"/>
+              </a:buClr>
+              <a:buFont typeface="Monotype Sorts" pitchFamily="2" charset="2"/>
+              <a:buChar char="l"/>
+              <a:defRPr sz="1600">
+                <a:solidFill>
+                  <a:schemeClr val="tx1"/>
+                </a:solidFill>
+                <a:latin typeface="+mn-lt"/>
+              </a:defRPr>
+            </a:lvl7pPr>
+            <a:lvl8pPr marL="3352800" indent="-228600" algn="l" rtl="0" eaLnBrk="1" fontAlgn="base" hangingPunct="1">
+              <a:spcBef>
+                <a:spcPct val="20000"/>
+              </a:spcBef>
+              <a:spcAft>
+                <a:spcPct val="0"/>
+              </a:spcAft>
+              <a:buClr>
+                <a:srgbClr val="008C5A"/>
+              </a:buClr>
+              <a:buFont typeface="Monotype Sorts" pitchFamily="2" charset="2"/>
+              <a:buChar char="l"/>
+              <a:defRPr sz="1600">
+                <a:solidFill>
+                  <a:schemeClr val="tx1"/>
+                </a:solidFill>
+                <a:latin typeface="+mn-lt"/>
+              </a:defRPr>
+            </a:lvl8pPr>
+            <a:lvl9pPr marL="3810000" indent="-228600" algn="l" rtl="0" eaLnBrk="1" fontAlgn="base" hangingPunct="1">
+              <a:spcBef>
+                <a:spcPct val="20000"/>
+              </a:spcBef>
+              <a:spcAft>
+                <a:spcPct val="0"/>
+              </a:spcAft>
+              <a:buClr>
+                <a:srgbClr val="008C5A"/>
+              </a:buClr>
+              <a:buFont typeface="Monotype Sorts" pitchFamily="2" charset="2"/>
+              <a:buChar char="l"/>
+              <a:defRPr sz="1600">
+                <a:solidFill>
+                  <a:schemeClr val="tx1"/>
+                </a:solidFill>
+                <a:latin typeface="+mn-lt"/>
+              </a:defRPr>
+            </a:lvl9pPr>
+          </a:lstStyle>
+          <a:p>
+            <a:pPr marL="0" indent="0" algn="ctr">
+              <a:buFont typeface="Monotype Sorts" pitchFamily="2" charset="2"/>
+              <a:buNone/>
+            </a:pPr>
+            <a:r>
+              <a:rPr lang="de-DE" kern="0" dirty="0"/>
+              <a:t>Container starten:</a:t>
+            </a:r>
+          </a:p>
+        </p:txBody>
+      </p:sp>
+      <p:sp>
+        <p:nvSpPr>
+          <p:cNvPr id="8" name="Inhaltsplatzhalter 2">
+            <a:extLst>
+              <a:ext uri="{FF2B5EF4-FFF2-40B4-BE49-F238E27FC236}">
+                <a16:creationId xmlns:a16="http://schemas.microsoft.com/office/drawing/2014/main" id="{A70A89FE-C665-308A-79E5-6FF268AE1713}"/>
+              </a:ext>
+            </a:extLst>
+          </p:cNvPr>
+          <p:cNvSpPr txBox="1">
+            <a:spLocks/>
+          </p:cNvSpPr>
+          <p:nvPr/>
+        </p:nvSpPr>
+        <p:spPr bwMode="auto">
+          <a:xfrm>
+            <a:off x="285719" y="3284984"/>
+            <a:ext cx="8516937" cy="864096"/>
+          </a:xfrm>
+          <a:prstGeom prst="rect">
+            <a:avLst/>
+          </a:prstGeom>
+          <a:solidFill>
+            <a:schemeClr val="bg1">
+              <a:lumMod val="85000"/>
+            </a:schemeClr>
+          </a:solidFill>
+          <a:ln>
+            <a:noFill/>
+          </a:ln>
+          <a:effectLst>
+            <a:softEdge rad="25400"/>
+          </a:effectLst>
+          <a:extLst>
+            <a:ext uri="{91240B29-F687-4F45-9708-019B960494DF}">
+              <a14:hiddenLine xmlns:a14="http://schemas.microsoft.com/office/drawing/2010/main" w="9525">
+                <a:solidFill>
+                  <a:srgbClr val="000000"/>
+                </a:solidFill>
+                <a:miter lim="800000"/>
+                <a:headEnd/>
+                <a:tailEnd/>
+              </a14:hiddenLine>
+            </a:ext>
+          </a:extLst>
+        </p:spPr>
+        <p:txBody>
+          <a:bodyPr vert="horz" wrap="square" lIns="92075" tIns="46038" rIns="92075" bIns="46038" numCol="1" anchor="t" anchorCtr="0" compatLnSpc="1">
+            <a:prstTxWarp prst="textNoShape">
+              <a:avLst/>
+            </a:prstTxWarp>
+          </a:bodyPr>
+          <a:lstStyle>
+            <a:lvl1pPr marL="342900" indent="-342900" algn="l" rtl="0" eaLnBrk="1" fontAlgn="base" hangingPunct="1">
+              <a:spcBef>
+                <a:spcPct val="20000"/>
+              </a:spcBef>
+              <a:spcAft>
+                <a:spcPct val="0"/>
+              </a:spcAft>
+              <a:buClr>
+                <a:srgbClr val="008C5A"/>
+              </a:buClr>
+              <a:buFont typeface="Monotype Sorts" pitchFamily="2" charset="2"/>
+              <a:buChar char="l"/>
+              <a:defRPr sz="2400">
+                <a:solidFill>
+                  <a:schemeClr val="tx1"/>
+                </a:solidFill>
+                <a:latin typeface="+mn-lt"/>
+                <a:ea typeface="+mn-ea"/>
+                <a:cs typeface="+mn-cs"/>
+              </a:defRPr>
+            </a:lvl1pPr>
+            <a:lvl2pPr marL="742950" indent="-285750" algn="l" rtl="0" eaLnBrk="1" fontAlgn="base" hangingPunct="1">
+              <a:spcBef>
+                <a:spcPct val="20000"/>
+              </a:spcBef>
+              <a:spcAft>
+                <a:spcPct val="0"/>
+              </a:spcAft>
+              <a:buClr>
+                <a:srgbClr val="008C5A"/>
+              </a:buClr>
+              <a:buFont typeface="Monotype Sorts" pitchFamily="2" charset="2"/>
+              <a:buChar char="l"/>
+              <a:defRPr sz="2000">
+                <a:solidFill>
+                  <a:schemeClr val="tx1"/>
+                </a:solidFill>
+                <a:latin typeface="+mn-lt"/>
+              </a:defRPr>
+            </a:lvl2pPr>
+            <a:lvl3pPr marL="1143000" indent="-228600" algn="l" rtl="0" eaLnBrk="1" fontAlgn="base" hangingPunct="1">
+              <a:spcBef>
+                <a:spcPct val="20000"/>
+              </a:spcBef>
+              <a:spcAft>
+                <a:spcPct val="0"/>
+              </a:spcAft>
+              <a:buClr>
+                <a:srgbClr val="008C5A"/>
+              </a:buClr>
+              <a:buFont typeface="Monotype Sorts" pitchFamily="2" charset="2"/>
+              <a:buChar char="l"/>
+              <a:defRPr sz="2400">
+                <a:solidFill>
+                  <a:schemeClr val="tx1"/>
+                </a:solidFill>
+                <a:latin typeface="+mn-lt"/>
+              </a:defRPr>
+            </a:lvl3pPr>
+            <a:lvl4pPr marL="1562100" indent="-228600" algn="l" rtl="0" eaLnBrk="1" fontAlgn="base" hangingPunct="1">
+              <a:spcBef>
+                <a:spcPct val="20000"/>
+              </a:spcBef>
+              <a:spcAft>
+                <a:spcPct val="0"/>
+              </a:spcAft>
+              <a:buClr>
+                <a:srgbClr val="008C5A"/>
+              </a:buClr>
+              <a:buFont typeface="Monotype Sorts" pitchFamily="2" charset="2"/>
+              <a:buChar char="l"/>
+              <a:defRPr sz="1600">
+                <a:solidFill>
+                  <a:schemeClr val="tx1"/>
+                </a:solidFill>
+                <a:latin typeface="+mn-lt"/>
+              </a:defRPr>
+            </a:lvl4pPr>
+            <a:lvl5pPr marL="1981200" indent="-228600" algn="l" rtl="0" eaLnBrk="1" fontAlgn="base" hangingPunct="1">
+              <a:spcBef>
+                <a:spcPct val="20000"/>
+              </a:spcBef>
+              <a:spcAft>
+                <a:spcPct val="0"/>
+              </a:spcAft>
+              <a:buClr>
+                <a:srgbClr val="008C5A"/>
+              </a:buClr>
+              <a:buFont typeface="Monotype Sorts" pitchFamily="2" charset="2"/>
+              <a:buChar char="l"/>
+              <a:defRPr sz="1600">
+                <a:solidFill>
+                  <a:schemeClr val="tx1"/>
+                </a:solidFill>
+                <a:latin typeface="+mn-lt"/>
+              </a:defRPr>
+            </a:lvl5pPr>
+            <a:lvl6pPr marL="2438400" indent="-228600" algn="l" rtl="0" eaLnBrk="1" fontAlgn="base" hangingPunct="1">
+              <a:spcBef>
+                <a:spcPct val="20000"/>
+              </a:spcBef>
+              <a:spcAft>
+                <a:spcPct val="0"/>
+              </a:spcAft>
+              <a:buClr>
+                <a:srgbClr val="008C5A"/>
+              </a:buClr>
+              <a:buFont typeface="Monotype Sorts" pitchFamily="2" charset="2"/>
+              <a:buChar char="l"/>
+              <a:defRPr sz="1600">
+                <a:solidFill>
+                  <a:schemeClr val="tx1"/>
+                </a:solidFill>
+                <a:latin typeface="+mn-lt"/>
+              </a:defRPr>
+            </a:lvl6pPr>
+            <a:lvl7pPr marL="2895600" indent="-228600" algn="l" rtl="0" eaLnBrk="1" fontAlgn="base" hangingPunct="1">
+              <a:spcBef>
+                <a:spcPct val="20000"/>
+              </a:spcBef>
+              <a:spcAft>
+                <a:spcPct val="0"/>
+              </a:spcAft>
+              <a:buClr>
+                <a:srgbClr val="008C5A"/>
+              </a:buClr>
+              <a:buFont typeface="Monotype Sorts" pitchFamily="2" charset="2"/>
+              <a:buChar char="l"/>
+              <a:defRPr sz="1600">
+                <a:solidFill>
+                  <a:schemeClr val="tx1"/>
+                </a:solidFill>
+                <a:latin typeface="+mn-lt"/>
+              </a:defRPr>
+            </a:lvl7pPr>
+            <a:lvl8pPr marL="3352800" indent="-228600" algn="l" rtl="0" eaLnBrk="1" fontAlgn="base" hangingPunct="1">
+              <a:spcBef>
+                <a:spcPct val="20000"/>
+              </a:spcBef>
+              <a:spcAft>
+                <a:spcPct val="0"/>
+              </a:spcAft>
+              <a:buClr>
+                <a:srgbClr val="008C5A"/>
+              </a:buClr>
+              <a:buFont typeface="Monotype Sorts" pitchFamily="2" charset="2"/>
+              <a:buChar char="l"/>
+              <a:defRPr sz="1600">
+                <a:solidFill>
+                  <a:schemeClr val="tx1"/>
+                </a:solidFill>
+                <a:latin typeface="+mn-lt"/>
+              </a:defRPr>
+            </a:lvl8pPr>
+            <a:lvl9pPr marL="3810000" indent="-228600" algn="l" rtl="0" eaLnBrk="1" fontAlgn="base" hangingPunct="1">
+              <a:spcBef>
+                <a:spcPct val="20000"/>
+              </a:spcBef>
+              <a:spcAft>
+                <a:spcPct val="0"/>
+              </a:spcAft>
+              <a:buClr>
+                <a:srgbClr val="008C5A"/>
+              </a:buClr>
+              <a:buFont typeface="Monotype Sorts" pitchFamily="2" charset="2"/>
+              <a:buChar char="l"/>
+              <a:defRPr sz="1600">
+                <a:solidFill>
+                  <a:schemeClr val="tx1"/>
+                </a:solidFill>
+                <a:latin typeface="+mn-lt"/>
+              </a:defRPr>
+            </a:lvl9pPr>
+          </a:lstStyle>
+          <a:p>
+            <a:pPr marL="0" indent="0" algn="ctr">
+              <a:buFont typeface="Monotype Sorts" pitchFamily="2" charset="2"/>
+              <a:buNone/>
+            </a:pPr>
+            <a:r>
+              <a:rPr lang="de-DE" kern="0" dirty="0" err="1"/>
+              <a:t>docker</a:t>
+            </a:r>
+            <a:r>
+              <a:rPr lang="de-DE" kern="0" dirty="0"/>
+              <a:t> </a:t>
+            </a:r>
+            <a:r>
+              <a:rPr lang="de-DE" kern="0" dirty="0" err="1"/>
+              <a:t>stop</a:t>
+            </a:r>
+            <a:r>
+              <a:rPr lang="de-DE" kern="0" dirty="0"/>
+              <a:t> </a:t>
+            </a:r>
+            <a:r>
+              <a:rPr lang="de-DE" kern="0" dirty="0" err="1"/>
+              <a:t>example</a:t>
+            </a:r>
+            <a:endParaRPr lang="de-DE" kern="0" dirty="0"/>
+          </a:p>
+          <a:p>
+            <a:pPr marL="0" indent="0" algn="ctr">
+              <a:buFont typeface="Monotype Sorts" pitchFamily="2" charset="2"/>
+              <a:buNone/>
+            </a:pPr>
+            <a:r>
+              <a:rPr lang="de-DE" kern="0" dirty="0" err="1"/>
+              <a:t>docker</a:t>
+            </a:r>
+            <a:r>
+              <a:rPr lang="de-DE" kern="0" dirty="0"/>
+              <a:t> kill </a:t>
+            </a:r>
+            <a:r>
+              <a:rPr lang="de-DE" kern="0" dirty="0" err="1"/>
+              <a:t>example</a:t>
+            </a:r>
+            <a:endParaRPr lang="de-DE" kern="0" dirty="0"/>
+          </a:p>
+        </p:txBody>
+      </p:sp>
+      <p:sp>
+        <p:nvSpPr>
+          <p:cNvPr id="9" name="Inhaltsplatzhalter 2">
+            <a:extLst>
+              <a:ext uri="{FF2B5EF4-FFF2-40B4-BE49-F238E27FC236}">
+                <a16:creationId xmlns:a16="http://schemas.microsoft.com/office/drawing/2014/main" id="{F1654FAE-532C-D56C-F23C-E0A7B146F195}"/>
+              </a:ext>
+            </a:extLst>
+          </p:cNvPr>
+          <p:cNvSpPr txBox="1">
+            <a:spLocks/>
+          </p:cNvSpPr>
+          <p:nvPr/>
+        </p:nvSpPr>
+        <p:spPr bwMode="auto">
+          <a:xfrm>
+            <a:off x="285718" y="2838214"/>
+            <a:ext cx="8516937" cy="432048"/>
+          </a:xfrm>
+          <a:prstGeom prst="rect">
+            <a:avLst/>
+          </a:prstGeom>
+          <a:noFill/>
+          <a:ln>
+            <a:noFill/>
+          </a:ln>
+          <a:effectLst>
+            <a:softEdge rad="0"/>
+          </a:effectLst>
+        </p:spPr>
+        <p:txBody>
+          <a:bodyPr vert="horz" wrap="square" lIns="92075" tIns="46038" rIns="92075" bIns="46038" numCol="1" anchor="t" anchorCtr="0" compatLnSpc="1">
+            <a:prstTxWarp prst="textNoShape">
+              <a:avLst/>
+            </a:prstTxWarp>
+          </a:bodyPr>
+          <a:lstStyle>
+            <a:lvl1pPr marL="342900" indent="-342900" algn="l" rtl="0" eaLnBrk="1" fontAlgn="base" hangingPunct="1">
+              <a:spcBef>
+                <a:spcPct val="20000"/>
+              </a:spcBef>
+              <a:spcAft>
+                <a:spcPct val="0"/>
+              </a:spcAft>
+              <a:buClr>
+                <a:srgbClr val="008C5A"/>
+              </a:buClr>
+              <a:buFont typeface="Monotype Sorts" pitchFamily="2" charset="2"/>
+              <a:buChar char="l"/>
+              <a:defRPr sz="2400">
+                <a:solidFill>
+                  <a:schemeClr val="tx1"/>
+                </a:solidFill>
+                <a:latin typeface="+mn-lt"/>
+                <a:ea typeface="+mn-ea"/>
+                <a:cs typeface="+mn-cs"/>
+              </a:defRPr>
+            </a:lvl1pPr>
+            <a:lvl2pPr marL="742950" indent="-285750" algn="l" rtl="0" eaLnBrk="1" fontAlgn="base" hangingPunct="1">
+              <a:spcBef>
+                <a:spcPct val="20000"/>
+              </a:spcBef>
+              <a:spcAft>
+                <a:spcPct val="0"/>
+              </a:spcAft>
+              <a:buClr>
+                <a:srgbClr val="008C5A"/>
+              </a:buClr>
+              <a:buFont typeface="Monotype Sorts" pitchFamily="2" charset="2"/>
+              <a:buChar char="l"/>
+              <a:defRPr sz="2000">
+                <a:solidFill>
+                  <a:schemeClr val="tx1"/>
+                </a:solidFill>
+                <a:latin typeface="+mn-lt"/>
+              </a:defRPr>
+            </a:lvl2pPr>
+            <a:lvl3pPr marL="1143000" indent="-228600" algn="l" rtl="0" eaLnBrk="1" fontAlgn="base" hangingPunct="1">
+              <a:spcBef>
+                <a:spcPct val="20000"/>
+              </a:spcBef>
+              <a:spcAft>
+                <a:spcPct val="0"/>
+              </a:spcAft>
+              <a:buClr>
+                <a:srgbClr val="008C5A"/>
+              </a:buClr>
+              <a:buFont typeface="Monotype Sorts" pitchFamily="2" charset="2"/>
+              <a:buChar char="l"/>
+              <a:defRPr sz="2400">
+                <a:solidFill>
+                  <a:schemeClr val="tx1"/>
+                </a:solidFill>
+                <a:latin typeface="+mn-lt"/>
+              </a:defRPr>
+            </a:lvl3pPr>
+            <a:lvl4pPr marL="1562100" indent="-228600" algn="l" rtl="0" eaLnBrk="1" fontAlgn="base" hangingPunct="1">
+              <a:spcBef>
+                <a:spcPct val="20000"/>
+              </a:spcBef>
+              <a:spcAft>
+                <a:spcPct val="0"/>
+              </a:spcAft>
+              <a:buClr>
+                <a:srgbClr val="008C5A"/>
+              </a:buClr>
+              <a:buFont typeface="Monotype Sorts" pitchFamily="2" charset="2"/>
+              <a:buChar char="l"/>
+              <a:defRPr sz="1600">
+                <a:solidFill>
+                  <a:schemeClr val="tx1"/>
+                </a:solidFill>
+                <a:latin typeface="+mn-lt"/>
+              </a:defRPr>
+            </a:lvl4pPr>
+            <a:lvl5pPr marL="1981200" indent="-228600" algn="l" rtl="0" eaLnBrk="1" fontAlgn="base" hangingPunct="1">
+              <a:spcBef>
+                <a:spcPct val="20000"/>
+              </a:spcBef>
+              <a:spcAft>
+                <a:spcPct val="0"/>
+              </a:spcAft>
+              <a:buClr>
+                <a:srgbClr val="008C5A"/>
+              </a:buClr>
+              <a:buFont typeface="Monotype Sorts" pitchFamily="2" charset="2"/>
+              <a:buChar char="l"/>
+              <a:defRPr sz="1600">
+                <a:solidFill>
+                  <a:schemeClr val="tx1"/>
+                </a:solidFill>
+                <a:latin typeface="+mn-lt"/>
+              </a:defRPr>
+            </a:lvl5pPr>
+            <a:lvl6pPr marL="2438400" indent="-228600" algn="l" rtl="0" eaLnBrk="1" fontAlgn="base" hangingPunct="1">
+              <a:spcBef>
+                <a:spcPct val="20000"/>
+              </a:spcBef>
+              <a:spcAft>
+                <a:spcPct val="0"/>
+              </a:spcAft>
+              <a:buClr>
+                <a:srgbClr val="008C5A"/>
+              </a:buClr>
+              <a:buFont typeface="Monotype Sorts" pitchFamily="2" charset="2"/>
+              <a:buChar char="l"/>
+              <a:defRPr sz="1600">
+                <a:solidFill>
+                  <a:schemeClr val="tx1"/>
+                </a:solidFill>
+                <a:latin typeface="+mn-lt"/>
+              </a:defRPr>
+            </a:lvl6pPr>
+            <a:lvl7pPr marL="2895600" indent="-228600" algn="l" rtl="0" eaLnBrk="1" fontAlgn="base" hangingPunct="1">
+              <a:spcBef>
+                <a:spcPct val="20000"/>
+              </a:spcBef>
+              <a:spcAft>
+                <a:spcPct val="0"/>
+              </a:spcAft>
+              <a:buClr>
+                <a:srgbClr val="008C5A"/>
+              </a:buClr>
+              <a:buFont typeface="Monotype Sorts" pitchFamily="2" charset="2"/>
+              <a:buChar char="l"/>
+              <a:defRPr sz="1600">
+                <a:solidFill>
+                  <a:schemeClr val="tx1"/>
+                </a:solidFill>
+                <a:latin typeface="+mn-lt"/>
+              </a:defRPr>
+            </a:lvl7pPr>
+            <a:lvl8pPr marL="3352800" indent="-228600" algn="l" rtl="0" eaLnBrk="1" fontAlgn="base" hangingPunct="1">
+              <a:spcBef>
+                <a:spcPct val="20000"/>
+              </a:spcBef>
+              <a:spcAft>
+                <a:spcPct val="0"/>
+              </a:spcAft>
+              <a:buClr>
+                <a:srgbClr val="008C5A"/>
+              </a:buClr>
+              <a:buFont typeface="Monotype Sorts" pitchFamily="2" charset="2"/>
+              <a:buChar char="l"/>
+              <a:defRPr sz="1600">
+                <a:solidFill>
+                  <a:schemeClr val="tx1"/>
+                </a:solidFill>
+                <a:latin typeface="+mn-lt"/>
+              </a:defRPr>
+            </a:lvl8pPr>
+            <a:lvl9pPr marL="3810000" indent="-228600" algn="l" rtl="0" eaLnBrk="1" fontAlgn="base" hangingPunct="1">
+              <a:spcBef>
+                <a:spcPct val="20000"/>
+              </a:spcBef>
+              <a:spcAft>
+                <a:spcPct val="0"/>
+              </a:spcAft>
+              <a:buClr>
+                <a:srgbClr val="008C5A"/>
+              </a:buClr>
+              <a:buFont typeface="Monotype Sorts" pitchFamily="2" charset="2"/>
+              <a:buChar char="l"/>
+              <a:defRPr sz="1600">
+                <a:solidFill>
+                  <a:schemeClr val="tx1"/>
+                </a:solidFill>
+                <a:latin typeface="+mn-lt"/>
+              </a:defRPr>
+            </a:lvl9pPr>
+          </a:lstStyle>
+          <a:p>
+            <a:pPr marL="0" indent="0" algn="ctr">
+              <a:buFont typeface="Monotype Sorts" pitchFamily="2" charset="2"/>
+              <a:buNone/>
+            </a:pPr>
+            <a:r>
+              <a:rPr lang="de-DE" kern="0" dirty="0"/>
+              <a:t>Container stoppen:</a:t>
+            </a:r>
+          </a:p>
+        </p:txBody>
+      </p:sp>
+      <p:sp>
+        <p:nvSpPr>
+          <p:cNvPr id="10" name="Inhaltsplatzhalter 2">
+            <a:extLst>
+              <a:ext uri="{FF2B5EF4-FFF2-40B4-BE49-F238E27FC236}">
+                <a16:creationId xmlns:a16="http://schemas.microsoft.com/office/drawing/2014/main" id="{4A8754FA-DDC4-3B17-8C3F-389A390F97E2}"/>
+              </a:ext>
+            </a:extLst>
+          </p:cNvPr>
+          <p:cNvSpPr txBox="1">
+            <a:spLocks/>
+          </p:cNvSpPr>
+          <p:nvPr/>
+        </p:nvSpPr>
+        <p:spPr bwMode="auto">
+          <a:xfrm>
+            <a:off x="285719" y="4653136"/>
+            <a:ext cx="8516937" cy="432048"/>
+          </a:xfrm>
+          <a:prstGeom prst="rect">
+            <a:avLst/>
+          </a:prstGeom>
+          <a:solidFill>
+            <a:schemeClr val="bg1">
+              <a:lumMod val="85000"/>
+            </a:schemeClr>
+          </a:solidFill>
+          <a:ln>
+            <a:noFill/>
+          </a:ln>
+          <a:effectLst>
+            <a:softEdge rad="25400"/>
+          </a:effectLst>
+          <a:extLst>
+            <a:ext uri="{91240B29-F687-4F45-9708-019B960494DF}">
+              <a14:hiddenLine xmlns:a14="http://schemas.microsoft.com/office/drawing/2010/main" w="9525">
+                <a:solidFill>
+                  <a:srgbClr val="000000"/>
+                </a:solidFill>
+                <a:miter lim="800000"/>
+                <a:headEnd/>
+                <a:tailEnd/>
+              </a14:hiddenLine>
+            </a:ext>
+          </a:extLst>
+        </p:spPr>
+        <p:txBody>
+          <a:bodyPr vert="horz" wrap="square" lIns="92075" tIns="46038" rIns="92075" bIns="46038" numCol="1" anchor="t" anchorCtr="0" compatLnSpc="1">
+            <a:prstTxWarp prst="textNoShape">
+              <a:avLst/>
+            </a:prstTxWarp>
+          </a:bodyPr>
+          <a:lstStyle>
+            <a:lvl1pPr marL="342900" indent="-342900" algn="l" rtl="0" eaLnBrk="1" fontAlgn="base" hangingPunct="1">
+              <a:spcBef>
+                <a:spcPct val="20000"/>
+              </a:spcBef>
+              <a:spcAft>
+                <a:spcPct val="0"/>
+              </a:spcAft>
+              <a:buClr>
+                <a:srgbClr val="008C5A"/>
+              </a:buClr>
+              <a:buFont typeface="Monotype Sorts" pitchFamily="2" charset="2"/>
+              <a:buChar char="l"/>
+              <a:defRPr sz="2400">
+                <a:solidFill>
+                  <a:schemeClr val="tx1"/>
+                </a:solidFill>
+                <a:latin typeface="+mn-lt"/>
+                <a:ea typeface="+mn-ea"/>
+                <a:cs typeface="+mn-cs"/>
+              </a:defRPr>
+            </a:lvl1pPr>
+            <a:lvl2pPr marL="742950" indent="-285750" algn="l" rtl="0" eaLnBrk="1" fontAlgn="base" hangingPunct="1">
+              <a:spcBef>
+                <a:spcPct val="20000"/>
+              </a:spcBef>
+              <a:spcAft>
+                <a:spcPct val="0"/>
+              </a:spcAft>
+              <a:buClr>
+                <a:srgbClr val="008C5A"/>
+              </a:buClr>
+              <a:buFont typeface="Monotype Sorts" pitchFamily="2" charset="2"/>
+              <a:buChar char="l"/>
+              <a:defRPr sz="2000">
+                <a:solidFill>
+                  <a:schemeClr val="tx1"/>
+                </a:solidFill>
+                <a:latin typeface="+mn-lt"/>
+              </a:defRPr>
+            </a:lvl2pPr>
+            <a:lvl3pPr marL="1143000" indent="-228600" algn="l" rtl="0" eaLnBrk="1" fontAlgn="base" hangingPunct="1">
+              <a:spcBef>
+                <a:spcPct val="20000"/>
+              </a:spcBef>
+              <a:spcAft>
+                <a:spcPct val="0"/>
+              </a:spcAft>
+              <a:buClr>
+                <a:srgbClr val="008C5A"/>
+              </a:buClr>
+              <a:buFont typeface="Monotype Sorts" pitchFamily="2" charset="2"/>
+              <a:buChar char="l"/>
+              <a:defRPr sz="2400">
+                <a:solidFill>
+                  <a:schemeClr val="tx1"/>
+                </a:solidFill>
+                <a:latin typeface="+mn-lt"/>
+              </a:defRPr>
+            </a:lvl3pPr>
+            <a:lvl4pPr marL="1562100" indent="-228600" algn="l" rtl="0" eaLnBrk="1" fontAlgn="base" hangingPunct="1">
+              <a:spcBef>
+                <a:spcPct val="20000"/>
+              </a:spcBef>
+              <a:spcAft>
+                <a:spcPct val="0"/>
+              </a:spcAft>
+              <a:buClr>
+                <a:srgbClr val="008C5A"/>
+              </a:buClr>
+              <a:buFont typeface="Monotype Sorts" pitchFamily="2" charset="2"/>
+              <a:buChar char="l"/>
+              <a:defRPr sz="1600">
+                <a:solidFill>
+                  <a:schemeClr val="tx1"/>
+                </a:solidFill>
+                <a:latin typeface="+mn-lt"/>
+              </a:defRPr>
+            </a:lvl4pPr>
+            <a:lvl5pPr marL="1981200" indent="-228600" algn="l" rtl="0" eaLnBrk="1" fontAlgn="base" hangingPunct="1">
+              <a:spcBef>
+                <a:spcPct val="20000"/>
+              </a:spcBef>
+              <a:spcAft>
+                <a:spcPct val="0"/>
+              </a:spcAft>
+              <a:buClr>
+                <a:srgbClr val="008C5A"/>
+              </a:buClr>
+              <a:buFont typeface="Monotype Sorts" pitchFamily="2" charset="2"/>
+              <a:buChar char="l"/>
+              <a:defRPr sz="1600">
+                <a:solidFill>
+                  <a:schemeClr val="tx1"/>
+                </a:solidFill>
+                <a:latin typeface="+mn-lt"/>
+              </a:defRPr>
+            </a:lvl5pPr>
+            <a:lvl6pPr marL="2438400" indent="-228600" algn="l" rtl="0" eaLnBrk="1" fontAlgn="base" hangingPunct="1">
+              <a:spcBef>
+                <a:spcPct val="20000"/>
+              </a:spcBef>
+              <a:spcAft>
+                <a:spcPct val="0"/>
+              </a:spcAft>
+              <a:buClr>
+                <a:srgbClr val="008C5A"/>
+              </a:buClr>
+              <a:buFont typeface="Monotype Sorts" pitchFamily="2" charset="2"/>
+              <a:buChar char="l"/>
+              <a:defRPr sz="1600">
+                <a:solidFill>
+                  <a:schemeClr val="tx1"/>
+                </a:solidFill>
+                <a:latin typeface="+mn-lt"/>
+              </a:defRPr>
+            </a:lvl6pPr>
+            <a:lvl7pPr marL="2895600" indent="-228600" algn="l" rtl="0" eaLnBrk="1" fontAlgn="base" hangingPunct="1">
+              <a:spcBef>
+                <a:spcPct val="20000"/>
+              </a:spcBef>
+              <a:spcAft>
+                <a:spcPct val="0"/>
+              </a:spcAft>
+              <a:buClr>
+                <a:srgbClr val="008C5A"/>
+              </a:buClr>
+              <a:buFont typeface="Monotype Sorts" pitchFamily="2" charset="2"/>
+              <a:buChar char="l"/>
+              <a:defRPr sz="1600">
+                <a:solidFill>
+                  <a:schemeClr val="tx1"/>
+                </a:solidFill>
+                <a:latin typeface="+mn-lt"/>
+              </a:defRPr>
+            </a:lvl7pPr>
+            <a:lvl8pPr marL="3352800" indent="-228600" algn="l" rtl="0" eaLnBrk="1" fontAlgn="base" hangingPunct="1">
+              <a:spcBef>
+                <a:spcPct val="20000"/>
+              </a:spcBef>
+              <a:spcAft>
+                <a:spcPct val="0"/>
+              </a:spcAft>
+              <a:buClr>
+                <a:srgbClr val="008C5A"/>
+              </a:buClr>
+              <a:buFont typeface="Monotype Sorts" pitchFamily="2" charset="2"/>
+              <a:buChar char="l"/>
+              <a:defRPr sz="1600">
+                <a:solidFill>
+                  <a:schemeClr val="tx1"/>
+                </a:solidFill>
+                <a:latin typeface="+mn-lt"/>
+              </a:defRPr>
+            </a:lvl8pPr>
+            <a:lvl9pPr marL="3810000" indent="-228600" algn="l" rtl="0" eaLnBrk="1" fontAlgn="base" hangingPunct="1">
+              <a:spcBef>
+                <a:spcPct val="20000"/>
+              </a:spcBef>
+              <a:spcAft>
+                <a:spcPct val="0"/>
+              </a:spcAft>
+              <a:buClr>
+                <a:srgbClr val="008C5A"/>
+              </a:buClr>
+              <a:buFont typeface="Monotype Sorts" pitchFamily="2" charset="2"/>
+              <a:buChar char="l"/>
+              <a:defRPr sz="1600">
+                <a:solidFill>
+                  <a:schemeClr val="tx1"/>
+                </a:solidFill>
+                <a:latin typeface="+mn-lt"/>
+              </a:defRPr>
+            </a:lvl9pPr>
+          </a:lstStyle>
+          <a:p>
+            <a:pPr marL="0" indent="0" algn="ctr">
+              <a:buFont typeface="Monotype Sorts" pitchFamily="2" charset="2"/>
+              <a:buNone/>
+            </a:pPr>
+            <a:r>
+              <a:rPr lang="de-DE" kern="0" dirty="0" err="1"/>
+              <a:t>docker</a:t>
+            </a:r>
+            <a:r>
+              <a:rPr lang="de-DE" kern="0" dirty="0"/>
+              <a:t> </a:t>
+            </a:r>
+            <a:r>
+              <a:rPr lang="de-DE" kern="0" dirty="0" err="1"/>
+              <a:t>rm</a:t>
+            </a:r>
+            <a:r>
+              <a:rPr lang="de-DE" kern="0" dirty="0"/>
+              <a:t> </a:t>
+            </a:r>
+            <a:r>
+              <a:rPr lang="de-DE" kern="0" dirty="0" err="1"/>
+              <a:t>example</a:t>
+            </a:r>
+            <a:endParaRPr lang="de-DE" kern="0" dirty="0"/>
+          </a:p>
+        </p:txBody>
+      </p:sp>
+      <p:sp>
+        <p:nvSpPr>
+          <p:cNvPr id="11" name="Inhaltsplatzhalter 2">
+            <a:extLst>
+              <a:ext uri="{FF2B5EF4-FFF2-40B4-BE49-F238E27FC236}">
+                <a16:creationId xmlns:a16="http://schemas.microsoft.com/office/drawing/2014/main" id="{DBCB1DAD-F553-56D3-3EFA-59D520AB5DCB}"/>
+              </a:ext>
+            </a:extLst>
+          </p:cNvPr>
+          <p:cNvSpPr txBox="1">
+            <a:spLocks/>
+          </p:cNvSpPr>
+          <p:nvPr/>
+        </p:nvSpPr>
+        <p:spPr bwMode="auto">
+          <a:xfrm>
+            <a:off x="268225" y="4221088"/>
+            <a:ext cx="8516937" cy="432048"/>
+          </a:xfrm>
+          <a:prstGeom prst="rect">
+            <a:avLst/>
+          </a:prstGeom>
+          <a:noFill/>
+          <a:ln>
+            <a:noFill/>
+          </a:ln>
+          <a:effectLst>
+            <a:softEdge rad="0"/>
+          </a:effectLst>
+        </p:spPr>
+        <p:txBody>
+          <a:bodyPr vert="horz" wrap="square" lIns="92075" tIns="46038" rIns="92075" bIns="46038" numCol="1" anchor="t" anchorCtr="0" compatLnSpc="1">
+            <a:prstTxWarp prst="textNoShape">
+              <a:avLst/>
+            </a:prstTxWarp>
+          </a:bodyPr>
+          <a:lstStyle>
+            <a:lvl1pPr marL="342900" indent="-342900" algn="l" rtl="0" eaLnBrk="1" fontAlgn="base" hangingPunct="1">
+              <a:spcBef>
+                <a:spcPct val="20000"/>
+              </a:spcBef>
+              <a:spcAft>
+                <a:spcPct val="0"/>
+              </a:spcAft>
+              <a:buClr>
+                <a:srgbClr val="008C5A"/>
+              </a:buClr>
+              <a:buFont typeface="Monotype Sorts" pitchFamily="2" charset="2"/>
+              <a:buChar char="l"/>
+              <a:defRPr sz="2400">
+                <a:solidFill>
+                  <a:schemeClr val="tx1"/>
+                </a:solidFill>
+                <a:latin typeface="+mn-lt"/>
+                <a:ea typeface="+mn-ea"/>
+                <a:cs typeface="+mn-cs"/>
+              </a:defRPr>
+            </a:lvl1pPr>
+            <a:lvl2pPr marL="742950" indent="-285750" algn="l" rtl="0" eaLnBrk="1" fontAlgn="base" hangingPunct="1">
+              <a:spcBef>
+                <a:spcPct val="20000"/>
+              </a:spcBef>
+              <a:spcAft>
+                <a:spcPct val="0"/>
+              </a:spcAft>
+              <a:buClr>
+                <a:srgbClr val="008C5A"/>
+              </a:buClr>
+              <a:buFont typeface="Monotype Sorts" pitchFamily="2" charset="2"/>
+              <a:buChar char="l"/>
+              <a:defRPr sz="2000">
+                <a:solidFill>
+                  <a:schemeClr val="tx1"/>
+                </a:solidFill>
+                <a:latin typeface="+mn-lt"/>
+              </a:defRPr>
+            </a:lvl2pPr>
+            <a:lvl3pPr marL="1143000" indent="-228600" algn="l" rtl="0" eaLnBrk="1" fontAlgn="base" hangingPunct="1">
+              <a:spcBef>
+                <a:spcPct val="20000"/>
+              </a:spcBef>
+              <a:spcAft>
+                <a:spcPct val="0"/>
+              </a:spcAft>
+              <a:buClr>
+                <a:srgbClr val="008C5A"/>
+              </a:buClr>
+              <a:buFont typeface="Monotype Sorts" pitchFamily="2" charset="2"/>
+              <a:buChar char="l"/>
+              <a:defRPr sz="2400">
+                <a:solidFill>
+                  <a:schemeClr val="tx1"/>
+                </a:solidFill>
+                <a:latin typeface="+mn-lt"/>
+              </a:defRPr>
+            </a:lvl3pPr>
+            <a:lvl4pPr marL="1562100" indent="-228600" algn="l" rtl="0" eaLnBrk="1" fontAlgn="base" hangingPunct="1">
+              <a:spcBef>
+                <a:spcPct val="20000"/>
+              </a:spcBef>
+              <a:spcAft>
+                <a:spcPct val="0"/>
+              </a:spcAft>
+              <a:buClr>
+                <a:srgbClr val="008C5A"/>
+              </a:buClr>
+              <a:buFont typeface="Monotype Sorts" pitchFamily="2" charset="2"/>
+              <a:buChar char="l"/>
+              <a:defRPr sz="1600">
+                <a:solidFill>
+                  <a:schemeClr val="tx1"/>
+                </a:solidFill>
+                <a:latin typeface="+mn-lt"/>
+              </a:defRPr>
+            </a:lvl4pPr>
+            <a:lvl5pPr marL="1981200" indent="-228600" algn="l" rtl="0" eaLnBrk="1" fontAlgn="base" hangingPunct="1">
+              <a:spcBef>
+                <a:spcPct val="20000"/>
+              </a:spcBef>
+              <a:spcAft>
+                <a:spcPct val="0"/>
+              </a:spcAft>
+              <a:buClr>
+                <a:srgbClr val="008C5A"/>
+              </a:buClr>
+              <a:buFont typeface="Monotype Sorts" pitchFamily="2" charset="2"/>
+              <a:buChar char="l"/>
+              <a:defRPr sz="1600">
+                <a:solidFill>
+                  <a:schemeClr val="tx1"/>
+                </a:solidFill>
+                <a:latin typeface="+mn-lt"/>
+              </a:defRPr>
+            </a:lvl5pPr>
+            <a:lvl6pPr marL="2438400" indent="-228600" algn="l" rtl="0" eaLnBrk="1" fontAlgn="base" hangingPunct="1">
+              <a:spcBef>
+                <a:spcPct val="20000"/>
+              </a:spcBef>
+              <a:spcAft>
+                <a:spcPct val="0"/>
+              </a:spcAft>
+              <a:buClr>
+                <a:srgbClr val="008C5A"/>
+              </a:buClr>
+              <a:buFont typeface="Monotype Sorts" pitchFamily="2" charset="2"/>
+              <a:buChar char="l"/>
+              <a:defRPr sz="1600">
+                <a:solidFill>
+                  <a:schemeClr val="tx1"/>
+                </a:solidFill>
+                <a:latin typeface="+mn-lt"/>
+              </a:defRPr>
+            </a:lvl6pPr>
+            <a:lvl7pPr marL="2895600" indent="-228600" algn="l" rtl="0" eaLnBrk="1" fontAlgn="base" hangingPunct="1">
+              <a:spcBef>
+                <a:spcPct val="20000"/>
+              </a:spcBef>
+              <a:spcAft>
+                <a:spcPct val="0"/>
+              </a:spcAft>
+              <a:buClr>
+                <a:srgbClr val="008C5A"/>
+              </a:buClr>
+              <a:buFont typeface="Monotype Sorts" pitchFamily="2" charset="2"/>
+              <a:buChar char="l"/>
+              <a:defRPr sz="1600">
+                <a:solidFill>
+                  <a:schemeClr val="tx1"/>
+                </a:solidFill>
+                <a:latin typeface="+mn-lt"/>
+              </a:defRPr>
+            </a:lvl7pPr>
+            <a:lvl8pPr marL="3352800" indent="-228600" algn="l" rtl="0" eaLnBrk="1" fontAlgn="base" hangingPunct="1">
+              <a:spcBef>
+                <a:spcPct val="20000"/>
+              </a:spcBef>
+              <a:spcAft>
+                <a:spcPct val="0"/>
+              </a:spcAft>
+              <a:buClr>
+                <a:srgbClr val="008C5A"/>
+              </a:buClr>
+              <a:buFont typeface="Monotype Sorts" pitchFamily="2" charset="2"/>
+              <a:buChar char="l"/>
+              <a:defRPr sz="1600">
+                <a:solidFill>
+                  <a:schemeClr val="tx1"/>
+                </a:solidFill>
+                <a:latin typeface="+mn-lt"/>
+              </a:defRPr>
+            </a:lvl8pPr>
+            <a:lvl9pPr marL="3810000" indent="-228600" algn="l" rtl="0" eaLnBrk="1" fontAlgn="base" hangingPunct="1">
+              <a:spcBef>
+                <a:spcPct val="20000"/>
+              </a:spcBef>
+              <a:spcAft>
+                <a:spcPct val="0"/>
+              </a:spcAft>
+              <a:buClr>
+                <a:srgbClr val="008C5A"/>
+              </a:buClr>
+              <a:buFont typeface="Monotype Sorts" pitchFamily="2" charset="2"/>
+              <a:buChar char="l"/>
+              <a:defRPr sz="1600">
+                <a:solidFill>
+                  <a:schemeClr val="tx1"/>
+                </a:solidFill>
+                <a:latin typeface="+mn-lt"/>
+              </a:defRPr>
+            </a:lvl9pPr>
+          </a:lstStyle>
+          <a:p>
+            <a:pPr marL="0" indent="0" algn="ctr">
+              <a:buFont typeface="Monotype Sorts" pitchFamily="2" charset="2"/>
+              <a:buNone/>
+            </a:pPr>
+            <a:r>
+              <a:rPr lang="de-DE" kern="0" dirty="0"/>
+              <a:t>Container löschen:</a:t>
+            </a:r>
+          </a:p>
+        </p:txBody>
+      </p:sp>
+      <p:sp>
+        <p:nvSpPr>
+          <p:cNvPr id="13" name="Inhaltsplatzhalter 2">
+            <a:extLst>
+              <a:ext uri="{FF2B5EF4-FFF2-40B4-BE49-F238E27FC236}">
+                <a16:creationId xmlns:a16="http://schemas.microsoft.com/office/drawing/2014/main" id="{9C041C59-3DD5-B3C7-BB16-A2598BEE84B7}"/>
+              </a:ext>
+            </a:extLst>
+          </p:cNvPr>
+          <p:cNvSpPr txBox="1">
+            <a:spLocks/>
+          </p:cNvSpPr>
+          <p:nvPr/>
+        </p:nvSpPr>
+        <p:spPr bwMode="auto">
+          <a:xfrm>
+            <a:off x="305899" y="5580526"/>
+            <a:ext cx="8516937" cy="432048"/>
+          </a:xfrm>
+          <a:prstGeom prst="rect">
+            <a:avLst/>
+          </a:prstGeom>
+          <a:solidFill>
+            <a:schemeClr val="bg1">
+              <a:lumMod val="85000"/>
+            </a:schemeClr>
+          </a:solidFill>
+          <a:ln>
+            <a:noFill/>
+          </a:ln>
+          <a:effectLst>
+            <a:softEdge rad="25400"/>
+          </a:effectLst>
+          <a:extLst>
+            <a:ext uri="{91240B29-F687-4F45-9708-019B960494DF}">
+              <a14:hiddenLine xmlns:a14="http://schemas.microsoft.com/office/drawing/2010/main" w="9525">
+                <a:solidFill>
+                  <a:srgbClr val="000000"/>
+                </a:solidFill>
+                <a:miter lim="800000"/>
+                <a:headEnd/>
+                <a:tailEnd/>
+              </a14:hiddenLine>
+            </a:ext>
+          </a:extLst>
+        </p:spPr>
+        <p:txBody>
+          <a:bodyPr vert="horz" wrap="square" lIns="92075" tIns="46038" rIns="92075" bIns="46038" numCol="1" anchor="t" anchorCtr="0" compatLnSpc="1">
+            <a:prstTxWarp prst="textNoShape">
+              <a:avLst/>
+            </a:prstTxWarp>
+          </a:bodyPr>
+          <a:lstStyle>
+            <a:lvl1pPr marL="342900" indent="-342900" algn="l" rtl="0" eaLnBrk="1" fontAlgn="base" hangingPunct="1">
+              <a:spcBef>
+                <a:spcPct val="20000"/>
+              </a:spcBef>
+              <a:spcAft>
+                <a:spcPct val="0"/>
+              </a:spcAft>
+              <a:buClr>
+                <a:srgbClr val="008C5A"/>
+              </a:buClr>
+              <a:buFont typeface="Monotype Sorts" pitchFamily="2" charset="2"/>
+              <a:buChar char="l"/>
+              <a:defRPr sz="2400">
+                <a:solidFill>
+                  <a:schemeClr val="tx1"/>
+                </a:solidFill>
+                <a:latin typeface="+mn-lt"/>
+                <a:ea typeface="+mn-ea"/>
+                <a:cs typeface="+mn-cs"/>
+              </a:defRPr>
+            </a:lvl1pPr>
+            <a:lvl2pPr marL="742950" indent="-285750" algn="l" rtl="0" eaLnBrk="1" fontAlgn="base" hangingPunct="1">
+              <a:spcBef>
+                <a:spcPct val="20000"/>
+              </a:spcBef>
+              <a:spcAft>
+                <a:spcPct val="0"/>
+              </a:spcAft>
+              <a:buClr>
+                <a:srgbClr val="008C5A"/>
+              </a:buClr>
+              <a:buFont typeface="Monotype Sorts" pitchFamily="2" charset="2"/>
+              <a:buChar char="l"/>
+              <a:defRPr sz="2000">
+                <a:solidFill>
+                  <a:schemeClr val="tx1"/>
+                </a:solidFill>
+                <a:latin typeface="+mn-lt"/>
+              </a:defRPr>
+            </a:lvl2pPr>
+            <a:lvl3pPr marL="1143000" indent="-228600" algn="l" rtl="0" eaLnBrk="1" fontAlgn="base" hangingPunct="1">
+              <a:spcBef>
+                <a:spcPct val="20000"/>
+              </a:spcBef>
+              <a:spcAft>
+                <a:spcPct val="0"/>
+              </a:spcAft>
+              <a:buClr>
+                <a:srgbClr val="008C5A"/>
+              </a:buClr>
+              <a:buFont typeface="Monotype Sorts" pitchFamily="2" charset="2"/>
+              <a:buChar char="l"/>
+              <a:defRPr sz="2400">
+                <a:solidFill>
+                  <a:schemeClr val="tx1"/>
+                </a:solidFill>
+                <a:latin typeface="+mn-lt"/>
+              </a:defRPr>
+            </a:lvl3pPr>
+            <a:lvl4pPr marL="1562100" indent="-228600" algn="l" rtl="0" eaLnBrk="1" fontAlgn="base" hangingPunct="1">
+              <a:spcBef>
+                <a:spcPct val="20000"/>
+              </a:spcBef>
+              <a:spcAft>
+                <a:spcPct val="0"/>
+              </a:spcAft>
+              <a:buClr>
+                <a:srgbClr val="008C5A"/>
+              </a:buClr>
+              <a:buFont typeface="Monotype Sorts" pitchFamily="2" charset="2"/>
+              <a:buChar char="l"/>
+              <a:defRPr sz="1600">
+                <a:solidFill>
+                  <a:schemeClr val="tx1"/>
+                </a:solidFill>
+                <a:latin typeface="+mn-lt"/>
+              </a:defRPr>
+            </a:lvl4pPr>
+            <a:lvl5pPr marL="1981200" indent="-228600" algn="l" rtl="0" eaLnBrk="1" fontAlgn="base" hangingPunct="1">
+              <a:spcBef>
+                <a:spcPct val="20000"/>
+              </a:spcBef>
+              <a:spcAft>
+                <a:spcPct val="0"/>
+              </a:spcAft>
+              <a:buClr>
+                <a:srgbClr val="008C5A"/>
+              </a:buClr>
+              <a:buFont typeface="Monotype Sorts" pitchFamily="2" charset="2"/>
+              <a:buChar char="l"/>
+              <a:defRPr sz="1600">
+                <a:solidFill>
+                  <a:schemeClr val="tx1"/>
+                </a:solidFill>
+                <a:latin typeface="+mn-lt"/>
+              </a:defRPr>
+            </a:lvl5pPr>
+            <a:lvl6pPr marL="2438400" indent="-228600" algn="l" rtl="0" eaLnBrk="1" fontAlgn="base" hangingPunct="1">
+              <a:spcBef>
+                <a:spcPct val="20000"/>
+              </a:spcBef>
+              <a:spcAft>
+                <a:spcPct val="0"/>
+              </a:spcAft>
+              <a:buClr>
+                <a:srgbClr val="008C5A"/>
+              </a:buClr>
+              <a:buFont typeface="Monotype Sorts" pitchFamily="2" charset="2"/>
+              <a:buChar char="l"/>
+              <a:defRPr sz="1600">
+                <a:solidFill>
+                  <a:schemeClr val="tx1"/>
+                </a:solidFill>
+                <a:latin typeface="+mn-lt"/>
+              </a:defRPr>
+            </a:lvl6pPr>
+            <a:lvl7pPr marL="2895600" indent="-228600" algn="l" rtl="0" eaLnBrk="1" fontAlgn="base" hangingPunct="1">
+              <a:spcBef>
+                <a:spcPct val="20000"/>
+              </a:spcBef>
+              <a:spcAft>
+                <a:spcPct val="0"/>
+              </a:spcAft>
+              <a:buClr>
+                <a:srgbClr val="008C5A"/>
+              </a:buClr>
+              <a:buFont typeface="Monotype Sorts" pitchFamily="2" charset="2"/>
+              <a:buChar char="l"/>
+              <a:defRPr sz="1600">
+                <a:solidFill>
+                  <a:schemeClr val="tx1"/>
+                </a:solidFill>
+                <a:latin typeface="+mn-lt"/>
+              </a:defRPr>
+            </a:lvl7pPr>
+            <a:lvl8pPr marL="3352800" indent="-228600" algn="l" rtl="0" eaLnBrk="1" fontAlgn="base" hangingPunct="1">
+              <a:spcBef>
+                <a:spcPct val="20000"/>
+              </a:spcBef>
+              <a:spcAft>
+                <a:spcPct val="0"/>
+              </a:spcAft>
+              <a:buClr>
+                <a:srgbClr val="008C5A"/>
+              </a:buClr>
+              <a:buFont typeface="Monotype Sorts" pitchFamily="2" charset="2"/>
+              <a:buChar char="l"/>
+              <a:defRPr sz="1600">
+                <a:solidFill>
+                  <a:schemeClr val="tx1"/>
+                </a:solidFill>
+                <a:latin typeface="+mn-lt"/>
+              </a:defRPr>
+            </a:lvl8pPr>
+            <a:lvl9pPr marL="3810000" indent="-228600" algn="l" rtl="0" eaLnBrk="1" fontAlgn="base" hangingPunct="1">
+              <a:spcBef>
+                <a:spcPct val="20000"/>
+              </a:spcBef>
+              <a:spcAft>
+                <a:spcPct val="0"/>
+              </a:spcAft>
+              <a:buClr>
+                <a:srgbClr val="008C5A"/>
+              </a:buClr>
+              <a:buFont typeface="Monotype Sorts" pitchFamily="2" charset="2"/>
+              <a:buChar char="l"/>
+              <a:defRPr sz="1600">
+                <a:solidFill>
+                  <a:schemeClr val="tx1"/>
+                </a:solidFill>
+                <a:latin typeface="+mn-lt"/>
+              </a:defRPr>
+            </a:lvl9pPr>
+          </a:lstStyle>
+          <a:p>
+            <a:pPr marL="0" indent="0" algn="ctr">
+              <a:buFont typeface="Monotype Sorts" pitchFamily="2" charset="2"/>
+              <a:buNone/>
+            </a:pPr>
+            <a:r>
+              <a:rPr lang="de-DE" kern="0" dirty="0" err="1"/>
+              <a:t>docker</a:t>
+            </a:r>
+            <a:r>
+              <a:rPr lang="de-DE" kern="0" dirty="0"/>
+              <a:t> </a:t>
+            </a:r>
+            <a:r>
+              <a:rPr lang="de-DE" kern="0" dirty="0" err="1"/>
+              <a:t>ls</a:t>
+            </a:r>
+            <a:endParaRPr lang="de-DE" kern="0" dirty="0"/>
+          </a:p>
+        </p:txBody>
+      </p:sp>
+      <p:sp>
+        <p:nvSpPr>
+          <p:cNvPr id="14" name="Inhaltsplatzhalter 2">
+            <a:extLst>
+              <a:ext uri="{FF2B5EF4-FFF2-40B4-BE49-F238E27FC236}">
+                <a16:creationId xmlns:a16="http://schemas.microsoft.com/office/drawing/2014/main" id="{6565CE33-7C7F-9ACC-962E-56274BF75F42}"/>
+              </a:ext>
+            </a:extLst>
+          </p:cNvPr>
+          <p:cNvSpPr txBox="1">
+            <a:spLocks/>
+          </p:cNvSpPr>
+          <p:nvPr/>
+        </p:nvSpPr>
+        <p:spPr bwMode="auto">
+          <a:xfrm>
+            <a:off x="288405" y="5148478"/>
+            <a:ext cx="8516937" cy="432048"/>
+          </a:xfrm>
+          <a:prstGeom prst="rect">
+            <a:avLst/>
+          </a:prstGeom>
+          <a:noFill/>
+          <a:ln>
+            <a:noFill/>
+          </a:ln>
+          <a:effectLst>
+            <a:softEdge rad="0"/>
+          </a:effectLst>
+        </p:spPr>
+        <p:txBody>
+          <a:bodyPr vert="horz" wrap="square" lIns="92075" tIns="46038" rIns="92075" bIns="46038" numCol="1" anchor="t" anchorCtr="0" compatLnSpc="1">
+            <a:prstTxWarp prst="textNoShape">
+              <a:avLst/>
+            </a:prstTxWarp>
+          </a:bodyPr>
+          <a:lstStyle>
+            <a:lvl1pPr marL="342900" indent="-342900" algn="l" rtl="0" eaLnBrk="1" fontAlgn="base" hangingPunct="1">
+              <a:spcBef>
+                <a:spcPct val="20000"/>
+              </a:spcBef>
+              <a:spcAft>
+                <a:spcPct val="0"/>
+              </a:spcAft>
+              <a:buClr>
+                <a:srgbClr val="008C5A"/>
+              </a:buClr>
+              <a:buFont typeface="Monotype Sorts" pitchFamily="2" charset="2"/>
+              <a:buChar char="l"/>
+              <a:defRPr sz="2400">
+                <a:solidFill>
+                  <a:schemeClr val="tx1"/>
+                </a:solidFill>
+                <a:latin typeface="+mn-lt"/>
+                <a:ea typeface="+mn-ea"/>
+                <a:cs typeface="+mn-cs"/>
+              </a:defRPr>
+            </a:lvl1pPr>
+            <a:lvl2pPr marL="742950" indent="-285750" algn="l" rtl="0" eaLnBrk="1" fontAlgn="base" hangingPunct="1">
+              <a:spcBef>
+                <a:spcPct val="20000"/>
+              </a:spcBef>
+              <a:spcAft>
+                <a:spcPct val="0"/>
+              </a:spcAft>
+              <a:buClr>
+                <a:srgbClr val="008C5A"/>
+              </a:buClr>
+              <a:buFont typeface="Monotype Sorts" pitchFamily="2" charset="2"/>
+              <a:buChar char="l"/>
+              <a:defRPr sz="2000">
+                <a:solidFill>
+                  <a:schemeClr val="tx1"/>
+                </a:solidFill>
+                <a:latin typeface="+mn-lt"/>
+              </a:defRPr>
+            </a:lvl2pPr>
+            <a:lvl3pPr marL="1143000" indent="-228600" algn="l" rtl="0" eaLnBrk="1" fontAlgn="base" hangingPunct="1">
+              <a:spcBef>
+                <a:spcPct val="20000"/>
+              </a:spcBef>
+              <a:spcAft>
+                <a:spcPct val="0"/>
+              </a:spcAft>
+              <a:buClr>
+                <a:srgbClr val="008C5A"/>
+              </a:buClr>
+              <a:buFont typeface="Monotype Sorts" pitchFamily="2" charset="2"/>
+              <a:buChar char="l"/>
+              <a:defRPr sz="2400">
+                <a:solidFill>
+                  <a:schemeClr val="tx1"/>
+                </a:solidFill>
+                <a:latin typeface="+mn-lt"/>
+              </a:defRPr>
+            </a:lvl3pPr>
+            <a:lvl4pPr marL="1562100" indent="-228600" algn="l" rtl="0" eaLnBrk="1" fontAlgn="base" hangingPunct="1">
+              <a:spcBef>
+                <a:spcPct val="20000"/>
+              </a:spcBef>
+              <a:spcAft>
+                <a:spcPct val="0"/>
+              </a:spcAft>
+              <a:buClr>
+                <a:srgbClr val="008C5A"/>
+              </a:buClr>
+              <a:buFont typeface="Monotype Sorts" pitchFamily="2" charset="2"/>
+              <a:buChar char="l"/>
+              <a:defRPr sz="1600">
+                <a:solidFill>
+                  <a:schemeClr val="tx1"/>
+                </a:solidFill>
+                <a:latin typeface="+mn-lt"/>
+              </a:defRPr>
+            </a:lvl4pPr>
+            <a:lvl5pPr marL="1981200" indent="-228600" algn="l" rtl="0" eaLnBrk="1" fontAlgn="base" hangingPunct="1">
+              <a:spcBef>
+                <a:spcPct val="20000"/>
+              </a:spcBef>
+              <a:spcAft>
+                <a:spcPct val="0"/>
+              </a:spcAft>
+              <a:buClr>
+                <a:srgbClr val="008C5A"/>
+              </a:buClr>
+              <a:buFont typeface="Monotype Sorts" pitchFamily="2" charset="2"/>
+              <a:buChar char="l"/>
+              <a:defRPr sz="1600">
+                <a:solidFill>
+                  <a:schemeClr val="tx1"/>
+                </a:solidFill>
+                <a:latin typeface="+mn-lt"/>
+              </a:defRPr>
+            </a:lvl5pPr>
+            <a:lvl6pPr marL="2438400" indent="-228600" algn="l" rtl="0" eaLnBrk="1" fontAlgn="base" hangingPunct="1">
+              <a:spcBef>
+                <a:spcPct val="20000"/>
+              </a:spcBef>
+              <a:spcAft>
+                <a:spcPct val="0"/>
+              </a:spcAft>
+              <a:buClr>
+                <a:srgbClr val="008C5A"/>
+              </a:buClr>
+              <a:buFont typeface="Monotype Sorts" pitchFamily="2" charset="2"/>
+              <a:buChar char="l"/>
+              <a:defRPr sz="1600">
+                <a:solidFill>
+                  <a:schemeClr val="tx1"/>
+                </a:solidFill>
+                <a:latin typeface="+mn-lt"/>
+              </a:defRPr>
+            </a:lvl6pPr>
+            <a:lvl7pPr marL="2895600" indent="-228600" algn="l" rtl="0" eaLnBrk="1" fontAlgn="base" hangingPunct="1">
+              <a:spcBef>
+                <a:spcPct val="20000"/>
+              </a:spcBef>
+              <a:spcAft>
+                <a:spcPct val="0"/>
+              </a:spcAft>
+              <a:buClr>
+                <a:srgbClr val="008C5A"/>
+              </a:buClr>
+              <a:buFont typeface="Monotype Sorts" pitchFamily="2" charset="2"/>
+              <a:buChar char="l"/>
+              <a:defRPr sz="1600">
+                <a:solidFill>
+                  <a:schemeClr val="tx1"/>
+                </a:solidFill>
+                <a:latin typeface="+mn-lt"/>
+              </a:defRPr>
+            </a:lvl7pPr>
+            <a:lvl8pPr marL="3352800" indent="-228600" algn="l" rtl="0" eaLnBrk="1" fontAlgn="base" hangingPunct="1">
+              <a:spcBef>
+                <a:spcPct val="20000"/>
+              </a:spcBef>
+              <a:spcAft>
+                <a:spcPct val="0"/>
+              </a:spcAft>
+              <a:buClr>
+                <a:srgbClr val="008C5A"/>
+              </a:buClr>
+              <a:buFont typeface="Monotype Sorts" pitchFamily="2" charset="2"/>
+              <a:buChar char="l"/>
+              <a:defRPr sz="1600">
+                <a:solidFill>
+                  <a:schemeClr val="tx1"/>
+                </a:solidFill>
+                <a:latin typeface="+mn-lt"/>
+              </a:defRPr>
+            </a:lvl8pPr>
+            <a:lvl9pPr marL="3810000" indent="-228600" algn="l" rtl="0" eaLnBrk="1" fontAlgn="base" hangingPunct="1">
+              <a:spcBef>
+                <a:spcPct val="20000"/>
+              </a:spcBef>
+              <a:spcAft>
+                <a:spcPct val="0"/>
+              </a:spcAft>
+              <a:buClr>
+                <a:srgbClr val="008C5A"/>
+              </a:buClr>
+              <a:buFont typeface="Monotype Sorts" pitchFamily="2" charset="2"/>
+              <a:buChar char="l"/>
+              <a:defRPr sz="1600">
+                <a:solidFill>
+                  <a:schemeClr val="tx1"/>
+                </a:solidFill>
+                <a:latin typeface="+mn-lt"/>
+              </a:defRPr>
+            </a:lvl9pPr>
+          </a:lstStyle>
+          <a:p>
+            <a:pPr marL="0" indent="0" algn="ctr">
+              <a:buFont typeface="Monotype Sorts" pitchFamily="2" charset="2"/>
+              <a:buNone/>
+            </a:pPr>
+            <a:r>
+              <a:rPr lang="de-DE" kern="0" dirty="0"/>
+              <a:t>Container auflisten:</a:t>
+            </a:r>
+          </a:p>
+        </p:txBody>
+      </p:sp>
+    </p:spTree>
+    <p:extLst>
+      <p:ext uri="{BB962C8B-B14F-4D97-AF65-F5344CB8AC3E}">
+        <p14:creationId xmlns:p14="http://schemas.microsoft.com/office/powerpoint/2010/main" val="3497986053"/>
+      </p:ext>
+    </p:extLst>
+  </p:cSld>
+  <p:clrMapOvr>
+    <a:masterClrMapping/>
+  </p:clrMapOvr>
+</p:sld>
+</file>
+
+<file path=ppt/slides/slide11.xml><?xml version="1.0" encoding="utf-8"?>
+<p:sld xmlns:a="http://schemas.openxmlformats.org/drawingml/2006/main" xmlns:r="http://schemas.openxmlformats.org/officeDocument/2006/relationships" xmlns:p="http://schemas.openxmlformats.org/presentationml/2006/main">
+  <p:cSld>
+    <p:spTree>
+      <p:nvGrpSpPr>
+        <p:cNvPr id="1" name=""/>
+        <p:cNvGrpSpPr/>
+        <p:nvPr/>
+      </p:nvGrpSpPr>
+      <p:grpSpPr>
+        <a:xfrm>
+          <a:off x="0" y="0"/>
+          <a:ext cx="0" cy="0"/>
+          <a:chOff x="0" y="0"/>
+          <a:chExt cx="0" cy="0"/>
+        </a:xfrm>
+      </p:grpSpPr>
+      <p:sp>
+        <p:nvSpPr>
+          <p:cNvPr id="2" name="Titel 1">
+            <a:extLst>
+              <a:ext uri="{FF2B5EF4-FFF2-40B4-BE49-F238E27FC236}">
+                <a16:creationId xmlns:a16="http://schemas.microsoft.com/office/drawing/2014/main" id="{EC8CF018-2FCF-81A4-5029-0F6FD9D27D5B}"/>
+              </a:ext>
+            </a:extLst>
+          </p:cNvPr>
+          <p:cNvSpPr>
+            <a:spLocks noGrp="1"/>
+          </p:cNvSpPr>
+          <p:nvPr>
+            <p:ph type="title"/>
+          </p:nvPr>
+        </p:nvSpPr>
+        <p:spPr/>
+        <p:txBody>
+          <a:bodyPr/>
+          <a:lstStyle/>
+          <a:p>
+            <a:r>
+              <a:rPr lang="de-DE" altLang="de-DE" dirty="0"/>
+              <a:t>Lokale Entwicklung mit Docker</a:t>
+            </a:r>
+            <a:endParaRPr lang="de-DE" dirty="0"/>
+          </a:p>
+        </p:txBody>
+      </p:sp>
+      <p:sp>
+        <p:nvSpPr>
+          <p:cNvPr id="3" name="Inhaltsplatzhalter 2">
+            <a:extLst>
+              <a:ext uri="{FF2B5EF4-FFF2-40B4-BE49-F238E27FC236}">
+                <a16:creationId xmlns:a16="http://schemas.microsoft.com/office/drawing/2014/main" id="{663C7B1B-4F20-6E54-746F-81BAA338EE5F}"/>
+              </a:ext>
+            </a:extLst>
+          </p:cNvPr>
+          <p:cNvSpPr>
+            <a:spLocks noGrp="1"/>
+          </p:cNvSpPr>
+          <p:nvPr>
+            <p:ph idx="1"/>
+          </p:nvPr>
+        </p:nvSpPr>
+        <p:spPr>
+          <a:xfrm>
+            <a:off x="303213" y="1920767"/>
+            <a:ext cx="8516937" cy="4532569"/>
+          </a:xfrm>
+        </p:spPr>
+        <p:txBody>
+          <a:bodyPr/>
+          <a:lstStyle/>
+          <a:p>
+            <a:pPr>
+              <a:buFont typeface="Arial" panose="020B0604020202020204" pitchFamily="34" charset="0"/>
+              <a:buChar char="•"/>
+            </a:pPr>
+            <a:r>
+              <a:rPr lang="de-DE" dirty="0"/>
+              <a:t>Installieren Sie Docker Desktop</a:t>
+            </a:r>
+          </a:p>
+          <a:p>
+            <a:pPr>
+              <a:buFont typeface="Arial" panose="020B0604020202020204" pitchFamily="34" charset="0"/>
+              <a:buChar char="•"/>
+            </a:pPr>
+            <a:r>
+              <a:rPr lang="de-DE" dirty="0"/>
+              <a:t>Öffnen Sie den Ordner der Übungsaufgabe</a:t>
+            </a:r>
+          </a:p>
+          <a:p>
+            <a:pPr>
+              <a:buFont typeface="Arial" panose="020B0604020202020204" pitchFamily="34" charset="0"/>
+              <a:buChar char="•"/>
+            </a:pPr>
+            <a:r>
+              <a:rPr lang="de-DE" dirty="0"/>
+              <a:t>Erstellen Sie ein Docker Image mittels des </a:t>
+            </a:r>
+            <a:r>
+              <a:rPr lang="de-DE" dirty="0" err="1"/>
+              <a:t>Dockerfiles</a:t>
+            </a:r>
+            <a:endParaRPr lang="de-DE" dirty="0"/>
+          </a:p>
+          <a:p>
+            <a:pPr>
+              <a:buFont typeface="Arial" panose="020B0604020202020204" pitchFamily="34" charset="0"/>
+              <a:buChar char="•"/>
+            </a:pPr>
+            <a:r>
+              <a:rPr lang="de-DE" dirty="0"/>
+              <a:t>Führen Sie den Container aus und untersuchen sie logs und das Dateisystem</a:t>
+            </a:r>
+          </a:p>
+          <a:p>
+            <a:pPr>
+              <a:buFont typeface="Arial" panose="020B0604020202020204" pitchFamily="34" charset="0"/>
+              <a:buChar char="•"/>
+            </a:pPr>
+            <a:r>
+              <a:rPr lang="de-DE" dirty="0"/>
+              <a:t>Passen Sie das </a:t>
+            </a:r>
+            <a:r>
+              <a:rPr lang="de-DE" dirty="0" err="1"/>
+              <a:t>Dockerfile</a:t>
+            </a:r>
+            <a:r>
+              <a:rPr lang="de-DE" dirty="0"/>
+              <a:t> an um bei der Installation zusätzlich „cleanup.sh“ auszuführen.</a:t>
+            </a:r>
+          </a:p>
+          <a:p>
+            <a:pPr>
+              <a:buFont typeface="Arial" panose="020B0604020202020204" pitchFamily="34" charset="0"/>
+              <a:buChar char="•"/>
+            </a:pPr>
+            <a:r>
+              <a:rPr lang="de-DE" dirty="0"/>
+              <a:t>Erstellen Sie das Image und </a:t>
+            </a:r>
+            <a:r>
+              <a:rPr lang="de-DE"/>
+              <a:t>einen Container </a:t>
+            </a:r>
+            <a:r>
+              <a:rPr lang="de-DE" dirty="0"/>
+              <a:t>erneut und untersuchen Sie wieder den Container</a:t>
+            </a:r>
+          </a:p>
+          <a:p>
+            <a:pPr>
+              <a:buFont typeface="Arial" panose="020B0604020202020204" pitchFamily="34" charset="0"/>
+              <a:buChar char="•"/>
+            </a:pPr>
+            <a:endParaRPr lang="de-DE" dirty="0"/>
+          </a:p>
+        </p:txBody>
+      </p:sp>
+      <p:sp>
+        <p:nvSpPr>
+          <p:cNvPr id="4" name="Textfeld 3">
+            <a:extLst>
+              <a:ext uri="{FF2B5EF4-FFF2-40B4-BE49-F238E27FC236}">
+                <a16:creationId xmlns:a16="http://schemas.microsoft.com/office/drawing/2014/main" id="{0C93FC15-C2BC-628C-5FFA-7CE88BA6EA2D}"/>
+              </a:ext>
+            </a:extLst>
+          </p:cNvPr>
+          <p:cNvSpPr txBox="1"/>
+          <p:nvPr/>
+        </p:nvSpPr>
+        <p:spPr bwMode="auto">
+          <a:xfrm>
+            <a:off x="285720" y="1196752"/>
+            <a:ext cx="8516937" cy="584775"/>
+          </a:xfrm>
+          <a:prstGeom prst="rect">
+            <a:avLst/>
+          </a:prstGeom>
+          <a:noFill/>
+          <a:ln w="9525">
+            <a:noFill/>
+            <a:miter lim="800000"/>
+            <a:headEnd/>
+            <a:tailEnd/>
+          </a:ln>
+        </p:spPr>
+        <p:txBody>
+          <a:bodyPr wrap="square" rtlCol="0" anchor="ctr">
+            <a:spAutoFit/>
+          </a:bodyPr>
+          <a:lstStyle/>
+          <a:p>
+            <a:pPr algn="ctr" eaLnBrk="1" hangingPunct="1"/>
+            <a:r>
+              <a:rPr lang="de-DE" sz="3200" dirty="0">
+                <a:latin typeface="+mj-lt"/>
+              </a:rPr>
+              <a:t>Erstellen von Images</a:t>
+            </a:r>
+          </a:p>
+        </p:txBody>
+      </p:sp>
+    </p:spTree>
+    <p:extLst>
+      <p:ext uri="{BB962C8B-B14F-4D97-AF65-F5344CB8AC3E}">
+        <p14:creationId xmlns:p14="http://schemas.microsoft.com/office/powerpoint/2010/main" val="2942762060"/>
+      </p:ext>
+    </p:extLst>
+  </p:cSld>
+  <p:clrMapOvr>
+    <a:masterClrMapping/>
+  </p:clrMapOvr>
+</p:sld>
+</file>
+
+<file path=ppt/slides/slide12.xml><?xml version="1.0" encoding="utf-8"?>
+<p:sld xmlns:a="http://schemas.openxmlformats.org/drawingml/2006/main" xmlns:r="http://schemas.openxmlformats.org/officeDocument/2006/relationships" xmlns:p="http://schemas.openxmlformats.org/presentationml/2006/main">
+  <p:cSld>
+    <p:spTree>
+      <p:nvGrpSpPr>
+        <p:cNvPr id="1" name=""/>
+        <p:cNvGrpSpPr/>
+        <p:nvPr/>
+      </p:nvGrpSpPr>
+      <p:grpSpPr>
+        <a:xfrm>
+          <a:off x="0" y="0"/>
+          <a:ext cx="0" cy="0"/>
+          <a:chOff x="0" y="0"/>
+          <a:chExt cx="0" cy="0"/>
+        </a:xfrm>
+      </p:grpSpPr>
+      <p:sp>
+        <p:nvSpPr>
+          <p:cNvPr id="2" name="Titel 1">
+            <a:extLst>
+              <a:ext uri="{FF2B5EF4-FFF2-40B4-BE49-F238E27FC236}">
+                <a16:creationId xmlns:a16="http://schemas.microsoft.com/office/drawing/2014/main" id="{5A4F09B8-CD16-8EA7-B49B-F88A6AE5F1F8}"/>
+              </a:ext>
+            </a:extLst>
+          </p:cNvPr>
+          <p:cNvSpPr>
+            <a:spLocks noGrp="1"/>
+          </p:cNvSpPr>
+          <p:nvPr>
+            <p:ph type="title"/>
+          </p:nvPr>
+        </p:nvSpPr>
+        <p:spPr/>
+        <p:txBody>
+          <a:bodyPr/>
+          <a:lstStyle/>
+          <a:p>
+            <a:r>
+              <a:rPr lang="de-DE" altLang="de-DE" dirty="0"/>
+              <a:t>Lokale Entwicklung mit Docker</a:t>
+            </a:r>
+            <a:endParaRPr lang="de-DE" dirty="0"/>
+          </a:p>
+        </p:txBody>
+      </p:sp>
+      <p:sp>
+        <p:nvSpPr>
+          <p:cNvPr id="3" name="Inhaltsplatzhalter 2">
+            <a:extLst>
+              <a:ext uri="{FF2B5EF4-FFF2-40B4-BE49-F238E27FC236}">
+                <a16:creationId xmlns:a16="http://schemas.microsoft.com/office/drawing/2014/main" id="{7E49F935-19FA-C4D2-7EC6-EDE60AE831D7}"/>
+              </a:ext>
+            </a:extLst>
+          </p:cNvPr>
+          <p:cNvSpPr>
+            <a:spLocks noGrp="1"/>
+          </p:cNvSpPr>
+          <p:nvPr>
+            <p:ph idx="1"/>
+          </p:nvPr>
+        </p:nvSpPr>
+        <p:spPr>
+          <a:xfrm>
+            <a:off x="303213" y="1772816"/>
+            <a:ext cx="8516937" cy="1786262"/>
+          </a:xfrm>
+        </p:spPr>
+        <p:txBody>
+          <a:bodyPr/>
+          <a:lstStyle/>
+          <a:p>
+            <a:pPr>
+              <a:buFont typeface="Arial" panose="020B0604020202020204" pitchFamily="34" charset="0"/>
+              <a:buChar char="•"/>
+            </a:pPr>
+            <a:r>
+              <a:rPr lang="de-DE" dirty="0"/>
+              <a:t>Daten werden mit einem Container gelöscht</a:t>
+            </a:r>
+          </a:p>
+          <a:p>
+            <a:pPr>
+              <a:buFont typeface="Arial" panose="020B0604020202020204" pitchFamily="34" charset="0"/>
+              <a:buChar char="•"/>
+            </a:pPr>
+            <a:r>
+              <a:rPr lang="de-DE" dirty="0"/>
+              <a:t>Persistente Daten können in </a:t>
+            </a:r>
+            <a:r>
+              <a:rPr lang="de-DE" dirty="0" err="1"/>
+              <a:t>Volumes</a:t>
+            </a:r>
+            <a:r>
+              <a:rPr lang="de-DE" dirty="0"/>
+              <a:t> gespeichert werden</a:t>
+            </a:r>
+          </a:p>
+          <a:p>
+            <a:pPr>
+              <a:buFont typeface="Arial" panose="020B0604020202020204" pitchFamily="34" charset="0"/>
+              <a:buChar char="•"/>
+            </a:pPr>
+            <a:r>
+              <a:rPr lang="de-DE" dirty="0" err="1"/>
+              <a:t>Volumes</a:t>
+            </a:r>
+            <a:r>
+              <a:rPr lang="de-DE" dirty="0"/>
+              <a:t> werden in Container eingebunden</a:t>
+            </a:r>
+          </a:p>
+          <a:p>
+            <a:pPr>
+              <a:buFont typeface="Arial" panose="020B0604020202020204" pitchFamily="34" charset="0"/>
+              <a:buChar char="•"/>
+            </a:pPr>
+            <a:r>
+              <a:rPr lang="de-DE" dirty="0">
+                <a:hlinkClick r:id="rId2"/>
+              </a:rPr>
+              <a:t>https://docs.docker.com/storage/volumes/</a:t>
+            </a:r>
+            <a:r>
+              <a:rPr lang="de-DE" dirty="0"/>
+              <a:t> </a:t>
+            </a:r>
+          </a:p>
+        </p:txBody>
+      </p:sp>
+      <p:sp>
+        <p:nvSpPr>
+          <p:cNvPr id="4" name="Textfeld 3">
+            <a:extLst>
+              <a:ext uri="{FF2B5EF4-FFF2-40B4-BE49-F238E27FC236}">
+                <a16:creationId xmlns:a16="http://schemas.microsoft.com/office/drawing/2014/main" id="{D57EA30A-F023-F2CD-3DFD-620A1FB588E3}"/>
+              </a:ext>
+            </a:extLst>
+          </p:cNvPr>
+          <p:cNvSpPr txBox="1"/>
+          <p:nvPr/>
+        </p:nvSpPr>
+        <p:spPr bwMode="auto">
+          <a:xfrm>
+            <a:off x="285720" y="1124744"/>
+            <a:ext cx="8516937" cy="584775"/>
+          </a:xfrm>
+          <a:prstGeom prst="rect">
+            <a:avLst/>
+          </a:prstGeom>
+          <a:noFill/>
+          <a:ln w="9525">
+            <a:noFill/>
+            <a:miter lim="800000"/>
+            <a:headEnd/>
+            <a:tailEnd/>
+          </a:ln>
+        </p:spPr>
+        <p:txBody>
+          <a:bodyPr wrap="square" rtlCol="0" anchor="ctr">
+            <a:spAutoFit/>
+          </a:bodyPr>
+          <a:lstStyle/>
+          <a:p>
+            <a:pPr algn="ctr" eaLnBrk="1" hangingPunct="1"/>
+            <a:r>
+              <a:rPr lang="de-DE" sz="3200" dirty="0" err="1">
+                <a:latin typeface="+mj-lt"/>
+              </a:rPr>
+              <a:t>Volumes</a:t>
+            </a:r>
+            <a:endParaRPr lang="de-DE" sz="3200" dirty="0">
+              <a:latin typeface="+mj-lt"/>
+            </a:endParaRPr>
+          </a:p>
+        </p:txBody>
+      </p:sp>
+      <p:sp>
+        <p:nvSpPr>
+          <p:cNvPr id="5" name="Rechteck 4">
+            <a:extLst>
+              <a:ext uri="{FF2B5EF4-FFF2-40B4-BE49-F238E27FC236}">
+                <a16:creationId xmlns:a16="http://schemas.microsoft.com/office/drawing/2014/main" id="{24C95B58-0652-9170-CDB2-257DD3E9B5AC}"/>
+              </a:ext>
+            </a:extLst>
+          </p:cNvPr>
+          <p:cNvSpPr/>
+          <p:nvPr/>
+        </p:nvSpPr>
+        <p:spPr bwMode="auto">
+          <a:xfrm>
+            <a:off x="902811" y="3712386"/>
+            <a:ext cx="2160240" cy="2376264"/>
+          </a:xfrm>
+          <a:prstGeom prst="rect">
+            <a:avLst/>
+          </a:prstGeom>
+          <a:solidFill>
+            <a:schemeClr val="bg1"/>
+          </a:solidFill>
+          <a:ln w="12700" cap="flat" cmpd="sng" algn="ctr">
+            <a:solidFill>
+              <a:schemeClr val="tx1"/>
+            </a:solidFill>
+            <a:prstDash val="solid"/>
+            <a:round/>
+            <a:headEnd type="none" w="sm" len="sm"/>
+            <a:tailEnd type="none" w="sm" len="sm"/>
+          </a:ln>
+          <a:effectLst/>
+        </p:spPr>
+        <p:txBody>
+          <a:bodyPr vert="horz" wrap="square" lIns="91440" tIns="45720" rIns="91440" bIns="45720" numCol="1" rtlCol="0" anchor="t" anchorCtr="0" compatLnSpc="1">
+            <a:prstTxWarp prst="textNoShape">
+              <a:avLst/>
+            </a:prstTxWarp>
+          </a:bodyPr>
+          <a:lstStyle/>
+          <a:p>
+            <a:pPr marL="0" marR="0" indent="0" algn="l" defTabSz="914400" rtl="0" eaLnBrk="0" fontAlgn="base" latinLnBrk="0" hangingPunct="0">
+              <a:lnSpc>
+                <a:spcPct val="100000"/>
+              </a:lnSpc>
+              <a:spcBef>
+                <a:spcPct val="0"/>
+              </a:spcBef>
+              <a:spcAft>
+                <a:spcPct val="0"/>
+              </a:spcAft>
+              <a:buClrTx/>
+              <a:buSzTx/>
+              <a:buFontTx/>
+              <a:buNone/>
+              <a:tabLst/>
+            </a:pPr>
+            <a:endParaRPr kumimoji="0" lang="de-DE" sz="2400" b="0" i="0" u="none" strike="noStrike" cap="none" normalizeH="0" baseline="0">
+              <a:ln>
+                <a:noFill/>
+              </a:ln>
+              <a:solidFill>
+                <a:schemeClr val="tx1"/>
+              </a:solidFill>
+              <a:effectLst/>
+              <a:latin typeface="Times New Roman" pitchFamily="18" charset="0"/>
+            </a:endParaRPr>
+          </a:p>
+        </p:txBody>
+      </p:sp>
+      <p:sp>
+        <p:nvSpPr>
+          <p:cNvPr id="6" name="Würfel 5">
+            <a:extLst>
+              <a:ext uri="{FF2B5EF4-FFF2-40B4-BE49-F238E27FC236}">
+                <a16:creationId xmlns:a16="http://schemas.microsoft.com/office/drawing/2014/main" id="{87FE3AAE-688F-C531-2FC6-F6D34BDEA61C}"/>
+              </a:ext>
+            </a:extLst>
+          </p:cNvPr>
+          <p:cNvSpPr/>
+          <p:nvPr/>
+        </p:nvSpPr>
+        <p:spPr bwMode="auto">
+          <a:xfrm>
+            <a:off x="1403648" y="4144434"/>
+            <a:ext cx="1296144" cy="576064"/>
+          </a:xfrm>
+          <a:prstGeom prst="cube">
+            <a:avLst/>
+          </a:prstGeom>
+          <a:solidFill>
+            <a:schemeClr val="accent1"/>
+          </a:solidFill>
+          <a:ln w="12700" cap="flat" cmpd="sng" algn="ctr">
+            <a:solidFill>
+              <a:schemeClr val="tx1"/>
+            </a:solidFill>
+            <a:prstDash val="solid"/>
+            <a:round/>
+            <a:headEnd type="none" w="sm" len="sm"/>
+            <a:tailEnd type="none" w="sm" len="sm"/>
+          </a:ln>
+          <a:effectLst/>
+        </p:spPr>
+        <p:txBody>
+          <a:bodyPr vert="horz" wrap="square" lIns="91440" tIns="45720" rIns="91440" bIns="45720" numCol="1" rtlCol="0" anchor="t" anchorCtr="0" compatLnSpc="1">
+            <a:prstTxWarp prst="textNoShape">
+              <a:avLst/>
+            </a:prstTxWarp>
+          </a:bodyPr>
+          <a:lstStyle/>
+          <a:p>
+            <a:pPr marL="0" marR="0" indent="0" algn="l" defTabSz="914400" rtl="0" eaLnBrk="0" fontAlgn="base" latinLnBrk="0" hangingPunct="0">
+              <a:lnSpc>
+                <a:spcPct val="100000"/>
+              </a:lnSpc>
+              <a:spcBef>
+                <a:spcPct val="0"/>
+              </a:spcBef>
+              <a:spcAft>
+                <a:spcPct val="0"/>
+              </a:spcAft>
+              <a:buClrTx/>
+              <a:buSzTx/>
+              <a:buFontTx/>
+              <a:buNone/>
+              <a:tabLst/>
+            </a:pPr>
+            <a:r>
+              <a:rPr kumimoji="0" lang="de-DE" sz="2400" b="0" i="0" u="none" strike="noStrike" cap="none" normalizeH="0" baseline="0" dirty="0">
+                <a:ln>
+                  <a:noFill/>
+                </a:ln>
+                <a:solidFill>
+                  <a:schemeClr val="tx1"/>
+                </a:solidFill>
+                <a:effectLst/>
+                <a:latin typeface="+mn-lt"/>
+              </a:rPr>
+              <a:t>App v1</a:t>
+            </a:r>
+          </a:p>
+        </p:txBody>
+      </p:sp>
+      <p:sp>
+        <p:nvSpPr>
+          <p:cNvPr id="7" name="Flussdiagramm: Magnetplattenspeicher 6">
+            <a:extLst>
+              <a:ext uri="{FF2B5EF4-FFF2-40B4-BE49-F238E27FC236}">
+                <a16:creationId xmlns:a16="http://schemas.microsoft.com/office/drawing/2014/main" id="{B0DA89CC-35DC-8F7D-3C82-5CD97DECF424}"/>
+              </a:ext>
+            </a:extLst>
+          </p:cNvPr>
+          <p:cNvSpPr/>
+          <p:nvPr/>
+        </p:nvSpPr>
+        <p:spPr bwMode="auto">
+          <a:xfrm>
+            <a:off x="1650475" y="5152546"/>
+            <a:ext cx="664912" cy="608142"/>
+          </a:xfrm>
+          <a:prstGeom prst="flowChartMagneticDisk">
+            <a:avLst/>
+          </a:prstGeom>
+          <a:solidFill>
+            <a:schemeClr val="accent1"/>
+          </a:solidFill>
+          <a:ln w="12700" cap="flat" cmpd="sng" algn="ctr">
+            <a:solidFill>
+              <a:schemeClr val="tx1"/>
+            </a:solidFill>
+            <a:prstDash val="solid"/>
+            <a:round/>
+            <a:headEnd type="none" w="sm" len="sm"/>
+            <a:tailEnd type="none" w="sm" len="sm"/>
+          </a:ln>
+          <a:effectLst/>
+        </p:spPr>
+        <p:txBody>
+          <a:bodyPr vert="horz" wrap="square" lIns="91440" tIns="45720" rIns="91440" bIns="45720" numCol="1" rtlCol="0" anchor="t" anchorCtr="0" compatLnSpc="1">
+            <a:prstTxWarp prst="textNoShape">
+              <a:avLst/>
+            </a:prstTxWarp>
+          </a:bodyPr>
+          <a:lstStyle/>
+          <a:p>
+            <a:pPr marL="0" marR="0" indent="0" algn="ctr" defTabSz="914400" rtl="0" eaLnBrk="0" fontAlgn="base" latinLnBrk="0" hangingPunct="0">
+              <a:lnSpc>
+                <a:spcPct val="100000"/>
+              </a:lnSpc>
+              <a:spcBef>
+                <a:spcPct val="0"/>
+              </a:spcBef>
+              <a:spcAft>
+                <a:spcPct val="0"/>
+              </a:spcAft>
+              <a:buClrTx/>
+              <a:buSzTx/>
+              <a:buFontTx/>
+              <a:buNone/>
+              <a:tabLst/>
+            </a:pPr>
+            <a:r>
+              <a:rPr kumimoji="0" lang="de-DE" sz="2400" b="0" i="0" u="none" strike="noStrike" cap="none" normalizeH="0" baseline="0" dirty="0">
+                <a:ln>
+                  <a:noFill/>
+                </a:ln>
+                <a:solidFill>
+                  <a:schemeClr val="tx1"/>
+                </a:solidFill>
+                <a:effectLst/>
+                <a:latin typeface="+mn-lt"/>
+              </a:rPr>
+              <a:t>DB</a:t>
+            </a:r>
+          </a:p>
+        </p:txBody>
+      </p:sp>
+      <p:cxnSp>
+        <p:nvCxnSpPr>
+          <p:cNvPr id="9" name="Gerade Verbindung mit Pfeil 8">
+            <a:extLst>
+              <a:ext uri="{FF2B5EF4-FFF2-40B4-BE49-F238E27FC236}">
+                <a16:creationId xmlns:a16="http://schemas.microsoft.com/office/drawing/2014/main" id="{BA46D031-F5C0-CA0F-5C4D-FCECB4B9D0E4}"/>
+              </a:ext>
+            </a:extLst>
+          </p:cNvPr>
+          <p:cNvCxnSpPr>
+            <a:cxnSpLocks/>
+            <a:stCxn id="7" idx="1"/>
+            <a:endCxn id="6" idx="3"/>
+          </p:cNvCxnSpPr>
+          <p:nvPr/>
+        </p:nvCxnSpPr>
+        <p:spPr bwMode="auto">
+          <a:xfrm flipH="1" flipV="1">
+            <a:off x="1979712" y="4720498"/>
+            <a:ext cx="3219" cy="432048"/>
+          </a:xfrm>
+          <a:prstGeom prst="straightConnector1">
+            <a:avLst/>
+          </a:prstGeom>
+          <a:solidFill>
+            <a:schemeClr val="accent1"/>
+          </a:solidFill>
+          <a:ln w="12700" cap="flat" cmpd="sng" algn="ctr">
+            <a:solidFill>
+              <a:schemeClr val="tx1"/>
+            </a:solidFill>
+            <a:prstDash val="solid"/>
+            <a:round/>
+            <a:headEnd type="none" w="sm" len="sm"/>
+            <a:tailEnd type="triangle"/>
+          </a:ln>
+          <a:effectLst/>
+        </p:spPr>
+      </p:cxnSp>
+      <p:sp>
+        <p:nvSpPr>
+          <p:cNvPr id="13" name="Rechteck 12">
+            <a:extLst>
+              <a:ext uri="{FF2B5EF4-FFF2-40B4-BE49-F238E27FC236}">
+                <a16:creationId xmlns:a16="http://schemas.microsoft.com/office/drawing/2014/main" id="{E7C8EA2B-BB8E-8273-9610-B367536E1E8D}"/>
+              </a:ext>
+            </a:extLst>
+          </p:cNvPr>
+          <p:cNvSpPr/>
+          <p:nvPr/>
+        </p:nvSpPr>
+        <p:spPr bwMode="auto">
+          <a:xfrm>
+            <a:off x="3509953" y="3712386"/>
+            <a:ext cx="2160240" cy="2376264"/>
+          </a:xfrm>
+          <a:prstGeom prst="rect">
+            <a:avLst/>
+          </a:prstGeom>
+          <a:solidFill>
+            <a:schemeClr val="bg1"/>
+          </a:solidFill>
+          <a:ln w="12700" cap="flat" cmpd="sng" algn="ctr">
+            <a:solidFill>
+              <a:schemeClr val="tx1"/>
+            </a:solidFill>
+            <a:prstDash val="solid"/>
+            <a:round/>
+            <a:headEnd type="none" w="sm" len="sm"/>
+            <a:tailEnd type="none" w="sm" len="sm"/>
+          </a:ln>
+          <a:effectLst/>
+        </p:spPr>
+        <p:txBody>
+          <a:bodyPr vert="horz" wrap="square" lIns="91440" tIns="45720" rIns="91440" bIns="45720" numCol="1" rtlCol="0" anchor="t" anchorCtr="0" compatLnSpc="1">
+            <a:prstTxWarp prst="textNoShape">
+              <a:avLst/>
+            </a:prstTxWarp>
+          </a:bodyPr>
+          <a:lstStyle/>
+          <a:p>
+            <a:pPr marL="0" marR="0" indent="0" algn="l" defTabSz="914400" rtl="0" eaLnBrk="0" fontAlgn="base" latinLnBrk="0" hangingPunct="0">
+              <a:lnSpc>
+                <a:spcPct val="100000"/>
+              </a:lnSpc>
+              <a:spcBef>
+                <a:spcPct val="0"/>
+              </a:spcBef>
+              <a:spcAft>
+                <a:spcPct val="0"/>
+              </a:spcAft>
+              <a:buClrTx/>
+              <a:buSzTx/>
+              <a:buFontTx/>
+              <a:buNone/>
+              <a:tabLst/>
+            </a:pPr>
+            <a:endParaRPr kumimoji="0" lang="de-DE" sz="2400" b="0" i="0" u="none" strike="noStrike" cap="none" normalizeH="0" baseline="0">
+              <a:ln>
+                <a:noFill/>
+              </a:ln>
+              <a:solidFill>
+                <a:schemeClr val="tx1"/>
+              </a:solidFill>
+              <a:effectLst/>
+              <a:latin typeface="Times New Roman" pitchFamily="18" charset="0"/>
+            </a:endParaRPr>
+          </a:p>
+        </p:txBody>
+      </p:sp>
+      <p:sp>
+        <p:nvSpPr>
+          <p:cNvPr id="15" name="Flussdiagramm: Magnetplattenspeicher 14">
+            <a:extLst>
+              <a:ext uri="{FF2B5EF4-FFF2-40B4-BE49-F238E27FC236}">
+                <a16:creationId xmlns:a16="http://schemas.microsoft.com/office/drawing/2014/main" id="{46991E01-FF40-4552-4551-59E96EBA4125}"/>
+              </a:ext>
+            </a:extLst>
+          </p:cNvPr>
+          <p:cNvSpPr/>
+          <p:nvPr/>
+        </p:nvSpPr>
+        <p:spPr bwMode="auto">
+          <a:xfrm>
+            <a:off x="4370830" y="5152546"/>
+            <a:ext cx="432048" cy="608142"/>
+          </a:xfrm>
+          <a:prstGeom prst="flowChartMagneticDisk">
+            <a:avLst/>
+          </a:prstGeom>
+          <a:solidFill>
+            <a:schemeClr val="accent1"/>
+          </a:solidFill>
+          <a:ln w="12700" cap="flat" cmpd="sng" algn="ctr">
+            <a:solidFill>
+              <a:schemeClr val="tx1"/>
+            </a:solidFill>
+            <a:prstDash val="solid"/>
+            <a:round/>
+            <a:headEnd type="none" w="sm" len="sm"/>
+            <a:tailEnd type="none" w="sm" len="sm"/>
+          </a:ln>
+          <a:effectLst/>
+        </p:spPr>
+        <p:txBody>
+          <a:bodyPr vert="horz" wrap="square" lIns="91440" tIns="45720" rIns="91440" bIns="45720" numCol="1" rtlCol="0" anchor="t" anchorCtr="0" compatLnSpc="1">
+            <a:prstTxWarp prst="textNoShape">
+              <a:avLst/>
+            </a:prstTxWarp>
+          </a:bodyPr>
+          <a:lstStyle/>
+          <a:p>
+            <a:pPr marL="0" marR="0" indent="0" algn="ctr" defTabSz="914400" rtl="0" eaLnBrk="0" fontAlgn="base" latinLnBrk="0" hangingPunct="0">
+              <a:lnSpc>
+                <a:spcPct val="100000"/>
+              </a:lnSpc>
+              <a:spcBef>
+                <a:spcPct val="0"/>
+              </a:spcBef>
+              <a:spcAft>
+                <a:spcPct val="0"/>
+              </a:spcAft>
+              <a:buClrTx/>
+              <a:buSzTx/>
+              <a:buFontTx/>
+              <a:buNone/>
+              <a:tabLst/>
+            </a:pPr>
+            <a:endParaRPr kumimoji="0" lang="de-DE" sz="2400" b="0" i="0" u="none" strike="noStrike" cap="none" normalizeH="0" baseline="0" dirty="0">
+              <a:ln>
+                <a:noFill/>
+              </a:ln>
+              <a:solidFill>
+                <a:schemeClr val="tx1"/>
+              </a:solidFill>
+              <a:effectLst/>
+              <a:latin typeface="+mn-lt"/>
+            </a:endParaRPr>
+          </a:p>
+        </p:txBody>
+      </p:sp>
+      <p:sp>
+        <p:nvSpPr>
+          <p:cNvPr id="25" name="Rechteck 24">
+            <a:extLst>
+              <a:ext uri="{FF2B5EF4-FFF2-40B4-BE49-F238E27FC236}">
+                <a16:creationId xmlns:a16="http://schemas.microsoft.com/office/drawing/2014/main" id="{F9CAB324-0FB9-C39F-1062-ECFA57FDF414}"/>
+              </a:ext>
+            </a:extLst>
+          </p:cNvPr>
+          <p:cNvSpPr/>
+          <p:nvPr/>
+        </p:nvSpPr>
+        <p:spPr bwMode="auto">
+          <a:xfrm>
+            <a:off x="6176235" y="3712386"/>
+            <a:ext cx="2160240" cy="2376264"/>
+          </a:xfrm>
+          <a:prstGeom prst="rect">
+            <a:avLst/>
+          </a:prstGeom>
+          <a:solidFill>
+            <a:schemeClr val="bg1"/>
+          </a:solidFill>
+          <a:ln w="12700" cap="flat" cmpd="sng" algn="ctr">
+            <a:solidFill>
+              <a:schemeClr val="tx1"/>
+            </a:solidFill>
+            <a:prstDash val="solid"/>
+            <a:round/>
+            <a:headEnd type="none" w="sm" len="sm"/>
+            <a:tailEnd type="none" w="sm" len="sm"/>
+          </a:ln>
+          <a:effectLst/>
+        </p:spPr>
+        <p:txBody>
+          <a:bodyPr vert="horz" wrap="square" lIns="91440" tIns="45720" rIns="91440" bIns="45720" numCol="1" rtlCol="0" anchor="t" anchorCtr="0" compatLnSpc="1">
+            <a:prstTxWarp prst="textNoShape">
+              <a:avLst/>
+            </a:prstTxWarp>
+          </a:bodyPr>
+          <a:lstStyle/>
+          <a:p>
+            <a:pPr marL="0" marR="0" indent="0" algn="l" defTabSz="914400" rtl="0" eaLnBrk="0" fontAlgn="base" latinLnBrk="0" hangingPunct="0">
+              <a:lnSpc>
+                <a:spcPct val="100000"/>
+              </a:lnSpc>
+              <a:spcBef>
+                <a:spcPct val="0"/>
+              </a:spcBef>
+              <a:spcAft>
+                <a:spcPct val="0"/>
+              </a:spcAft>
+              <a:buClrTx/>
+              <a:buSzTx/>
+              <a:buFontTx/>
+              <a:buNone/>
+              <a:tabLst/>
+            </a:pPr>
+            <a:endParaRPr kumimoji="0" lang="de-DE" sz="2400" b="0" i="0" u="none" strike="noStrike" cap="none" normalizeH="0" baseline="0">
+              <a:ln>
+                <a:noFill/>
+              </a:ln>
+              <a:solidFill>
+                <a:schemeClr val="tx1"/>
+              </a:solidFill>
+              <a:effectLst/>
+              <a:latin typeface="Times New Roman" pitchFamily="18" charset="0"/>
+            </a:endParaRPr>
+          </a:p>
+        </p:txBody>
+      </p:sp>
+      <p:sp>
+        <p:nvSpPr>
+          <p:cNvPr id="26" name="Würfel 25">
+            <a:extLst>
+              <a:ext uri="{FF2B5EF4-FFF2-40B4-BE49-F238E27FC236}">
+                <a16:creationId xmlns:a16="http://schemas.microsoft.com/office/drawing/2014/main" id="{8D16CEA2-F608-E16B-F9DC-B33BF6CBF88C}"/>
+              </a:ext>
+            </a:extLst>
+          </p:cNvPr>
+          <p:cNvSpPr/>
+          <p:nvPr/>
+        </p:nvSpPr>
+        <p:spPr bwMode="auto">
+          <a:xfrm>
+            <a:off x="6677072" y="4144434"/>
+            <a:ext cx="1296144" cy="576064"/>
+          </a:xfrm>
+          <a:prstGeom prst="cube">
+            <a:avLst/>
+          </a:prstGeom>
+          <a:solidFill>
+            <a:schemeClr val="accent1"/>
+          </a:solidFill>
+          <a:ln w="12700" cap="flat" cmpd="sng" algn="ctr">
+            <a:solidFill>
+              <a:schemeClr val="tx1"/>
+            </a:solidFill>
+            <a:prstDash val="solid"/>
+            <a:round/>
+            <a:headEnd type="none" w="sm" len="sm"/>
+            <a:tailEnd type="none" w="sm" len="sm"/>
+          </a:ln>
+          <a:effectLst/>
+        </p:spPr>
+        <p:txBody>
+          <a:bodyPr vert="horz" wrap="square" lIns="91440" tIns="45720" rIns="91440" bIns="45720" numCol="1" rtlCol="0" anchor="t" anchorCtr="0" compatLnSpc="1">
+            <a:prstTxWarp prst="textNoShape">
+              <a:avLst/>
+            </a:prstTxWarp>
+          </a:bodyPr>
+          <a:lstStyle/>
+          <a:p>
+            <a:pPr marL="0" marR="0" indent="0" algn="l" defTabSz="914400" rtl="0" eaLnBrk="0" fontAlgn="base" latinLnBrk="0" hangingPunct="0">
+              <a:lnSpc>
+                <a:spcPct val="100000"/>
+              </a:lnSpc>
+              <a:spcBef>
+                <a:spcPct val="0"/>
+              </a:spcBef>
+              <a:spcAft>
+                <a:spcPct val="0"/>
+              </a:spcAft>
+              <a:buClrTx/>
+              <a:buSzTx/>
+              <a:buFontTx/>
+              <a:buNone/>
+              <a:tabLst/>
+            </a:pPr>
+            <a:r>
+              <a:rPr kumimoji="0" lang="de-DE" sz="2400" b="0" i="0" u="none" strike="noStrike" cap="none" normalizeH="0" baseline="0" dirty="0">
+                <a:ln>
+                  <a:noFill/>
+                </a:ln>
+                <a:solidFill>
+                  <a:schemeClr val="tx1"/>
+                </a:solidFill>
+                <a:effectLst/>
+                <a:latin typeface="+mn-lt"/>
+              </a:rPr>
+              <a:t>App v2</a:t>
+            </a:r>
+          </a:p>
+        </p:txBody>
+      </p:sp>
+      <p:cxnSp>
+        <p:nvCxnSpPr>
+          <p:cNvPr id="28" name="Gerade Verbindung mit Pfeil 27">
+            <a:extLst>
+              <a:ext uri="{FF2B5EF4-FFF2-40B4-BE49-F238E27FC236}">
+                <a16:creationId xmlns:a16="http://schemas.microsoft.com/office/drawing/2014/main" id="{C4B6CC18-4362-F692-1F66-CCF634102704}"/>
+              </a:ext>
+            </a:extLst>
+          </p:cNvPr>
+          <p:cNvCxnSpPr>
+            <a:cxnSpLocks/>
+            <a:endCxn id="26" idx="3"/>
+          </p:cNvCxnSpPr>
+          <p:nvPr/>
+        </p:nvCxnSpPr>
+        <p:spPr bwMode="auto">
+          <a:xfrm flipV="1">
+            <a:off x="7253136" y="4720498"/>
+            <a:ext cx="0" cy="432048"/>
+          </a:xfrm>
+          <a:prstGeom prst="straightConnector1">
+            <a:avLst/>
+          </a:prstGeom>
+          <a:solidFill>
+            <a:schemeClr val="accent1"/>
+          </a:solidFill>
+          <a:ln w="12700" cap="flat" cmpd="sng" algn="ctr">
+            <a:solidFill>
+              <a:schemeClr val="tx1"/>
+            </a:solidFill>
+            <a:prstDash val="solid"/>
+            <a:round/>
+            <a:headEnd type="none" w="sm" len="sm"/>
+            <a:tailEnd type="triangle"/>
+          </a:ln>
+          <a:effectLst/>
+        </p:spPr>
+      </p:cxnSp>
+      <p:sp>
+        <p:nvSpPr>
+          <p:cNvPr id="31" name="Verbotsymbol 30">
+            <a:extLst>
+              <a:ext uri="{FF2B5EF4-FFF2-40B4-BE49-F238E27FC236}">
+                <a16:creationId xmlns:a16="http://schemas.microsoft.com/office/drawing/2014/main" id="{4BB77500-277A-705F-DED6-6DA3EE8ADBC3}"/>
+              </a:ext>
+            </a:extLst>
+          </p:cNvPr>
+          <p:cNvSpPr/>
+          <p:nvPr/>
+        </p:nvSpPr>
+        <p:spPr bwMode="auto">
+          <a:xfrm>
+            <a:off x="4255390" y="4067780"/>
+            <a:ext cx="662925" cy="648072"/>
+          </a:xfrm>
+          <a:prstGeom prst="noSmoking">
+            <a:avLst/>
+          </a:prstGeom>
+          <a:solidFill>
+            <a:srgbClr val="FF0000"/>
+          </a:solidFill>
+          <a:ln w="12700" cap="flat" cmpd="sng" algn="ctr">
+            <a:solidFill>
+              <a:schemeClr val="tx1"/>
+            </a:solidFill>
+            <a:prstDash val="solid"/>
+            <a:round/>
+            <a:headEnd type="none" w="sm" len="sm"/>
+            <a:tailEnd type="none" w="sm" len="sm"/>
+          </a:ln>
+          <a:effectLst/>
+        </p:spPr>
+        <p:txBody>
+          <a:bodyPr vert="horz" wrap="square" lIns="91440" tIns="45720" rIns="91440" bIns="45720" numCol="1" rtlCol="0" anchor="t" anchorCtr="0" compatLnSpc="1">
+            <a:prstTxWarp prst="textNoShape">
+              <a:avLst/>
+            </a:prstTxWarp>
+          </a:bodyPr>
+          <a:lstStyle/>
+          <a:p>
+            <a:pPr marL="0" marR="0" indent="0" algn="l" defTabSz="914400" rtl="0" eaLnBrk="0" fontAlgn="base" latinLnBrk="0" hangingPunct="0">
+              <a:lnSpc>
+                <a:spcPct val="100000"/>
+              </a:lnSpc>
+              <a:spcBef>
+                <a:spcPct val="0"/>
+              </a:spcBef>
+              <a:spcAft>
+                <a:spcPct val="0"/>
+              </a:spcAft>
+              <a:buClrTx/>
+              <a:buSzTx/>
+              <a:buFontTx/>
+              <a:buNone/>
+              <a:tabLst/>
+            </a:pPr>
+            <a:endParaRPr kumimoji="0" lang="de-DE" sz="2400" b="0" i="0" u="none" strike="noStrike" cap="none" normalizeH="0" baseline="0">
+              <a:ln>
+                <a:noFill/>
+              </a:ln>
+              <a:solidFill>
+                <a:schemeClr val="tx1"/>
+              </a:solidFill>
+              <a:effectLst/>
+              <a:latin typeface="Times New Roman" pitchFamily="18" charset="0"/>
+            </a:endParaRPr>
+          </a:p>
+        </p:txBody>
+      </p:sp>
+      <p:cxnSp>
+        <p:nvCxnSpPr>
+          <p:cNvPr id="33" name="Gerade Verbindung mit Pfeil 32">
+            <a:extLst>
+              <a:ext uri="{FF2B5EF4-FFF2-40B4-BE49-F238E27FC236}">
+                <a16:creationId xmlns:a16="http://schemas.microsoft.com/office/drawing/2014/main" id="{9442A991-664F-0A76-36E9-53A7788A65B8}"/>
+              </a:ext>
+            </a:extLst>
+          </p:cNvPr>
+          <p:cNvCxnSpPr>
+            <a:stCxn id="5" idx="3"/>
+            <a:endCxn id="13" idx="1"/>
+          </p:cNvCxnSpPr>
+          <p:nvPr/>
+        </p:nvCxnSpPr>
+        <p:spPr bwMode="auto">
+          <a:xfrm>
+            <a:off x="3063051" y="4900518"/>
+            <a:ext cx="446902" cy="0"/>
+          </a:xfrm>
+          <a:prstGeom prst="straightConnector1">
+            <a:avLst/>
+          </a:prstGeom>
+          <a:solidFill>
+            <a:schemeClr val="accent1"/>
+          </a:solidFill>
+          <a:ln w="12700" cap="flat" cmpd="sng" algn="ctr">
+            <a:solidFill>
+              <a:schemeClr val="tx1"/>
+            </a:solidFill>
+            <a:prstDash val="solid"/>
+            <a:round/>
+            <a:headEnd type="none" w="sm" len="sm"/>
+            <a:tailEnd type="triangle"/>
+          </a:ln>
+          <a:effectLst/>
+        </p:spPr>
+      </p:cxnSp>
+      <p:cxnSp>
+        <p:nvCxnSpPr>
+          <p:cNvPr id="35" name="Gerade Verbindung mit Pfeil 34">
+            <a:extLst>
+              <a:ext uri="{FF2B5EF4-FFF2-40B4-BE49-F238E27FC236}">
+                <a16:creationId xmlns:a16="http://schemas.microsoft.com/office/drawing/2014/main" id="{40562E72-A187-C106-DA80-54A4155E7988}"/>
+              </a:ext>
+            </a:extLst>
+          </p:cNvPr>
+          <p:cNvCxnSpPr>
+            <a:stCxn id="13" idx="3"/>
+            <a:endCxn id="25" idx="1"/>
+          </p:cNvCxnSpPr>
+          <p:nvPr/>
+        </p:nvCxnSpPr>
+        <p:spPr bwMode="auto">
+          <a:xfrm>
+            <a:off x="5670193" y="4900518"/>
+            <a:ext cx="506042" cy="0"/>
+          </a:xfrm>
+          <a:prstGeom prst="straightConnector1">
+            <a:avLst/>
+          </a:prstGeom>
+          <a:solidFill>
+            <a:schemeClr val="accent1"/>
+          </a:solidFill>
+          <a:ln w="12700" cap="flat" cmpd="sng" algn="ctr">
+            <a:solidFill>
+              <a:schemeClr val="tx1"/>
+            </a:solidFill>
+            <a:prstDash val="solid"/>
+            <a:round/>
+            <a:headEnd type="none" w="sm" len="sm"/>
+            <a:tailEnd type="triangle"/>
+          </a:ln>
+          <a:effectLst/>
+        </p:spPr>
+      </p:cxnSp>
+      <p:sp>
+        <p:nvSpPr>
+          <p:cNvPr id="41" name="Flussdiagramm: Magnetplattenspeicher 40">
+            <a:extLst>
+              <a:ext uri="{FF2B5EF4-FFF2-40B4-BE49-F238E27FC236}">
+                <a16:creationId xmlns:a16="http://schemas.microsoft.com/office/drawing/2014/main" id="{46AAEFD2-F4BB-D0F4-03CA-B5D12AA75CC2}"/>
+              </a:ext>
+            </a:extLst>
+          </p:cNvPr>
+          <p:cNvSpPr/>
+          <p:nvPr/>
+        </p:nvSpPr>
+        <p:spPr bwMode="auto">
+          <a:xfrm>
+            <a:off x="4255390" y="5152546"/>
+            <a:ext cx="664912" cy="608142"/>
+          </a:xfrm>
+          <a:prstGeom prst="flowChartMagneticDisk">
+            <a:avLst/>
+          </a:prstGeom>
+          <a:solidFill>
+            <a:schemeClr val="accent1"/>
+          </a:solidFill>
+          <a:ln w="12700" cap="flat" cmpd="sng" algn="ctr">
+            <a:solidFill>
+              <a:schemeClr val="tx1"/>
+            </a:solidFill>
+            <a:prstDash val="solid"/>
+            <a:round/>
+            <a:headEnd type="none" w="sm" len="sm"/>
+            <a:tailEnd type="none" w="sm" len="sm"/>
+          </a:ln>
+          <a:effectLst/>
+        </p:spPr>
+        <p:txBody>
+          <a:bodyPr vert="horz" wrap="square" lIns="91440" tIns="45720" rIns="91440" bIns="45720" numCol="1" rtlCol="0" anchor="t" anchorCtr="0" compatLnSpc="1">
+            <a:prstTxWarp prst="textNoShape">
+              <a:avLst/>
+            </a:prstTxWarp>
+          </a:bodyPr>
+          <a:lstStyle/>
+          <a:p>
+            <a:pPr marL="0" marR="0" indent="0" algn="ctr" defTabSz="914400" rtl="0" eaLnBrk="0" fontAlgn="base" latinLnBrk="0" hangingPunct="0">
+              <a:lnSpc>
+                <a:spcPct val="100000"/>
+              </a:lnSpc>
+              <a:spcBef>
+                <a:spcPct val="0"/>
+              </a:spcBef>
+              <a:spcAft>
+                <a:spcPct val="0"/>
+              </a:spcAft>
+              <a:buClrTx/>
+              <a:buSzTx/>
+              <a:buFontTx/>
+              <a:buNone/>
+              <a:tabLst/>
+            </a:pPr>
+            <a:r>
+              <a:rPr kumimoji="0" lang="de-DE" sz="2400" b="0" i="0" u="none" strike="noStrike" cap="none" normalizeH="0" baseline="0" dirty="0">
+                <a:ln>
+                  <a:noFill/>
+                </a:ln>
+                <a:solidFill>
+                  <a:schemeClr val="tx1"/>
+                </a:solidFill>
+                <a:effectLst/>
+                <a:latin typeface="+mn-lt"/>
+              </a:rPr>
+              <a:t>DB</a:t>
+            </a:r>
+          </a:p>
+        </p:txBody>
+      </p:sp>
+      <p:sp>
+        <p:nvSpPr>
+          <p:cNvPr id="44" name="Flussdiagramm: Magnetplattenspeicher 43">
+            <a:extLst>
+              <a:ext uri="{FF2B5EF4-FFF2-40B4-BE49-F238E27FC236}">
+                <a16:creationId xmlns:a16="http://schemas.microsoft.com/office/drawing/2014/main" id="{2FFB96B0-DA2F-4C10-B672-372696DFF8F0}"/>
+              </a:ext>
+            </a:extLst>
+          </p:cNvPr>
+          <p:cNvSpPr/>
+          <p:nvPr/>
+        </p:nvSpPr>
+        <p:spPr bwMode="auto">
+          <a:xfrm>
+            <a:off x="6920680" y="5152546"/>
+            <a:ext cx="664912" cy="608142"/>
+          </a:xfrm>
+          <a:prstGeom prst="flowChartMagneticDisk">
+            <a:avLst/>
+          </a:prstGeom>
+          <a:solidFill>
+            <a:schemeClr val="accent1"/>
+          </a:solidFill>
+          <a:ln w="12700" cap="flat" cmpd="sng" algn="ctr">
+            <a:solidFill>
+              <a:schemeClr val="tx1"/>
+            </a:solidFill>
+            <a:prstDash val="solid"/>
+            <a:round/>
+            <a:headEnd type="none" w="sm" len="sm"/>
+            <a:tailEnd type="none" w="sm" len="sm"/>
+          </a:ln>
+          <a:effectLst/>
+        </p:spPr>
+        <p:txBody>
+          <a:bodyPr vert="horz" wrap="square" lIns="91440" tIns="45720" rIns="91440" bIns="45720" numCol="1" rtlCol="0" anchor="t" anchorCtr="0" compatLnSpc="1">
+            <a:prstTxWarp prst="textNoShape">
+              <a:avLst/>
+            </a:prstTxWarp>
+          </a:bodyPr>
+          <a:lstStyle/>
+          <a:p>
+            <a:pPr marL="0" marR="0" indent="0" algn="ctr" defTabSz="914400" rtl="0" eaLnBrk="0" fontAlgn="base" latinLnBrk="0" hangingPunct="0">
+              <a:lnSpc>
+                <a:spcPct val="100000"/>
+              </a:lnSpc>
+              <a:spcBef>
+                <a:spcPct val="0"/>
+              </a:spcBef>
+              <a:spcAft>
+                <a:spcPct val="0"/>
+              </a:spcAft>
+              <a:buClrTx/>
+              <a:buSzTx/>
+              <a:buFontTx/>
+              <a:buNone/>
+              <a:tabLst/>
+            </a:pPr>
+            <a:r>
+              <a:rPr kumimoji="0" lang="de-DE" sz="2400" b="0" i="0" u="none" strike="noStrike" cap="none" normalizeH="0" baseline="0" dirty="0">
+                <a:ln>
+                  <a:noFill/>
+                </a:ln>
+                <a:solidFill>
+                  <a:schemeClr val="tx1"/>
+                </a:solidFill>
+                <a:effectLst/>
+                <a:latin typeface="+mn-lt"/>
+              </a:rPr>
+              <a:t>DB</a:t>
+            </a:r>
+          </a:p>
+        </p:txBody>
+      </p:sp>
+    </p:spTree>
+    <p:extLst>
+      <p:ext uri="{BB962C8B-B14F-4D97-AF65-F5344CB8AC3E}">
+        <p14:creationId xmlns:p14="http://schemas.microsoft.com/office/powerpoint/2010/main" val="1615873665"/>
+      </p:ext>
+    </p:extLst>
+  </p:cSld>
+  <p:clrMapOvr>
+    <a:masterClrMapping/>
+  </p:clrMapOvr>
+</p:sld>
+</file>
+
+<file path=ppt/slides/slide13.xml><?xml version="1.0" encoding="utf-8"?>
+<p:sld xmlns:a="http://schemas.openxmlformats.org/drawingml/2006/main" xmlns:r="http://schemas.openxmlformats.org/officeDocument/2006/relationships" xmlns:p="http://schemas.openxmlformats.org/presentationml/2006/main">
+  <p:cSld>
+    <p:spTree>
+      <p:nvGrpSpPr>
+        <p:cNvPr id="1" name=""/>
+        <p:cNvGrpSpPr/>
+        <p:nvPr/>
+      </p:nvGrpSpPr>
+      <p:grpSpPr>
+        <a:xfrm>
+          <a:off x="0" y="0"/>
+          <a:ext cx="0" cy="0"/>
+          <a:chOff x="0" y="0"/>
+          <a:chExt cx="0" cy="0"/>
+        </a:xfrm>
+      </p:grpSpPr>
+      <p:sp>
+        <p:nvSpPr>
+          <p:cNvPr id="8" name="Rechteck 7">
+            <a:extLst>
+              <a:ext uri="{FF2B5EF4-FFF2-40B4-BE49-F238E27FC236}">
+                <a16:creationId xmlns:a16="http://schemas.microsoft.com/office/drawing/2014/main" id="{7629C974-055C-E263-F335-C22E8F33412E}"/>
+              </a:ext>
+            </a:extLst>
+          </p:cNvPr>
+          <p:cNvSpPr/>
+          <p:nvPr/>
+        </p:nvSpPr>
+        <p:spPr bwMode="auto">
+          <a:xfrm>
+            <a:off x="6309038" y="3861048"/>
+            <a:ext cx="2520280" cy="2376264"/>
+          </a:xfrm>
+          <a:prstGeom prst="rect">
+            <a:avLst/>
+          </a:prstGeom>
+          <a:solidFill>
+            <a:schemeClr val="bg1"/>
+          </a:solidFill>
+          <a:ln w="12700" cap="flat" cmpd="sng" algn="ctr">
+            <a:solidFill>
+              <a:schemeClr val="tx1"/>
+            </a:solidFill>
+            <a:prstDash val="solid"/>
+            <a:round/>
+            <a:headEnd type="none" w="sm" len="sm"/>
+            <a:tailEnd type="none" w="sm" len="sm"/>
+          </a:ln>
+          <a:effectLst/>
+        </p:spPr>
+        <p:txBody>
+          <a:bodyPr vert="horz" wrap="square" lIns="91440" tIns="45720" rIns="91440" bIns="45720" numCol="1" rtlCol="0" anchor="t" anchorCtr="0" compatLnSpc="1">
+            <a:prstTxWarp prst="textNoShape">
+              <a:avLst/>
+            </a:prstTxWarp>
+          </a:bodyPr>
+          <a:lstStyle/>
+          <a:p>
+            <a:pPr marL="0" marR="0" indent="0" algn="l" defTabSz="914400" rtl="0" eaLnBrk="0" fontAlgn="base" latinLnBrk="0" hangingPunct="0">
+              <a:lnSpc>
+                <a:spcPct val="100000"/>
+              </a:lnSpc>
+              <a:spcBef>
+                <a:spcPct val="0"/>
+              </a:spcBef>
+              <a:spcAft>
+                <a:spcPct val="0"/>
+              </a:spcAft>
+              <a:buClrTx/>
+              <a:buSzTx/>
+              <a:buFontTx/>
+              <a:buNone/>
+              <a:tabLst/>
+            </a:pPr>
+            <a:endParaRPr kumimoji="0" lang="de-DE" sz="2400" b="0" i="0" u="none" strike="noStrike" cap="none" normalizeH="0" baseline="0">
+              <a:ln>
+                <a:noFill/>
+              </a:ln>
+              <a:solidFill>
+                <a:schemeClr val="tx1"/>
+              </a:solidFill>
+              <a:effectLst/>
+              <a:latin typeface="Times New Roman" pitchFamily="18" charset="0"/>
+            </a:endParaRPr>
+          </a:p>
+        </p:txBody>
+      </p:sp>
+      <p:sp>
+        <p:nvSpPr>
+          <p:cNvPr id="2" name="Titel 1">
+            <a:extLst>
+              <a:ext uri="{FF2B5EF4-FFF2-40B4-BE49-F238E27FC236}">
+                <a16:creationId xmlns:a16="http://schemas.microsoft.com/office/drawing/2014/main" id="{25B0213D-D620-6A46-9FC9-EC69E85783EA}"/>
+              </a:ext>
+            </a:extLst>
+          </p:cNvPr>
+          <p:cNvSpPr>
+            <a:spLocks noGrp="1"/>
+          </p:cNvSpPr>
+          <p:nvPr>
+            <p:ph type="title"/>
+          </p:nvPr>
+        </p:nvSpPr>
+        <p:spPr/>
+        <p:txBody>
+          <a:bodyPr/>
+          <a:lstStyle/>
+          <a:p>
+            <a:r>
+              <a:rPr lang="de-DE" altLang="de-DE" dirty="0"/>
+              <a:t>Lokale Entwicklung mit Docker</a:t>
+            </a:r>
+            <a:endParaRPr lang="de-DE" dirty="0"/>
+          </a:p>
+        </p:txBody>
+      </p:sp>
+      <p:sp>
+        <p:nvSpPr>
+          <p:cNvPr id="3" name="Inhaltsplatzhalter 2">
+            <a:extLst>
+              <a:ext uri="{FF2B5EF4-FFF2-40B4-BE49-F238E27FC236}">
+                <a16:creationId xmlns:a16="http://schemas.microsoft.com/office/drawing/2014/main" id="{1D37C76D-66C8-8AD9-003C-0356B51EFF1E}"/>
+              </a:ext>
+            </a:extLst>
+          </p:cNvPr>
+          <p:cNvSpPr>
+            <a:spLocks noGrp="1"/>
+          </p:cNvSpPr>
+          <p:nvPr>
+            <p:ph idx="1"/>
+          </p:nvPr>
+        </p:nvSpPr>
+        <p:spPr>
+          <a:xfrm>
+            <a:off x="303213" y="1844824"/>
+            <a:ext cx="8516937" cy="1793048"/>
+          </a:xfrm>
+        </p:spPr>
+        <p:txBody>
+          <a:bodyPr/>
+          <a:lstStyle/>
+          <a:p>
+            <a:pPr>
+              <a:buFont typeface="Arial" panose="020B0604020202020204" pitchFamily="34" charset="0"/>
+              <a:buChar char="•"/>
+            </a:pPr>
+            <a:r>
+              <a:rPr lang="de-DE" dirty="0"/>
+              <a:t>Mehrere Container in einem Netzwerk</a:t>
+            </a:r>
+          </a:p>
+          <a:p>
+            <a:pPr>
+              <a:buFont typeface="Arial" panose="020B0604020202020204" pitchFamily="34" charset="0"/>
+              <a:buChar char="•"/>
+            </a:pPr>
+            <a:r>
+              <a:rPr lang="de-DE" dirty="0"/>
+              <a:t>Können miteinander kommunizieren</a:t>
+            </a:r>
+          </a:p>
+          <a:p>
+            <a:pPr>
+              <a:buFont typeface="Arial" panose="020B0604020202020204" pitchFamily="34" charset="0"/>
+              <a:buChar char="•"/>
+            </a:pPr>
+            <a:r>
+              <a:rPr lang="de-DE" dirty="0"/>
+              <a:t>Können zusammen gestartet und gestoppt werden</a:t>
+            </a:r>
+          </a:p>
+          <a:p>
+            <a:pPr>
+              <a:buFont typeface="Arial" panose="020B0604020202020204" pitchFamily="34" charset="0"/>
+              <a:buChar char="•"/>
+            </a:pPr>
+            <a:r>
+              <a:rPr lang="de-DE" dirty="0">
+                <a:hlinkClick r:id="rId2"/>
+              </a:rPr>
+              <a:t>https://docs.docker.com/compose/</a:t>
+            </a:r>
+            <a:r>
+              <a:rPr lang="de-DE" dirty="0"/>
+              <a:t> </a:t>
+            </a:r>
+          </a:p>
+        </p:txBody>
+      </p:sp>
+      <p:sp>
+        <p:nvSpPr>
+          <p:cNvPr id="4" name="Textfeld 3">
+            <a:extLst>
+              <a:ext uri="{FF2B5EF4-FFF2-40B4-BE49-F238E27FC236}">
+                <a16:creationId xmlns:a16="http://schemas.microsoft.com/office/drawing/2014/main" id="{AA530301-1190-3350-040E-CFBBDCF56DB1}"/>
+              </a:ext>
+            </a:extLst>
+          </p:cNvPr>
+          <p:cNvSpPr txBox="1"/>
+          <p:nvPr/>
+        </p:nvSpPr>
+        <p:spPr bwMode="auto">
+          <a:xfrm>
+            <a:off x="285720" y="1124744"/>
+            <a:ext cx="8516937" cy="584775"/>
+          </a:xfrm>
+          <a:prstGeom prst="rect">
+            <a:avLst/>
+          </a:prstGeom>
+          <a:noFill/>
+          <a:ln w="9525">
+            <a:noFill/>
+            <a:miter lim="800000"/>
+            <a:headEnd/>
+            <a:tailEnd/>
+          </a:ln>
+        </p:spPr>
+        <p:txBody>
+          <a:bodyPr wrap="square" rtlCol="0" anchor="ctr">
+            <a:spAutoFit/>
+          </a:bodyPr>
+          <a:lstStyle/>
+          <a:p>
+            <a:pPr algn="ctr" eaLnBrk="1" hangingPunct="1"/>
+            <a:r>
+              <a:rPr lang="de-DE" sz="3200" dirty="0">
+                <a:latin typeface="+mj-lt"/>
+              </a:rPr>
+              <a:t>Docker </a:t>
+            </a:r>
+            <a:r>
+              <a:rPr lang="de-DE" sz="3200" dirty="0" err="1">
+                <a:latin typeface="+mj-lt"/>
+              </a:rPr>
+              <a:t>Compose</a:t>
+            </a:r>
+            <a:endParaRPr lang="de-DE" sz="3200" dirty="0">
+              <a:latin typeface="+mj-lt"/>
+            </a:endParaRPr>
+          </a:p>
+        </p:txBody>
+      </p:sp>
+      <p:sp>
+        <p:nvSpPr>
+          <p:cNvPr id="5" name="Würfel 4">
+            <a:extLst>
+              <a:ext uri="{FF2B5EF4-FFF2-40B4-BE49-F238E27FC236}">
+                <a16:creationId xmlns:a16="http://schemas.microsoft.com/office/drawing/2014/main" id="{4D985689-0DED-33C6-DD82-0C7E9E67F177}"/>
+              </a:ext>
+            </a:extLst>
+          </p:cNvPr>
+          <p:cNvSpPr/>
+          <p:nvPr/>
+        </p:nvSpPr>
+        <p:spPr bwMode="auto">
+          <a:xfrm>
+            <a:off x="6525060" y="5438072"/>
+            <a:ext cx="2088234" cy="576064"/>
+          </a:xfrm>
+          <a:prstGeom prst="cube">
+            <a:avLst/>
+          </a:prstGeom>
+          <a:solidFill>
+            <a:schemeClr val="accent1"/>
+          </a:solidFill>
+          <a:ln w="12700" cap="flat" cmpd="sng" algn="ctr">
+            <a:solidFill>
+              <a:schemeClr val="tx1"/>
+            </a:solidFill>
+            <a:prstDash val="solid"/>
+            <a:round/>
+            <a:headEnd type="none" w="sm" len="sm"/>
+            <a:tailEnd type="none" w="sm" len="sm"/>
+          </a:ln>
+          <a:effectLst/>
+        </p:spPr>
+        <p:txBody>
+          <a:bodyPr vert="horz" wrap="square" lIns="91440" tIns="45720" rIns="91440" bIns="45720" numCol="1" rtlCol="0" anchor="t" anchorCtr="0" compatLnSpc="1">
+            <a:prstTxWarp prst="textNoShape">
+              <a:avLst/>
+            </a:prstTxWarp>
+          </a:bodyPr>
+          <a:lstStyle/>
+          <a:p>
+            <a:pPr marL="0" marR="0" indent="0" algn="ctr" defTabSz="914400" rtl="0" eaLnBrk="0" fontAlgn="base" latinLnBrk="0" hangingPunct="0">
+              <a:lnSpc>
+                <a:spcPct val="100000"/>
+              </a:lnSpc>
+              <a:spcBef>
+                <a:spcPct val="0"/>
+              </a:spcBef>
+              <a:spcAft>
+                <a:spcPct val="0"/>
+              </a:spcAft>
+              <a:buClrTx/>
+              <a:buSzTx/>
+              <a:buFontTx/>
+              <a:buNone/>
+              <a:tabLst/>
+            </a:pPr>
+            <a:r>
+              <a:rPr kumimoji="0" lang="de-DE" sz="2400" b="0" i="0" u="none" strike="noStrike" cap="none" normalizeH="0" baseline="0" dirty="0">
+                <a:ln>
+                  <a:noFill/>
+                </a:ln>
+                <a:solidFill>
+                  <a:schemeClr val="tx1"/>
+                </a:solidFill>
+                <a:effectLst/>
+                <a:latin typeface="+mn-lt"/>
+              </a:rPr>
+              <a:t>Database</a:t>
+            </a:r>
+          </a:p>
+        </p:txBody>
+      </p:sp>
+      <p:sp>
+        <p:nvSpPr>
+          <p:cNvPr id="6" name="Würfel 5">
+            <a:extLst>
+              <a:ext uri="{FF2B5EF4-FFF2-40B4-BE49-F238E27FC236}">
+                <a16:creationId xmlns:a16="http://schemas.microsoft.com/office/drawing/2014/main" id="{97F3E225-9A6D-F5AF-95D5-F4B08A682C62}"/>
+              </a:ext>
+            </a:extLst>
+          </p:cNvPr>
+          <p:cNvSpPr/>
+          <p:nvPr/>
+        </p:nvSpPr>
+        <p:spPr bwMode="auto">
+          <a:xfrm>
+            <a:off x="6525060" y="4720376"/>
+            <a:ext cx="2088234" cy="576064"/>
+          </a:xfrm>
+          <a:prstGeom prst="cube">
+            <a:avLst/>
+          </a:prstGeom>
+          <a:solidFill>
+            <a:schemeClr val="accent1"/>
+          </a:solidFill>
+          <a:ln w="12700" cap="flat" cmpd="sng" algn="ctr">
+            <a:solidFill>
+              <a:schemeClr val="tx1"/>
+            </a:solidFill>
+            <a:prstDash val="solid"/>
+            <a:round/>
+            <a:headEnd type="none" w="sm" len="sm"/>
+            <a:tailEnd type="none" w="sm" len="sm"/>
+          </a:ln>
+          <a:effectLst/>
+        </p:spPr>
+        <p:txBody>
+          <a:bodyPr vert="horz" wrap="square" lIns="91440" tIns="45720" rIns="91440" bIns="45720" numCol="1" rtlCol="0" anchor="t" anchorCtr="0" compatLnSpc="1">
+            <a:prstTxWarp prst="textNoShape">
+              <a:avLst/>
+            </a:prstTxWarp>
+          </a:bodyPr>
+          <a:lstStyle/>
+          <a:p>
+            <a:pPr marL="0" marR="0" indent="0" algn="ctr" defTabSz="914400" rtl="0" eaLnBrk="0" fontAlgn="base" latinLnBrk="0" hangingPunct="0">
+              <a:lnSpc>
+                <a:spcPct val="100000"/>
+              </a:lnSpc>
+              <a:spcBef>
+                <a:spcPct val="0"/>
+              </a:spcBef>
+              <a:spcAft>
+                <a:spcPct val="0"/>
+              </a:spcAft>
+              <a:buClrTx/>
+              <a:buSzTx/>
+              <a:buFontTx/>
+              <a:buNone/>
+              <a:tabLst/>
+            </a:pPr>
+            <a:r>
+              <a:rPr lang="de-DE" dirty="0">
+                <a:latin typeface="+mn-lt"/>
+              </a:rPr>
+              <a:t>Backend</a:t>
+            </a:r>
+            <a:endParaRPr kumimoji="0" lang="de-DE" sz="2400" b="0" i="0" u="none" strike="noStrike" cap="none" normalizeH="0" baseline="0" dirty="0">
+              <a:ln>
+                <a:noFill/>
+              </a:ln>
+              <a:solidFill>
+                <a:schemeClr val="tx1"/>
+              </a:solidFill>
+              <a:effectLst/>
+              <a:latin typeface="+mn-lt"/>
+            </a:endParaRPr>
+          </a:p>
+        </p:txBody>
+      </p:sp>
+      <p:sp>
+        <p:nvSpPr>
+          <p:cNvPr id="7" name="Würfel 6">
+            <a:extLst>
+              <a:ext uri="{FF2B5EF4-FFF2-40B4-BE49-F238E27FC236}">
+                <a16:creationId xmlns:a16="http://schemas.microsoft.com/office/drawing/2014/main" id="{90F06E44-55C0-12FB-D570-500FFE787D0A}"/>
+              </a:ext>
+            </a:extLst>
+          </p:cNvPr>
+          <p:cNvSpPr/>
+          <p:nvPr/>
+        </p:nvSpPr>
+        <p:spPr bwMode="auto">
+          <a:xfrm>
+            <a:off x="6525060" y="4002680"/>
+            <a:ext cx="2088234" cy="576064"/>
+          </a:xfrm>
+          <a:prstGeom prst="cube">
+            <a:avLst/>
+          </a:prstGeom>
+          <a:solidFill>
+            <a:schemeClr val="accent1"/>
+          </a:solidFill>
+          <a:ln w="12700" cap="flat" cmpd="sng" algn="ctr">
+            <a:solidFill>
+              <a:schemeClr val="tx1"/>
+            </a:solidFill>
+            <a:prstDash val="solid"/>
+            <a:round/>
+            <a:headEnd type="none" w="sm" len="sm"/>
+            <a:tailEnd type="none" w="sm" len="sm"/>
+          </a:ln>
+          <a:effectLst/>
+        </p:spPr>
+        <p:txBody>
+          <a:bodyPr vert="horz" wrap="square" lIns="91440" tIns="45720" rIns="91440" bIns="45720" numCol="1" rtlCol="0" anchor="t" anchorCtr="0" compatLnSpc="1">
+            <a:prstTxWarp prst="textNoShape">
+              <a:avLst/>
+            </a:prstTxWarp>
+          </a:bodyPr>
+          <a:lstStyle/>
+          <a:p>
+            <a:pPr marL="0" marR="0" indent="0" algn="ctr" defTabSz="914400" rtl="0" eaLnBrk="0" fontAlgn="base" latinLnBrk="0" hangingPunct="0">
+              <a:lnSpc>
+                <a:spcPct val="100000"/>
+              </a:lnSpc>
+              <a:spcBef>
+                <a:spcPct val="0"/>
+              </a:spcBef>
+              <a:spcAft>
+                <a:spcPct val="0"/>
+              </a:spcAft>
+              <a:buClrTx/>
+              <a:buSzTx/>
+              <a:buFontTx/>
+              <a:buNone/>
+              <a:tabLst/>
+            </a:pPr>
+            <a:r>
+              <a:rPr lang="de-DE" dirty="0">
+                <a:latin typeface="+mn-lt"/>
+              </a:rPr>
+              <a:t>Frontend</a:t>
+            </a:r>
+            <a:endParaRPr kumimoji="0" lang="de-DE" sz="2400" b="0" i="0" u="none" strike="noStrike" cap="none" normalizeH="0" baseline="0" dirty="0">
+              <a:ln>
+                <a:noFill/>
+              </a:ln>
+              <a:solidFill>
+                <a:schemeClr val="tx1"/>
+              </a:solidFill>
+              <a:effectLst/>
+              <a:latin typeface="+mn-lt"/>
+            </a:endParaRPr>
+          </a:p>
+        </p:txBody>
+      </p:sp>
+    </p:spTree>
+    <p:extLst>
+      <p:ext uri="{BB962C8B-B14F-4D97-AF65-F5344CB8AC3E}">
+        <p14:creationId xmlns:p14="http://schemas.microsoft.com/office/powerpoint/2010/main" val="4186645334"/>
+      </p:ext>
+    </p:extLst>
+  </p:cSld>
+  <p:clrMapOvr>
+    <a:masterClrMapping/>
+  </p:clrMapOvr>
+</p:sld>
+</file>
+
+<file path=ppt/slides/slide14.xml><?xml version="1.0" encoding="utf-8"?>
+<p:sld xmlns:a="http://schemas.openxmlformats.org/drawingml/2006/main" xmlns:r="http://schemas.openxmlformats.org/officeDocument/2006/relationships" xmlns:p="http://schemas.openxmlformats.org/presentationml/2006/main">
+  <p:cSld>
+    <p:spTree>
+      <p:nvGrpSpPr>
+        <p:cNvPr id="1" name=""/>
+        <p:cNvGrpSpPr/>
+        <p:nvPr/>
+      </p:nvGrpSpPr>
+      <p:grpSpPr>
+        <a:xfrm>
+          <a:off x="0" y="0"/>
+          <a:ext cx="0" cy="0"/>
+          <a:chOff x="0" y="0"/>
+          <a:chExt cx="0" cy="0"/>
+        </a:xfrm>
+      </p:grpSpPr>
+      <p:sp>
+        <p:nvSpPr>
+          <p:cNvPr id="2" name="Titel 1">
+            <a:extLst>
+              <a:ext uri="{FF2B5EF4-FFF2-40B4-BE49-F238E27FC236}">
+                <a16:creationId xmlns:a16="http://schemas.microsoft.com/office/drawing/2014/main" id="{D58947B1-E343-5119-B98C-E7CCB2D2E7E3}"/>
+              </a:ext>
+            </a:extLst>
+          </p:cNvPr>
+          <p:cNvSpPr>
+            <a:spLocks noGrp="1"/>
+          </p:cNvSpPr>
+          <p:nvPr>
+            <p:ph type="title"/>
+          </p:nvPr>
+        </p:nvSpPr>
+        <p:spPr/>
+        <p:txBody>
+          <a:bodyPr/>
+          <a:lstStyle/>
+          <a:p>
+            <a:r>
+              <a:rPr lang="de-DE" altLang="de-DE" dirty="0"/>
+              <a:t>Lokale Entwicklung mit Docker</a:t>
+            </a:r>
+            <a:endParaRPr lang="de-DE" dirty="0"/>
+          </a:p>
+        </p:txBody>
+      </p:sp>
+      <p:sp>
+        <p:nvSpPr>
+          <p:cNvPr id="3" name="Inhaltsplatzhalter 2">
+            <a:extLst>
+              <a:ext uri="{FF2B5EF4-FFF2-40B4-BE49-F238E27FC236}">
+                <a16:creationId xmlns:a16="http://schemas.microsoft.com/office/drawing/2014/main" id="{AC76A83C-4AF8-B13C-02DF-D7B466A42F14}"/>
+              </a:ext>
+            </a:extLst>
+          </p:cNvPr>
+          <p:cNvSpPr>
+            <a:spLocks noGrp="1"/>
+          </p:cNvSpPr>
+          <p:nvPr>
+            <p:ph idx="1"/>
+          </p:nvPr>
+        </p:nvSpPr>
+        <p:spPr>
+          <a:xfrm>
+            <a:off x="303213" y="2256355"/>
+            <a:ext cx="8516937" cy="4125395"/>
+          </a:xfrm>
+        </p:spPr>
+        <p:txBody>
+          <a:bodyPr/>
+          <a:lstStyle/>
+          <a:p>
+            <a:pPr>
+              <a:buFont typeface="Arial" panose="020B0604020202020204" pitchFamily="34" charset="0"/>
+              <a:buChar char="•"/>
+            </a:pPr>
+            <a:r>
+              <a:rPr lang="de-DE" dirty="0"/>
+              <a:t>Ausführung von Software in gebauten Containern</a:t>
+            </a:r>
+          </a:p>
+          <a:p>
+            <a:pPr>
+              <a:buFont typeface="Arial" panose="020B0604020202020204" pitchFamily="34" charset="0"/>
+              <a:buChar char="•"/>
+            </a:pPr>
+            <a:r>
+              <a:rPr lang="de-DE" dirty="0"/>
+              <a:t>Plattformunabhängig</a:t>
+            </a:r>
+          </a:p>
+          <a:p>
+            <a:pPr>
+              <a:buFont typeface="Arial" panose="020B0604020202020204" pitchFamily="34" charset="0"/>
+              <a:buChar char="•"/>
+            </a:pPr>
+            <a:r>
+              <a:rPr lang="de-DE"/>
+              <a:t>Übernimmt Umgebungskonfiguration</a:t>
+            </a:r>
+            <a:endParaRPr lang="de-DE" dirty="0"/>
+          </a:p>
+        </p:txBody>
+      </p:sp>
+      <p:sp>
+        <p:nvSpPr>
+          <p:cNvPr id="6" name="Textfeld 5">
+            <a:extLst>
+              <a:ext uri="{FF2B5EF4-FFF2-40B4-BE49-F238E27FC236}">
+                <a16:creationId xmlns:a16="http://schemas.microsoft.com/office/drawing/2014/main" id="{5DD4BE0B-60D6-AA8E-C67F-86D609A3C9A4}"/>
               </a:ext>
             </a:extLst>
           </p:cNvPr>
@@ -3704,1678 +7311,7 @@
               <a:rPr lang="de-DE" sz="3200" dirty="0">
                 <a:latin typeface="+mj-lt"/>
               </a:rPr>
-              <a:t>Managen von Containern</a:t>
-            </a:r>
-          </a:p>
-        </p:txBody>
-      </p:sp>
-      <p:sp>
-        <p:nvSpPr>
-          <p:cNvPr id="7" name="Inhaltsplatzhalter 2">
-            <a:extLst>
-              <a:ext uri="{FF2B5EF4-FFF2-40B4-BE49-F238E27FC236}">
-                <a16:creationId xmlns:a16="http://schemas.microsoft.com/office/drawing/2014/main" id="{068F01F4-F388-451F-3C71-FFF7648D9735}"/>
-              </a:ext>
-            </a:extLst>
-          </p:cNvPr>
-          <p:cNvSpPr txBox="1">
-            <a:spLocks/>
-          </p:cNvSpPr>
-          <p:nvPr/>
-        </p:nvSpPr>
-        <p:spPr bwMode="auto">
-          <a:xfrm>
-            <a:off x="285719" y="2060848"/>
-            <a:ext cx="8516937" cy="432048"/>
-          </a:xfrm>
-          <a:prstGeom prst="rect">
-            <a:avLst/>
-          </a:prstGeom>
-          <a:noFill/>
-          <a:ln>
-            <a:noFill/>
-          </a:ln>
-          <a:effectLst>
-            <a:softEdge rad="0"/>
-          </a:effectLst>
-        </p:spPr>
-        <p:txBody>
-          <a:bodyPr vert="horz" wrap="square" lIns="92075" tIns="46038" rIns="92075" bIns="46038" numCol="1" anchor="t" anchorCtr="0" compatLnSpc="1">
-            <a:prstTxWarp prst="textNoShape">
-              <a:avLst/>
-            </a:prstTxWarp>
-          </a:bodyPr>
-          <a:lstStyle>
-            <a:lvl1pPr marL="342900" indent="-342900" algn="l" rtl="0" eaLnBrk="1" fontAlgn="base" hangingPunct="1">
-              <a:spcBef>
-                <a:spcPct val="20000"/>
-              </a:spcBef>
-              <a:spcAft>
-                <a:spcPct val="0"/>
-              </a:spcAft>
-              <a:buClr>
-                <a:srgbClr val="008C5A"/>
-              </a:buClr>
-              <a:buFont typeface="Monotype Sorts" pitchFamily="2" charset="2"/>
-              <a:buChar char="l"/>
-              <a:defRPr sz="2400">
-                <a:solidFill>
-                  <a:schemeClr val="tx1"/>
-                </a:solidFill>
-                <a:latin typeface="+mn-lt"/>
-                <a:ea typeface="+mn-ea"/>
-                <a:cs typeface="+mn-cs"/>
-              </a:defRPr>
-            </a:lvl1pPr>
-            <a:lvl2pPr marL="742950" indent="-285750" algn="l" rtl="0" eaLnBrk="1" fontAlgn="base" hangingPunct="1">
-              <a:spcBef>
-                <a:spcPct val="20000"/>
-              </a:spcBef>
-              <a:spcAft>
-                <a:spcPct val="0"/>
-              </a:spcAft>
-              <a:buClr>
-                <a:srgbClr val="008C5A"/>
-              </a:buClr>
-              <a:buFont typeface="Monotype Sorts" pitchFamily="2" charset="2"/>
-              <a:buChar char="l"/>
-              <a:defRPr sz="2000">
-                <a:solidFill>
-                  <a:schemeClr val="tx1"/>
-                </a:solidFill>
-                <a:latin typeface="+mn-lt"/>
-              </a:defRPr>
-            </a:lvl2pPr>
-            <a:lvl3pPr marL="1143000" indent="-228600" algn="l" rtl="0" eaLnBrk="1" fontAlgn="base" hangingPunct="1">
-              <a:spcBef>
-                <a:spcPct val="20000"/>
-              </a:spcBef>
-              <a:spcAft>
-                <a:spcPct val="0"/>
-              </a:spcAft>
-              <a:buClr>
-                <a:srgbClr val="008C5A"/>
-              </a:buClr>
-              <a:buFont typeface="Monotype Sorts" pitchFamily="2" charset="2"/>
-              <a:buChar char="l"/>
-              <a:defRPr sz="2400">
-                <a:solidFill>
-                  <a:schemeClr val="tx1"/>
-                </a:solidFill>
-                <a:latin typeface="+mn-lt"/>
-              </a:defRPr>
-            </a:lvl3pPr>
-            <a:lvl4pPr marL="1562100" indent="-228600" algn="l" rtl="0" eaLnBrk="1" fontAlgn="base" hangingPunct="1">
-              <a:spcBef>
-                <a:spcPct val="20000"/>
-              </a:spcBef>
-              <a:spcAft>
-                <a:spcPct val="0"/>
-              </a:spcAft>
-              <a:buClr>
-                <a:srgbClr val="008C5A"/>
-              </a:buClr>
-              <a:buFont typeface="Monotype Sorts" pitchFamily="2" charset="2"/>
-              <a:buChar char="l"/>
-              <a:defRPr sz="1600">
-                <a:solidFill>
-                  <a:schemeClr val="tx1"/>
-                </a:solidFill>
-                <a:latin typeface="+mn-lt"/>
-              </a:defRPr>
-            </a:lvl4pPr>
-            <a:lvl5pPr marL="1981200" indent="-228600" algn="l" rtl="0" eaLnBrk="1" fontAlgn="base" hangingPunct="1">
-              <a:spcBef>
-                <a:spcPct val="20000"/>
-              </a:spcBef>
-              <a:spcAft>
-                <a:spcPct val="0"/>
-              </a:spcAft>
-              <a:buClr>
-                <a:srgbClr val="008C5A"/>
-              </a:buClr>
-              <a:buFont typeface="Monotype Sorts" pitchFamily="2" charset="2"/>
-              <a:buChar char="l"/>
-              <a:defRPr sz="1600">
-                <a:solidFill>
-                  <a:schemeClr val="tx1"/>
-                </a:solidFill>
-                <a:latin typeface="+mn-lt"/>
-              </a:defRPr>
-            </a:lvl5pPr>
-            <a:lvl6pPr marL="2438400" indent="-228600" algn="l" rtl="0" eaLnBrk="1" fontAlgn="base" hangingPunct="1">
-              <a:spcBef>
-                <a:spcPct val="20000"/>
-              </a:spcBef>
-              <a:spcAft>
-                <a:spcPct val="0"/>
-              </a:spcAft>
-              <a:buClr>
-                <a:srgbClr val="008C5A"/>
-              </a:buClr>
-              <a:buFont typeface="Monotype Sorts" pitchFamily="2" charset="2"/>
-              <a:buChar char="l"/>
-              <a:defRPr sz="1600">
-                <a:solidFill>
-                  <a:schemeClr val="tx1"/>
-                </a:solidFill>
-                <a:latin typeface="+mn-lt"/>
-              </a:defRPr>
-            </a:lvl6pPr>
-            <a:lvl7pPr marL="2895600" indent="-228600" algn="l" rtl="0" eaLnBrk="1" fontAlgn="base" hangingPunct="1">
-              <a:spcBef>
-                <a:spcPct val="20000"/>
-              </a:spcBef>
-              <a:spcAft>
-                <a:spcPct val="0"/>
-              </a:spcAft>
-              <a:buClr>
-                <a:srgbClr val="008C5A"/>
-              </a:buClr>
-              <a:buFont typeface="Monotype Sorts" pitchFamily="2" charset="2"/>
-              <a:buChar char="l"/>
-              <a:defRPr sz="1600">
-                <a:solidFill>
-                  <a:schemeClr val="tx1"/>
-                </a:solidFill>
-                <a:latin typeface="+mn-lt"/>
-              </a:defRPr>
-            </a:lvl7pPr>
-            <a:lvl8pPr marL="3352800" indent="-228600" algn="l" rtl="0" eaLnBrk="1" fontAlgn="base" hangingPunct="1">
-              <a:spcBef>
-                <a:spcPct val="20000"/>
-              </a:spcBef>
-              <a:spcAft>
-                <a:spcPct val="0"/>
-              </a:spcAft>
-              <a:buClr>
-                <a:srgbClr val="008C5A"/>
-              </a:buClr>
-              <a:buFont typeface="Monotype Sorts" pitchFamily="2" charset="2"/>
-              <a:buChar char="l"/>
-              <a:defRPr sz="1600">
-                <a:solidFill>
-                  <a:schemeClr val="tx1"/>
-                </a:solidFill>
-                <a:latin typeface="+mn-lt"/>
-              </a:defRPr>
-            </a:lvl8pPr>
-            <a:lvl9pPr marL="3810000" indent="-228600" algn="l" rtl="0" eaLnBrk="1" fontAlgn="base" hangingPunct="1">
-              <a:spcBef>
-                <a:spcPct val="20000"/>
-              </a:spcBef>
-              <a:spcAft>
-                <a:spcPct val="0"/>
-              </a:spcAft>
-              <a:buClr>
-                <a:srgbClr val="008C5A"/>
-              </a:buClr>
-              <a:buFont typeface="Monotype Sorts" pitchFamily="2" charset="2"/>
-              <a:buChar char="l"/>
-              <a:defRPr sz="1600">
-                <a:solidFill>
-                  <a:schemeClr val="tx1"/>
-                </a:solidFill>
-                <a:latin typeface="+mn-lt"/>
-              </a:defRPr>
-            </a:lvl9pPr>
-          </a:lstStyle>
-          <a:p>
-            <a:pPr marL="0" indent="0" algn="ctr">
-              <a:buFont typeface="Monotype Sorts" pitchFamily="2" charset="2"/>
-              <a:buNone/>
-            </a:pPr>
-            <a:r>
-              <a:rPr lang="de-DE" kern="0" dirty="0"/>
-              <a:t>Container starten:</a:t>
-            </a:r>
-          </a:p>
-        </p:txBody>
-      </p:sp>
-      <p:sp>
-        <p:nvSpPr>
-          <p:cNvPr id="8" name="Inhaltsplatzhalter 2">
-            <a:extLst>
-              <a:ext uri="{FF2B5EF4-FFF2-40B4-BE49-F238E27FC236}">
-                <a16:creationId xmlns:a16="http://schemas.microsoft.com/office/drawing/2014/main" id="{A70A89FE-C665-308A-79E5-6FF268AE1713}"/>
-              </a:ext>
-            </a:extLst>
-          </p:cNvPr>
-          <p:cNvSpPr txBox="1">
-            <a:spLocks/>
-          </p:cNvSpPr>
-          <p:nvPr/>
-        </p:nvSpPr>
-        <p:spPr bwMode="auto">
-          <a:xfrm>
-            <a:off x="285719" y="3429000"/>
-            <a:ext cx="8516937" cy="864096"/>
-          </a:xfrm>
-          <a:prstGeom prst="rect">
-            <a:avLst/>
-          </a:prstGeom>
-          <a:solidFill>
-            <a:schemeClr val="bg1">
-              <a:lumMod val="85000"/>
-            </a:schemeClr>
-          </a:solidFill>
-          <a:ln>
-            <a:noFill/>
-          </a:ln>
-          <a:effectLst>
-            <a:softEdge rad="25400"/>
-          </a:effectLst>
-          <a:extLst>
-            <a:ext uri="{91240B29-F687-4F45-9708-019B960494DF}">
-              <a14:hiddenLine xmlns:a14="http://schemas.microsoft.com/office/drawing/2010/main" w="9525">
-                <a:solidFill>
-                  <a:srgbClr val="000000"/>
-                </a:solidFill>
-                <a:miter lim="800000"/>
-                <a:headEnd/>
-                <a:tailEnd/>
-              </a14:hiddenLine>
-            </a:ext>
-          </a:extLst>
-        </p:spPr>
-        <p:txBody>
-          <a:bodyPr vert="horz" wrap="square" lIns="92075" tIns="46038" rIns="92075" bIns="46038" numCol="1" anchor="t" anchorCtr="0" compatLnSpc="1">
-            <a:prstTxWarp prst="textNoShape">
-              <a:avLst/>
-            </a:prstTxWarp>
-          </a:bodyPr>
-          <a:lstStyle>
-            <a:lvl1pPr marL="342900" indent="-342900" algn="l" rtl="0" eaLnBrk="1" fontAlgn="base" hangingPunct="1">
-              <a:spcBef>
-                <a:spcPct val="20000"/>
-              </a:spcBef>
-              <a:spcAft>
-                <a:spcPct val="0"/>
-              </a:spcAft>
-              <a:buClr>
-                <a:srgbClr val="008C5A"/>
-              </a:buClr>
-              <a:buFont typeface="Monotype Sorts" pitchFamily="2" charset="2"/>
-              <a:buChar char="l"/>
-              <a:defRPr sz="2400">
-                <a:solidFill>
-                  <a:schemeClr val="tx1"/>
-                </a:solidFill>
-                <a:latin typeface="+mn-lt"/>
-                <a:ea typeface="+mn-ea"/>
-                <a:cs typeface="+mn-cs"/>
-              </a:defRPr>
-            </a:lvl1pPr>
-            <a:lvl2pPr marL="742950" indent="-285750" algn="l" rtl="0" eaLnBrk="1" fontAlgn="base" hangingPunct="1">
-              <a:spcBef>
-                <a:spcPct val="20000"/>
-              </a:spcBef>
-              <a:spcAft>
-                <a:spcPct val="0"/>
-              </a:spcAft>
-              <a:buClr>
-                <a:srgbClr val="008C5A"/>
-              </a:buClr>
-              <a:buFont typeface="Monotype Sorts" pitchFamily="2" charset="2"/>
-              <a:buChar char="l"/>
-              <a:defRPr sz="2000">
-                <a:solidFill>
-                  <a:schemeClr val="tx1"/>
-                </a:solidFill>
-                <a:latin typeface="+mn-lt"/>
-              </a:defRPr>
-            </a:lvl2pPr>
-            <a:lvl3pPr marL="1143000" indent="-228600" algn="l" rtl="0" eaLnBrk="1" fontAlgn="base" hangingPunct="1">
-              <a:spcBef>
-                <a:spcPct val="20000"/>
-              </a:spcBef>
-              <a:spcAft>
-                <a:spcPct val="0"/>
-              </a:spcAft>
-              <a:buClr>
-                <a:srgbClr val="008C5A"/>
-              </a:buClr>
-              <a:buFont typeface="Monotype Sorts" pitchFamily="2" charset="2"/>
-              <a:buChar char="l"/>
-              <a:defRPr sz="2400">
-                <a:solidFill>
-                  <a:schemeClr val="tx1"/>
-                </a:solidFill>
-                <a:latin typeface="+mn-lt"/>
-              </a:defRPr>
-            </a:lvl3pPr>
-            <a:lvl4pPr marL="1562100" indent="-228600" algn="l" rtl="0" eaLnBrk="1" fontAlgn="base" hangingPunct="1">
-              <a:spcBef>
-                <a:spcPct val="20000"/>
-              </a:spcBef>
-              <a:spcAft>
-                <a:spcPct val="0"/>
-              </a:spcAft>
-              <a:buClr>
-                <a:srgbClr val="008C5A"/>
-              </a:buClr>
-              <a:buFont typeface="Monotype Sorts" pitchFamily="2" charset="2"/>
-              <a:buChar char="l"/>
-              <a:defRPr sz="1600">
-                <a:solidFill>
-                  <a:schemeClr val="tx1"/>
-                </a:solidFill>
-                <a:latin typeface="+mn-lt"/>
-              </a:defRPr>
-            </a:lvl4pPr>
-            <a:lvl5pPr marL="1981200" indent="-228600" algn="l" rtl="0" eaLnBrk="1" fontAlgn="base" hangingPunct="1">
-              <a:spcBef>
-                <a:spcPct val="20000"/>
-              </a:spcBef>
-              <a:spcAft>
-                <a:spcPct val="0"/>
-              </a:spcAft>
-              <a:buClr>
-                <a:srgbClr val="008C5A"/>
-              </a:buClr>
-              <a:buFont typeface="Monotype Sorts" pitchFamily="2" charset="2"/>
-              <a:buChar char="l"/>
-              <a:defRPr sz="1600">
-                <a:solidFill>
-                  <a:schemeClr val="tx1"/>
-                </a:solidFill>
-                <a:latin typeface="+mn-lt"/>
-              </a:defRPr>
-            </a:lvl5pPr>
-            <a:lvl6pPr marL="2438400" indent="-228600" algn="l" rtl="0" eaLnBrk="1" fontAlgn="base" hangingPunct="1">
-              <a:spcBef>
-                <a:spcPct val="20000"/>
-              </a:spcBef>
-              <a:spcAft>
-                <a:spcPct val="0"/>
-              </a:spcAft>
-              <a:buClr>
-                <a:srgbClr val="008C5A"/>
-              </a:buClr>
-              <a:buFont typeface="Monotype Sorts" pitchFamily="2" charset="2"/>
-              <a:buChar char="l"/>
-              <a:defRPr sz="1600">
-                <a:solidFill>
-                  <a:schemeClr val="tx1"/>
-                </a:solidFill>
-                <a:latin typeface="+mn-lt"/>
-              </a:defRPr>
-            </a:lvl6pPr>
-            <a:lvl7pPr marL="2895600" indent="-228600" algn="l" rtl="0" eaLnBrk="1" fontAlgn="base" hangingPunct="1">
-              <a:spcBef>
-                <a:spcPct val="20000"/>
-              </a:spcBef>
-              <a:spcAft>
-                <a:spcPct val="0"/>
-              </a:spcAft>
-              <a:buClr>
-                <a:srgbClr val="008C5A"/>
-              </a:buClr>
-              <a:buFont typeface="Monotype Sorts" pitchFamily="2" charset="2"/>
-              <a:buChar char="l"/>
-              <a:defRPr sz="1600">
-                <a:solidFill>
-                  <a:schemeClr val="tx1"/>
-                </a:solidFill>
-                <a:latin typeface="+mn-lt"/>
-              </a:defRPr>
-            </a:lvl7pPr>
-            <a:lvl8pPr marL="3352800" indent="-228600" algn="l" rtl="0" eaLnBrk="1" fontAlgn="base" hangingPunct="1">
-              <a:spcBef>
-                <a:spcPct val="20000"/>
-              </a:spcBef>
-              <a:spcAft>
-                <a:spcPct val="0"/>
-              </a:spcAft>
-              <a:buClr>
-                <a:srgbClr val="008C5A"/>
-              </a:buClr>
-              <a:buFont typeface="Monotype Sorts" pitchFamily="2" charset="2"/>
-              <a:buChar char="l"/>
-              <a:defRPr sz="1600">
-                <a:solidFill>
-                  <a:schemeClr val="tx1"/>
-                </a:solidFill>
-                <a:latin typeface="+mn-lt"/>
-              </a:defRPr>
-            </a:lvl8pPr>
-            <a:lvl9pPr marL="3810000" indent="-228600" algn="l" rtl="0" eaLnBrk="1" fontAlgn="base" hangingPunct="1">
-              <a:spcBef>
-                <a:spcPct val="20000"/>
-              </a:spcBef>
-              <a:spcAft>
-                <a:spcPct val="0"/>
-              </a:spcAft>
-              <a:buClr>
-                <a:srgbClr val="008C5A"/>
-              </a:buClr>
-              <a:buFont typeface="Monotype Sorts" pitchFamily="2" charset="2"/>
-              <a:buChar char="l"/>
-              <a:defRPr sz="1600">
-                <a:solidFill>
-                  <a:schemeClr val="tx1"/>
-                </a:solidFill>
-                <a:latin typeface="+mn-lt"/>
-              </a:defRPr>
-            </a:lvl9pPr>
-          </a:lstStyle>
-          <a:p>
-            <a:pPr marL="0" indent="0" algn="ctr">
-              <a:buFont typeface="Monotype Sorts" pitchFamily="2" charset="2"/>
-              <a:buNone/>
-            </a:pPr>
-            <a:r>
-              <a:rPr lang="de-DE" kern="0" dirty="0" err="1"/>
-              <a:t>docker</a:t>
-            </a:r>
-            <a:r>
-              <a:rPr lang="de-DE" kern="0" dirty="0"/>
-              <a:t> </a:t>
-            </a:r>
-            <a:r>
-              <a:rPr lang="de-DE" kern="0" dirty="0" err="1"/>
-              <a:t>stop</a:t>
-            </a:r>
-            <a:r>
-              <a:rPr lang="de-DE" kern="0" dirty="0"/>
-              <a:t> </a:t>
-            </a:r>
-            <a:r>
-              <a:rPr lang="de-DE" kern="0" dirty="0" err="1"/>
-              <a:t>example</a:t>
-            </a:r>
-            <a:endParaRPr lang="de-DE" kern="0" dirty="0"/>
-          </a:p>
-          <a:p>
-            <a:pPr marL="0" indent="0" algn="ctr">
-              <a:buFont typeface="Monotype Sorts" pitchFamily="2" charset="2"/>
-              <a:buNone/>
-            </a:pPr>
-            <a:r>
-              <a:rPr lang="de-DE" kern="0" dirty="0" err="1"/>
-              <a:t>docker</a:t>
-            </a:r>
-            <a:r>
-              <a:rPr lang="de-DE" kern="0" dirty="0"/>
-              <a:t> kill </a:t>
-            </a:r>
-            <a:r>
-              <a:rPr lang="de-DE" kern="0" dirty="0" err="1"/>
-              <a:t>example</a:t>
-            </a:r>
-            <a:endParaRPr lang="de-DE" kern="0" dirty="0"/>
-          </a:p>
-        </p:txBody>
-      </p:sp>
-      <p:sp>
-        <p:nvSpPr>
-          <p:cNvPr id="9" name="Inhaltsplatzhalter 2">
-            <a:extLst>
-              <a:ext uri="{FF2B5EF4-FFF2-40B4-BE49-F238E27FC236}">
-                <a16:creationId xmlns:a16="http://schemas.microsoft.com/office/drawing/2014/main" id="{F1654FAE-532C-D56C-F23C-E0A7B146F195}"/>
-              </a:ext>
-            </a:extLst>
-          </p:cNvPr>
-          <p:cNvSpPr txBox="1">
-            <a:spLocks/>
-          </p:cNvSpPr>
-          <p:nvPr/>
-        </p:nvSpPr>
-        <p:spPr bwMode="auto">
-          <a:xfrm>
-            <a:off x="268225" y="2996952"/>
-            <a:ext cx="8516937" cy="432048"/>
-          </a:xfrm>
-          <a:prstGeom prst="rect">
-            <a:avLst/>
-          </a:prstGeom>
-          <a:noFill/>
-          <a:ln>
-            <a:noFill/>
-          </a:ln>
-          <a:effectLst>
-            <a:softEdge rad="0"/>
-          </a:effectLst>
-        </p:spPr>
-        <p:txBody>
-          <a:bodyPr vert="horz" wrap="square" lIns="92075" tIns="46038" rIns="92075" bIns="46038" numCol="1" anchor="t" anchorCtr="0" compatLnSpc="1">
-            <a:prstTxWarp prst="textNoShape">
-              <a:avLst/>
-            </a:prstTxWarp>
-          </a:bodyPr>
-          <a:lstStyle>
-            <a:lvl1pPr marL="342900" indent="-342900" algn="l" rtl="0" eaLnBrk="1" fontAlgn="base" hangingPunct="1">
-              <a:spcBef>
-                <a:spcPct val="20000"/>
-              </a:spcBef>
-              <a:spcAft>
-                <a:spcPct val="0"/>
-              </a:spcAft>
-              <a:buClr>
-                <a:srgbClr val="008C5A"/>
-              </a:buClr>
-              <a:buFont typeface="Monotype Sorts" pitchFamily="2" charset="2"/>
-              <a:buChar char="l"/>
-              <a:defRPr sz="2400">
-                <a:solidFill>
-                  <a:schemeClr val="tx1"/>
-                </a:solidFill>
-                <a:latin typeface="+mn-lt"/>
-                <a:ea typeface="+mn-ea"/>
-                <a:cs typeface="+mn-cs"/>
-              </a:defRPr>
-            </a:lvl1pPr>
-            <a:lvl2pPr marL="742950" indent="-285750" algn="l" rtl="0" eaLnBrk="1" fontAlgn="base" hangingPunct="1">
-              <a:spcBef>
-                <a:spcPct val="20000"/>
-              </a:spcBef>
-              <a:spcAft>
-                <a:spcPct val="0"/>
-              </a:spcAft>
-              <a:buClr>
-                <a:srgbClr val="008C5A"/>
-              </a:buClr>
-              <a:buFont typeface="Monotype Sorts" pitchFamily="2" charset="2"/>
-              <a:buChar char="l"/>
-              <a:defRPr sz="2000">
-                <a:solidFill>
-                  <a:schemeClr val="tx1"/>
-                </a:solidFill>
-                <a:latin typeface="+mn-lt"/>
-              </a:defRPr>
-            </a:lvl2pPr>
-            <a:lvl3pPr marL="1143000" indent="-228600" algn="l" rtl="0" eaLnBrk="1" fontAlgn="base" hangingPunct="1">
-              <a:spcBef>
-                <a:spcPct val="20000"/>
-              </a:spcBef>
-              <a:spcAft>
-                <a:spcPct val="0"/>
-              </a:spcAft>
-              <a:buClr>
-                <a:srgbClr val="008C5A"/>
-              </a:buClr>
-              <a:buFont typeface="Monotype Sorts" pitchFamily="2" charset="2"/>
-              <a:buChar char="l"/>
-              <a:defRPr sz="2400">
-                <a:solidFill>
-                  <a:schemeClr val="tx1"/>
-                </a:solidFill>
-                <a:latin typeface="+mn-lt"/>
-              </a:defRPr>
-            </a:lvl3pPr>
-            <a:lvl4pPr marL="1562100" indent="-228600" algn="l" rtl="0" eaLnBrk="1" fontAlgn="base" hangingPunct="1">
-              <a:spcBef>
-                <a:spcPct val="20000"/>
-              </a:spcBef>
-              <a:spcAft>
-                <a:spcPct val="0"/>
-              </a:spcAft>
-              <a:buClr>
-                <a:srgbClr val="008C5A"/>
-              </a:buClr>
-              <a:buFont typeface="Monotype Sorts" pitchFamily="2" charset="2"/>
-              <a:buChar char="l"/>
-              <a:defRPr sz="1600">
-                <a:solidFill>
-                  <a:schemeClr val="tx1"/>
-                </a:solidFill>
-                <a:latin typeface="+mn-lt"/>
-              </a:defRPr>
-            </a:lvl4pPr>
-            <a:lvl5pPr marL="1981200" indent="-228600" algn="l" rtl="0" eaLnBrk="1" fontAlgn="base" hangingPunct="1">
-              <a:spcBef>
-                <a:spcPct val="20000"/>
-              </a:spcBef>
-              <a:spcAft>
-                <a:spcPct val="0"/>
-              </a:spcAft>
-              <a:buClr>
-                <a:srgbClr val="008C5A"/>
-              </a:buClr>
-              <a:buFont typeface="Monotype Sorts" pitchFamily="2" charset="2"/>
-              <a:buChar char="l"/>
-              <a:defRPr sz="1600">
-                <a:solidFill>
-                  <a:schemeClr val="tx1"/>
-                </a:solidFill>
-                <a:latin typeface="+mn-lt"/>
-              </a:defRPr>
-            </a:lvl5pPr>
-            <a:lvl6pPr marL="2438400" indent="-228600" algn="l" rtl="0" eaLnBrk="1" fontAlgn="base" hangingPunct="1">
-              <a:spcBef>
-                <a:spcPct val="20000"/>
-              </a:spcBef>
-              <a:spcAft>
-                <a:spcPct val="0"/>
-              </a:spcAft>
-              <a:buClr>
-                <a:srgbClr val="008C5A"/>
-              </a:buClr>
-              <a:buFont typeface="Monotype Sorts" pitchFamily="2" charset="2"/>
-              <a:buChar char="l"/>
-              <a:defRPr sz="1600">
-                <a:solidFill>
-                  <a:schemeClr val="tx1"/>
-                </a:solidFill>
-                <a:latin typeface="+mn-lt"/>
-              </a:defRPr>
-            </a:lvl6pPr>
-            <a:lvl7pPr marL="2895600" indent="-228600" algn="l" rtl="0" eaLnBrk="1" fontAlgn="base" hangingPunct="1">
-              <a:spcBef>
-                <a:spcPct val="20000"/>
-              </a:spcBef>
-              <a:spcAft>
-                <a:spcPct val="0"/>
-              </a:spcAft>
-              <a:buClr>
-                <a:srgbClr val="008C5A"/>
-              </a:buClr>
-              <a:buFont typeface="Monotype Sorts" pitchFamily="2" charset="2"/>
-              <a:buChar char="l"/>
-              <a:defRPr sz="1600">
-                <a:solidFill>
-                  <a:schemeClr val="tx1"/>
-                </a:solidFill>
-                <a:latin typeface="+mn-lt"/>
-              </a:defRPr>
-            </a:lvl7pPr>
-            <a:lvl8pPr marL="3352800" indent="-228600" algn="l" rtl="0" eaLnBrk="1" fontAlgn="base" hangingPunct="1">
-              <a:spcBef>
-                <a:spcPct val="20000"/>
-              </a:spcBef>
-              <a:spcAft>
-                <a:spcPct val="0"/>
-              </a:spcAft>
-              <a:buClr>
-                <a:srgbClr val="008C5A"/>
-              </a:buClr>
-              <a:buFont typeface="Monotype Sorts" pitchFamily="2" charset="2"/>
-              <a:buChar char="l"/>
-              <a:defRPr sz="1600">
-                <a:solidFill>
-                  <a:schemeClr val="tx1"/>
-                </a:solidFill>
-                <a:latin typeface="+mn-lt"/>
-              </a:defRPr>
-            </a:lvl8pPr>
-            <a:lvl9pPr marL="3810000" indent="-228600" algn="l" rtl="0" eaLnBrk="1" fontAlgn="base" hangingPunct="1">
-              <a:spcBef>
-                <a:spcPct val="20000"/>
-              </a:spcBef>
-              <a:spcAft>
-                <a:spcPct val="0"/>
-              </a:spcAft>
-              <a:buClr>
-                <a:srgbClr val="008C5A"/>
-              </a:buClr>
-              <a:buFont typeface="Monotype Sorts" pitchFamily="2" charset="2"/>
-              <a:buChar char="l"/>
-              <a:defRPr sz="1600">
-                <a:solidFill>
-                  <a:schemeClr val="tx1"/>
-                </a:solidFill>
-                <a:latin typeface="+mn-lt"/>
-              </a:defRPr>
-            </a:lvl9pPr>
-          </a:lstStyle>
-          <a:p>
-            <a:pPr marL="0" indent="0" algn="ctr">
-              <a:buFont typeface="Monotype Sorts" pitchFamily="2" charset="2"/>
-              <a:buNone/>
-            </a:pPr>
-            <a:r>
-              <a:rPr lang="de-DE" kern="0" dirty="0"/>
-              <a:t>Container stoppen:</a:t>
-            </a:r>
-          </a:p>
-        </p:txBody>
-      </p:sp>
-      <p:sp>
-        <p:nvSpPr>
-          <p:cNvPr id="10" name="Inhaltsplatzhalter 2">
-            <a:extLst>
-              <a:ext uri="{FF2B5EF4-FFF2-40B4-BE49-F238E27FC236}">
-                <a16:creationId xmlns:a16="http://schemas.microsoft.com/office/drawing/2014/main" id="{4A8754FA-DDC4-3B17-8C3F-389A390F97E2}"/>
-              </a:ext>
-            </a:extLst>
-          </p:cNvPr>
-          <p:cNvSpPr txBox="1">
-            <a:spLocks/>
-          </p:cNvSpPr>
-          <p:nvPr/>
-        </p:nvSpPr>
-        <p:spPr bwMode="auto">
-          <a:xfrm>
-            <a:off x="242951" y="4797152"/>
-            <a:ext cx="8516937" cy="432048"/>
-          </a:xfrm>
-          <a:prstGeom prst="rect">
-            <a:avLst/>
-          </a:prstGeom>
-          <a:solidFill>
-            <a:schemeClr val="bg1">
-              <a:lumMod val="85000"/>
-            </a:schemeClr>
-          </a:solidFill>
-          <a:ln>
-            <a:noFill/>
-          </a:ln>
-          <a:effectLst>
-            <a:softEdge rad="25400"/>
-          </a:effectLst>
-          <a:extLst>
-            <a:ext uri="{91240B29-F687-4F45-9708-019B960494DF}">
-              <a14:hiddenLine xmlns:a14="http://schemas.microsoft.com/office/drawing/2010/main" w="9525">
-                <a:solidFill>
-                  <a:srgbClr val="000000"/>
-                </a:solidFill>
-                <a:miter lim="800000"/>
-                <a:headEnd/>
-                <a:tailEnd/>
-              </a14:hiddenLine>
-            </a:ext>
-          </a:extLst>
-        </p:spPr>
-        <p:txBody>
-          <a:bodyPr vert="horz" wrap="square" lIns="92075" tIns="46038" rIns="92075" bIns="46038" numCol="1" anchor="t" anchorCtr="0" compatLnSpc="1">
-            <a:prstTxWarp prst="textNoShape">
-              <a:avLst/>
-            </a:prstTxWarp>
-          </a:bodyPr>
-          <a:lstStyle>
-            <a:lvl1pPr marL="342900" indent="-342900" algn="l" rtl="0" eaLnBrk="1" fontAlgn="base" hangingPunct="1">
-              <a:spcBef>
-                <a:spcPct val="20000"/>
-              </a:spcBef>
-              <a:spcAft>
-                <a:spcPct val="0"/>
-              </a:spcAft>
-              <a:buClr>
-                <a:srgbClr val="008C5A"/>
-              </a:buClr>
-              <a:buFont typeface="Monotype Sorts" pitchFamily="2" charset="2"/>
-              <a:buChar char="l"/>
-              <a:defRPr sz="2400">
-                <a:solidFill>
-                  <a:schemeClr val="tx1"/>
-                </a:solidFill>
-                <a:latin typeface="+mn-lt"/>
-                <a:ea typeface="+mn-ea"/>
-                <a:cs typeface="+mn-cs"/>
-              </a:defRPr>
-            </a:lvl1pPr>
-            <a:lvl2pPr marL="742950" indent="-285750" algn="l" rtl="0" eaLnBrk="1" fontAlgn="base" hangingPunct="1">
-              <a:spcBef>
-                <a:spcPct val="20000"/>
-              </a:spcBef>
-              <a:spcAft>
-                <a:spcPct val="0"/>
-              </a:spcAft>
-              <a:buClr>
-                <a:srgbClr val="008C5A"/>
-              </a:buClr>
-              <a:buFont typeface="Monotype Sorts" pitchFamily="2" charset="2"/>
-              <a:buChar char="l"/>
-              <a:defRPr sz="2000">
-                <a:solidFill>
-                  <a:schemeClr val="tx1"/>
-                </a:solidFill>
-                <a:latin typeface="+mn-lt"/>
-              </a:defRPr>
-            </a:lvl2pPr>
-            <a:lvl3pPr marL="1143000" indent="-228600" algn="l" rtl="0" eaLnBrk="1" fontAlgn="base" hangingPunct="1">
-              <a:spcBef>
-                <a:spcPct val="20000"/>
-              </a:spcBef>
-              <a:spcAft>
-                <a:spcPct val="0"/>
-              </a:spcAft>
-              <a:buClr>
-                <a:srgbClr val="008C5A"/>
-              </a:buClr>
-              <a:buFont typeface="Monotype Sorts" pitchFamily="2" charset="2"/>
-              <a:buChar char="l"/>
-              <a:defRPr sz="2400">
-                <a:solidFill>
-                  <a:schemeClr val="tx1"/>
-                </a:solidFill>
-                <a:latin typeface="+mn-lt"/>
-              </a:defRPr>
-            </a:lvl3pPr>
-            <a:lvl4pPr marL="1562100" indent="-228600" algn="l" rtl="0" eaLnBrk="1" fontAlgn="base" hangingPunct="1">
-              <a:spcBef>
-                <a:spcPct val="20000"/>
-              </a:spcBef>
-              <a:spcAft>
-                <a:spcPct val="0"/>
-              </a:spcAft>
-              <a:buClr>
-                <a:srgbClr val="008C5A"/>
-              </a:buClr>
-              <a:buFont typeface="Monotype Sorts" pitchFamily="2" charset="2"/>
-              <a:buChar char="l"/>
-              <a:defRPr sz="1600">
-                <a:solidFill>
-                  <a:schemeClr val="tx1"/>
-                </a:solidFill>
-                <a:latin typeface="+mn-lt"/>
-              </a:defRPr>
-            </a:lvl4pPr>
-            <a:lvl5pPr marL="1981200" indent="-228600" algn="l" rtl="0" eaLnBrk="1" fontAlgn="base" hangingPunct="1">
-              <a:spcBef>
-                <a:spcPct val="20000"/>
-              </a:spcBef>
-              <a:spcAft>
-                <a:spcPct val="0"/>
-              </a:spcAft>
-              <a:buClr>
-                <a:srgbClr val="008C5A"/>
-              </a:buClr>
-              <a:buFont typeface="Monotype Sorts" pitchFamily="2" charset="2"/>
-              <a:buChar char="l"/>
-              <a:defRPr sz="1600">
-                <a:solidFill>
-                  <a:schemeClr val="tx1"/>
-                </a:solidFill>
-                <a:latin typeface="+mn-lt"/>
-              </a:defRPr>
-            </a:lvl5pPr>
-            <a:lvl6pPr marL="2438400" indent="-228600" algn="l" rtl="0" eaLnBrk="1" fontAlgn="base" hangingPunct="1">
-              <a:spcBef>
-                <a:spcPct val="20000"/>
-              </a:spcBef>
-              <a:spcAft>
-                <a:spcPct val="0"/>
-              </a:spcAft>
-              <a:buClr>
-                <a:srgbClr val="008C5A"/>
-              </a:buClr>
-              <a:buFont typeface="Monotype Sorts" pitchFamily="2" charset="2"/>
-              <a:buChar char="l"/>
-              <a:defRPr sz="1600">
-                <a:solidFill>
-                  <a:schemeClr val="tx1"/>
-                </a:solidFill>
-                <a:latin typeface="+mn-lt"/>
-              </a:defRPr>
-            </a:lvl6pPr>
-            <a:lvl7pPr marL="2895600" indent="-228600" algn="l" rtl="0" eaLnBrk="1" fontAlgn="base" hangingPunct="1">
-              <a:spcBef>
-                <a:spcPct val="20000"/>
-              </a:spcBef>
-              <a:spcAft>
-                <a:spcPct val="0"/>
-              </a:spcAft>
-              <a:buClr>
-                <a:srgbClr val="008C5A"/>
-              </a:buClr>
-              <a:buFont typeface="Monotype Sorts" pitchFamily="2" charset="2"/>
-              <a:buChar char="l"/>
-              <a:defRPr sz="1600">
-                <a:solidFill>
-                  <a:schemeClr val="tx1"/>
-                </a:solidFill>
-                <a:latin typeface="+mn-lt"/>
-              </a:defRPr>
-            </a:lvl7pPr>
-            <a:lvl8pPr marL="3352800" indent="-228600" algn="l" rtl="0" eaLnBrk="1" fontAlgn="base" hangingPunct="1">
-              <a:spcBef>
-                <a:spcPct val="20000"/>
-              </a:spcBef>
-              <a:spcAft>
-                <a:spcPct val="0"/>
-              </a:spcAft>
-              <a:buClr>
-                <a:srgbClr val="008C5A"/>
-              </a:buClr>
-              <a:buFont typeface="Monotype Sorts" pitchFamily="2" charset="2"/>
-              <a:buChar char="l"/>
-              <a:defRPr sz="1600">
-                <a:solidFill>
-                  <a:schemeClr val="tx1"/>
-                </a:solidFill>
-                <a:latin typeface="+mn-lt"/>
-              </a:defRPr>
-            </a:lvl8pPr>
-            <a:lvl9pPr marL="3810000" indent="-228600" algn="l" rtl="0" eaLnBrk="1" fontAlgn="base" hangingPunct="1">
-              <a:spcBef>
-                <a:spcPct val="20000"/>
-              </a:spcBef>
-              <a:spcAft>
-                <a:spcPct val="0"/>
-              </a:spcAft>
-              <a:buClr>
-                <a:srgbClr val="008C5A"/>
-              </a:buClr>
-              <a:buFont typeface="Monotype Sorts" pitchFamily="2" charset="2"/>
-              <a:buChar char="l"/>
-              <a:defRPr sz="1600">
-                <a:solidFill>
-                  <a:schemeClr val="tx1"/>
-                </a:solidFill>
-                <a:latin typeface="+mn-lt"/>
-              </a:defRPr>
-            </a:lvl9pPr>
-          </a:lstStyle>
-          <a:p>
-            <a:pPr marL="0" indent="0" algn="ctr">
-              <a:buFont typeface="Monotype Sorts" pitchFamily="2" charset="2"/>
-              <a:buNone/>
-            </a:pPr>
-            <a:r>
-              <a:rPr lang="de-DE" kern="0" dirty="0" err="1"/>
-              <a:t>docker</a:t>
-            </a:r>
-            <a:r>
-              <a:rPr lang="de-DE" kern="0" dirty="0"/>
-              <a:t> </a:t>
-            </a:r>
-            <a:r>
-              <a:rPr lang="de-DE" kern="0" dirty="0" err="1"/>
-              <a:t>rm</a:t>
-            </a:r>
-            <a:r>
-              <a:rPr lang="de-DE" kern="0" dirty="0"/>
-              <a:t> </a:t>
-            </a:r>
-            <a:r>
-              <a:rPr lang="de-DE" kern="0" dirty="0" err="1"/>
-              <a:t>example</a:t>
-            </a:r>
-            <a:endParaRPr lang="de-DE" kern="0" dirty="0"/>
-          </a:p>
-        </p:txBody>
-      </p:sp>
-      <p:sp>
-        <p:nvSpPr>
-          <p:cNvPr id="11" name="Inhaltsplatzhalter 2">
-            <a:extLst>
-              <a:ext uri="{FF2B5EF4-FFF2-40B4-BE49-F238E27FC236}">
-                <a16:creationId xmlns:a16="http://schemas.microsoft.com/office/drawing/2014/main" id="{DBCB1DAD-F553-56D3-3EFA-59D520AB5DCB}"/>
-              </a:ext>
-            </a:extLst>
-          </p:cNvPr>
-          <p:cNvSpPr txBox="1">
-            <a:spLocks/>
-          </p:cNvSpPr>
-          <p:nvPr/>
-        </p:nvSpPr>
-        <p:spPr bwMode="auto">
-          <a:xfrm>
-            <a:off x="225457" y="4365104"/>
-            <a:ext cx="8516937" cy="432048"/>
-          </a:xfrm>
-          <a:prstGeom prst="rect">
-            <a:avLst/>
-          </a:prstGeom>
-          <a:noFill/>
-          <a:ln>
-            <a:noFill/>
-          </a:ln>
-          <a:effectLst>
-            <a:softEdge rad="0"/>
-          </a:effectLst>
-        </p:spPr>
-        <p:txBody>
-          <a:bodyPr vert="horz" wrap="square" lIns="92075" tIns="46038" rIns="92075" bIns="46038" numCol="1" anchor="t" anchorCtr="0" compatLnSpc="1">
-            <a:prstTxWarp prst="textNoShape">
-              <a:avLst/>
-            </a:prstTxWarp>
-          </a:bodyPr>
-          <a:lstStyle>
-            <a:lvl1pPr marL="342900" indent="-342900" algn="l" rtl="0" eaLnBrk="1" fontAlgn="base" hangingPunct="1">
-              <a:spcBef>
-                <a:spcPct val="20000"/>
-              </a:spcBef>
-              <a:spcAft>
-                <a:spcPct val="0"/>
-              </a:spcAft>
-              <a:buClr>
-                <a:srgbClr val="008C5A"/>
-              </a:buClr>
-              <a:buFont typeface="Monotype Sorts" pitchFamily="2" charset="2"/>
-              <a:buChar char="l"/>
-              <a:defRPr sz="2400">
-                <a:solidFill>
-                  <a:schemeClr val="tx1"/>
-                </a:solidFill>
-                <a:latin typeface="+mn-lt"/>
-                <a:ea typeface="+mn-ea"/>
-                <a:cs typeface="+mn-cs"/>
-              </a:defRPr>
-            </a:lvl1pPr>
-            <a:lvl2pPr marL="742950" indent="-285750" algn="l" rtl="0" eaLnBrk="1" fontAlgn="base" hangingPunct="1">
-              <a:spcBef>
-                <a:spcPct val="20000"/>
-              </a:spcBef>
-              <a:spcAft>
-                <a:spcPct val="0"/>
-              </a:spcAft>
-              <a:buClr>
-                <a:srgbClr val="008C5A"/>
-              </a:buClr>
-              <a:buFont typeface="Monotype Sorts" pitchFamily="2" charset="2"/>
-              <a:buChar char="l"/>
-              <a:defRPr sz="2000">
-                <a:solidFill>
-                  <a:schemeClr val="tx1"/>
-                </a:solidFill>
-                <a:latin typeface="+mn-lt"/>
-              </a:defRPr>
-            </a:lvl2pPr>
-            <a:lvl3pPr marL="1143000" indent="-228600" algn="l" rtl="0" eaLnBrk="1" fontAlgn="base" hangingPunct="1">
-              <a:spcBef>
-                <a:spcPct val="20000"/>
-              </a:spcBef>
-              <a:spcAft>
-                <a:spcPct val="0"/>
-              </a:spcAft>
-              <a:buClr>
-                <a:srgbClr val="008C5A"/>
-              </a:buClr>
-              <a:buFont typeface="Monotype Sorts" pitchFamily="2" charset="2"/>
-              <a:buChar char="l"/>
-              <a:defRPr sz="2400">
-                <a:solidFill>
-                  <a:schemeClr val="tx1"/>
-                </a:solidFill>
-                <a:latin typeface="+mn-lt"/>
-              </a:defRPr>
-            </a:lvl3pPr>
-            <a:lvl4pPr marL="1562100" indent="-228600" algn="l" rtl="0" eaLnBrk="1" fontAlgn="base" hangingPunct="1">
-              <a:spcBef>
-                <a:spcPct val="20000"/>
-              </a:spcBef>
-              <a:spcAft>
-                <a:spcPct val="0"/>
-              </a:spcAft>
-              <a:buClr>
-                <a:srgbClr val="008C5A"/>
-              </a:buClr>
-              <a:buFont typeface="Monotype Sorts" pitchFamily="2" charset="2"/>
-              <a:buChar char="l"/>
-              <a:defRPr sz="1600">
-                <a:solidFill>
-                  <a:schemeClr val="tx1"/>
-                </a:solidFill>
-                <a:latin typeface="+mn-lt"/>
-              </a:defRPr>
-            </a:lvl4pPr>
-            <a:lvl5pPr marL="1981200" indent="-228600" algn="l" rtl="0" eaLnBrk="1" fontAlgn="base" hangingPunct="1">
-              <a:spcBef>
-                <a:spcPct val="20000"/>
-              </a:spcBef>
-              <a:spcAft>
-                <a:spcPct val="0"/>
-              </a:spcAft>
-              <a:buClr>
-                <a:srgbClr val="008C5A"/>
-              </a:buClr>
-              <a:buFont typeface="Monotype Sorts" pitchFamily="2" charset="2"/>
-              <a:buChar char="l"/>
-              <a:defRPr sz="1600">
-                <a:solidFill>
-                  <a:schemeClr val="tx1"/>
-                </a:solidFill>
-                <a:latin typeface="+mn-lt"/>
-              </a:defRPr>
-            </a:lvl5pPr>
-            <a:lvl6pPr marL="2438400" indent="-228600" algn="l" rtl="0" eaLnBrk="1" fontAlgn="base" hangingPunct="1">
-              <a:spcBef>
-                <a:spcPct val="20000"/>
-              </a:spcBef>
-              <a:spcAft>
-                <a:spcPct val="0"/>
-              </a:spcAft>
-              <a:buClr>
-                <a:srgbClr val="008C5A"/>
-              </a:buClr>
-              <a:buFont typeface="Monotype Sorts" pitchFamily="2" charset="2"/>
-              <a:buChar char="l"/>
-              <a:defRPr sz="1600">
-                <a:solidFill>
-                  <a:schemeClr val="tx1"/>
-                </a:solidFill>
-                <a:latin typeface="+mn-lt"/>
-              </a:defRPr>
-            </a:lvl6pPr>
-            <a:lvl7pPr marL="2895600" indent="-228600" algn="l" rtl="0" eaLnBrk="1" fontAlgn="base" hangingPunct="1">
-              <a:spcBef>
-                <a:spcPct val="20000"/>
-              </a:spcBef>
-              <a:spcAft>
-                <a:spcPct val="0"/>
-              </a:spcAft>
-              <a:buClr>
-                <a:srgbClr val="008C5A"/>
-              </a:buClr>
-              <a:buFont typeface="Monotype Sorts" pitchFamily="2" charset="2"/>
-              <a:buChar char="l"/>
-              <a:defRPr sz="1600">
-                <a:solidFill>
-                  <a:schemeClr val="tx1"/>
-                </a:solidFill>
-                <a:latin typeface="+mn-lt"/>
-              </a:defRPr>
-            </a:lvl7pPr>
-            <a:lvl8pPr marL="3352800" indent="-228600" algn="l" rtl="0" eaLnBrk="1" fontAlgn="base" hangingPunct="1">
-              <a:spcBef>
-                <a:spcPct val="20000"/>
-              </a:spcBef>
-              <a:spcAft>
-                <a:spcPct val="0"/>
-              </a:spcAft>
-              <a:buClr>
-                <a:srgbClr val="008C5A"/>
-              </a:buClr>
-              <a:buFont typeface="Monotype Sorts" pitchFamily="2" charset="2"/>
-              <a:buChar char="l"/>
-              <a:defRPr sz="1600">
-                <a:solidFill>
-                  <a:schemeClr val="tx1"/>
-                </a:solidFill>
-                <a:latin typeface="+mn-lt"/>
-              </a:defRPr>
-            </a:lvl8pPr>
-            <a:lvl9pPr marL="3810000" indent="-228600" algn="l" rtl="0" eaLnBrk="1" fontAlgn="base" hangingPunct="1">
-              <a:spcBef>
-                <a:spcPct val="20000"/>
-              </a:spcBef>
-              <a:spcAft>
-                <a:spcPct val="0"/>
-              </a:spcAft>
-              <a:buClr>
-                <a:srgbClr val="008C5A"/>
-              </a:buClr>
-              <a:buFont typeface="Monotype Sorts" pitchFamily="2" charset="2"/>
-              <a:buChar char="l"/>
-              <a:defRPr sz="1600">
-                <a:solidFill>
-                  <a:schemeClr val="tx1"/>
-                </a:solidFill>
-                <a:latin typeface="+mn-lt"/>
-              </a:defRPr>
-            </a:lvl9pPr>
-          </a:lstStyle>
-          <a:p>
-            <a:pPr marL="0" indent="0" algn="ctr">
-              <a:buFont typeface="Monotype Sorts" pitchFamily="2" charset="2"/>
-              <a:buNone/>
-            </a:pPr>
-            <a:r>
-              <a:rPr lang="de-DE" kern="0" dirty="0"/>
-              <a:t>Container löschen:</a:t>
-            </a:r>
-          </a:p>
-        </p:txBody>
-      </p:sp>
-      <p:sp>
-        <p:nvSpPr>
-          <p:cNvPr id="13" name="Inhaltsplatzhalter 2">
-            <a:extLst>
-              <a:ext uri="{FF2B5EF4-FFF2-40B4-BE49-F238E27FC236}">
-                <a16:creationId xmlns:a16="http://schemas.microsoft.com/office/drawing/2014/main" id="{9C041C59-3DD5-B3C7-BB16-A2598BEE84B7}"/>
-              </a:ext>
-            </a:extLst>
-          </p:cNvPr>
-          <p:cNvSpPr txBox="1">
-            <a:spLocks/>
-          </p:cNvSpPr>
-          <p:nvPr/>
-        </p:nvSpPr>
-        <p:spPr bwMode="auto">
-          <a:xfrm>
-            <a:off x="242951" y="5733256"/>
-            <a:ext cx="8516937" cy="432048"/>
-          </a:xfrm>
-          <a:prstGeom prst="rect">
-            <a:avLst/>
-          </a:prstGeom>
-          <a:solidFill>
-            <a:schemeClr val="bg1">
-              <a:lumMod val="85000"/>
-            </a:schemeClr>
-          </a:solidFill>
-          <a:ln>
-            <a:noFill/>
-          </a:ln>
-          <a:effectLst>
-            <a:softEdge rad="25400"/>
-          </a:effectLst>
-          <a:extLst>
-            <a:ext uri="{91240B29-F687-4F45-9708-019B960494DF}">
-              <a14:hiddenLine xmlns:a14="http://schemas.microsoft.com/office/drawing/2010/main" w="9525">
-                <a:solidFill>
-                  <a:srgbClr val="000000"/>
-                </a:solidFill>
-                <a:miter lim="800000"/>
-                <a:headEnd/>
-                <a:tailEnd/>
-              </a14:hiddenLine>
-            </a:ext>
-          </a:extLst>
-        </p:spPr>
-        <p:txBody>
-          <a:bodyPr vert="horz" wrap="square" lIns="92075" tIns="46038" rIns="92075" bIns="46038" numCol="1" anchor="t" anchorCtr="0" compatLnSpc="1">
-            <a:prstTxWarp prst="textNoShape">
-              <a:avLst/>
-            </a:prstTxWarp>
-          </a:bodyPr>
-          <a:lstStyle>
-            <a:lvl1pPr marL="342900" indent="-342900" algn="l" rtl="0" eaLnBrk="1" fontAlgn="base" hangingPunct="1">
-              <a:spcBef>
-                <a:spcPct val="20000"/>
-              </a:spcBef>
-              <a:spcAft>
-                <a:spcPct val="0"/>
-              </a:spcAft>
-              <a:buClr>
-                <a:srgbClr val="008C5A"/>
-              </a:buClr>
-              <a:buFont typeface="Monotype Sorts" pitchFamily="2" charset="2"/>
-              <a:buChar char="l"/>
-              <a:defRPr sz="2400">
-                <a:solidFill>
-                  <a:schemeClr val="tx1"/>
-                </a:solidFill>
-                <a:latin typeface="+mn-lt"/>
-                <a:ea typeface="+mn-ea"/>
-                <a:cs typeface="+mn-cs"/>
-              </a:defRPr>
-            </a:lvl1pPr>
-            <a:lvl2pPr marL="742950" indent="-285750" algn="l" rtl="0" eaLnBrk="1" fontAlgn="base" hangingPunct="1">
-              <a:spcBef>
-                <a:spcPct val="20000"/>
-              </a:spcBef>
-              <a:spcAft>
-                <a:spcPct val="0"/>
-              </a:spcAft>
-              <a:buClr>
-                <a:srgbClr val="008C5A"/>
-              </a:buClr>
-              <a:buFont typeface="Monotype Sorts" pitchFamily="2" charset="2"/>
-              <a:buChar char="l"/>
-              <a:defRPr sz="2000">
-                <a:solidFill>
-                  <a:schemeClr val="tx1"/>
-                </a:solidFill>
-                <a:latin typeface="+mn-lt"/>
-              </a:defRPr>
-            </a:lvl2pPr>
-            <a:lvl3pPr marL="1143000" indent="-228600" algn="l" rtl="0" eaLnBrk="1" fontAlgn="base" hangingPunct="1">
-              <a:spcBef>
-                <a:spcPct val="20000"/>
-              </a:spcBef>
-              <a:spcAft>
-                <a:spcPct val="0"/>
-              </a:spcAft>
-              <a:buClr>
-                <a:srgbClr val="008C5A"/>
-              </a:buClr>
-              <a:buFont typeface="Monotype Sorts" pitchFamily="2" charset="2"/>
-              <a:buChar char="l"/>
-              <a:defRPr sz="2400">
-                <a:solidFill>
-                  <a:schemeClr val="tx1"/>
-                </a:solidFill>
-                <a:latin typeface="+mn-lt"/>
-              </a:defRPr>
-            </a:lvl3pPr>
-            <a:lvl4pPr marL="1562100" indent="-228600" algn="l" rtl="0" eaLnBrk="1" fontAlgn="base" hangingPunct="1">
-              <a:spcBef>
-                <a:spcPct val="20000"/>
-              </a:spcBef>
-              <a:spcAft>
-                <a:spcPct val="0"/>
-              </a:spcAft>
-              <a:buClr>
-                <a:srgbClr val="008C5A"/>
-              </a:buClr>
-              <a:buFont typeface="Monotype Sorts" pitchFamily="2" charset="2"/>
-              <a:buChar char="l"/>
-              <a:defRPr sz="1600">
-                <a:solidFill>
-                  <a:schemeClr val="tx1"/>
-                </a:solidFill>
-                <a:latin typeface="+mn-lt"/>
-              </a:defRPr>
-            </a:lvl4pPr>
-            <a:lvl5pPr marL="1981200" indent="-228600" algn="l" rtl="0" eaLnBrk="1" fontAlgn="base" hangingPunct="1">
-              <a:spcBef>
-                <a:spcPct val="20000"/>
-              </a:spcBef>
-              <a:spcAft>
-                <a:spcPct val="0"/>
-              </a:spcAft>
-              <a:buClr>
-                <a:srgbClr val="008C5A"/>
-              </a:buClr>
-              <a:buFont typeface="Monotype Sorts" pitchFamily="2" charset="2"/>
-              <a:buChar char="l"/>
-              <a:defRPr sz="1600">
-                <a:solidFill>
-                  <a:schemeClr val="tx1"/>
-                </a:solidFill>
-                <a:latin typeface="+mn-lt"/>
-              </a:defRPr>
-            </a:lvl5pPr>
-            <a:lvl6pPr marL="2438400" indent="-228600" algn="l" rtl="0" eaLnBrk="1" fontAlgn="base" hangingPunct="1">
-              <a:spcBef>
-                <a:spcPct val="20000"/>
-              </a:spcBef>
-              <a:spcAft>
-                <a:spcPct val="0"/>
-              </a:spcAft>
-              <a:buClr>
-                <a:srgbClr val="008C5A"/>
-              </a:buClr>
-              <a:buFont typeface="Monotype Sorts" pitchFamily="2" charset="2"/>
-              <a:buChar char="l"/>
-              <a:defRPr sz="1600">
-                <a:solidFill>
-                  <a:schemeClr val="tx1"/>
-                </a:solidFill>
-                <a:latin typeface="+mn-lt"/>
-              </a:defRPr>
-            </a:lvl6pPr>
-            <a:lvl7pPr marL="2895600" indent="-228600" algn="l" rtl="0" eaLnBrk="1" fontAlgn="base" hangingPunct="1">
-              <a:spcBef>
-                <a:spcPct val="20000"/>
-              </a:spcBef>
-              <a:spcAft>
-                <a:spcPct val="0"/>
-              </a:spcAft>
-              <a:buClr>
-                <a:srgbClr val="008C5A"/>
-              </a:buClr>
-              <a:buFont typeface="Monotype Sorts" pitchFamily="2" charset="2"/>
-              <a:buChar char="l"/>
-              <a:defRPr sz="1600">
-                <a:solidFill>
-                  <a:schemeClr val="tx1"/>
-                </a:solidFill>
-                <a:latin typeface="+mn-lt"/>
-              </a:defRPr>
-            </a:lvl7pPr>
-            <a:lvl8pPr marL="3352800" indent="-228600" algn="l" rtl="0" eaLnBrk="1" fontAlgn="base" hangingPunct="1">
-              <a:spcBef>
-                <a:spcPct val="20000"/>
-              </a:spcBef>
-              <a:spcAft>
-                <a:spcPct val="0"/>
-              </a:spcAft>
-              <a:buClr>
-                <a:srgbClr val="008C5A"/>
-              </a:buClr>
-              <a:buFont typeface="Monotype Sorts" pitchFamily="2" charset="2"/>
-              <a:buChar char="l"/>
-              <a:defRPr sz="1600">
-                <a:solidFill>
-                  <a:schemeClr val="tx1"/>
-                </a:solidFill>
-                <a:latin typeface="+mn-lt"/>
-              </a:defRPr>
-            </a:lvl8pPr>
-            <a:lvl9pPr marL="3810000" indent="-228600" algn="l" rtl="0" eaLnBrk="1" fontAlgn="base" hangingPunct="1">
-              <a:spcBef>
-                <a:spcPct val="20000"/>
-              </a:spcBef>
-              <a:spcAft>
-                <a:spcPct val="0"/>
-              </a:spcAft>
-              <a:buClr>
-                <a:srgbClr val="008C5A"/>
-              </a:buClr>
-              <a:buFont typeface="Monotype Sorts" pitchFamily="2" charset="2"/>
-              <a:buChar char="l"/>
-              <a:defRPr sz="1600">
-                <a:solidFill>
-                  <a:schemeClr val="tx1"/>
-                </a:solidFill>
-                <a:latin typeface="+mn-lt"/>
-              </a:defRPr>
-            </a:lvl9pPr>
-          </a:lstStyle>
-          <a:p>
-            <a:pPr marL="0" indent="0" algn="ctr">
-              <a:buFont typeface="Monotype Sorts" pitchFamily="2" charset="2"/>
-              <a:buNone/>
-            </a:pPr>
-            <a:r>
-              <a:rPr lang="de-DE" kern="0" dirty="0" err="1"/>
-              <a:t>docker</a:t>
-            </a:r>
-            <a:r>
-              <a:rPr lang="de-DE" kern="0" dirty="0"/>
-              <a:t> </a:t>
-            </a:r>
-            <a:r>
-              <a:rPr lang="de-DE" kern="0" dirty="0" err="1"/>
-              <a:t>ls</a:t>
-            </a:r>
-            <a:endParaRPr lang="de-DE" kern="0" dirty="0"/>
-          </a:p>
-        </p:txBody>
-      </p:sp>
-      <p:sp>
-        <p:nvSpPr>
-          <p:cNvPr id="14" name="Inhaltsplatzhalter 2">
-            <a:extLst>
-              <a:ext uri="{FF2B5EF4-FFF2-40B4-BE49-F238E27FC236}">
-                <a16:creationId xmlns:a16="http://schemas.microsoft.com/office/drawing/2014/main" id="{6565CE33-7C7F-9ACC-962E-56274BF75F42}"/>
-              </a:ext>
-            </a:extLst>
-          </p:cNvPr>
-          <p:cNvSpPr txBox="1">
-            <a:spLocks/>
-          </p:cNvSpPr>
-          <p:nvPr/>
-        </p:nvSpPr>
-        <p:spPr bwMode="auto">
-          <a:xfrm>
-            <a:off x="225457" y="5301208"/>
-            <a:ext cx="8516937" cy="432048"/>
-          </a:xfrm>
-          <a:prstGeom prst="rect">
-            <a:avLst/>
-          </a:prstGeom>
-          <a:noFill/>
-          <a:ln>
-            <a:noFill/>
-          </a:ln>
-          <a:effectLst>
-            <a:softEdge rad="0"/>
-          </a:effectLst>
-        </p:spPr>
-        <p:txBody>
-          <a:bodyPr vert="horz" wrap="square" lIns="92075" tIns="46038" rIns="92075" bIns="46038" numCol="1" anchor="t" anchorCtr="0" compatLnSpc="1">
-            <a:prstTxWarp prst="textNoShape">
-              <a:avLst/>
-            </a:prstTxWarp>
-          </a:bodyPr>
-          <a:lstStyle>
-            <a:lvl1pPr marL="342900" indent="-342900" algn="l" rtl="0" eaLnBrk="1" fontAlgn="base" hangingPunct="1">
-              <a:spcBef>
-                <a:spcPct val="20000"/>
-              </a:spcBef>
-              <a:spcAft>
-                <a:spcPct val="0"/>
-              </a:spcAft>
-              <a:buClr>
-                <a:srgbClr val="008C5A"/>
-              </a:buClr>
-              <a:buFont typeface="Monotype Sorts" pitchFamily="2" charset="2"/>
-              <a:buChar char="l"/>
-              <a:defRPr sz="2400">
-                <a:solidFill>
-                  <a:schemeClr val="tx1"/>
-                </a:solidFill>
-                <a:latin typeface="+mn-lt"/>
-                <a:ea typeface="+mn-ea"/>
-                <a:cs typeface="+mn-cs"/>
-              </a:defRPr>
-            </a:lvl1pPr>
-            <a:lvl2pPr marL="742950" indent="-285750" algn="l" rtl="0" eaLnBrk="1" fontAlgn="base" hangingPunct="1">
-              <a:spcBef>
-                <a:spcPct val="20000"/>
-              </a:spcBef>
-              <a:spcAft>
-                <a:spcPct val="0"/>
-              </a:spcAft>
-              <a:buClr>
-                <a:srgbClr val="008C5A"/>
-              </a:buClr>
-              <a:buFont typeface="Monotype Sorts" pitchFamily="2" charset="2"/>
-              <a:buChar char="l"/>
-              <a:defRPr sz="2000">
-                <a:solidFill>
-                  <a:schemeClr val="tx1"/>
-                </a:solidFill>
-                <a:latin typeface="+mn-lt"/>
-              </a:defRPr>
-            </a:lvl2pPr>
-            <a:lvl3pPr marL="1143000" indent="-228600" algn="l" rtl="0" eaLnBrk="1" fontAlgn="base" hangingPunct="1">
-              <a:spcBef>
-                <a:spcPct val="20000"/>
-              </a:spcBef>
-              <a:spcAft>
-                <a:spcPct val="0"/>
-              </a:spcAft>
-              <a:buClr>
-                <a:srgbClr val="008C5A"/>
-              </a:buClr>
-              <a:buFont typeface="Monotype Sorts" pitchFamily="2" charset="2"/>
-              <a:buChar char="l"/>
-              <a:defRPr sz="2400">
-                <a:solidFill>
-                  <a:schemeClr val="tx1"/>
-                </a:solidFill>
-                <a:latin typeface="+mn-lt"/>
-              </a:defRPr>
-            </a:lvl3pPr>
-            <a:lvl4pPr marL="1562100" indent="-228600" algn="l" rtl="0" eaLnBrk="1" fontAlgn="base" hangingPunct="1">
-              <a:spcBef>
-                <a:spcPct val="20000"/>
-              </a:spcBef>
-              <a:spcAft>
-                <a:spcPct val="0"/>
-              </a:spcAft>
-              <a:buClr>
-                <a:srgbClr val="008C5A"/>
-              </a:buClr>
-              <a:buFont typeface="Monotype Sorts" pitchFamily="2" charset="2"/>
-              <a:buChar char="l"/>
-              <a:defRPr sz="1600">
-                <a:solidFill>
-                  <a:schemeClr val="tx1"/>
-                </a:solidFill>
-                <a:latin typeface="+mn-lt"/>
-              </a:defRPr>
-            </a:lvl4pPr>
-            <a:lvl5pPr marL="1981200" indent="-228600" algn="l" rtl="0" eaLnBrk="1" fontAlgn="base" hangingPunct="1">
-              <a:spcBef>
-                <a:spcPct val="20000"/>
-              </a:spcBef>
-              <a:spcAft>
-                <a:spcPct val="0"/>
-              </a:spcAft>
-              <a:buClr>
-                <a:srgbClr val="008C5A"/>
-              </a:buClr>
-              <a:buFont typeface="Monotype Sorts" pitchFamily="2" charset="2"/>
-              <a:buChar char="l"/>
-              <a:defRPr sz="1600">
-                <a:solidFill>
-                  <a:schemeClr val="tx1"/>
-                </a:solidFill>
-                <a:latin typeface="+mn-lt"/>
-              </a:defRPr>
-            </a:lvl5pPr>
-            <a:lvl6pPr marL="2438400" indent="-228600" algn="l" rtl="0" eaLnBrk="1" fontAlgn="base" hangingPunct="1">
-              <a:spcBef>
-                <a:spcPct val="20000"/>
-              </a:spcBef>
-              <a:spcAft>
-                <a:spcPct val="0"/>
-              </a:spcAft>
-              <a:buClr>
-                <a:srgbClr val="008C5A"/>
-              </a:buClr>
-              <a:buFont typeface="Monotype Sorts" pitchFamily="2" charset="2"/>
-              <a:buChar char="l"/>
-              <a:defRPr sz="1600">
-                <a:solidFill>
-                  <a:schemeClr val="tx1"/>
-                </a:solidFill>
-                <a:latin typeface="+mn-lt"/>
-              </a:defRPr>
-            </a:lvl6pPr>
-            <a:lvl7pPr marL="2895600" indent="-228600" algn="l" rtl="0" eaLnBrk="1" fontAlgn="base" hangingPunct="1">
-              <a:spcBef>
-                <a:spcPct val="20000"/>
-              </a:spcBef>
-              <a:spcAft>
-                <a:spcPct val="0"/>
-              </a:spcAft>
-              <a:buClr>
-                <a:srgbClr val="008C5A"/>
-              </a:buClr>
-              <a:buFont typeface="Monotype Sorts" pitchFamily="2" charset="2"/>
-              <a:buChar char="l"/>
-              <a:defRPr sz="1600">
-                <a:solidFill>
-                  <a:schemeClr val="tx1"/>
-                </a:solidFill>
-                <a:latin typeface="+mn-lt"/>
-              </a:defRPr>
-            </a:lvl7pPr>
-            <a:lvl8pPr marL="3352800" indent="-228600" algn="l" rtl="0" eaLnBrk="1" fontAlgn="base" hangingPunct="1">
-              <a:spcBef>
-                <a:spcPct val="20000"/>
-              </a:spcBef>
-              <a:spcAft>
-                <a:spcPct val="0"/>
-              </a:spcAft>
-              <a:buClr>
-                <a:srgbClr val="008C5A"/>
-              </a:buClr>
-              <a:buFont typeface="Monotype Sorts" pitchFamily="2" charset="2"/>
-              <a:buChar char="l"/>
-              <a:defRPr sz="1600">
-                <a:solidFill>
-                  <a:schemeClr val="tx1"/>
-                </a:solidFill>
-                <a:latin typeface="+mn-lt"/>
-              </a:defRPr>
-            </a:lvl8pPr>
-            <a:lvl9pPr marL="3810000" indent="-228600" algn="l" rtl="0" eaLnBrk="1" fontAlgn="base" hangingPunct="1">
-              <a:spcBef>
-                <a:spcPct val="20000"/>
-              </a:spcBef>
-              <a:spcAft>
-                <a:spcPct val="0"/>
-              </a:spcAft>
-              <a:buClr>
-                <a:srgbClr val="008C5A"/>
-              </a:buClr>
-              <a:buFont typeface="Monotype Sorts" pitchFamily="2" charset="2"/>
-              <a:buChar char="l"/>
-              <a:defRPr sz="1600">
-                <a:solidFill>
-                  <a:schemeClr val="tx1"/>
-                </a:solidFill>
-                <a:latin typeface="+mn-lt"/>
-              </a:defRPr>
-            </a:lvl9pPr>
-          </a:lstStyle>
-          <a:p>
-            <a:pPr marL="0" indent="0" algn="ctr">
-              <a:buFont typeface="Monotype Sorts" pitchFamily="2" charset="2"/>
-              <a:buNone/>
-            </a:pPr>
-            <a:r>
-              <a:rPr lang="de-DE" kern="0" dirty="0"/>
-              <a:t>Container auflisten:</a:t>
+              <a:t>Zusammenfassung</a:t>
             </a:r>
           </a:p>
         </p:txBody>
@@ -5383,7 +7319,7 @@
     </p:spTree>
     <p:extLst>
       <p:ext uri="{BB962C8B-B14F-4D97-AF65-F5344CB8AC3E}">
-        <p14:creationId xmlns:p14="http://schemas.microsoft.com/office/powerpoint/2010/main" val="3497986053"/>
+        <p14:creationId xmlns:p14="http://schemas.microsoft.com/office/powerpoint/2010/main" val="1653737171"/>
       </p:ext>
     </p:extLst>
   </p:cSld>
@@ -6994,8 +8930,8 @@
         </p:blipFill>
         <p:spPr>
           <a:xfrm>
-            <a:off x="3007498" y="3933056"/>
-            <a:ext cx="3073379" cy="2016224"/>
+            <a:off x="2979741" y="3681028"/>
+            <a:ext cx="3184517" cy="2376264"/>
           </a:xfrm>
           <a:prstGeom prst="rect">
             <a:avLst/>

--- a/slides/Tag-3_1-Docker.pptx
+++ b/slides/Tag-3_1-Docker.pptx
@@ -6,26 +6,29 @@
     <p:sldMasterId id="2147483649" r:id="rId2"/>
   </p:sldMasterIdLst>
   <p:notesMasterIdLst>
-    <p:notesMasterId r:id="rId17"/>
+    <p:notesMasterId r:id="rId20"/>
   </p:notesMasterIdLst>
   <p:handoutMasterIdLst>
-    <p:handoutMasterId r:id="rId18"/>
+    <p:handoutMasterId r:id="rId21"/>
   </p:handoutMasterIdLst>
   <p:sldIdLst>
     <p:sldId id="289" r:id="rId3"/>
     <p:sldId id="295" r:id="rId4"/>
     <p:sldId id="294" r:id="rId5"/>
-    <p:sldId id="293" r:id="rId6"/>
-    <p:sldId id="296" r:id="rId7"/>
-    <p:sldId id="298" r:id="rId8"/>
-    <p:sldId id="299" r:id="rId9"/>
-    <p:sldId id="300" r:id="rId10"/>
-    <p:sldId id="301" r:id="rId11"/>
-    <p:sldId id="302" r:id="rId12"/>
-    <p:sldId id="303" r:id="rId13"/>
-    <p:sldId id="305" r:id="rId14"/>
-    <p:sldId id="306" r:id="rId15"/>
-    <p:sldId id="304" r:id="rId16"/>
+    <p:sldId id="308" r:id="rId6"/>
+    <p:sldId id="309" r:id="rId7"/>
+    <p:sldId id="293" r:id="rId8"/>
+    <p:sldId id="296" r:id="rId9"/>
+    <p:sldId id="298" r:id="rId10"/>
+    <p:sldId id="299" r:id="rId11"/>
+    <p:sldId id="300" r:id="rId12"/>
+    <p:sldId id="301" r:id="rId13"/>
+    <p:sldId id="302" r:id="rId14"/>
+    <p:sldId id="303" r:id="rId15"/>
+    <p:sldId id="305" r:id="rId16"/>
+    <p:sldId id="306" r:id="rId17"/>
+    <p:sldId id="307" r:id="rId18"/>
+    <p:sldId id="304" r:id="rId19"/>
   </p:sldIdLst>
   <p:sldSz cx="9144000" cy="6858000" type="screen4x3"/>
   <p:notesSz cx="6784975" cy="9921875"/>
@@ -1169,7 +1172,7 @@
             <a:fld id="{18182567-388C-4D33-8B7B-A651F195F118}" type="slidenum">
               <a:rPr lang="de-DE" altLang="de-DE" smtClean="0"/>
               <a:pPr/>
-              <a:t>9</a:t>
+              <a:t>11</a:t>
             </a:fld>
             <a:endParaRPr lang="de-DE" altLang="de-DE"/>
           </a:p>
@@ -1537,7 +1540,7 @@
               <a:pPr algn="ctr">
                 <a:defRPr/>
               </a:pPr>
-              <a:t>28.05.2024</a:t>
+              <a:t>29.05.2024</a:t>
             </a:fld>
             <a:endParaRPr lang="de-DE" sz="1000">
               <a:solidFill>
@@ -3584,6 +3587,585 @@
           <p:cNvPr id="2" name="Titel 1">
             <a:extLst>
               <a:ext uri="{FF2B5EF4-FFF2-40B4-BE49-F238E27FC236}">
+                <a16:creationId xmlns:a16="http://schemas.microsoft.com/office/drawing/2014/main" id="{850FF3C7-B3ED-0A8B-5D14-2B093646715A}"/>
+              </a:ext>
+            </a:extLst>
+          </p:cNvPr>
+          <p:cNvSpPr>
+            <a:spLocks noGrp="1"/>
+          </p:cNvSpPr>
+          <p:nvPr>
+            <p:ph type="title"/>
+          </p:nvPr>
+        </p:nvSpPr>
+        <p:spPr/>
+        <p:txBody>
+          <a:bodyPr/>
+          <a:lstStyle/>
+          <a:p>
+            <a:r>
+              <a:rPr lang="de-DE" altLang="de-DE" dirty="0"/>
+              <a:t>Lokale Entwicklung mit Docker</a:t>
+            </a:r>
+            <a:endParaRPr lang="de-DE" dirty="0"/>
+          </a:p>
+        </p:txBody>
+      </p:sp>
+      <p:sp>
+        <p:nvSpPr>
+          <p:cNvPr id="3" name="Inhaltsplatzhalter 2">
+            <a:extLst>
+              <a:ext uri="{FF2B5EF4-FFF2-40B4-BE49-F238E27FC236}">
+                <a16:creationId xmlns:a16="http://schemas.microsoft.com/office/drawing/2014/main" id="{0DC67BCE-F3AB-A77C-5BBC-4F0D1EB74590}"/>
+              </a:ext>
+            </a:extLst>
+          </p:cNvPr>
+          <p:cNvSpPr>
+            <a:spLocks noGrp="1"/>
+          </p:cNvSpPr>
+          <p:nvPr>
+            <p:ph idx="1"/>
+          </p:nvPr>
+        </p:nvSpPr>
+        <p:spPr>
+          <a:xfrm>
+            <a:off x="303213" y="2996952"/>
+            <a:ext cx="8516937" cy="3384798"/>
+          </a:xfrm>
+        </p:spPr>
+        <p:txBody>
+          <a:bodyPr/>
+          <a:lstStyle/>
+          <a:p>
+            <a:pPr>
+              <a:buFont typeface="Arial" panose="020B0604020202020204" pitchFamily="34" charset="0"/>
+              <a:buChar char="•"/>
+            </a:pPr>
+            <a:r>
+              <a:rPr lang="de-DE" dirty="0" err="1"/>
+              <a:t>docker</a:t>
+            </a:r>
+            <a:r>
+              <a:rPr lang="de-DE" dirty="0"/>
+              <a:t> </a:t>
+            </a:r>
+            <a:r>
+              <a:rPr lang="de-DE" dirty="0" err="1"/>
+              <a:t>build</a:t>
+            </a:r>
+            <a:r>
+              <a:rPr lang="de-DE" dirty="0"/>
+              <a:t>: Befehl für Bauen von Images</a:t>
+            </a:r>
+          </a:p>
+          <a:p>
+            <a:pPr>
+              <a:buFont typeface="Arial" panose="020B0604020202020204" pitchFamily="34" charset="0"/>
+              <a:buChar char="•"/>
+            </a:pPr>
+            <a:r>
+              <a:rPr lang="de-DE" dirty="0"/>
+              <a:t>-t </a:t>
+            </a:r>
+            <a:r>
+              <a:rPr lang="de-DE" dirty="0" err="1"/>
+              <a:t>example</a:t>
+            </a:r>
+            <a:r>
+              <a:rPr lang="de-DE" dirty="0"/>
+              <a:t>: Gibt dem erstellten Image einen Tag</a:t>
+            </a:r>
+          </a:p>
+          <a:p>
+            <a:pPr>
+              <a:buFont typeface="Arial" panose="020B0604020202020204" pitchFamily="34" charset="0"/>
+              <a:buChar char="•"/>
+            </a:pPr>
+            <a:r>
+              <a:rPr lang="de-DE" dirty="0"/>
+              <a:t>Verzeichnis aus dem das Image erstellt wird</a:t>
+            </a:r>
+          </a:p>
+          <a:p>
+            <a:pPr>
+              <a:buFont typeface="Arial" panose="020B0604020202020204" pitchFamily="34" charset="0"/>
+              <a:buChar char="•"/>
+            </a:pPr>
+            <a:r>
+              <a:rPr lang="de-DE" dirty="0" err="1"/>
+              <a:t>Dockerfile</a:t>
+            </a:r>
+            <a:r>
+              <a:rPr lang="de-DE" dirty="0"/>
+              <a:t> </a:t>
+            </a:r>
+            <a:r>
+              <a:rPr lang="de-DE" dirty="0" err="1"/>
+              <a:t>names</a:t>
+            </a:r>
+            <a:r>
+              <a:rPr lang="de-DE" dirty="0"/>
+              <a:t> „</a:t>
+            </a:r>
+            <a:r>
+              <a:rPr lang="de-DE" dirty="0" err="1"/>
+              <a:t>Dockerfile</a:t>
+            </a:r>
+            <a:r>
+              <a:rPr lang="de-DE" dirty="0"/>
+              <a:t>“ im Verzeichnis</a:t>
+            </a:r>
+          </a:p>
+        </p:txBody>
+      </p:sp>
+      <p:sp>
+        <p:nvSpPr>
+          <p:cNvPr id="4" name="Textfeld 3">
+            <a:extLst>
+              <a:ext uri="{FF2B5EF4-FFF2-40B4-BE49-F238E27FC236}">
+                <a16:creationId xmlns:a16="http://schemas.microsoft.com/office/drawing/2014/main" id="{575FEA88-C68F-924B-C800-0C8D6BD744B1}"/>
+              </a:ext>
+            </a:extLst>
+          </p:cNvPr>
+          <p:cNvSpPr txBox="1"/>
+          <p:nvPr/>
+        </p:nvSpPr>
+        <p:spPr bwMode="auto">
+          <a:xfrm>
+            <a:off x="285720" y="1264406"/>
+            <a:ext cx="8516937" cy="584775"/>
+          </a:xfrm>
+          <a:prstGeom prst="rect">
+            <a:avLst/>
+          </a:prstGeom>
+          <a:noFill/>
+          <a:ln w="9525">
+            <a:noFill/>
+            <a:miter lim="800000"/>
+            <a:headEnd/>
+            <a:tailEnd/>
+          </a:ln>
+        </p:spPr>
+        <p:txBody>
+          <a:bodyPr wrap="square" rtlCol="0" anchor="ctr">
+            <a:spAutoFit/>
+          </a:bodyPr>
+          <a:lstStyle/>
+          <a:p>
+            <a:pPr algn="ctr" eaLnBrk="1" hangingPunct="1"/>
+            <a:r>
+              <a:rPr lang="de-DE" sz="3200" dirty="0">
+                <a:latin typeface="+mj-lt"/>
+              </a:rPr>
+              <a:t>Erstellen von Images</a:t>
+            </a:r>
+          </a:p>
+        </p:txBody>
+      </p:sp>
+      <p:sp>
+        <p:nvSpPr>
+          <p:cNvPr id="5" name="Textfeld 4">
+            <a:extLst>
+              <a:ext uri="{FF2B5EF4-FFF2-40B4-BE49-F238E27FC236}">
+                <a16:creationId xmlns:a16="http://schemas.microsoft.com/office/drawing/2014/main" id="{AA8B9AE6-EF63-25CA-4D6B-117E7B727411}"/>
+              </a:ext>
+            </a:extLst>
+          </p:cNvPr>
+          <p:cNvSpPr txBox="1"/>
+          <p:nvPr/>
+        </p:nvSpPr>
+        <p:spPr bwMode="auto">
+          <a:xfrm>
+            <a:off x="297818" y="2192234"/>
+            <a:ext cx="8516937" cy="461665"/>
+          </a:xfrm>
+          <a:prstGeom prst="rect">
+            <a:avLst/>
+          </a:prstGeom>
+          <a:solidFill>
+            <a:schemeClr val="bg1">
+              <a:lumMod val="85000"/>
+            </a:schemeClr>
+          </a:solidFill>
+          <a:ln w="9525">
+            <a:noFill/>
+            <a:miter lim="800000"/>
+            <a:headEnd/>
+            <a:tailEnd/>
+          </a:ln>
+          <a:effectLst>
+            <a:softEdge rad="25400"/>
+          </a:effectLst>
+        </p:spPr>
+        <p:txBody>
+          <a:bodyPr wrap="square" rtlCol="0" anchor="ctr">
+            <a:spAutoFit/>
+          </a:bodyPr>
+          <a:lstStyle/>
+          <a:p>
+            <a:pPr algn="ctr" eaLnBrk="1" hangingPunct="1"/>
+            <a:r>
+              <a:rPr lang="de-DE" dirty="0" err="1">
+                <a:latin typeface="Arial" charset="0"/>
+              </a:rPr>
+              <a:t>docker</a:t>
+            </a:r>
+            <a:r>
+              <a:rPr lang="de-DE" dirty="0">
+                <a:latin typeface="Arial" charset="0"/>
+              </a:rPr>
+              <a:t> </a:t>
+            </a:r>
+            <a:r>
+              <a:rPr lang="de-DE" dirty="0" err="1">
+                <a:latin typeface="Arial" charset="0"/>
+              </a:rPr>
+              <a:t>build</a:t>
+            </a:r>
+            <a:r>
+              <a:rPr lang="de-DE" dirty="0">
+                <a:latin typeface="Arial" charset="0"/>
+              </a:rPr>
+              <a:t> -t </a:t>
+            </a:r>
+            <a:r>
+              <a:rPr lang="de-DE" dirty="0" err="1">
+                <a:latin typeface="Arial" charset="0"/>
+              </a:rPr>
+              <a:t>example</a:t>
+            </a:r>
+            <a:r>
+              <a:rPr lang="de-DE" dirty="0">
+                <a:latin typeface="Arial" charset="0"/>
+              </a:rPr>
+              <a:t> .</a:t>
+            </a:r>
+          </a:p>
+        </p:txBody>
+      </p:sp>
+    </p:spTree>
+    <p:extLst>
+      <p:ext uri="{BB962C8B-B14F-4D97-AF65-F5344CB8AC3E}">
+        <p14:creationId xmlns:p14="http://schemas.microsoft.com/office/powerpoint/2010/main" val="1459689168"/>
+      </p:ext>
+    </p:extLst>
+  </p:cSld>
+  <p:clrMapOvr>
+    <a:masterClrMapping/>
+  </p:clrMapOvr>
+</p:sld>
+</file>
+
+<file path=ppt/slides/slide11.xml><?xml version="1.0" encoding="utf-8"?>
+<p:sld xmlns:a="http://schemas.openxmlformats.org/drawingml/2006/main" xmlns:r="http://schemas.openxmlformats.org/officeDocument/2006/relationships" xmlns:p="http://schemas.openxmlformats.org/presentationml/2006/main">
+  <p:cSld>
+    <p:spTree>
+      <p:nvGrpSpPr>
+        <p:cNvPr id="1" name=""/>
+        <p:cNvGrpSpPr/>
+        <p:nvPr/>
+      </p:nvGrpSpPr>
+      <p:grpSpPr>
+        <a:xfrm>
+          <a:off x="0" y="0"/>
+          <a:ext cx="0" cy="0"/>
+          <a:chOff x="0" y="0"/>
+          <a:chExt cx="0" cy="0"/>
+        </a:xfrm>
+      </p:grpSpPr>
+      <p:sp>
+        <p:nvSpPr>
+          <p:cNvPr id="2" name="Titel 1">
+            <a:extLst>
+              <a:ext uri="{FF2B5EF4-FFF2-40B4-BE49-F238E27FC236}">
+                <a16:creationId xmlns:a16="http://schemas.microsoft.com/office/drawing/2014/main" id="{95863F39-AC6F-C91A-BC48-29EE6581525D}"/>
+              </a:ext>
+            </a:extLst>
+          </p:cNvPr>
+          <p:cNvSpPr>
+            <a:spLocks noGrp="1"/>
+          </p:cNvSpPr>
+          <p:nvPr>
+            <p:ph type="title"/>
+          </p:nvPr>
+        </p:nvSpPr>
+        <p:spPr/>
+        <p:txBody>
+          <a:bodyPr/>
+          <a:lstStyle/>
+          <a:p>
+            <a:r>
+              <a:rPr lang="de-DE" altLang="de-DE" dirty="0"/>
+              <a:t>Lokale Entwicklung mit Docker</a:t>
+            </a:r>
+            <a:endParaRPr lang="de-DE" dirty="0"/>
+          </a:p>
+        </p:txBody>
+      </p:sp>
+      <p:sp>
+        <p:nvSpPr>
+          <p:cNvPr id="3" name="Inhaltsplatzhalter 2">
+            <a:extLst>
+              <a:ext uri="{FF2B5EF4-FFF2-40B4-BE49-F238E27FC236}">
+                <a16:creationId xmlns:a16="http://schemas.microsoft.com/office/drawing/2014/main" id="{3ED41AEE-F238-EA07-C91E-34B4C1C3FDC0}"/>
+              </a:ext>
+            </a:extLst>
+          </p:cNvPr>
+          <p:cNvSpPr>
+            <a:spLocks noGrp="1"/>
+          </p:cNvSpPr>
+          <p:nvPr>
+            <p:ph idx="1"/>
+          </p:nvPr>
+        </p:nvSpPr>
+        <p:spPr>
+          <a:xfrm>
+            <a:off x="303213" y="3429000"/>
+            <a:ext cx="8516937" cy="2952750"/>
+          </a:xfrm>
+        </p:spPr>
+        <p:txBody>
+          <a:bodyPr/>
+          <a:lstStyle/>
+          <a:p>
+            <a:pPr>
+              <a:buFont typeface="Arial" panose="020B0604020202020204" pitchFamily="34" charset="0"/>
+              <a:buChar char="•"/>
+            </a:pPr>
+            <a:r>
+              <a:rPr lang="de-DE" dirty="0" err="1"/>
+              <a:t>docker</a:t>
+            </a:r>
+            <a:r>
+              <a:rPr lang="de-DE" dirty="0"/>
+              <a:t> erstellt und startet einen Container</a:t>
+            </a:r>
+          </a:p>
+          <a:p>
+            <a:pPr>
+              <a:buFont typeface="Arial" panose="020B0604020202020204" pitchFamily="34" charset="0"/>
+              <a:buChar char="•"/>
+            </a:pPr>
+            <a:r>
+              <a:rPr lang="de-DE" dirty="0"/>
+              <a:t>mit --name können Container benannt werden</a:t>
+            </a:r>
+          </a:p>
+          <a:p>
+            <a:pPr>
+              <a:buFont typeface="Arial" panose="020B0604020202020204" pitchFamily="34" charset="0"/>
+              <a:buChar char="•"/>
+            </a:pPr>
+            <a:r>
+              <a:rPr lang="de-DE" dirty="0"/>
+              <a:t>Viele weitere Optionen je nach Image und Applikation</a:t>
+            </a:r>
+          </a:p>
+          <a:p>
+            <a:pPr>
+              <a:buFont typeface="Arial" panose="020B0604020202020204" pitchFamily="34" charset="0"/>
+              <a:buChar char="•"/>
+            </a:pPr>
+            <a:r>
+              <a:rPr lang="de-DE" dirty="0"/>
+              <a:t>Container haben Namen und ID zur Identifikation</a:t>
+            </a:r>
+          </a:p>
+        </p:txBody>
+      </p:sp>
+      <p:sp>
+        <p:nvSpPr>
+          <p:cNvPr id="5" name="Textfeld 4">
+            <a:extLst>
+              <a:ext uri="{FF2B5EF4-FFF2-40B4-BE49-F238E27FC236}">
+                <a16:creationId xmlns:a16="http://schemas.microsoft.com/office/drawing/2014/main" id="{02FEDFB1-88E0-0AE1-5A10-FF6902E93AA4}"/>
+              </a:ext>
+            </a:extLst>
+          </p:cNvPr>
+          <p:cNvSpPr txBox="1"/>
+          <p:nvPr/>
+        </p:nvSpPr>
+        <p:spPr bwMode="auto">
+          <a:xfrm>
+            <a:off x="285720" y="1264406"/>
+            <a:ext cx="8516937" cy="584775"/>
+          </a:xfrm>
+          <a:prstGeom prst="rect">
+            <a:avLst/>
+          </a:prstGeom>
+          <a:noFill/>
+          <a:ln w="9525">
+            <a:noFill/>
+            <a:miter lim="800000"/>
+            <a:headEnd/>
+            <a:tailEnd/>
+          </a:ln>
+        </p:spPr>
+        <p:txBody>
+          <a:bodyPr wrap="square" rtlCol="0" anchor="ctr">
+            <a:spAutoFit/>
+          </a:bodyPr>
+          <a:lstStyle/>
+          <a:p>
+            <a:pPr algn="ctr" eaLnBrk="1" hangingPunct="1"/>
+            <a:r>
+              <a:rPr lang="de-DE" sz="3200" dirty="0">
+                <a:latin typeface="+mj-lt"/>
+              </a:rPr>
+              <a:t>Erstellen von Containern</a:t>
+            </a:r>
+          </a:p>
+        </p:txBody>
+      </p:sp>
+      <p:sp>
+        <p:nvSpPr>
+          <p:cNvPr id="6" name="Textfeld 5">
+            <a:extLst>
+              <a:ext uri="{FF2B5EF4-FFF2-40B4-BE49-F238E27FC236}">
+                <a16:creationId xmlns:a16="http://schemas.microsoft.com/office/drawing/2014/main" id="{4ACC5388-79C6-75D2-C169-4274E8C247EA}"/>
+              </a:ext>
+            </a:extLst>
+          </p:cNvPr>
+          <p:cNvSpPr txBox="1"/>
+          <p:nvPr/>
+        </p:nvSpPr>
+        <p:spPr bwMode="auto">
+          <a:xfrm>
+            <a:off x="297818" y="2007568"/>
+            <a:ext cx="8516937" cy="830997"/>
+          </a:xfrm>
+          <a:prstGeom prst="rect">
+            <a:avLst/>
+          </a:prstGeom>
+          <a:solidFill>
+            <a:schemeClr val="bg1">
+              <a:lumMod val="85000"/>
+            </a:schemeClr>
+          </a:solidFill>
+          <a:ln w="9525">
+            <a:noFill/>
+            <a:miter lim="800000"/>
+            <a:headEnd/>
+            <a:tailEnd/>
+          </a:ln>
+          <a:effectLst>
+            <a:softEdge rad="25400"/>
+          </a:effectLst>
+        </p:spPr>
+        <p:txBody>
+          <a:bodyPr wrap="square" rtlCol="0" anchor="ctr">
+            <a:spAutoFit/>
+          </a:bodyPr>
+          <a:lstStyle/>
+          <a:p>
+            <a:pPr algn="ctr" eaLnBrk="1" hangingPunct="1"/>
+            <a:r>
+              <a:rPr lang="de-DE" dirty="0" err="1">
+                <a:latin typeface="Arial" charset="0"/>
+              </a:rPr>
+              <a:t>docker</a:t>
+            </a:r>
+            <a:r>
+              <a:rPr lang="de-DE" dirty="0">
+                <a:latin typeface="Arial" charset="0"/>
+              </a:rPr>
+              <a:t> </a:t>
+            </a:r>
+            <a:r>
+              <a:rPr lang="de-DE" dirty="0" err="1">
+                <a:latin typeface="Arial" charset="0"/>
+              </a:rPr>
+              <a:t>run</a:t>
+            </a:r>
+            <a:r>
+              <a:rPr lang="de-DE" dirty="0">
+                <a:latin typeface="Arial" charset="0"/>
+              </a:rPr>
+              <a:t> </a:t>
+            </a:r>
+            <a:r>
+              <a:rPr lang="de-DE" dirty="0" err="1">
+                <a:latin typeface="Arial" charset="0"/>
+              </a:rPr>
+              <a:t>example</a:t>
+            </a:r>
+            <a:endParaRPr lang="de-DE" dirty="0">
+              <a:latin typeface="Arial" charset="0"/>
+            </a:endParaRPr>
+          </a:p>
+          <a:p>
+            <a:pPr algn="ctr" eaLnBrk="1" hangingPunct="1"/>
+            <a:r>
+              <a:rPr lang="de-DE" dirty="0" err="1">
+                <a:latin typeface="Arial" charset="0"/>
+              </a:rPr>
+              <a:t>docker</a:t>
+            </a:r>
+            <a:r>
+              <a:rPr lang="de-DE" dirty="0">
+                <a:latin typeface="Arial" charset="0"/>
+              </a:rPr>
+              <a:t> </a:t>
+            </a:r>
+            <a:r>
+              <a:rPr lang="de-DE" dirty="0" err="1">
+                <a:latin typeface="Arial" charset="0"/>
+              </a:rPr>
+              <a:t>create</a:t>
+            </a:r>
+            <a:r>
+              <a:rPr lang="de-DE" dirty="0">
+                <a:latin typeface="Arial" charset="0"/>
+              </a:rPr>
+              <a:t> </a:t>
+            </a:r>
+            <a:r>
+              <a:rPr lang="de-DE" dirty="0" err="1">
+                <a:latin typeface="Arial" charset="0"/>
+              </a:rPr>
+              <a:t>example</a:t>
+            </a:r>
+            <a:endParaRPr lang="de-DE" dirty="0">
+              <a:latin typeface="Arial" charset="0"/>
+            </a:endParaRPr>
+          </a:p>
+        </p:txBody>
+      </p:sp>
+    </p:spTree>
+    <p:extLst>
+      <p:ext uri="{BB962C8B-B14F-4D97-AF65-F5344CB8AC3E}">
+        <p14:creationId xmlns:p14="http://schemas.microsoft.com/office/powerpoint/2010/main" val="4065056465"/>
+      </p:ext>
+    </p:extLst>
+  </p:cSld>
+  <p:clrMapOvr>
+    <a:masterClrMapping/>
+  </p:clrMapOvr>
+</p:sld>
+</file>
+
+<file path=ppt/slides/slide12.xml><?xml version="1.0" encoding="utf-8"?>
+<p:sld xmlns:a="http://schemas.openxmlformats.org/drawingml/2006/main" xmlns:r="http://schemas.openxmlformats.org/officeDocument/2006/relationships" xmlns:p="http://schemas.openxmlformats.org/presentationml/2006/main">
+  <p:cSld>
+    <p:spTree>
+      <p:nvGrpSpPr>
+        <p:cNvPr id="1" name=""/>
+        <p:cNvGrpSpPr/>
+        <p:nvPr/>
+      </p:nvGrpSpPr>
+      <p:grpSpPr>
+        <a:xfrm>
+          <a:off x="0" y="0"/>
+          <a:ext cx="0" cy="0"/>
+          <a:chOff x="0" y="0"/>
+          <a:chExt cx="0" cy="0"/>
+        </a:xfrm>
+      </p:grpSpPr>
+      <p:sp>
+        <p:nvSpPr>
+          <p:cNvPr id="2" name="Titel 1">
+            <a:extLst>
+              <a:ext uri="{FF2B5EF4-FFF2-40B4-BE49-F238E27FC236}">
                 <a16:creationId xmlns:a16="http://schemas.microsoft.com/office/drawing/2014/main" id="{B9A09C3C-9D10-D2B7-9829-FC04CB2C8A52}"/>
               </a:ext>
             </a:extLst>
@@ -5397,7 +5979,7 @@
 </p:sld>
 </file>
 
-<file path=ppt/slides/slide11.xml><?xml version="1.0" encoding="utf-8"?>
+<file path=ppt/slides/slide13.xml><?xml version="1.0" encoding="utf-8"?>
 <p:sld xmlns:a="http://schemas.openxmlformats.org/drawingml/2006/main" xmlns:r="http://schemas.openxmlformats.org/officeDocument/2006/relationships" xmlns:p="http://schemas.openxmlformats.org/presentationml/2006/main">
   <p:cSld>
     <p:spTree>
@@ -5615,7 +6197,7 @@
 </p:sld>
 </file>
 
-<file path=ppt/slides/slide12.xml><?xml version="1.0" encoding="utf-8"?>
+<file path=ppt/slides/slide14.xml><?xml version="1.0" encoding="utf-8"?>
 <p:sld xmlns:a="http://schemas.openxmlformats.org/drawingml/2006/main" xmlns:r="http://schemas.openxmlformats.org/officeDocument/2006/relationships" xmlns:p="http://schemas.openxmlformats.org/presentationml/2006/main">
   <p:cSld>
     <p:spTree>
@@ -6684,7 +7266,7 @@
 </p:sld>
 </file>
 
-<file path=ppt/slides/slide13.xml><?xml version="1.0" encoding="utf-8"?>
+<file path=ppt/slides/slide15.xml><?xml version="1.0" encoding="utf-8"?>
 <p:sld xmlns:a="http://schemas.openxmlformats.org/drawingml/2006/main" xmlns:r="http://schemas.openxmlformats.org/officeDocument/2006/relationships" xmlns:p="http://schemas.openxmlformats.org/presentationml/2006/main">
   <p:cSld>
     <p:spTree>
@@ -7168,7 +7750,238 @@
 </p:sld>
 </file>
 
-<file path=ppt/slides/slide14.xml><?xml version="1.0" encoding="utf-8"?>
+<file path=ppt/slides/slide16.xml><?xml version="1.0" encoding="utf-8"?>
+<p:sld xmlns:a="http://schemas.openxmlformats.org/drawingml/2006/main" xmlns:r="http://schemas.openxmlformats.org/officeDocument/2006/relationships" xmlns:p="http://schemas.openxmlformats.org/presentationml/2006/main">
+  <p:cSld>
+    <p:spTree>
+      <p:nvGrpSpPr>
+        <p:cNvPr id="1" name=""/>
+        <p:cNvGrpSpPr/>
+        <p:nvPr/>
+      </p:nvGrpSpPr>
+      <p:grpSpPr>
+        <a:xfrm>
+          <a:off x="0" y="0"/>
+          <a:ext cx="0" cy="0"/>
+          <a:chOff x="0" y="0"/>
+          <a:chExt cx="0" cy="0"/>
+        </a:xfrm>
+      </p:grpSpPr>
+      <p:sp>
+        <p:nvSpPr>
+          <p:cNvPr id="2" name="Titel 1">
+            <a:extLst>
+              <a:ext uri="{FF2B5EF4-FFF2-40B4-BE49-F238E27FC236}">
+                <a16:creationId xmlns:a16="http://schemas.microsoft.com/office/drawing/2014/main" id="{AC75C9C8-8382-A31D-5C3E-A1CDFB5E41D7}"/>
+              </a:ext>
+            </a:extLst>
+          </p:cNvPr>
+          <p:cNvSpPr>
+            <a:spLocks noGrp="1"/>
+          </p:cNvSpPr>
+          <p:nvPr>
+            <p:ph type="title"/>
+          </p:nvPr>
+        </p:nvSpPr>
+        <p:spPr/>
+        <p:txBody>
+          <a:bodyPr/>
+          <a:lstStyle/>
+          <a:p>
+            <a:r>
+              <a:rPr lang="de-DE" altLang="de-DE" dirty="0"/>
+              <a:t>Lokale Entwicklung mit Docker</a:t>
+            </a:r>
+            <a:endParaRPr lang="de-DE" dirty="0"/>
+          </a:p>
+        </p:txBody>
+      </p:sp>
+      <p:sp>
+        <p:nvSpPr>
+          <p:cNvPr id="3" name="Inhaltsplatzhalter 2">
+            <a:extLst>
+              <a:ext uri="{FF2B5EF4-FFF2-40B4-BE49-F238E27FC236}">
+                <a16:creationId xmlns:a16="http://schemas.microsoft.com/office/drawing/2014/main" id="{8F4EA8DE-16A8-DA66-9515-67185370CD98}"/>
+              </a:ext>
+            </a:extLst>
+          </p:cNvPr>
+          <p:cNvSpPr>
+            <a:spLocks noGrp="1"/>
+          </p:cNvSpPr>
+          <p:nvPr>
+            <p:ph idx="1"/>
+          </p:nvPr>
+        </p:nvSpPr>
+        <p:spPr>
+          <a:xfrm>
+            <a:off x="303213" y="1916832"/>
+            <a:ext cx="8516937" cy="3744416"/>
+          </a:xfrm>
+        </p:spPr>
+        <p:txBody>
+          <a:bodyPr/>
+          <a:lstStyle/>
+          <a:p>
+            <a:pPr>
+              <a:buFont typeface="Arial" panose="020B0604020202020204" pitchFamily="34" charset="0"/>
+              <a:buChar char="•"/>
+            </a:pPr>
+            <a:r>
+              <a:rPr lang="de-DE" dirty="0"/>
+              <a:t>Schritte einer Pipeline in Containern ausführen</a:t>
+            </a:r>
+          </a:p>
+          <a:p>
+            <a:pPr>
+              <a:buFont typeface="Arial" panose="020B0604020202020204" pitchFamily="34" charset="0"/>
+              <a:buChar char="•"/>
+            </a:pPr>
+            <a:r>
+              <a:rPr lang="de-DE" dirty="0"/>
+              <a:t>Zuverlässig</a:t>
+            </a:r>
+          </a:p>
+          <a:p>
+            <a:pPr>
+              <a:buFont typeface="Arial" panose="020B0604020202020204" pitchFamily="34" charset="0"/>
+              <a:buChar char="•"/>
+            </a:pPr>
+            <a:r>
+              <a:rPr lang="de-DE" dirty="0"/>
+              <a:t>Ein Container pro Stage</a:t>
+            </a:r>
+          </a:p>
+          <a:p>
+            <a:pPr>
+              <a:buFont typeface="Arial" panose="020B0604020202020204" pitchFamily="34" charset="0"/>
+              <a:buChar char="•"/>
+            </a:pPr>
+            <a:r>
+              <a:rPr lang="de-DE" dirty="0"/>
+              <a:t>Verschiedene Umgebungen</a:t>
+            </a:r>
+          </a:p>
+          <a:p>
+            <a:pPr>
+              <a:buFont typeface="Arial" panose="020B0604020202020204" pitchFamily="34" charset="0"/>
+              <a:buChar char="•"/>
+            </a:pPr>
+            <a:r>
+              <a:rPr lang="de-DE" dirty="0"/>
+              <a:t>Abgekapselt</a:t>
+            </a:r>
+          </a:p>
+        </p:txBody>
+      </p:sp>
+      <p:sp>
+        <p:nvSpPr>
+          <p:cNvPr id="4" name="Textfeld 3">
+            <a:extLst>
+              <a:ext uri="{FF2B5EF4-FFF2-40B4-BE49-F238E27FC236}">
+                <a16:creationId xmlns:a16="http://schemas.microsoft.com/office/drawing/2014/main" id="{6D05E526-4370-4B74-4737-5D60274AF541}"/>
+              </a:ext>
+            </a:extLst>
+          </p:cNvPr>
+          <p:cNvSpPr txBox="1"/>
+          <p:nvPr/>
+        </p:nvSpPr>
+        <p:spPr bwMode="auto">
+          <a:xfrm>
+            <a:off x="285720" y="1196752"/>
+            <a:ext cx="8516937" cy="584775"/>
+          </a:xfrm>
+          <a:prstGeom prst="rect">
+            <a:avLst/>
+          </a:prstGeom>
+          <a:noFill/>
+          <a:ln w="9525">
+            <a:noFill/>
+            <a:miter lim="800000"/>
+            <a:headEnd/>
+            <a:tailEnd/>
+          </a:ln>
+        </p:spPr>
+        <p:txBody>
+          <a:bodyPr wrap="square" rtlCol="0" anchor="ctr">
+            <a:spAutoFit/>
+          </a:bodyPr>
+          <a:lstStyle/>
+          <a:p>
+            <a:pPr algn="ctr" eaLnBrk="1" hangingPunct="1"/>
+            <a:r>
+              <a:rPr lang="de-DE" sz="3200" dirty="0">
+                <a:latin typeface="+mj-lt"/>
+              </a:rPr>
+              <a:t>Integration mit </a:t>
+            </a:r>
+            <a:r>
+              <a:rPr lang="de-DE" sz="3200" dirty="0" err="1">
+                <a:latin typeface="+mj-lt"/>
+              </a:rPr>
+              <a:t>Gitlabs</a:t>
+            </a:r>
+            <a:r>
+              <a:rPr lang="de-DE" sz="3200" dirty="0">
+                <a:latin typeface="+mj-lt"/>
+              </a:rPr>
+              <a:t>-CI</a:t>
+            </a:r>
+          </a:p>
+        </p:txBody>
+      </p:sp>
+      <p:pic>
+        <p:nvPicPr>
+          <p:cNvPr id="6" name="Grafik 5" descr="Ein Bild, das Text, Schrift, Screenshot, Design enthält.&#10;&#10;Automatisch generierte Beschreibung">
+            <a:extLst>
+              <a:ext uri="{FF2B5EF4-FFF2-40B4-BE49-F238E27FC236}">
+                <a16:creationId xmlns:a16="http://schemas.microsoft.com/office/drawing/2014/main" id="{D71E69EE-B2A2-3342-5B33-68225B5CCAB9}"/>
+              </a:ext>
+            </a:extLst>
+          </p:cNvPr>
+          <p:cNvPicPr>
+            <a:picLocks noChangeAspect="1"/>
+          </p:cNvPicPr>
+          <p:nvPr/>
+        </p:nvPicPr>
+        <p:blipFill>
+          <a:blip r:embed="rId2">
+            <a:extLst>
+              <a:ext uri="{28A0092B-C50C-407E-A947-70E740481C1C}">
+                <a14:useLocalDpi xmlns:a14="http://schemas.microsoft.com/office/drawing/2010/main" val="0"/>
+              </a:ext>
+            </a:extLst>
+          </a:blip>
+          <a:stretch>
+            <a:fillRect/>
+          </a:stretch>
+        </p:blipFill>
+        <p:spPr>
+          <a:xfrm>
+            <a:off x="5840383" y="2798961"/>
+            <a:ext cx="2718489" cy="3127048"/>
+          </a:xfrm>
+          <a:prstGeom prst="rect">
+            <a:avLst/>
+          </a:prstGeom>
+          <a:effectLst>
+            <a:softEdge rad="50800"/>
+          </a:effectLst>
+        </p:spPr>
+      </p:pic>
+    </p:spTree>
+    <p:extLst>
+      <p:ext uri="{BB962C8B-B14F-4D97-AF65-F5344CB8AC3E}">
+        <p14:creationId xmlns:p14="http://schemas.microsoft.com/office/powerpoint/2010/main" val="3524195620"/>
+      </p:ext>
+    </p:extLst>
+  </p:cSld>
+  <p:clrMapOvr>
+    <a:masterClrMapping/>
+  </p:clrMapOvr>
+</p:sld>
+</file>
+
+<file path=ppt/slides/slide17.xml><?xml version="1.0" encoding="utf-8"?>
 <p:sld xmlns:a="http://schemas.openxmlformats.org/drawingml/2006/main" xmlns:r="http://schemas.openxmlformats.org/officeDocument/2006/relationships" xmlns:p="http://schemas.openxmlformats.org/presentationml/2006/main">
   <p:cSld>
     <p:spTree>
@@ -7804,6 +8617,323 @@
 </file>
 
 <file path=ppt/slides/slide4.xml><?xml version="1.0" encoding="utf-8"?>
+<p:sld xmlns:a="http://schemas.openxmlformats.org/drawingml/2006/main" xmlns:r="http://schemas.openxmlformats.org/officeDocument/2006/relationships" xmlns:p="http://schemas.openxmlformats.org/presentationml/2006/main">
+  <p:cSld>
+    <p:spTree>
+      <p:nvGrpSpPr>
+        <p:cNvPr id="1" name=""/>
+        <p:cNvGrpSpPr/>
+        <p:nvPr/>
+      </p:nvGrpSpPr>
+      <p:grpSpPr>
+        <a:xfrm>
+          <a:off x="0" y="0"/>
+          <a:ext cx="0" cy="0"/>
+          <a:chOff x="0" y="0"/>
+          <a:chExt cx="0" cy="0"/>
+        </a:xfrm>
+      </p:grpSpPr>
+      <p:sp>
+        <p:nvSpPr>
+          <p:cNvPr id="2" name="Titel 1">
+            <a:extLst>
+              <a:ext uri="{FF2B5EF4-FFF2-40B4-BE49-F238E27FC236}">
+                <a16:creationId xmlns:a16="http://schemas.microsoft.com/office/drawing/2014/main" id="{26FFBC5D-31BA-6F29-1307-97E4E666E11D}"/>
+              </a:ext>
+            </a:extLst>
+          </p:cNvPr>
+          <p:cNvSpPr>
+            <a:spLocks noGrp="1"/>
+          </p:cNvSpPr>
+          <p:nvPr>
+            <p:ph type="title"/>
+          </p:nvPr>
+        </p:nvSpPr>
+        <p:spPr/>
+        <p:txBody>
+          <a:bodyPr/>
+          <a:lstStyle/>
+          <a:p>
+            <a:r>
+              <a:rPr lang="de-DE" altLang="de-DE" dirty="0"/>
+              <a:t>Lokale Entwicklung mit Docker</a:t>
+            </a:r>
+            <a:endParaRPr lang="de-DE" dirty="0"/>
+          </a:p>
+        </p:txBody>
+      </p:sp>
+      <p:pic>
+        <p:nvPicPr>
+          <p:cNvPr id="6" name="Inhaltsplatzhalter 5" descr="Ein Bild, das Text, Screenshot, Diagramm, parallel enthält.&#10;&#10;Automatisch generierte Beschreibung">
+            <a:extLst>
+              <a:ext uri="{FF2B5EF4-FFF2-40B4-BE49-F238E27FC236}">
+                <a16:creationId xmlns:a16="http://schemas.microsoft.com/office/drawing/2014/main" id="{691D6D46-577F-757D-73CB-39F98A2B11AD}"/>
+              </a:ext>
+            </a:extLst>
+          </p:cNvPr>
+          <p:cNvPicPr>
+            <a:picLocks noGrp="1" noChangeAspect="1"/>
+          </p:cNvPicPr>
+          <p:nvPr>
+            <p:ph idx="1"/>
+          </p:nvPr>
+        </p:nvPicPr>
+        <p:blipFill>
+          <a:blip r:embed="rId2">
+            <a:extLst>
+              <a:ext uri="{28A0092B-C50C-407E-A947-70E740481C1C}">
+                <a14:useLocalDpi xmlns:a14="http://schemas.microsoft.com/office/drawing/2010/main" val="0"/>
+              </a:ext>
+            </a:extLst>
+          </a:blip>
+          <a:stretch>
+            <a:fillRect/>
+          </a:stretch>
+        </p:blipFill>
+        <p:spPr>
+          <a:xfrm>
+            <a:off x="907045" y="2090271"/>
+            <a:ext cx="7329910" cy="3870050"/>
+          </a:xfrm>
+        </p:spPr>
+      </p:pic>
+      <p:sp>
+        <p:nvSpPr>
+          <p:cNvPr id="4" name="Textfeld 3">
+            <a:extLst>
+              <a:ext uri="{FF2B5EF4-FFF2-40B4-BE49-F238E27FC236}">
+                <a16:creationId xmlns:a16="http://schemas.microsoft.com/office/drawing/2014/main" id="{B4323966-8051-9371-9650-27BE4F108771}"/>
+              </a:ext>
+            </a:extLst>
+          </p:cNvPr>
+          <p:cNvSpPr txBox="1"/>
+          <p:nvPr/>
+        </p:nvSpPr>
+        <p:spPr bwMode="auto">
+          <a:xfrm>
+            <a:off x="323528" y="1181364"/>
+            <a:ext cx="8496944" cy="584775"/>
+          </a:xfrm>
+          <a:prstGeom prst="rect">
+            <a:avLst/>
+          </a:prstGeom>
+          <a:noFill/>
+          <a:ln w="9525">
+            <a:noFill/>
+            <a:miter lim="800000"/>
+            <a:headEnd/>
+            <a:tailEnd/>
+          </a:ln>
+        </p:spPr>
+        <p:txBody>
+          <a:bodyPr wrap="square" rtlCol="0" anchor="ctr">
+            <a:spAutoFit/>
+          </a:bodyPr>
+          <a:lstStyle/>
+          <a:p>
+            <a:pPr algn="ctr" eaLnBrk="1" hangingPunct="1"/>
+            <a:r>
+              <a:rPr lang="de-DE" sz="3200" dirty="0">
+                <a:latin typeface="+mj-lt"/>
+              </a:rPr>
+              <a:t>Docker Infrastruktur</a:t>
+            </a:r>
+          </a:p>
+        </p:txBody>
+      </p:sp>
+    </p:spTree>
+    <p:extLst>
+      <p:ext uri="{BB962C8B-B14F-4D97-AF65-F5344CB8AC3E}">
+        <p14:creationId xmlns:p14="http://schemas.microsoft.com/office/powerpoint/2010/main" val="799554079"/>
+      </p:ext>
+    </p:extLst>
+  </p:cSld>
+  <p:clrMapOvr>
+    <a:masterClrMapping/>
+  </p:clrMapOvr>
+</p:sld>
+</file>
+
+<file path=ppt/slides/slide5.xml><?xml version="1.0" encoding="utf-8"?>
+<p:sld xmlns:a="http://schemas.openxmlformats.org/drawingml/2006/main" xmlns:r="http://schemas.openxmlformats.org/officeDocument/2006/relationships" xmlns:p="http://schemas.openxmlformats.org/presentationml/2006/main">
+  <p:cSld>
+    <p:spTree>
+      <p:nvGrpSpPr>
+        <p:cNvPr id="1" name=""/>
+        <p:cNvGrpSpPr/>
+        <p:nvPr/>
+      </p:nvGrpSpPr>
+      <p:grpSpPr>
+        <a:xfrm>
+          <a:off x="0" y="0"/>
+          <a:ext cx="0" cy="0"/>
+          <a:chOff x="0" y="0"/>
+          <a:chExt cx="0" cy="0"/>
+        </a:xfrm>
+      </p:grpSpPr>
+      <p:sp>
+        <p:nvSpPr>
+          <p:cNvPr id="2" name="Titel 1">
+            <a:extLst>
+              <a:ext uri="{FF2B5EF4-FFF2-40B4-BE49-F238E27FC236}">
+                <a16:creationId xmlns:a16="http://schemas.microsoft.com/office/drawing/2014/main" id="{26FFBC5D-31BA-6F29-1307-97E4E666E11D}"/>
+              </a:ext>
+            </a:extLst>
+          </p:cNvPr>
+          <p:cNvSpPr>
+            <a:spLocks noGrp="1"/>
+          </p:cNvSpPr>
+          <p:nvPr>
+            <p:ph type="title"/>
+          </p:nvPr>
+        </p:nvSpPr>
+        <p:spPr/>
+        <p:txBody>
+          <a:bodyPr/>
+          <a:lstStyle/>
+          <a:p>
+            <a:r>
+              <a:rPr lang="de-DE" altLang="de-DE" dirty="0"/>
+              <a:t>Lokale Entwicklung mit Docker</a:t>
+            </a:r>
+            <a:endParaRPr lang="de-DE" dirty="0"/>
+          </a:p>
+        </p:txBody>
+      </p:sp>
+      <p:sp>
+        <p:nvSpPr>
+          <p:cNvPr id="4" name="Textfeld 3">
+            <a:extLst>
+              <a:ext uri="{FF2B5EF4-FFF2-40B4-BE49-F238E27FC236}">
+                <a16:creationId xmlns:a16="http://schemas.microsoft.com/office/drawing/2014/main" id="{B4323966-8051-9371-9650-27BE4F108771}"/>
+              </a:ext>
+            </a:extLst>
+          </p:cNvPr>
+          <p:cNvSpPr txBox="1"/>
+          <p:nvPr/>
+        </p:nvSpPr>
+        <p:spPr bwMode="auto">
+          <a:xfrm>
+            <a:off x="323528" y="1181364"/>
+            <a:ext cx="8496944" cy="584775"/>
+          </a:xfrm>
+          <a:prstGeom prst="rect">
+            <a:avLst/>
+          </a:prstGeom>
+          <a:noFill/>
+          <a:ln w="9525">
+            <a:noFill/>
+            <a:miter lim="800000"/>
+            <a:headEnd/>
+            <a:tailEnd/>
+          </a:ln>
+        </p:spPr>
+        <p:txBody>
+          <a:bodyPr wrap="square" rtlCol="0" anchor="ctr">
+            <a:spAutoFit/>
+          </a:bodyPr>
+          <a:lstStyle/>
+          <a:p>
+            <a:pPr algn="ctr" eaLnBrk="1" hangingPunct="1"/>
+            <a:r>
+              <a:rPr lang="de-DE" sz="3200" dirty="0">
+                <a:latin typeface="+mj-lt"/>
+              </a:rPr>
+              <a:t>Docker Infrastruktur</a:t>
+            </a:r>
+          </a:p>
+        </p:txBody>
+      </p:sp>
+      <p:sp>
+        <p:nvSpPr>
+          <p:cNvPr id="3" name="Inhaltsplatzhalter 2">
+            <a:extLst>
+              <a:ext uri="{FF2B5EF4-FFF2-40B4-BE49-F238E27FC236}">
+                <a16:creationId xmlns:a16="http://schemas.microsoft.com/office/drawing/2014/main" id="{0A977AFF-265E-341B-4B1F-56E1BB023E66}"/>
+              </a:ext>
+            </a:extLst>
+          </p:cNvPr>
+          <p:cNvSpPr>
+            <a:spLocks noGrp="1"/>
+          </p:cNvSpPr>
+          <p:nvPr>
+            <p:ph idx="1"/>
+          </p:nvPr>
+        </p:nvSpPr>
+        <p:spPr>
+          <a:xfrm>
+            <a:off x="303213" y="2090271"/>
+            <a:ext cx="8516937" cy="4291479"/>
+          </a:xfrm>
+        </p:spPr>
+        <p:txBody>
+          <a:bodyPr/>
+          <a:lstStyle/>
+          <a:p>
+            <a:pPr>
+              <a:buFont typeface="Arial" panose="020B0604020202020204" pitchFamily="34" charset="0"/>
+              <a:buChar char="•"/>
+            </a:pPr>
+            <a:r>
+              <a:rPr lang="de-DE" dirty="0"/>
+              <a:t>Docker Client Kommuniziert mit </a:t>
+            </a:r>
+            <a:r>
+              <a:rPr lang="de-DE" dirty="0" err="1"/>
+              <a:t>daemon</a:t>
+            </a:r>
+            <a:r>
+              <a:rPr lang="de-DE" dirty="0"/>
+              <a:t> auf dem Server</a:t>
+            </a:r>
+          </a:p>
+          <a:p>
+            <a:pPr>
+              <a:buFont typeface="Arial" panose="020B0604020202020204" pitchFamily="34" charset="0"/>
+              <a:buChar char="•"/>
+            </a:pPr>
+            <a:r>
+              <a:rPr lang="de-DE" dirty="0" err="1"/>
+              <a:t>Daemon</a:t>
+            </a:r>
+            <a:r>
+              <a:rPr lang="de-DE" dirty="0"/>
+              <a:t> übernimmt die meiste Arbeit</a:t>
+            </a:r>
+          </a:p>
+          <a:p>
+            <a:pPr>
+              <a:buFont typeface="Arial" panose="020B0604020202020204" pitchFamily="34" charset="0"/>
+              <a:buChar char="•"/>
+            </a:pPr>
+            <a:r>
+              <a:rPr lang="de-DE" dirty="0"/>
+              <a:t>Client und Server können auf dem gleichen System sein</a:t>
+            </a:r>
+          </a:p>
+          <a:p>
+            <a:pPr>
+              <a:buFont typeface="Arial" panose="020B0604020202020204" pitchFamily="34" charset="0"/>
+              <a:buChar char="•"/>
+            </a:pPr>
+            <a:endParaRPr lang="de-DE" dirty="0"/>
+          </a:p>
+        </p:txBody>
+      </p:sp>
+    </p:spTree>
+    <p:extLst>
+      <p:ext uri="{BB962C8B-B14F-4D97-AF65-F5344CB8AC3E}">
+        <p14:creationId xmlns:p14="http://schemas.microsoft.com/office/powerpoint/2010/main" val="2429737609"/>
+      </p:ext>
+    </p:extLst>
+  </p:cSld>
+  <p:clrMapOvr>
+    <a:masterClrMapping/>
+  </p:clrMapOvr>
+</p:sld>
+</file>
+
+<file path=ppt/slides/slide6.xml><?xml version="1.0" encoding="utf-8"?>
 <p:sld xmlns:a="http://schemas.openxmlformats.org/drawingml/2006/main" xmlns:r="http://schemas.openxmlformats.org/officeDocument/2006/relationships" xmlns:p="http://schemas.openxmlformats.org/presentationml/2006/main">
   <p:cSld>
     <p:spTree>
@@ -8052,7 +9182,7 @@
 </p:sld>
 </file>
 
-<file path=ppt/slides/slide5.xml><?xml version="1.0" encoding="utf-8"?>
+<file path=ppt/slides/slide7.xml><?xml version="1.0" encoding="utf-8"?>
 <p:sld xmlns:a="http://schemas.openxmlformats.org/drawingml/2006/main" xmlns:r="http://schemas.openxmlformats.org/officeDocument/2006/relationships" xmlns:p="http://schemas.openxmlformats.org/presentationml/2006/main">
   <p:cSld>
     <p:spTree>
@@ -8277,7 +9407,7 @@
 </p:sld>
 </file>
 
-<file path=ppt/slides/slide6.xml><?xml version="1.0" encoding="utf-8"?>
+<file path=ppt/slides/slide8.xml><?xml version="1.0" encoding="utf-8"?>
 <p:sld xmlns:a="http://schemas.openxmlformats.org/drawingml/2006/main" xmlns:r="http://schemas.openxmlformats.org/officeDocument/2006/relationships" xmlns:p="http://schemas.openxmlformats.org/presentationml/2006/main">
   <p:cSld>
     <p:spTree>
@@ -8733,7 +9863,7 @@
 </p:sld>
 </file>
 
-<file path=ppt/slides/slide7.xml><?xml version="1.0" encoding="utf-8"?>
+<file path=ppt/slides/slide9.xml><?xml version="1.0" encoding="utf-8"?>
 <p:sld xmlns:a="http://schemas.openxmlformats.org/drawingml/2006/main" xmlns:r="http://schemas.openxmlformats.org/officeDocument/2006/relationships" xmlns:p="http://schemas.openxmlformats.org/presentationml/2006/main">
   <p:cSld>
     <p:spTree>
@@ -8942,585 +10072,6 @@
     <p:extLst>
       <p:ext uri="{BB962C8B-B14F-4D97-AF65-F5344CB8AC3E}">
         <p14:creationId xmlns:p14="http://schemas.microsoft.com/office/powerpoint/2010/main" val="2209957316"/>
-      </p:ext>
-    </p:extLst>
-  </p:cSld>
-  <p:clrMapOvr>
-    <a:masterClrMapping/>
-  </p:clrMapOvr>
-</p:sld>
-</file>
-
-<file path=ppt/slides/slide8.xml><?xml version="1.0" encoding="utf-8"?>
-<p:sld xmlns:a="http://schemas.openxmlformats.org/drawingml/2006/main" xmlns:r="http://schemas.openxmlformats.org/officeDocument/2006/relationships" xmlns:p="http://schemas.openxmlformats.org/presentationml/2006/main">
-  <p:cSld>
-    <p:spTree>
-      <p:nvGrpSpPr>
-        <p:cNvPr id="1" name=""/>
-        <p:cNvGrpSpPr/>
-        <p:nvPr/>
-      </p:nvGrpSpPr>
-      <p:grpSpPr>
-        <a:xfrm>
-          <a:off x="0" y="0"/>
-          <a:ext cx="0" cy="0"/>
-          <a:chOff x="0" y="0"/>
-          <a:chExt cx="0" cy="0"/>
-        </a:xfrm>
-      </p:grpSpPr>
-      <p:sp>
-        <p:nvSpPr>
-          <p:cNvPr id="2" name="Titel 1">
-            <a:extLst>
-              <a:ext uri="{FF2B5EF4-FFF2-40B4-BE49-F238E27FC236}">
-                <a16:creationId xmlns:a16="http://schemas.microsoft.com/office/drawing/2014/main" id="{850FF3C7-B3ED-0A8B-5D14-2B093646715A}"/>
-              </a:ext>
-            </a:extLst>
-          </p:cNvPr>
-          <p:cNvSpPr>
-            <a:spLocks noGrp="1"/>
-          </p:cNvSpPr>
-          <p:nvPr>
-            <p:ph type="title"/>
-          </p:nvPr>
-        </p:nvSpPr>
-        <p:spPr/>
-        <p:txBody>
-          <a:bodyPr/>
-          <a:lstStyle/>
-          <a:p>
-            <a:r>
-              <a:rPr lang="de-DE" altLang="de-DE" dirty="0"/>
-              <a:t>Lokale Entwicklung mit Docker</a:t>
-            </a:r>
-            <a:endParaRPr lang="de-DE" dirty="0"/>
-          </a:p>
-        </p:txBody>
-      </p:sp>
-      <p:sp>
-        <p:nvSpPr>
-          <p:cNvPr id="3" name="Inhaltsplatzhalter 2">
-            <a:extLst>
-              <a:ext uri="{FF2B5EF4-FFF2-40B4-BE49-F238E27FC236}">
-                <a16:creationId xmlns:a16="http://schemas.microsoft.com/office/drawing/2014/main" id="{0DC67BCE-F3AB-A77C-5BBC-4F0D1EB74590}"/>
-              </a:ext>
-            </a:extLst>
-          </p:cNvPr>
-          <p:cNvSpPr>
-            <a:spLocks noGrp="1"/>
-          </p:cNvSpPr>
-          <p:nvPr>
-            <p:ph idx="1"/>
-          </p:nvPr>
-        </p:nvSpPr>
-        <p:spPr>
-          <a:xfrm>
-            <a:off x="303213" y="2996952"/>
-            <a:ext cx="8516937" cy="3384798"/>
-          </a:xfrm>
-        </p:spPr>
-        <p:txBody>
-          <a:bodyPr/>
-          <a:lstStyle/>
-          <a:p>
-            <a:pPr>
-              <a:buFont typeface="Arial" panose="020B0604020202020204" pitchFamily="34" charset="0"/>
-              <a:buChar char="•"/>
-            </a:pPr>
-            <a:r>
-              <a:rPr lang="de-DE" dirty="0" err="1"/>
-              <a:t>docker</a:t>
-            </a:r>
-            <a:r>
-              <a:rPr lang="de-DE" dirty="0"/>
-              <a:t> </a:t>
-            </a:r>
-            <a:r>
-              <a:rPr lang="de-DE" dirty="0" err="1"/>
-              <a:t>build</a:t>
-            </a:r>
-            <a:r>
-              <a:rPr lang="de-DE" dirty="0"/>
-              <a:t>: Befehl für Bauen von Images</a:t>
-            </a:r>
-          </a:p>
-          <a:p>
-            <a:pPr>
-              <a:buFont typeface="Arial" panose="020B0604020202020204" pitchFamily="34" charset="0"/>
-              <a:buChar char="•"/>
-            </a:pPr>
-            <a:r>
-              <a:rPr lang="de-DE" dirty="0"/>
-              <a:t>-t </a:t>
-            </a:r>
-            <a:r>
-              <a:rPr lang="de-DE" dirty="0" err="1"/>
-              <a:t>example</a:t>
-            </a:r>
-            <a:r>
-              <a:rPr lang="de-DE" dirty="0"/>
-              <a:t>: Gibt dem erstellten Image einen Tag</a:t>
-            </a:r>
-          </a:p>
-          <a:p>
-            <a:pPr>
-              <a:buFont typeface="Arial" panose="020B0604020202020204" pitchFamily="34" charset="0"/>
-              <a:buChar char="•"/>
-            </a:pPr>
-            <a:r>
-              <a:rPr lang="de-DE" dirty="0"/>
-              <a:t>Verzeichnis aus dem das Image erstellt wird</a:t>
-            </a:r>
-          </a:p>
-          <a:p>
-            <a:pPr>
-              <a:buFont typeface="Arial" panose="020B0604020202020204" pitchFamily="34" charset="0"/>
-              <a:buChar char="•"/>
-            </a:pPr>
-            <a:r>
-              <a:rPr lang="de-DE" dirty="0" err="1"/>
-              <a:t>Dockerfile</a:t>
-            </a:r>
-            <a:r>
-              <a:rPr lang="de-DE" dirty="0"/>
-              <a:t> </a:t>
-            </a:r>
-            <a:r>
-              <a:rPr lang="de-DE" dirty="0" err="1"/>
-              <a:t>names</a:t>
-            </a:r>
-            <a:r>
-              <a:rPr lang="de-DE" dirty="0"/>
-              <a:t> „</a:t>
-            </a:r>
-            <a:r>
-              <a:rPr lang="de-DE" dirty="0" err="1"/>
-              <a:t>Dockerfile</a:t>
-            </a:r>
-            <a:r>
-              <a:rPr lang="de-DE" dirty="0"/>
-              <a:t>“ im Verzeichnis</a:t>
-            </a:r>
-          </a:p>
-        </p:txBody>
-      </p:sp>
-      <p:sp>
-        <p:nvSpPr>
-          <p:cNvPr id="4" name="Textfeld 3">
-            <a:extLst>
-              <a:ext uri="{FF2B5EF4-FFF2-40B4-BE49-F238E27FC236}">
-                <a16:creationId xmlns:a16="http://schemas.microsoft.com/office/drawing/2014/main" id="{575FEA88-C68F-924B-C800-0C8D6BD744B1}"/>
-              </a:ext>
-            </a:extLst>
-          </p:cNvPr>
-          <p:cNvSpPr txBox="1"/>
-          <p:nvPr/>
-        </p:nvSpPr>
-        <p:spPr bwMode="auto">
-          <a:xfrm>
-            <a:off x="285720" y="1264406"/>
-            <a:ext cx="8516937" cy="584775"/>
-          </a:xfrm>
-          <a:prstGeom prst="rect">
-            <a:avLst/>
-          </a:prstGeom>
-          <a:noFill/>
-          <a:ln w="9525">
-            <a:noFill/>
-            <a:miter lim="800000"/>
-            <a:headEnd/>
-            <a:tailEnd/>
-          </a:ln>
-        </p:spPr>
-        <p:txBody>
-          <a:bodyPr wrap="square" rtlCol="0" anchor="ctr">
-            <a:spAutoFit/>
-          </a:bodyPr>
-          <a:lstStyle/>
-          <a:p>
-            <a:pPr algn="ctr" eaLnBrk="1" hangingPunct="1"/>
-            <a:r>
-              <a:rPr lang="de-DE" sz="3200" dirty="0">
-                <a:latin typeface="+mj-lt"/>
-              </a:rPr>
-              <a:t>Erstellen von Images</a:t>
-            </a:r>
-          </a:p>
-        </p:txBody>
-      </p:sp>
-      <p:sp>
-        <p:nvSpPr>
-          <p:cNvPr id="5" name="Textfeld 4">
-            <a:extLst>
-              <a:ext uri="{FF2B5EF4-FFF2-40B4-BE49-F238E27FC236}">
-                <a16:creationId xmlns:a16="http://schemas.microsoft.com/office/drawing/2014/main" id="{AA8B9AE6-EF63-25CA-4D6B-117E7B727411}"/>
-              </a:ext>
-            </a:extLst>
-          </p:cNvPr>
-          <p:cNvSpPr txBox="1"/>
-          <p:nvPr/>
-        </p:nvSpPr>
-        <p:spPr bwMode="auto">
-          <a:xfrm>
-            <a:off x="297818" y="2192234"/>
-            <a:ext cx="8516937" cy="461665"/>
-          </a:xfrm>
-          <a:prstGeom prst="rect">
-            <a:avLst/>
-          </a:prstGeom>
-          <a:solidFill>
-            <a:schemeClr val="bg1">
-              <a:lumMod val="85000"/>
-            </a:schemeClr>
-          </a:solidFill>
-          <a:ln w="9525">
-            <a:noFill/>
-            <a:miter lim="800000"/>
-            <a:headEnd/>
-            <a:tailEnd/>
-          </a:ln>
-          <a:effectLst>
-            <a:softEdge rad="25400"/>
-          </a:effectLst>
-        </p:spPr>
-        <p:txBody>
-          <a:bodyPr wrap="square" rtlCol="0" anchor="ctr">
-            <a:spAutoFit/>
-          </a:bodyPr>
-          <a:lstStyle/>
-          <a:p>
-            <a:pPr algn="ctr" eaLnBrk="1" hangingPunct="1"/>
-            <a:r>
-              <a:rPr lang="de-DE" dirty="0" err="1">
-                <a:latin typeface="Arial" charset="0"/>
-              </a:rPr>
-              <a:t>docker</a:t>
-            </a:r>
-            <a:r>
-              <a:rPr lang="de-DE" dirty="0">
-                <a:latin typeface="Arial" charset="0"/>
-              </a:rPr>
-              <a:t> </a:t>
-            </a:r>
-            <a:r>
-              <a:rPr lang="de-DE" dirty="0" err="1">
-                <a:latin typeface="Arial" charset="0"/>
-              </a:rPr>
-              <a:t>build</a:t>
-            </a:r>
-            <a:r>
-              <a:rPr lang="de-DE" dirty="0">
-                <a:latin typeface="Arial" charset="0"/>
-              </a:rPr>
-              <a:t> -t </a:t>
-            </a:r>
-            <a:r>
-              <a:rPr lang="de-DE" dirty="0" err="1">
-                <a:latin typeface="Arial" charset="0"/>
-              </a:rPr>
-              <a:t>example</a:t>
-            </a:r>
-            <a:r>
-              <a:rPr lang="de-DE" dirty="0">
-                <a:latin typeface="Arial" charset="0"/>
-              </a:rPr>
-              <a:t> .</a:t>
-            </a:r>
-          </a:p>
-        </p:txBody>
-      </p:sp>
-    </p:spTree>
-    <p:extLst>
-      <p:ext uri="{BB962C8B-B14F-4D97-AF65-F5344CB8AC3E}">
-        <p14:creationId xmlns:p14="http://schemas.microsoft.com/office/powerpoint/2010/main" val="1459689168"/>
-      </p:ext>
-    </p:extLst>
-  </p:cSld>
-  <p:clrMapOvr>
-    <a:masterClrMapping/>
-  </p:clrMapOvr>
-</p:sld>
-</file>
-
-<file path=ppt/slides/slide9.xml><?xml version="1.0" encoding="utf-8"?>
-<p:sld xmlns:a="http://schemas.openxmlformats.org/drawingml/2006/main" xmlns:r="http://schemas.openxmlformats.org/officeDocument/2006/relationships" xmlns:p="http://schemas.openxmlformats.org/presentationml/2006/main">
-  <p:cSld>
-    <p:spTree>
-      <p:nvGrpSpPr>
-        <p:cNvPr id="1" name=""/>
-        <p:cNvGrpSpPr/>
-        <p:nvPr/>
-      </p:nvGrpSpPr>
-      <p:grpSpPr>
-        <a:xfrm>
-          <a:off x="0" y="0"/>
-          <a:ext cx="0" cy="0"/>
-          <a:chOff x="0" y="0"/>
-          <a:chExt cx="0" cy="0"/>
-        </a:xfrm>
-      </p:grpSpPr>
-      <p:sp>
-        <p:nvSpPr>
-          <p:cNvPr id="2" name="Titel 1">
-            <a:extLst>
-              <a:ext uri="{FF2B5EF4-FFF2-40B4-BE49-F238E27FC236}">
-                <a16:creationId xmlns:a16="http://schemas.microsoft.com/office/drawing/2014/main" id="{95863F39-AC6F-C91A-BC48-29EE6581525D}"/>
-              </a:ext>
-            </a:extLst>
-          </p:cNvPr>
-          <p:cNvSpPr>
-            <a:spLocks noGrp="1"/>
-          </p:cNvSpPr>
-          <p:nvPr>
-            <p:ph type="title"/>
-          </p:nvPr>
-        </p:nvSpPr>
-        <p:spPr/>
-        <p:txBody>
-          <a:bodyPr/>
-          <a:lstStyle/>
-          <a:p>
-            <a:r>
-              <a:rPr lang="de-DE" altLang="de-DE" dirty="0"/>
-              <a:t>Lokale Entwicklung mit Docker</a:t>
-            </a:r>
-            <a:endParaRPr lang="de-DE" dirty="0"/>
-          </a:p>
-        </p:txBody>
-      </p:sp>
-      <p:sp>
-        <p:nvSpPr>
-          <p:cNvPr id="3" name="Inhaltsplatzhalter 2">
-            <a:extLst>
-              <a:ext uri="{FF2B5EF4-FFF2-40B4-BE49-F238E27FC236}">
-                <a16:creationId xmlns:a16="http://schemas.microsoft.com/office/drawing/2014/main" id="{3ED41AEE-F238-EA07-C91E-34B4C1C3FDC0}"/>
-              </a:ext>
-            </a:extLst>
-          </p:cNvPr>
-          <p:cNvSpPr>
-            <a:spLocks noGrp="1"/>
-          </p:cNvSpPr>
-          <p:nvPr>
-            <p:ph idx="1"/>
-          </p:nvPr>
-        </p:nvSpPr>
-        <p:spPr>
-          <a:xfrm>
-            <a:off x="303213" y="3429000"/>
-            <a:ext cx="8516937" cy="2952750"/>
-          </a:xfrm>
-        </p:spPr>
-        <p:txBody>
-          <a:bodyPr/>
-          <a:lstStyle/>
-          <a:p>
-            <a:pPr>
-              <a:buFont typeface="Arial" panose="020B0604020202020204" pitchFamily="34" charset="0"/>
-              <a:buChar char="•"/>
-            </a:pPr>
-            <a:r>
-              <a:rPr lang="de-DE" dirty="0" err="1"/>
-              <a:t>docker</a:t>
-            </a:r>
-            <a:r>
-              <a:rPr lang="de-DE" dirty="0"/>
-              <a:t> erstellt und startet einen Container</a:t>
-            </a:r>
-          </a:p>
-          <a:p>
-            <a:pPr>
-              <a:buFont typeface="Arial" panose="020B0604020202020204" pitchFamily="34" charset="0"/>
-              <a:buChar char="•"/>
-            </a:pPr>
-            <a:r>
-              <a:rPr lang="de-DE" dirty="0"/>
-              <a:t>mit --name können Container benannt werden</a:t>
-            </a:r>
-          </a:p>
-          <a:p>
-            <a:pPr>
-              <a:buFont typeface="Arial" panose="020B0604020202020204" pitchFamily="34" charset="0"/>
-              <a:buChar char="•"/>
-            </a:pPr>
-            <a:r>
-              <a:rPr lang="de-DE" dirty="0"/>
-              <a:t>Viele weitere Optionen je nach Image und Applikation</a:t>
-            </a:r>
-          </a:p>
-          <a:p>
-            <a:pPr>
-              <a:buFont typeface="Arial" panose="020B0604020202020204" pitchFamily="34" charset="0"/>
-              <a:buChar char="•"/>
-            </a:pPr>
-            <a:r>
-              <a:rPr lang="de-DE" dirty="0"/>
-              <a:t>Container haben Namen und ID zur Identifikation</a:t>
-            </a:r>
-          </a:p>
-        </p:txBody>
-      </p:sp>
-      <p:sp>
-        <p:nvSpPr>
-          <p:cNvPr id="5" name="Textfeld 4">
-            <a:extLst>
-              <a:ext uri="{FF2B5EF4-FFF2-40B4-BE49-F238E27FC236}">
-                <a16:creationId xmlns:a16="http://schemas.microsoft.com/office/drawing/2014/main" id="{02FEDFB1-88E0-0AE1-5A10-FF6902E93AA4}"/>
-              </a:ext>
-            </a:extLst>
-          </p:cNvPr>
-          <p:cNvSpPr txBox="1"/>
-          <p:nvPr/>
-        </p:nvSpPr>
-        <p:spPr bwMode="auto">
-          <a:xfrm>
-            <a:off x="285720" y="1264406"/>
-            <a:ext cx="8516937" cy="584775"/>
-          </a:xfrm>
-          <a:prstGeom prst="rect">
-            <a:avLst/>
-          </a:prstGeom>
-          <a:noFill/>
-          <a:ln w="9525">
-            <a:noFill/>
-            <a:miter lim="800000"/>
-            <a:headEnd/>
-            <a:tailEnd/>
-          </a:ln>
-        </p:spPr>
-        <p:txBody>
-          <a:bodyPr wrap="square" rtlCol="0" anchor="ctr">
-            <a:spAutoFit/>
-          </a:bodyPr>
-          <a:lstStyle/>
-          <a:p>
-            <a:pPr algn="ctr" eaLnBrk="1" hangingPunct="1"/>
-            <a:r>
-              <a:rPr lang="de-DE" sz="3200" dirty="0">
-                <a:latin typeface="+mj-lt"/>
-              </a:rPr>
-              <a:t>Erstellen von Containern</a:t>
-            </a:r>
-          </a:p>
-        </p:txBody>
-      </p:sp>
-      <p:sp>
-        <p:nvSpPr>
-          <p:cNvPr id="6" name="Textfeld 5">
-            <a:extLst>
-              <a:ext uri="{FF2B5EF4-FFF2-40B4-BE49-F238E27FC236}">
-                <a16:creationId xmlns:a16="http://schemas.microsoft.com/office/drawing/2014/main" id="{4ACC5388-79C6-75D2-C169-4274E8C247EA}"/>
-              </a:ext>
-            </a:extLst>
-          </p:cNvPr>
-          <p:cNvSpPr txBox="1"/>
-          <p:nvPr/>
-        </p:nvSpPr>
-        <p:spPr bwMode="auto">
-          <a:xfrm>
-            <a:off x="297818" y="2007568"/>
-            <a:ext cx="8516937" cy="830997"/>
-          </a:xfrm>
-          <a:prstGeom prst="rect">
-            <a:avLst/>
-          </a:prstGeom>
-          <a:solidFill>
-            <a:schemeClr val="bg1">
-              <a:lumMod val="85000"/>
-            </a:schemeClr>
-          </a:solidFill>
-          <a:ln w="9525">
-            <a:noFill/>
-            <a:miter lim="800000"/>
-            <a:headEnd/>
-            <a:tailEnd/>
-          </a:ln>
-          <a:effectLst>
-            <a:softEdge rad="25400"/>
-          </a:effectLst>
-        </p:spPr>
-        <p:txBody>
-          <a:bodyPr wrap="square" rtlCol="0" anchor="ctr">
-            <a:spAutoFit/>
-          </a:bodyPr>
-          <a:lstStyle/>
-          <a:p>
-            <a:pPr algn="ctr" eaLnBrk="1" hangingPunct="1"/>
-            <a:r>
-              <a:rPr lang="de-DE" dirty="0" err="1">
-                <a:latin typeface="Arial" charset="0"/>
-              </a:rPr>
-              <a:t>docker</a:t>
-            </a:r>
-            <a:r>
-              <a:rPr lang="de-DE" dirty="0">
-                <a:latin typeface="Arial" charset="0"/>
-              </a:rPr>
-              <a:t> </a:t>
-            </a:r>
-            <a:r>
-              <a:rPr lang="de-DE" dirty="0" err="1">
-                <a:latin typeface="Arial" charset="0"/>
-              </a:rPr>
-              <a:t>run</a:t>
-            </a:r>
-            <a:r>
-              <a:rPr lang="de-DE" dirty="0">
-                <a:latin typeface="Arial" charset="0"/>
-              </a:rPr>
-              <a:t> </a:t>
-            </a:r>
-            <a:r>
-              <a:rPr lang="de-DE" dirty="0" err="1">
-                <a:latin typeface="Arial" charset="0"/>
-              </a:rPr>
-              <a:t>example</a:t>
-            </a:r>
-            <a:endParaRPr lang="de-DE" dirty="0">
-              <a:latin typeface="Arial" charset="0"/>
-            </a:endParaRPr>
-          </a:p>
-          <a:p>
-            <a:pPr algn="ctr" eaLnBrk="1" hangingPunct="1"/>
-            <a:r>
-              <a:rPr lang="de-DE" dirty="0" err="1">
-                <a:latin typeface="Arial" charset="0"/>
-              </a:rPr>
-              <a:t>docker</a:t>
-            </a:r>
-            <a:r>
-              <a:rPr lang="de-DE" dirty="0">
-                <a:latin typeface="Arial" charset="0"/>
-              </a:rPr>
-              <a:t> </a:t>
-            </a:r>
-            <a:r>
-              <a:rPr lang="de-DE" dirty="0" err="1">
-                <a:latin typeface="Arial" charset="0"/>
-              </a:rPr>
-              <a:t>create</a:t>
-            </a:r>
-            <a:r>
-              <a:rPr lang="de-DE" dirty="0">
-                <a:latin typeface="Arial" charset="0"/>
-              </a:rPr>
-              <a:t> </a:t>
-            </a:r>
-            <a:r>
-              <a:rPr lang="de-DE" dirty="0" err="1">
-                <a:latin typeface="Arial" charset="0"/>
-              </a:rPr>
-              <a:t>example</a:t>
-            </a:r>
-            <a:endParaRPr lang="de-DE" dirty="0">
-              <a:latin typeface="Arial" charset="0"/>
-            </a:endParaRPr>
-          </a:p>
-        </p:txBody>
-      </p:sp>
-    </p:spTree>
-    <p:extLst>
-      <p:ext uri="{BB962C8B-B14F-4D97-AF65-F5344CB8AC3E}">
-        <p14:creationId xmlns:p14="http://schemas.microsoft.com/office/powerpoint/2010/main" val="4065056465"/>
       </p:ext>
     </p:extLst>
   </p:cSld>

--- a/slides/Tag-3_1-Docker.pptx
+++ b/slides/Tag-3_1-Docker.pptx
@@ -6,10 +6,10 @@
     <p:sldMasterId id="2147483649" r:id="rId2"/>
   </p:sldMasterIdLst>
   <p:notesMasterIdLst>
-    <p:notesMasterId r:id="rId20"/>
+    <p:notesMasterId r:id="rId21"/>
   </p:notesMasterIdLst>
   <p:handoutMasterIdLst>
-    <p:handoutMasterId r:id="rId21"/>
+    <p:handoutMasterId r:id="rId22"/>
   </p:handoutMasterIdLst>
   <p:sldIdLst>
     <p:sldId id="289" r:id="rId3"/>
@@ -19,16 +19,17 @@
     <p:sldId id="309" r:id="rId7"/>
     <p:sldId id="293" r:id="rId8"/>
     <p:sldId id="296" r:id="rId9"/>
-    <p:sldId id="298" r:id="rId10"/>
-    <p:sldId id="299" r:id="rId11"/>
-    <p:sldId id="300" r:id="rId12"/>
-    <p:sldId id="301" r:id="rId13"/>
-    <p:sldId id="302" r:id="rId14"/>
-    <p:sldId id="303" r:id="rId15"/>
-    <p:sldId id="305" r:id="rId16"/>
-    <p:sldId id="306" r:id="rId17"/>
-    <p:sldId id="307" r:id="rId18"/>
-    <p:sldId id="304" r:id="rId19"/>
+    <p:sldId id="310" r:id="rId10"/>
+    <p:sldId id="298" r:id="rId11"/>
+    <p:sldId id="299" r:id="rId12"/>
+    <p:sldId id="300" r:id="rId13"/>
+    <p:sldId id="301" r:id="rId14"/>
+    <p:sldId id="302" r:id="rId15"/>
+    <p:sldId id="303" r:id="rId16"/>
+    <p:sldId id="305" r:id="rId17"/>
+    <p:sldId id="306" r:id="rId18"/>
+    <p:sldId id="307" r:id="rId19"/>
+    <p:sldId id="304" r:id="rId20"/>
   </p:sldIdLst>
   <p:sldSz cx="9144000" cy="6858000" type="screen4x3"/>
   <p:notesSz cx="6784975" cy="9921875"/>
@@ -1172,7 +1173,7 @@
             <a:fld id="{18182567-388C-4D33-8B7B-A651F195F118}" type="slidenum">
               <a:rPr lang="de-DE" altLang="de-DE" smtClean="0"/>
               <a:pPr/>
-              <a:t>11</a:t>
+              <a:t>12</a:t>
             </a:fld>
             <a:endParaRPr lang="de-DE" altLang="de-DE"/>
           </a:p>
@@ -1540,7 +1541,7 @@
               <a:pPr algn="ctr">
                 <a:defRPr/>
               </a:pPr>
-              <a:t>29.05.2024</a:t>
+              <a:t>31.05.2024</a:t>
             </a:fld>
             <a:endParaRPr lang="de-DE" sz="1000">
               <a:solidFill>
@@ -3587,6 +3588,224 @@
           <p:cNvPr id="2" name="Titel 1">
             <a:extLst>
               <a:ext uri="{FF2B5EF4-FFF2-40B4-BE49-F238E27FC236}">
+                <a16:creationId xmlns:a16="http://schemas.microsoft.com/office/drawing/2014/main" id="{DCC790D7-E6E3-398A-4B67-16E1FB9913F6}"/>
+              </a:ext>
+            </a:extLst>
+          </p:cNvPr>
+          <p:cNvSpPr>
+            <a:spLocks noGrp="1"/>
+          </p:cNvSpPr>
+          <p:nvPr>
+            <p:ph type="title"/>
+          </p:nvPr>
+        </p:nvSpPr>
+        <p:spPr/>
+        <p:txBody>
+          <a:bodyPr/>
+          <a:lstStyle/>
+          <a:p>
+            <a:r>
+              <a:rPr lang="de-DE" altLang="de-DE" dirty="0"/>
+              <a:t>Lokale Entwicklung mit Docker</a:t>
+            </a:r>
+            <a:endParaRPr lang="de-DE" dirty="0"/>
+          </a:p>
+        </p:txBody>
+      </p:sp>
+      <p:sp>
+        <p:nvSpPr>
+          <p:cNvPr id="3" name="Inhaltsplatzhalter 2">
+            <a:extLst>
+              <a:ext uri="{FF2B5EF4-FFF2-40B4-BE49-F238E27FC236}">
+                <a16:creationId xmlns:a16="http://schemas.microsoft.com/office/drawing/2014/main" id="{684639B2-6C8D-6B20-E376-7BC7E127E617}"/>
+              </a:ext>
+            </a:extLst>
+          </p:cNvPr>
+          <p:cNvSpPr>
+            <a:spLocks noGrp="1"/>
+          </p:cNvSpPr>
+          <p:nvPr>
+            <p:ph idx="1"/>
+          </p:nvPr>
+        </p:nvSpPr>
+        <p:spPr>
+          <a:xfrm>
+            <a:off x="303213" y="2132856"/>
+            <a:ext cx="8516937" cy="1296144"/>
+          </a:xfrm>
+        </p:spPr>
+        <p:txBody>
+          <a:bodyPr/>
+          <a:lstStyle/>
+          <a:p>
+            <a:pPr>
+              <a:buFont typeface="Arial" panose="020B0604020202020204" pitchFamily="34" charset="0"/>
+              <a:buChar char="•"/>
+            </a:pPr>
+            <a:r>
+              <a:rPr lang="de-DE" dirty="0"/>
+              <a:t>Erstellung mittels </a:t>
+            </a:r>
+            <a:r>
+              <a:rPr lang="de-DE" dirty="0" err="1"/>
+              <a:t>Dockerfile</a:t>
+            </a:r>
+            <a:endParaRPr lang="de-DE" dirty="0"/>
+          </a:p>
+          <a:p>
+            <a:pPr>
+              <a:buFont typeface="Arial" panose="020B0604020202020204" pitchFamily="34" charset="0"/>
+              <a:buChar char="•"/>
+            </a:pPr>
+            <a:r>
+              <a:rPr lang="de-DE" dirty="0"/>
+              <a:t>Definiert die einzelnen Schichten</a:t>
+            </a:r>
+          </a:p>
+          <a:p>
+            <a:pPr>
+              <a:buFont typeface="Arial" panose="020B0604020202020204" pitchFamily="34" charset="0"/>
+              <a:buChar char="•"/>
+            </a:pPr>
+            <a:r>
+              <a:rPr lang="de-DE" dirty="0"/>
+              <a:t>Schichten werden </a:t>
+            </a:r>
+            <a:r>
+              <a:rPr lang="de-DE" dirty="0" err="1"/>
+              <a:t>gecached</a:t>
+            </a:r>
+            <a:endParaRPr lang="de-DE" dirty="0"/>
+          </a:p>
+          <a:p>
+            <a:pPr marL="0" indent="0">
+              <a:buNone/>
+            </a:pPr>
+            <a:endParaRPr lang="de-DE" dirty="0"/>
+          </a:p>
+          <a:p>
+            <a:pPr>
+              <a:buFont typeface="Arial" panose="020B0604020202020204" pitchFamily="34" charset="0"/>
+              <a:buChar char="•"/>
+            </a:pPr>
+            <a:endParaRPr lang="de-DE" dirty="0"/>
+          </a:p>
+        </p:txBody>
+      </p:sp>
+      <p:sp>
+        <p:nvSpPr>
+          <p:cNvPr id="4" name="Textfeld 3">
+            <a:extLst>
+              <a:ext uri="{FF2B5EF4-FFF2-40B4-BE49-F238E27FC236}">
+                <a16:creationId xmlns:a16="http://schemas.microsoft.com/office/drawing/2014/main" id="{517F76CB-91F9-E4B6-387A-CC772F30AFA9}"/>
+              </a:ext>
+            </a:extLst>
+          </p:cNvPr>
+          <p:cNvSpPr txBox="1"/>
+          <p:nvPr/>
+        </p:nvSpPr>
+        <p:spPr bwMode="auto">
+          <a:xfrm>
+            <a:off x="285720" y="1264406"/>
+            <a:ext cx="8516937" cy="584775"/>
+          </a:xfrm>
+          <a:prstGeom prst="rect">
+            <a:avLst/>
+          </a:prstGeom>
+          <a:noFill/>
+          <a:ln w="9525">
+            <a:noFill/>
+            <a:miter lim="800000"/>
+            <a:headEnd/>
+            <a:tailEnd/>
+          </a:ln>
+        </p:spPr>
+        <p:txBody>
+          <a:bodyPr wrap="square" rtlCol="0" anchor="ctr">
+            <a:spAutoFit/>
+          </a:bodyPr>
+          <a:lstStyle/>
+          <a:p>
+            <a:pPr algn="ctr" eaLnBrk="1" hangingPunct="1"/>
+            <a:r>
+              <a:rPr lang="de-DE" sz="3200" dirty="0">
+                <a:latin typeface="+mj-lt"/>
+              </a:rPr>
+              <a:t>Erstellen von Images</a:t>
+            </a:r>
+          </a:p>
+        </p:txBody>
+      </p:sp>
+      <p:pic>
+        <p:nvPicPr>
+          <p:cNvPr id="6" name="Grafik 5">
+            <a:extLst>
+              <a:ext uri="{FF2B5EF4-FFF2-40B4-BE49-F238E27FC236}">
+                <a16:creationId xmlns:a16="http://schemas.microsoft.com/office/drawing/2014/main" id="{366E276A-F5D5-247A-7912-37944920DA79}"/>
+              </a:ext>
+            </a:extLst>
+          </p:cNvPr>
+          <p:cNvPicPr>
+            <a:picLocks noChangeAspect="1"/>
+          </p:cNvPicPr>
+          <p:nvPr/>
+        </p:nvPicPr>
+        <p:blipFill>
+          <a:blip r:embed="rId2">
+            <a:extLst>
+              <a:ext uri="{28A0092B-C50C-407E-A947-70E740481C1C}">
+                <a14:useLocalDpi xmlns:a14="http://schemas.microsoft.com/office/drawing/2010/main" val="0"/>
+              </a:ext>
+            </a:extLst>
+          </a:blip>
+          <a:srcRect/>
+          <a:stretch/>
+        </p:blipFill>
+        <p:spPr>
+          <a:xfrm>
+            <a:off x="2979741" y="3681028"/>
+            <a:ext cx="3184517" cy="2376264"/>
+          </a:xfrm>
+          <a:prstGeom prst="rect">
+            <a:avLst/>
+          </a:prstGeom>
+        </p:spPr>
+      </p:pic>
+    </p:spTree>
+    <p:extLst>
+      <p:ext uri="{BB962C8B-B14F-4D97-AF65-F5344CB8AC3E}">
+        <p14:creationId xmlns:p14="http://schemas.microsoft.com/office/powerpoint/2010/main" val="2209957316"/>
+      </p:ext>
+    </p:extLst>
+  </p:cSld>
+  <p:clrMapOvr>
+    <a:masterClrMapping/>
+  </p:clrMapOvr>
+</p:sld>
+</file>
+
+<file path=ppt/slides/slide11.xml><?xml version="1.0" encoding="utf-8"?>
+<p:sld xmlns:a="http://schemas.openxmlformats.org/drawingml/2006/main" xmlns:r="http://schemas.openxmlformats.org/officeDocument/2006/relationships" xmlns:p="http://schemas.openxmlformats.org/presentationml/2006/main">
+  <p:cSld>
+    <p:spTree>
+      <p:nvGrpSpPr>
+        <p:cNvPr id="1" name=""/>
+        <p:cNvGrpSpPr/>
+        <p:nvPr/>
+      </p:nvGrpSpPr>
+      <p:grpSpPr>
+        <a:xfrm>
+          <a:off x="0" y="0"/>
+          <a:ext cx="0" cy="0"/>
+          <a:chOff x="0" y="0"/>
+          <a:chExt cx="0" cy="0"/>
+        </a:xfrm>
+      </p:grpSpPr>
+      <p:sp>
+        <p:nvSpPr>
+          <p:cNvPr id="2" name="Titel 1">
+            <a:extLst>
+              <a:ext uri="{FF2B5EF4-FFF2-40B4-BE49-F238E27FC236}">
                 <a16:creationId xmlns:a16="http://schemas.microsoft.com/office/drawing/2014/main" id="{850FF3C7-B3ED-0A8B-5D14-2B093646715A}"/>
               </a:ext>
             </a:extLst>
@@ -3856,7 +4075,7 @@
 </p:sld>
 </file>
 
-<file path=ppt/slides/slide11.xml><?xml version="1.0" encoding="utf-8"?>
+<file path=ppt/slides/slide12.xml><?xml version="1.0" encoding="utf-8"?>
 <p:sld xmlns:a="http://schemas.openxmlformats.org/drawingml/2006/main" xmlns:r="http://schemas.openxmlformats.org/officeDocument/2006/relationships" xmlns:p="http://schemas.openxmlformats.org/presentationml/2006/main">
   <p:cSld>
     <p:spTree>
@@ -4144,7 +4363,7 @@
 </p:sld>
 </file>
 
-<file path=ppt/slides/slide12.xml><?xml version="1.0" encoding="utf-8"?>
+<file path=ppt/slides/slide13.xml><?xml version="1.0" encoding="utf-8"?>
 <p:sld xmlns:a="http://schemas.openxmlformats.org/drawingml/2006/main" xmlns:r="http://schemas.openxmlformats.org/officeDocument/2006/relationships" xmlns:p="http://schemas.openxmlformats.org/presentationml/2006/main">
   <p:cSld>
     <p:spTree>
@@ -5979,7 +6198,7 @@
 </p:sld>
 </file>
 
-<file path=ppt/slides/slide13.xml><?xml version="1.0" encoding="utf-8"?>
+<file path=ppt/slides/slide14.xml><?xml version="1.0" encoding="utf-8"?>
 <p:sld xmlns:a="http://schemas.openxmlformats.org/drawingml/2006/main" xmlns:r="http://schemas.openxmlformats.org/officeDocument/2006/relationships" xmlns:p="http://schemas.openxmlformats.org/presentationml/2006/main">
   <p:cSld>
     <p:spTree>
@@ -6179,7 +6398,7 @@
               <a:rPr lang="de-DE" sz="3200" dirty="0">
                 <a:latin typeface="+mj-lt"/>
               </a:rPr>
-              <a:t>Erstellen von Images</a:t>
+              <a:t>Übungsaufgabe</a:t>
             </a:r>
           </a:p>
         </p:txBody>
@@ -6197,7 +6416,7 @@
 </p:sld>
 </file>
 
-<file path=ppt/slides/slide14.xml><?xml version="1.0" encoding="utf-8"?>
+<file path=ppt/slides/slide15.xml><?xml version="1.0" encoding="utf-8"?>
 <p:sld xmlns:a="http://schemas.openxmlformats.org/drawingml/2006/main" xmlns:r="http://schemas.openxmlformats.org/officeDocument/2006/relationships" xmlns:p="http://schemas.openxmlformats.org/presentationml/2006/main">
   <p:cSld>
     <p:spTree>
@@ -7266,7 +7485,7 @@
 </p:sld>
 </file>
 
-<file path=ppt/slides/slide15.xml><?xml version="1.0" encoding="utf-8"?>
+<file path=ppt/slides/slide16.xml><?xml version="1.0" encoding="utf-8"?>
 <p:sld xmlns:a="http://schemas.openxmlformats.org/drawingml/2006/main" xmlns:r="http://schemas.openxmlformats.org/officeDocument/2006/relationships" xmlns:p="http://schemas.openxmlformats.org/presentationml/2006/main">
   <p:cSld>
     <p:spTree>
@@ -7750,7 +7969,7 @@
 </p:sld>
 </file>
 
-<file path=ppt/slides/slide16.xml><?xml version="1.0" encoding="utf-8"?>
+<file path=ppt/slides/slide17.xml><?xml version="1.0" encoding="utf-8"?>
 <p:sld xmlns:a="http://schemas.openxmlformats.org/drawingml/2006/main" xmlns:r="http://schemas.openxmlformats.org/officeDocument/2006/relationships" xmlns:p="http://schemas.openxmlformats.org/presentationml/2006/main">
   <p:cSld>
     <p:spTree>
@@ -7981,7 +8200,7 @@
 </p:sld>
 </file>
 
-<file path=ppt/slides/slide17.xml><?xml version="1.0" encoding="utf-8"?>
+<file path=ppt/slides/slide18.xml><?xml version="1.0" encoding="utf-8"?>
 <p:sld xmlns:a="http://schemas.openxmlformats.org/drawingml/2006/main" xmlns:r="http://schemas.openxmlformats.org/officeDocument/2006/relationships" xmlns:p="http://schemas.openxmlformats.org/presentationml/2006/main">
   <p:cSld>
     <p:spTree>
@@ -9408,6 +9627,510 @@
 </file>
 
 <file path=ppt/slides/slide8.xml><?xml version="1.0" encoding="utf-8"?>
+<p:sld xmlns:a="http://schemas.openxmlformats.org/drawingml/2006/main" xmlns:r="http://schemas.openxmlformats.org/officeDocument/2006/relationships" xmlns:p="http://schemas.openxmlformats.org/presentationml/2006/main">
+  <p:cSld>
+    <p:spTree>
+      <p:nvGrpSpPr>
+        <p:cNvPr id="1" name=""/>
+        <p:cNvGrpSpPr/>
+        <p:nvPr/>
+      </p:nvGrpSpPr>
+      <p:grpSpPr>
+        <a:xfrm>
+          <a:off x="0" y="0"/>
+          <a:ext cx="0" cy="0"/>
+          <a:chOff x="0" y="0"/>
+          <a:chExt cx="0" cy="0"/>
+        </a:xfrm>
+      </p:grpSpPr>
+      <p:sp>
+        <p:nvSpPr>
+          <p:cNvPr id="2" name="Titel 1">
+            <a:extLst>
+              <a:ext uri="{FF2B5EF4-FFF2-40B4-BE49-F238E27FC236}">
+                <a16:creationId xmlns:a16="http://schemas.microsoft.com/office/drawing/2014/main" id="{15A7EAB6-74ED-54FA-3F14-5963C1F38E04}"/>
+              </a:ext>
+            </a:extLst>
+          </p:cNvPr>
+          <p:cNvSpPr>
+            <a:spLocks noGrp="1"/>
+          </p:cNvSpPr>
+          <p:nvPr>
+            <p:ph type="title"/>
+          </p:nvPr>
+        </p:nvSpPr>
+        <p:spPr/>
+        <p:txBody>
+          <a:bodyPr/>
+          <a:lstStyle/>
+          <a:p>
+            <a:r>
+              <a:rPr lang="de-DE" altLang="de-DE" dirty="0"/>
+              <a:t>Lokale Entwicklung mit Docker</a:t>
+            </a:r>
+            <a:endParaRPr lang="de-DE" dirty="0"/>
+          </a:p>
+        </p:txBody>
+      </p:sp>
+      <p:sp>
+        <p:nvSpPr>
+          <p:cNvPr id="3" name="Inhaltsplatzhalter 2">
+            <a:extLst>
+              <a:ext uri="{FF2B5EF4-FFF2-40B4-BE49-F238E27FC236}">
+                <a16:creationId xmlns:a16="http://schemas.microsoft.com/office/drawing/2014/main" id="{E3A0C048-49AD-EA74-C1E3-85986D3E380A}"/>
+              </a:ext>
+            </a:extLst>
+          </p:cNvPr>
+          <p:cNvSpPr>
+            <a:spLocks noGrp="1"/>
+          </p:cNvSpPr>
+          <p:nvPr>
+            <p:ph idx="1"/>
+          </p:nvPr>
+        </p:nvSpPr>
+        <p:spPr>
+          <a:xfrm>
+            <a:off x="303213" y="1916832"/>
+            <a:ext cx="8516937" cy="1872208"/>
+          </a:xfrm>
+        </p:spPr>
+        <p:txBody>
+          <a:bodyPr/>
+          <a:lstStyle/>
+          <a:p>
+            <a:pPr>
+              <a:buFont typeface="Arial" panose="020B0604020202020204" pitchFamily="34" charset="0"/>
+              <a:buChar char="•"/>
+            </a:pPr>
+            <a:r>
+              <a:rPr lang="de-DE" dirty="0"/>
+              <a:t>Remote Storage für Images</a:t>
+            </a:r>
+          </a:p>
+          <a:p>
+            <a:pPr>
+              <a:buFont typeface="Arial" panose="020B0604020202020204" pitchFamily="34" charset="0"/>
+              <a:buChar char="•"/>
+            </a:pPr>
+            <a:r>
+              <a:rPr lang="de-DE" dirty="0"/>
+              <a:t>Können mit tags gepusht und gepullt werden</a:t>
+            </a:r>
+          </a:p>
+          <a:p>
+            <a:pPr>
+              <a:buFont typeface="Arial" panose="020B0604020202020204" pitchFamily="34" charset="0"/>
+              <a:buChar char="•"/>
+            </a:pPr>
+            <a:r>
+              <a:rPr lang="de-DE" dirty="0"/>
+              <a:t>Gibt öffentliche </a:t>
+            </a:r>
+            <a:r>
+              <a:rPr lang="de-DE" dirty="0" err="1"/>
+              <a:t>Registries</a:t>
+            </a:r>
+            <a:r>
+              <a:rPr lang="de-DE" dirty="0"/>
+              <a:t> (</a:t>
+            </a:r>
+            <a:r>
+              <a:rPr lang="de-DE" dirty="0" err="1"/>
+              <a:t>DockerHub</a:t>
+            </a:r>
+            <a:r>
+              <a:rPr lang="de-DE" dirty="0"/>
+              <a:t>)</a:t>
+            </a:r>
+          </a:p>
+          <a:p>
+            <a:pPr>
+              <a:buFont typeface="Arial" panose="020B0604020202020204" pitchFamily="34" charset="0"/>
+              <a:buChar char="•"/>
+            </a:pPr>
+            <a:r>
+              <a:rPr lang="de-DE" dirty="0"/>
+              <a:t>Private </a:t>
+            </a:r>
+            <a:r>
+              <a:rPr lang="de-DE" dirty="0" err="1"/>
+              <a:t>Registries</a:t>
+            </a:r>
+            <a:r>
+              <a:rPr lang="de-DE" dirty="0"/>
+              <a:t> können selbst gehostet werden</a:t>
+            </a:r>
+          </a:p>
+        </p:txBody>
+      </p:sp>
+      <p:sp>
+        <p:nvSpPr>
+          <p:cNvPr id="4" name="Textfeld 3">
+            <a:extLst>
+              <a:ext uri="{FF2B5EF4-FFF2-40B4-BE49-F238E27FC236}">
+                <a16:creationId xmlns:a16="http://schemas.microsoft.com/office/drawing/2014/main" id="{89E3EAE0-45BD-4E08-C462-729D904F4390}"/>
+              </a:ext>
+            </a:extLst>
+          </p:cNvPr>
+          <p:cNvSpPr txBox="1"/>
+          <p:nvPr/>
+        </p:nvSpPr>
+        <p:spPr bwMode="auto">
+          <a:xfrm>
+            <a:off x="323528" y="1181364"/>
+            <a:ext cx="8496944" cy="584775"/>
+          </a:xfrm>
+          <a:prstGeom prst="rect">
+            <a:avLst/>
+          </a:prstGeom>
+          <a:noFill/>
+          <a:ln w="9525">
+            <a:noFill/>
+            <a:miter lim="800000"/>
+            <a:headEnd/>
+            <a:tailEnd/>
+          </a:ln>
+        </p:spPr>
+        <p:txBody>
+          <a:bodyPr wrap="square" rtlCol="0" anchor="ctr">
+            <a:spAutoFit/>
+          </a:bodyPr>
+          <a:lstStyle/>
+          <a:p>
+            <a:pPr algn="ctr" eaLnBrk="1" hangingPunct="1"/>
+            <a:r>
+              <a:rPr lang="de-DE" sz="3200" dirty="0">
+                <a:latin typeface="+mj-lt"/>
+              </a:rPr>
+              <a:t>Docker </a:t>
+            </a:r>
+            <a:r>
+              <a:rPr lang="de-DE" sz="3200" dirty="0" err="1">
+                <a:latin typeface="+mj-lt"/>
+              </a:rPr>
+              <a:t>Registries</a:t>
+            </a:r>
+            <a:endParaRPr lang="de-DE" sz="3200" dirty="0">
+              <a:latin typeface="+mj-lt"/>
+            </a:endParaRPr>
+          </a:p>
+        </p:txBody>
+      </p:sp>
+      <p:sp>
+        <p:nvSpPr>
+          <p:cNvPr id="5" name="Wolke 4">
+            <a:extLst>
+              <a:ext uri="{FF2B5EF4-FFF2-40B4-BE49-F238E27FC236}">
+                <a16:creationId xmlns:a16="http://schemas.microsoft.com/office/drawing/2014/main" id="{51EE1670-391D-CCD3-5B0A-16118DFF850B}"/>
+              </a:ext>
+            </a:extLst>
+          </p:cNvPr>
+          <p:cNvSpPr/>
+          <p:nvPr/>
+        </p:nvSpPr>
+        <p:spPr bwMode="auto">
+          <a:xfrm>
+            <a:off x="3493489" y="3939733"/>
+            <a:ext cx="2157021" cy="1038304"/>
+          </a:xfrm>
+          <a:prstGeom prst="cloud">
+            <a:avLst/>
+          </a:prstGeom>
+          <a:solidFill>
+            <a:schemeClr val="accent1"/>
+          </a:solidFill>
+          <a:ln w="12700" cap="flat" cmpd="sng" algn="ctr">
+            <a:solidFill>
+              <a:schemeClr val="tx1"/>
+            </a:solidFill>
+            <a:prstDash val="solid"/>
+            <a:round/>
+            <a:headEnd type="none" w="sm" len="sm"/>
+            <a:tailEnd type="none" w="sm" len="sm"/>
+          </a:ln>
+          <a:effectLst/>
+        </p:spPr>
+        <p:txBody>
+          <a:bodyPr vert="horz" wrap="square" lIns="91440" tIns="45720" rIns="91440" bIns="45720" numCol="1" rtlCol="0" anchor="ctr" anchorCtr="0" compatLnSpc="1">
+            <a:prstTxWarp prst="textNoShape">
+              <a:avLst/>
+            </a:prstTxWarp>
+          </a:bodyPr>
+          <a:lstStyle/>
+          <a:p>
+            <a:pPr marL="0" marR="0" indent="0" algn="ctr" defTabSz="914400" rtl="0" eaLnBrk="0" fontAlgn="base" latinLnBrk="0" hangingPunct="0">
+              <a:lnSpc>
+                <a:spcPct val="100000"/>
+              </a:lnSpc>
+              <a:spcBef>
+                <a:spcPct val="0"/>
+              </a:spcBef>
+              <a:spcAft>
+                <a:spcPct val="0"/>
+              </a:spcAft>
+              <a:buClrTx/>
+              <a:buSzTx/>
+              <a:buFontTx/>
+              <a:buNone/>
+              <a:tabLst/>
+            </a:pPr>
+            <a:r>
+              <a:rPr lang="de-DE" dirty="0">
+                <a:latin typeface="+mn-lt"/>
+              </a:rPr>
+              <a:t>Registry</a:t>
+            </a:r>
+            <a:endParaRPr kumimoji="0" lang="de-DE" sz="2400" b="0" i="0" u="none" strike="noStrike" cap="none" normalizeH="0" baseline="0" dirty="0">
+              <a:ln>
+                <a:noFill/>
+              </a:ln>
+              <a:solidFill>
+                <a:schemeClr val="tx1"/>
+              </a:solidFill>
+              <a:effectLst/>
+              <a:latin typeface="+mn-lt"/>
+            </a:endParaRPr>
+          </a:p>
+        </p:txBody>
+      </p:sp>
+      <p:pic>
+        <p:nvPicPr>
+          <p:cNvPr id="7" name="Grafik 6" descr="Monitor Silhouette">
+            <a:extLst>
+              <a:ext uri="{FF2B5EF4-FFF2-40B4-BE49-F238E27FC236}">
+                <a16:creationId xmlns:a16="http://schemas.microsoft.com/office/drawing/2014/main" id="{341F74B7-DB47-090F-980C-19F3FD23953F}"/>
+              </a:ext>
+            </a:extLst>
+          </p:cNvPr>
+          <p:cNvPicPr>
+            <a:picLocks noChangeAspect="1"/>
+          </p:cNvPicPr>
+          <p:nvPr/>
+        </p:nvPicPr>
+        <p:blipFill>
+          <a:blip r:embed="rId2">
+            <a:extLst>
+              <a:ext uri="{28A0092B-C50C-407E-A947-70E740481C1C}">
+                <a14:useLocalDpi xmlns:a14="http://schemas.microsoft.com/office/drawing/2010/main" val="0"/>
+              </a:ext>
+              <a:ext uri="{96DAC541-7B7A-43D3-8B79-37D633B846F1}">
+                <asvg:svgBlip xmlns:asvg="http://schemas.microsoft.com/office/drawing/2016/SVG/main" r:embed="rId3"/>
+              </a:ext>
+            </a:extLst>
+          </a:blip>
+          <a:stretch>
+            <a:fillRect/>
+          </a:stretch>
+        </p:blipFill>
+        <p:spPr>
+          <a:xfrm>
+            <a:off x="5677163" y="5371836"/>
+            <a:ext cx="914400" cy="914400"/>
+          </a:xfrm>
+          <a:prstGeom prst="rect">
+            <a:avLst/>
+          </a:prstGeom>
+        </p:spPr>
+      </p:pic>
+      <p:pic>
+        <p:nvPicPr>
+          <p:cNvPr id="8" name="Grafik 7" descr="Monitor Silhouette">
+            <a:extLst>
+              <a:ext uri="{FF2B5EF4-FFF2-40B4-BE49-F238E27FC236}">
+                <a16:creationId xmlns:a16="http://schemas.microsoft.com/office/drawing/2014/main" id="{FA362283-6780-DFD5-A58E-CEF2FB4EA592}"/>
+              </a:ext>
+            </a:extLst>
+          </p:cNvPr>
+          <p:cNvPicPr>
+            <a:picLocks noChangeAspect="1"/>
+          </p:cNvPicPr>
+          <p:nvPr/>
+        </p:nvPicPr>
+        <p:blipFill>
+          <a:blip r:embed="rId2">
+            <a:extLst>
+              <a:ext uri="{28A0092B-C50C-407E-A947-70E740481C1C}">
+                <a14:useLocalDpi xmlns:a14="http://schemas.microsoft.com/office/drawing/2010/main" val="0"/>
+              </a:ext>
+              <a:ext uri="{96DAC541-7B7A-43D3-8B79-37D633B846F1}">
+                <asvg:svgBlip xmlns:asvg="http://schemas.microsoft.com/office/drawing/2016/SVG/main" r:embed="rId3"/>
+              </a:ext>
+            </a:extLst>
+          </a:blip>
+          <a:stretch>
+            <a:fillRect/>
+          </a:stretch>
+        </p:blipFill>
+        <p:spPr>
+          <a:xfrm>
+            <a:off x="6950414" y="5371836"/>
+            <a:ext cx="914400" cy="914400"/>
+          </a:xfrm>
+          <a:prstGeom prst="rect">
+            <a:avLst/>
+          </a:prstGeom>
+        </p:spPr>
+      </p:pic>
+      <p:pic>
+        <p:nvPicPr>
+          <p:cNvPr id="9" name="Grafik 8" descr="Monitor Silhouette">
+            <a:extLst>
+              <a:ext uri="{FF2B5EF4-FFF2-40B4-BE49-F238E27FC236}">
+                <a16:creationId xmlns:a16="http://schemas.microsoft.com/office/drawing/2014/main" id="{94934086-A753-0C43-7E9C-A2335884155B}"/>
+              </a:ext>
+            </a:extLst>
+          </p:cNvPr>
+          <p:cNvPicPr>
+            <a:picLocks noChangeAspect="1"/>
+          </p:cNvPicPr>
+          <p:nvPr/>
+        </p:nvPicPr>
+        <p:blipFill>
+          <a:blip r:embed="rId2">
+            <a:extLst>
+              <a:ext uri="{28A0092B-C50C-407E-A947-70E740481C1C}">
+                <a14:useLocalDpi xmlns:a14="http://schemas.microsoft.com/office/drawing/2010/main" val="0"/>
+              </a:ext>
+              <a:ext uri="{96DAC541-7B7A-43D3-8B79-37D633B846F1}">
+                <asvg:svgBlip xmlns:asvg="http://schemas.microsoft.com/office/drawing/2016/SVG/main" r:embed="rId3"/>
+              </a:ext>
+            </a:extLst>
+          </a:blip>
+          <a:stretch>
+            <a:fillRect/>
+          </a:stretch>
+        </p:blipFill>
+        <p:spPr>
+          <a:xfrm>
+            <a:off x="2411760" y="5371836"/>
+            <a:ext cx="914400" cy="914400"/>
+          </a:xfrm>
+          <a:prstGeom prst="rect">
+            <a:avLst/>
+          </a:prstGeom>
+        </p:spPr>
+      </p:pic>
+      <p:cxnSp>
+        <p:nvCxnSpPr>
+          <p:cNvPr id="11" name="Gerade Verbindung mit Pfeil 10">
+            <a:extLst>
+              <a:ext uri="{FF2B5EF4-FFF2-40B4-BE49-F238E27FC236}">
+                <a16:creationId xmlns:a16="http://schemas.microsoft.com/office/drawing/2014/main" id="{4254DA33-40E3-89C9-DEB5-4630EB2BBE5D}"/>
+              </a:ext>
+            </a:extLst>
+          </p:cNvPr>
+          <p:cNvCxnSpPr/>
+          <p:nvPr/>
+        </p:nvCxnSpPr>
+        <p:spPr bwMode="auto">
+          <a:xfrm flipV="1">
+            <a:off x="2868960" y="4725144"/>
+            <a:ext cx="457200" cy="646692"/>
+          </a:xfrm>
+          <a:prstGeom prst="straightConnector1">
+            <a:avLst/>
+          </a:prstGeom>
+          <a:solidFill>
+            <a:schemeClr val="accent1"/>
+          </a:solidFill>
+          <a:ln w="12700" cap="flat" cmpd="sng" algn="ctr">
+            <a:solidFill>
+              <a:schemeClr val="tx1"/>
+            </a:solidFill>
+            <a:prstDash val="solid"/>
+            <a:round/>
+            <a:headEnd type="none" w="sm" len="sm"/>
+            <a:tailEnd type="triangle"/>
+          </a:ln>
+          <a:effectLst/>
+        </p:spPr>
+      </p:cxnSp>
+      <p:cxnSp>
+        <p:nvCxnSpPr>
+          <p:cNvPr id="13" name="Gerade Verbindung mit Pfeil 12">
+            <a:extLst>
+              <a:ext uri="{FF2B5EF4-FFF2-40B4-BE49-F238E27FC236}">
+                <a16:creationId xmlns:a16="http://schemas.microsoft.com/office/drawing/2014/main" id="{B0626A77-E6E7-C0EE-9CE9-67DAC9B9FFA3}"/>
+              </a:ext>
+            </a:extLst>
+          </p:cNvPr>
+          <p:cNvCxnSpPr>
+            <a:cxnSpLocks/>
+          </p:cNvCxnSpPr>
+          <p:nvPr/>
+        </p:nvCxnSpPr>
+        <p:spPr bwMode="auto">
+          <a:xfrm>
+            <a:off x="5677163" y="4725144"/>
+            <a:ext cx="457200" cy="646692"/>
+          </a:xfrm>
+          <a:prstGeom prst="straightConnector1">
+            <a:avLst/>
+          </a:prstGeom>
+          <a:solidFill>
+            <a:schemeClr val="accent1"/>
+          </a:solidFill>
+          <a:ln w="12700" cap="flat" cmpd="sng" algn="ctr">
+            <a:solidFill>
+              <a:schemeClr val="tx1"/>
+            </a:solidFill>
+            <a:prstDash val="solid"/>
+            <a:round/>
+            <a:headEnd type="none" w="sm" len="sm"/>
+            <a:tailEnd type="triangle"/>
+          </a:ln>
+          <a:effectLst/>
+        </p:spPr>
+      </p:cxnSp>
+      <p:cxnSp>
+        <p:nvCxnSpPr>
+          <p:cNvPr id="16" name="Gerade Verbindung mit Pfeil 15">
+            <a:extLst>
+              <a:ext uri="{FF2B5EF4-FFF2-40B4-BE49-F238E27FC236}">
+                <a16:creationId xmlns:a16="http://schemas.microsoft.com/office/drawing/2014/main" id="{186B2BA1-5F69-3476-473E-45086D1C154B}"/>
+              </a:ext>
+            </a:extLst>
+          </p:cNvPr>
+          <p:cNvCxnSpPr/>
+          <p:nvPr/>
+        </p:nvCxnSpPr>
+        <p:spPr bwMode="auto">
+          <a:xfrm>
+            <a:off x="6009361" y="4725144"/>
+            <a:ext cx="1398253" cy="646692"/>
+          </a:xfrm>
+          <a:prstGeom prst="straightConnector1">
+            <a:avLst/>
+          </a:prstGeom>
+          <a:solidFill>
+            <a:schemeClr val="accent1"/>
+          </a:solidFill>
+          <a:ln w="12700" cap="flat" cmpd="sng" algn="ctr">
+            <a:solidFill>
+              <a:schemeClr val="tx1"/>
+            </a:solidFill>
+            <a:prstDash val="solid"/>
+            <a:round/>
+            <a:headEnd type="none" w="sm" len="sm"/>
+            <a:tailEnd type="triangle"/>
+          </a:ln>
+          <a:effectLst/>
+        </p:spPr>
+      </p:cxnSp>
+    </p:spTree>
+    <p:extLst>
+      <p:ext uri="{BB962C8B-B14F-4D97-AF65-F5344CB8AC3E}">
+        <p14:creationId xmlns:p14="http://schemas.microsoft.com/office/powerpoint/2010/main" val="4160710677"/>
+      </p:ext>
+    </p:extLst>
+  </p:cSld>
+  <p:clrMapOvr>
+    <a:masterClrMapping/>
+  </p:clrMapOvr>
+</p:sld>
+</file>
+
+<file path=ppt/slides/slide9.xml><?xml version="1.0" encoding="utf-8"?>
 <p:sld xmlns:a="http://schemas.openxmlformats.org/drawingml/2006/main" xmlns:r="http://schemas.openxmlformats.org/officeDocument/2006/relationships" xmlns:p="http://schemas.openxmlformats.org/presentationml/2006/main">
   <p:cSld>
     <p:spTree>
@@ -9854,224 +10577,6 @@
     <p:extLst>
       <p:ext uri="{BB962C8B-B14F-4D97-AF65-F5344CB8AC3E}">
         <p14:creationId xmlns:p14="http://schemas.microsoft.com/office/powerpoint/2010/main" val="904553298"/>
-      </p:ext>
-    </p:extLst>
-  </p:cSld>
-  <p:clrMapOvr>
-    <a:masterClrMapping/>
-  </p:clrMapOvr>
-</p:sld>
-</file>
-
-<file path=ppt/slides/slide9.xml><?xml version="1.0" encoding="utf-8"?>
-<p:sld xmlns:a="http://schemas.openxmlformats.org/drawingml/2006/main" xmlns:r="http://schemas.openxmlformats.org/officeDocument/2006/relationships" xmlns:p="http://schemas.openxmlformats.org/presentationml/2006/main">
-  <p:cSld>
-    <p:spTree>
-      <p:nvGrpSpPr>
-        <p:cNvPr id="1" name=""/>
-        <p:cNvGrpSpPr/>
-        <p:nvPr/>
-      </p:nvGrpSpPr>
-      <p:grpSpPr>
-        <a:xfrm>
-          <a:off x="0" y="0"/>
-          <a:ext cx="0" cy="0"/>
-          <a:chOff x="0" y="0"/>
-          <a:chExt cx="0" cy="0"/>
-        </a:xfrm>
-      </p:grpSpPr>
-      <p:sp>
-        <p:nvSpPr>
-          <p:cNvPr id="2" name="Titel 1">
-            <a:extLst>
-              <a:ext uri="{FF2B5EF4-FFF2-40B4-BE49-F238E27FC236}">
-                <a16:creationId xmlns:a16="http://schemas.microsoft.com/office/drawing/2014/main" id="{DCC790D7-E6E3-398A-4B67-16E1FB9913F6}"/>
-              </a:ext>
-            </a:extLst>
-          </p:cNvPr>
-          <p:cNvSpPr>
-            <a:spLocks noGrp="1"/>
-          </p:cNvSpPr>
-          <p:nvPr>
-            <p:ph type="title"/>
-          </p:nvPr>
-        </p:nvSpPr>
-        <p:spPr/>
-        <p:txBody>
-          <a:bodyPr/>
-          <a:lstStyle/>
-          <a:p>
-            <a:r>
-              <a:rPr lang="de-DE" altLang="de-DE" dirty="0"/>
-              <a:t>Lokale Entwicklung mit Docker</a:t>
-            </a:r>
-            <a:endParaRPr lang="de-DE" dirty="0"/>
-          </a:p>
-        </p:txBody>
-      </p:sp>
-      <p:sp>
-        <p:nvSpPr>
-          <p:cNvPr id="3" name="Inhaltsplatzhalter 2">
-            <a:extLst>
-              <a:ext uri="{FF2B5EF4-FFF2-40B4-BE49-F238E27FC236}">
-                <a16:creationId xmlns:a16="http://schemas.microsoft.com/office/drawing/2014/main" id="{684639B2-6C8D-6B20-E376-7BC7E127E617}"/>
-              </a:ext>
-            </a:extLst>
-          </p:cNvPr>
-          <p:cNvSpPr>
-            <a:spLocks noGrp="1"/>
-          </p:cNvSpPr>
-          <p:nvPr>
-            <p:ph idx="1"/>
-          </p:nvPr>
-        </p:nvSpPr>
-        <p:spPr>
-          <a:xfrm>
-            <a:off x="303213" y="2132856"/>
-            <a:ext cx="8516937" cy="1296144"/>
-          </a:xfrm>
-        </p:spPr>
-        <p:txBody>
-          <a:bodyPr/>
-          <a:lstStyle/>
-          <a:p>
-            <a:pPr>
-              <a:buFont typeface="Arial" panose="020B0604020202020204" pitchFamily="34" charset="0"/>
-              <a:buChar char="•"/>
-            </a:pPr>
-            <a:r>
-              <a:rPr lang="de-DE" dirty="0"/>
-              <a:t>Erstellung mittels </a:t>
-            </a:r>
-            <a:r>
-              <a:rPr lang="de-DE" dirty="0" err="1"/>
-              <a:t>Dockerfile</a:t>
-            </a:r>
-            <a:endParaRPr lang="de-DE" dirty="0"/>
-          </a:p>
-          <a:p>
-            <a:pPr>
-              <a:buFont typeface="Arial" panose="020B0604020202020204" pitchFamily="34" charset="0"/>
-              <a:buChar char="•"/>
-            </a:pPr>
-            <a:r>
-              <a:rPr lang="de-DE" dirty="0"/>
-              <a:t>Definiert die einzelnen Schichten</a:t>
-            </a:r>
-          </a:p>
-          <a:p>
-            <a:pPr>
-              <a:buFont typeface="Arial" panose="020B0604020202020204" pitchFamily="34" charset="0"/>
-              <a:buChar char="•"/>
-            </a:pPr>
-            <a:r>
-              <a:rPr lang="de-DE" dirty="0"/>
-              <a:t>Schichten werden </a:t>
-            </a:r>
-            <a:r>
-              <a:rPr lang="de-DE" dirty="0" err="1"/>
-              <a:t>gecached</a:t>
-            </a:r>
-            <a:endParaRPr lang="de-DE" dirty="0"/>
-          </a:p>
-          <a:p>
-            <a:pPr marL="0" indent="0">
-              <a:buNone/>
-            </a:pPr>
-            <a:endParaRPr lang="de-DE" dirty="0"/>
-          </a:p>
-          <a:p>
-            <a:pPr>
-              <a:buFont typeface="Arial" panose="020B0604020202020204" pitchFamily="34" charset="0"/>
-              <a:buChar char="•"/>
-            </a:pPr>
-            <a:endParaRPr lang="de-DE" dirty="0"/>
-          </a:p>
-        </p:txBody>
-      </p:sp>
-      <p:sp>
-        <p:nvSpPr>
-          <p:cNvPr id="4" name="Textfeld 3">
-            <a:extLst>
-              <a:ext uri="{FF2B5EF4-FFF2-40B4-BE49-F238E27FC236}">
-                <a16:creationId xmlns:a16="http://schemas.microsoft.com/office/drawing/2014/main" id="{517F76CB-91F9-E4B6-387A-CC772F30AFA9}"/>
-              </a:ext>
-            </a:extLst>
-          </p:cNvPr>
-          <p:cNvSpPr txBox="1"/>
-          <p:nvPr/>
-        </p:nvSpPr>
-        <p:spPr bwMode="auto">
-          <a:xfrm>
-            <a:off x="285720" y="1264406"/>
-            <a:ext cx="8516937" cy="584775"/>
-          </a:xfrm>
-          <a:prstGeom prst="rect">
-            <a:avLst/>
-          </a:prstGeom>
-          <a:noFill/>
-          <a:ln w="9525">
-            <a:noFill/>
-            <a:miter lim="800000"/>
-            <a:headEnd/>
-            <a:tailEnd/>
-          </a:ln>
-        </p:spPr>
-        <p:txBody>
-          <a:bodyPr wrap="square" rtlCol="0" anchor="ctr">
-            <a:spAutoFit/>
-          </a:bodyPr>
-          <a:lstStyle/>
-          <a:p>
-            <a:pPr algn="ctr" eaLnBrk="1" hangingPunct="1"/>
-            <a:r>
-              <a:rPr lang="de-DE" sz="3200" dirty="0">
-                <a:latin typeface="+mj-lt"/>
-              </a:rPr>
-              <a:t>Erstellen von Images</a:t>
-            </a:r>
-          </a:p>
-        </p:txBody>
-      </p:sp>
-      <p:pic>
-        <p:nvPicPr>
-          <p:cNvPr id="6" name="Grafik 5">
-            <a:extLst>
-              <a:ext uri="{FF2B5EF4-FFF2-40B4-BE49-F238E27FC236}">
-                <a16:creationId xmlns:a16="http://schemas.microsoft.com/office/drawing/2014/main" id="{366E276A-F5D5-247A-7912-37944920DA79}"/>
-              </a:ext>
-            </a:extLst>
-          </p:cNvPr>
-          <p:cNvPicPr>
-            <a:picLocks noChangeAspect="1"/>
-          </p:cNvPicPr>
-          <p:nvPr/>
-        </p:nvPicPr>
-        <p:blipFill>
-          <a:blip r:embed="rId2">
-            <a:extLst>
-              <a:ext uri="{28A0092B-C50C-407E-A947-70E740481C1C}">
-                <a14:useLocalDpi xmlns:a14="http://schemas.microsoft.com/office/drawing/2010/main" val="0"/>
-              </a:ext>
-            </a:extLst>
-          </a:blip>
-          <a:srcRect/>
-          <a:stretch/>
-        </p:blipFill>
-        <p:spPr>
-          <a:xfrm>
-            <a:off x="2979741" y="3681028"/>
-            <a:ext cx="3184517" cy="2376264"/>
-          </a:xfrm>
-          <a:prstGeom prst="rect">
-            <a:avLst/>
-          </a:prstGeom>
-        </p:spPr>
-      </p:pic>
-    </p:spTree>
-    <p:extLst>
-      <p:ext uri="{BB962C8B-B14F-4D97-AF65-F5344CB8AC3E}">
-        <p14:creationId xmlns:p14="http://schemas.microsoft.com/office/powerpoint/2010/main" val="2209957316"/>
       </p:ext>
     </p:extLst>
   </p:cSld>

--- a/slides/Tag-3_1-Docker.pptx
+++ b/slides/Tag-3_1-Docker.pptx
@@ -6,10 +6,10 @@
     <p:sldMasterId id="2147483649" r:id="rId2"/>
   </p:sldMasterIdLst>
   <p:notesMasterIdLst>
-    <p:notesMasterId r:id="rId27"/>
+    <p:notesMasterId r:id="rId36"/>
   </p:notesMasterIdLst>
   <p:handoutMasterIdLst>
-    <p:handoutMasterId r:id="rId28"/>
+    <p:handoutMasterId r:id="rId37"/>
   </p:handoutMasterIdLst>
   <p:sldIdLst>
     <p:sldId id="289" r:id="rId3"/>
@@ -24,18 +24,27 @@
     <p:sldId id="310" r:id="rId12"/>
     <p:sldId id="298" r:id="rId13"/>
     <p:sldId id="299" r:id="rId14"/>
-    <p:sldId id="300" r:id="rId15"/>
-    <p:sldId id="301" r:id="rId16"/>
-    <p:sldId id="314" r:id="rId17"/>
-    <p:sldId id="315" r:id="rId18"/>
-    <p:sldId id="316" r:id="rId19"/>
-    <p:sldId id="317" r:id="rId20"/>
-    <p:sldId id="318" r:id="rId21"/>
-    <p:sldId id="303" r:id="rId22"/>
-    <p:sldId id="305" r:id="rId23"/>
-    <p:sldId id="306" r:id="rId24"/>
-    <p:sldId id="307" r:id="rId25"/>
-    <p:sldId id="304" r:id="rId26"/>
+    <p:sldId id="319" r:id="rId15"/>
+    <p:sldId id="322" r:id="rId16"/>
+    <p:sldId id="323" r:id="rId17"/>
+    <p:sldId id="326" r:id="rId18"/>
+    <p:sldId id="325" r:id="rId19"/>
+    <p:sldId id="327" r:id="rId20"/>
+    <p:sldId id="328" r:id="rId21"/>
+    <p:sldId id="321" r:id="rId22"/>
+    <p:sldId id="320" r:id="rId23"/>
+    <p:sldId id="300" r:id="rId24"/>
+    <p:sldId id="301" r:id="rId25"/>
+    <p:sldId id="314" r:id="rId26"/>
+    <p:sldId id="316" r:id="rId27"/>
+    <p:sldId id="317" r:id="rId28"/>
+    <p:sldId id="318" r:id="rId29"/>
+    <p:sldId id="329" r:id="rId30"/>
+    <p:sldId id="303" r:id="rId31"/>
+    <p:sldId id="305" r:id="rId32"/>
+    <p:sldId id="306" r:id="rId33"/>
+    <p:sldId id="307" r:id="rId34"/>
+    <p:sldId id="304" r:id="rId35"/>
   </p:sldIdLst>
   <p:sldSz cx="9144000" cy="6858000" type="screen4x3"/>
   <p:notesSz cx="6784975" cy="9921875"/>
@@ -1179,7 +1188,7 @@
             <a:fld id="{18182567-388C-4D33-8B7B-A651F195F118}" type="slidenum">
               <a:rPr lang="de-DE" altLang="de-DE" smtClean="0"/>
               <a:pPr/>
-              <a:t>14</a:t>
+              <a:t>23</a:t>
             </a:fld>
             <a:endParaRPr lang="de-DE" altLang="de-DE"/>
           </a:p>
@@ -1264,7 +1273,7 @@
             <a:fld id="{18182567-388C-4D33-8B7B-A651F195F118}" type="slidenum">
               <a:rPr lang="de-DE" altLang="de-DE" smtClean="0"/>
               <a:pPr/>
-              <a:t>15</a:t>
+              <a:t>24</a:t>
             </a:fld>
             <a:endParaRPr lang="de-DE" altLang="de-DE"/>
           </a:p>
@@ -1349,7 +1358,7 @@
             <a:fld id="{18182567-388C-4D33-8B7B-A651F195F118}" type="slidenum">
               <a:rPr lang="de-DE" altLang="de-DE" smtClean="0"/>
               <a:pPr/>
-              <a:t>16</a:t>
+              <a:t>25</a:t>
             </a:fld>
             <a:endParaRPr lang="de-DE" altLang="de-DE"/>
           </a:p>
@@ -1358,7 +1367,7 @@
     </p:spTree>
     <p:extLst>
       <p:ext uri="{BB962C8B-B14F-4D97-AF65-F5344CB8AC3E}">
-        <p14:creationId xmlns:p14="http://schemas.microsoft.com/office/powerpoint/2010/main" val="2224477767"/>
+        <p14:creationId xmlns:p14="http://schemas.microsoft.com/office/powerpoint/2010/main" val="1522668474"/>
       </p:ext>
     </p:extLst>
   </p:cSld>
@@ -1434,7 +1443,7 @@
             <a:fld id="{18182567-388C-4D33-8B7B-A651F195F118}" type="slidenum">
               <a:rPr lang="de-DE" altLang="de-DE" smtClean="0"/>
               <a:pPr/>
-              <a:t>17</a:t>
+              <a:t>26</a:t>
             </a:fld>
             <a:endParaRPr lang="de-DE" altLang="de-DE"/>
           </a:p>
@@ -1443,7 +1452,7 @@
     </p:spTree>
     <p:extLst>
       <p:ext uri="{BB962C8B-B14F-4D97-AF65-F5344CB8AC3E}">
-        <p14:creationId xmlns:p14="http://schemas.microsoft.com/office/powerpoint/2010/main" val="1522668474"/>
+        <p14:creationId xmlns:p14="http://schemas.microsoft.com/office/powerpoint/2010/main" val="2320076113"/>
       </p:ext>
     </p:extLst>
   </p:cSld>
@@ -1519,92 +1528,7 @@
             <a:fld id="{18182567-388C-4D33-8B7B-A651F195F118}" type="slidenum">
               <a:rPr lang="de-DE" altLang="de-DE" smtClean="0"/>
               <a:pPr/>
-              <a:t>18</a:t>
-            </a:fld>
-            <a:endParaRPr lang="de-DE" altLang="de-DE"/>
-          </a:p>
-        </p:txBody>
-      </p:sp>
-    </p:spTree>
-    <p:extLst>
-      <p:ext uri="{BB962C8B-B14F-4D97-AF65-F5344CB8AC3E}">
-        <p14:creationId xmlns:p14="http://schemas.microsoft.com/office/powerpoint/2010/main" val="2320076113"/>
-      </p:ext>
-    </p:extLst>
-  </p:cSld>
-  <p:clrMapOvr>
-    <a:masterClrMapping/>
-  </p:clrMapOvr>
-</p:notes>
-</file>
-
-<file path=ppt/notesSlides/notesSlide8.xml><?xml version="1.0" encoding="utf-8"?>
-<p:notes xmlns:a="http://schemas.openxmlformats.org/drawingml/2006/main" xmlns:r="http://schemas.openxmlformats.org/officeDocument/2006/relationships" xmlns:p="http://schemas.openxmlformats.org/presentationml/2006/main">
-  <p:cSld>
-    <p:spTree>
-      <p:nvGrpSpPr>
-        <p:cNvPr id="1" name=""/>
-        <p:cNvGrpSpPr/>
-        <p:nvPr/>
-      </p:nvGrpSpPr>
-      <p:grpSpPr>
-        <a:xfrm>
-          <a:off x="0" y="0"/>
-          <a:ext cx="0" cy="0"/>
-          <a:chOff x="0" y="0"/>
-          <a:chExt cx="0" cy="0"/>
-        </a:xfrm>
-      </p:grpSpPr>
-      <p:sp>
-        <p:nvSpPr>
-          <p:cNvPr id="2" name="Folienbildplatzhalter 1"/>
-          <p:cNvSpPr>
-            <a:spLocks noGrp="1" noRot="1" noChangeAspect="1"/>
-          </p:cNvSpPr>
-          <p:nvPr>
-            <p:ph type="sldImg"/>
-          </p:nvPr>
-        </p:nvSpPr>
-        <p:spPr/>
-      </p:sp>
-      <p:sp>
-        <p:nvSpPr>
-          <p:cNvPr id="3" name="Notizenplatzhalter 2"/>
-          <p:cNvSpPr>
-            <a:spLocks noGrp="1"/>
-          </p:cNvSpPr>
-          <p:nvPr>
-            <p:ph type="body" idx="1"/>
-          </p:nvPr>
-        </p:nvSpPr>
-        <p:spPr/>
-        <p:txBody>
-          <a:bodyPr/>
-          <a:lstStyle/>
-          <a:p>
-            <a:endParaRPr lang="de-DE" dirty="0"/>
-          </a:p>
-        </p:txBody>
-      </p:sp>
-      <p:sp>
-        <p:nvSpPr>
-          <p:cNvPr id="4" name="Foliennummernplatzhalter 3"/>
-          <p:cNvSpPr>
-            <a:spLocks noGrp="1"/>
-          </p:cNvSpPr>
-          <p:nvPr>
-            <p:ph type="sldNum" sz="quarter" idx="5"/>
-          </p:nvPr>
-        </p:nvSpPr>
-        <p:spPr/>
-        <p:txBody>
-          <a:bodyPr/>
-          <a:lstStyle/>
-          <a:p>
-            <a:fld id="{18182567-388C-4D33-8B7B-A651F195F118}" type="slidenum">
-              <a:rPr lang="de-DE" altLang="de-DE" smtClean="0"/>
-              <a:pPr/>
-              <a:t>19</a:t>
+              <a:t>27</a:t>
             </a:fld>
             <a:endParaRPr lang="de-DE" altLang="de-DE"/>
           </a:p>
@@ -1972,7 +1896,7 @@
               <a:pPr algn="ctr">
                 <a:defRPr/>
               </a:pPr>
-              <a:t>04.06.2024</a:t>
+              <a:t>06.06.2024</a:t>
             </a:fld>
             <a:endParaRPr lang="de-DE" sz="1000">
               <a:solidFill>
@@ -4061,14 +3985,32 @@
         </p:nvSpPr>
         <p:spPr>
           <a:xfrm>
-            <a:off x="303213" y="1916832"/>
-            <a:ext cx="8516937" cy="1872208"/>
+            <a:off x="303213" y="1196752"/>
+            <a:ext cx="8516937" cy="2232248"/>
           </a:xfrm>
         </p:spPr>
         <p:txBody>
           <a:bodyPr/>
           <a:lstStyle/>
           <a:p>
+            <a:pPr marL="0" indent="0">
+              <a:buNone/>
+            </a:pPr>
+            <a:r>
+              <a:rPr lang="de-DE" sz="2400" b="1" dirty="0">
+                <a:latin typeface="+mj-lt"/>
+              </a:rPr>
+              <a:t>Docker </a:t>
+            </a:r>
+            <a:r>
+              <a:rPr lang="de-DE" sz="2400" b="1" dirty="0" err="1">
+                <a:latin typeface="+mj-lt"/>
+              </a:rPr>
+              <a:t>Registries</a:t>
+            </a:r>
+            <a:endParaRPr lang="de-DE" b="1" dirty="0"/>
+          </a:p>
+          <a:p>
             <a:pPr>
               <a:buFont typeface="Arial" panose="020B0604020202020204" pitchFamily="34" charset="0"/>
               <a:buChar char="•"/>
@@ -4131,59 +4073,6 @@
               <a:rPr lang="de-DE" dirty="0"/>
               <a:t> können selbst gehostet werden</a:t>
             </a:r>
-          </a:p>
-        </p:txBody>
-      </p:sp>
-      <p:sp>
-        <p:nvSpPr>
-          <p:cNvPr id="4" name="Textfeld 3">
-            <a:extLst>
-              <a:ext uri="{FF2B5EF4-FFF2-40B4-BE49-F238E27FC236}">
-                <a16:creationId xmlns:a16="http://schemas.microsoft.com/office/drawing/2014/main" id="{89E3EAE0-45BD-4E08-C462-729D904F4390}"/>
-              </a:ext>
-            </a:extLst>
-          </p:cNvPr>
-          <p:cNvSpPr txBox="1"/>
-          <p:nvPr/>
-        </p:nvSpPr>
-        <p:spPr bwMode="auto">
-          <a:xfrm>
-            <a:off x="323528" y="1181364"/>
-            <a:ext cx="8496944" cy="584775"/>
-          </a:xfrm>
-          <a:prstGeom prst="rect">
-            <a:avLst/>
-          </a:prstGeom>
-          <a:noFill/>
-          <a:ln w="9525">
-            <a:noFill/>
-            <a:miter lim="800000"/>
-            <a:headEnd/>
-            <a:tailEnd/>
-          </a:ln>
-        </p:spPr>
-        <p:txBody>
-          <a:bodyPr wrap="square" rtlCol="0" anchor="ctr">
-            <a:spAutoFit/>
-          </a:bodyPr>
-          <a:lstStyle/>
-          <a:p>
-            <a:pPr algn="ctr" eaLnBrk="1" hangingPunct="1"/>
-            <a:r>
-              <a:rPr lang="de-DE" sz="3200" dirty="0">
-                <a:latin typeface="+mj-lt"/>
-              </a:rPr>
-              <a:t>Docker </a:t>
-            </a:r>
-            <a:r>
-              <a:rPr lang="de-DE" sz="3200" dirty="0" err="1">
-                <a:latin typeface="+mj-lt"/>
-              </a:rPr>
-              <a:t>Registries</a:t>
-            </a:r>
-            <a:endParaRPr lang="de-DE" sz="3200" dirty="0">
-              <a:latin typeface="+mj-lt"/>
-            </a:endParaRPr>
           </a:p>
         </p:txBody>
       </p:sp>
@@ -4586,10 +4475,10 @@
       </p:pic>
       <p:sp>
         <p:nvSpPr>
-          <p:cNvPr id="6" name="Textfeld 5">
-            <a:extLst>
-              <a:ext uri="{FF2B5EF4-FFF2-40B4-BE49-F238E27FC236}">
-                <a16:creationId xmlns:a16="http://schemas.microsoft.com/office/drawing/2014/main" id="{62267565-4AF6-DA11-63DA-6BB776EA46B1}"/>
+          <p:cNvPr id="7" name="Textfeld 6">
+            <a:extLst>
+              <a:ext uri="{FF2B5EF4-FFF2-40B4-BE49-F238E27FC236}">
+                <a16:creationId xmlns:a16="http://schemas.microsoft.com/office/drawing/2014/main" id="{C01A366D-2B42-0C82-3243-4264BCF2A98D}"/>
               </a:ext>
             </a:extLst>
           </p:cNvPr>
@@ -4598,52 +4487,8 @@
         </p:nvSpPr>
         <p:spPr bwMode="auto">
           <a:xfrm>
-            <a:off x="1007603" y="1058504"/>
-            <a:ext cx="7128792" cy="584775"/>
-          </a:xfrm>
-          <a:prstGeom prst="rect">
-            <a:avLst/>
-          </a:prstGeom>
-          <a:noFill/>
-          <a:ln w="9525">
-            <a:noFill/>
-            <a:miter lim="800000"/>
-            <a:headEnd/>
-            <a:tailEnd/>
-          </a:ln>
-        </p:spPr>
-        <p:txBody>
-          <a:bodyPr wrap="square" rtlCol="0" anchor="ctr">
-            <a:spAutoFit/>
-          </a:bodyPr>
-          <a:lstStyle/>
-          <a:p>
-            <a:pPr algn="ctr" eaLnBrk="1" hangingPunct="1"/>
-            <a:r>
-              <a:rPr lang="de-DE" sz="3200" dirty="0">
-                <a:latin typeface="Arial" charset="0"/>
-              </a:rPr>
-              <a:t>Installation</a:t>
-            </a:r>
-          </a:p>
-        </p:txBody>
-      </p:sp>
-      <p:sp>
-        <p:nvSpPr>
-          <p:cNvPr id="7" name="Textfeld 6">
-            <a:extLst>
-              <a:ext uri="{FF2B5EF4-FFF2-40B4-BE49-F238E27FC236}">
-                <a16:creationId xmlns:a16="http://schemas.microsoft.com/office/drawing/2014/main" id="{C01A366D-2B42-0C82-3243-4264BCF2A98D}"/>
-              </a:ext>
-            </a:extLst>
-          </p:cNvPr>
-          <p:cNvSpPr txBox="1"/>
-          <p:nvPr/>
-        </p:nvSpPr>
-        <p:spPr bwMode="auto">
-          <a:xfrm>
-            <a:off x="1349640" y="1844533"/>
-            <a:ext cx="6444717" cy="1477328"/>
+            <a:off x="251520" y="1268760"/>
+            <a:ext cx="8640960" cy="2308324"/>
           </a:xfrm>
           <a:prstGeom prst="rect">
             <a:avLst/>
@@ -4662,12 +4507,21 @@
           </a:bodyPr>
           <a:lstStyle/>
           <a:p>
+            <a:pPr eaLnBrk="1" hangingPunct="1"/>
+            <a:r>
+              <a:rPr lang="de-DE" b="1" dirty="0">
+                <a:latin typeface="Arial" charset="0"/>
+              </a:rPr>
+              <a:t>Installation</a:t>
+            </a:r>
+          </a:p>
+          <a:p>
             <a:pPr marL="285750" indent="-285750" eaLnBrk="1" hangingPunct="1">
               <a:buFont typeface="Arial" panose="020B0604020202020204" pitchFamily="34" charset="0"/>
               <a:buChar char="•"/>
             </a:pPr>
             <a:r>
-              <a:rPr lang="de-DE" sz="1800" dirty="0">
+              <a:rPr lang="de-DE" dirty="0">
                 <a:latin typeface="Arial" charset="0"/>
               </a:rPr>
               <a:t>Plattformabhängig</a:t>
@@ -4679,7 +4533,7 @@
               <a:buChar char="•"/>
             </a:pPr>
             <a:r>
-              <a:rPr lang="de-DE" sz="1800" dirty="0">
+              <a:rPr lang="de-DE" dirty="0">
                 <a:latin typeface="Arial" charset="0"/>
               </a:rPr>
               <a:t>Anleitungen in der Dokumentation</a:t>
@@ -4691,13 +4545,13 @@
               <a:buChar char="•"/>
             </a:pPr>
             <a:r>
-              <a:rPr lang="de-DE" sz="1800" dirty="0">
+              <a:rPr lang="de-DE" dirty="0">
                 <a:latin typeface="Arial" charset="0"/>
                 <a:hlinkClick r:id="rId3"/>
               </a:rPr>
               <a:t>https://docs.docker.com/desktop/install/linux-install/</a:t>
             </a:r>
-            <a:endParaRPr lang="de-DE" sz="1800" dirty="0">
+            <a:endParaRPr lang="de-DE" dirty="0">
               <a:latin typeface="Arial" charset="0"/>
             </a:endParaRPr>
           </a:p>
@@ -4707,13 +4561,13 @@
               <a:buChar char="•"/>
             </a:pPr>
             <a:r>
-              <a:rPr lang="de-DE" sz="1800" dirty="0">
+              <a:rPr lang="de-DE" dirty="0">
                 <a:latin typeface="Arial" charset="0"/>
                 <a:hlinkClick r:id="rId4"/>
               </a:rPr>
               <a:t>https://docs.docker.com/desktop/install/windows-install/</a:t>
             </a:r>
-            <a:endParaRPr lang="de-DE" sz="1800" dirty="0">
+            <a:endParaRPr lang="de-DE" dirty="0">
               <a:latin typeface="Arial" charset="0"/>
             </a:endParaRPr>
           </a:p>
@@ -4723,14 +4577,14 @@
               <a:buChar char="•"/>
             </a:pPr>
             <a:r>
-              <a:rPr lang="de-DE" sz="1800" dirty="0">
+              <a:rPr lang="de-DE" dirty="0">
                 <a:latin typeface="Arial" charset="0"/>
                 <a:hlinkClick r:id="rId5"/>
               </a:rPr>
               <a:t>https://docs.docker.com/desktop/install/mac-install/</a:t>
             </a:r>
             <a:r>
-              <a:rPr lang="de-DE" sz="1800" dirty="0">
+              <a:rPr lang="de-DE" dirty="0">
                 <a:latin typeface="Arial" charset="0"/>
               </a:rPr>
               <a:t> </a:t>
@@ -5021,14 +4875,28 @@
         </p:nvSpPr>
         <p:spPr>
           <a:xfrm>
-            <a:off x="303213" y="2132856"/>
-            <a:ext cx="8516937" cy="1296144"/>
+            <a:off x="285721" y="1268760"/>
+            <a:ext cx="8534430" cy="2160240"/>
           </a:xfrm>
         </p:spPr>
         <p:txBody>
           <a:bodyPr/>
           <a:lstStyle/>
           <a:p>
+            <a:pPr marL="0" indent="0">
+              <a:buNone/>
+            </a:pPr>
+            <a:r>
+              <a:rPr lang="de-DE" sz="2400" b="1" dirty="0">
+                <a:latin typeface="+mj-lt"/>
+              </a:rPr>
+              <a:t>Erstellen von Images</a:t>
+            </a:r>
+            <a:endParaRPr lang="de-DE" b="1" dirty="0">
+              <a:latin typeface="+mj-lt"/>
+            </a:endParaRPr>
+          </a:p>
+          <a:p>
             <a:pPr>
               <a:buFont typeface="Arial" panose="020B0604020202020204" pitchFamily="34" charset="0"/>
               <a:buChar char="•"/>
@@ -5080,50 +4948,6 @@
               <a:buChar char="•"/>
             </a:pPr>
             <a:endParaRPr lang="de-DE" dirty="0"/>
-          </a:p>
-        </p:txBody>
-      </p:sp>
-      <p:sp>
-        <p:nvSpPr>
-          <p:cNvPr id="4" name="Textfeld 3">
-            <a:extLst>
-              <a:ext uri="{FF2B5EF4-FFF2-40B4-BE49-F238E27FC236}">
-                <a16:creationId xmlns:a16="http://schemas.microsoft.com/office/drawing/2014/main" id="{517F76CB-91F9-E4B6-387A-CC772F30AFA9}"/>
-              </a:ext>
-            </a:extLst>
-          </p:cNvPr>
-          <p:cNvSpPr txBox="1"/>
-          <p:nvPr/>
-        </p:nvSpPr>
-        <p:spPr bwMode="auto">
-          <a:xfrm>
-            <a:off x="285720" y="1264406"/>
-            <a:ext cx="8516937" cy="584775"/>
-          </a:xfrm>
-          <a:prstGeom prst="rect">
-            <a:avLst/>
-          </a:prstGeom>
-          <a:noFill/>
-          <a:ln w="9525">
-            <a:noFill/>
-            <a:miter lim="800000"/>
-            <a:headEnd/>
-            <a:tailEnd/>
-          </a:ln>
-        </p:spPr>
-        <p:txBody>
-          <a:bodyPr wrap="square" rtlCol="0" anchor="ctr">
-            <a:spAutoFit/>
-          </a:bodyPr>
-          <a:lstStyle/>
-          <a:p>
-            <a:pPr algn="ctr" eaLnBrk="1" hangingPunct="1"/>
-            <a:r>
-              <a:rPr lang="de-DE" sz="3200" dirty="0">
-                <a:latin typeface="+mj-lt"/>
-              </a:rPr>
-              <a:t>Erstellen von Images</a:t>
-            </a:r>
           </a:p>
         </p:txBody>
       </p:sp>
@@ -5154,8 +4978,8 @@
         </p:blipFill>
         <p:spPr>
           <a:xfrm>
-            <a:off x="2979741" y="3681028"/>
-            <a:ext cx="3184517" cy="2376264"/>
+            <a:off x="2641989" y="3429000"/>
+            <a:ext cx="3522269" cy="2628292"/>
           </a:xfrm>
           <a:prstGeom prst="rect">
             <a:avLst/>
@@ -5197,7 +5021,7 @@
           <p:cNvPr id="2" name="Titel 1">
             <a:extLst>
               <a:ext uri="{FF2B5EF4-FFF2-40B4-BE49-F238E27FC236}">
-                <a16:creationId xmlns:a16="http://schemas.microsoft.com/office/drawing/2014/main" id="{850FF3C7-B3ED-0A8B-5D14-2B093646715A}"/>
+                <a16:creationId xmlns:a16="http://schemas.microsoft.com/office/drawing/2014/main" id="{14CE78CD-8283-9E7B-B613-42B66D240626}"/>
               </a:ext>
             </a:extLst>
           </p:cNvPr>
@@ -5226,7 +5050,7 @@
           <p:cNvPr id="3" name="Inhaltsplatzhalter 2">
             <a:extLst>
               <a:ext uri="{FF2B5EF4-FFF2-40B4-BE49-F238E27FC236}">
-                <a16:creationId xmlns:a16="http://schemas.microsoft.com/office/drawing/2014/main" id="{0DC67BCE-F3AB-A77C-5BBC-4F0D1EB74590}"/>
+                <a16:creationId xmlns:a16="http://schemas.microsoft.com/office/drawing/2014/main" id="{F8D03162-A290-8535-F9FD-8ACB2F578B1B}"/>
               </a:ext>
             </a:extLst>
           </p:cNvPr>
@@ -5239,33 +5063,30 @@
         </p:nvSpPr>
         <p:spPr>
           <a:xfrm>
-            <a:off x="303213" y="2996952"/>
-            <a:ext cx="8516937" cy="3384798"/>
+            <a:off x="303213" y="981075"/>
+            <a:ext cx="8516937" cy="3888085"/>
           </a:xfrm>
         </p:spPr>
         <p:txBody>
           <a:bodyPr/>
           <a:lstStyle/>
           <a:p>
+            <a:pPr marL="0" indent="0">
+              <a:buNone/>
+            </a:pPr>
+            <a:r>
+              <a:rPr lang="de-DE" b="1" dirty="0"/>
+              <a:t>FROM &lt;Image&gt;</a:t>
+            </a:r>
+          </a:p>
+          <a:p>
             <a:pPr>
               <a:buFont typeface="Arial" panose="020B0604020202020204" pitchFamily="34" charset="0"/>
               <a:buChar char="•"/>
             </a:pPr>
             <a:r>
-              <a:rPr lang="de-DE" dirty="0" err="1"/>
-              <a:t>docker</a:t>
-            </a:r>
-            <a:r>
               <a:rPr lang="de-DE" dirty="0"/>
-              <a:t> </a:t>
-            </a:r>
-            <a:r>
-              <a:rPr lang="de-DE" dirty="0" err="1"/>
-              <a:t>build</a:t>
-            </a:r>
-            <a:r>
-              <a:rPr lang="de-DE" dirty="0"/>
-              <a:t>: Befehl für Bauen von Images</a:t>
+              <a:t>Basis für das neue Image</a:t>
             </a:r>
           </a:p>
           <a:p>
@@ -5275,15 +5096,15 @@
             </a:pPr>
             <a:r>
               <a:rPr lang="de-DE" dirty="0"/>
-              <a:t>-t </a:t>
+              <a:t>Kann lokal oder in </a:t>
             </a:r>
             <a:r>
               <a:rPr lang="de-DE" dirty="0" err="1"/>
-              <a:t>example</a:t>
+              <a:t>Registries</a:t>
             </a:r>
             <a:r>
               <a:rPr lang="de-DE" dirty="0"/>
-              <a:t>: Gibt dem erstellten Image einen Tag</a:t>
+              <a:t> sein</a:t>
             </a:r>
           </a:p>
           <a:p>
@@ -5293,7 +5114,7 @@
             </a:pPr>
             <a:r>
               <a:rPr lang="de-DE" dirty="0"/>
-              <a:t>Verzeichnis aus dem das Image erstellt wird</a:t>
+              <a:t>Optional</a:t>
             </a:r>
           </a:p>
           <a:p>
@@ -5302,161 +5123,154 @@
               <a:buChar char="•"/>
             </a:pPr>
             <a:r>
+              <a:rPr lang="de-DE" dirty="0"/>
+              <a:t>Wenn fehlt, wird das Image „</a:t>
+            </a:r>
+            <a:r>
+              <a:rPr lang="de-DE" dirty="0" err="1"/>
+              <a:t>scratch</a:t>
+            </a:r>
+            <a:r>
+              <a:rPr lang="de-DE" dirty="0"/>
+              <a:t>“ als Basis verwendet</a:t>
+            </a:r>
+          </a:p>
+          <a:p>
+            <a:pPr>
+              <a:buFont typeface="Arial" panose="020B0604020202020204" pitchFamily="34" charset="0"/>
+              <a:buChar char="•"/>
+            </a:pPr>
+            <a:r>
+              <a:rPr lang="de-DE" dirty="0"/>
+              <a:t>Nur eine Basis pro </a:t>
+            </a:r>
+            <a:r>
               <a:rPr lang="de-DE" dirty="0" err="1"/>
               <a:t>Dockerfile</a:t>
             </a:r>
-            <a:r>
-              <a:rPr lang="de-DE" dirty="0"/>
-              <a:t> </a:t>
-            </a:r>
-            <a:r>
-              <a:rPr lang="de-DE" dirty="0" err="1"/>
-              <a:t>names</a:t>
-            </a:r>
-            <a:r>
-              <a:rPr lang="de-DE" dirty="0"/>
-              <a:t> „</a:t>
-            </a:r>
-            <a:r>
-              <a:rPr lang="de-DE" dirty="0" err="1"/>
-              <a:t>Dockerfile</a:t>
-            </a:r>
-            <a:r>
-              <a:rPr lang="de-DE" dirty="0"/>
-              <a:t>“ im Verzeichnis</a:t>
-            </a:r>
+            <a:endParaRPr lang="de-DE" dirty="0"/>
+          </a:p>
+          <a:p>
+            <a:pPr>
+              <a:buFont typeface="Arial" panose="020B0604020202020204" pitchFamily="34" charset="0"/>
+              <a:buChar char="•"/>
+            </a:pPr>
+            <a:endParaRPr lang="de-DE" dirty="0"/>
           </a:p>
         </p:txBody>
       </p:sp>
+      <p:pic>
+        <p:nvPicPr>
+          <p:cNvPr id="4" name="Grafik 3">
+            <a:extLst>
+              <a:ext uri="{FF2B5EF4-FFF2-40B4-BE49-F238E27FC236}">
+                <a16:creationId xmlns:a16="http://schemas.microsoft.com/office/drawing/2014/main" id="{0E72DCD3-F329-D8E8-8EDD-A328294ACFFD}"/>
+              </a:ext>
+            </a:extLst>
+          </p:cNvPr>
+          <p:cNvPicPr>
+            <a:picLocks noChangeAspect="1"/>
+          </p:cNvPicPr>
+          <p:nvPr/>
+        </p:nvPicPr>
+        <p:blipFill>
+          <a:blip r:embed="rId2">
+            <a:extLst>
+              <a:ext uri="{28A0092B-C50C-407E-A947-70E740481C1C}">
+                <a14:useLocalDpi xmlns:a14="http://schemas.microsoft.com/office/drawing/2010/main" val="0"/>
+              </a:ext>
+            </a:extLst>
+          </a:blip>
+          <a:srcRect/>
+          <a:stretch/>
+        </p:blipFill>
+        <p:spPr>
+          <a:xfrm>
+            <a:off x="5289564" y="3555014"/>
+            <a:ext cx="3522269" cy="2628292"/>
+          </a:xfrm>
+          <a:prstGeom prst="rect">
+            <a:avLst/>
+          </a:prstGeom>
+        </p:spPr>
+      </p:pic>
       <p:sp>
         <p:nvSpPr>
-          <p:cNvPr id="4" name="Textfeld 3">
-            <a:extLst>
-              <a:ext uri="{FF2B5EF4-FFF2-40B4-BE49-F238E27FC236}">
-                <a16:creationId xmlns:a16="http://schemas.microsoft.com/office/drawing/2014/main" id="{575FEA88-C68F-924B-C800-0C8D6BD744B1}"/>
-              </a:ext>
-            </a:extLst>
-          </p:cNvPr>
-          <p:cNvSpPr txBox="1"/>
+          <p:cNvPr id="5" name="Rechteck 4">
+            <a:extLst>
+              <a:ext uri="{FF2B5EF4-FFF2-40B4-BE49-F238E27FC236}">
+                <a16:creationId xmlns:a16="http://schemas.microsoft.com/office/drawing/2014/main" id="{31E39CB4-1AC2-A872-1417-5A3B4119DE3C}"/>
+              </a:ext>
+            </a:extLst>
+          </p:cNvPr>
+          <p:cNvSpPr/>
           <p:nvPr/>
         </p:nvSpPr>
         <p:spPr bwMode="auto">
           <a:xfrm>
-            <a:off x="285720" y="1264406"/>
-            <a:ext cx="8516937" cy="584775"/>
-          </a:xfrm>
-          <a:prstGeom prst="rect">
-            <a:avLst/>
-          </a:prstGeom>
-          <a:noFill/>
-          <a:ln w="9525">
-            <a:noFill/>
-            <a:miter lim="800000"/>
-            <a:headEnd/>
-            <a:tailEnd/>
-          </a:ln>
-        </p:spPr>
-        <p:txBody>
-          <a:bodyPr wrap="square" rtlCol="0" anchor="ctr">
-            <a:spAutoFit/>
-          </a:bodyPr>
-          <a:lstStyle/>
-          <a:p>
-            <a:pPr algn="ctr" eaLnBrk="1" hangingPunct="1"/>
-            <a:r>
-              <a:rPr lang="de-DE" sz="3200" dirty="0">
-                <a:latin typeface="+mj-lt"/>
-              </a:rPr>
-              <a:t>Erstellen von Images</a:t>
-            </a:r>
-          </a:p>
-        </p:txBody>
-      </p:sp>
-      <p:sp>
-        <p:nvSpPr>
-          <p:cNvPr id="5" name="Textfeld 4">
-            <a:extLst>
-              <a:ext uri="{FF2B5EF4-FFF2-40B4-BE49-F238E27FC236}">
-                <a16:creationId xmlns:a16="http://schemas.microsoft.com/office/drawing/2014/main" id="{AA8B9AE6-EF63-25CA-4D6B-117E7B727411}"/>
-              </a:ext>
-            </a:extLst>
-          </p:cNvPr>
-          <p:cNvSpPr txBox="1"/>
-          <p:nvPr/>
-        </p:nvSpPr>
-        <p:spPr bwMode="auto">
-          <a:xfrm>
-            <a:off x="297818" y="2192234"/>
-            <a:ext cx="8516937" cy="461665"/>
+            <a:off x="5281247" y="3555014"/>
+            <a:ext cx="3559540" cy="306034"/>
           </a:xfrm>
           <a:prstGeom prst="rect">
             <a:avLst/>
           </a:prstGeom>
           <a:solidFill>
-            <a:schemeClr val="bg1">
-              <a:lumMod val="85000"/>
+            <a:schemeClr val="accent1">
+              <a:alpha val="24000"/>
             </a:schemeClr>
           </a:solidFill>
-          <a:ln w="9525">
-            <a:noFill/>
-            <a:miter lim="800000"/>
-            <a:headEnd/>
-            <a:tailEnd/>
+          <a:ln w="12700" cap="flat" cmpd="sng" algn="ctr">
+            <a:solidFill>
+              <a:schemeClr val="tx1"/>
+            </a:solidFill>
+            <a:prstDash val="solid"/>
+            <a:round/>
+            <a:headEnd type="none" w="sm" len="sm"/>
+            <a:tailEnd type="none" w="sm" len="sm"/>
           </a:ln>
-          <a:effectLst>
-            <a:softEdge rad="25400"/>
-          </a:effectLst>
+          <a:effectLst/>
         </p:spPr>
         <p:txBody>
-          <a:bodyPr wrap="square" rtlCol="0" anchor="ctr">
-            <a:spAutoFit/>
+          <a:bodyPr vert="horz" wrap="square" lIns="91440" tIns="45720" rIns="91440" bIns="45720" numCol="1" rtlCol="0" anchor="t" anchorCtr="0" compatLnSpc="1">
+            <a:prstTxWarp prst="textNoShape">
+              <a:avLst/>
+            </a:prstTxWarp>
           </a:bodyPr>
           <a:lstStyle/>
           <a:p>
-            <a:pPr algn="ctr" eaLnBrk="1" hangingPunct="1"/>
-            <a:r>
-              <a:rPr lang="de-DE" dirty="0" err="1">
-                <a:latin typeface="Arial" charset="0"/>
-              </a:rPr>
-              <a:t>docker</a:t>
-            </a:r>
-            <a:r>
-              <a:rPr lang="de-DE" dirty="0">
-                <a:latin typeface="Arial" charset="0"/>
-              </a:rPr>
-              <a:t> </a:t>
-            </a:r>
-            <a:r>
-              <a:rPr lang="de-DE" dirty="0" err="1">
-                <a:latin typeface="Arial" charset="0"/>
-              </a:rPr>
-              <a:t>build</a:t>
-            </a:r>
-            <a:r>
-              <a:rPr lang="de-DE" dirty="0">
-                <a:latin typeface="Arial" charset="0"/>
-              </a:rPr>
-              <a:t> -t </a:t>
-            </a:r>
-            <a:r>
-              <a:rPr lang="de-DE" dirty="0" err="1">
-                <a:latin typeface="Arial" charset="0"/>
-              </a:rPr>
-              <a:t>example</a:t>
-            </a:r>
-            <a:r>
-              <a:rPr lang="de-DE" dirty="0">
-                <a:latin typeface="Arial" charset="0"/>
-              </a:rPr>
-              <a:t> .</a:t>
-            </a:r>
+            <a:pPr marL="0" marR="0" indent="0" algn="l" defTabSz="914400" rtl="0" eaLnBrk="0" fontAlgn="base" latinLnBrk="0" hangingPunct="0">
+              <a:lnSpc>
+                <a:spcPct val="100000"/>
+              </a:lnSpc>
+              <a:spcBef>
+                <a:spcPct val="0"/>
+              </a:spcBef>
+              <a:spcAft>
+                <a:spcPct val="0"/>
+              </a:spcAft>
+              <a:buClrTx/>
+              <a:buSzTx/>
+              <a:buFontTx/>
+              <a:buNone/>
+              <a:tabLst/>
+            </a:pPr>
+            <a:endParaRPr kumimoji="0" lang="de-DE" sz="2400" b="0" i="0" u="none" strike="noStrike" cap="none" normalizeH="0" baseline="0">
+              <a:ln>
+                <a:noFill/>
+              </a:ln>
+              <a:solidFill>
+                <a:schemeClr val="tx1"/>
+              </a:solidFill>
+              <a:effectLst/>
+              <a:latin typeface="Times New Roman" pitchFamily="18" charset="0"/>
+            </a:endParaRPr>
           </a:p>
         </p:txBody>
       </p:sp>
     </p:spTree>
     <p:extLst>
       <p:ext uri="{BB962C8B-B14F-4D97-AF65-F5344CB8AC3E}">
-        <p14:creationId xmlns:p14="http://schemas.microsoft.com/office/powerpoint/2010/main" val="1459689168"/>
+        <p14:creationId xmlns:p14="http://schemas.microsoft.com/office/powerpoint/2010/main" val="3855785619"/>
       </p:ext>
     </p:extLst>
   </p:cSld>
@@ -5488,7 +5302,7 @@
           <p:cNvPr id="2" name="Titel 1">
             <a:extLst>
               <a:ext uri="{FF2B5EF4-FFF2-40B4-BE49-F238E27FC236}">
-                <a16:creationId xmlns:a16="http://schemas.microsoft.com/office/drawing/2014/main" id="{95863F39-AC6F-C91A-BC48-29EE6581525D}"/>
+                <a16:creationId xmlns:a16="http://schemas.microsoft.com/office/drawing/2014/main" id="{14CE78CD-8283-9E7B-B613-42B66D240626}"/>
               </a:ext>
             </a:extLst>
           </p:cNvPr>
@@ -5517,7 +5331,7 @@
           <p:cNvPr id="3" name="Inhaltsplatzhalter 2">
             <a:extLst>
               <a:ext uri="{FF2B5EF4-FFF2-40B4-BE49-F238E27FC236}">
-                <a16:creationId xmlns:a16="http://schemas.microsoft.com/office/drawing/2014/main" id="{3ED41AEE-F238-EA07-C91E-34B4C1C3FDC0}"/>
+                <a16:creationId xmlns:a16="http://schemas.microsoft.com/office/drawing/2014/main" id="{F8D03162-A290-8535-F9FD-8ACB2F578B1B}"/>
               </a:ext>
             </a:extLst>
           </p:cNvPr>
@@ -5530,25 +5344,30 @@
         </p:nvSpPr>
         <p:spPr>
           <a:xfrm>
-            <a:off x="303213" y="3429000"/>
-            <a:ext cx="8516937" cy="2952750"/>
+            <a:off x="303213" y="981075"/>
+            <a:ext cx="8516937" cy="3888085"/>
           </a:xfrm>
         </p:spPr>
         <p:txBody>
           <a:bodyPr/>
           <a:lstStyle/>
           <a:p>
+            <a:pPr marL="0" indent="0">
+              <a:buNone/>
+            </a:pPr>
+            <a:r>
+              <a:rPr lang="de-DE" b="1" dirty="0"/>
+              <a:t>WORKDIR &lt;Directory&gt;</a:t>
+            </a:r>
+          </a:p>
+          <a:p>
             <a:pPr>
               <a:buFont typeface="Arial" panose="020B0604020202020204" pitchFamily="34" charset="0"/>
               <a:buChar char="•"/>
             </a:pPr>
             <a:r>
-              <a:rPr lang="de-DE" dirty="0" err="1"/>
-              <a:t>docker</a:t>
-            </a:r>
-            <a:r>
               <a:rPr lang="de-DE" dirty="0"/>
-              <a:t> erstellt und startet einen Container</a:t>
+              <a:t>Setzt Arbeitsverzeichnis</a:t>
             </a:r>
           </a:p>
           <a:p>
@@ -5558,185 +5377,115 @@
             </a:pPr>
             <a:r>
               <a:rPr lang="de-DE" dirty="0"/>
-              <a:t>mit --name können Container benannt werden</a:t>
-            </a:r>
-          </a:p>
-          <a:p>
-            <a:pPr>
-              <a:buFont typeface="Arial" panose="020B0604020202020204" pitchFamily="34" charset="0"/>
-              <a:buChar char="•"/>
-            </a:pPr>
-            <a:r>
-              <a:rPr lang="de-DE" dirty="0"/>
-              <a:t>Viele weitere Optionen je nach Image und Applikation</a:t>
-            </a:r>
-          </a:p>
-          <a:p>
-            <a:pPr>
-              <a:buFont typeface="Arial" panose="020B0604020202020204" pitchFamily="34" charset="0"/>
-              <a:buChar char="•"/>
-            </a:pPr>
-            <a:r>
-              <a:rPr lang="de-DE" dirty="0"/>
-              <a:t>Container haben Namen und ID zur Identifikation</a:t>
+              <a:t>Alle Befehle werden hier ausgeführt wird</a:t>
             </a:r>
           </a:p>
         </p:txBody>
       </p:sp>
+      <p:pic>
+        <p:nvPicPr>
+          <p:cNvPr id="4" name="Grafik 3">
+            <a:extLst>
+              <a:ext uri="{FF2B5EF4-FFF2-40B4-BE49-F238E27FC236}">
+                <a16:creationId xmlns:a16="http://schemas.microsoft.com/office/drawing/2014/main" id="{0E72DCD3-F329-D8E8-8EDD-A328294ACFFD}"/>
+              </a:ext>
+            </a:extLst>
+          </p:cNvPr>
+          <p:cNvPicPr>
+            <a:picLocks noChangeAspect="1"/>
+          </p:cNvPicPr>
+          <p:nvPr/>
+        </p:nvPicPr>
+        <p:blipFill>
+          <a:blip r:embed="rId2">
+            <a:extLst>
+              <a:ext uri="{28A0092B-C50C-407E-A947-70E740481C1C}">
+                <a14:useLocalDpi xmlns:a14="http://schemas.microsoft.com/office/drawing/2010/main" val="0"/>
+              </a:ext>
+            </a:extLst>
+          </a:blip>
+          <a:srcRect/>
+          <a:stretch/>
+        </p:blipFill>
+        <p:spPr>
+          <a:xfrm>
+            <a:off x="5289564" y="3555014"/>
+            <a:ext cx="3522269" cy="2628292"/>
+          </a:xfrm>
+          <a:prstGeom prst="rect">
+            <a:avLst/>
+          </a:prstGeom>
+        </p:spPr>
+      </p:pic>
       <p:sp>
         <p:nvSpPr>
-          <p:cNvPr id="5" name="Textfeld 4">
-            <a:extLst>
-              <a:ext uri="{FF2B5EF4-FFF2-40B4-BE49-F238E27FC236}">
-                <a16:creationId xmlns:a16="http://schemas.microsoft.com/office/drawing/2014/main" id="{02FEDFB1-88E0-0AE1-5A10-FF6902E93AA4}"/>
-              </a:ext>
-            </a:extLst>
-          </p:cNvPr>
-          <p:cNvSpPr txBox="1"/>
+          <p:cNvPr id="5" name="Rechteck 4">
+            <a:extLst>
+              <a:ext uri="{FF2B5EF4-FFF2-40B4-BE49-F238E27FC236}">
+                <a16:creationId xmlns:a16="http://schemas.microsoft.com/office/drawing/2014/main" id="{31E39CB4-1AC2-A872-1417-5A3B4119DE3C}"/>
+              </a:ext>
+            </a:extLst>
+          </p:cNvPr>
+          <p:cNvSpPr/>
           <p:nvPr/>
         </p:nvSpPr>
         <p:spPr bwMode="auto">
           <a:xfrm>
-            <a:off x="285720" y="1264406"/>
-            <a:ext cx="8516937" cy="584775"/>
-          </a:xfrm>
-          <a:prstGeom prst="rect">
-            <a:avLst/>
-          </a:prstGeom>
-          <a:noFill/>
-          <a:ln w="9525">
-            <a:noFill/>
-            <a:miter lim="800000"/>
-            <a:headEnd/>
-            <a:tailEnd/>
-          </a:ln>
-        </p:spPr>
-        <p:txBody>
-          <a:bodyPr wrap="square" rtlCol="0" anchor="ctr">
-            <a:spAutoFit/>
-          </a:bodyPr>
-          <a:lstStyle/>
-          <a:p>
-            <a:pPr algn="ctr" eaLnBrk="1" hangingPunct="1"/>
-            <a:r>
-              <a:rPr lang="de-DE" sz="3200" dirty="0">
-                <a:latin typeface="+mj-lt"/>
-              </a:rPr>
-              <a:t>Erstellen von Containern</a:t>
-            </a:r>
-          </a:p>
-        </p:txBody>
-      </p:sp>
-      <p:sp>
-        <p:nvSpPr>
-          <p:cNvPr id="6" name="Textfeld 5">
-            <a:extLst>
-              <a:ext uri="{FF2B5EF4-FFF2-40B4-BE49-F238E27FC236}">
-                <a16:creationId xmlns:a16="http://schemas.microsoft.com/office/drawing/2014/main" id="{4ACC5388-79C6-75D2-C169-4274E8C247EA}"/>
-              </a:ext>
-            </a:extLst>
-          </p:cNvPr>
-          <p:cNvSpPr txBox="1"/>
-          <p:nvPr/>
-        </p:nvSpPr>
-        <p:spPr bwMode="auto">
-          <a:xfrm>
-            <a:off x="297818" y="2007568"/>
-            <a:ext cx="8516937" cy="830997"/>
+            <a:off x="5281247" y="3933056"/>
+            <a:ext cx="3559540" cy="306034"/>
           </a:xfrm>
           <a:prstGeom prst="rect">
             <a:avLst/>
           </a:prstGeom>
           <a:solidFill>
-            <a:schemeClr val="bg1">
-              <a:lumMod val="85000"/>
+            <a:schemeClr val="accent1">
+              <a:alpha val="24000"/>
             </a:schemeClr>
           </a:solidFill>
-          <a:ln w="9525">
-            <a:noFill/>
-            <a:miter lim="800000"/>
-            <a:headEnd/>
-            <a:tailEnd/>
+          <a:ln w="12700" cap="flat" cmpd="sng" algn="ctr">
+            <a:solidFill>
+              <a:schemeClr val="tx1"/>
+            </a:solidFill>
+            <a:prstDash val="solid"/>
+            <a:round/>
+            <a:headEnd type="none" w="sm" len="sm"/>
+            <a:tailEnd type="none" w="sm" len="sm"/>
           </a:ln>
-          <a:effectLst>
-            <a:softEdge rad="25400"/>
-          </a:effectLst>
+          <a:effectLst/>
         </p:spPr>
         <p:txBody>
-          <a:bodyPr wrap="square" rtlCol="0" anchor="ctr">
-            <a:spAutoFit/>
+          <a:bodyPr vert="horz" wrap="square" lIns="91440" tIns="45720" rIns="91440" bIns="45720" numCol="1" rtlCol="0" anchor="t" anchorCtr="0" compatLnSpc="1">
+            <a:prstTxWarp prst="textNoShape">
+              <a:avLst/>
+            </a:prstTxWarp>
           </a:bodyPr>
           <a:lstStyle/>
           <a:p>
-            <a:pPr algn="ctr" eaLnBrk="1" hangingPunct="1"/>
-            <a:r>
-              <a:rPr lang="de-DE" dirty="0" err="1">
-                <a:latin typeface="Arial" charset="0"/>
-              </a:rPr>
-              <a:t>docker</a:t>
-            </a:r>
-            <a:r>
-              <a:rPr lang="de-DE" dirty="0">
-                <a:latin typeface="Arial" charset="0"/>
-              </a:rPr>
-              <a:t> </a:t>
-            </a:r>
-            <a:r>
-              <a:rPr lang="de-DE" dirty="0" err="1">
-                <a:latin typeface="Arial" charset="0"/>
-              </a:rPr>
-              <a:t>run</a:t>
-            </a:r>
-            <a:r>
-              <a:rPr lang="de-DE" dirty="0">
-                <a:latin typeface="Arial" charset="0"/>
-              </a:rPr>
-              <a:t> </a:t>
-            </a:r>
-            <a:r>
-              <a:rPr lang="de-DE" dirty="0" err="1">
-                <a:latin typeface="Arial" charset="0"/>
-              </a:rPr>
-              <a:t>example</a:t>
-            </a:r>
-            <a:endParaRPr lang="de-DE" dirty="0">
-              <a:latin typeface="Arial" charset="0"/>
-            </a:endParaRPr>
-          </a:p>
-          <a:p>
-            <a:pPr algn="ctr" eaLnBrk="1" hangingPunct="1"/>
-            <a:r>
-              <a:rPr lang="de-DE" dirty="0" err="1">
-                <a:latin typeface="Arial" charset="0"/>
-              </a:rPr>
-              <a:t>docker</a:t>
-            </a:r>
-            <a:r>
-              <a:rPr lang="de-DE" dirty="0">
-                <a:latin typeface="Arial" charset="0"/>
-              </a:rPr>
-              <a:t> </a:t>
-            </a:r>
-            <a:r>
-              <a:rPr lang="de-DE" dirty="0" err="1">
-                <a:latin typeface="Arial" charset="0"/>
-              </a:rPr>
-              <a:t>create</a:t>
-            </a:r>
-            <a:r>
-              <a:rPr lang="de-DE" dirty="0">
-                <a:latin typeface="Arial" charset="0"/>
-              </a:rPr>
-              <a:t> </a:t>
-            </a:r>
-            <a:r>
-              <a:rPr lang="de-DE" dirty="0" err="1">
-                <a:latin typeface="Arial" charset="0"/>
-              </a:rPr>
-              <a:t>example</a:t>
-            </a:r>
-            <a:endParaRPr lang="de-DE" dirty="0">
-              <a:latin typeface="Arial" charset="0"/>
+            <a:pPr marL="0" marR="0" indent="0" algn="l" defTabSz="914400" rtl="0" eaLnBrk="0" fontAlgn="base" latinLnBrk="0" hangingPunct="0">
+              <a:lnSpc>
+                <a:spcPct val="100000"/>
+              </a:lnSpc>
+              <a:spcBef>
+                <a:spcPct val="0"/>
+              </a:spcBef>
+              <a:spcAft>
+                <a:spcPct val="0"/>
+              </a:spcAft>
+              <a:buClrTx/>
+              <a:buSzTx/>
+              <a:buFontTx/>
+              <a:buNone/>
+              <a:tabLst/>
+            </a:pPr>
+            <a:endParaRPr kumimoji="0" lang="de-DE" sz="2400" b="0" i="0" u="none" strike="noStrike" cap="none" normalizeH="0" baseline="0">
+              <a:ln>
+                <a:noFill/>
+              </a:ln>
+              <a:solidFill>
+                <a:schemeClr val="tx1"/>
+              </a:solidFill>
+              <a:effectLst/>
+              <a:latin typeface="Times New Roman" pitchFamily="18" charset="0"/>
             </a:endParaRPr>
           </a:p>
         </p:txBody>
@@ -5744,7 +5493,7 @@
     </p:spTree>
     <p:extLst>
       <p:ext uri="{BB962C8B-B14F-4D97-AF65-F5344CB8AC3E}">
-        <p14:creationId xmlns:p14="http://schemas.microsoft.com/office/powerpoint/2010/main" val="4065056465"/>
+        <p14:creationId xmlns:p14="http://schemas.microsoft.com/office/powerpoint/2010/main" val="1526919550"/>
       </p:ext>
     </p:extLst>
   </p:cSld>
@@ -5776,7 +5525,7 @@
           <p:cNvPr id="2" name="Titel 1">
             <a:extLst>
               <a:ext uri="{FF2B5EF4-FFF2-40B4-BE49-F238E27FC236}">
-                <a16:creationId xmlns:a16="http://schemas.microsoft.com/office/drawing/2014/main" id="{95863F39-AC6F-C91A-BC48-29EE6581525D}"/>
+                <a16:creationId xmlns:a16="http://schemas.microsoft.com/office/drawing/2014/main" id="{14CE78CD-8283-9E7B-B613-42B66D240626}"/>
               </a:ext>
             </a:extLst>
           </p:cNvPr>
@@ -5805,7 +5554,7 @@
           <p:cNvPr id="3" name="Inhaltsplatzhalter 2">
             <a:extLst>
               <a:ext uri="{FF2B5EF4-FFF2-40B4-BE49-F238E27FC236}">
-                <a16:creationId xmlns:a16="http://schemas.microsoft.com/office/drawing/2014/main" id="{3ED41AEE-F238-EA07-C91E-34B4C1C3FDC0}"/>
+                <a16:creationId xmlns:a16="http://schemas.microsoft.com/office/drawing/2014/main" id="{F8D03162-A290-8535-F9FD-8ACB2F578B1B}"/>
               </a:ext>
             </a:extLst>
           </p:cNvPr>
@@ -5818,27 +5567,31 @@
         </p:nvSpPr>
         <p:spPr>
           <a:xfrm>
-            <a:off x="303213" y="3429000"/>
-            <a:ext cx="8516937" cy="2952750"/>
+            <a:off x="303213" y="981075"/>
+            <a:ext cx="8516937" cy="3888085"/>
           </a:xfrm>
         </p:spPr>
         <p:txBody>
           <a:bodyPr/>
           <a:lstStyle/>
           <a:p>
+            <a:pPr marL="0" indent="0">
+              <a:buNone/>
+            </a:pPr>
+            <a:r>
+              <a:rPr lang="de-DE" b="1" dirty="0"/>
+              <a:t>ENV &lt;Name&gt;=&lt;Value&gt;</a:t>
+            </a:r>
+          </a:p>
+          <a:p>
             <a:pPr>
               <a:buFont typeface="Arial" panose="020B0604020202020204" pitchFamily="34" charset="0"/>
               <a:buChar char="•"/>
             </a:pPr>
             <a:r>
               <a:rPr lang="de-DE" dirty="0"/>
-              <a:t>Docker startet </a:t>
-            </a:r>
-            <a:r>
-              <a:rPr lang="de-DE" dirty="0" err="1"/>
-              <a:t>container</a:t>
-            </a:r>
-            <a:endParaRPr lang="de-DE" dirty="0"/>
+              <a:t>Setzt Umgebungsvariablen</a:t>
+            </a:r>
           </a:p>
           <a:p>
             <a:pPr>
@@ -5847,129 +5600,125 @@
             </a:pPr>
             <a:r>
               <a:rPr lang="de-DE" dirty="0"/>
-              <a:t>Kann mit ID oder Name identifiziert werden</a:t>
+              <a:t>Beliebig viele pro Command </a:t>
+            </a:r>
+          </a:p>
+          <a:p>
+            <a:pPr lvl="1">
+              <a:buFont typeface="Arial" panose="020B0604020202020204" pitchFamily="34" charset="0"/>
+              <a:buChar char="•"/>
+            </a:pPr>
+            <a:r>
+              <a:rPr lang="de-DE" dirty="0"/>
+              <a:t>ENV &lt;Name1&gt;=&lt;Value1&gt; &lt;Name2&gt;=&lt;Value2&gt; …</a:t>
             </a:r>
           </a:p>
         </p:txBody>
       </p:sp>
+      <p:pic>
+        <p:nvPicPr>
+          <p:cNvPr id="4" name="Grafik 3">
+            <a:extLst>
+              <a:ext uri="{FF2B5EF4-FFF2-40B4-BE49-F238E27FC236}">
+                <a16:creationId xmlns:a16="http://schemas.microsoft.com/office/drawing/2014/main" id="{0E72DCD3-F329-D8E8-8EDD-A328294ACFFD}"/>
+              </a:ext>
+            </a:extLst>
+          </p:cNvPr>
+          <p:cNvPicPr>
+            <a:picLocks noChangeAspect="1"/>
+          </p:cNvPicPr>
+          <p:nvPr/>
+        </p:nvPicPr>
+        <p:blipFill>
+          <a:blip r:embed="rId2">
+            <a:extLst>
+              <a:ext uri="{28A0092B-C50C-407E-A947-70E740481C1C}">
+                <a14:useLocalDpi xmlns:a14="http://schemas.microsoft.com/office/drawing/2010/main" val="0"/>
+              </a:ext>
+            </a:extLst>
+          </a:blip>
+          <a:srcRect/>
+          <a:stretch/>
+        </p:blipFill>
+        <p:spPr>
+          <a:xfrm>
+            <a:off x="5289564" y="3555014"/>
+            <a:ext cx="3522269" cy="2628292"/>
+          </a:xfrm>
+          <a:prstGeom prst="rect">
+            <a:avLst/>
+          </a:prstGeom>
+        </p:spPr>
+      </p:pic>
       <p:sp>
         <p:nvSpPr>
-          <p:cNvPr id="5" name="Textfeld 4">
-            <a:extLst>
-              <a:ext uri="{FF2B5EF4-FFF2-40B4-BE49-F238E27FC236}">
-                <a16:creationId xmlns:a16="http://schemas.microsoft.com/office/drawing/2014/main" id="{02FEDFB1-88E0-0AE1-5A10-FF6902E93AA4}"/>
-              </a:ext>
-            </a:extLst>
-          </p:cNvPr>
-          <p:cNvSpPr txBox="1"/>
+          <p:cNvPr id="5" name="Rechteck 4">
+            <a:extLst>
+              <a:ext uri="{FF2B5EF4-FFF2-40B4-BE49-F238E27FC236}">
+                <a16:creationId xmlns:a16="http://schemas.microsoft.com/office/drawing/2014/main" id="{31E39CB4-1AC2-A872-1417-5A3B4119DE3C}"/>
+              </a:ext>
+            </a:extLst>
+          </p:cNvPr>
+          <p:cNvSpPr/>
           <p:nvPr/>
         </p:nvSpPr>
         <p:spPr bwMode="auto">
           <a:xfrm>
-            <a:off x="285720" y="1264406"/>
-            <a:ext cx="8516937" cy="584775"/>
-          </a:xfrm>
-          <a:prstGeom prst="rect">
-            <a:avLst/>
-          </a:prstGeom>
-          <a:noFill/>
-          <a:ln w="9525">
-            <a:noFill/>
-            <a:miter lim="800000"/>
-            <a:headEnd/>
-            <a:tailEnd/>
-          </a:ln>
-        </p:spPr>
-        <p:txBody>
-          <a:bodyPr wrap="square" rtlCol="0" anchor="ctr">
-            <a:spAutoFit/>
-          </a:bodyPr>
-          <a:lstStyle/>
-          <a:p>
-            <a:pPr algn="ctr" eaLnBrk="1" hangingPunct="1"/>
-            <a:r>
-              <a:rPr lang="de-DE" sz="3200" dirty="0">
-                <a:latin typeface="+mj-lt"/>
-              </a:rPr>
-              <a:t>Starten von Containern</a:t>
-            </a:r>
-          </a:p>
-        </p:txBody>
-      </p:sp>
-      <p:sp>
-        <p:nvSpPr>
-          <p:cNvPr id="6" name="Textfeld 5">
-            <a:extLst>
-              <a:ext uri="{FF2B5EF4-FFF2-40B4-BE49-F238E27FC236}">
-                <a16:creationId xmlns:a16="http://schemas.microsoft.com/office/drawing/2014/main" id="{4ACC5388-79C6-75D2-C169-4274E8C247EA}"/>
-              </a:ext>
-            </a:extLst>
-          </p:cNvPr>
-          <p:cNvSpPr txBox="1"/>
-          <p:nvPr/>
-        </p:nvSpPr>
-        <p:spPr bwMode="auto">
-          <a:xfrm>
-            <a:off x="297818" y="2192234"/>
-            <a:ext cx="8516937" cy="461665"/>
+            <a:off x="5281247" y="4347102"/>
+            <a:ext cx="3559540" cy="306034"/>
           </a:xfrm>
           <a:prstGeom prst="rect">
             <a:avLst/>
           </a:prstGeom>
           <a:solidFill>
-            <a:schemeClr val="bg1">
-              <a:lumMod val="85000"/>
+            <a:schemeClr val="accent1">
+              <a:alpha val="24000"/>
             </a:schemeClr>
           </a:solidFill>
-          <a:ln w="9525">
-            <a:noFill/>
-            <a:miter lim="800000"/>
-            <a:headEnd/>
-            <a:tailEnd/>
+          <a:ln w="12700" cap="flat" cmpd="sng" algn="ctr">
+            <a:solidFill>
+              <a:schemeClr val="tx1"/>
+            </a:solidFill>
+            <a:prstDash val="solid"/>
+            <a:round/>
+            <a:headEnd type="none" w="sm" len="sm"/>
+            <a:tailEnd type="none" w="sm" len="sm"/>
           </a:ln>
-          <a:effectLst>
-            <a:softEdge rad="25400"/>
-          </a:effectLst>
+          <a:effectLst/>
         </p:spPr>
         <p:txBody>
-          <a:bodyPr wrap="square" rtlCol="0" anchor="ctr">
-            <a:spAutoFit/>
+          <a:bodyPr vert="horz" wrap="square" lIns="91440" tIns="45720" rIns="91440" bIns="45720" numCol="1" rtlCol="0" anchor="t" anchorCtr="0" compatLnSpc="1">
+            <a:prstTxWarp prst="textNoShape">
+              <a:avLst/>
+            </a:prstTxWarp>
           </a:bodyPr>
           <a:lstStyle/>
           <a:p>
-            <a:pPr algn="ctr" eaLnBrk="1" hangingPunct="1"/>
-            <a:r>
-              <a:rPr lang="de-DE" dirty="0" err="1">
-                <a:latin typeface="Arial" charset="0"/>
-              </a:rPr>
-              <a:t>docker</a:t>
-            </a:r>
-            <a:r>
-              <a:rPr lang="de-DE" dirty="0">
-                <a:latin typeface="Arial" charset="0"/>
-              </a:rPr>
-              <a:t> </a:t>
-            </a:r>
-            <a:r>
-              <a:rPr lang="de-DE" dirty="0" err="1">
-                <a:latin typeface="Arial" charset="0"/>
-              </a:rPr>
-              <a:t>start</a:t>
-            </a:r>
-            <a:r>
-              <a:rPr lang="de-DE" dirty="0">
-                <a:latin typeface="Arial" charset="0"/>
-              </a:rPr>
-              <a:t> </a:t>
-            </a:r>
-            <a:r>
-              <a:rPr lang="de-DE" dirty="0" err="1">
-                <a:latin typeface="Arial" charset="0"/>
-              </a:rPr>
-              <a:t>example</a:t>
-            </a:r>
-            <a:endParaRPr lang="de-DE" dirty="0">
-              <a:latin typeface="Arial" charset="0"/>
+            <a:pPr marL="0" marR="0" indent="0" algn="l" defTabSz="914400" rtl="0" eaLnBrk="0" fontAlgn="base" latinLnBrk="0" hangingPunct="0">
+              <a:lnSpc>
+                <a:spcPct val="100000"/>
+              </a:lnSpc>
+              <a:spcBef>
+                <a:spcPct val="0"/>
+              </a:spcBef>
+              <a:spcAft>
+                <a:spcPct val="0"/>
+              </a:spcAft>
+              <a:buClrTx/>
+              <a:buSzTx/>
+              <a:buFontTx/>
+              <a:buNone/>
+              <a:tabLst/>
+            </a:pPr>
+            <a:endParaRPr kumimoji="0" lang="de-DE" sz="2400" b="0" i="0" u="none" strike="noStrike" cap="none" normalizeH="0" baseline="0">
+              <a:ln>
+                <a:noFill/>
+              </a:ln>
+              <a:solidFill>
+                <a:schemeClr val="tx1"/>
+              </a:solidFill>
+              <a:effectLst/>
+              <a:latin typeface="Times New Roman" pitchFamily="18" charset="0"/>
             </a:endParaRPr>
           </a:p>
         </p:txBody>
@@ -5977,7 +5726,7 @@
     </p:spTree>
     <p:extLst>
       <p:ext uri="{BB962C8B-B14F-4D97-AF65-F5344CB8AC3E}">
-        <p14:creationId xmlns:p14="http://schemas.microsoft.com/office/powerpoint/2010/main" val="1574550335"/>
+        <p14:creationId xmlns:p14="http://schemas.microsoft.com/office/powerpoint/2010/main" val="1278368705"/>
       </p:ext>
     </p:extLst>
   </p:cSld>
@@ -6009,7 +5758,7 @@
           <p:cNvPr id="2" name="Titel 1">
             <a:extLst>
               <a:ext uri="{FF2B5EF4-FFF2-40B4-BE49-F238E27FC236}">
-                <a16:creationId xmlns:a16="http://schemas.microsoft.com/office/drawing/2014/main" id="{95863F39-AC6F-C91A-BC48-29EE6581525D}"/>
+                <a16:creationId xmlns:a16="http://schemas.microsoft.com/office/drawing/2014/main" id="{14CE78CD-8283-9E7B-B613-42B66D240626}"/>
               </a:ext>
             </a:extLst>
           </p:cNvPr>
@@ -6038,7 +5787,7 @@
           <p:cNvPr id="3" name="Inhaltsplatzhalter 2">
             <a:extLst>
               <a:ext uri="{FF2B5EF4-FFF2-40B4-BE49-F238E27FC236}">
-                <a16:creationId xmlns:a16="http://schemas.microsoft.com/office/drawing/2014/main" id="{3ED41AEE-F238-EA07-C91E-34B4C1C3FDC0}"/>
+                <a16:creationId xmlns:a16="http://schemas.microsoft.com/office/drawing/2014/main" id="{F8D03162-A290-8535-F9FD-8ACB2F578B1B}"/>
               </a:ext>
             </a:extLst>
           </p:cNvPr>
@@ -6051,21 +5800,30 @@
         </p:nvSpPr>
         <p:spPr>
           <a:xfrm>
-            <a:off x="303213" y="3429000"/>
-            <a:ext cx="8516937" cy="2952750"/>
+            <a:off x="303213" y="981075"/>
+            <a:ext cx="8516937" cy="3888085"/>
           </a:xfrm>
         </p:spPr>
         <p:txBody>
           <a:bodyPr/>
           <a:lstStyle/>
           <a:p>
+            <a:pPr marL="0" indent="0">
+              <a:buNone/>
+            </a:pPr>
+            <a:r>
+              <a:rPr lang="de-DE" b="1" dirty="0"/>
+              <a:t>COPY &lt;Source&gt; &lt;Destination&gt;</a:t>
+            </a:r>
+          </a:p>
+          <a:p>
             <a:pPr>
               <a:buFont typeface="Arial" panose="020B0604020202020204" pitchFamily="34" charset="0"/>
               <a:buChar char="•"/>
             </a:pPr>
             <a:r>
               <a:rPr lang="de-DE" dirty="0"/>
-              <a:t>Docker startet den Container</a:t>
+              <a:t>Kopiert Dateien und Verzeichnisse in den Container</a:t>
             </a:r>
           </a:p>
           <a:p>
@@ -6075,129 +5833,115 @@
             </a:pPr>
             <a:r>
               <a:rPr lang="de-DE" dirty="0"/>
-              <a:t>Kann mit ID oder Name identifiziert werden</a:t>
+              <a:t>Destination ist relativ zum Arbeitsverzeichnis</a:t>
             </a:r>
           </a:p>
         </p:txBody>
       </p:sp>
+      <p:pic>
+        <p:nvPicPr>
+          <p:cNvPr id="4" name="Grafik 3">
+            <a:extLst>
+              <a:ext uri="{FF2B5EF4-FFF2-40B4-BE49-F238E27FC236}">
+                <a16:creationId xmlns:a16="http://schemas.microsoft.com/office/drawing/2014/main" id="{0E72DCD3-F329-D8E8-8EDD-A328294ACFFD}"/>
+              </a:ext>
+            </a:extLst>
+          </p:cNvPr>
+          <p:cNvPicPr>
+            <a:picLocks noChangeAspect="1"/>
+          </p:cNvPicPr>
+          <p:nvPr/>
+        </p:nvPicPr>
+        <p:blipFill>
+          <a:blip r:embed="rId2">
+            <a:extLst>
+              <a:ext uri="{28A0092B-C50C-407E-A947-70E740481C1C}">
+                <a14:useLocalDpi xmlns:a14="http://schemas.microsoft.com/office/drawing/2010/main" val="0"/>
+              </a:ext>
+            </a:extLst>
+          </a:blip>
+          <a:srcRect/>
+          <a:stretch/>
+        </p:blipFill>
+        <p:spPr>
+          <a:xfrm>
+            <a:off x="5289564" y="3555014"/>
+            <a:ext cx="3522269" cy="2628292"/>
+          </a:xfrm>
+          <a:prstGeom prst="rect">
+            <a:avLst/>
+          </a:prstGeom>
+        </p:spPr>
+      </p:pic>
       <p:sp>
         <p:nvSpPr>
-          <p:cNvPr id="5" name="Textfeld 4">
-            <a:extLst>
-              <a:ext uri="{FF2B5EF4-FFF2-40B4-BE49-F238E27FC236}">
-                <a16:creationId xmlns:a16="http://schemas.microsoft.com/office/drawing/2014/main" id="{02FEDFB1-88E0-0AE1-5A10-FF6902E93AA4}"/>
-              </a:ext>
-            </a:extLst>
-          </p:cNvPr>
-          <p:cNvSpPr txBox="1"/>
+          <p:cNvPr id="5" name="Rechteck 4">
+            <a:extLst>
+              <a:ext uri="{FF2B5EF4-FFF2-40B4-BE49-F238E27FC236}">
+                <a16:creationId xmlns:a16="http://schemas.microsoft.com/office/drawing/2014/main" id="{31E39CB4-1AC2-A872-1417-5A3B4119DE3C}"/>
+              </a:ext>
+            </a:extLst>
+          </p:cNvPr>
+          <p:cNvSpPr/>
           <p:nvPr/>
         </p:nvSpPr>
         <p:spPr bwMode="auto">
           <a:xfrm>
-            <a:off x="285720" y="1264406"/>
-            <a:ext cx="8516937" cy="584775"/>
-          </a:xfrm>
-          <a:prstGeom prst="rect">
-            <a:avLst/>
-          </a:prstGeom>
-          <a:noFill/>
-          <a:ln w="9525">
-            <a:noFill/>
-            <a:miter lim="800000"/>
-            <a:headEnd/>
-            <a:tailEnd/>
-          </a:ln>
-        </p:spPr>
-        <p:txBody>
-          <a:bodyPr wrap="square" rtlCol="0" anchor="ctr">
-            <a:spAutoFit/>
-          </a:bodyPr>
-          <a:lstStyle/>
-          <a:p>
-            <a:pPr algn="ctr" eaLnBrk="1" hangingPunct="1"/>
-            <a:r>
-              <a:rPr lang="de-DE" sz="3200" dirty="0">
-                <a:latin typeface="+mj-lt"/>
-              </a:rPr>
-              <a:t>Starten von Containern</a:t>
-            </a:r>
-          </a:p>
-        </p:txBody>
-      </p:sp>
-      <p:sp>
-        <p:nvSpPr>
-          <p:cNvPr id="6" name="Textfeld 5">
-            <a:extLst>
-              <a:ext uri="{FF2B5EF4-FFF2-40B4-BE49-F238E27FC236}">
-                <a16:creationId xmlns:a16="http://schemas.microsoft.com/office/drawing/2014/main" id="{4ACC5388-79C6-75D2-C169-4274E8C247EA}"/>
-              </a:ext>
-            </a:extLst>
-          </p:cNvPr>
-          <p:cNvSpPr txBox="1"/>
-          <p:nvPr/>
-        </p:nvSpPr>
-        <p:spPr bwMode="auto">
-          <a:xfrm>
-            <a:off x="297818" y="2192234"/>
-            <a:ext cx="8516937" cy="461665"/>
+            <a:off x="5281247" y="4725144"/>
+            <a:ext cx="3559540" cy="306034"/>
           </a:xfrm>
           <a:prstGeom prst="rect">
             <a:avLst/>
           </a:prstGeom>
           <a:solidFill>
-            <a:schemeClr val="bg1">
-              <a:lumMod val="85000"/>
+            <a:schemeClr val="accent1">
+              <a:alpha val="24000"/>
             </a:schemeClr>
           </a:solidFill>
-          <a:ln w="9525">
-            <a:noFill/>
-            <a:miter lim="800000"/>
-            <a:headEnd/>
-            <a:tailEnd/>
+          <a:ln w="12700" cap="flat" cmpd="sng" algn="ctr">
+            <a:solidFill>
+              <a:schemeClr val="tx1"/>
+            </a:solidFill>
+            <a:prstDash val="solid"/>
+            <a:round/>
+            <a:headEnd type="none" w="sm" len="sm"/>
+            <a:tailEnd type="none" w="sm" len="sm"/>
           </a:ln>
-          <a:effectLst>
-            <a:softEdge rad="25400"/>
-          </a:effectLst>
+          <a:effectLst/>
         </p:spPr>
         <p:txBody>
-          <a:bodyPr wrap="square" rtlCol="0" anchor="ctr">
-            <a:spAutoFit/>
+          <a:bodyPr vert="horz" wrap="square" lIns="91440" tIns="45720" rIns="91440" bIns="45720" numCol="1" rtlCol="0" anchor="t" anchorCtr="0" compatLnSpc="1">
+            <a:prstTxWarp prst="textNoShape">
+              <a:avLst/>
+            </a:prstTxWarp>
           </a:bodyPr>
           <a:lstStyle/>
           <a:p>
-            <a:pPr algn="ctr" eaLnBrk="1" hangingPunct="1"/>
-            <a:r>
-              <a:rPr lang="de-DE" dirty="0" err="1">
-                <a:latin typeface="Arial" charset="0"/>
-              </a:rPr>
-              <a:t>docker</a:t>
-            </a:r>
-            <a:r>
-              <a:rPr lang="de-DE" dirty="0">
-                <a:latin typeface="Arial" charset="0"/>
-              </a:rPr>
-              <a:t> </a:t>
-            </a:r>
-            <a:r>
-              <a:rPr lang="de-DE" dirty="0" err="1">
-                <a:latin typeface="Arial" charset="0"/>
-              </a:rPr>
-              <a:t>start</a:t>
-            </a:r>
-            <a:r>
-              <a:rPr lang="de-DE" dirty="0">
-                <a:latin typeface="Arial" charset="0"/>
-              </a:rPr>
-              <a:t> </a:t>
-            </a:r>
-            <a:r>
-              <a:rPr lang="de-DE" dirty="0" err="1">
-                <a:latin typeface="Arial" charset="0"/>
-              </a:rPr>
-              <a:t>example</a:t>
-            </a:r>
-            <a:endParaRPr lang="de-DE" dirty="0">
-              <a:latin typeface="Arial" charset="0"/>
+            <a:pPr marL="0" marR="0" indent="0" algn="l" defTabSz="914400" rtl="0" eaLnBrk="0" fontAlgn="base" latinLnBrk="0" hangingPunct="0">
+              <a:lnSpc>
+                <a:spcPct val="100000"/>
+              </a:lnSpc>
+              <a:spcBef>
+                <a:spcPct val="0"/>
+              </a:spcBef>
+              <a:spcAft>
+                <a:spcPct val="0"/>
+              </a:spcAft>
+              <a:buClrTx/>
+              <a:buSzTx/>
+              <a:buFontTx/>
+              <a:buNone/>
+              <a:tabLst/>
+            </a:pPr>
+            <a:endParaRPr kumimoji="0" lang="de-DE" sz="2400" b="0" i="0" u="none" strike="noStrike" cap="none" normalizeH="0" baseline="0">
+              <a:ln>
+                <a:noFill/>
+              </a:ln>
+              <a:solidFill>
+                <a:schemeClr val="tx1"/>
+              </a:solidFill>
+              <a:effectLst/>
+              <a:latin typeface="Times New Roman" pitchFamily="18" charset="0"/>
             </a:endParaRPr>
           </a:p>
         </p:txBody>
@@ -6205,7 +5949,7 @@
     </p:spTree>
     <p:extLst>
       <p:ext uri="{BB962C8B-B14F-4D97-AF65-F5344CB8AC3E}">
-        <p14:creationId xmlns:p14="http://schemas.microsoft.com/office/powerpoint/2010/main" val="803113192"/>
+        <p14:creationId xmlns:p14="http://schemas.microsoft.com/office/powerpoint/2010/main" val="2995769550"/>
       </p:ext>
     </p:extLst>
   </p:cSld>
@@ -6237,7 +5981,7 @@
           <p:cNvPr id="2" name="Titel 1">
             <a:extLst>
               <a:ext uri="{FF2B5EF4-FFF2-40B4-BE49-F238E27FC236}">
-                <a16:creationId xmlns:a16="http://schemas.microsoft.com/office/drawing/2014/main" id="{95863F39-AC6F-C91A-BC48-29EE6581525D}"/>
+                <a16:creationId xmlns:a16="http://schemas.microsoft.com/office/drawing/2014/main" id="{14CE78CD-8283-9E7B-B613-42B66D240626}"/>
               </a:ext>
             </a:extLst>
           </p:cNvPr>
@@ -6266,7 +6010,7 @@
           <p:cNvPr id="3" name="Inhaltsplatzhalter 2">
             <a:extLst>
               <a:ext uri="{FF2B5EF4-FFF2-40B4-BE49-F238E27FC236}">
-                <a16:creationId xmlns:a16="http://schemas.microsoft.com/office/drawing/2014/main" id="{3ED41AEE-F238-EA07-C91E-34B4C1C3FDC0}"/>
+                <a16:creationId xmlns:a16="http://schemas.microsoft.com/office/drawing/2014/main" id="{F8D03162-A290-8535-F9FD-8ACB2F578B1B}"/>
               </a:ext>
             </a:extLst>
           </p:cNvPr>
@@ -6279,21 +6023,30 @@
         </p:nvSpPr>
         <p:spPr>
           <a:xfrm>
-            <a:off x="303213" y="3429000"/>
-            <a:ext cx="8516937" cy="2952750"/>
+            <a:off x="303213" y="981075"/>
+            <a:ext cx="8516937" cy="3888085"/>
           </a:xfrm>
         </p:spPr>
         <p:txBody>
           <a:bodyPr/>
           <a:lstStyle/>
           <a:p>
+            <a:pPr marL="0" indent="0">
+              <a:buNone/>
+            </a:pPr>
+            <a:r>
+              <a:rPr lang="de-DE" b="1" dirty="0"/>
+              <a:t>RUN &lt;Command&gt;</a:t>
+            </a:r>
+          </a:p>
+          <a:p>
             <a:pPr>
               <a:buFont typeface="Arial" panose="020B0604020202020204" pitchFamily="34" charset="0"/>
               <a:buChar char="•"/>
             </a:pPr>
             <a:r>
               <a:rPr lang="de-DE" dirty="0"/>
-              <a:t>Docker stoppt den Container</a:t>
+              <a:t>Führt einen Befehl aus</a:t>
             </a:r>
           </a:p>
           <a:p>
@@ -6303,7 +6056,7 @@
             </a:pPr>
             <a:r>
               <a:rPr lang="de-DE" dirty="0"/>
-              <a:t>Kann mit ID oder Name identifiziert werden</a:t>
+              <a:t>Wird einmal beim Bauen des Images ausgeführt</a:t>
             </a:r>
           </a:p>
           <a:p>
@@ -6312,12 +6065,8 @@
               <a:buChar char="•"/>
             </a:pPr>
             <a:r>
-              <a:rPr lang="de-DE" dirty="0" err="1"/>
-              <a:t>Stop</a:t>
-            </a:r>
-            <a:r>
               <a:rPr lang="de-DE" dirty="0"/>
-              <a:t> wird mit SIGTERM beendet</a:t>
+              <a:t>RUN &lt;Command&gt;</a:t>
             </a:r>
           </a:p>
           <a:p>
@@ -6327,153 +6076,123 @@
             </a:pPr>
             <a:r>
               <a:rPr lang="de-DE" dirty="0"/>
-              <a:t>Kill wird mit SIGKILL beendet</a:t>
+              <a:t>RUN [&lt;</a:t>
+            </a:r>
+            <a:r>
+              <a:rPr lang="de-DE" dirty="0" err="1"/>
+              <a:t>Program</a:t>
+            </a:r>
+            <a:r>
+              <a:rPr lang="de-DE" dirty="0"/>
+              <a:t>&gt;,&lt;Param1&gt;, …]</a:t>
             </a:r>
           </a:p>
         </p:txBody>
       </p:sp>
+      <p:pic>
+        <p:nvPicPr>
+          <p:cNvPr id="4" name="Grafik 3">
+            <a:extLst>
+              <a:ext uri="{FF2B5EF4-FFF2-40B4-BE49-F238E27FC236}">
+                <a16:creationId xmlns:a16="http://schemas.microsoft.com/office/drawing/2014/main" id="{0E72DCD3-F329-D8E8-8EDD-A328294ACFFD}"/>
+              </a:ext>
+            </a:extLst>
+          </p:cNvPr>
+          <p:cNvPicPr>
+            <a:picLocks noChangeAspect="1"/>
+          </p:cNvPicPr>
+          <p:nvPr/>
+        </p:nvPicPr>
+        <p:blipFill>
+          <a:blip r:embed="rId2">
+            <a:extLst>
+              <a:ext uri="{28A0092B-C50C-407E-A947-70E740481C1C}">
+                <a14:useLocalDpi xmlns:a14="http://schemas.microsoft.com/office/drawing/2010/main" val="0"/>
+              </a:ext>
+            </a:extLst>
+          </a:blip>
+          <a:srcRect/>
+          <a:stretch/>
+        </p:blipFill>
+        <p:spPr>
+          <a:xfrm>
+            <a:off x="5289564" y="3555014"/>
+            <a:ext cx="3522269" cy="2628292"/>
+          </a:xfrm>
+          <a:prstGeom prst="rect">
+            <a:avLst/>
+          </a:prstGeom>
+        </p:spPr>
+      </p:pic>
       <p:sp>
         <p:nvSpPr>
-          <p:cNvPr id="5" name="Textfeld 4">
-            <a:extLst>
-              <a:ext uri="{FF2B5EF4-FFF2-40B4-BE49-F238E27FC236}">
-                <a16:creationId xmlns:a16="http://schemas.microsoft.com/office/drawing/2014/main" id="{02FEDFB1-88E0-0AE1-5A10-FF6902E93AA4}"/>
-              </a:ext>
-            </a:extLst>
-          </p:cNvPr>
-          <p:cNvSpPr txBox="1"/>
+          <p:cNvPr id="5" name="Rechteck 4">
+            <a:extLst>
+              <a:ext uri="{FF2B5EF4-FFF2-40B4-BE49-F238E27FC236}">
+                <a16:creationId xmlns:a16="http://schemas.microsoft.com/office/drawing/2014/main" id="{31E39CB4-1AC2-A872-1417-5A3B4119DE3C}"/>
+              </a:ext>
+            </a:extLst>
+          </p:cNvPr>
+          <p:cNvSpPr/>
           <p:nvPr/>
         </p:nvSpPr>
         <p:spPr bwMode="auto">
           <a:xfrm>
-            <a:off x="285720" y="1264406"/>
-            <a:ext cx="8516937" cy="584775"/>
-          </a:xfrm>
-          <a:prstGeom prst="rect">
-            <a:avLst/>
-          </a:prstGeom>
-          <a:noFill/>
-          <a:ln w="9525">
-            <a:noFill/>
-            <a:miter lim="800000"/>
-            <a:headEnd/>
-            <a:tailEnd/>
-          </a:ln>
-        </p:spPr>
-        <p:txBody>
-          <a:bodyPr wrap="square" rtlCol="0" anchor="ctr">
-            <a:spAutoFit/>
-          </a:bodyPr>
-          <a:lstStyle/>
-          <a:p>
-            <a:pPr algn="ctr" eaLnBrk="1" hangingPunct="1"/>
-            <a:r>
-              <a:rPr lang="de-DE" sz="3200" dirty="0">
-                <a:latin typeface="+mj-lt"/>
-              </a:rPr>
-              <a:t>Stoppen von Containern</a:t>
-            </a:r>
-          </a:p>
-        </p:txBody>
-      </p:sp>
-      <p:sp>
-        <p:nvSpPr>
-          <p:cNvPr id="6" name="Textfeld 5">
-            <a:extLst>
-              <a:ext uri="{FF2B5EF4-FFF2-40B4-BE49-F238E27FC236}">
-                <a16:creationId xmlns:a16="http://schemas.microsoft.com/office/drawing/2014/main" id="{4ACC5388-79C6-75D2-C169-4274E8C247EA}"/>
-              </a:ext>
-            </a:extLst>
-          </p:cNvPr>
-          <p:cNvSpPr txBox="1"/>
-          <p:nvPr/>
-        </p:nvSpPr>
-        <p:spPr bwMode="auto">
-          <a:xfrm>
-            <a:off x="297818" y="2007568"/>
-            <a:ext cx="8516937" cy="830997"/>
+            <a:off x="5281247" y="5139190"/>
+            <a:ext cx="3559540" cy="306034"/>
           </a:xfrm>
           <a:prstGeom prst="rect">
             <a:avLst/>
           </a:prstGeom>
           <a:solidFill>
-            <a:schemeClr val="bg1">
-              <a:lumMod val="85000"/>
+            <a:schemeClr val="accent1">
+              <a:alpha val="24000"/>
             </a:schemeClr>
           </a:solidFill>
-          <a:ln w="9525">
-            <a:noFill/>
-            <a:miter lim="800000"/>
-            <a:headEnd/>
-            <a:tailEnd/>
+          <a:ln w="12700" cap="flat" cmpd="sng" algn="ctr">
+            <a:solidFill>
+              <a:schemeClr val="tx1"/>
+            </a:solidFill>
+            <a:prstDash val="solid"/>
+            <a:round/>
+            <a:headEnd type="none" w="sm" len="sm"/>
+            <a:tailEnd type="none" w="sm" len="sm"/>
           </a:ln>
-          <a:effectLst>
-            <a:softEdge rad="25400"/>
-          </a:effectLst>
+          <a:effectLst/>
         </p:spPr>
         <p:txBody>
-          <a:bodyPr wrap="square" rtlCol="0" anchor="ctr">
-            <a:spAutoFit/>
+          <a:bodyPr vert="horz" wrap="square" lIns="91440" tIns="45720" rIns="91440" bIns="45720" numCol="1" rtlCol="0" anchor="t" anchorCtr="0" compatLnSpc="1">
+            <a:prstTxWarp prst="textNoShape">
+              <a:avLst/>
+            </a:prstTxWarp>
           </a:bodyPr>
           <a:lstStyle/>
           <a:p>
-            <a:pPr algn="ctr" eaLnBrk="1" hangingPunct="1"/>
-            <a:r>
-              <a:rPr lang="de-DE" dirty="0" err="1">
-                <a:latin typeface="Arial" charset="0"/>
-              </a:rPr>
-              <a:t>docker</a:t>
-            </a:r>
-            <a:r>
-              <a:rPr lang="de-DE" dirty="0">
-                <a:latin typeface="Arial" charset="0"/>
-              </a:rPr>
-              <a:t> </a:t>
-            </a:r>
-            <a:r>
-              <a:rPr lang="de-DE" dirty="0" err="1">
-                <a:latin typeface="Arial" charset="0"/>
-              </a:rPr>
-              <a:t>stop</a:t>
-            </a:r>
-            <a:r>
-              <a:rPr lang="de-DE" dirty="0">
-                <a:latin typeface="Arial" charset="0"/>
-              </a:rPr>
-              <a:t> </a:t>
-            </a:r>
-            <a:r>
-              <a:rPr lang="de-DE" dirty="0" err="1">
-                <a:latin typeface="Arial" charset="0"/>
-              </a:rPr>
-              <a:t>example</a:t>
-            </a:r>
-            <a:endParaRPr lang="de-DE" dirty="0">
-              <a:latin typeface="Arial" charset="0"/>
-            </a:endParaRPr>
-          </a:p>
-          <a:p>
-            <a:pPr algn="ctr" eaLnBrk="1" hangingPunct="1"/>
-            <a:r>
-              <a:rPr lang="de-DE" dirty="0" err="1">
-                <a:latin typeface="Arial" charset="0"/>
-              </a:rPr>
-              <a:t>docker</a:t>
-            </a:r>
-            <a:r>
-              <a:rPr lang="de-DE" dirty="0">
-                <a:latin typeface="Arial" charset="0"/>
-              </a:rPr>
-              <a:t> kill </a:t>
-            </a:r>
-            <a:r>
-              <a:rPr lang="de-DE" dirty="0" err="1">
-                <a:latin typeface="Arial" charset="0"/>
-              </a:rPr>
-              <a:t>example</a:t>
-            </a:r>
-            <a:endParaRPr lang="de-DE" dirty="0">
-              <a:latin typeface="Arial" charset="0"/>
+            <a:pPr marL="0" marR="0" indent="0" algn="l" defTabSz="914400" rtl="0" eaLnBrk="0" fontAlgn="base" latinLnBrk="0" hangingPunct="0">
+              <a:lnSpc>
+                <a:spcPct val="100000"/>
+              </a:lnSpc>
+              <a:spcBef>
+                <a:spcPct val="0"/>
+              </a:spcBef>
+              <a:spcAft>
+                <a:spcPct val="0"/>
+              </a:spcAft>
+              <a:buClrTx/>
+              <a:buSzTx/>
+              <a:buFontTx/>
+              <a:buNone/>
+              <a:tabLst/>
+            </a:pPr>
+            <a:endParaRPr kumimoji="0" lang="de-DE" sz="2400" b="0" i="0" u="none" strike="noStrike" cap="none" normalizeH="0" baseline="0">
+              <a:ln>
+                <a:noFill/>
+              </a:ln>
+              <a:solidFill>
+                <a:schemeClr val="tx1"/>
+              </a:solidFill>
+              <a:effectLst/>
+              <a:latin typeface="Times New Roman" pitchFamily="18" charset="0"/>
             </a:endParaRPr>
           </a:p>
         </p:txBody>
@@ -6481,7 +6200,7 @@
     </p:spTree>
     <p:extLst>
       <p:ext uri="{BB962C8B-B14F-4D97-AF65-F5344CB8AC3E}">
-        <p14:creationId xmlns:p14="http://schemas.microsoft.com/office/powerpoint/2010/main" val="3738633482"/>
+        <p14:creationId xmlns:p14="http://schemas.microsoft.com/office/powerpoint/2010/main" val="1258100051"/>
       </p:ext>
     </p:extLst>
   </p:cSld>
@@ -6513,7 +6232,7 @@
           <p:cNvPr id="2" name="Titel 1">
             <a:extLst>
               <a:ext uri="{FF2B5EF4-FFF2-40B4-BE49-F238E27FC236}">
-                <a16:creationId xmlns:a16="http://schemas.microsoft.com/office/drawing/2014/main" id="{95863F39-AC6F-C91A-BC48-29EE6581525D}"/>
+                <a16:creationId xmlns:a16="http://schemas.microsoft.com/office/drawing/2014/main" id="{14CE78CD-8283-9E7B-B613-42B66D240626}"/>
               </a:ext>
             </a:extLst>
           </p:cNvPr>
@@ -6542,7 +6261,7 @@
           <p:cNvPr id="3" name="Inhaltsplatzhalter 2">
             <a:extLst>
               <a:ext uri="{FF2B5EF4-FFF2-40B4-BE49-F238E27FC236}">
-                <a16:creationId xmlns:a16="http://schemas.microsoft.com/office/drawing/2014/main" id="{3ED41AEE-F238-EA07-C91E-34B4C1C3FDC0}"/>
+                <a16:creationId xmlns:a16="http://schemas.microsoft.com/office/drawing/2014/main" id="{F8D03162-A290-8535-F9FD-8ACB2F578B1B}"/>
               </a:ext>
             </a:extLst>
           </p:cNvPr>
@@ -6555,21 +6274,30 @@
         </p:nvSpPr>
         <p:spPr>
           <a:xfrm>
-            <a:off x="303213" y="3429000"/>
-            <a:ext cx="8516937" cy="2952750"/>
+            <a:off x="303213" y="981075"/>
+            <a:ext cx="8516937" cy="3888085"/>
           </a:xfrm>
         </p:spPr>
         <p:txBody>
           <a:bodyPr/>
           <a:lstStyle/>
           <a:p>
+            <a:pPr marL="0" indent="0">
+              <a:buNone/>
+            </a:pPr>
+            <a:r>
+              <a:rPr lang="de-DE" b="1" dirty="0"/>
+              <a:t>CMD &lt;Command&gt;</a:t>
+            </a:r>
+          </a:p>
+          <a:p>
             <a:pPr>
               <a:buFont typeface="Arial" panose="020B0604020202020204" pitchFamily="34" charset="0"/>
               <a:buChar char="•"/>
             </a:pPr>
             <a:r>
               <a:rPr lang="de-DE" dirty="0"/>
-              <a:t>Docker löscht den Container</a:t>
+              <a:t>Gibt den Standartstartbefehl an</a:t>
             </a:r>
           </a:p>
           <a:p>
@@ -6579,7 +6307,7 @@
             </a:pPr>
             <a:r>
               <a:rPr lang="de-DE" dirty="0"/>
-              <a:t>Kann mit ID oder Name identifiziert werden</a:t>
+              <a:t>Wird standartmäßig beim Containerstart ausgeführt</a:t>
             </a:r>
           </a:p>
           <a:p>
@@ -6589,129 +6317,153 @@
             </a:pPr>
             <a:r>
               <a:rPr lang="de-DE" dirty="0"/>
-              <a:t>Container muss gestoppt sein</a:t>
+              <a:t>Nur ein CMD pro Image</a:t>
+            </a:r>
+          </a:p>
+          <a:p>
+            <a:pPr lvl="1">
+              <a:buFont typeface="Arial" panose="020B0604020202020204" pitchFamily="34" charset="0"/>
+              <a:buChar char="•"/>
+            </a:pPr>
+            <a:r>
+              <a:rPr lang="de-DE" dirty="0"/>
+              <a:t>Wenn mehr als eins, wird das letzte ausgeführt</a:t>
+            </a:r>
+          </a:p>
+          <a:p>
+            <a:pPr>
+              <a:buFont typeface="Arial" panose="020B0604020202020204" pitchFamily="34" charset="0"/>
+              <a:buChar char="•"/>
+            </a:pPr>
+            <a:r>
+              <a:rPr lang="de-DE" dirty="0"/>
+              <a:t>CMD &lt;Command&gt;</a:t>
+            </a:r>
+          </a:p>
+          <a:p>
+            <a:pPr>
+              <a:buFont typeface="Arial" panose="020B0604020202020204" pitchFamily="34" charset="0"/>
+              <a:buChar char="•"/>
+            </a:pPr>
+            <a:r>
+              <a:rPr lang="de-DE" dirty="0"/>
+              <a:t>CMD [&lt;</a:t>
+            </a:r>
+            <a:r>
+              <a:rPr lang="de-DE" dirty="0" err="1"/>
+              <a:t>Program</a:t>
+            </a:r>
+            <a:r>
+              <a:rPr lang="de-DE" dirty="0"/>
+              <a:t>&gt;,&lt;Param1&gt;, …]</a:t>
             </a:r>
           </a:p>
         </p:txBody>
       </p:sp>
+      <p:pic>
+        <p:nvPicPr>
+          <p:cNvPr id="4" name="Grafik 3">
+            <a:extLst>
+              <a:ext uri="{FF2B5EF4-FFF2-40B4-BE49-F238E27FC236}">
+                <a16:creationId xmlns:a16="http://schemas.microsoft.com/office/drawing/2014/main" id="{0E72DCD3-F329-D8E8-8EDD-A328294ACFFD}"/>
+              </a:ext>
+            </a:extLst>
+          </p:cNvPr>
+          <p:cNvPicPr>
+            <a:picLocks noChangeAspect="1"/>
+          </p:cNvPicPr>
+          <p:nvPr/>
+        </p:nvPicPr>
+        <p:blipFill>
+          <a:blip r:embed="rId2">
+            <a:extLst>
+              <a:ext uri="{28A0092B-C50C-407E-A947-70E740481C1C}">
+                <a14:useLocalDpi xmlns:a14="http://schemas.microsoft.com/office/drawing/2010/main" val="0"/>
+              </a:ext>
+            </a:extLst>
+          </a:blip>
+          <a:srcRect/>
+          <a:stretch/>
+        </p:blipFill>
+        <p:spPr>
+          <a:xfrm>
+            <a:off x="5289564" y="3555014"/>
+            <a:ext cx="3522269" cy="2628292"/>
+          </a:xfrm>
+          <a:prstGeom prst="rect">
+            <a:avLst/>
+          </a:prstGeom>
+        </p:spPr>
+      </p:pic>
       <p:sp>
         <p:nvSpPr>
-          <p:cNvPr id="5" name="Textfeld 4">
-            <a:extLst>
-              <a:ext uri="{FF2B5EF4-FFF2-40B4-BE49-F238E27FC236}">
-                <a16:creationId xmlns:a16="http://schemas.microsoft.com/office/drawing/2014/main" id="{02FEDFB1-88E0-0AE1-5A10-FF6902E93AA4}"/>
-              </a:ext>
-            </a:extLst>
-          </p:cNvPr>
-          <p:cNvSpPr txBox="1"/>
+          <p:cNvPr id="5" name="Rechteck 4">
+            <a:extLst>
+              <a:ext uri="{FF2B5EF4-FFF2-40B4-BE49-F238E27FC236}">
+                <a16:creationId xmlns:a16="http://schemas.microsoft.com/office/drawing/2014/main" id="{31E39CB4-1AC2-A872-1417-5A3B4119DE3C}"/>
+              </a:ext>
+            </a:extLst>
+          </p:cNvPr>
+          <p:cNvSpPr/>
           <p:nvPr/>
         </p:nvSpPr>
         <p:spPr bwMode="auto">
           <a:xfrm>
-            <a:off x="285720" y="1264406"/>
-            <a:ext cx="8516937" cy="584775"/>
-          </a:xfrm>
-          <a:prstGeom prst="rect">
-            <a:avLst/>
-          </a:prstGeom>
-          <a:noFill/>
-          <a:ln w="9525">
-            <a:noFill/>
-            <a:miter lim="800000"/>
-            <a:headEnd/>
-            <a:tailEnd/>
-          </a:ln>
-        </p:spPr>
-        <p:txBody>
-          <a:bodyPr wrap="square" rtlCol="0" anchor="ctr">
-            <a:spAutoFit/>
-          </a:bodyPr>
-          <a:lstStyle/>
-          <a:p>
-            <a:pPr algn="ctr" eaLnBrk="1" hangingPunct="1"/>
-            <a:r>
-              <a:rPr lang="de-DE" sz="3200" dirty="0">
-                <a:latin typeface="+mj-lt"/>
-              </a:rPr>
-              <a:t>Löschen von Containern</a:t>
-            </a:r>
-          </a:p>
-        </p:txBody>
-      </p:sp>
-      <p:sp>
-        <p:nvSpPr>
-          <p:cNvPr id="6" name="Textfeld 5">
-            <a:extLst>
-              <a:ext uri="{FF2B5EF4-FFF2-40B4-BE49-F238E27FC236}">
-                <a16:creationId xmlns:a16="http://schemas.microsoft.com/office/drawing/2014/main" id="{4ACC5388-79C6-75D2-C169-4274E8C247EA}"/>
-              </a:ext>
-            </a:extLst>
-          </p:cNvPr>
-          <p:cNvSpPr txBox="1"/>
-          <p:nvPr/>
-        </p:nvSpPr>
-        <p:spPr bwMode="auto">
-          <a:xfrm>
-            <a:off x="297818" y="2192234"/>
-            <a:ext cx="8516937" cy="461665"/>
+            <a:off x="5281247" y="5499230"/>
+            <a:ext cx="3559540" cy="306034"/>
           </a:xfrm>
           <a:prstGeom prst="rect">
             <a:avLst/>
           </a:prstGeom>
           <a:solidFill>
-            <a:schemeClr val="bg1">
-              <a:lumMod val="85000"/>
+            <a:schemeClr val="accent1">
+              <a:alpha val="24000"/>
             </a:schemeClr>
           </a:solidFill>
-          <a:ln w="9525">
-            <a:noFill/>
-            <a:miter lim="800000"/>
-            <a:headEnd/>
-            <a:tailEnd/>
+          <a:ln w="12700" cap="flat" cmpd="sng" algn="ctr">
+            <a:solidFill>
+              <a:schemeClr val="tx1"/>
+            </a:solidFill>
+            <a:prstDash val="solid"/>
+            <a:round/>
+            <a:headEnd type="none" w="sm" len="sm"/>
+            <a:tailEnd type="none" w="sm" len="sm"/>
           </a:ln>
-          <a:effectLst>
-            <a:softEdge rad="25400"/>
-          </a:effectLst>
+          <a:effectLst/>
         </p:spPr>
         <p:txBody>
-          <a:bodyPr wrap="square" rtlCol="0" anchor="ctr">
-            <a:spAutoFit/>
+          <a:bodyPr vert="horz" wrap="square" lIns="91440" tIns="45720" rIns="91440" bIns="45720" numCol="1" rtlCol="0" anchor="t" anchorCtr="0" compatLnSpc="1">
+            <a:prstTxWarp prst="textNoShape">
+              <a:avLst/>
+            </a:prstTxWarp>
           </a:bodyPr>
           <a:lstStyle/>
           <a:p>
-            <a:pPr algn="ctr" eaLnBrk="1" hangingPunct="1"/>
-            <a:r>
-              <a:rPr lang="de-DE" dirty="0" err="1">
-                <a:latin typeface="Arial" charset="0"/>
-              </a:rPr>
-              <a:t>docker</a:t>
-            </a:r>
-            <a:r>
-              <a:rPr lang="de-DE" dirty="0">
-                <a:latin typeface="Arial" charset="0"/>
-              </a:rPr>
-              <a:t> </a:t>
-            </a:r>
-            <a:r>
-              <a:rPr lang="de-DE" dirty="0" err="1">
-                <a:latin typeface="Arial" charset="0"/>
-              </a:rPr>
-              <a:t>rm</a:t>
-            </a:r>
-            <a:r>
-              <a:rPr lang="de-DE" dirty="0">
-                <a:latin typeface="Arial" charset="0"/>
-              </a:rPr>
-              <a:t> </a:t>
-            </a:r>
-            <a:r>
-              <a:rPr lang="de-DE" dirty="0" err="1">
-                <a:latin typeface="Arial" charset="0"/>
-              </a:rPr>
-              <a:t>example</a:t>
-            </a:r>
-            <a:endParaRPr lang="de-DE" dirty="0">
-              <a:latin typeface="Arial" charset="0"/>
+            <a:pPr marL="0" marR="0" indent="0" algn="l" defTabSz="914400" rtl="0" eaLnBrk="0" fontAlgn="base" latinLnBrk="0" hangingPunct="0">
+              <a:lnSpc>
+                <a:spcPct val="100000"/>
+              </a:lnSpc>
+              <a:spcBef>
+                <a:spcPct val="0"/>
+              </a:spcBef>
+              <a:spcAft>
+                <a:spcPct val="0"/>
+              </a:spcAft>
+              <a:buClrTx/>
+              <a:buSzTx/>
+              <a:buFontTx/>
+              <a:buNone/>
+              <a:tabLst/>
+            </a:pPr>
+            <a:endParaRPr kumimoji="0" lang="de-DE" sz="2400" b="0" i="0" u="none" strike="noStrike" cap="none" normalizeH="0" baseline="0">
+              <a:ln>
+                <a:noFill/>
+              </a:ln>
+              <a:solidFill>
+                <a:schemeClr val="tx1"/>
+              </a:solidFill>
+              <a:effectLst/>
+              <a:latin typeface="Times New Roman" pitchFamily="18" charset="0"/>
             </a:endParaRPr>
           </a:p>
         </p:txBody>
@@ -6719,7 +6471,7 @@
     </p:spTree>
     <p:extLst>
       <p:ext uri="{BB962C8B-B14F-4D97-AF65-F5344CB8AC3E}">
-        <p14:creationId xmlns:p14="http://schemas.microsoft.com/office/powerpoint/2010/main" val="3054708867"/>
+        <p14:creationId xmlns:p14="http://schemas.microsoft.com/office/powerpoint/2010/main" val="815974343"/>
       </p:ext>
     </p:extLst>
   </p:cSld>
@@ -6751,7 +6503,7 @@
           <p:cNvPr id="2" name="Titel 1">
             <a:extLst>
               <a:ext uri="{FF2B5EF4-FFF2-40B4-BE49-F238E27FC236}">
-                <a16:creationId xmlns:a16="http://schemas.microsoft.com/office/drawing/2014/main" id="{95863F39-AC6F-C91A-BC48-29EE6581525D}"/>
+                <a16:creationId xmlns:a16="http://schemas.microsoft.com/office/drawing/2014/main" id="{14CE78CD-8283-9E7B-B613-42B66D240626}"/>
               </a:ext>
             </a:extLst>
           </p:cNvPr>
@@ -6780,7 +6532,7 @@
           <p:cNvPr id="3" name="Inhaltsplatzhalter 2">
             <a:extLst>
               <a:ext uri="{FF2B5EF4-FFF2-40B4-BE49-F238E27FC236}">
-                <a16:creationId xmlns:a16="http://schemas.microsoft.com/office/drawing/2014/main" id="{3ED41AEE-F238-EA07-C91E-34B4C1C3FDC0}"/>
+                <a16:creationId xmlns:a16="http://schemas.microsoft.com/office/drawing/2014/main" id="{F8D03162-A290-8535-F9FD-8ACB2F578B1B}"/>
               </a:ext>
             </a:extLst>
           </p:cNvPr>
@@ -6793,136 +6545,148 @@
         </p:nvSpPr>
         <p:spPr>
           <a:xfrm>
-            <a:off x="303213" y="3429000"/>
-            <a:ext cx="8516937" cy="2952750"/>
+            <a:off x="303213" y="981075"/>
+            <a:ext cx="8516937" cy="3888085"/>
           </a:xfrm>
         </p:spPr>
         <p:txBody>
           <a:bodyPr/>
           <a:lstStyle/>
           <a:p>
+            <a:pPr marL="0" indent="0">
+              <a:buNone/>
+            </a:pPr>
+            <a:r>
+              <a:rPr lang="de-DE" b="1" dirty="0"/>
+              <a:t>EXPOSE &lt;Port&gt;</a:t>
+            </a:r>
+          </a:p>
+          <a:p>
             <a:pPr>
               <a:buFont typeface="Arial" panose="020B0604020202020204" pitchFamily="34" charset="0"/>
               <a:buChar char="•"/>
             </a:pPr>
             <a:r>
               <a:rPr lang="de-DE" dirty="0"/>
-              <a:t>Erstellt eine liste von </a:t>
-            </a:r>
-            <a:r>
-              <a:rPr lang="de-DE" dirty="0" err="1"/>
-              <a:t>Contanern</a:t>
-            </a:r>
-            <a:endParaRPr lang="de-DE" dirty="0"/>
+              <a:t>Öffnet einen Port des Containers nach außen</a:t>
+            </a:r>
+          </a:p>
+          <a:p>
+            <a:pPr>
+              <a:buFont typeface="Arial" panose="020B0604020202020204" pitchFamily="34" charset="0"/>
+              <a:buChar char="•"/>
+            </a:pPr>
+            <a:r>
+              <a:rPr lang="de-DE" dirty="0"/>
+              <a:t>Muss einem Host Port zugewiesen werden</a:t>
+            </a:r>
           </a:p>
         </p:txBody>
       </p:sp>
+      <p:pic>
+        <p:nvPicPr>
+          <p:cNvPr id="4" name="Grafik 3">
+            <a:extLst>
+              <a:ext uri="{FF2B5EF4-FFF2-40B4-BE49-F238E27FC236}">
+                <a16:creationId xmlns:a16="http://schemas.microsoft.com/office/drawing/2014/main" id="{0E72DCD3-F329-D8E8-8EDD-A328294ACFFD}"/>
+              </a:ext>
+            </a:extLst>
+          </p:cNvPr>
+          <p:cNvPicPr>
+            <a:picLocks noChangeAspect="1"/>
+          </p:cNvPicPr>
+          <p:nvPr/>
+        </p:nvPicPr>
+        <p:blipFill>
+          <a:blip r:embed="rId2">
+            <a:extLst>
+              <a:ext uri="{28A0092B-C50C-407E-A947-70E740481C1C}">
+                <a14:useLocalDpi xmlns:a14="http://schemas.microsoft.com/office/drawing/2010/main" val="0"/>
+              </a:ext>
+            </a:extLst>
+          </a:blip>
+          <a:srcRect/>
+          <a:stretch/>
+        </p:blipFill>
+        <p:spPr>
+          <a:xfrm>
+            <a:off x="5289564" y="3555014"/>
+            <a:ext cx="3522269" cy="2628292"/>
+          </a:xfrm>
+          <a:prstGeom prst="rect">
+            <a:avLst/>
+          </a:prstGeom>
+        </p:spPr>
+      </p:pic>
       <p:sp>
         <p:nvSpPr>
-          <p:cNvPr id="5" name="Textfeld 4">
-            <a:extLst>
-              <a:ext uri="{FF2B5EF4-FFF2-40B4-BE49-F238E27FC236}">
-                <a16:creationId xmlns:a16="http://schemas.microsoft.com/office/drawing/2014/main" id="{02FEDFB1-88E0-0AE1-5A10-FF6902E93AA4}"/>
-              </a:ext>
-            </a:extLst>
-          </p:cNvPr>
-          <p:cNvSpPr txBox="1"/>
+          <p:cNvPr id="5" name="Rechteck 4">
+            <a:extLst>
+              <a:ext uri="{FF2B5EF4-FFF2-40B4-BE49-F238E27FC236}">
+                <a16:creationId xmlns:a16="http://schemas.microsoft.com/office/drawing/2014/main" id="{31E39CB4-1AC2-A872-1417-5A3B4119DE3C}"/>
+              </a:ext>
+            </a:extLst>
+          </p:cNvPr>
+          <p:cNvSpPr/>
           <p:nvPr/>
         </p:nvSpPr>
         <p:spPr bwMode="auto">
           <a:xfrm>
-            <a:off x="285720" y="1264406"/>
-            <a:ext cx="8516937" cy="584775"/>
-          </a:xfrm>
-          <a:prstGeom prst="rect">
-            <a:avLst/>
-          </a:prstGeom>
-          <a:noFill/>
-          <a:ln w="9525">
-            <a:noFill/>
-            <a:miter lim="800000"/>
-            <a:headEnd/>
-            <a:tailEnd/>
-          </a:ln>
-        </p:spPr>
-        <p:txBody>
-          <a:bodyPr wrap="square" rtlCol="0" anchor="ctr">
-            <a:spAutoFit/>
-          </a:bodyPr>
-          <a:lstStyle/>
-          <a:p>
-            <a:pPr algn="ctr" eaLnBrk="1" hangingPunct="1"/>
-            <a:r>
-              <a:rPr lang="de-DE" sz="3200" dirty="0">
-                <a:latin typeface="+mj-lt"/>
-              </a:rPr>
-              <a:t>Auflisten von Containern</a:t>
-            </a:r>
-          </a:p>
-        </p:txBody>
-      </p:sp>
-      <p:sp>
-        <p:nvSpPr>
-          <p:cNvPr id="6" name="Textfeld 5">
-            <a:extLst>
-              <a:ext uri="{FF2B5EF4-FFF2-40B4-BE49-F238E27FC236}">
-                <a16:creationId xmlns:a16="http://schemas.microsoft.com/office/drawing/2014/main" id="{4ACC5388-79C6-75D2-C169-4274E8C247EA}"/>
-              </a:ext>
-            </a:extLst>
-          </p:cNvPr>
-          <p:cNvSpPr txBox="1"/>
-          <p:nvPr/>
-        </p:nvSpPr>
-        <p:spPr bwMode="auto">
-          <a:xfrm>
-            <a:off x="297818" y="2192234"/>
-            <a:ext cx="8516937" cy="461665"/>
+            <a:off x="5281247" y="5931278"/>
+            <a:ext cx="3559540" cy="306034"/>
           </a:xfrm>
           <a:prstGeom prst="rect">
             <a:avLst/>
           </a:prstGeom>
           <a:solidFill>
-            <a:schemeClr val="bg1">
-              <a:lumMod val="85000"/>
+            <a:schemeClr val="accent1">
+              <a:alpha val="24000"/>
             </a:schemeClr>
           </a:solidFill>
-          <a:ln w="9525">
-            <a:noFill/>
-            <a:miter lim="800000"/>
-            <a:headEnd/>
-            <a:tailEnd/>
+          <a:ln w="12700" cap="flat" cmpd="sng" algn="ctr">
+            <a:solidFill>
+              <a:schemeClr val="tx1"/>
+            </a:solidFill>
+            <a:prstDash val="solid"/>
+            <a:round/>
+            <a:headEnd type="none" w="sm" len="sm"/>
+            <a:tailEnd type="none" w="sm" len="sm"/>
           </a:ln>
-          <a:effectLst>
-            <a:softEdge rad="25400"/>
-          </a:effectLst>
+          <a:effectLst/>
         </p:spPr>
         <p:txBody>
-          <a:bodyPr wrap="square" rtlCol="0" anchor="ctr">
-            <a:spAutoFit/>
+          <a:bodyPr vert="horz" wrap="square" lIns="91440" tIns="45720" rIns="91440" bIns="45720" numCol="1" rtlCol="0" anchor="t" anchorCtr="0" compatLnSpc="1">
+            <a:prstTxWarp prst="textNoShape">
+              <a:avLst/>
+            </a:prstTxWarp>
           </a:bodyPr>
           <a:lstStyle/>
           <a:p>
-            <a:pPr algn="ctr" eaLnBrk="1" hangingPunct="1"/>
-            <a:r>
-              <a:rPr lang="de-DE" dirty="0" err="1">
-                <a:latin typeface="Arial" charset="0"/>
-              </a:rPr>
-              <a:t>docker</a:t>
-            </a:r>
-            <a:r>
-              <a:rPr lang="de-DE" dirty="0">
-                <a:latin typeface="Arial" charset="0"/>
-              </a:rPr>
-              <a:t> </a:t>
-            </a:r>
-            <a:r>
-              <a:rPr lang="de-DE" dirty="0" err="1">
-                <a:latin typeface="Arial" charset="0"/>
-              </a:rPr>
-              <a:t>ls</a:t>
-            </a:r>
-            <a:endParaRPr lang="de-DE" dirty="0">
-              <a:latin typeface="Arial" charset="0"/>
+            <a:pPr marL="0" marR="0" indent="0" algn="l" defTabSz="914400" rtl="0" eaLnBrk="0" fontAlgn="base" latinLnBrk="0" hangingPunct="0">
+              <a:lnSpc>
+                <a:spcPct val="100000"/>
+              </a:lnSpc>
+              <a:spcBef>
+                <a:spcPct val="0"/>
+              </a:spcBef>
+              <a:spcAft>
+                <a:spcPct val="0"/>
+              </a:spcAft>
+              <a:buClrTx/>
+              <a:buSzTx/>
+              <a:buFontTx/>
+              <a:buNone/>
+              <a:tabLst/>
+            </a:pPr>
+            <a:endParaRPr kumimoji="0" lang="de-DE" sz="2400" b="0" i="0" u="none" strike="noStrike" cap="none" normalizeH="0" baseline="0">
+              <a:ln>
+                <a:noFill/>
+              </a:ln>
+              <a:solidFill>
+                <a:schemeClr val="tx1"/>
+              </a:solidFill>
+              <a:effectLst/>
+              <a:latin typeface="Times New Roman" pitchFamily="18" charset="0"/>
             </a:endParaRPr>
           </a:p>
         </p:txBody>
@@ -6930,7 +6694,7 @@
     </p:spTree>
     <p:extLst>
       <p:ext uri="{BB962C8B-B14F-4D97-AF65-F5344CB8AC3E}">
-        <p14:creationId xmlns:p14="http://schemas.microsoft.com/office/powerpoint/2010/main" val="1481453344"/>
+        <p14:creationId xmlns:p14="http://schemas.microsoft.com/office/powerpoint/2010/main" val="188330073"/>
       </p:ext>
     </p:extLst>
   </p:cSld>
@@ -7134,7 +6898,7 @@
 </file>
 
 <file path=ppt/slides/slide20.xml><?xml version="1.0" encoding="utf-8"?>
-<p:sld xmlns:a="http://schemas.openxmlformats.org/drawingml/2006/main" xmlns:r="http://schemas.openxmlformats.org/officeDocument/2006/relationships" xmlns:p="http://schemas.openxmlformats.org/presentationml/2006/main" show="0">
+<p:sld xmlns:a="http://schemas.openxmlformats.org/drawingml/2006/main" xmlns:r="http://schemas.openxmlformats.org/officeDocument/2006/relationships" xmlns:p="http://schemas.openxmlformats.org/presentationml/2006/main">
   <p:cSld>
     <p:spTree>
       <p:nvGrpSpPr>
@@ -7155,7 +6919,7 @@
           <p:cNvPr id="2" name="Titel 1">
             <a:extLst>
               <a:ext uri="{FF2B5EF4-FFF2-40B4-BE49-F238E27FC236}">
-                <a16:creationId xmlns:a16="http://schemas.microsoft.com/office/drawing/2014/main" id="{EC8CF018-2FCF-81A4-5029-0F6FD9D27D5B}"/>
+                <a16:creationId xmlns:a16="http://schemas.microsoft.com/office/drawing/2014/main" id="{14CE78CD-8283-9E7B-B613-42B66D240626}"/>
               </a:ext>
             </a:extLst>
           </p:cNvPr>
@@ -7184,7 +6948,7 @@
           <p:cNvPr id="3" name="Inhaltsplatzhalter 2">
             <a:extLst>
               <a:ext uri="{FF2B5EF4-FFF2-40B4-BE49-F238E27FC236}">
-                <a16:creationId xmlns:a16="http://schemas.microsoft.com/office/drawing/2014/main" id="{663C7B1B-4F20-6E54-746F-81BAA338EE5F}"/>
+                <a16:creationId xmlns:a16="http://schemas.microsoft.com/office/drawing/2014/main" id="{F8D03162-A290-8535-F9FD-8ACB2F578B1B}"/>
               </a:ext>
             </a:extLst>
           </p:cNvPr>
@@ -7195,23 +6959,67 @@
             <p:ph idx="1"/>
           </p:nvPr>
         </p:nvSpPr>
-        <p:spPr>
-          <a:xfrm>
-            <a:off x="303213" y="1920767"/>
-            <a:ext cx="8516937" cy="4532569"/>
-          </a:xfrm>
-        </p:spPr>
+        <p:spPr/>
         <p:txBody>
           <a:bodyPr/>
           <a:lstStyle/>
           <a:p>
+            <a:pPr marL="0" indent="0">
+              <a:buNone/>
+            </a:pPr>
+            <a:r>
+              <a:rPr lang="de-DE" b="1" dirty="0"/>
+              <a:t>Allgemein</a:t>
+            </a:r>
+          </a:p>
+          <a:p>
             <a:pPr>
               <a:buFont typeface="Arial" panose="020B0604020202020204" pitchFamily="34" charset="0"/>
               <a:buChar char="•"/>
             </a:pPr>
             <a:r>
+              <a:rPr lang="de-DE" dirty="0" err="1"/>
+              <a:t>Dockerfiles</a:t>
+            </a:r>
+            <a:r>
               <a:rPr lang="de-DE" dirty="0"/>
-              <a:t>Installieren Sie Docker Desktop</a:t>
+              <a:t> heißen </a:t>
+            </a:r>
+            <a:r>
+              <a:rPr lang="de-DE" dirty="0" err="1"/>
+              <a:t>standertmäßig</a:t>
+            </a:r>
+            <a:r>
+              <a:rPr lang="de-DE" dirty="0"/>
+              <a:t> „</a:t>
+            </a:r>
+            <a:r>
+              <a:rPr lang="de-DE" dirty="0" err="1"/>
+              <a:t>Dockerfile</a:t>
+            </a:r>
+            <a:r>
+              <a:rPr lang="de-DE" dirty="0"/>
+              <a:t>“</a:t>
+            </a:r>
+          </a:p>
+          <a:p>
+            <a:pPr lvl="1">
+              <a:buFont typeface="Arial" panose="020B0604020202020204" pitchFamily="34" charset="0"/>
+              <a:buChar char="•"/>
+            </a:pPr>
+            <a:r>
+              <a:rPr lang="de-DE" dirty="0"/>
+              <a:t>Keine Dateiendung</a:t>
+            </a:r>
+          </a:p>
+          <a:p>
+            <a:pPr lvl="1">
+              <a:buFont typeface="Arial" panose="020B0604020202020204" pitchFamily="34" charset="0"/>
+              <a:buChar char="•"/>
+            </a:pPr>
+            <a:r>
+              <a:rPr lang="de-DE" dirty="0"/>
+              <a:t>Können anders heißen</a:t>
             </a:r>
           </a:p>
           <a:p>
@@ -7221,7 +7029,7 @@
             </a:pPr>
             <a:r>
               <a:rPr lang="de-DE" dirty="0"/>
-              <a:t>Öffnen Sie den Ordner der Übungsaufgabe</a:t>
+              <a:t>Gibt weitere Anweisungen</a:t>
             </a:r>
           </a:p>
           <a:p>
@@ -7230,118 +7038,19 @@
               <a:buChar char="•"/>
             </a:pPr>
             <a:r>
-              <a:rPr lang="de-DE" dirty="0"/>
-              <a:t>Erstellen Sie ein Docker Image mittels des </a:t>
-            </a:r>
-            <a:r>
-              <a:rPr lang="de-DE" dirty="0" err="1"/>
-              <a:t>Dockerfiles</a:t>
+              <a:rPr lang="de-DE" dirty="0">
+                <a:hlinkClick r:id="rId2"/>
+              </a:rPr>
+              <a:t>https://docs.docker.com/reference/dockerfile/</a:t>
             </a:r>
             <a:endParaRPr lang="de-DE" dirty="0"/>
-          </a:p>
-          <a:p>
-            <a:pPr>
-              <a:buFont typeface="Arial" panose="020B0604020202020204" pitchFamily="34" charset="0"/>
-              <a:buChar char="•"/>
-            </a:pPr>
-            <a:r>
-              <a:rPr lang="de-DE" dirty="0"/>
-              <a:t>Führen Sie den Container aus und untersuchen sie logs und das Dateisystem</a:t>
-            </a:r>
-          </a:p>
-          <a:p>
-            <a:pPr>
-              <a:buFont typeface="Arial" panose="020B0604020202020204" pitchFamily="34" charset="0"/>
-              <a:buChar char="•"/>
-            </a:pPr>
-            <a:r>
-              <a:rPr lang="de-DE" dirty="0"/>
-              <a:t>Passen Sie das </a:t>
-            </a:r>
-            <a:r>
-              <a:rPr lang="de-DE" dirty="0" err="1"/>
-              <a:t>Dockerfile</a:t>
-            </a:r>
-            <a:r>
-              <a:rPr lang="de-DE" dirty="0"/>
-              <a:t> an um bei der Installation zusätzlich „cleanup.sh“ auszuführen.</a:t>
-            </a:r>
-          </a:p>
-          <a:p>
-            <a:pPr>
-              <a:buFont typeface="Arial" panose="020B0604020202020204" pitchFamily="34" charset="0"/>
-              <a:buChar char="•"/>
-            </a:pPr>
-            <a:r>
-              <a:rPr lang="de-DE" dirty="0"/>
-              <a:t>Erstellen Sie das Image und </a:t>
-            </a:r>
-            <a:r>
-              <a:rPr lang="de-DE"/>
-              <a:t>einen Container </a:t>
-            </a:r>
-            <a:r>
-              <a:rPr lang="de-DE" dirty="0"/>
-              <a:t>erneut und untersuchen Sie wieder den Container</a:t>
-            </a:r>
-          </a:p>
-          <a:p>
-            <a:pPr>
-              <a:buFont typeface="Arial" panose="020B0604020202020204" pitchFamily="34" charset="0"/>
-              <a:buChar char="•"/>
-            </a:pPr>
-            <a:endParaRPr lang="de-DE" dirty="0"/>
-          </a:p>
-        </p:txBody>
-      </p:sp>
-      <p:sp>
-        <p:nvSpPr>
-          <p:cNvPr id="4" name="Textfeld 3">
-            <a:extLst>
-              <a:ext uri="{FF2B5EF4-FFF2-40B4-BE49-F238E27FC236}">
-                <a16:creationId xmlns:a16="http://schemas.microsoft.com/office/drawing/2014/main" id="{0C93FC15-C2BC-628C-5FFA-7CE88BA6EA2D}"/>
-              </a:ext>
-            </a:extLst>
-          </p:cNvPr>
-          <p:cNvSpPr txBox="1"/>
-          <p:nvPr/>
-        </p:nvSpPr>
-        <p:spPr bwMode="auto">
-          <a:xfrm>
-            <a:off x="285720" y="1196752"/>
-            <a:ext cx="8516937" cy="584775"/>
-          </a:xfrm>
-          <a:prstGeom prst="rect">
-            <a:avLst/>
-          </a:prstGeom>
-          <a:noFill/>
-          <a:ln w="9525">
-            <a:noFill/>
-            <a:miter lim="800000"/>
-            <a:headEnd/>
-            <a:tailEnd/>
-          </a:ln>
-        </p:spPr>
-        <p:txBody>
-          <a:bodyPr wrap="square" rtlCol="0" anchor="ctr">
-            <a:spAutoFit/>
-          </a:bodyPr>
-          <a:lstStyle/>
-          <a:p>
-            <a:pPr algn="ctr" eaLnBrk="1" hangingPunct="1"/>
-            <a:r>
-              <a:rPr lang="de-DE" sz="3200" dirty="0">
-                <a:latin typeface="+mj-lt"/>
-              </a:rPr>
-              <a:t>Übungsaufgabe</a:t>
-            </a:r>
           </a:p>
         </p:txBody>
       </p:sp>
     </p:spTree>
     <p:extLst>
       <p:ext uri="{BB962C8B-B14F-4D97-AF65-F5344CB8AC3E}">
-        <p14:creationId xmlns:p14="http://schemas.microsoft.com/office/powerpoint/2010/main" val="2942762060"/>
+        <p14:creationId xmlns:p14="http://schemas.microsoft.com/office/powerpoint/2010/main" val="3386637184"/>
       </p:ext>
     </p:extLst>
   </p:cSld>
@@ -7373,7 +7082,7 @@
           <p:cNvPr id="2" name="Titel 1">
             <a:extLst>
               <a:ext uri="{FF2B5EF4-FFF2-40B4-BE49-F238E27FC236}">
-                <a16:creationId xmlns:a16="http://schemas.microsoft.com/office/drawing/2014/main" id="{5A4F09B8-CD16-8EA7-B49B-F88A6AE5F1F8}"/>
+                <a16:creationId xmlns:a16="http://schemas.microsoft.com/office/drawing/2014/main" id="{3F3329A8-BE96-2E73-2F3C-D199DF9A7044}"/>
               </a:ext>
             </a:extLst>
           </p:cNvPr>
@@ -7397,12 +7106,109 @@
           </a:p>
         </p:txBody>
       </p:sp>
+      <p:pic>
+        <p:nvPicPr>
+          <p:cNvPr id="5" name="Inhaltsplatzhalter 4" descr="Ein Bild, das Text, Wasser, Fisch, Säugetier enthält.&#10;&#10;Automatisch generierte Beschreibung">
+            <a:extLst>
+              <a:ext uri="{FF2B5EF4-FFF2-40B4-BE49-F238E27FC236}">
+                <a16:creationId xmlns:a16="http://schemas.microsoft.com/office/drawing/2014/main" id="{435486D8-B436-F8B3-3A98-37F18D73D4BC}"/>
+              </a:ext>
+            </a:extLst>
+          </p:cNvPr>
+          <p:cNvPicPr>
+            <a:picLocks noGrp="1" noChangeAspect="1"/>
+          </p:cNvPicPr>
+          <p:nvPr>
+            <p:ph idx="1"/>
+          </p:nvPr>
+        </p:nvPicPr>
+        <p:blipFill>
+          <a:blip r:embed="rId2">
+            <a:extLst>
+              <a:ext uri="{28A0092B-C50C-407E-A947-70E740481C1C}">
+                <a14:useLocalDpi xmlns:a14="http://schemas.microsoft.com/office/drawing/2010/main" val="0"/>
+              </a:ext>
+            </a:extLst>
+          </a:blip>
+          <a:stretch>
+            <a:fillRect/>
+          </a:stretch>
+        </p:blipFill>
+        <p:spPr>
+          <a:xfrm>
+            <a:off x="694209" y="1628800"/>
+            <a:ext cx="7755582" cy="3877791"/>
+          </a:xfrm>
+          <a:effectLst>
+            <a:softEdge rad="25400"/>
+          </a:effectLst>
+        </p:spPr>
+      </p:pic>
+    </p:spTree>
+    <p:extLst>
+      <p:ext uri="{BB962C8B-B14F-4D97-AF65-F5344CB8AC3E}">
+        <p14:creationId xmlns:p14="http://schemas.microsoft.com/office/powerpoint/2010/main" val="3251288012"/>
+      </p:ext>
+    </p:extLst>
+  </p:cSld>
+  <p:clrMapOvr>
+    <a:masterClrMapping/>
+  </p:clrMapOvr>
+</p:sld>
+</file>
+
+<file path=ppt/slides/slide22.xml><?xml version="1.0" encoding="utf-8"?>
+<p:sld xmlns:a="http://schemas.openxmlformats.org/drawingml/2006/main" xmlns:r="http://schemas.openxmlformats.org/officeDocument/2006/relationships" xmlns:p="http://schemas.openxmlformats.org/presentationml/2006/main">
+  <p:cSld>
+    <p:spTree>
+      <p:nvGrpSpPr>
+        <p:cNvPr id="1" name=""/>
+        <p:cNvGrpSpPr/>
+        <p:nvPr/>
+      </p:nvGrpSpPr>
+      <p:grpSpPr>
+        <a:xfrm>
+          <a:off x="0" y="0"/>
+          <a:ext cx="0" cy="0"/>
+          <a:chOff x="0" y="0"/>
+          <a:chExt cx="0" cy="0"/>
+        </a:xfrm>
+      </p:grpSpPr>
+      <p:sp>
+        <p:nvSpPr>
+          <p:cNvPr id="2" name="Titel 1">
+            <a:extLst>
+              <a:ext uri="{FF2B5EF4-FFF2-40B4-BE49-F238E27FC236}">
+                <a16:creationId xmlns:a16="http://schemas.microsoft.com/office/drawing/2014/main" id="{850FF3C7-B3ED-0A8B-5D14-2B093646715A}"/>
+              </a:ext>
+            </a:extLst>
+          </p:cNvPr>
+          <p:cNvSpPr>
+            <a:spLocks noGrp="1"/>
+          </p:cNvSpPr>
+          <p:nvPr>
+            <p:ph type="title"/>
+          </p:nvPr>
+        </p:nvSpPr>
+        <p:spPr/>
+        <p:txBody>
+          <a:bodyPr/>
+          <a:lstStyle/>
+          <a:p>
+            <a:r>
+              <a:rPr lang="de-DE" altLang="de-DE" dirty="0"/>
+              <a:t>Lokale Entwicklung mit Docker</a:t>
+            </a:r>
+            <a:endParaRPr lang="de-DE" dirty="0"/>
+          </a:p>
+        </p:txBody>
+      </p:sp>
       <p:sp>
         <p:nvSpPr>
           <p:cNvPr id="3" name="Inhaltsplatzhalter 2">
             <a:extLst>
               <a:ext uri="{FF2B5EF4-FFF2-40B4-BE49-F238E27FC236}">
-                <a16:creationId xmlns:a16="http://schemas.microsoft.com/office/drawing/2014/main" id="{7E49F935-19FA-C4D2-7EC6-EDE60AE831D7}"/>
+                <a16:creationId xmlns:a16="http://schemas.microsoft.com/office/drawing/2014/main" id="{0DC67BCE-F3AB-A77C-5BBC-4F0D1EB74590}"/>
               </a:ext>
             </a:extLst>
           </p:cNvPr>
@@ -7415,21 +7221,45 @@
         </p:nvSpPr>
         <p:spPr>
           <a:xfrm>
-            <a:off x="303213" y="1772816"/>
-            <a:ext cx="8516937" cy="1786262"/>
+            <a:off x="285720" y="1124744"/>
+            <a:ext cx="8516937" cy="2664296"/>
           </a:xfrm>
         </p:spPr>
         <p:txBody>
           <a:bodyPr/>
           <a:lstStyle/>
           <a:p>
+            <a:pPr marL="0" indent="0">
+              <a:buNone/>
+            </a:pPr>
+            <a:r>
+              <a:rPr lang="de-DE" sz="2400" b="1" dirty="0">
+                <a:latin typeface="+mj-lt"/>
+              </a:rPr>
+              <a:t>Erstellen von Images</a:t>
+            </a:r>
+            <a:endParaRPr lang="de-DE" b="1" dirty="0"/>
+          </a:p>
+          <a:p>
             <a:pPr>
               <a:buFont typeface="Arial" panose="020B0604020202020204" pitchFamily="34" charset="0"/>
               <a:buChar char="•"/>
             </a:pPr>
             <a:r>
+              <a:rPr lang="de-DE" dirty="0" err="1"/>
+              <a:t>docker</a:t>
+            </a:r>
+            <a:r>
               <a:rPr lang="de-DE" dirty="0"/>
-              <a:t>Daten werden mit einem Container gelöscht</a:t>
+              <a:t> </a:t>
+            </a:r>
+            <a:r>
+              <a:rPr lang="de-DE" dirty="0" err="1"/>
+              <a:t>build</a:t>
+            </a:r>
+            <a:r>
+              <a:rPr lang="de-DE" dirty="0"/>
+              <a:t>: Befehl für Bauen von Images</a:t>
             </a:r>
           </a:p>
           <a:p>
@@ -7439,15 +7269,7 @@
             </a:pPr>
             <a:r>
               <a:rPr lang="de-DE" dirty="0"/>
-              <a:t>Persistente Daten können in </a:t>
-            </a:r>
-            <a:r>
-              <a:rPr lang="de-DE" dirty="0" err="1"/>
-              <a:t>Volumes</a:t>
-            </a:r>
-            <a:r>
-              <a:rPr lang="de-DE" dirty="0"/>
-              <a:t> gespeichert werden</a:t>
+              <a:t>-t &lt;tag&gt;: Gibt dem erstellten Image einen Tag</a:t>
             </a:r>
           </a:p>
           <a:p>
@@ -7456,12 +7278,8 @@
               <a:buChar char="•"/>
             </a:pPr>
             <a:r>
-              <a:rPr lang="de-DE" dirty="0" err="1"/>
-              <a:t>Volumes</a:t>
-            </a:r>
-            <a:r>
               <a:rPr lang="de-DE" dirty="0"/>
-              <a:t> werden in Container eingebunden</a:t>
+              <a:t>Verzeichnis aus dem das Image erstellt wird</a:t>
             </a:r>
           </a:p>
           <a:p>
@@ -7470,24 +7288,38 @@
               <a:buChar char="•"/>
             </a:pPr>
             <a:r>
-              <a:rPr lang="de-DE" dirty="0">
-                <a:hlinkClick r:id="rId2"/>
-              </a:rPr>
-              <a:t>https://docs.docker.com/storage/volumes/</a:t>
+              <a:rPr lang="de-DE" dirty="0" err="1"/>
+              <a:t>Dockerfile</a:t>
             </a:r>
             <a:r>
               <a:rPr lang="de-DE" dirty="0"/>
               <a:t> </a:t>
+            </a:r>
+            <a:r>
+              <a:rPr lang="de-DE" dirty="0" err="1"/>
+              <a:t>names</a:t>
+            </a:r>
+            <a:r>
+              <a:rPr lang="de-DE" dirty="0"/>
+              <a:t> „</a:t>
+            </a:r>
+            <a:r>
+              <a:rPr lang="de-DE" dirty="0" err="1"/>
+              <a:t>Dockerfile</a:t>
+            </a:r>
+            <a:r>
+              <a:rPr lang="de-DE" dirty="0"/>
+              <a:t>“ im Verzeichnis</a:t>
             </a:r>
           </a:p>
         </p:txBody>
       </p:sp>
       <p:sp>
         <p:nvSpPr>
-          <p:cNvPr id="4" name="Textfeld 3">
-            <a:extLst>
-              <a:ext uri="{FF2B5EF4-FFF2-40B4-BE49-F238E27FC236}">
-                <a16:creationId xmlns:a16="http://schemas.microsoft.com/office/drawing/2014/main" id="{D57EA30A-F023-F2CD-3DFD-620A1FB588E3}"/>
+          <p:cNvPr id="5" name="Textfeld 4">
+            <a:extLst>
+              <a:ext uri="{FF2B5EF4-FFF2-40B4-BE49-F238E27FC236}">
+                <a16:creationId xmlns:a16="http://schemas.microsoft.com/office/drawing/2014/main" id="{AA8B9AE6-EF63-25CA-4D6B-117E7B727411}"/>
               </a:ext>
             </a:extLst>
           </p:cNvPr>
@@ -7496,8 +7328,1802 @@
         </p:nvSpPr>
         <p:spPr bwMode="auto">
           <a:xfrm>
-            <a:off x="285720" y="1124744"/>
-            <a:ext cx="8516937" cy="584775"/>
+            <a:off x="297818" y="3964414"/>
+            <a:ext cx="8516937" cy="830997"/>
+          </a:xfrm>
+          <a:prstGeom prst="rect">
+            <a:avLst/>
+          </a:prstGeom>
+          <a:solidFill>
+            <a:schemeClr val="bg1">
+              <a:lumMod val="85000"/>
+            </a:schemeClr>
+          </a:solidFill>
+          <a:ln w="9525">
+            <a:noFill/>
+            <a:miter lim="800000"/>
+            <a:headEnd/>
+            <a:tailEnd/>
+          </a:ln>
+          <a:effectLst>
+            <a:softEdge rad="25400"/>
+          </a:effectLst>
+        </p:spPr>
+        <p:txBody>
+          <a:bodyPr wrap="square" rtlCol="0" anchor="ctr">
+            <a:spAutoFit/>
+          </a:bodyPr>
+          <a:lstStyle/>
+          <a:p>
+            <a:pPr algn="ctr" eaLnBrk="1" hangingPunct="1"/>
+            <a:r>
+              <a:rPr lang="de-DE" dirty="0" err="1">
+                <a:latin typeface="Arial" charset="0"/>
+              </a:rPr>
+              <a:t>docker</a:t>
+            </a:r>
+            <a:r>
+              <a:rPr lang="de-DE" dirty="0">
+                <a:latin typeface="Arial" charset="0"/>
+              </a:rPr>
+              <a:t> </a:t>
+            </a:r>
+            <a:r>
+              <a:rPr lang="de-DE" dirty="0" err="1">
+                <a:latin typeface="Arial" charset="0"/>
+              </a:rPr>
+              <a:t>build</a:t>
+            </a:r>
+            <a:r>
+              <a:rPr lang="de-DE" dirty="0">
+                <a:latin typeface="Arial" charset="0"/>
+              </a:rPr>
+              <a:t> [-t &lt;</a:t>
+            </a:r>
+            <a:r>
+              <a:rPr lang="de-DE" dirty="0" err="1">
+                <a:latin typeface="Arial" charset="0"/>
+              </a:rPr>
+              <a:t>tagname</a:t>
+            </a:r>
+            <a:r>
+              <a:rPr lang="de-DE" dirty="0">
+                <a:latin typeface="Arial" charset="0"/>
+              </a:rPr>
+              <a:t>&gt;] &lt;</a:t>
+            </a:r>
+            <a:r>
+              <a:rPr lang="de-DE" dirty="0" err="1">
+                <a:latin typeface="Arial" charset="0"/>
+              </a:rPr>
+              <a:t>directory</a:t>
+            </a:r>
+            <a:r>
+              <a:rPr lang="de-DE" dirty="0">
+                <a:latin typeface="Arial" charset="0"/>
+              </a:rPr>
+              <a:t>&gt;</a:t>
+            </a:r>
+          </a:p>
+          <a:p>
+            <a:pPr algn="ctr" eaLnBrk="1" hangingPunct="1"/>
+            <a:r>
+              <a:rPr lang="de-DE" dirty="0" err="1">
+                <a:latin typeface="Arial" charset="0"/>
+              </a:rPr>
+              <a:t>docker</a:t>
+            </a:r>
+            <a:r>
+              <a:rPr lang="de-DE" dirty="0">
+                <a:latin typeface="Arial" charset="0"/>
+              </a:rPr>
+              <a:t> </a:t>
+            </a:r>
+            <a:r>
+              <a:rPr lang="de-DE" dirty="0" err="1">
+                <a:latin typeface="Arial" charset="0"/>
+              </a:rPr>
+              <a:t>build</a:t>
+            </a:r>
+            <a:r>
+              <a:rPr lang="de-DE" dirty="0">
+                <a:latin typeface="Arial" charset="0"/>
+              </a:rPr>
+              <a:t> -t </a:t>
+            </a:r>
+            <a:r>
+              <a:rPr lang="de-DE" dirty="0" err="1">
+                <a:latin typeface="Arial" charset="0"/>
+              </a:rPr>
+              <a:t>example</a:t>
+            </a:r>
+            <a:r>
+              <a:rPr lang="de-DE" dirty="0">
+                <a:latin typeface="Arial" charset="0"/>
+              </a:rPr>
+              <a:t> .</a:t>
+            </a:r>
+          </a:p>
+        </p:txBody>
+      </p:sp>
+    </p:spTree>
+    <p:extLst>
+      <p:ext uri="{BB962C8B-B14F-4D97-AF65-F5344CB8AC3E}">
+        <p14:creationId xmlns:p14="http://schemas.microsoft.com/office/powerpoint/2010/main" val="1459689168"/>
+      </p:ext>
+    </p:extLst>
+  </p:cSld>
+  <p:clrMapOvr>
+    <a:masterClrMapping/>
+  </p:clrMapOvr>
+</p:sld>
+</file>
+
+<file path=ppt/slides/slide23.xml><?xml version="1.0" encoding="utf-8"?>
+<p:sld xmlns:a="http://schemas.openxmlformats.org/drawingml/2006/main" xmlns:r="http://schemas.openxmlformats.org/officeDocument/2006/relationships" xmlns:p="http://schemas.openxmlformats.org/presentationml/2006/main">
+  <p:cSld>
+    <p:spTree>
+      <p:nvGrpSpPr>
+        <p:cNvPr id="1" name=""/>
+        <p:cNvGrpSpPr/>
+        <p:nvPr/>
+      </p:nvGrpSpPr>
+      <p:grpSpPr>
+        <a:xfrm>
+          <a:off x="0" y="0"/>
+          <a:ext cx="0" cy="0"/>
+          <a:chOff x="0" y="0"/>
+          <a:chExt cx="0" cy="0"/>
+        </a:xfrm>
+      </p:grpSpPr>
+      <p:sp>
+        <p:nvSpPr>
+          <p:cNvPr id="2" name="Titel 1">
+            <a:extLst>
+              <a:ext uri="{FF2B5EF4-FFF2-40B4-BE49-F238E27FC236}">
+                <a16:creationId xmlns:a16="http://schemas.microsoft.com/office/drawing/2014/main" id="{95863F39-AC6F-C91A-BC48-29EE6581525D}"/>
+              </a:ext>
+            </a:extLst>
+          </p:cNvPr>
+          <p:cNvSpPr>
+            <a:spLocks noGrp="1"/>
+          </p:cNvSpPr>
+          <p:nvPr>
+            <p:ph type="title"/>
+          </p:nvPr>
+        </p:nvSpPr>
+        <p:spPr/>
+        <p:txBody>
+          <a:bodyPr/>
+          <a:lstStyle/>
+          <a:p>
+            <a:r>
+              <a:rPr lang="de-DE" altLang="de-DE" dirty="0"/>
+              <a:t>Lokale Entwicklung mit Docker</a:t>
+            </a:r>
+            <a:endParaRPr lang="de-DE" dirty="0"/>
+          </a:p>
+        </p:txBody>
+      </p:sp>
+      <p:sp>
+        <p:nvSpPr>
+          <p:cNvPr id="3" name="Inhaltsplatzhalter 2">
+            <a:extLst>
+              <a:ext uri="{FF2B5EF4-FFF2-40B4-BE49-F238E27FC236}">
+                <a16:creationId xmlns:a16="http://schemas.microsoft.com/office/drawing/2014/main" id="{3ED41AEE-F238-EA07-C91E-34B4C1C3FDC0}"/>
+              </a:ext>
+            </a:extLst>
+          </p:cNvPr>
+          <p:cNvSpPr>
+            <a:spLocks noGrp="1"/>
+          </p:cNvSpPr>
+          <p:nvPr>
+            <p:ph idx="1"/>
+          </p:nvPr>
+        </p:nvSpPr>
+        <p:spPr>
+          <a:xfrm>
+            <a:off x="303213" y="1268760"/>
+            <a:ext cx="8516937" cy="2952750"/>
+          </a:xfrm>
+        </p:spPr>
+        <p:txBody>
+          <a:bodyPr/>
+          <a:lstStyle/>
+          <a:p>
+            <a:pPr marL="0" indent="0">
+              <a:buNone/>
+            </a:pPr>
+            <a:r>
+              <a:rPr lang="de-DE" sz="2400" b="1" dirty="0">
+                <a:latin typeface="+mj-lt"/>
+              </a:rPr>
+              <a:t>Erstellen von Containern</a:t>
+            </a:r>
+            <a:endParaRPr lang="de-DE" b="1" dirty="0"/>
+          </a:p>
+          <a:p>
+            <a:pPr>
+              <a:buFont typeface="Arial" panose="020B0604020202020204" pitchFamily="34" charset="0"/>
+              <a:buChar char="•"/>
+            </a:pPr>
+            <a:r>
+              <a:rPr lang="de-DE" dirty="0" err="1"/>
+              <a:t>docker</a:t>
+            </a:r>
+            <a:r>
+              <a:rPr lang="de-DE" dirty="0"/>
+              <a:t> erstellt und startet einen Container</a:t>
+            </a:r>
+          </a:p>
+          <a:p>
+            <a:pPr>
+              <a:buFont typeface="Arial" panose="020B0604020202020204" pitchFamily="34" charset="0"/>
+              <a:buChar char="•"/>
+            </a:pPr>
+            <a:r>
+              <a:rPr lang="de-DE" dirty="0"/>
+              <a:t>mit --name können Container benannt werden</a:t>
+            </a:r>
+          </a:p>
+          <a:p>
+            <a:pPr>
+              <a:buFont typeface="Arial" panose="020B0604020202020204" pitchFamily="34" charset="0"/>
+              <a:buChar char="•"/>
+            </a:pPr>
+            <a:r>
+              <a:rPr lang="de-DE" dirty="0"/>
+              <a:t>Viele weitere Optionen je nach Image und Applikation</a:t>
+            </a:r>
+          </a:p>
+          <a:p>
+            <a:pPr>
+              <a:buFont typeface="Arial" panose="020B0604020202020204" pitchFamily="34" charset="0"/>
+              <a:buChar char="•"/>
+            </a:pPr>
+            <a:r>
+              <a:rPr lang="de-DE" dirty="0"/>
+              <a:t>Container haben Namen und ID zur Identifikation</a:t>
+            </a:r>
+          </a:p>
+        </p:txBody>
+      </p:sp>
+      <p:sp>
+        <p:nvSpPr>
+          <p:cNvPr id="6" name="Textfeld 5">
+            <a:extLst>
+              <a:ext uri="{FF2B5EF4-FFF2-40B4-BE49-F238E27FC236}">
+                <a16:creationId xmlns:a16="http://schemas.microsoft.com/office/drawing/2014/main" id="{4ACC5388-79C6-75D2-C169-4274E8C247EA}"/>
+              </a:ext>
+            </a:extLst>
+          </p:cNvPr>
+          <p:cNvSpPr txBox="1"/>
+          <p:nvPr/>
+        </p:nvSpPr>
+        <p:spPr bwMode="auto">
+          <a:xfrm>
+            <a:off x="323850" y="3820398"/>
+            <a:ext cx="8516937" cy="1200329"/>
+          </a:xfrm>
+          <a:prstGeom prst="rect">
+            <a:avLst/>
+          </a:prstGeom>
+          <a:solidFill>
+            <a:schemeClr val="bg1">
+              <a:lumMod val="85000"/>
+            </a:schemeClr>
+          </a:solidFill>
+          <a:ln w="9525">
+            <a:noFill/>
+            <a:miter lim="800000"/>
+            <a:headEnd/>
+            <a:tailEnd/>
+          </a:ln>
+          <a:effectLst>
+            <a:softEdge rad="25400"/>
+          </a:effectLst>
+        </p:spPr>
+        <p:txBody>
+          <a:bodyPr wrap="square" rtlCol="0" anchor="ctr">
+            <a:spAutoFit/>
+          </a:bodyPr>
+          <a:lstStyle/>
+          <a:p>
+            <a:pPr algn="ctr" eaLnBrk="1" hangingPunct="1"/>
+            <a:r>
+              <a:rPr lang="de-DE" dirty="0" err="1">
+                <a:latin typeface="Arial" charset="0"/>
+              </a:rPr>
+              <a:t>docker</a:t>
+            </a:r>
+            <a:r>
+              <a:rPr lang="de-DE" dirty="0">
+                <a:latin typeface="Arial" charset="0"/>
+              </a:rPr>
+              <a:t> </a:t>
+            </a:r>
+            <a:r>
+              <a:rPr lang="de-DE" dirty="0" err="1">
+                <a:latin typeface="Arial" charset="0"/>
+              </a:rPr>
+              <a:t>run</a:t>
+            </a:r>
+            <a:r>
+              <a:rPr lang="de-DE" dirty="0">
+                <a:latin typeface="Arial" charset="0"/>
+              </a:rPr>
+              <a:t> &lt;</a:t>
+            </a:r>
+            <a:r>
+              <a:rPr lang="de-DE" dirty="0" err="1">
+                <a:latin typeface="Arial" charset="0"/>
+              </a:rPr>
+              <a:t>identifier</a:t>
+            </a:r>
+            <a:r>
+              <a:rPr lang="de-DE" dirty="0">
+                <a:latin typeface="Arial" charset="0"/>
+              </a:rPr>
+              <a:t>&gt;</a:t>
+            </a:r>
+          </a:p>
+          <a:p>
+            <a:pPr algn="ctr" eaLnBrk="1" hangingPunct="1"/>
+            <a:r>
+              <a:rPr lang="de-DE" dirty="0" err="1">
+                <a:latin typeface="Arial" charset="0"/>
+              </a:rPr>
+              <a:t>docker</a:t>
+            </a:r>
+            <a:r>
+              <a:rPr lang="de-DE" dirty="0">
+                <a:latin typeface="Arial" charset="0"/>
+              </a:rPr>
+              <a:t> </a:t>
+            </a:r>
+            <a:r>
+              <a:rPr lang="de-DE" dirty="0" err="1">
+                <a:latin typeface="Arial" charset="0"/>
+              </a:rPr>
+              <a:t>create</a:t>
+            </a:r>
+            <a:r>
+              <a:rPr lang="de-DE" dirty="0">
+                <a:latin typeface="Arial" charset="0"/>
+              </a:rPr>
+              <a:t> &lt;</a:t>
+            </a:r>
+            <a:r>
+              <a:rPr lang="de-DE" dirty="0" err="1">
+                <a:latin typeface="Arial" charset="0"/>
+              </a:rPr>
+              <a:t>identifier</a:t>
+            </a:r>
+            <a:r>
+              <a:rPr lang="de-DE" dirty="0">
+                <a:latin typeface="Arial" charset="0"/>
+              </a:rPr>
+              <a:t>&gt;</a:t>
+            </a:r>
+          </a:p>
+          <a:p>
+            <a:pPr algn="ctr" eaLnBrk="1" hangingPunct="1"/>
+            <a:r>
+              <a:rPr lang="de-DE" dirty="0" err="1">
+                <a:latin typeface="Arial" charset="0"/>
+              </a:rPr>
+              <a:t>docker</a:t>
+            </a:r>
+            <a:r>
+              <a:rPr lang="de-DE" dirty="0">
+                <a:latin typeface="Arial" charset="0"/>
+              </a:rPr>
+              <a:t> </a:t>
+            </a:r>
+            <a:r>
+              <a:rPr lang="de-DE" dirty="0" err="1">
+                <a:latin typeface="Arial" charset="0"/>
+              </a:rPr>
+              <a:t>run</a:t>
+            </a:r>
+            <a:r>
+              <a:rPr lang="de-DE" dirty="0">
+                <a:latin typeface="Arial" charset="0"/>
+              </a:rPr>
+              <a:t> </a:t>
+            </a:r>
+            <a:r>
+              <a:rPr lang="de-DE" dirty="0" err="1">
+                <a:latin typeface="Arial" charset="0"/>
+              </a:rPr>
+              <a:t>example</a:t>
+            </a:r>
+            <a:endParaRPr lang="de-DE" dirty="0">
+              <a:latin typeface="Arial" charset="0"/>
+            </a:endParaRPr>
+          </a:p>
+        </p:txBody>
+      </p:sp>
+    </p:spTree>
+    <p:extLst>
+      <p:ext uri="{BB962C8B-B14F-4D97-AF65-F5344CB8AC3E}">
+        <p14:creationId xmlns:p14="http://schemas.microsoft.com/office/powerpoint/2010/main" val="4065056465"/>
+      </p:ext>
+    </p:extLst>
+  </p:cSld>
+  <p:clrMapOvr>
+    <a:masterClrMapping/>
+  </p:clrMapOvr>
+</p:sld>
+</file>
+
+<file path=ppt/slides/slide24.xml><?xml version="1.0" encoding="utf-8"?>
+<p:sld xmlns:a="http://schemas.openxmlformats.org/drawingml/2006/main" xmlns:r="http://schemas.openxmlformats.org/officeDocument/2006/relationships" xmlns:p="http://schemas.openxmlformats.org/presentationml/2006/main">
+  <p:cSld>
+    <p:spTree>
+      <p:nvGrpSpPr>
+        <p:cNvPr id="1" name=""/>
+        <p:cNvGrpSpPr/>
+        <p:nvPr/>
+      </p:nvGrpSpPr>
+      <p:grpSpPr>
+        <a:xfrm>
+          <a:off x="0" y="0"/>
+          <a:ext cx="0" cy="0"/>
+          <a:chOff x="0" y="0"/>
+          <a:chExt cx="0" cy="0"/>
+        </a:xfrm>
+      </p:grpSpPr>
+      <p:sp>
+        <p:nvSpPr>
+          <p:cNvPr id="2" name="Titel 1">
+            <a:extLst>
+              <a:ext uri="{FF2B5EF4-FFF2-40B4-BE49-F238E27FC236}">
+                <a16:creationId xmlns:a16="http://schemas.microsoft.com/office/drawing/2014/main" id="{95863F39-AC6F-C91A-BC48-29EE6581525D}"/>
+              </a:ext>
+            </a:extLst>
+          </p:cNvPr>
+          <p:cNvSpPr>
+            <a:spLocks noGrp="1"/>
+          </p:cNvSpPr>
+          <p:nvPr>
+            <p:ph type="title"/>
+          </p:nvPr>
+        </p:nvSpPr>
+        <p:spPr/>
+        <p:txBody>
+          <a:bodyPr/>
+          <a:lstStyle/>
+          <a:p>
+            <a:r>
+              <a:rPr lang="de-DE" altLang="de-DE" dirty="0"/>
+              <a:t>Lokale Entwicklung mit Docker</a:t>
+            </a:r>
+            <a:endParaRPr lang="de-DE" dirty="0"/>
+          </a:p>
+        </p:txBody>
+      </p:sp>
+      <p:sp>
+        <p:nvSpPr>
+          <p:cNvPr id="3" name="Inhaltsplatzhalter 2">
+            <a:extLst>
+              <a:ext uri="{FF2B5EF4-FFF2-40B4-BE49-F238E27FC236}">
+                <a16:creationId xmlns:a16="http://schemas.microsoft.com/office/drawing/2014/main" id="{3ED41AEE-F238-EA07-C91E-34B4C1C3FDC0}"/>
+              </a:ext>
+            </a:extLst>
+          </p:cNvPr>
+          <p:cNvSpPr>
+            <a:spLocks noGrp="1"/>
+          </p:cNvSpPr>
+          <p:nvPr>
+            <p:ph idx="1"/>
+          </p:nvPr>
+        </p:nvSpPr>
+        <p:spPr>
+          <a:xfrm>
+            <a:off x="303213" y="1268760"/>
+            <a:ext cx="8516937" cy="2952750"/>
+          </a:xfrm>
+        </p:spPr>
+        <p:txBody>
+          <a:bodyPr/>
+          <a:lstStyle/>
+          <a:p>
+            <a:pPr marL="0" indent="0">
+              <a:buNone/>
+            </a:pPr>
+            <a:r>
+              <a:rPr lang="de-DE" sz="2400" b="1" dirty="0">
+                <a:latin typeface="+mj-lt"/>
+              </a:rPr>
+              <a:t>Starten von Containern</a:t>
+            </a:r>
+            <a:endParaRPr lang="de-DE" b="1" dirty="0"/>
+          </a:p>
+          <a:p>
+            <a:pPr>
+              <a:buFont typeface="Arial" panose="020B0604020202020204" pitchFamily="34" charset="0"/>
+              <a:buChar char="•"/>
+            </a:pPr>
+            <a:r>
+              <a:rPr lang="de-DE" dirty="0"/>
+              <a:t>Docker startet </a:t>
+            </a:r>
+            <a:r>
+              <a:rPr lang="de-DE" dirty="0" err="1"/>
+              <a:t>container</a:t>
+            </a:r>
+            <a:endParaRPr lang="de-DE" dirty="0"/>
+          </a:p>
+          <a:p>
+            <a:pPr>
+              <a:buFont typeface="Arial" panose="020B0604020202020204" pitchFamily="34" charset="0"/>
+              <a:buChar char="•"/>
+            </a:pPr>
+            <a:r>
+              <a:rPr lang="de-DE" dirty="0"/>
+              <a:t>Kann mit ID oder Name identifiziert werden</a:t>
+            </a:r>
+          </a:p>
+        </p:txBody>
+      </p:sp>
+      <p:sp>
+        <p:nvSpPr>
+          <p:cNvPr id="6" name="Textfeld 5">
+            <a:extLst>
+              <a:ext uri="{FF2B5EF4-FFF2-40B4-BE49-F238E27FC236}">
+                <a16:creationId xmlns:a16="http://schemas.microsoft.com/office/drawing/2014/main" id="{4ACC5388-79C6-75D2-C169-4274E8C247EA}"/>
+              </a:ext>
+            </a:extLst>
+          </p:cNvPr>
+          <p:cNvSpPr txBox="1"/>
+          <p:nvPr/>
+        </p:nvSpPr>
+        <p:spPr bwMode="auto">
+          <a:xfrm>
+            <a:off x="297818" y="2780928"/>
+            <a:ext cx="8516937" cy="914097"/>
+          </a:xfrm>
+          <a:prstGeom prst="rect">
+            <a:avLst/>
+          </a:prstGeom>
+          <a:solidFill>
+            <a:schemeClr val="bg1">
+              <a:lumMod val="85000"/>
+            </a:schemeClr>
+          </a:solidFill>
+          <a:ln w="9525">
+            <a:noFill/>
+            <a:miter lim="800000"/>
+            <a:headEnd/>
+            <a:tailEnd/>
+          </a:ln>
+          <a:effectLst>
+            <a:softEdge rad="25400"/>
+          </a:effectLst>
+        </p:spPr>
+        <p:txBody>
+          <a:bodyPr wrap="square" rtlCol="0" anchor="ctr">
+            <a:spAutoFit/>
+          </a:bodyPr>
+          <a:lstStyle/>
+          <a:p>
+            <a:pPr algn="ctr" eaLnBrk="1" hangingPunct="1"/>
+            <a:r>
+              <a:rPr lang="de-DE" dirty="0" err="1">
+                <a:latin typeface="Arial" charset="0"/>
+              </a:rPr>
+              <a:t>docker</a:t>
+            </a:r>
+            <a:r>
+              <a:rPr lang="de-DE" dirty="0">
+                <a:latin typeface="Arial" charset="0"/>
+              </a:rPr>
+              <a:t> </a:t>
+            </a:r>
+            <a:r>
+              <a:rPr lang="de-DE" dirty="0" err="1">
+                <a:latin typeface="Arial" charset="0"/>
+              </a:rPr>
+              <a:t>start</a:t>
+            </a:r>
+            <a:r>
+              <a:rPr lang="de-DE" dirty="0">
+                <a:latin typeface="Arial" charset="0"/>
+              </a:rPr>
+              <a:t> &lt;</a:t>
+            </a:r>
+            <a:r>
+              <a:rPr lang="de-DE" dirty="0" err="1">
+                <a:latin typeface="Arial" charset="0"/>
+              </a:rPr>
+              <a:t>identifier</a:t>
+            </a:r>
+            <a:r>
+              <a:rPr lang="de-DE" dirty="0">
+                <a:latin typeface="Arial" charset="0"/>
+              </a:rPr>
+              <a:t>&gt;</a:t>
+            </a:r>
+          </a:p>
+          <a:p>
+            <a:pPr algn="ctr" eaLnBrk="1" hangingPunct="1"/>
+            <a:r>
+              <a:rPr lang="de-DE" dirty="0" err="1">
+                <a:latin typeface="Arial" charset="0"/>
+              </a:rPr>
+              <a:t>docker</a:t>
+            </a:r>
+            <a:r>
+              <a:rPr lang="de-DE" dirty="0">
+                <a:latin typeface="Arial" charset="0"/>
+              </a:rPr>
+              <a:t> </a:t>
+            </a:r>
+            <a:r>
+              <a:rPr lang="de-DE" dirty="0" err="1">
+                <a:latin typeface="Arial" charset="0"/>
+              </a:rPr>
+              <a:t>start</a:t>
+            </a:r>
+            <a:r>
+              <a:rPr lang="de-DE" dirty="0">
+                <a:latin typeface="Arial" charset="0"/>
+              </a:rPr>
+              <a:t> </a:t>
+            </a:r>
+            <a:r>
+              <a:rPr lang="de-DE" dirty="0" err="1">
+                <a:latin typeface="Arial" charset="0"/>
+              </a:rPr>
+              <a:t>example</a:t>
+            </a:r>
+            <a:endParaRPr lang="de-DE" dirty="0">
+              <a:latin typeface="Arial" charset="0"/>
+            </a:endParaRPr>
+          </a:p>
+        </p:txBody>
+      </p:sp>
+    </p:spTree>
+    <p:extLst>
+      <p:ext uri="{BB962C8B-B14F-4D97-AF65-F5344CB8AC3E}">
+        <p14:creationId xmlns:p14="http://schemas.microsoft.com/office/powerpoint/2010/main" val="1574550335"/>
+      </p:ext>
+    </p:extLst>
+  </p:cSld>
+  <p:clrMapOvr>
+    <a:masterClrMapping/>
+  </p:clrMapOvr>
+</p:sld>
+</file>
+
+<file path=ppt/slides/slide25.xml><?xml version="1.0" encoding="utf-8"?>
+<p:sld xmlns:a="http://schemas.openxmlformats.org/drawingml/2006/main" xmlns:r="http://schemas.openxmlformats.org/officeDocument/2006/relationships" xmlns:p="http://schemas.openxmlformats.org/presentationml/2006/main">
+  <p:cSld>
+    <p:spTree>
+      <p:nvGrpSpPr>
+        <p:cNvPr id="1" name=""/>
+        <p:cNvGrpSpPr/>
+        <p:nvPr/>
+      </p:nvGrpSpPr>
+      <p:grpSpPr>
+        <a:xfrm>
+          <a:off x="0" y="0"/>
+          <a:ext cx="0" cy="0"/>
+          <a:chOff x="0" y="0"/>
+          <a:chExt cx="0" cy="0"/>
+        </a:xfrm>
+      </p:grpSpPr>
+      <p:sp>
+        <p:nvSpPr>
+          <p:cNvPr id="2" name="Titel 1">
+            <a:extLst>
+              <a:ext uri="{FF2B5EF4-FFF2-40B4-BE49-F238E27FC236}">
+                <a16:creationId xmlns:a16="http://schemas.microsoft.com/office/drawing/2014/main" id="{95863F39-AC6F-C91A-BC48-29EE6581525D}"/>
+              </a:ext>
+            </a:extLst>
+          </p:cNvPr>
+          <p:cNvSpPr>
+            <a:spLocks noGrp="1"/>
+          </p:cNvSpPr>
+          <p:nvPr>
+            <p:ph type="title"/>
+          </p:nvPr>
+        </p:nvSpPr>
+        <p:spPr/>
+        <p:txBody>
+          <a:bodyPr/>
+          <a:lstStyle/>
+          <a:p>
+            <a:r>
+              <a:rPr lang="de-DE" altLang="de-DE" dirty="0"/>
+              <a:t>Lokale Entwicklung mit Docker</a:t>
+            </a:r>
+            <a:endParaRPr lang="de-DE" dirty="0"/>
+          </a:p>
+        </p:txBody>
+      </p:sp>
+      <p:sp>
+        <p:nvSpPr>
+          <p:cNvPr id="3" name="Inhaltsplatzhalter 2">
+            <a:extLst>
+              <a:ext uri="{FF2B5EF4-FFF2-40B4-BE49-F238E27FC236}">
+                <a16:creationId xmlns:a16="http://schemas.microsoft.com/office/drawing/2014/main" id="{3ED41AEE-F238-EA07-C91E-34B4C1C3FDC0}"/>
+              </a:ext>
+            </a:extLst>
+          </p:cNvPr>
+          <p:cNvSpPr>
+            <a:spLocks noGrp="1"/>
+          </p:cNvSpPr>
+          <p:nvPr>
+            <p:ph idx="1"/>
+          </p:nvPr>
+        </p:nvSpPr>
+        <p:spPr>
+          <a:xfrm>
+            <a:off x="303213" y="1268760"/>
+            <a:ext cx="8516937" cy="2952750"/>
+          </a:xfrm>
+        </p:spPr>
+        <p:txBody>
+          <a:bodyPr/>
+          <a:lstStyle/>
+          <a:p>
+            <a:pPr marL="0" indent="0">
+              <a:buNone/>
+            </a:pPr>
+            <a:r>
+              <a:rPr lang="de-DE" sz="2400" b="1" dirty="0">
+                <a:latin typeface="+mj-lt"/>
+              </a:rPr>
+              <a:t>Stoppen von Containern</a:t>
+            </a:r>
+            <a:endParaRPr lang="de-DE" b="1" dirty="0"/>
+          </a:p>
+          <a:p>
+            <a:pPr>
+              <a:buFont typeface="Arial" panose="020B0604020202020204" pitchFamily="34" charset="0"/>
+              <a:buChar char="•"/>
+            </a:pPr>
+            <a:r>
+              <a:rPr lang="de-DE" dirty="0"/>
+              <a:t>Docker stoppt den Container</a:t>
+            </a:r>
+          </a:p>
+          <a:p>
+            <a:pPr>
+              <a:buFont typeface="Arial" panose="020B0604020202020204" pitchFamily="34" charset="0"/>
+              <a:buChar char="•"/>
+            </a:pPr>
+            <a:r>
+              <a:rPr lang="de-DE" dirty="0"/>
+              <a:t>Kann mit ID oder Name identifiziert werden</a:t>
+            </a:r>
+          </a:p>
+          <a:p>
+            <a:pPr>
+              <a:buFont typeface="Arial" panose="020B0604020202020204" pitchFamily="34" charset="0"/>
+              <a:buChar char="•"/>
+            </a:pPr>
+            <a:r>
+              <a:rPr lang="de-DE" dirty="0" err="1"/>
+              <a:t>Stop</a:t>
+            </a:r>
+            <a:r>
+              <a:rPr lang="de-DE" dirty="0"/>
+              <a:t> wird mit SIGTERM beendet</a:t>
+            </a:r>
+          </a:p>
+          <a:p>
+            <a:pPr>
+              <a:buFont typeface="Arial" panose="020B0604020202020204" pitchFamily="34" charset="0"/>
+              <a:buChar char="•"/>
+            </a:pPr>
+            <a:r>
+              <a:rPr lang="de-DE" dirty="0"/>
+              <a:t>Kill wird mit SIGKILL beendet</a:t>
+            </a:r>
+          </a:p>
+          <a:p>
+            <a:pPr>
+              <a:buFont typeface="Arial" panose="020B0604020202020204" pitchFamily="34" charset="0"/>
+              <a:buChar char="•"/>
+            </a:pPr>
+            <a:r>
+              <a:rPr lang="de-DE" dirty="0"/>
+              <a:t>Wenn möglich </a:t>
+            </a:r>
+            <a:r>
+              <a:rPr lang="de-DE" dirty="0" err="1"/>
+              <a:t>stop</a:t>
+            </a:r>
+            <a:r>
+              <a:rPr lang="de-DE" dirty="0"/>
+              <a:t> benutzen</a:t>
+            </a:r>
+          </a:p>
+        </p:txBody>
+      </p:sp>
+      <p:sp>
+        <p:nvSpPr>
+          <p:cNvPr id="6" name="Textfeld 5">
+            <a:extLst>
+              <a:ext uri="{FF2B5EF4-FFF2-40B4-BE49-F238E27FC236}">
+                <a16:creationId xmlns:a16="http://schemas.microsoft.com/office/drawing/2014/main" id="{4ACC5388-79C6-75D2-C169-4274E8C247EA}"/>
+              </a:ext>
+            </a:extLst>
+          </p:cNvPr>
+          <p:cNvSpPr txBox="1"/>
+          <p:nvPr/>
+        </p:nvSpPr>
+        <p:spPr bwMode="auto">
+          <a:xfrm>
+            <a:off x="297818" y="4221088"/>
+            <a:ext cx="8516937" cy="1200329"/>
+          </a:xfrm>
+          <a:prstGeom prst="rect">
+            <a:avLst/>
+          </a:prstGeom>
+          <a:solidFill>
+            <a:schemeClr val="bg1">
+              <a:lumMod val="85000"/>
+            </a:schemeClr>
+          </a:solidFill>
+          <a:ln w="9525">
+            <a:noFill/>
+            <a:miter lim="800000"/>
+            <a:headEnd/>
+            <a:tailEnd/>
+          </a:ln>
+          <a:effectLst>
+            <a:softEdge rad="25400"/>
+          </a:effectLst>
+        </p:spPr>
+        <p:txBody>
+          <a:bodyPr wrap="square" rtlCol="0" anchor="ctr">
+            <a:spAutoFit/>
+          </a:bodyPr>
+          <a:lstStyle/>
+          <a:p>
+            <a:pPr algn="ctr" eaLnBrk="1" hangingPunct="1"/>
+            <a:r>
+              <a:rPr lang="de-DE" dirty="0" err="1">
+                <a:latin typeface="Arial" charset="0"/>
+              </a:rPr>
+              <a:t>docker</a:t>
+            </a:r>
+            <a:r>
+              <a:rPr lang="de-DE" dirty="0">
+                <a:latin typeface="Arial" charset="0"/>
+              </a:rPr>
+              <a:t> </a:t>
+            </a:r>
+            <a:r>
+              <a:rPr lang="de-DE" dirty="0" err="1">
+                <a:latin typeface="Arial" charset="0"/>
+              </a:rPr>
+              <a:t>stop</a:t>
+            </a:r>
+            <a:r>
+              <a:rPr lang="de-DE" dirty="0">
+                <a:latin typeface="Arial" charset="0"/>
+              </a:rPr>
+              <a:t> &lt;</a:t>
+            </a:r>
+            <a:r>
+              <a:rPr lang="de-DE" dirty="0" err="1">
+                <a:latin typeface="Arial" charset="0"/>
+              </a:rPr>
+              <a:t>identifier</a:t>
+            </a:r>
+            <a:r>
+              <a:rPr lang="de-DE" dirty="0">
+                <a:latin typeface="Arial" charset="0"/>
+              </a:rPr>
+              <a:t>&gt;</a:t>
+            </a:r>
+          </a:p>
+          <a:p>
+            <a:pPr algn="ctr" eaLnBrk="1" hangingPunct="1"/>
+            <a:r>
+              <a:rPr lang="de-DE" dirty="0" err="1">
+                <a:latin typeface="Arial" charset="0"/>
+              </a:rPr>
+              <a:t>docker</a:t>
+            </a:r>
+            <a:r>
+              <a:rPr lang="de-DE" dirty="0">
+                <a:latin typeface="Arial" charset="0"/>
+              </a:rPr>
+              <a:t> kill &lt;</a:t>
+            </a:r>
+            <a:r>
+              <a:rPr lang="de-DE" dirty="0" err="1">
+                <a:latin typeface="Arial" charset="0"/>
+              </a:rPr>
+              <a:t>identifier</a:t>
+            </a:r>
+            <a:r>
+              <a:rPr lang="de-DE" dirty="0">
+                <a:latin typeface="Arial" charset="0"/>
+              </a:rPr>
+              <a:t>&gt;</a:t>
+            </a:r>
+          </a:p>
+          <a:p>
+            <a:pPr algn="ctr" eaLnBrk="1" hangingPunct="1"/>
+            <a:r>
+              <a:rPr lang="de-DE" dirty="0" err="1">
+                <a:latin typeface="Arial" charset="0"/>
+              </a:rPr>
+              <a:t>docker</a:t>
+            </a:r>
+            <a:r>
+              <a:rPr lang="de-DE" dirty="0">
+                <a:latin typeface="Arial" charset="0"/>
+              </a:rPr>
+              <a:t> </a:t>
+            </a:r>
+            <a:r>
+              <a:rPr lang="de-DE" dirty="0" err="1">
+                <a:latin typeface="Arial" charset="0"/>
+              </a:rPr>
+              <a:t>stop</a:t>
+            </a:r>
+            <a:r>
+              <a:rPr lang="de-DE" dirty="0">
+                <a:latin typeface="Arial" charset="0"/>
+              </a:rPr>
+              <a:t> </a:t>
+            </a:r>
+            <a:r>
+              <a:rPr lang="de-DE" dirty="0" err="1">
+                <a:latin typeface="Arial" charset="0"/>
+              </a:rPr>
+              <a:t>example</a:t>
+            </a:r>
+            <a:endParaRPr lang="de-DE" dirty="0">
+              <a:latin typeface="Arial" charset="0"/>
+            </a:endParaRPr>
+          </a:p>
+        </p:txBody>
+      </p:sp>
+    </p:spTree>
+    <p:extLst>
+      <p:ext uri="{BB962C8B-B14F-4D97-AF65-F5344CB8AC3E}">
+        <p14:creationId xmlns:p14="http://schemas.microsoft.com/office/powerpoint/2010/main" val="3738633482"/>
+      </p:ext>
+    </p:extLst>
+  </p:cSld>
+  <p:clrMapOvr>
+    <a:masterClrMapping/>
+  </p:clrMapOvr>
+</p:sld>
+</file>
+
+<file path=ppt/slides/slide26.xml><?xml version="1.0" encoding="utf-8"?>
+<p:sld xmlns:a="http://schemas.openxmlformats.org/drawingml/2006/main" xmlns:r="http://schemas.openxmlformats.org/officeDocument/2006/relationships" xmlns:p="http://schemas.openxmlformats.org/presentationml/2006/main">
+  <p:cSld>
+    <p:spTree>
+      <p:nvGrpSpPr>
+        <p:cNvPr id="1" name=""/>
+        <p:cNvGrpSpPr/>
+        <p:nvPr/>
+      </p:nvGrpSpPr>
+      <p:grpSpPr>
+        <a:xfrm>
+          <a:off x="0" y="0"/>
+          <a:ext cx="0" cy="0"/>
+          <a:chOff x="0" y="0"/>
+          <a:chExt cx="0" cy="0"/>
+        </a:xfrm>
+      </p:grpSpPr>
+      <p:sp>
+        <p:nvSpPr>
+          <p:cNvPr id="2" name="Titel 1">
+            <a:extLst>
+              <a:ext uri="{FF2B5EF4-FFF2-40B4-BE49-F238E27FC236}">
+                <a16:creationId xmlns:a16="http://schemas.microsoft.com/office/drawing/2014/main" id="{95863F39-AC6F-C91A-BC48-29EE6581525D}"/>
+              </a:ext>
+            </a:extLst>
+          </p:cNvPr>
+          <p:cNvSpPr>
+            <a:spLocks noGrp="1"/>
+          </p:cNvSpPr>
+          <p:nvPr>
+            <p:ph type="title"/>
+          </p:nvPr>
+        </p:nvSpPr>
+        <p:spPr/>
+        <p:txBody>
+          <a:bodyPr/>
+          <a:lstStyle/>
+          <a:p>
+            <a:r>
+              <a:rPr lang="de-DE" altLang="de-DE" dirty="0"/>
+              <a:t>Lokale Entwicklung mit Docker</a:t>
+            </a:r>
+            <a:endParaRPr lang="de-DE" dirty="0"/>
+          </a:p>
+        </p:txBody>
+      </p:sp>
+      <p:sp>
+        <p:nvSpPr>
+          <p:cNvPr id="3" name="Inhaltsplatzhalter 2">
+            <a:extLst>
+              <a:ext uri="{FF2B5EF4-FFF2-40B4-BE49-F238E27FC236}">
+                <a16:creationId xmlns:a16="http://schemas.microsoft.com/office/drawing/2014/main" id="{3ED41AEE-F238-EA07-C91E-34B4C1C3FDC0}"/>
+              </a:ext>
+            </a:extLst>
+          </p:cNvPr>
+          <p:cNvSpPr>
+            <a:spLocks noGrp="1"/>
+          </p:cNvSpPr>
+          <p:nvPr>
+            <p:ph idx="1"/>
+          </p:nvPr>
+        </p:nvSpPr>
+        <p:spPr>
+          <a:xfrm>
+            <a:off x="303213" y="1268760"/>
+            <a:ext cx="8516937" cy="2952750"/>
+          </a:xfrm>
+        </p:spPr>
+        <p:txBody>
+          <a:bodyPr/>
+          <a:lstStyle/>
+          <a:p>
+            <a:pPr marL="0" indent="0">
+              <a:buNone/>
+            </a:pPr>
+            <a:r>
+              <a:rPr lang="de-DE" sz="2400" b="1" dirty="0">
+                <a:latin typeface="+mj-lt"/>
+              </a:rPr>
+              <a:t>Löschen von Containern</a:t>
+            </a:r>
+            <a:endParaRPr lang="de-DE" b="1" dirty="0"/>
+          </a:p>
+          <a:p>
+            <a:pPr>
+              <a:buFont typeface="Arial" panose="020B0604020202020204" pitchFamily="34" charset="0"/>
+              <a:buChar char="•"/>
+            </a:pPr>
+            <a:r>
+              <a:rPr lang="de-DE" dirty="0"/>
+              <a:t>Docker löscht den Container</a:t>
+            </a:r>
+          </a:p>
+          <a:p>
+            <a:pPr>
+              <a:buFont typeface="Arial" panose="020B0604020202020204" pitchFamily="34" charset="0"/>
+              <a:buChar char="•"/>
+            </a:pPr>
+            <a:r>
+              <a:rPr lang="de-DE" dirty="0"/>
+              <a:t>Kann mit ID oder Name identifiziert werden</a:t>
+            </a:r>
+          </a:p>
+          <a:p>
+            <a:pPr>
+              <a:buFont typeface="Arial" panose="020B0604020202020204" pitchFamily="34" charset="0"/>
+              <a:buChar char="•"/>
+            </a:pPr>
+            <a:r>
+              <a:rPr lang="de-DE" dirty="0"/>
+              <a:t>Container muss gestoppt sein</a:t>
+            </a:r>
+          </a:p>
+        </p:txBody>
+      </p:sp>
+      <p:sp>
+        <p:nvSpPr>
+          <p:cNvPr id="6" name="Textfeld 5">
+            <a:extLst>
+              <a:ext uri="{FF2B5EF4-FFF2-40B4-BE49-F238E27FC236}">
+                <a16:creationId xmlns:a16="http://schemas.microsoft.com/office/drawing/2014/main" id="{4ACC5388-79C6-75D2-C169-4274E8C247EA}"/>
+              </a:ext>
+            </a:extLst>
+          </p:cNvPr>
+          <p:cNvSpPr txBox="1"/>
+          <p:nvPr/>
+        </p:nvSpPr>
+        <p:spPr bwMode="auto">
+          <a:xfrm>
+            <a:off x="297818" y="5014917"/>
+            <a:ext cx="8516937" cy="830997"/>
+          </a:xfrm>
+          <a:prstGeom prst="rect">
+            <a:avLst/>
+          </a:prstGeom>
+          <a:solidFill>
+            <a:schemeClr val="bg1">
+              <a:lumMod val="85000"/>
+            </a:schemeClr>
+          </a:solidFill>
+          <a:ln w="9525">
+            <a:noFill/>
+            <a:miter lim="800000"/>
+            <a:headEnd/>
+            <a:tailEnd/>
+          </a:ln>
+          <a:effectLst>
+            <a:softEdge rad="25400"/>
+          </a:effectLst>
+        </p:spPr>
+        <p:txBody>
+          <a:bodyPr wrap="square" rtlCol="0" anchor="ctr">
+            <a:spAutoFit/>
+          </a:bodyPr>
+          <a:lstStyle/>
+          <a:p>
+            <a:pPr algn="ctr" eaLnBrk="1" hangingPunct="1"/>
+            <a:r>
+              <a:rPr lang="de-DE" dirty="0" err="1">
+                <a:latin typeface="Arial" charset="0"/>
+              </a:rPr>
+              <a:t>docker</a:t>
+            </a:r>
+            <a:r>
+              <a:rPr lang="de-DE" dirty="0">
+                <a:latin typeface="Arial" charset="0"/>
+              </a:rPr>
+              <a:t> </a:t>
+            </a:r>
+            <a:r>
+              <a:rPr lang="de-DE" dirty="0" err="1">
+                <a:latin typeface="Arial" charset="0"/>
+              </a:rPr>
+              <a:t>rm</a:t>
+            </a:r>
+            <a:r>
+              <a:rPr lang="de-DE" dirty="0">
+                <a:latin typeface="Arial" charset="0"/>
+              </a:rPr>
+              <a:t> &lt;</a:t>
+            </a:r>
+            <a:r>
+              <a:rPr lang="de-DE" dirty="0" err="1">
+                <a:latin typeface="Arial" charset="0"/>
+              </a:rPr>
+              <a:t>identifier</a:t>
+            </a:r>
+            <a:r>
+              <a:rPr lang="de-DE" dirty="0">
+                <a:latin typeface="Arial" charset="0"/>
+              </a:rPr>
+              <a:t>&gt;</a:t>
+            </a:r>
+          </a:p>
+          <a:p>
+            <a:pPr algn="ctr" eaLnBrk="1" hangingPunct="1"/>
+            <a:r>
+              <a:rPr lang="de-DE" dirty="0" err="1">
+                <a:latin typeface="Arial" charset="0"/>
+              </a:rPr>
+              <a:t>docker</a:t>
+            </a:r>
+            <a:r>
+              <a:rPr lang="de-DE" dirty="0">
+                <a:latin typeface="Arial" charset="0"/>
+              </a:rPr>
+              <a:t> </a:t>
+            </a:r>
+            <a:r>
+              <a:rPr lang="de-DE" dirty="0" err="1">
+                <a:latin typeface="Arial" charset="0"/>
+              </a:rPr>
+              <a:t>rm</a:t>
+            </a:r>
+            <a:r>
+              <a:rPr lang="de-DE" dirty="0">
+                <a:latin typeface="Arial" charset="0"/>
+              </a:rPr>
+              <a:t> </a:t>
+            </a:r>
+            <a:r>
+              <a:rPr lang="de-DE" dirty="0" err="1">
+                <a:latin typeface="Arial" charset="0"/>
+              </a:rPr>
+              <a:t>example</a:t>
+            </a:r>
+            <a:endParaRPr lang="de-DE" dirty="0">
+              <a:latin typeface="Arial" charset="0"/>
+            </a:endParaRPr>
+          </a:p>
+        </p:txBody>
+      </p:sp>
+    </p:spTree>
+    <p:extLst>
+      <p:ext uri="{BB962C8B-B14F-4D97-AF65-F5344CB8AC3E}">
+        <p14:creationId xmlns:p14="http://schemas.microsoft.com/office/powerpoint/2010/main" val="3054708867"/>
+      </p:ext>
+    </p:extLst>
+  </p:cSld>
+  <p:clrMapOvr>
+    <a:masterClrMapping/>
+  </p:clrMapOvr>
+</p:sld>
+</file>
+
+<file path=ppt/slides/slide27.xml><?xml version="1.0" encoding="utf-8"?>
+<p:sld xmlns:a="http://schemas.openxmlformats.org/drawingml/2006/main" xmlns:r="http://schemas.openxmlformats.org/officeDocument/2006/relationships" xmlns:p="http://schemas.openxmlformats.org/presentationml/2006/main">
+  <p:cSld>
+    <p:spTree>
+      <p:nvGrpSpPr>
+        <p:cNvPr id="1" name=""/>
+        <p:cNvGrpSpPr/>
+        <p:nvPr/>
+      </p:nvGrpSpPr>
+      <p:grpSpPr>
+        <a:xfrm>
+          <a:off x="0" y="0"/>
+          <a:ext cx="0" cy="0"/>
+          <a:chOff x="0" y="0"/>
+          <a:chExt cx="0" cy="0"/>
+        </a:xfrm>
+      </p:grpSpPr>
+      <p:sp>
+        <p:nvSpPr>
+          <p:cNvPr id="2" name="Titel 1">
+            <a:extLst>
+              <a:ext uri="{FF2B5EF4-FFF2-40B4-BE49-F238E27FC236}">
+                <a16:creationId xmlns:a16="http://schemas.microsoft.com/office/drawing/2014/main" id="{95863F39-AC6F-C91A-BC48-29EE6581525D}"/>
+              </a:ext>
+            </a:extLst>
+          </p:cNvPr>
+          <p:cNvSpPr>
+            <a:spLocks noGrp="1"/>
+          </p:cNvSpPr>
+          <p:nvPr>
+            <p:ph type="title"/>
+          </p:nvPr>
+        </p:nvSpPr>
+        <p:spPr/>
+        <p:txBody>
+          <a:bodyPr/>
+          <a:lstStyle/>
+          <a:p>
+            <a:r>
+              <a:rPr lang="de-DE" altLang="de-DE" dirty="0"/>
+              <a:t>Lokale Entwicklung mit Docker</a:t>
+            </a:r>
+            <a:endParaRPr lang="de-DE" dirty="0"/>
+          </a:p>
+        </p:txBody>
+      </p:sp>
+      <p:sp>
+        <p:nvSpPr>
+          <p:cNvPr id="3" name="Inhaltsplatzhalter 2">
+            <a:extLst>
+              <a:ext uri="{FF2B5EF4-FFF2-40B4-BE49-F238E27FC236}">
+                <a16:creationId xmlns:a16="http://schemas.microsoft.com/office/drawing/2014/main" id="{3ED41AEE-F238-EA07-C91E-34B4C1C3FDC0}"/>
+              </a:ext>
+            </a:extLst>
+          </p:cNvPr>
+          <p:cNvSpPr>
+            <a:spLocks noGrp="1"/>
+          </p:cNvSpPr>
+          <p:nvPr>
+            <p:ph idx="1"/>
+          </p:nvPr>
+        </p:nvSpPr>
+        <p:spPr>
+          <a:xfrm>
+            <a:off x="303213" y="1052314"/>
+            <a:ext cx="8516937" cy="2952750"/>
+          </a:xfrm>
+        </p:spPr>
+        <p:txBody>
+          <a:bodyPr/>
+          <a:lstStyle/>
+          <a:p>
+            <a:pPr marL="0" indent="0">
+              <a:buNone/>
+            </a:pPr>
+            <a:r>
+              <a:rPr lang="de-DE" sz="2400" b="1" dirty="0">
+                <a:latin typeface="+mj-lt"/>
+              </a:rPr>
+              <a:t>Auflisten von Containern</a:t>
+            </a:r>
+            <a:endParaRPr lang="de-DE" b="1" dirty="0"/>
+          </a:p>
+          <a:p>
+            <a:pPr>
+              <a:buFont typeface="Arial" panose="020B0604020202020204" pitchFamily="34" charset="0"/>
+              <a:buChar char="•"/>
+            </a:pPr>
+            <a:r>
+              <a:rPr lang="de-DE" dirty="0"/>
+              <a:t>Erstellt eine Liste von Containern</a:t>
+            </a:r>
+          </a:p>
+        </p:txBody>
+      </p:sp>
+      <p:sp>
+        <p:nvSpPr>
+          <p:cNvPr id="6" name="Textfeld 5">
+            <a:extLst>
+              <a:ext uri="{FF2B5EF4-FFF2-40B4-BE49-F238E27FC236}">
+                <a16:creationId xmlns:a16="http://schemas.microsoft.com/office/drawing/2014/main" id="{4ACC5388-79C6-75D2-C169-4274E8C247EA}"/>
+              </a:ext>
+            </a:extLst>
+          </p:cNvPr>
+          <p:cNvSpPr txBox="1"/>
+          <p:nvPr/>
+        </p:nvSpPr>
+        <p:spPr bwMode="auto">
+          <a:xfrm>
+            <a:off x="297818" y="2247255"/>
+            <a:ext cx="8516937" cy="461665"/>
+          </a:xfrm>
+          <a:prstGeom prst="rect">
+            <a:avLst/>
+          </a:prstGeom>
+          <a:solidFill>
+            <a:schemeClr val="bg1">
+              <a:lumMod val="85000"/>
+            </a:schemeClr>
+          </a:solidFill>
+          <a:ln w="9525">
+            <a:noFill/>
+            <a:miter lim="800000"/>
+            <a:headEnd/>
+            <a:tailEnd/>
+          </a:ln>
+          <a:effectLst>
+            <a:softEdge rad="25400"/>
+          </a:effectLst>
+        </p:spPr>
+        <p:txBody>
+          <a:bodyPr wrap="square" rtlCol="0" anchor="ctr">
+            <a:spAutoFit/>
+          </a:bodyPr>
+          <a:lstStyle/>
+          <a:p>
+            <a:pPr algn="ctr" eaLnBrk="1" hangingPunct="1"/>
+            <a:r>
+              <a:rPr lang="de-DE" dirty="0" err="1">
+                <a:latin typeface="Arial" charset="0"/>
+              </a:rPr>
+              <a:t>docker</a:t>
+            </a:r>
+            <a:r>
+              <a:rPr lang="de-DE" dirty="0">
+                <a:latin typeface="Arial" charset="0"/>
+              </a:rPr>
+              <a:t> </a:t>
+            </a:r>
+            <a:r>
+              <a:rPr lang="de-DE" dirty="0" err="1">
+                <a:latin typeface="Arial" charset="0"/>
+              </a:rPr>
+              <a:t>ls</a:t>
+            </a:r>
+            <a:endParaRPr lang="de-DE" dirty="0">
+              <a:latin typeface="Arial" charset="0"/>
+            </a:endParaRPr>
+          </a:p>
+        </p:txBody>
+      </p:sp>
+    </p:spTree>
+    <p:extLst>
+      <p:ext uri="{BB962C8B-B14F-4D97-AF65-F5344CB8AC3E}">
+        <p14:creationId xmlns:p14="http://schemas.microsoft.com/office/powerpoint/2010/main" val="1481453344"/>
+      </p:ext>
+    </p:extLst>
+  </p:cSld>
+  <p:clrMapOvr>
+    <a:masterClrMapping/>
+  </p:clrMapOvr>
+</p:sld>
+</file>
+
+<file path=ppt/slides/slide28.xml><?xml version="1.0" encoding="utf-8"?>
+<p:sld xmlns:a="http://schemas.openxmlformats.org/drawingml/2006/main" xmlns:r="http://schemas.openxmlformats.org/officeDocument/2006/relationships" xmlns:p="http://schemas.openxmlformats.org/presentationml/2006/main" show="0">
+  <p:cSld>
+    <p:spTree>
+      <p:nvGrpSpPr>
+        <p:cNvPr id="1" name=""/>
+        <p:cNvGrpSpPr/>
+        <p:nvPr/>
+      </p:nvGrpSpPr>
+      <p:grpSpPr>
+        <a:xfrm>
+          <a:off x="0" y="0"/>
+          <a:ext cx="0" cy="0"/>
+          <a:chOff x="0" y="0"/>
+          <a:chExt cx="0" cy="0"/>
+        </a:xfrm>
+      </p:grpSpPr>
+      <p:sp>
+        <p:nvSpPr>
+          <p:cNvPr id="2" name="Titel 1">
+            <a:extLst>
+              <a:ext uri="{FF2B5EF4-FFF2-40B4-BE49-F238E27FC236}">
+                <a16:creationId xmlns:a16="http://schemas.microsoft.com/office/drawing/2014/main" id="{27706001-546B-4ADD-255C-89B282CA215A}"/>
+              </a:ext>
+            </a:extLst>
+          </p:cNvPr>
+          <p:cNvSpPr>
+            <a:spLocks noGrp="1"/>
+          </p:cNvSpPr>
+          <p:nvPr>
+            <p:ph type="title"/>
+          </p:nvPr>
+        </p:nvSpPr>
+        <p:spPr/>
+        <p:txBody>
+          <a:bodyPr/>
+          <a:lstStyle/>
+          <a:p>
+            <a:r>
+              <a:rPr lang="de-DE" altLang="de-DE" dirty="0"/>
+              <a:t>Lokale Entwicklung mit Docker</a:t>
+            </a:r>
+            <a:endParaRPr lang="de-DE" dirty="0"/>
+          </a:p>
+        </p:txBody>
+      </p:sp>
+      <p:sp>
+        <p:nvSpPr>
+          <p:cNvPr id="3" name="Inhaltsplatzhalter 2">
+            <a:extLst>
+              <a:ext uri="{FF2B5EF4-FFF2-40B4-BE49-F238E27FC236}">
+                <a16:creationId xmlns:a16="http://schemas.microsoft.com/office/drawing/2014/main" id="{C91D2475-D5FC-DD24-3CB3-F5363CD2639F}"/>
+              </a:ext>
+            </a:extLst>
+          </p:cNvPr>
+          <p:cNvSpPr>
+            <a:spLocks noGrp="1"/>
+          </p:cNvSpPr>
+          <p:nvPr>
+            <p:ph idx="1"/>
+          </p:nvPr>
+        </p:nvSpPr>
+        <p:spPr/>
+        <p:txBody>
+          <a:bodyPr/>
+          <a:lstStyle/>
+          <a:p>
+            <a:pPr marL="0" indent="0">
+              <a:buNone/>
+            </a:pPr>
+            <a:r>
+              <a:rPr lang="de-DE" b="1" dirty="0"/>
+              <a:t>Demo</a:t>
+            </a:r>
+          </a:p>
+        </p:txBody>
+      </p:sp>
+      <p:pic>
+        <p:nvPicPr>
+          <p:cNvPr id="7" name="Grafik 6" descr="Ein Bild, das Symbol, Grafiken, Clipart, Design enthält.&#10;&#10;Automatisch generierte Beschreibung">
+            <a:extLst>
+              <a:ext uri="{FF2B5EF4-FFF2-40B4-BE49-F238E27FC236}">
+                <a16:creationId xmlns:a16="http://schemas.microsoft.com/office/drawing/2014/main" id="{1157EC41-EF32-0123-2E11-506964F53C8E}"/>
+              </a:ext>
+            </a:extLst>
+          </p:cNvPr>
+          <p:cNvPicPr>
+            <a:picLocks noChangeAspect="1"/>
+          </p:cNvPicPr>
+          <p:nvPr/>
+        </p:nvPicPr>
+        <p:blipFill>
+          <a:blip r:embed="rId2">
+            <a:extLst>
+              <a:ext uri="{28A0092B-C50C-407E-A947-70E740481C1C}">
+                <a14:useLocalDpi xmlns:a14="http://schemas.microsoft.com/office/drawing/2010/main" val="0"/>
+              </a:ext>
+            </a:extLst>
+          </a:blip>
+          <a:stretch>
+            <a:fillRect/>
+          </a:stretch>
+        </p:blipFill>
+        <p:spPr>
+          <a:xfrm>
+            <a:off x="1715740" y="1426852"/>
+            <a:ext cx="5712519" cy="4509120"/>
+          </a:xfrm>
+          <a:prstGeom prst="rect">
+            <a:avLst/>
+          </a:prstGeom>
+        </p:spPr>
+      </p:pic>
+    </p:spTree>
+    <p:extLst>
+      <p:ext uri="{BB962C8B-B14F-4D97-AF65-F5344CB8AC3E}">
+        <p14:creationId xmlns:p14="http://schemas.microsoft.com/office/powerpoint/2010/main" val="3800814857"/>
+      </p:ext>
+    </p:extLst>
+  </p:cSld>
+  <p:clrMapOvr>
+    <a:masterClrMapping/>
+  </p:clrMapOvr>
+</p:sld>
+</file>
+
+<file path=ppt/slides/slide29.xml><?xml version="1.0" encoding="utf-8"?>
+<p:sld xmlns:a="http://schemas.openxmlformats.org/drawingml/2006/main" xmlns:r="http://schemas.openxmlformats.org/officeDocument/2006/relationships" xmlns:p="http://schemas.openxmlformats.org/presentationml/2006/main" show="0">
+  <p:cSld>
+    <p:spTree>
+      <p:nvGrpSpPr>
+        <p:cNvPr id="1" name=""/>
+        <p:cNvGrpSpPr/>
+        <p:nvPr/>
+      </p:nvGrpSpPr>
+      <p:grpSpPr>
+        <a:xfrm>
+          <a:off x="0" y="0"/>
+          <a:ext cx="0" cy="0"/>
+          <a:chOff x="0" y="0"/>
+          <a:chExt cx="0" cy="0"/>
+        </a:xfrm>
+      </p:grpSpPr>
+      <p:sp>
+        <p:nvSpPr>
+          <p:cNvPr id="2" name="Titel 1">
+            <a:extLst>
+              <a:ext uri="{FF2B5EF4-FFF2-40B4-BE49-F238E27FC236}">
+                <a16:creationId xmlns:a16="http://schemas.microsoft.com/office/drawing/2014/main" id="{EC8CF018-2FCF-81A4-5029-0F6FD9D27D5B}"/>
+              </a:ext>
+            </a:extLst>
+          </p:cNvPr>
+          <p:cNvSpPr>
+            <a:spLocks noGrp="1"/>
+          </p:cNvSpPr>
+          <p:nvPr>
+            <p:ph type="title"/>
+          </p:nvPr>
+        </p:nvSpPr>
+        <p:spPr/>
+        <p:txBody>
+          <a:bodyPr/>
+          <a:lstStyle/>
+          <a:p>
+            <a:r>
+              <a:rPr lang="de-DE" altLang="de-DE" dirty="0"/>
+              <a:t>Lokale Entwicklung mit Docker</a:t>
+            </a:r>
+            <a:endParaRPr lang="de-DE" dirty="0"/>
+          </a:p>
+        </p:txBody>
+      </p:sp>
+      <p:sp>
+        <p:nvSpPr>
+          <p:cNvPr id="3" name="Inhaltsplatzhalter 2">
+            <a:extLst>
+              <a:ext uri="{FF2B5EF4-FFF2-40B4-BE49-F238E27FC236}">
+                <a16:creationId xmlns:a16="http://schemas.microsoft.com/office/drawing/2014/main" id="{663C7B1B-4F20-6E54-746F-81BAA338EE5F}"/>
+              </a:ext>
+            </a:extLst>
+          </p:cNvPr>
+          <p:cNvSpPr>
+            <a:spLocks noGrp="1"/>
+          </p:cNvSpPr>
+          <p:nvPr>
+            <p:ph idx="1"/>
+          </p:nvPr>
+        </p:nvSpPr>
+        <p:spPr>
+          <a:xfrm>
+            <a:off x="303213" y="1340768"/>
+            <a:ext cx="8516937" cy="4532569"/>
+          </a:xfrm>
+        </p:spPr>
+        <p:txBody>
+          <a:bodyPr/>
+          <a:lstStyle/>
+          <a:p>
+            <a:pPr marL="0" indent="0">
+              <a:buNone/>
+            </a:pPr>
+            <a:r>
+              <a:rPr lang="de-DE" sz="2400" b="1" dirty="0">
+                <a:latin typeface="+mj-lt"/>
+              </a:rPr>
+              <a:t>Übungsaufgabe</a:t>
+            </a:r>
+            <a:endParaRPr lang="de-DE" b="1" dirty="0"/>
+          </a:p>
+          <a:p>
+            <a:pPr>
+              <a:buFont typeface="Arial" panose="020B0604020202020204" pitchFamily="34" charset="0"/>
+              <a:buChar char="•"/>
+            </a:pPr>
+            <a:r>
+              <a:rPr lang="de-DE" dirty="0"/>
+              <a:t>Installieren Sie Docker Desktop</a:t>
+            </a:r>
+          </a:p>
+          <a:p>
+            <a:pPr>
+              <a:buFont typeface="Arial" panose="020B0604020202020204" pitchFamily="34" charset="0"/>
+              <a:buChar char="•"/>
+            </a:pPr>
+            <a:r>
+              <a:rPr lang="de-DE" dirty="0"/>
+              <a:t>Öffnen Sie den Ordner der Übungsaufgabe</a:t>
+            </a:r>
+          </a:p>
+          <a:p>
+            <a:pPr>
+              <a:buFont typeface="Arial" panose="020B0604020202020204" pitchFamily="34" charset="0"/>
+              <a:buChar char="•"/>
+            </a:pPr>
+            <a:r>
+              <a:rPr lang="de-DE" dirty="0"/>
+              <a:t>Erstellen Sie ein Docker Image mittels des </a:t>
+            </a:r>
+            <a:r>
+              <a:rPr lang="de-DE" dirty="0" err="1"/>
+              <a:t>Dockerfiles</a:t>
+            </a:r>
+            <a:endParaRPr lang="de-DE" dirty="0"/>
+          </a:p>
+          <a:p>
+            <a:pPr>
+              <a:buFont typeface="Arial" panose="020B0604020202020204" pitchFamily="34" charset="0"/>
+              <a:buChar char="•"/>
+            </a:pPr>
+            <a:r>
+              <a:rPr lang="de-DE" dirty="0"/>
+              <a:t>Führen Sie den Container aus und untersuchen sie logs und das Dateisystem</a:t>
+            </a:r>
+          </a:p>
+          <a:p>
+            <a:pPr>
+              <a:buFont typeface="Arial" panose="020B0604020202020204" pitchFamily="34" charset="0"/>
+              <a:buChar char="•"/>
+            </a:pPr>
+            <a:r>
+              <a:rPr lang="de-DE" dirty="0"/>
+              <a:t>Passen Sie das </a:t>
+            </a:r>
+            <a:r>
+              <a:rPr lang="de-DE" dirty="0" err="1"/>
+              <a:t>Dockerfile</a:t>
+            </a:r>
+            <a:r>
+              <a:rPr lang="de-DE" dirty="0"/>
+              <a:t> an um bei der Installation zusätzlich „cleanup.sh“ auszuführen.</a:t>
+            </a:r>
+          </a:p>
+          <a:p>
+            <a:pPr>
+              <a:buFont typeface="Arial" panose="020B0604020202020204" pitchFamily="34" charset="0"/>
+              <a:buChar char="•"/>
+            </a:pPr>
+            <a:r>
+              <a:rPr lang="de-DE" dirty="0"/>
+              <a:t>Erstellen Sie das Image und einen Container erneut und untersuchen Sie wieder den Container</a:t>
+            </a:r>
+          </a:p>
+          <a:p>
+            <a:pPr>
+              <a:buFont typeface="Arial" panose="020B0604020202020204" pitchFamily="34" charset="0"/>
+              <a:buChar char="•"/>
+            </a:pPr>
+            <a:endParaRPr lang="de-DE" dirty="0"/>
+          </a:p>
+        </p:txBody>
+      </p:sp>
+    </p:spTree>
+    <p:extLst>
+      <p:ext uri="{BB962C8B-B14F-4D97-AF65-F5344CB8AC3E}">
+        <p14:creationId xmlns:p14="http://schemas.microsoft.com/office/powerpoint/2010/main" val="2942762060"/>
+      </p:ext>
+    </p:extLst>
+  </p:cSld>
+  <p:clrMapOvr>
+    <a:masterClrMapping/>
+  </p:clrMapOvr>
+</p:sld>
+</file>
+
+<file path=ppt/slides/slide3.xml><?xml version="1.0" encoding="utf-8"?>
+<p:sld xmlns:a="http://schemas.openxmlformats.org/drawingml/2006/main" xmlns:r="http://schemas.openxmlformats.org/officeDocument/2006/relationships" xmlns:p="http://schemas.openxmlformats.org/presentationml/2006/main">
+  <p:cSld>
+    <p:spTree>
+      <p:nvGrpSpPr>
+        <p:cNvPr id="1" name=""/>
+        <p:cNvGrpSpPr/>
+        <p:nvPr/>
+      </p:nvGrpSpPr>
+      <p:grpSpPr>
+        <a:xfrm>
+          <a:off x="0" y="0"/>
+          <a:ext cx="0" cy="0"/>
+          <a:chOff x="0" y="0"/>
+          <a:chExt cx="0" cy="0"/>
+        </a:xfrm>
+      </p:grpSpPr>
+      <p:sp>
+        <p:nvSpPr>
+          <p:cNvPr id="7170" name="Titel 1">
+            <a:extLst>
+              <a:ext uri="{FF2B5EF4-FFF2-40B4-BE49-F238E27FC236}">
+                <a16:creationId xmlns:a16="http://schemas.microsoft.com/office/drawing/2014/main" id="{14166EE9-31F6-1432-6B4F-746369646516}"/>
+              </a:ext>
+            </a:extLst>
+          </p:cNvPr>
+          <p:cNvSpPr>
+            <a:spLocks noGrp="1"/>
+          </p:cNvSpPr>
+          <p:nvPr>
+            <p:ph type="title"/>
+          </p:nvPr>
+        </p:nvSpPr>
+        <p:spPr>
+          <a:xfrm>
+            <a:off x="285750" y="150813"/>
+            <a:ext cx="5554663" cy="706437"/>
+          </a:xfrm>
+        </p:spPr>
+        <p:txBody>
+          <a:bodyPr/>
+          <a:lstStyle/>
+          <a:p>
+            <a:r>
+              <a:rPr lang="de-DE" altLang="de-DE" dirty="0"/>
+              <a:t>Lokale Entwicklung mit Docker</a:t>
+            </a:r>
+          </a:p>
+        </p:txBody>
+      </p:sp>
+      <p:pic>
+        <p:nvPicPr>
+          <p:cNvPr id="4" name="Inhaltsplatzhalter 3">
+            <a:extLst>
+              <a:ext uri="{FF2B5EF4-FFF2-40B4-BE49-F238E27FC236}">
+                <a16:creationId xmlns:a16="http://schemas.microsoft.com/office/drawing/2014/main" id="{3F1A2286-E4F5-09BF-231F-5040FA435DA0}"/>
+              </a:ext>
+            </a:extLst>
+          </p:cNvPr>
+          <p:cNvPicPr>
+            <a:picLocks noGrp="1" noChangeAspect="1"/>
+          </p:cNvPicPr>
+          <p:nvPr>
+            <p:ph idx="1"/>
+          </p:nvPr>
+        </p:nvPicPr>
+        <p:blipFill>
+          <a:blip r:embed="rId3">
+            <a:extLst>
+              <a:ext uri="{28A0092B-C50C-407E-A947-70E740481C1C}">
+                <a14:useLocalDpi xmlns:a14="http://schemas.microsoft.com/office/drawing/2010/main" val="0"/>
+              </a:ext>
+            </a:extLst>
+          </a:blip>
+          <a:srcRect/>
+          <a:stretch/>
+        </p:blipFill>
+        <p:spPr>
+          <a:xfrm>
+            <a:off x="4932040" y="1207428"/>
+            <a:ext cx="3702241" cy="842387"/>
+          </a:xfrm>
+        </p:spPr>
+      </p:pic>
+      <p:sp>
+        <p:nvSpPr>
+          <p:cNvPr id="2" name="Textfeld 1">
+            <a:extLst>
+              <a:ext uri="{FF2B5EF4-FFF2-40B4-BE49-F238E27FC236}">
+                <a16:creationId xmlns:a16="http://schemas.microsoft.com/office/drawing/2014/main" id="{B7D66AEE-DA7B-0E7F-319B-C53EF35D8C52}"/>
+              </a:ext>
+            </a:extLst>
+          </p:cNvPr>
+          <p:cNvSpPr txBox="1"/>
+          <p:nvPr/>
+        </p:nvSpPr>
+        <p:spPr bwMode="auto">
+          <a:xfrm>
+            <a:off x="285750" y="1495817"/>
+            <a:ext cx="3566170" cy="553998"/>
           </a:xfrm>
           <a:prstGeom prst="rect">
             <a:avLst/>
@@ -7516,16 +9142,309 @@
           </a:bodyPr>
           <a:lstStyle/>
           <a:p>
-            <a:pPr algn="ctr" eaLnBrk="1" hangingPunct="1"/>
-            <a:r>
-              <a:rPr lang="de-DE" sz="3200" dirty="0" err="1">
+            <a:pPr eaLnBrk="1" hangingPunct="1"/>
+            <a:r>
+              <a:rPr lang="de-DE" sz="3000" dirty="0">
                 <a:latin typeface="+mj-lt"/>
               </a:rPr>
+              <a:t>Was ist Docker?</a:t>
+            </a:r>
+          </a:p>
+        </p:txBody>
+      </p:sp>
+      <p:sp>
+        <p:nvSpPr>
+          <p:cNvPr id="3" name="Textfeld 2">
+            <a:extLst>
+              <a:ext uri="{FF2B5EF4-FFF2-40B4-BE49-F238E27FC236}">
+                <a16:creationId xmlns:a16="http://schemas.microsoft.com/office/drawing/2014/main" id="{D0236CFD-B41F-DABC-4D5F-0344674D3153}"/>
+              </a:ext>
+            </a:extLst>
+          </p:cNvPr>
+          <p:cNvSpPr txBox="1"/>
+          <p:nvPr/>
+        </p:nvSpPr>
+        <p:spPr bwMode="auto">
+          <a:xfrm>
+            <a:off x="323528" y="2420888"/>
+            <a:ext cx="8534722" cy="1015663"/>
+          </a:xfrm>
+          <a:prstGeom prst="rect">
+            <a:avLst/>
+          </a:prstGeom>
+          <a:noFill/>
+          <a:ln w="9525">
+            <a:noFill/>
+            <a:miter lim="800000"/>
+            <a:headEnd/>
+            <a:tailEnd/>
+          </a:ln>
+        </p:spPr>
+        <p:txBody>
+          <a:bodyPr wrap="square" rtlCol="0" anchor="t" anchorCtr="0">
+            <a:spAutoFit/>
+          </a:bodyPr>
+          <a:lstStyle/>
+          <a:p>
+            <a:pPr marL="285750" indent="-285750" eaLnBrk="1" hangingPunct="1">
+              <a:buFont typeface="Arial" panose="020B0604020202020204" pitchFamily="34" charset="0"/>
+              <a:buChar char="•"/>
+            </a:pPr>
+            <a:r>
+              <a:rPr lang="en-US" sz="2000" dirty="0" err="1">
+                <a:latin typeface="Arial" charset="0"/>
+              </a:rPr>
+              <a:t>Hilft</a:t>
+            </a:r>
+            <a:r>
+              <a:rPr lang="en-US" sz="2000" dirty="0">
+                <a:latin typeface="Arial" charset="0"/>
+              </a:rPr>
+              <a:t> </a:t>
+            </a:r>
+            <a:r>
+              <a:rPr lang="en-US" sz="2000" dirty="0" err="1">
+                <a:latin typeface="Arial" charset="0"/>
+              </a:rPr>
+              <a:t>beim</a:t>
+            </a:r>
+            <a:r>
+              <a:rPr lang="en-US" sz="2000" dirty="0">
+                <a:latin typeface="Arial" charset="0"/>
+              </a:rPr>
+              <a:t> </a:t>
+            </a:r>
+            <a:r>
+              <a:rPr lang="en-US" sz="2000" dirty="0" err="1">
+                <a:latin typeface="Arial" charset="0"/>
+              </a:rPr>
+              <a:t>Bauen</a:t>
+            </a:r>
+            <a:r>
+              <a:rPr lang="en-US" sz="2000" dirty="0">
+                <a:latin typeface="Arial" charset="0"/>
+              </a:rPr>
+              <a:t>, </a:t>
+            </a:r>
+            <a:r>
+              <a:rPr lang="en-US" sz="2000" dirty="0" err="1">
+                <a:latin typeface="Arial" charset="0"/>
+              </a:rPr>
+              <a:t>Veröffentlichen</a:t>
+            </a:r>
+            <a:r>
+              <a:rPr lang="en-US" sz="2000" dirty="0">
+                <a:latin typeface="Arial" charset="0"/>
+              </a:rPr>
+              <a:t> und </a:t>
+            </a:r>
+            <a:r>
+              <a:rPr lang="en-US" sz="2000" dirty="0" err="1">
+                <a:latin typeface="Arial" charset="0"/>
+              </a:rPr>
+              <a:t>Ausführen</a:t>
+            </a:r>
+            <a:r>
+              <a:rPr lang="en-US" sz="2000" dirty="0">
+                <a:latin typeface="Arial" charset="0"/>
+              </a:rPr>
+              <a:t> von Software </a:t>
+            </a:r>
+          </a:p>
+          <a:p>
+            <a:pPr marL="285750" indent="-285750" eaLnBrk="1" hangingPunct="1">
+              <a:buFont typeface="Arial" panose="020B0604020202020204" pitchFamily="34" charset="0"/>
+              <a:buChar char="•"/>
+            </a:pPr>
+            <a:r>
+              <a:rPr lang="en-US" sz="2000" dirty="0" err="1">
+                <a:latin typeface="Arial" charset="0"/>
+              </a:rPr>
+              <a:t>Containerisierung</a:t>
+            </a:r>
+            <a:endParaRPr lang="en-US" sz="2000" dirty="0">
+              <a:latin typeface="Arial" charset="0"/>
+            </a:endParaRPr>
+          </a:p>
+          <a:p>
+            <a:pPr marL="285750" indent="-285750" eaLnBrk="1" hangingPunct="1">
+              <a:buFont typeface="Arial" panose="020B0604020202020204" pitchFamily="34" charset="0"/>
+              <a:buChar char="•"/>
+            </a:pPr>
+            <a:r>
+              <a:rPr lang="de-DE" sz="2000" dirty="0">
+                <a:latin typeface="Arial" charset="0"/>
+              </a:rPr>
+              <a:t>Verringert die Arbeit für </a:t>
+            </a:r>
+            <a:r>
+              <a:rPr lang="de-DE" sz="2000" dirty="0" err="1">
+                <a:latin typeface="Arial" charset="0"/>
+              </a:rPr>
+              <a:t>Umgebunsmanagement</a:t>
+            </a:r>
+            <a:r>
+              <a:rPr lang="de-DE" sz="2000" dirty="0">
+                <a:latin typeface="Arial" charset="0"/>
+              </a:rPr>
+              <a:t> und -konfiguration</a:t>
+            </a:r>
+          </a:p>
+        </p:txBody>
+      </p:sp>
+    </p:spTree>
+    <p:extLst>
+      <p:ext uri="{BB962C8B-B14F-4D97-AF65-F5344CB8AC3E}">
+        <p14:creationId xmlns:p14="http://schemas.microsoft.com/office/powerpoint/2010/main" val="201815292"/>
+      </p:ext>
+    </p:extLst>
+  </p:cSld>
+  <p:clrMapOvr>
+    <a:masterClrMapping/>
+  </p:clrMapOvr>
+</p:sld>
+</file>
+
+<file path=ppt/slides/slide30.xml><?xml version="1.0" encoding="utf-8"?>
+<p:sld xmlns:a="http://schemas.openxmlformats.org/drawingml/2006/main" xmlns:r="http://schemas.openxmlformats.org/officeDocument/2006/relationships" xmlns:p="http://schemas.openxmlformats.org/presentationml/2006/main">
+  <p:cSld>
+    <p:spTree>
+      <p:nvGrpSpPr>
+        <p:cNvPr id="1" name=""/>
+        <p:cNvGrpSpPr/>
+        <p:nvPr/>
+      </p:nvGrpSpPr>
+      <p:grpSpPr>
+        <a:xfrm>
+          <a:off x="0" y="0"/>
+          <a:ext cx="0" cy="0"/>
+          <a:chOff x="0" y="0"/>
+          <a:chExt cx="0" cy="0"/>
+        </a:xfrm>
+      </p:grpSpPr>
+      <p:sp>
+        <p:nvSpPr>
+          <p:cNvPr id="2" name="Titel 1">
+            <a:extLst>
+              <a:ext uri="{FF2B5EF4-FFF2-40B4-BE49-F238E27FC236}">
+                <a16:creationId xmlns:a16="http://schemas.microsoft.com/office/drawing/2014/main" id="{5A4F09B8-CD16-8EA7-B49B-F88A6AE5F1F8}"/>
+              </a:ext>
+            </a:extLst>
+          </p:cNvPr>
+          <p:cNvSpPr>
+            <a:spLocks noGrp="1"/>
+          </p:cNvSpPr>
+          <p:nvPr>
+            <p:ph type="title"/>
+          </p:nvPr>
+        </p:nvSpPr>
+        <p:spPr/>
+        <p:txBody>
+          <a:bodyPr/>
+          <a:lstStyle/>
+          <a:p>
+            <a:r>
+              <a:rPr lang="de-DE" altLang="de-DE" dirty="0"/>
+              <a:t>Lokale Entwicklung mit Docker</a:t>
+            </a:r>
+            <a:endParaRPr lang="de-DE" dirty="0"/>
+          </a:p>
+        </p:txBody>
+      </p:sp>
+      <p:sp>
+        <p:nvSpPr>
+          <p:cNvPr id="3" name="Inhaltsplatzhalter 2">
+            <a:extLst>
+              <a:ext uri="{FF2B5EF4-FFF2-40B4-BE49-F238E27FC236}">
+                <a16:creationId xmlns:a16="http://schemas.microsoft.com/office/drawing/2014/main" id="{7E49F935-19FA-C4D2-7EC6-EDE60AE831D7}"/>
+              </a:ext>
+            </a:extLst>
+          </p:cNvPr>
+          <p:cNvSpPr>
+            <a:spLocks noGrp="1"/>
+          </p:cNvSpPr>
+          <p:nvPr>
+            <p:ph idx="1"/>
+          </p:nvPr>
+        </p:nvSpPr>
+        <p:spPr>
+          <a:xfrm>
+            <a:off x="303213" y="1268759"/>
+            <a:ext cx="8516937" cy="2263607"/>
+          </a:xfrm>
+        </p:spPr>
+        <p:txBody>
+          <a:bodyPr/>
+          <a:lstStyle/>
+          <a:p>
+            <a:pPr marL="0" indent="0">
+              <a:buNone/>
+            </a:pPr>
+            <a:r>
+              <a:rPr lang="de-DE" sz="2400" b="1" dirty="0" err="1">
+                <a:latin typeface="+mj-lt"/>
+              </a:rPr>
               <a:t>Volumes</a:t>
             </a:r>
-            <a:endParaRPr lang="de-DE" sz="3200" dirty="0">
-              <a:latin typeface="+mj-lt"/>
-            </a:endParaRPr>
+            <a:endParaRPr lang="de-DE" b="1" dirty="0"/>
+          </a:p>
+          <a:p>
+            <a:pPr>
+              <a:buFont typeface="Arial" panose="020B0604020202020204" pitchFamily="34" charset="0"/>
+              <a:buChar char="•"/>
+            </a:pPr>
+            <a:r>
+              <a:rPr lang="de-DE" dirty="0"/>
+              <a:t>Daten werden mit einem Container gelöscht</a:t>
+            </a:r>
+          </a:p>
+          <a:p>
+            <a:pPr>
+              <a:buFont typeface="Arial" panose="020B0604020202020204" pitchFamily="34" charset="0"/>
+              <a:buChar char="•"/>
+            </a:pPr>
+            <a:r>
+              <a:rPr lang="de-DE" dirty="0"/>
+              <a:t>Persistente Daten können in </a:t>
+            </a:r>
+            <a:r>
+              <a:rPr lang="de-DE" dirty="0" err="1"/>
+              <a:t>Volumes</a:t>
+            </a:r>
+            <a:r>
+              <a:rPr lang="de-DE" dirty="0"/>
+              <a:t> gespeichert werden</a:t>
+            </a:r>
+          </a:p>
+          <a:p>
+            <a:pPr>
+              <a:buFont typeface="Arial" panose="020B0604020202020204" pitchFamily="34" charset="0"/>
+              <a:buChar char="•"/>
+            </a:pPr>
+            <a:r>
+              <a:rPr lang="de-DE" dirty="0" err="1"/>
+              <a:t>Volumes</a:t>
+            </a:r>
+            <a:r>
+              <a:rPr lang="de-DE" dirty="0"/>
+              <a:t> werden in Container eingebunden</a:t>
+            </a:r>
+          </a:p>
+          <a:p>
+            <a:pPr>
+              <a:buFont typeface="Arial" panose="020B0604020202020204" pitchFamily="34" charset="0"/>
+              <a:buChar char="•"/>
+            </a:pPr>
+            <a:r>
+              <a:rPr lang="de-DE" dirty="0">
+                <a:hlinkClick r:id="rId2"/>
+              </a:rPr>
+              <a:t>https://docs.docker.com/storage/volumes/</a:t>
+            </a:r>
+            <a:r>
+              <a:rPr lang="de-DE" dirty="0"/>
+              <a:t> </a:t>
+            </a:r>
           </a:p>
         </p:txBody>
       </p:sp>
@@ -8420,7 +10339,7 @@
 </p:sld>
 </file>
 
-<file path=ppt/slides/slide22.xml><?xml version="1.0" encoding="utf-8"?>
+<file path=ppt/slides/slide31.xml><?xml version="1.0" encoding="utf-8"?>
 <p:sld xmlns:a="http://schemas.openxmlformats.org/drawingml/2006/main" xmlns:r="http://schemas.openxmlformats.org/officeDocument/2006/relationships" xmlns:p="http://schemas.openxmlformats.org/presentationml/2006/main">
   <p:cSld>
     <p:spTree>
@@ -8555,14 +10474,32 @@
         </p:nvSpPr>
         <p:spPr>
           <a:xfrm>
-            <a:off x="303213" y="1844824"/>
-            <a:ext cx="8516937" cy="1793048"/>
+            <a:off x="303213" y="1268760"/>
+            <a:ext cx="8516937" cy="2369112"/>
           </a:xfrm>
         </p:spPr>
         <p:txBody>
           <a:bodyPr/>
           <a:lstStyle/>
           <a:p>
+            <a:pPr marL="0" indent="0">
+              <a:buNone/>
+            </a:pPr>
+            <a:r>
+              <a:rPr lang="de-DE" sz="2400" b="1" dirty="0">
+                <a:latin typeface="+mj-lt"/>
+              </a:rPr>
+              <a:t>Docker </a:t>
+            </a:r>
+            <a:r>
+              <a:rPr lang="de-DE" sz="2400" b="1" dirty="0" err="1">
+                <a:latin typeface="+mj-lt"/>
+              </a:rPr>
+              <a:t>Compose</a:t>
+            </a:r>
+            <a:endParaRPr lang="de-DE" b="1" dirty="0"/>
+          </a:p>
+          <a:p>
             <a:pPr>
               <a:buFont typeface="Arial" panose="020B0604020202020204" pitchFamily="34" charset="0"/>
               <a:buChar char="•"/>
@@ -8607,59 +10544,6 @@
               <a:rPr lang="de-DE" dirty="0"/>
               <a:t> </a:t>
             </a:r>
-          </a:p>
-        </p:txBody>
-      </p:sp>
-      <p:sp>
-        <p:nvSpPr>
-          <p:cNvPr id="4" name="Textfeld 3">
-            <a:extLst>
-              <a:ext uri="{FF2B5EF4-FFF2-40B4-BE49-F238E27FC236}">
-                <a16:creationId xmlns:a16="http://schemas.microsoft.com/office/drawing/2014/main" id="{AA530301-1190-3350-040E-CFBBDCF56DB1}"/>
-              </a:ext>
-            </a:extLst>
-          </p:cNvPr>
-          <p:cNvSpPr txBox="1"/>
-          <p:nvPr/>
-        </p:nvSpPr>
-        <p:spPr bwMode="auto">
-          <a:xfrm>
-            <a:off x="285720" y="1124744"/>
-            <a:ext cx="8516937" cy="584775"/>
-          </a:xfrm>
-          <a:prstGeom prst="rect">
-            <a:avLst/>
-          </a:prstGeom>
-          <a:noFill/>
-          <a:ln w="9525">
-            <a:noFill/>
-            <a:miter lim="800000"/>
-            <a:headEnd/>
-            <a:tailEnd/>
-          </a:ln>
-        </p:spPr>
-        <p:txBody>
-          <a:bodyPr wrap="square" rtlCol="0" anchor="ctr">
-            <a:spAutoFit/>
-          </a:bodyPr>
-          <a:lstStyle/>
-          <a:p>
-            <a:pPr algn="ctr" eaLnBrk="1" hangingPunct="1"/>
-            <a:r>
-              <a:rPr lang="de-DE" sz="3200" dirty="0">
-                <a:latin typeface="+mj-lt"/>
-              </a:rPr>
-              <a:t>Docker </a:t>
-            </a:r>
-            <a:r>
-              <a:rPr lang="de-DE" sz="3200" dirty="0" err="1">
-                <a:latin typeface="+mj-lt"/>
-              </a:rPr>
-              <a:t>Compose</a:t>
-            </a:r>
-            <a:endParaRPr lang="de-DE" sz="3200" dirty="0">
-              <a:latin typeface="+mj-lt"/>
-            </a:endParaRPr>
           </a:p>
         </p:txBody>
       </p:sp>
@@ -8904,7 +10788,7 @@
 </p:sld>
 </file>
 
-<file path=ppt/slides/slide23.xml><?xml version="1.0" encoding="utf-8"?>
+<file path=ppt/slides/slide32.xml><?xml version="1.0" encoding="utf-8"?>
 <p:sld xmlns:a="http://schemas.openxmlformats.org/drawingml/2006/main" xmlns:r="http://schemas.openxmlformats.org/officeDocument/2006/relationships" xmlns:p="http://schemas.openxmlformats.org/presentationml/2006/main">
   <p:cSld>
     <p:spTree>
@@ -8968,7 +10852,7 @@
         </p:nvSpPr>
         <p:spPr>
           <a:xfrm>
-            <a:off x="303213" y="1916832"/>
+            <a:off x="303213" y="1268760"/>
             <a:ext cx="8516937" cy="3744416"/>
           </a:xfrm>
         </p:spPr>
@@ -8976,6 +10860,30 @@
           <a:bodyPr/>
           <a:lstStyle/>
           <a:p>
+            <a:pPr marL="0" indent="0">
+              <a:buNone/>
+            </a:pPr>
+            <a:r>
+              <a:rPr lang="de-DE" sz="2400" b="1" dirty="0">
+                <a:latin typeface="+mj-lt"/>
+              </a:rPr>
+              <a:t>Integration mit </a:t>
+            </a:r>
+            <a:r>
+              <a:rPr lang="de-DE" sz="2400" b="1" dirty="0" err="1">
+                <a:latin typeface="+mj-lt"/>
+              </a:rPr>
+              <a:t>Gitlabs</a:t>
+            </a:r>
+            <a:r>
+              <a:rPr lang="de-DE" sz="2400" b="1" dirty="0">
+                <a:latin typeface="+mj-lt"/>
+              </a:rPr>
+              <a:t>-CI</a:t>
+            </a:r>
+            <a:endParaRPr lang="de-DE" b="1" dirty="0"/>
+          </a:p>
+          <a:p>
             <a:pPr>
               <a:buFont typeface="Arial" panose="020B0604020202020204" pitchFamily="34" charset="0"/>
               <a:buChar char="•"/>
@@ -9023,62 +10931,6 @@
             <a:r>
               <a:rPr lang="de-DE" dirty="0"/>
               <a:t>Abgekapselt</a:t>
-            </a:r>
-          </a:p>
-        </p:txBody>
-      </p:sp>
-      <p:sp>
-        <p:nvSpPr>
-          <p:cNvPr id="4" name="Textfeld 3">
-            <a:extLst>
-              <a:ext uri="{FF2B5EF4-FFF2-40B4-BE49-F238E27FC236}">
-                <a16:creationId xmlns:a16="http://schemas.microsoft.com/office/drawing/2014/main" id="{6D05E526-4370-4B74-4737-5D60274AF541}"/>
-              </a:ext>
-            </a:extLst>
-          </p:cNvPr>
-          <p:cNvSpPr txBox="1"/>
-          <p:nvPr/>
-        </p:nvSpPr>
-        <p:spPr bwMode="auto">
-          <a:xfrm>
-            <a:off x="285720" y="1196752"/>
-            <a:ext cx="8516937" cy="584775"/>
-          </a:xfrm>
-          <a:prstGeom prst="rect">
-            <a:avLst/>
-          </a:prstGeom>
-          <a:noFill/>
-          <a:ln w="9525">
-            <a:noFill/>
-            <a:miter lim="800000"/>
-            <a:headEnd/>
-            <a:tailEnd/>
-          </a:ln>
-        </p:spPr>
-        <p:txBody>
-          <a:bodyPr wrap="square" rtlCol="0" anchor="ctr">
-            <a:spAutoFit/>
-          </a:bodyPr>
-          <a:lstStyle/>
-          <a:p>
-            <a:pPr algn="ctr" eaLnBrk="1" hangingPunct="1"/>
-            <a:r>
-              <a:rPr lang="de-DE" sz="3200" dirty="0">
-                <a:latin typeface="+mj-lt"/>
-              </a:rPr>
-              <a:t>Integration mit </a:t>
-            </a:r>
-            <a:r>
-              <a:rPr lang="de-DE" sz="3200" dirty="0" err="1">
-                <a:latin typeface="+mj-lt"/>
-              </a:rPr>
-              <a:t>Gitlabs</a:t>
-            </a:r>
-            <a:r>
-              <a:rPr lang="de-DE" sz="3200" dirty="0">
-                <a:latin typeface="+mj-lt"/>
-              </a:rPr>
-              <a:t>-CI</a:t>
             </a:r>
           </a:p>
         </p:txBody>
@@ -9135,7 +10987,7 @@
 </p:sld>
 </file>
 
-<file path=ppt/slides/slide24.xml><?xml version="1.0" encoding="utf-8"?>
+<file path=ppt/slides/slide33.xml><?xml version="1.0" encoding="utf-8"?>
 <p:sld xmlns:a="http://schemas.openxmlformats.org/drawingml/2006/main" xmlns:r="http://schemas.openxmlformats.org/officeDocument/2006/relationships" xmlns:p="http://schemas.openxmlformats.org/presentationml/2006/main">
   <p:cSld>
     <p:spTree>
@@ -9199,7 +11051,7 @@
         </p:nvSpPr>
         <p:spPr>
           <a:xfrm>
-            <a:off x="303213" y="2256355"/>
+            <a:off x="303213" y="1268760"/>
             <a:ext cx="8516937" cy="4125395"/>
           </a:xfrm>
         </p:spPr>
@@ -9207,6 +11059,18 @@
           <a:bodyPr/>
           <a:lstStyle/>
           <a:p>
+            <a:pPr marL="0" indent="0">
+              <a:buNone/>
+            </a:pPr>
+            <a:r>
+              <a:rPr lang="de-DE" sz="2400" b="1" dirty="0">
+                <a:latin typeface="+mj-lt"/>
+              </a:rPr>
+              <a:t>Zusammenfassung</a:t>
+            </a:r>
+            <a:endParaRPr lang="de-DE" b="1" dirty="0"/>
+          </a:p>
+          <a:p>
             <a:pPr>
               <a:buFont typeface="Arial" panose="020B0604020202020204" pitchFamily="34" charset="0"/>
               <a:buChar char="•"/>
@@ -9232,53 +11096,8 @@
               <a:buChar char="•"/>
             </a:pPr>
             <a:r>
-              <a:rPr lang="de-DE"/>
+              <a:rPr lang="de-DE" dirty="0"/>
               <a:t>Übernimmt Umgebungskonfiguration</a:t>
-            </a:r>
-            <a:endParaRPr lang="de-DE" dirty="0"/>
-          </a:p>
-        </p:txBody>
-      </p:sp>
-      <p:sp>
-        <p:nvSpPr>
-          <p:cNvPr id="6" name="Textfeld 5">
-            <a:extLst>
-              <a:ext uri="{FF2B5EF4-FFF2-40B4-BE49-F238E27FC236}">
-                <a16:creationId xmlns:a16="http://schemas.microsoft.com/office/drawing/2014/main" id="{5DD4BE0B-60D6-AA8E-C67F-86D609A3C9A4}"/>
-              </a:ext>
-            </a:extLst>
-          </p:cNvPr>
-          <p:cNvSpPr txBox="1"/>
-          <p:nvPr/>
-        </p:nvSpPr>
-        <p:spPr bwMode="auto">
-          <a:xfrm>
-            <a:off x="285720" y="1264406"/>
-            <a:ext cx="8516937" cy="584775"/>
-          </a:xfrm>
-          <a:prstGeom prst="rect">
-            <a:avLst/>
-          </a:prstGeom>
-          <a:noFill/>
-          <a:ln w="9525">
-            <a:noFill/>
-            <a:miter lim="800000"/>
-            <a:headEnd/>
-            <a:tailEnd/>
-          </a:ln>
-        </p:spPr>
-        <p:txBody>
-          <a:bodyPr wrap="square" rtlCol="0" anchor="ctr">
-            <a:spAutoFit/>
-          </a:bodyPr>
-          <a:lstStyle/>
-          <a:p>
-            <a:pPr algn="ctr" eaLnBrk="1" hangingPunct="1"/>
-            <a:r>
-              <a:rPr lang="de-DE" sz="3200" dirty="0">
-                <a:latin typeface="+mj-lt"/>
-              </a:rPr>
-              <a:t>Zusammenfassung</a:t>
             </a:r>
           </a:p>
         </p:txBody>
@@ -9287,287 +11106,6 @@
     <p:extLst>
       <p:ext uri="{BB962C8B-B14F-4D97-AF65-F5344CB8AC3E}">
         <p14:creationId xmlns:p14="http://schemas.microsoft.com/office/powerpoint/2010/main" val="1653737171"/>
-      </p:ext>
-    </p:extLst>
-  </p:cSld>
-  <p:clrMapOvr>
-    <a:masterClrMapping/>
-  </p:clrMapOvr>
-</p:sld>
-</file>
-
-<file path=ppt/slides/slide3.xml><?xml version="1.0" encoding="utf-8"?>
-<p:sld xmlns:a="http://schemas.openxmlformats.org/drawingml/2006/main" xmlns:r="http://schemas.openxmlformats.org/officeDocument/2006/relationships" xmlns:p="http://schemas.openxmlformats.org/presentationml/2006/main">
-  <p:cSld>
-    <p:spTree>
-      <p:nvGrpSpPr>
-        <p:cNvPr id="1" name=""/>
-        <p:cNvGrpSpPr/>
-        <p:nvPr/>
-      </p:nvGrpSpPr>
-      <p:grpSpPr>
-        <a:xfrm>
-          <a:off x="0" y="0"/>
-          <a:ext cx="0" cy="0"/>
-          <a:chOff x="0" y="0"/>
-          <a:chExt cx="0" cy="0"/>
-        </a:xfrm>
-      </p:grpSpPr>
-      <p:sp>
-        <p:nvSpPr>
-          <p:cNvPr id="7170" name="Titel 1">
-            <a:extLst>
-              <a:ext uri="{FF2B5EF4-FFF2-40B4-BE49-F238E27FC236}">
-                <a16:creationId xmlns:a16="http://schemas.microsoft.com/office/drawing/2014/main" id="{14166EE9-31F6-1432-6B4F-746369646516}"/>
-              </a:ext>
-            </a:extLst>
-          </p:cNvPr>
-          <p:cNvSpPr>
-            <a:spLocks noGrp="1"/>
-          </p:cNvSpPr>
-          <p:nvPr>
-            <p:ph type="title"/>
-          </p:nvPr>
-        </p:nvSpPr>
-        <p:spPr>
-          <a:xfrm>
-            <a:off x="285750" y="150813"/>
-            <a:ext cx="5554663" cy="706437"/>
-          </a:xfrm>
-        </p:spPr>
-        <p:txBody>
-          <a:bodyPr/>
-          <a:lstStyle/>
-          <a:p>
-            <a:r>
-              <a:rPr lang="de-DE" altLang="de-DE" dirty="0"/>
-              <a:t>Lokale Entwicklung mit Docker</a:t>
-            </a:r>
-          </a:p>
-        </p:txBody>
-      </p:sp>
-      <p:pic>
-        <p:nvPicPr>
-          <p:cNvPr id="4" name="Inhaltsplatzhalter 3">
-            <a:extLst>
-              <a:ext uri="{FF2B5EF4-FFF2-40B4-BE49-F238E27FC236}">
-                <a16:creationId xmlns:a16="http://schemas.microsoft.com/office/drawing/2014/main" id="{3F1A2286-E4F5-09BF-231F-5040FA435DA0}"/>
-              </a:ext>
-            </a:extLst>
-          </p:cNvPr>
-          <p:cNvPicPr>
-            <a:picLocks noGrp="1" noChangeAspect="1"/>
-          </p:cNvPicPr>
-          <p:nvPr>
-            <p:ph idx="1"/>
-          </p:nvPr>
-        </p:nvPicPr>
-        <p:blipFill>
-          <a:blip r:embed="rId3">
-            <a:extLst>
-              <a:ext uri="{28A0092B-C50C-407E-A947-70E740481C1C}">
-                <a14:useLocalDpi xmlns:a14="http://schemas.microsoft.com/office/drawing/2010/main" val="0"/>
-              </a:ext>
-            </a:extLst>
-          </a:blip>
-          <a:srcRect/>
-          <a:stretch/>
-        </p:blipFill>
-        <p:spPr>
-          <a:xfrm>
-            <a:off x="4932040" y="1207428"/>
-            <a:ext cx="3702241" cy="842387"/>
-          </a:xfrm>
-        </p:spPr>
-      </p:pic>
-      <p:sp>
-        <p:nvSpPr>
-          <p:cNvPr id="2" name="Textfeld 1">
-            <a:extLst>
-              <a:ext uri="{FF2B5EF4-FFF2-40B4-BE49-F238E27FC236}">
-                <a16:creationId xmlns:a16="http://schemas.microsoft.com/office/drawing/2014/main" id="{B7D66AEE-DA7B-0E7F-319B-C53EF35D8C52}"/>
-              </a:ext>
-            </a:extLst>
-          </p:cNvPr>
-          <p:cNvSpPr txBox="1"/>
-          <p:nvPr/>
-        </p:nvSpPr>
-        <p:spPr bwMode="auto">
-          <a:xfrm>
-            <a:off x="285750" y="1495817"/>
-            <a:ext cx="3566170" cy="553998"/>
-          </a:xfrm>
-          <a:prstGeom prst="rect">
-            <a:avLst/>
-          </a:prstGeom>
-          <a:noFill/>
-          <a:ln w="9525">
-            <a:noFill/>
-            <a:miter lim="800000"/>
-            <a:headEnd/>
-            <a:tailEnd/>
-          </a:ln>
-        </p:spPr>
-        <p:txBody>
-          <a:bodyPr wrap="square" rtlCol="0" anchor="ctr">
-            <a:spAutoFit/>
-          </a:bodyPr>
-          <a:lstStyle/>
-          <a:p>
-            <a:pPr eaLnBrk="1" hangingPunct="1"/>
-            <a:r>
-              <a:rPr lang="de-DE" sz="3000" dirty="0">
-                <a:latin typeface="+mj-lt"/>
-              </a:rPr>
-              <a:t>Was ist Docker?</a:t>
-            </a:r>
-          </a:p>
-        </p:txBody>
-      </p:sp>
-      <p:sp>
-        <p:nvSpPr>
-          <p:cNvPr id="3" name="Textfeld 2">
-            <a:extLst>
-              <a:ext uri="{FF2B5EF4-FFF2-40B4-BE49-F238E27FC236}">
-                <a16:creationId xmlns:a16="http://schemas.microsoft.com/office/drawing/2014/main" id="{D0236CFD-B41F-DABC-4D5F-0344674D3153}"/>
-              </a:ext>
-            </a:extLst>
-          </p:cNvPr>
-          <p:cNvSpPr txBox="1"/>
-          <p:nvPr/>
-        </p:nvSpPr>
-        <p:spPr bwMode="auto">
-          <a:xfrm>
-            <a:off x="323528" y="2420888"/>
-            <a:ext cx="8534722" cy="1015663"/>
-          </a:xfrm>
-          <a:prstGeom prst="rect">
-            <a:avLst/>
-          </a:prstGeom>
-          <a:noFill/>
-          <a:ln w="9525">
-            <a:noFill/>
-            <a:miter lim="800000"/>
-            <a:headEnd/>
-            <a:tailEnd/>
-          </a:ln>
-        </p:spPr>
-        <p:txBody>
-          <a:bodyPr wrap="square" rtlCol="0" anchor="t" anchorCtr="0">
-            <a:spAutoFit/>
-          </a:bodyPr>
-          <a:lstStyle/>
-          <a:p>
-            <a:pPr marL="285750" indent="-285750" eaLnBrk="1" hangingPunct="1">
-              <a:buFont typeface="Arial" panose="020B0604020202020204" pitchFamily="34" charset="0"/>
-              <a:buChar char="•"/>
-            </a:pPr>
-            <a:r>
-              <a:rPr lang="en-US" sz="2000" dirty="0" err="1">
-                <a:latin typeface="Arial" charset="0"/>
-              </a:rPr>
-              <a:t>Hilft</a:t>
-            </a:r>
-            <a:r>
-              <a:rPr lang="en-US" sz="2000" dirty="0">
-                <a:latin typeface="Arial" charset="0"/>
-              </a:rPr>
-              <a:t> </a:t>
-            </a:r>
-            <a:r>
-              <a:rPr lang="en-US" sz="2000" dirty="0" err="1">
-                <a:latin typeface="Arial" charset="0"/>
-              </a:rPr>
-              <a:t>beim</a:t>
-            </a:r>
-            <a:r>
-              <a:rPr lang="en-US" sz="2000" dirty="0">
-                <a:latin typeface="Arial" charset="0"/>
-              </a:rPr>
-              <a:t> </a:t>
-            </a:r>
-            <a:r>
-              <a:rPr lang="en-US" sz="2000" dirty="0" err="1">
-                <a:latin typeface="Arial" charset="0"/>
-              </a:rPr>
-              <a:t>Bauen</a:t>
-            </a:r>
-            <a:r>
-              <a:rPr lang="en-US" sz="2000" dirty="0">
-                <a:latin typeface="Arial" charset="0"/>
-              </a:rPr>
-              <a:t>, </a:t>
-            </a:r>
-            <a:r>
-              <a:rPr lang="en-US" sz="2000" dirty="0" err="1">
-                <a:latin typeface="Arial" charset="0"/>
-              </a:rPr>
-              <a:t>Veröffentlichen</a:t>
-            </a:r>
-            <a:r>
-              <a:rPr lang="en-US" sz="2000" dirty="0">
-                <a:latin typeface="Arial" charset="0"/>
-              </a:rPr>
-              <a:t> und </a:t>
-            </a:r>
-            <a:r>
-              <a:rPr lang="en-US" sz="2000" dirty="0" err="1">
-                <a:latin typeface="Arial" charset="0"/>
-              </a:rPr>
-              <a:t>Ausführen</a:t>
-            </a:r>
-            <a:r>
-              <a:rPr lang="en-US" sz="2000" dirty="0">
-                <a:latin typeface="Arial" charset="0"/>
-              </a:rPr>
-              <a:t> von Software </a:t>
-            </a:r>
-          </a:p>
-          <a:p>
-            <a:pPr marL="285750" indent="-285750" eaLnBrk="1" hangingPunct="1">
-              <a:buFont typeface="Arial" panose="020B0604020202020204" pitchFamily="34" charset="0"/>
-              <a:buChar char="•"/>
-            </a:pPr>
-            <a:r>
-              <a:rPr lang="en-US" sz="2000" dirty="0" err="1">
-                <a:latin typeface="Arial" charset="0"/>
-              </a:rPr>
-              <a:t>Containerisierung</a:t>
-            </a:r>
-            <a:endParaRPr lang="en-US" sz="2000" dirty="0">
-              <a:latin typeface="Arial" charset="0"/>
-            </a:endParaRPr>
-          </a:p>
-          <a:p>
-            <a:pPr marL="285750" indent="-285750" eaLnBrk="1" hangingPunct="1">
-              <a:buFont typeface="Arial" panose="020B0604020202020204" pitchFamily="34" charset="0"/>
-              <a:buChar char="•"/>
-            </a:pPr>
-            <a:r>
-              <a:rPr lang="de-DE" sz="2000" dirty="0">
-                <a:latin typeface="Arial" charset="0"/>
-              </a:rPr>
-              <a:t>Verringert die Arbeit für </a:t>
-            </a:r>
-            <a:r>
-              <a:rPr lang="de-DE" sz="2000" dirty="0" err="1">
-                <a:latin typeface="Arial" charset="0"/>
-              </a:rPr>
-              <a:t>Umgebunsmanagement</a:t>
-            </a:r>
-            <a:r>
-              <a:rPr lang="de-DE" sz="2000" dirty="0">
-                <a:latin typeface="Arial" charset="0"/>
-              </a:rPr>
-              <a:t> und -konfiguration</a:t>
-            </a:r>
-          </a:p>
-        </p:txBody>
-      </p:sp>
-    </p:spTree>
-    <p:extLst>
-      <p:ext uri="{BB962C8B-B14F-4D97-AF65-F5344CB8AC3E}">
-        <p14:creationId xmlns:p14="http://schemas.microsoft.com/office/powerpoint/2010/main" val="201815292"/>
       </p:ext>
     </p:extLst>
   </p:cSld>
@@ -9811,6 +11349,24 @@
             <a:endParaRPr lang="de-DE" dirty="0"/>
           </a:p>
           <a:p>
+            <a:pPr lvl="1">
+              <a:buFont typeface="Arial" panose="020B0604020202020204" pitchFamily="34" charset="0"/>
+              <a:buChar char="•"/>
+            </a:pPr>
+            <a:r>
+              <a:rPr lang="de-DE" dirty="0"/>
+              <a:t>Aufruf mit „</a:t>
+            </a:r>
+            <a:r>
+              <a:rPr lang="de-DE" dirty="0" err="1"/>
+              <a:t>dockerd</a:t>
+            </a:r>
+            <a:r>
+              <a:rPr lang="de-DE" dirty="0"/>
+              <a:t>“</a:t>
+            </a:r>
+          </a:p>
+          <a:p>
             <a:pPr>
               <a:buFont typeface="Arial" panose="020B0604020202020204" pitchFamily="34" charset="0"/>
               <a:buChar char="•"/>
@@ -9952,6 +11508,24 @@
             <a:r>
               <a:rPr lang="de-DE" dirty="0"/>
               <a:t>Primärer Ansprechpunkt für Docker</a:t>
+            </a:r>
+          </a:p>
+          <a:p>
+            <a:pPr lvl="1">
+              <a:buFont typeface="Arial" panose="020B0604020202020204" pitchFamily="34" charset="0"/>
+              <a:buChar char="•"/>
+            </a:pPr>
+            <a:r>
+              <a:rPr lang="de-DE" dirty="0"/>
+              <a:t>Aufruf mit „</a:t>
+            </a:r>
+            <a:r>
+              <a:rPr lang="de-DE" dirty="0" err="1"/>
+              <a:t>docker</a:t>
+            </a:r>
+            <a:r>
+              <a:rPr lang="de-DE" dirty="0"/>
+              <a:t>“</a:t>
             </a:r>
           </a:p>
           <a:p>
@@ -10602,17 +12176,17 @@
         </p:blipFill>
         <p:spPr>
           <a:xfrm>
-            <a:off x="5324078" y="2090253"/>
+            <a:off x="5292080" y="1298165"/>
             <a:ext cx="3628725" cy="2778907"/>
           </a:xfrm>
         </p:spPr>
       </p:pic>
       <p:sp>
         <p:nvSpPr>
-          <p:cNvPr id="4" name="Textfeld 3">
-            <a:extLst>
-              <a:ext uri="{FF2B5EF4-FFF2-40B4-BE49-F238E27FC236}">
-                <a16:creationId xmlns:a16="http://schemas.microsoft.com/office/drawing/2014/main" id="{B57C217B-AE9D-1939-B9B1-34E3FCB657EC}"/>
+          <p:cNvPr id="6" name="Textfeld 5">
+            <a:extLst>
+              <a:ext uri="{FF2B5EF4-FFF2-40B4-BE49-F238E27FC236}">
+                <a16:creationId xmlns:a16="http://schemas.microsoft.com/office/drawing/2014/main" id="{9CD25E95-B8E7-9391-5FA5-E84D7322D248}"/>
               </a:ext>
             </a:extLst>
           </p:cNvPr>
@@ -10621,8 +12195,8 @@
         </p:nvSpPr>
         <p:spPr bwMode="auto">
           <a:xfrm>
-            <a:off x="323528" y="1181364"/>
-            <a:ext cx="8496944" cy="584775"/>
+            <a:off x="461764" y="3702511"/>
+            <a:ext cx="4862314" cy="2246769"/>
           </a:xfrm>
           <a:prstGeom prst="rect">
             <a:avLst/>
@@ -10641,49 +12215,17 @@
           </a:bodyPr>
           <a:lstStyle/>
           <a:p>
-            <a:pPr algn="ctr" eaLnBrk="1" hangingPunct="1"/>
-            <a:r>
-              <a:rPr lang="de-DE" sz="3200" dirty="0">
+            <a:pPr eaLnBrk="1" hangingPunct="1"/>
+            <a:r>
+              <a:rPr lang="de-DE" sz="2000" b="1" dirty="0">
                 <a:latin typeface="+mj-lt"/>
               </a:rPr>
               <a:t>Was ist ein Container?</a:t>
             </a:r>
-          </a:p>
-        </p:txBody>
-      </p:sp>
-      <p:sp>
-        <p:nvSpPr>
-          <p:cNvPr id="6" name="Textfeld 5">
-            <a:extLst>
-              <a:ext uri="{FF2B5EF4-FFF2-40B4-BE49-F238E27FC236}">
-                <a16:creationId xmlns:a16="http://schemas.microsoft.com/office/drawing/2014/main" id="{9CD25E95-B8E7-9391-5FA5-E84D7322D248}"/>
-              </a:ext>
-            </a:extLst>
-          </p:cNvPr>
-          <p:cNvSpPr txBox="1"/>
-          <p:nvPr/>
-        </p:nvSpPr>
-        <p:spPr bwMode="auto">
-          <a:xfrm>
-            <a:off x="461764" y="2459505"/>
-            <a:ext cx="4862314" cy="1938992"/>
-          </a:xfrm>
-          <a:prstGeom prst="rect">
-            <a:avLst/>
-          </a:prstGeom>
-          <a:noFill/>
-          <a:ln w="9525">
-            <a:noFill/>
-            <a:miter lim="800000"/>
-            <a:headEnd/>
-            <a:tailEnd/>
-          </a:ln>
-        </p:spPr>
-        <p:txBody>
-          <a:bodyPr wrap="square" rtlCol="0" anchor="ctr">
-            <a:spAutoFit/>
-          </a:bodyPr>
-          <a:lstStyle/>
+            <a:endParaRPr lang="de-DE" sz="2000" b="1" dirty="0">
+              <a:latin typeface="Arial" charset="0"/>
+            </a:endParaRPr>
+          </a:p>
           <a:p>
             <a:pPr marL="342900" indent="-342900" eaLnBrk="1" hangingPunct="1">
               <a:buFont typeface="Arial" panose="020B0604020202020204" pitchFamily="34" charset="0"/>
@@ -10821,47 +12363,12 @@
           </a:p>
         </p:txBody>
       </p:sp>
-      <p:pic>
-        <p:nvPicPr>
-          <p:cNvPr id="3" name="Inhaltsplatzhalter 2" descr="Ein Bild, das Behälter, Frachtcontainer, Frachtverkehr, Warenladung enthält.&#10;&#10;Automatisch generierte Beschreibung">
-            <a:extLst>
-              <a:ext uri="{FF2B5EF4-FFF2-40B4-BE49-F238E27FC236}">
-                <a16:creationId xmlns:a16="http://schemas.microsoft.com/office/drawing/2014/main" id="{E5B7AAEB-1A49-AE18-F67D-D84291F157CE}"/>
-              </a:ext>
-            </a:extLst>
-          </p:cNvPr>
-          <p:cNvPicPr>
-            <a:picLocks noGrp="1" noChangeAspect="1"/>
-          </p:cNvPicPr>
-          <p:nvPr>
-            <p:ph idx="1"/>
-          </p:nvPr>
-        </p:nvPicPr>
-        <p:blipFill>
-          <a:blip r:embed="rId2">
-            <a:extLst>
-              <a:ext uri="{28A0092B-C50C-407E-A947-70E740481C1C}">
-                <a14:useLocalDpi xmlns:a14="http://schemas.microsoft.com/office/drawing/2010/main" val="0"/>
-              </a:ext>
-            </a:extLst>
-          </a:blip>
-          <a:stretch>
-            <a:fillRect/>
-          </a:stretch>
-        </p:blipFill>
-        <p:spPr>
-          <a:xfrm>
-            <a:off x="5324078" y="2090253"/>
-            <a:ext cx="3628725" cy="2778907"/>
-          </a:xfrm>
-        </p:spPr>
-      </p:pic>
       <p:sp>
         <p:nvSpPr>
-          <p:cNvPr id="4" name="Textfeld 3">
-            <a:extLst>
-              <a:ext uri="{FF2B5EF4-FFF2-40B4-BE49-F238E27FC236}">
-                <a16:creationId xmlns:a16="http://schemas.microsoft.com/office/drawing/2014/main" id="{B57C217B-AE9D-1939-B9B1-34E3FCB657EC}"/>
+          <p:cNvPr id="6" name="Textfeld 5">
+            <a:extLst>
+              <a:ext uri="{FF2B5EF4-FFF2-40B4-BE49-F238E27FC236}">
+                <a16:creationId xmlns:a16="http://schemas.microsoft.com/office/drawing/2014/main" id="{9CD25E95-B8E7-9391-5FA5-E84D7322D248}"/>
               </a:ext>
             </a:extLst>
           </p:cNvPr>
@@ -10870,8 +12377,8 @@
         </p:nvSpPr>
         <p:spPr bwMode="auto">
           <a:xfrm>
-            <a:off x="323528" y="1181364"/>
-            <a:ext cx="8496944" cy="584775"/>
+            <a:off x="4139952" y="1229333"/>
+            <a:ext cx="4862314" cy="1631216"/>
           </a:xfrm>
           <a:prstGeom prst="rect">
             <a:avLst/>
@@ -10890,49 +12397,17 @@
           </a:bodyPr>
           <a:lstStyle/>
           <a:p>
-            <a:pPr algn="ctr" eaLnBrk="1" hangingPunct="1"/>
-            <a:r>
-              <a:rPr lang="de-DE" sz="3200" dirty="0">
+            <a:pPr eaLnBrk="1" hangingPunct="1"/>
+            <a:r>
+              <a:rPr lang="de-DE" sz="2000" b="1" dirty="0">
                 <a:latin typeface="+mj-lt"/>
               </a:rPr>
               <a:t>Was ist ein Image?</a:t>
             </a:r>
-          </a:p>
-        </p:txBody>
-      </p:sp>
-      <p:sp>
-        <p:nvSpPr>
-          <p:cNvPr id="6" name="Textfeld 5">
-            <a:extLst>
-              <a:ext uri="{FF2B5EF4-FFF2-40B4-BE49-F238E27FC236}">
-                <a16:creationId xmlns:a16="http://schemas.microsoft.com/office/drawing/2014/main" id="{9CD25E95-B8E7-9391-5FA5-E84D7322D248}"/>
-              </a:ext>
-            </a:extLst>
-          </p:cNvPr>
-          <p:cNvSpPr txBox="1"/>
-          <p:nvPr/>
-        </p:nvSpPr>
-        <p:spPr bwMode="auto">
-          <a:xfrm>
-            <a:off x="461764" y="2767282"/>
-            <a:ext cx="4862314" cy="1323439"/>
-          </a:xfrm>
-          <a:prstGeom prst="rect">
-            <a:avLst/>
-          </a:prstGeom>
-          <a:noFill/>
-          <a:ln w="9525">
-            <a:noFill/>
-            <a:miter lim="800000"/>
-            <a:headEnd/>
-            <a:tailEnd/>
-          </a:ln>
-        </p:spPr>
-        <p:txBody>
-          <a:bodyPr wrap="square" rtlCol="0" anchor="ctr">
-            <a:spAutoFit/>
-          </a:bodyPr>
-          <a:lstStyle/>
+            <a:endParaRPr lang="de-DE" sz="2000" b="1" dirty="0">
+              <a:latin typeface="Arial" charset="0"/>
+            </a:endParaRPr>
+          </a:p>
           <a:p>
             <a:pPr marL="342900" indent="-342900" eaLnBrk="1" hangingPunct="1">
               <a:buFont typeface="Arial" panose="020B0604020202020204" pitchFamily="34" charset="0"/>
@@ -10983,6 +12458,41 @@
           </a:p>
         </p:txBody>
       </p:sp>
+      <p:pic>
+        <p:nvPicPr>
+          <p:cNvPr id="7" name="Inhaltsplatzhalter 6" descr="Ein Bild, das Elektronik, Compact Disc, Datenträger, CD enthält.&#10;&#10;Automatisch generierte Beschreibung">
+            <a:extLst>
+              <a:ext uri="{FF2B5EF4-FFF2-40B4-BE49-F238E27FC236}">
+                <a16:creationId xmlns:a16="http://schemas.microsoft.com/office/drawing/2014/main" id="{E22FBDEF-E23A-233B-B93E-55198BCB9CD2}"/>
+              </a:ext>
+            </a:extLst>
+          </p:cNvPr>
+          <p:cNvPicPr>
+            <a:picLocks noGrp="1" noChangeAspect="1"/>
+          </p:cNvPicPr>
+          <p:nvPr>
+            <p:ph idx="1"/>
+          </p:nvPr>
+        </p:nvPicPr>
+        <p:blipFill>
+          <a:blip r:embed="rId2">
+            <a:extLst>
+              <a:ext uri="{28A0092B-C50C-407E-A947-70E740481C1C}">
+                <a14:useLocalDpi xmlns:a14="http://schemas.microsoft.com/office/drawing/2010/main" val="0"/>
+              </a:ext>
+            </a:extLst>
+          </a:blip>
+          <a:stretch>
+            <a:fillRect/>
+          </a:stretch>
+        </p:blipFill>
+        <p:spPr>
+          <a:xfrm>
+            <a:off x="10466" y="2802674"/>
+            <a:ext cx="3985470" cy="3435060"/>
+          </a:xfrm>
+        </p:spPr>
+      </p:pic>
     </p:spTree>
     <p:extLst>
       <p:ext uri="{BB962C8B-B14F-4D97-AF65-F5344CB8AC3E}">

--- a/slides/Tag-3_1-Docker.pptx
+++ b/slides/Tag-3_1-Docker.pptx
@@ -9275,19 +9275,7 @@
               <a:rPr lang="de-DE" sz="2000" dirty="0">
                 <a:latin typeface="Arial" charset="0"/>
               </a:rPr>
-              <a:t>Verringert die Arbeit für </a:t>
-            </a:r>
-            <a:r>
-              <a:rPr lang="de-DE" sz="2000" dirty="0" err="1">
-                <a:latin typeface="Arial" charset="0"/>
-              </a:rPr>
-              <a:t>Umgebunsmanagement</a:t>
-            </a:r>
-            <a:r>
-              <a:rPr lang="de-DE" sz="2000" dirty="0">
-                <a:latin typeface="Arial" charset="0"/>
-              </a:rPr>
-              <a:t> und -konfiguration</a:t>
+              <a:t>Verringert die Arbeit für Umgebungsmanagement und -konfiguration</a:t>
             </a:r>
           </a:p>
         </p:txBody>
@@ -10873,7 +10861,7 @@
               <a:rPr lang="de-DE" sz="2400" b="1" dirty="0" err="1">
                 <a:latin typeface="+mj-lt"/>
               </a:rPr>
-              <a:t>Gitlabs</a:t>
+              <a:t>GitLab</a:t>
             </a:r>
             <a:r>
               <a:rPr lang="de-DE" sz="2400" b="1" dirty="0">
